--- a/Dökümanlar/Zombi Slayers.pptx
+++ b/Dökümanlar/Zombi Slayers.pptx
@@ -6,12 +6,16 @@
   </p:sldMasterIdLst>
   <p:sldIdLst>
     <p:sldId id="256" r:id="rId2"/>
-    <p:sldId id="257" r:id="rId3"/>
-    <p:sldId id="258" r:id="rId4"/>
-    <p:sldId id="259" r:id="rId5"/>
-    <p:sldId id="260" r:id="rId6"/>
-    <p:sldId id="262" r:id="rId7"/>
-    <p:sldId id="261" r:id="rId8"/>
+    <p:sldId id="263" r:id="rId3"/>
+    <p:sldId id="257" r:id="rId4"/>
+    <p:sldId id="258" r:id="rId5"/>
+    <p:sldId id="266" r:id="rId6"/>
+    <p:sldId id="259" r:id="rId7"/>
+    <p:sldId id="265" r:id="rId8"/>
+    <p:sldId id="260" r:id="rId9"/>
+    <p:sldId id="262" r:id="rId10"/>
+    <p:sldId id="261" r:id="rId11"/>
+    <p:sldId id="264" r:id="rId12"/>
   </p:sldIdLst>
   <p:sldSz cx="12192000" cy="6858000"/>
   <p:notesSz cx="6858000" cy="9144000"/>
@@ -110,6 +114,11 @@
       </a:defRPr>
     </a:lvl9pPr>
   </p:defaultTextStyle>
+  <p:extLst>
+    <p:ext uri="{EFAFB233-063F-42B5-8137-9DF3F51BA10A}">
+      <p15:sldGuideLst xmlns:p15="http://schemas.microsoft.com/office/powerpoint/2012/main"/>
+    </p:ext>
+  </p:extLst>
 </p:presentation>
 </file>
 
@@ -4371,7 +4380,19 @@
           <a:bodyPr/>
           <a:lstStyle/>
           <a:p>
-            <a:endParaRPr lang="tr-TR"/>
+            <a:r>
+              <a:rPr lang="tr-TR" dirty="0" err="1"/>
+              <a:t>Mushu’nun</a:t>
+            </a:r>
+            <a:r>
+              <a:rPr lang="tr-TR" dirty="0"/>
+              <a:t> </a:t>
+            </a:r>
+            <a:r>
+              <a:rPr lang="tr-TR" dirty="0" err="1"/>
+              <a:t>dökümanı</a:t>
+            </a:r>
+            <a:endParaRPr lang="tr-TR" dirty="0"/>
           </a:p>
         </p:txBody>
       </p:sp>
@@ -4379,6 +4400,227 @@
     <p:extLst>
       <p:ext uri="{BB962C8B-B14F-4D97-AF65-F5344CB8AC3E}">
         <p14:creationId xmlns:p14="http://schemas.microsoft.com/office/powerpoint/2010/main" val="3274843870"/>
+      </p:ext>
+    </p:extLst>
+  </p:cSld>
+  <p:clrMapOvr>
+    <a:masterClrMapping/>
+  </p:clrMapOvr>
+</p:sld>
+</file>
+
+<file path=ppt/slides/slide10.xml><?xml version="1.0" encoding="utf-8"?>
+<p:sld xmlns:a="http://schemas.openxmlformats.org/drawingml/2006/main" xmlns:r="http://schemas.openxmlformats.org/officeDocument/2006/relationships" xmlns:p="http://schemas.openxmlformats.org/presentationml/2006/main">
+  <p:cSld>
+    <p:spTree>
+      <p:nvGrpSpPr>
+        <p:cNvPr id="1" name=""/>
+        <p:cNvGrpSpPr/>
+        <p:nvPr/>
+      </p:nvGrpSpPr>
+      <p:grpSpPr>
+        <a:xfrm>
+          <a:off x="0" y="0"/>
+          <a:ext cx="0" cy="0"/>
+          <a:chOff x="0" y="0"/>
+          <a:chExt cx="0" cy="0"/>
+        </a:xfrm>
+      </p:grpSpPr>
+      <p:sp>
+        <p:nvSpPr>
+          <p:cNvPr id="2" name="Başlık 1">
+            <a:extLst>
+              <a:ext uri="{FF2B5EF4-FFF2-40B4-BE49-F238E27FC236}">
+                <a16:creationId xmlns:a16="http://schemas.microsoft.com/office/drawing/2014/main" id="{DDBA8385-A996-2FCC-3970-F70CE7E8D84D}"/>
+              </a:ext>
+            </a:extLst>
+          </p:cNvPr>
+          <p:cNvSpPr>
+            <a:spLocks noGrp="1"/>
+          </p:cNvSpPr>
+          <p:nvPr>
+            <p:ph type="title"/>
+          </p:nvPr>
+        </p:nvSpPr>
+        <p:spPr/>
+        <p:txBody>
+          <a:bodyPr/>
+          <a:lstStyle/>
+          <a:p>
+            <a:r>
+              <a:rPr lang="tr-TR" dirty="0"/>
+              <a:t>Ölme</a:t>
+            </a:r>
+          </a:p>
+        </p:txBody>
+      </p:sp>
+      <p:sp>
+        <p:nvSpPr>
+          <p:cNvPr id="3" name="İçerik Yer Tutucusu 2">
+            <a:extLst>
+              <a:ext uri="{FF2B5EF4-FFF2-40B4-BE49-F238E27FC236}">
+                <a16:creationId xmlns:a16="http://schemas.microsoft.com/office/drawing/2014/main" id="{16FC0403-6830-F128-B991-F36C746532A6}"/>
+              </a:ext>
+            </a:extLst>
+          </p:cNvPr>
+          <p:cNvSpPr>
+            <a:spLocks noGrp="1"/>
+          </p:cNvSpPr>
+          <p:nvPr>
+            <p:ph idx="1"/>
+          </p:nvPr>
+        </p:nvSpPr>
+        <p:spPr/>
+        <p:txBody>
+          <a:bodyPr/>
+          <a:lstStyle/>
+          <a:p>
+            <a:r>
+              <a:rPr lang="tr-TR" dirty="0"/>
+              <a:t>Her oyuncunun 3’er kartı var. </a:t>
+            </a:r>
+          </a:p>
+          <a:p>
+            <a:r>
+              <a:rPr lang="tr-TR" dirty="0"/>
+              <a:t>Her ölümde 1 kart kullanıyorlar. </a:t>
+            </a:r>
+          </a:p>
+          <a:p>
+            <a:r>
+              <a:rPr lang="tr-TR" dirty="0"/>
+              <a:t>Kartı biten oyundan düşüyor.</a:t>
+            </a:r>
+          </a:p>
+        </p:txBody>
+      </p:sp>
+    </p:spTree>
+    <p:extLst>
+      <p:ext uri="{BB962C8B-B14F-4D97-AF65-F5344CB8AC3E}">
+        <p14:creationId xmlns:p14="http://schemas.microsoft.com/office/powerpoint/2010/main" val="4241660725"/>
+      </p:ext>
+    </p:extLst>
+  </p:cSld>
+  <p:clrMapOvr>
+    <a:masterClrMapping/>
+  </p:clrMapOvr>
+</p:sld>
+</file>
+
+<file path=ppt/slides/slide11.xml><?xml version="1.0" encoding="utf-8"?>
+<p:sld xmlns:a="http://schemas.openxmlformats.org/drawingml/2006/main" xmlns:r="http://schemas.openxmlformats.org/officeDocument/2006/relationships" xmlns:p="http://schemas.openxmlformats.org/presentationml/2006/main">
+  <p:cSld>
+    <p:spTree>
+      <p:nvGrpSpPr>
+        <p:cNvPr id="1" name=""/>
+        <p:cNvGrpSpPr/>
+        <p:nvPr/>
+      </p:nvGrpSpPr>
+      <p:grpSpPr>
+        <a:xfrm>
+          <a:off x="0" y="0"/>
+          <a:ext cx="0" cy="0"/>
+          <a:chOff x="0" y="0"/>
+          <a:chExt cx="0" cy="0"/>
+        </a:xfrm>
+      </p:grpSpPr>
+      <p:sp>
+        <p:nvSpPr>
+          <p:cNvPr id="2" name="Başlık 1">
+            <a:extLst>
+              <a:ext uri="{FF2B5EF4-FFF2-40B4-BE49-F238E27FC236}">
+                <a16:creationId xmlns:a16="http://schemas.microsoft.com/office/drawing/2014/main" id="{786D8373-2926-2038-BD23-03CF50685397}"/>
+              </a:ext>
+            </a:extLst>
+          </p:cNvPr>
+          <p:cNvSpPr>
+            <a:spLocks noGrp="1"/>
+          </p:cNvSpPr>
+          <p:nvPr>
+            <p:ph type="title"/>
+          </p:nvPr>
+        </p:nvSpPr>
+        <p:spPr/>
+        <p:txBody>
+          <a:bodyPr/>
+          <a:lstStyle/>
+          <a:p>
+            <a:r>
+              <a:rPr lang="tr-TR" dirty="0"/>
+              <a:t>Bir takım sorular *? *?</a:t>
+            </a:r>
+          </a:p>
+        </p:txBody>
+      </p:sp>
+      <p:sp>
+        <p:nvSpPr>
+          <p:cNvPr id="3" name="İçerik Yer Tutucusu 2">
+            <a:extLst>
+              <a:ext uri="{FF2B5EF4-FFF2-40B4-BE49-F238E27FC236}">
+                <a16:creationId xmlns:a16="http://schemas.microsoft.com/office/drawing/2014/main" id="{0912DBBC-09AA-6102-C581-C8A565C32A84}"/>
+              </a:ext>
+            </a:extLst>
+          </p:cNvPr>
+          <p:cNvSpPr>
+            <a:spLocks noGrp="1"/>
+          </p:cNvSpPr>
+          <p:nvPr>
+            <p:ph idx="1"/>
+          </p:nvPr>
+        </p:nvSpPr>
+        <p:spPr/>
+        <p:txBody>
+          <a:bodyPr/>
+          <a:lstStyle/>
+          <a:p>
+            <a:r>
+              <a:rPr lang="tr-TR" dirty="0"/>
+              <a:t>Yerden silah veya mermi alınabiliyor mu?</a:t>
+            </a:r>
+          </a:p>
+          <a:p>
+            <a:pPr lvl="1"/>
+            <a:endParaRPr lang="tr-TR" dirty="0"/>
+          </a:p>
+          <a:p>
+            <a:r>
+              <a:rPr lang="tr-TR" dirty="0"/>
+              <a:t>Yerden kart (ekstra can) alınabiliyor mu?</a:t>
+            </a:r>
+          </a:p>
+          <a:p>
+            <a:pPr lvl="1"/>
+            <a:endParaRPr lang="tr-TR" dirty="0"/>
+          </a:p>
+          <a:p>
+            <a:r>
+              <a:rPr lang="tr-TR" dirty="0"/>
+              <a:t>Oyuncular birbirlerine hasar verebiliyor mu?</a:t>
+            </a:r>
+          </a:p>
+          <a:p>
+            <a:pPr lvl="1"/>
+            <a:endParaRPr lang="tr-TR" dirty="0"/>
+          </a:p>
+          <a:p>
+            <a:r>
+              <a:rPr lang="tr-TR" dirty="0"/>
+              <a:t>Oyuncular birbirlerinin yürüyüşlerini engelleyebiliyor mu?</a:t>
+            </a:r>
+          </a:p>
+          <a:p>
+            <a:pPr lvl="1"/>
+            <a:endParaRPr lang="tr-TR" dirty="0"/>
+          </a:p>
+          <a:p>
+            <a:endParaRPr lang="tr-TR" dirty="0"/>
+          </a:p>
+        </p:txBody>
+      </p:sp>
+    </p:spTree>
+    <p:extLst>
+      <p:ext uri="{BB962C8B-B14F-4D97-AF65-F5344CB8AC3E}">
+        <p14:creationId xmlns:p14="http://schemas.microsoft.com/office/powerpoint/2010/main" val="4286993884"/>
       </p:ext>
     </p:extLst>
   </p:cSld>
@@ -4410,7 +4652,7 @@
           <p:cNvPr id="2" name="Başlık 1">
             <a:extLst>
               <a:ext uri="{FF2B5EF4-FFF2-40B4-BE49-F238E27FC236}">
-                <a16:creationId xmlns:a16="http://schemas.microsoft.com/office/drawing/2014/main" id="{90B861E8-114A-F2FF-ADD4-1329D763A8E7}"/>
+                <a16:creationId xmlns:a16="http://schemas.microsoft.com/office/drawing/2014/main" id="{A9705E83-860B-BF3D-45A3-DF777160CCA0}"/>
               </a:ext>
             </a:extLst>
           </p:cNvPr>
@@ -4428,7 +4670,7 @@
           <a:p>
             <a:r>
               <a:rPr lang="tr-TR" dirty="0"/>
-              <a:t>Karakterler</a:t>
+              <a:t>Dokümanın dili</a:t>
             </a:r>
           </a:p>
         </p:txBody>
@@ -4438,7 +4680,7 @@
           <p:cNvPr id="3" name="İçerik Yer Tutucusu 2">
             <a:extLst>
               <a:ext uri="{FF2B5EF4-FFF2-40B4-BE49-F238E27FC236}">
-                <a16:creationId xmlns:a16="http://schemas.microsoft.com/office/drawing/2014/main" id="{176725F0-DAA6-0510-EF73-1B004E3C9FF9}"/>
+                <a16:creationId xmlns:a16="http://schemas.microsoft.com/office/drawing/2014/main" id="{85D43558-8B18-E30D-389C-8A59BBEC0FC2}"/>
               </a:ext>
             </a:extLst>
           </p:cNvPr>
@@ -4455,36 +4697,20 @@
           <a:lstStyle/>
           <a:p>
             <a:r>
-              <a:rPr lang="tr-TR" dirty="0" err="1"/>
-              <a:t>Yakıncı</a:t>
-            </a:r>
-            <a:r>
               <a:rPr lang="tr-TR" dirty="0"/>
-              <a:t>: </a:t>
-            </a:r>
-            <a:r>
-              <a:rPr lang="tr-TR" dirty="0" err="1"/>
-              <a:t>Woods</a:t>
-            </a:r>
-            <a:endParaRPr lang="tr-TR" dirty="0"/>
-          </a:p>
-          <a:p>
-            <a:r>
-              <a:rPr lang="tr-TR" dirty="0" err="1"/>
-              <a:t>Uzakçı</a:t>
-            </a:r>
+              <a:t>?* olan kısmın cevaplanması lazım</a:t>
+            </a:r>
+          </a:p>
+          <a:p>
             <a:r>
               <a:rPr lang="tr-TR" dirty="0"/>
-              <a:t>: Fletcher</a:t>
-            </a:r>
-          </a:p>
-          <a:p>
-            <a:endParaRPr lang="tr-TR" dirty="0"/>
+              <a:t>!* olan kısımlar güzel olabilecek fikirler</a:t>
+            </a:r>
           </a:p>
           <a:p>
             <a:r>
               <a:rPr lang="tr-TR" dirty="0"/>
-              <a:t>Bence daha fazla karakter ekleyebiliriz, ilginç özellikleri olan</a:t>
+              <a:t>(?) olan kısımlar tam emin olmadığım kısımlar</a:t>
             </a:r>
           </a:p>
         </p:txBody>
@@ -4492,7 +4718,7 @@
     </p:spTree>
     <p:extLst>
       <p:ext uri="{BB962C8B-B14F-4D97-AF65-F5344CB8AC3E}">
-        <p14:creationId xmlns:p14="http://schemas.microsoft.com/office/powerpoint/2010/main" val="2575223438"/>
+        <p14:creationId xmlns:p14="http://schemas.microsoft.com/office/powerpoint/2010/main" val="2953436212"/>
       </p:ext>
     </p:extLst>
   </p:cSld>
@@ -4524,7 +4750,7 @@
           <p:cNvPr id="2" name="Başlık 1">
             <a:extLst>
               <a:ext uri="{FF2B5EF4-FFF2-40B4-BE49-F238E27FC236}">
-                <a16:creationId xmlns:a16="http://schemas.microsoft.com/office/drawing/2014/main" id="{58446507-6AA3-C437-D9AE-186525AAE149}"/>
+                <a16:creationId xmlns:a16="http://schemas.microsoft.com/office/drawing/2014/main" id="{90B861E8-114A-F2FF-ADD4-1329D763A8E7}"/>
               </a:ext>
             </a:extLst>
           </p:cNvPr>
@@ -4542,7 +4768,7 @@
           <a:p>
             <a:r>
               <a:rPr lang="tr-TR" dirty="0"/>
-              <a:t>Karakter mekanikleri</a:t>
+              <a:t>Karakterler</a:t>
             </a:r>
           </a:p>
         </p:txBody>
@@ -4552,7 +4778,7 @@
           <p:cNvPr id="3" name="İçerik Yer Tutucusu 2">
             <a:extLst>
               <a:ext uri="{FF2B5EF4-FFF2-40B4-BE49-F238E27FC236}">
-                <a16:creationId xmlns:a16="http://schemas.microsoft.com/office/drawing/2014/main" id="{924D1240-C212-355E-B034-04DA7CE6DB3C}"/>
+                <a16:creationId xmlns:a16="http://schemas.microsoft.com/office/drawing/2014/main" id="{176725F0-DAA6-0510-EF73-1B004E3C9FF9}"/>
               </a:ext>
             </a:extLst>
           </p:cNvPr>
@@ -4570,44 +4796,35 @@
           <a:p>
             <a:r>
               <a:rPr lang="tr-TR" dirty="0" err="1"/>
-              <a:t>Joyistik</a:t>
+              <a:t>Yakıncı</a:t>
             </a:r>
             <a:r>
               <a:rPr lang="tr-TR" dirty="0"/>
-              <a:t> yukarı aşağı, kat değiştirme</a:t>
-            </a:r>
-          </a:p>
-          <a:p>
+              <a:t>: </a:t>
+            </a:r>
             <a:r>
               <a:rPr lang="tr-TR" dirty="0" err="1"/>
-              <a:t>Joyistik</a:t>
+              <a:t>Woods</a:t>
+            </a:r>
+            <a:endParaRPr lang="tr-TR" dirty="0"/>
+          </a:p>
+          <a:p>
+            <a:r>
+              <a:rPr lang="tr-TR" dirty="0" err="1"/>
+              <a:t>Uzakçı</a:t>
             </a:r>
             <a:r>
               <a:rPr lang="tr-TR" dirty="0"/>
-              <a:t> sağa sola, katta yer değiştirme</a:t>
-            </a:r>
+              <a:t>: Fletcher</a:t>
+            </a:r>
+          </a:p>
+          <a:p>
+            <a:endParaRPr lang="tr-TR" dirty="0"/>
           </a:p>
           <a:p>
             <a:r>
               <a:rPr lang="tr-TR" dirty="0"/>
-              <a:t>1. tuş saldırı</a:t>
-            </a:r>
-          </a:p>
-          <a:p>
-            <a:r>
-              <a:rPr lang="tr-TR" dirty="0"/>
-              <a:t>2. tuş kayarak </a:t>
-            </a:r>
-            <a:r>
-              <a:rPr lang="tr-TR" dirty="0" err="1"/>
-              <a:t>dodgeleme</a:t>
-            </a:r>
-            <a:endParaRPr lang="tr-TR" dirty="0"/>
-          </a:p>
-          <a:p>
-            <a:r>
-              <a:rPr lang="tr-TR" dirty="0"/>
-              <a:t>3. tuş yok</a:t>
+              <a:t>Bence daha fazla karakter ekleyebiliriz, ilginç özellikleri olan !*</a:t>
             </a:r>
           </a:p>
         </p:txBody>
@@ -4615,7 +4832,7 @@
     </p:spTree>
     <p:extLst>
       <p:ext uri="{BB962C8B-B14F-4D97-AF65-F5344CB8AC3E}">
-        <p14:creationId xmlns:p14="http://schemas.microsoft.com/office/powerpoint/2010/main" val="827816370"/>
+        <p14:creationId xmlns:p14="http://schemas.microsoft.com/office/powerpoint/2010/main" val="2575223438"/>
       </p:ext>
     </p:extLst>
   </p:cSld>
@@ -4647,7 +4864,7 @@
           <p:cNvPr id="2" name="Başlık 1">
             <a:extLst>
               <a:ext uri="{FF2B5EF4-FFF2-40B4-BE49-F238E27FC236}">
-                <a16:creationId xmlns:a16="http://schemas.microsoft.com/office/drawing/2014/main" id="{0170D909-87AC-2DC0-DC17-795A1FCBAE68}"/>
+                <a16:creationId xmlns:a16="http://schemas.microsoft.com/office/drawing/2014/main" id="{58446507-6AA3-C437-D9AE-186525AAE149}"/>
               </a:ext>
             </a:extLst>
           </p:cNvPr>
@@ -4665,7 +4882,7 @@
           <a:p>
             <a:r>
               <a:rPr lang="tr-TR" dirty="0"/>
-              <a:t>Oyunun amacı</a:t>
+              <a:t>Karakter mekanikleri</a:t>
             </a:r>
           </a:p>
         </p:txBody>
@@ -4675,7 +4892,7 @@
           <p:cNvPr id="3" name="İçerik Yer Tutucusu 2">
             <a:extLst>
               <a:ext uri="{FF2B5EF4-FFF2-40B4-BE49-F238E27FC236}">
-                <a16:creationId xmlns:a16="http://schemas.microsoft.com/office/drawing/2014/main" id="{71A3580D-5CD2-78F7-23ED-0603CC4D18D2}"/>
+                <a16:creationId xmlns:a16="http://schemas.microsoft.com/office/drawing/2014/main" id="{924D1240-C212-355E-B034-04DA7CE6DB3C}"/>
               </a:ext>
             </a:extLst>
           </p:cNvPr>
@@ -4692,14 +4909,45 @@
           <a:lstStyle/>
           <a:p>
             <a:r>
+              <a:rPr lang="tr-TR" dirty="0" err="1"/>
+              <a:t>Joyistik</a:t>
+            </a:r>
+            <a:r>
               <a:rPr lang="tr-TR" dirty="0"/>
-              <a:t>En yüksek puanı kazanmak</a:t>
-            </a:r>
-          </a:p>
-          <a:p>
+              <a:t> yukarı aşağı, kat değiştirme</a:t>
+            </a:r>
+          </a:p>
+          <a:p>
+            <a:r>
+              <a:rPr lang="tr-TR" dirty="0" err="1"/>
+              <a:t>Joyistik</a:t>
+            </a:r>
             <a:r>
               <a:rPr lang="tr-TR" dirty="0"/>
-              <a:t>Bölüm sonuna kadar hayatta kalmak</a:t>
+              <a:t> sağa sola, katta yer değiştirme</a:t>
+            </a:r>
+          </a:p>
+          <a:p>
+            <a:r>
+              <a:rPr lang="tr-TR" dirty="0"/>
+              <a:t>1. tuş saldırı</a:t>
+            </a:r>
+          </a:p>
+          <a:p>
+            <a:r>
+              <a:rPr lang="tr-TR" dirty="0"/>
+              <a:t>2. tuş kayarak </a:t>
+            </a:r>
+            <a:r>
+              <a:rPr lang="tr-TR" dirty="0" err="1"/>
+              <a:t>dodgeleme</a:t>
+            </a:r>
+            <a:endParaRPr lang="tr-TR" dirty="0"/>
+          </a:p>
+          <a:p>
+            <a:r>
+              <a:rPr lang="tr-TR" dirty="0"/>
+              <a:t>3. tuş yok (?)</a:t>
             </a:r>
           </a:p>
         </p:txBody>
@@ -4707,7 +4955,7 @@
     </p:spTree>
     <p:extLst>
       <p:ext uri="{BB962C8B-B14F-4D97-AF65-F5344CB8AC3E}">
-        <p14:creationId xmlns:p14="http://schemas.microsoft.com/office/powerpoint/2010/main" val="1720547048"/>
+        <p14:creationId xmlns:p14="http://schemas.microsoft.com/office/powerpoint/2010/main" val="827816370"/>
       </p:ext>
     </p:extLst>
   </p:cSld>
@@ -4739,7 +4987,7 @@
           <p:cNvPr id="2" name="Başlık 1">
             <a:extLst>
               <a:ext uri="{FF2B5EF4-FFF2-40B4-BE49-F238E27FC236}">
-                <a16:creationId xmlns:a16="http://schemas.microsoft.com/office/drawing/2014/main" id="{DCB8C7FC-F1BE-40E2-21DB-D537F77F9291}"/>
+                <a16:creationId xmlns:a16="http://schemas.microsoft.com/office/drawing/2014/main" id="{B0F7FDA8-9F69-1274-C7DF-7695410CE9F2}"/>
               </a:ext>
             </a:extLst>
           </p:cNvPr>
@@ -4757,13 +5005,317 @@
           <a:p>
             <a:r>
               <a:rPr lang="tr-TR" dirty="0"/>
+              <a:t>Karakterlerin özellikleri</a:t>
+            </a:r>
+          </a:p>
+        </p:txBody>
+      </p:sp>
+      <p:sp>
+        <p:nvSpPr>
+          <p:cNvPr id="3" name="İçerik Yer Tutucusu 2">
+            <a:extLst>
+              <a:ext uri="{FF2B5EF4-FFF2-40B4-BE49-F238E27FC236}">
+                <a16:creationId xmlns:a16="http://schemas.microsoft.com/office/drawing/2014/main" id="{F3017A65-64B9-DDB0-49CC-A449ED63ABA6}"/>
+              </a:ext>
+            </a:extLst>
+          </p:cNvPr>
+          <p:cNvSpPr>
+            <a:spLocks noGrp="1"/>
+          </p:cNvSpPr>
+          <p:nvPr>
+            <p:ph idx="1"/>
+          </p:nvPr>
+        </p:nvSpPr>
+        <p:spPr/>
+        <p:txBody>
+          <a:bodyPr/>
+          <a:lstStyle/>
+          <a:p>
+            <a:r>
+              <a:rPr lang="tr-TR" dirty="0" err="1"/>
+              <a:t>Woods</a:t>
+            </a:r>
+            <a:r>
+              <a:rPr lang="tr-TR" dirty="0"/>
+              <a:t> yapabilirken Fletcher’ın yapamadığı şeyler falan var mı?</a:t>
+            </a:r>
+          </a:p>
+        </p:txBody>
+      </p:sp>
+    </p:spTree>
+    <p:extLst>
+      <p:ext uri="{BB962C8B-B14F-4D97-AF65-F5344CB8AC3E}">
+        <p14:creationId xmlns:p14="http://schemas.microsoft.com/office/powerpoint/2010/main" val="2795248971"/>
+      </p:ext>
+    </p:extLst>
+  </p:cSld>
+  <p:clrMapOvr>
+    <a:masterClrMapping/>
+  </p:clrMapOvr>
+</p:sld>
+</file>
+
+<file path=ppt/slides/slide6.xml><?xml version="1.0" encoding="utf-8"?>
+<p:sld xmlns:a="http://schemas.openxmlformats.org/drawingml/2006/main" xmlns:r="http://schemas.openxmlformats.org/officeDocument/2006/relationships" xmlns:p="http://schemas.openxmlformats.org/presentationml/2006/main">
+  <p:cSld>
+    <p:spTree>
+      <p:nvGrpSpPr>
+        <p:cNvPr id="1" name=""/>
+        <p:cNvGrpSpPr/>
+        <p:nvPr/>
+      </p:nvGrpSpPr>
+      <p:grpSpPr>
+        <a:xfrm>
+          <a:off x="0" y="0"/>
+          <a:ext cx="0" cy="0"/>
+          <a:chOff x="0" y="0"/>
+          <a:chExt cx="0" cy="0"/>
+        </a:xfrm>
+      </p:grpSpPr>
+      <p:sp>
+        <p:nvSpPr>
+          <p:cNvPr id="2" name="Başlık 1">
+            <a:extLst>
+              <a:ext uri="{FF2B5EF4-FFF2-40B4-BE49-F238E27FC236}">
+                <a16:creationId xmlns:a16="http://schemas.microsoft.com/office/drawing/2014/main" id="{0170D909-87AC-2DC0-DC17-795A1FCBAE68}"/>
+              </a:ext>
+            </a:extLst>
+          </p:cNvPr>
+          <p:cNvSpPr>
+            <a:spLocks noGrp="1"/>
+          </p:cNvSpPr>
+          <p:nvPr>
+            <p:ph type="title"/>
+          </p:nvPr>
+        </p:nvSpPr>
+        <p:spPr/>
+        <p:txBody>
+          <a:bodyPr/>
+          <a:lstStyle/>
+          <a:p>
+            <a:r>
+              <a:rPr lang="tr-TR" dirty="0"/>
+              <a:t>Oyunun amacı</a:t>
+            </a:r>
+          </a:p>
+        </p:txBody>
+      </p:sp>
+      <p:sp>
+        <p:nvSpPr>
+          <p:cNvPr id="3" name="İçerik Yer Tutucusu 2">
+            <a:extLst>
+              <a:ext uri="{FF2B5EF4-FFF2-40B4-BE49-F238E27FC236}">
+                <a16:creationId xmlns:a16="http://schemas.microsoft.com/office/drawing/2014/main" id="{71A3580D-5CD2-78F7-23ED-0603CC4D18D2}"/>
+              </a:ext>
+            </a:extLst>
+          </p:cNvPr>
+          <p:cNvSpPr>
+            <a:spLocks noGrp="1"/>
+          </p:cNvSpPr>
+          <p:nvPr>
+            <p:ph idx="1"/>
+          </p:nvPr>
+        </p:nvSpPr>
+        <p:spPr/>
+        <p:txBody>
+          <a:bodyPr/>
+          <a:lstStyle/>
+          <a:p>
+            <a:r>
+              <a:rPr lang="tr-TR" dirty="0"/>
+              <a:t>En yüksek puanı kazanmak (?)</a:t>
+            </a:r>
+          </a:p>
+          <a:p>
+            <a:r>
+              <a:rPr lang="tr-TR" dirty="0"/>
+              <a:t>Bölüm sonuna kadar hayatta kalmak</a:t>
+            </a:r>
+          </a:p>
+        </p:txBody>
+      </p:sp>
+    </p:spTree>
+    <p:extLst>
+      <p:ext uri="{BB962C8B-B14F-4D97-AF65-F5344CB8AC3E}">
+        <p14:creationId xmlns:p14="http://schemas.microsoft.com/office/powerpoint/2010/main" val="1720547048"/>
+      </p:ext>
+    </p:extLst>
+  </p:cSld>
+  <p:clrMapOvr>
+    <a:masterClrMapping/>
+  </p:clrMapOvr>
+</p:sld>
+</file>
+
+<file path=ppt/slides/slide7.xml><?xml version="1.0" encoding="utf-8"?>
+<p:sld xmlns:a="http://schemas.openxmlformats.org/drawingml/2006/main" xmlns:r="http://schemas.openxmlformats.org/officeDocument/2006/relationships" xmlns:p="http://schemas.openxmlformats.org/presentationml/2006/main">
+  <p:cSld>
+    <p:spTree>
+      <p:nvGrpSpPr>
+        <p:cNvPr id="1" name=""/>
+        <p:cNvGrpSpPr/>
+        <p:nvPr/>
+      </p:nvGrpSpPr>
+      <p:grpSpPr>
+        <a:xfrm>
+          <a:off x="0" y="0"/>
+          <a:ext cx="0" cy="0"/>
+          <a:chOff x="0" y="0"/>
+          <a:chExt cx="0" cy="0"/>
+        </a:xfrm>
+      </p:grpSpPr>
+      <p:sp>
+        <p:nvSpPr>
+          <p:cNvPr id="2" name="Başlık 1">
+            <a:extLst>
+              <a:ext uri="{FF2B5EF4-FFF2-40B4-BE49-F238E27FC236}">
+                <a16:creationId xmlns:a16="http://schemas.microsoft.com/office/drawing/2014/main" id="{0DCC18C7-381C-1741-CE75-4D9C292C9B4F}"/>
+              </a:ext>
+            </a:extLst>
+          </p:cNvPr>
+          <p:cNvSpPr>
+            <a:spLocks noGrp="1"/>
+          </p:cNvSpPr>
+          <p:nvPr>
+            <p:ph type="title"/>
+          </p:nvPr>
+        </p:nvSpPr>
+        <p:spPr/>
+        <p:txBody>
+          <a:bodyPr/>
+          <a:lstStyle/>
+          <a:p>
+            <a:r>
+              <a:rPr lang="tr-TR" dirty="0"/>
+              <a:t>Level sistemi</a:t>
+            </a:r>
+          </a:p>
+        </p:txBody>
+      </p:sp>
+      <p:sp>
+        <p:nvSpPr>
+          <p:cNvPr id="3" name="İçerik Yer Tutucusu 2">
+            <a:extLst>
+              <a:ext uri="{FF2B5EF4-FFF2-40B4-BE49-F238E27FC236}">
+                <a16:creationId xmlns:a16="http://schemas.microsoft.com/office/drawing/2014/main" id="{C0B80756-128C-01EC-B138-7071C5DA894A}"/>
+              </a:ext>
+            </a:extLst>
+          </p:cNvPr>
+          <p:cNvSpPr>
+            <a:spLocks noGrp="1"/>
+          </p:cNvSpPr>
+          <p:nvPr>
+            <p:ph idx="1"/>
+          </p:nvPr>
+        </p:nvSpPr>
+        <p:spPr/>
+        <p:txBody>
+          <a:bodyPr/>
+          <a:lstStyle/>
+          <a:p>
+            <a:pPr marL="0" indent="0">
+              <a:buNone/>
+            </a:pPr>
+            <a:r>
+              <a:rPr lang="tr-TR" dirty="0"/>
+              <a:t>Oyunda rastgele oluşan zombiler mi olacak yoksa her </a:t>
+            </a:r>
+            <a:r>
+              <a:rPr lang="tr-TR" dirty="0" err="1"/>
+              <a:t>level</a:t>
+            </a:r>
+            <a:r>
+              <a:rPr lang="tr-TR" dirty="0"/>
+              <a:t> </a:t>
+            </a:r>
+            <a:r>
+              <a:rPr lang="tr-TR" dirty="0" err="1"/>
+              <a:t>fix</a:t>
+            </a:r>
+            <a:r>
+              <a:rPr lang="tr-TR" dirty="0"/>
+              <a:t>, sabit mi olacak?</a:t>
+            </a:r>
+          </a:p>
+          <a:p>
+            <a:pPr marL="0" indent="0">
+              <a:buNone/>
+            </a:pPr>
+            <a:r>
+              <a:rPr lang="tr-TR" dirty="0"/>
+              <a:t>Kaç </a:t>
+            </a:r>
+            <a:r>
+              <a:rPr lang="tr-TR" dirty="0" err="1"/>
+              <a:t>level</a:t>
+            </a:r>
+            <a:r>
+              <a:rPr lang="tr-TR" dirty="0"/>
+              <a:t> var?</a:t>
+            </a:r>
+          </a:p>
+        </p:txBody>
+      </p:sp>
+    </p:spTree>
+    <p:extLst>
+      <p:ext uri="{BB962C8B-B14F-4D97-AF65-F5344CB8AC3E}">
+        <p14:creationId xmlns:p14="http://schemas.microsoft.com/office/powerpoint/2010/main" val="804491611"/>
+      </p:ext>
+    </p:extLst>
+  </p:cSld>
+  <p:clrMapOvr>
+    <a:masterClrMapping/>
+  </p:clrMapOvr>
+</p:sld>
+</file>
+
+<file path=ppt/slides/slide8.xml><?xml version="1.0" encoding="utf-8"?>
+<p:sld xmlns:a="http://schemas.openxmlformats.org/drawingml/2006/main" xmlns:r="http://schemas.openxmlformats.org/officeDocument/2006/relationships" xmlns:p="http://schemas.openxmlformats.org/presentationml/2006/main">
+  <p:cSld>
+    <p:spTree>
+      <p:nvGrpSpPr>
+        <p:cNvPr id="1" name=""/>
+        <p:cNvGrpSpPr/>
+        <p:nvPr/>
+      </p:nvGrpSpPr>
+      <p:grpSpPr>
+        <a:xfrm>
+          <a:off x="0" y="0"/>
+          <a:ext cx="0" cy="0"/>
+          <a:chOff x="0" y="0"/>
+          <a:chExt cx="0" cy="0"/>
+        </a:xfrm>
+      </p:grpSpPr>
+      <p:sp>
+        <p:nvSpPr>
+          <p:cNvPr id="2" name="Başlık 1">
+            <a:extLst>
+              <a:ext uri="{FF2B5EF4-FFF2-40B4-BE49-F238E27FC236}">
+                <a16:creationId xmlns:a16="http://schemas.microsoft.com/office/drawing/2014/main" id="{DCB8C7FC-F1BE-40E2-21DB-D537F77F9291}"/>
+              </a:ext>
+            </a:extLst>
+          </p:cNvPr>
+          <p:cNvSpPr>
+            <a:spLocks noGrp="1"/>
+          </p:cNvSpPr>
+          <p:nvPr>
+            <p:ph type="title"/>
+          </p:nvPr>
+        </p:nvSpPr>
+        <p:spPr/>
+        <p:txBody>
+          <a:bodyPr/>
+          <a:lstStyle/>
+          <a:p>
+            <a:r>
+              <a:rPr lang="tr-TR" dirty="0"/>
               <a:t>Çizim</a:t>
             </a:r>
           </a:p>
         </p:txBody>
       </p:sp>
-      <mc:AlternateContent xmlns:mc="http://schemas.openxmlformats.org/markup-compatibility/2006">
-        <mc:Choice xmlns:p14="http://schemas.microsoft.com/office/powerpoint/2010/main" Requires="p14">
+      <mc:AlternateContent xmlns:mc="http://schemas.openxmlformats.org/markup-compatibility/2006" xmlns:p14="http://schemas.microsoft.com/office/powerpoint/2010/main">
+        <mc:Choice Requires="p14">
           <p:contentPart p14:bwMode="auto" r:id="rId2">
             <p14:nvContentPartPr>
               <p14:cNvPr id="7" name="Mürekkep 6">
@@ -4782,7 +5334,7 @@
             </p14:xfrm>
           </p:contentPart>
         </mc:Choice>
-        <mc:Fallback>
+        <mc:Fallback xmlns="">
           <p:pic>
             <p:nvPicPr>
               <p:cNvPr id="7" name="Mürekkep 6">
@@ -4813,8 +5365,8 @@
           </p:pic>
         </mc:Fallback>
       </mc:AlternateContent>
-      <mc:AlternateContent xmlns:mc="http://schemas.openxmlformats.org/markup-compatibility/2006">
-        <mc:Choice xmlns:p14="http://schemas.microsoft.com/office/powerpoint/2010/main" Requires="p14">
+      <mc:AlternateContent xmlns:mc="http://schemas.openxmlformats.org/markup-compatibility/2006" xmlns:p14="http://schemas.microsoft.com/office/powerpoint/2010/main">
+        <mc:Choice Requires="p14">
           <p:contentPart p14:bwMode="auto" r:id="rId4">
             <p14:nvContentPartPr>
               <p14:cNvPr id="9" name="Mürekkep 8">
@@ -4833,7 +5385,7 @@
             </p14:xfrm>
           </p:contentPart>
         </mc:Choice>
-        <mc:Fallback>
+        <mc:Fallback xmlns="">
           <p:pic>
             <p:nvPicPr>
               <p:cNvPr id="9" name="Mürekkep 8">
@@ -4864,8 +5416,8 @@
           </p:pic>
         </mc:Fallback>
       </mc:AlternateContent>
-      <mc:AlternateContent xmlns:mc="http://schemas.openxmlformats.org/markup-compatibility/2006">
-        <mc:Choice xmlns:p14="http://schemas.microsoft.com/office/powerpoint/2010/main" Requires="p14">
+      <mc:AlternateContent xmlns:mc="http://schemas.openxmlformats.org/markup-compatibility/2006" xmlns:p14="http://schemas.microsoft.com/office/powerpoint/2010/main">
+        <mc:Choice Requires="p14">
           <p:contentPart p14:bwMode="auto" r:id="rId6">
             <p14:nvContentPartPr>
               <p14:cNvPr id="11" name="Mürekkep 10">
@@ -4884,7 +5436,7 @@
             </p14:xfrm>
           </p:contentPart>
         </mc:Choice>
-        <mc:Fallback>
+        <mc:Fallback xmlns="">
           <p:pic>
             <p:nvPicPr>
               <p:cNvPr id="11" name="Mürekkep 10">
@@ -4915,8 +5467,8 @@
           </p:pic>
         </mc:Fallback>
       </mc:AlternateContent>
-      <mc:AlternateContent xmlns:mc="http://schemas.openxmlformats.org/markup-compatibility/2006">
-        <mc:Choice xmlns:p14="http://schemas.microsoft.com/office/powerpoint/2010/main" Requires="p14">
+      <mc:AlternateContent xmlns:mc="http://schemas.openxmlformats.org/markup-compatibility/2006" xmlns:p14="http://schemas.microsoft.com/office/powerpoint/2010/main">
+        <mc:Choice Requires="p14">
           <p:contentPart p14:bwMode="auto" r:id="rId8">
             <p14:nvContentPartPr>
               <p14:cNvPr id="14" name="Mürekkep 13">
@@ -4935,7 +5487,7 @@
             </p14:xfrm>
           </p:contentPart>
         </mc:Choice>
-        <mc:Fallback>
+        <mc:Fallback xmlns="">
           <p:pic>
             <p:nvPicPr>
               <p:cNvPr id="14" name="Mürekkep 13">
@@ -4966,8 +5518,8 @@
           </p:pic>
         </mc:Fallback>
       </mc:AlternateContent>
-      <mc:AlternateContent xmlns:mc="http://schemas.openxmlformats.org/markup-compatibility/2006">
-        <mc:Choice xmlns:p14="http://schemas.microsoft.com/office/powerpoint/2010/main" Requires="p14">
+      <mc:AlternateContent xmlns:mc="http://schemas.openxmlformats.org/markup-compatibility/2006" xmlns:p14="http://schemas.microsoft.com/office/powerpoint/2010/main">
+        <mc:Choice Requires="p14">
           <p:contentPart p14:bwMode="auto" r:id="rId10">
             <p14:nvContentPartPr>
               <p14:cNvPr id="16" name="Mürekkep 15">
@@ -4986,7 +5538,7 @@
             </p14:xfrm>
           </p:contentPart>
         </mc:Choice>
-        <mc:Fallback>
+        <mc:Fallback xmlns="">
           <p:pic>
             <p:nvPicPr>
               <p:cNvPr id="16" name="Mürekkep 15">
@@ -5017,8 +5569,8 @@
           </p:pic>
         </mc:Fallback>
       </mc:AlternateContent>
-      <mc:AlternateContent xmlns:mc="http://schemas.openxmlformats.org/markup-compatibility/2006">
-        <mc:Choice xmlns:p14="http://schemas.microsoft.com/office/powerpoint/2010/main" Requires="p14">
+      <mc:AlternateContent xmlns:mc="http://schemas.openxmlformats.org/markup-compatibility/2006" xmlns:p14="http://schemas.microsoft.com/office/powerpoint/2010/main">
+        <mc:Choice Requires="p14">
           <p:contentPart p14:bwMode="auto" r:id="rId12">
             <p14:nvContentPartPr>
               <p14:cNvPr id="18" name="Mürekkep 17">
@@ -5037,7 +5589,7 @@
             </p14:xfrm>
           </p:contentPart>
         </mc:Choice>
-        <mc:Fallback>
+        <mc:Fallback xmlns="">
           <p:pic>
             <p:nvPicPr>
               <p:cNvPr id="18" name="Mürekkep 17">
@@ -5088,8 +5640,8 @@
             <a:chExt cx="699480" cy="1362960"/>
           </a:xfrm>
         </p:grpSpPr>
-        <mc:AlternateContent xmlns:mc="http://schemas.openxmlformats.org/markup-compatibility/2006">
-          <mc:Choice xmlns:p14="http://schemas.microsoft.com/office/powerpoint/2010/main" Requires="p14">
+        <mc:AlternateContent xmlns:mc="http://schemas.openxmlformats.org/markup-compatibility/2006" xmlns:p14="http://schemas.microsoft.com/office/powerpoint/2010/main">
+          <mc:Choice Requires="p14">
             <p:contentPart p14:bwMode="auto" r:id="rId14">
               <p14:nvContentPartPr>
                 <p14:cNvPr id="19" name="Mürekkep 18">
@@ -5108,7 +5660,7 @@
               </p14:xfrm>
             </p:contentPart>
           </mc:Choice>
-          <mc:Fallback>
+          <mc:Fallback xmlns="">
             <p:pic>
               <p:nvPicPr>
                 <p:cNvPr id="19" name="Mürekkep 18">
@@ -5139,8 +5691,8 @@
             </p:pic>
           </mc:Fallback>
         </mc:AlternateContent>
-        <mc:AlternateContent xmlns:mc="http://schemas.openxmlformats.org/markup-compatibility/2006">
-          <mc:Choice xmlns:p14="http://schemas.microsoft.com/office/powerpoint/2010/main" Requires="p14">
+        <mc:AlternateContent xmlns:mc="http://schemas.openxmlformats.org/markup-compatibility/2006" xmlns:p14="http://schemas.microsoft.com/office/powerpoint/2010/main">
+          <mc:Choice Requires="p14">
             <p:contentPart p14:bwMode="auto" r:id="rId16">
               <p14:nvContentPartPr>
                 <p14:cNvPr id="20" name="Mürekkep 19">
@@ -5159,7 +5711,7 @@
               </p14:xfrm>
             </p:contentPart>
           </mc:Choice>
-          <mc:Fallback>
+          <mc:Fallback xmlns="">
             <p:pic>
               <p:nvPicPr>
                 <p:cNvPr id="20" name="Mürekkep 19">
@@ -5190,8 +5742,8 @@
             </p:pic>
           </mc:Fallback>
         </mc:AlternateContent>
-        <mc:AlternateContent xmlns:mc="http://schemas.openxmlformats.org/markup-compatibility/2006">
-          <mc:Choice xmlns:p14="http://schemas.microsoft.com/office/powerpoint/2010/main" Requires="p14">
+        <mc:AlternateContent xmlns:mc="http://schemas.openxmlformats.org/markup-compatibility/2006" xmlns:p14="http://schemas.microsoft.com/office/powerpoint/2010/main">
+          <mc:Choice Requires="p14">
             <p:contentPart p14:bwMode="auto" r:id="rId18">
               <p14:nvContentPartPr>
                 <p14:cNvPr id="21" name="Mürekkep 20">
@@ -5210,7 +5762,7 @@
               </p14:xfrm>
             </p:contentPart>
           </mc:Choice>
-          <mc:Fallback>
+          <mc:Fallback xmlns="">
             <p:pic>
               <p:nvPicPr>
                 <p:cNvPr id="21" name="Mürekkep 20">
@@ -5241,8 +5793,8 @@
             </p:pic>
           </mc:Fallback>
         </mc:AlternateContent>
-        <mc:AlternateContent xmlns:mc="http://schemas.openxmlformats.org/markup-compatibility/2006">
-          <mc:Choice xmlns:p14="http://schemas.microsoft.com/office/powerpoint/2010/main" Requires="p14">
+        <mc:AlternateContent xmlns:mc="http://schemas.openxmlformats.org/markup-compatibility/2006" xmlns:p14="http://schemas.microsoft.com/office/powerpoint/2010/main">
+          <mc:Choice Requires="p14">
             <p:contentPart p14:bwMode="auto" r:id="rId20">
               <p14:nvContentPartPr>
                 <p14:cNvPr id="22" name="Mürekkep 21">
@@ -5261,7 +5813,7 @@
               </p14:xfrm>
             </p:contentPart>
           </mc:Choice>
-          <mc:Fallback>
+          <mc:Fallback xmlns="">
             <p:pic>
               <p:nvPicPr>
                 <p:cNvPr id="22" name="Mürekkep 21">
@@ -5292,8 +5844,8 @@
             </p:pic>
           </mc:Fallback>
         </mc:AlternateContent>
-        <mc:AlternateContent xmlns:mc="http://schemas.openxmlformats.org/markup-compatibility/2006">
-          <mc:Choice xmlns:p14="http://schemas.microsoft.com/office/powerpoint/2010/main" Requires="p14">
+        <mc:AlternateContent xmlns:mc="http://schemas.openxmlformats.org/markup-compatibility/2006" xmlns:p14="http://schemas.microsoft.com/office/powerpoint/2010/main">
+          <mc:Choice Requires="p14">
             <p:contentPart p14:bwMode="auto" r:id="rId22">
               <p14:nvContentPartPr>
                 <p14:cNvPr id="23" name="Mürekkep 22">
@@ -5312,7 +5864,7 @@
               </p14:xfrm>
             </p:contentPart>
           </mc:Choice>
-          <mc:Fallback>
+          <mc:Fallback xmlns="">
             <p:pic>
               <p:nvPicPr>
                 <p:cNvPr id="23" name="Mürekkep 22">
@@ -5343,8 +5895,8 @@
             </p:pic>
           </mc:Fallback>
         </mc:AlternateContent>
-        <mc:AlternateContent xmlns:mc="http://schemas.openxmlformats.org/markup-compatibility/2006">
-          <mc:Choice xmlns:p14="http://schemas.microsoft.com/office/powerpoint/2010/main" Requires="p14">
+        <mc:AlternateContent xmlns:mc="http://schemas.openxmlformats.org/markup-compatibility/2006" xmlns:p14="http://schemas.microsoft.com/office/powerpoint/2010/main">
+          <mc:Choice Requires="p14">
             <p:contentPart p14:bwMode="auto" r:id="rId24">
               <p14:nvContentPartPr>
                 <p14:cNvPr id="24" name="Mürekkep 23">
@@ -5363,7 +5915,7 @@
               </p14:xfrm>
             </p:contentPart>
           </mc:Choice>
-          <mc:Fallback>
+          <mc:Fallback xmlns="">
             <p:pic>
               <p:nvPicPr>
                 <p:cNvPr id="24" name="Mürekkep 23">
@@ -5394,8 +5946,8 @@
             </p:pic>
           </mc:Fallback>
         </mc:AlternateContent>
-        <mc:AlternateContent xmlns:mc="http://schemas.openxmlformats.org/markup-compatibility/2006">
-          <mc:Choice xmlns:p14="http://schemas.microsoft.com/office/powerpoint/2010/main" Requires="p14">
+        <mc:AlternateContent xmlns:mc="http://schemas.openxmlformats.org/markup-compatibility/2006" xmlns:p14="http://schemas.microsoft.com/office/powerpoint/2010/main">
+          <mc:Choice Requires="p14">
             <p:contentPart p14:bwMode="auto" r:id="rId26">
               <p14:nvContentPartPr>
                 <p14:cNvPr id="26" name="Mürekkep 25">
@@ -5414,7 +5966,7 @@
               </p14:xfrm>
             </p:contentPart>
           </mc:Choice>
-          <mc:Fallback>
+          <mc:Fallback xmlns="">
             <p:pic>
               <p:nvPicPr>
                 <p:cNvPr id="26" name="Mürekkep 25">
@@ -5466,8 +6018,8 @@
             <a:chExt cx="529920" cy="1150560"/>
           </a:xfrm>
         </p:grpSpPr>
-        <mc:AlternateContent xmlns:mc="http://schemas.openxmlformats.org/markup-compatibility/2006">
-          <mc:Choice xmlns:p14="http://schemas.microsoft.com/office/powerpoint/2010/main" Requires="p14">
+        <mc:AlternateContent xmlns:mc="http://schemas.openxmlformats.org/markup-compatibility/2006" xmlns:p14="http://schemas.microsoft.com/office/powerpoint/2010/main">
+          <mc:Choice Requires="p14">
             <p:contentPart p14:bwMode="auto" r:id="rId28">
               <p14:nvContentPartPr>
                 <p14:cNvPr id="28" name="Mürekkep 27">
@@ -5486,7 +6038,7 @@
               </p14:xfrm>
             </p:contentPart>
           </mc:Choice>
-          <mc:Fallback>
+          <mc:Fallback xmlns="">
             <p:pic>
               <p:nvPicPr>
                 <p:cNvPr id="28" name="Mürekkep 27">
@@ -5517,8 +6069,8 @@
             </p:pic>
           </mc:Fallback>
         </mc:AlternateContent>
-        <mc:AlternateContent xmlns:mc="http://schemas.openxmlformats.org/markup-compatibility/2006">
-          <mc:Choice xmlns:p14="http://schemas.microsoft.com/office/powerpoint/2010/main" Requires="p14">
+        <mc:AlternateContent xmlns:mc="http://schemas.openxmlformats.org/markup-compatibility/2006" xmlns:p14="http://schemas.microsoft.com/office/powerpoint/2010/main">
+          <mc:Choice Requires="p14">
             <p:contentPart p14:bwMode="auto" r:id="rId30">
               <p14:nvContentPartPr>
                 <p14:cNvPr id="29" name="Mürekkep 28">
@@ -5537,7 +6089,7 @@
               </p14:xfrm>
             </p:contentPart>
           </mc:Choice>
-          <mc:Fallback>
+          <mc:Fallback xmlns="">
             <p:pic>
               <p:nvPicPr>
                 <p:cNvPr id="29" name="Mürekkep 28">
@@ -5568,8 +6120,8 @@
             </p:pic>
           </mc:Fallback>
         </mc:AlternateContent>
-        <mc:AlternateContent xmlns:mc="http://schemas.openxmlformats.org/markup-compatibility/2006">
-          <mc:Choice xmlns:p14="http://schemas.microsoft.com/office/powerpoint/2010/main" Requires="p14">
+        <mc:AlternateContent xmlns:mc="http://schemas.openxmlformats.org/markup-compatibility/2006" xmlns:p14="http://schemas.microsoft.com/office/powerpoint/2010/main">
+          <mc:Choice Requires="p14">
             <p:contentPart p14:bwMode="auto" r:id="rId32">
               <p14:nvContentPartPr>
                 <p14:cNvPr id="30" name="Mürekkep 29">
@@ -5588,7 +6140,7 @@
               </p14:xfrm>
             </p:contentPart>
           </mc:Choice>
-          <mc:Fallback>
+          <mc:Fallback xmlns="">
             <p:pic>
               <p:nvPicPr>
                 <p:cNvPr id="30" name="Mürekkep 29">
@@ -5619,8 +6171,8 @@
             </p:pic>
           </mc:Fallback>
         </mc:AlternateContent>
-        <mc:AlternateContent xmlns:mc="http://schemas.openxmlformats.org/markup-compatibility/2006">
-          <mc:Choice xmlns:p14="http://schemas.microsoft.com/office/powerpoint/2010/main" Requires="p14">
+        <mc:AlternateContent xmlns:mc="http://schemas.openxmlformats.org/markup-compatibility/2006" xmlns:p14="http://schemas.microsoft.com/office/powerpoint/2010/main">
+          <mc:Choice Requires="p14">
             <p:contentPart p14:bwMode="auto" r:id="rId34">
               <p14:nvContentPartPr>
                 <p14:cNvPr id="31" name="Mürekkep 30">
@@ -5639,7 +6191,7 @@
               </p14:xfrm>
             </p:contentPart>
           </mc:Choice>
-          <mc:Fallback>
+          <mc:Fallback xmlns="">
             <p:pic>
               <p:nvPicPr>
                 <p:cNvPr id="31" name="Mürekkep 30">
@@ -5670,8 +6222,8 @@
             </p:pic>
           </mc:Fallback>
         </mc:AlternateContent>
-        <mc:AlternateContent xmlns:mc="http://schemas.openxmlformats.org/markup-compatibility/2006">
-          <mc:Choice xmlns:p14="http://schemas.microsoft.com/office/powerpoint/2010/main" Requires="p14">
+        <mc:AlternateContent xmlns:mc="http://schemas.openxmlformats.org/markup-compatibility/2006" xmlns:p14="http://schemas.microsoft.com/office/powerpoint/2010/main">
+          <mc:Choice Requires="p14">
             <p:contentPart p14:bwMode="auto" r:id="rId36">
               <p14:nvContentPartPr>
                 <p14:cNvPr id="32" name="Mürekkep 31">
@@ -5690,7 +6242,7 @@
               </p14:xfrm>
             </p:contentPart>
           </mc:Choice>
-          <mc:Fallback>
+          <mc:Fallback xmlns="">
             <p:pic>
               <p:nvPicPr>
                 <p:cNvPr id="32" name="Mürekkep 31">
@@ -5742,8 +6294,8 @@
             <a:chExt cx="743040" cy="1008360"/>
           </a:xfrm>
         </p:grpSpPr>
-        <mc:AlternateContent xmlns:mc="http://schemas.openxmlformats.org/markup-compatibility/2006">
-          <mc:Choice xmlns:p14="http://schemas.microsoft.com/office/powerpoint/2010/main" Requires="p14">
+        <mc:AlternateContent xmlns:mc="http://schemas.openxmlformats.org/markup-compatibility/2006" xmlns:p14="http://schemas.microsoft.com/office/powerpoint/2010/main">
+          <mc:Choice Requires="p14">
             <p:contentPart p14:bwMode="auto" r:id="rId38">
               <p14:nvContentPartPr>
                 <p14:cNvPr id="34" name="Mürekkep 33">
@@ -5762,7 +6314,7 @@
               </p14:xfrm>
             </p:contentPart>
           </mc:Choice>
-          <mc:Fallback>
+          <mc:Fallback xmlns="">
             <p:pic>
               <p:nvPicPr>
                 <p:cNvPr id="34" name="Mürekkep 33">
@@ -5793,8 +6345,8 @@
             </p:pic>
           </mc:Fallback>
         </mc:AlternateContent>
-        <mc:AlternateContent xmlns:mc="http://schemas.openxmlformats.org/markup-compatibility/2006">
-          <mc:Choice xmlns:p14="http://schemas.microsoft.com/office/powerpoint/2010/main" Requires="p14">
+        <mc:AlternateContent xmlns:mc="http://schemas.openxmlformats.org/markup-compatibility/2006" xmlns:p14="http://schemas.microsoft.com/office/powerpoint/2010/main">
+          <mc:Choice Requires="p14">
             <p:contentPart p14:bwMode="auto" r:id="rId40">
               <p14:nvContentPartPr>
                 <p14:cNvPr id="35" name="Mürekkep 34">
@@ -5813,7 +6365,7 @@
               </p14:xfrm>
             </p:contentPart>
           </mc:Choice>
-          <mc:Fallback>
+          <mc:Fallback xmlns="">
             <p:pic>
               <p:nvPicPr>
                 <p:cNvPr id="35" name="Mürekkep 34">
@@ -5844,8 +6396,8 @@
             </p:pic>
           </mc:Fallback>
         </mc:AlternateContent>
-        <mc:AlternateContent xmlns:mc="http://schemas.openxmlformats.org/markup-compatibility/2006">
-          <mc:Choice xmlns:p14="http://schemas.microsoft.com/office/powerpoint/2010/main" Requires="p14">
+        <mc:AlternateContent xmlns:mc="http://schemas.openxmlformats.org/markup-compatibility/2006" xmlns:p14="http://schemas.microsoft.com/office/powerpoint/2010/main">
+          <mc:Choice Requires="p14">
             <p:contentPart p14:bwMode="auto" r:id="rId42">
               <p14:nvContentPartPr>
                 <p14:cNvPr id="36" name="Mürekkep 35">
@@ -5864,7 +6416,7 @@
               </p14:xfrm>
             </p:contentPart>
           </mc:Choice>
-          <mc:Fallback>
+          <mc:Fallback xmlns="">
             <p:pic>
               <p:nvPicPr>
                 <p:cNvPr id="36" name="Mürekkep 35">
@@ -5895,8 +6447,8 @@
             </p:pic>
           </mc:Fallback>
         </mc:AlternateContent>
-        <mc:AlternateContent xmlns:mc="http://schemas.openxmlformats.org/markup-compatibility/2006">
-          <mc:Choice xmlns:p14="http://schemas.microsoft.com/office/powerpoint/2010/main" Requires="p14">
+        <mc:AlternateContent xmlns:mc="http://schemas.openxmlformats.org/markup-compatibility/2006" xmlns:p14="http://schemas.microsoft.com/office/powerpoint/2010/main">
+          <mc:Choice Requires="p14">
             <p:contentPart p14:bwMode="auto" r:id="rId44">
               <p14:nvContentPartPr>
                 <p14:cNvPr id="38" name="Mürekkep 37">
@@ -5915,7 +6467,7 @@
               </p14:xfrm>
             </p:contentPart>
           </mc:Choice>
-          <mc:Fallback>
+          <mc:Fallback xmlns="">
             <p:pic>
               <p:nvPicPr>
                 <p:cNvPr id="38" name="Mürekkep 37">
@@ -5946,8 +6498,8 @@
             </p:pic>
           </mc:Fallback>
         </mc:AlternateContent>
-        <mc:AlternateContent xmlns:mc="http://schemas.openxmlformats.org/markup-compatibility/2006">
-          <mc:Choice xmlns:p14="http://schemas.microsoft.com/office/powerpoint/2010/main" Requires="p14">
+        <mc:AlternateContent xmlns:mc="http://schemas.openxmlformats.org/markup-compatibility/2006" xmlns:p14="http://schemas.microsoft.com/office/powerpoint/2010/main">
+          <mc:Choice Requires="p14">
             <p:contentPart p14:bwMode="auto" r:id="rId46">
               <p14:nvContentPartPr>
                 <p14:cNvPr id="39" name="Mürekkep 38">
@@ -5966,7 +6518,7 @@
               </p14:xfrm>
             </p:contentPart>
           </mc:Choice>
-          <mc:Fallback>
+          <mc:Fallback xmlns="">
             <p:pic>
               <p:nvPicPr>
                 <p:cNvPr id="39" name="Mürekkep 38">
@@ -6018,8 +6570,8 @@
             <a:chExt cx="713160" cy="1208880"/>
           </a:xfrm>
         </p:grpSpPr>
-        <mc:AlternateContent xmlns:mc="http://schemas.openxmlformats.org/markup-compatibility/2006">
-          <mc:Choice xmlns:p14="http://schemas.microsoft.com/office/powerpoint/2010/main" Requires="p14">
+        <mc:AlternateContent xmlns:mc="http://schemas.openxmlformats.org/markup-compatibility/2006" xmlns:p14="http://schemas.microsoft.com/office/powerpoint/2010/main">
+          <mc:Choice Requires="p14">
             <p:contentPart p14:bwMode="auto" r:id="rId48">
               <p14:nvContentPartPr>
                 <p14:cNvPr id="41" name="Mürekkep 40">
@@ -6038,7 +6590,7 @@
               </p14:xfrm>
             </p:contentPart>
           </mc:Choice>
-          <mc:Fallback>
+          <mc:Fallback xmlns="">
             <p:pic>
               <p:nvPicPr>
                 <p:cNvPr id="41" name="Mürekkep 40">
@@ -6069,8 +6621,8 @@
             </p:pic>
           </mc:Fallback>
         </mc:AlternateContent>
-        <mc:AlternateContent xmlns:mc="http://schemas.openxmlformats.org/markup-compatibility/2006">
-          <mc:Choice xmlns:p14="http://schemas.microsoft.com/office/powerpoint/2010/main" Requires="p14">
+        <mc:AlternateContent xmlns:mc="http://schemas.openxmlformats.org/markup-compatibility/2006" xmlns:p14="http://schemas.microsoft.com/office/powerpoint/2010/main">
+          <mc:Choice Requires="p14">
             <p:contentPart p14:bwMode="auto" r:id="rId50">
               <p14:nvContentPartPr>
                 <p14:cNvPr id="42" name="Mürekkep 41">
@@ -6089,7 +6641,7 @@
               </p14:xfrm>
             </p:contentPart>
           </mc:Choice>
-          <mc:Fallback>
+          <mc:Fallback xmlns="">
             <p:pic>
               <p:nvPicPr>
                 <p:cNvPr id="42" name="Mürekkep 41">
@@ -6120,8 +6672,8 @@
             </p:pic>
           </mc:Fallback>
         </mc:AlternateContent>
-        <mc:AlternateContent xmlns:mc="http://schemas.openxmlformats.org/markup-compatibility/2006">
-          <mc:Choice xmlns:p14="http://schemas.microsoft.com/office/powerpoint/2010/main" Requires="p14">
+        <mc:AlternateContent xmlns:mc="http://schemas.openxmlformats.org/markup-compatibility/2006" xmlns:p14="http://schemas.microsoft.com/office/powerpoint/2010/main">
+          <mc:Choice Requires="p14">
             <p:contentPart p14:bwMode="auto" r:id="rId52">
               <p14:nvContentPartPr>
                 <p14:cNvPr id="43" name="Mürekkep 42">
@@ -6140,7 +6692,7 @@
               </p14:xfrm>
             </p:contentPart>
           </mc:Choice>
-          <mc:Fallback>
+          <mc:Fallback xmlns="">
             <p:pic>
               <p:nvPicPr>
                 <p:cNvPr id="43" name="Mürekkep 42">
@@ -6171,8 +6723,8 @@
             </p:pic>
           </mc:Fallback>
         </mc:AlternateContent>
-        <mc:AlternateContent xmlns:mc="http://schemas.openxmlformats.org/markup-compatibility/2006">
-          <mc:Choice xmlns:p14="http://schemas.microsoft.com/office/powerpoint/2010/main" Requires="p14">
+        <mc:AlternateContent xmlns:mc="http://schemas.openxmlformats.org/markup-compatibility/2006" xmlns:p14="http://schemas.microsoft.com/office/powerpoint/2010/main">
+          <mc:Choice Requires="p14">
             <p:contentPart p14:bwMode="auto" r:id="rId54">
               <p14:nvContentPartPr>
                 <p14:cNvPr id="45" name="Mürekkep 44">
@@ -6191,7 +6743,7 @@
               </p14:xfrm>
             </p:contentPart>
           </mc:Choice>
-          <mc:Fallback>
+          <mc:Fallback xmlns="">
             <p:pic>
               <p:nvPicPr>
                 <p:cNvPr id="45" name="Mürekkep 44">
@@ -6222,8 +6774,8 @@
             </p:pic>
           </mc:Fallback>
         </mc:AlternateContent>
-        <mc:AlternateContent xmlns:mc="http://schemas.openxmlformats.org/markup-compatibility/2006">
-          <mc:Choice xmlns:p14="http://schemas.microsoft.com/office/powerpoint/2010/main" Requires="p14">
+        <mc:AlternateContent xmlns:mc="http://schemas.openxmlformats.org/markup-compatibility/2006" xmlns:p14="http://schemas.microsoft.com/office/powerpoint/2010/main">
+          <mc:Choice Requires="p14">
             <p:contentPart p14:bwMode="auto" r:id="rId56">
               <p14:nvContentPartPr>
                 <p14:cNvPr id="47" name="Mürekkep 46">
@@ -6242,7 +6794,7 @@
               </p14:xfrm>
             </p:contentPart>
           </mc:Choice>
-          <mc:Fallback>
+          <mc:Fallback xmlns="">
             <p:pic>
               <p:nvPicPr>
                 <p:cNvPr id="47" name="Mürekkep 46">
@@ -6294,8 +6846,8 @@
             <a:chExt cx="1679400" cy="1276200"/>
           </a:xfrm>
         </p:grpSpPr>
-        <mc:AlternateContent xmlns:mc="http://schemas.openxmlformats.org/markup-compatibility/2006">
-          <mc:Choice xmlns:p14="http://schemas.microsoft.com/office/powerpoint/2010/main" xmlns:aink="http://schemas.microsoft.com/office/drawing/2016/ink" Requires="p14 aink">
+        <mc:AlternateContent xmlns:mc="http://schemas.openxmlformats.org/markup-compatibility/2006" xmlns:p14="http://schemas.microsoft.com/office/powerpoint/2010/main" xmlns:aink="http://schemas.microsoft.com/office/drawing/2016/ink">
+          <mc:Choice Requires="p14 aink">
             <p:contentPart p14:bwMode="auto" r:id="rId58">
               <p14:nvContentPartPr>
                 <p14:cNvPr id="49" name="Mürekkep 48">
@@ -6314,7 +6866,7 @@
               </p14:xfrm>
             </p:contentPart>
           </mc:Choice>
-          <mc:Fallback>
+          <mc:Fallback xmlns="">
             <p:pic>
               <p:nvPicPr>
                 <p:cNvPr id="49" name="Mürekkep 48">
@@ -6345,8 +6897,8 @@
             </p:pic>
           </mc:Fallback>
         </mc:AlternateContent>
-        <mc:AlternateContent xmlns:mc="http://schemas.openxmlformats.org/markup-compatibility/2006">
-          <mc:Choice xmlns:p14="http://schemas.microsoft.com/office/powerpoint/2010/main" xmlns:aink="http://schemas.microsoft.com/office/drawing/2016/ink" Requires="p14 aink">
+        <mc:AlternateContent xmlns:mc="http://schemas.openxmlformats.org/markup-compatibility/2006" xmlns:p14="http://schemas.microsoft.com/office/powerpoint/2010/main" xmlns:aink="http://schemas.microsoft.com/office/drawing/2016/ink">
+          <mc:Choice Requires="p14 aink">
             <p:contentPart p14:bwMode="auto" r:id="rId60">
               <p14:nvContentPartPr>
                 <p14:cNvPr id="50" name="Mürekkep 49">
@@ -6365,7 +6917,7 @@
               </p14:xfrm>
             </p:contentPart>
           </mc:Choice>
-          <mc:Fallback>
+          <mc:Fallback xmlns="">
             <p:pic>
               <p:nvPicPr>
                 <p:cNvPr id="50" name="Mürekkep 49">
@@ -6396,8 +6948,8 @@
             </p:pic>
           </mc:Fallback>
         </mc:AlternateContent>
-        <mc:AlternateContent xmlns:mc="http://schemas.openxmlformats.org/markup-compatibility/2006">
-          <mc:Choice xmlns:p14="http://schemas.microsoft.com/office/powerpoint/2010/main" xmlns:aink="http://schemas.microsoft.com/office/drawing/2016/ink" Requires="p14 aink">
+        <mc:AlternateContent xmlns:mc="http://schemas.openxmlformats.org/markup-compatibility/2006" xmlns:p14="http://schemas.microsoft.com/office/powerpoint/2010/main" xmlns:aink="http://schemas.microsoft.com/office/drawing/2016/ink">
+          <mc:Choice Requires="p14 aink">
             <p:contentPart p14:bwMode="auto" r:id="rId62">
               <p14:nvContentPartPr>
                 <p14:cNvPr id="51" name="Mürekkep 50">
@@ -6416,7 +6968,7 @@
               </p14:xfrm>
             </p:contentPart>
           </mc:Choice>
-          <mc:Fallback>
+          <mc:Fallback xmlns="">
             <p:pic>
               <p:nvPicPr>
                 <p:cNvPr id="51" name="Mürekkep 50">
@@ -6447,8 +6999,8 @@
             </p:pic>
           </mc:Fallback>
         </mc:AlternateContent>
-        <mc:AlternateContent xmlns:mc="http://schemas.openxmlformats.org/markup-compatibility/2006">
-          <mc:Choice xmlns:p14="http://schemas.microsoft.com/office/powerpoint/2010/main" xmlns:aink="http://schemas.microsoft.com/office/drawing/2016/ink" Requires="p14 aink">
+        <mc:AlternateContent xmlns:mc="http://schemas.openxmlformats.org/markup-compatibility/2006" xmlns:p14="http://schemas.microsoft.com/office/powerpoint/2010/main" xmlns:aink="http://schemas.microsoft.com/office/drawing/2016/ink">
+          <mc:Choice Requires="p14 aink">
             <p:contentPart p14:bwMode="auto" r:id="rId64">
               <p14:nvContentPartPr>
                 <p14:cNvPr id="52" name="Mürekkep 51">
@@ -6467,7 +7019,7 @@
               </p14:xfrm>
             </p:contentPart>
           </mc:Choice>
-          <mc:Fallback>
+          <mc:Fallback xmlns="">
             <p:pic>
               <p:nvPicPr>
                 <p:cNvPr id="52" name="Mürekkep 51">
@@ -6498,8 +7050,8 @@
             </p:pic>
           </mc:Fallback>
         </mc:AlternateContent>
-        <mc:AlternateContent xmlns:mc="http://schemas.openxmlformats.org/markup-compatibility/2006">
-          <mc:Choice xmlns:p14="http://schemas.microsoft.com/office/powerpoint/2010/main" xmlns:aink="http://schemas.microsoft.com/office/drawing/2016/ink" Requires="p14 aink">
+        <mc:AlternateContent xmlns:mc="http://schemas.openxmlformats.org/markup-compatibility/2006" xmlns:p14="http://schemas.microsoft.com/office/powerpoint/2010/main" xmlns:aink="http://schemas.microsoft.com/office/drawing/2016/ink">
+          <mc:Choice Requires="p14 aink">
             <p:contentPart p14:bwMode="auto" r:id="rId66">
               <p14:nvContentPartPr>
                 <p14:cNvPr id="53" name="Mürekkep 52">
@@ -6518,7 +7070,7 @@
               </p14:xfrm>
             </p:contentPart>
           </mc:Choice>
-          <mc:Fallback>
+          <mc:Fallback xmlns="">
             <p:pic>
               <p:nvPicPr>
                 <p:cNvPr id="53" name="Mürekkep 52">
@@ -6549,8 +7101,8 @@
             </p:pic>
           </mc:Fallback>
         </mc:AlternateContent>
-        <mc:AlternateContent xmlns:mc="http://schemas.openxmlformats.org/markup-compatibility/2006">
-          <mc:Choice xmlns:p14="http://schemas.microsoft.com/office/powerpoint/2010/main" xmlns:aink="http://schemas.microsoft.com/office/drawing/2016/ink" Requires="p14 aink">
+        <mc:AlternateContent xmlns:mc="http://schemas.openxmlformats.org/markup-compatibility/2006" xmlns:p14="http://schemas.microsoft.com/office/powerpoint/2010/main" xmlns:aink="http://schemas.microsoft.com/office/drawing/2016/ink">
+          <mc:Choice Requires="p14 aink">
             <p:contentPart p14:bwMode="auto" r:id="rId68">
               <p14:nvContentPartPr>
                 <p14:cNvPr id="54" name="Mürekkep 53">
@@ -6569,7 +7121,7 @@
               </p14:xfrm>
             </p:contentPart>
           </mc:Choice>
-          <mc:Fallback>
+          <mc:Fallback xmlns="">
             <p:pic>
               <p:nvPicPr>
                 <p:cNvPr id="54" name="Mürekkep 53">
@@ -6600,8 +7152,8 @@
             </p:pic>
           </mc:Fallback>
         </mc:AlternateContent>
-        <mc:AlternateContent xmlns:mc="http://schemas.openxmlformats.org/markup-compatibility/2006">
-          <mc:Choice xmlns:p14="http://schemas.microsoft.com/office/powerpoint/2010/main" xmlns:aink="http://schemas.microsoft.com/office/drawing/2016/ink" Requires="p14 aink">
+        <mc:AlternateContent xmlns:mc="http://schemas.openxmlformats.org/markup-compatibility/2006" xmlns:p14="http://schemas.microsoft.com/office/powerpoint/2010/main" xmlns:aink="http://schemas.microsoft.com/office/drawing/2016/ink">
+          <mc:Choice Requires="p14 aink">
             <p:contentPart p14:bwMode="auto" r:id="rId70">
               <p14:nvContentPartPr>
                 <p14:cNvPr id="55" name="Mürekkep 54">
@@ -6620,7 +7172,7 @@
               </p14:xfrm>
             </p:contentPart>
           </mc:Choice>
-          <mc:Fallback>
+          <mc:Fallback xmlns="">
             <p:pic>
               <p:nvPicPr>
                 <p:cNvPr id="55" name="Mürekkep 54">
@@ -6665,7 +7217,7 @@
 </p:sld>
 </file>
 
-<file path=ppt/slides/slide6.xml><?xml version="1.0" encoding="utf-8"?>
+<file path=ppt/slides/slide9.xml><?xml version="1.0" encoding="utf-8"?>
 <p:sld xmlns:a="http://schemas.openxmlformats.org/drawingml/2006/main" xmlns:r="http://schemas.openxmlformats.org/officeDocument/2006/relationships" xmlns:p="http://schemas.openxmlformats.org/presentationml/2006/main">
   <p:cSld>
     <p:spTree>
@@ -6733,7 +7285,56 @@
           <a:p>
             <a:r>
               <a:rPr lang="tr-TR" dirty="0"/>
-              <a:t>Üstümüze doğru koşuyorlar</a:t>
+              <a:t>Emre, Zombilerin mekaniklerini komple yazman gerek </a:t>
+            </a:r>
+            <a:r>
+              <a:rPr lang="tr-TR" dirty="0" err="1"/>
+              <a:t>aga</a:t>
+            </a:r>
+            <a:r>
+              <a:rPr lang="tr-TR" dirty="0"/>
+              <a:t> *?*?*?</a:t>
+            </a:r>
+          </a:p>
+          <a:p>
+            <a:pPr marL="0" indent="0">
+              <a:buNone/>
+            </a:pPr>
+            <a:endParaRPr lang="tr-TR" dirty="0"/>
+          </a:p>
+          <a:p>
+            <a:pPr marL="0" indent="0">
+              <a:buNone/>
+            </a:pPr>
+            <a:r>
+              <a:rPr lang="tr-TR" dirty="0"/>
+              <a:t>Örneğin, </a:t>
+            </a:r>
+          </a:p>
+          <a:p>
+            <a:r>
+              <a:rPr lang="tr-TR" dirty="0"/>
+              <a:t>Oyuncuyla aynı kattaysa koşmaya başlar *!</a:t>
+            </a:r>
+          </a:p>
+          <a:p>
+            <a:r>
+              <a:rPr lang="tr-TR" dirty="0"/>
+              <a:t>Bazı zombiler oyuncuların arka tarafından koşup hızlıca önlerine geçebilir *!</a:t>
+            </a:r>
+          </a:p>
+          <a:p>
+            <a:r>
+              <a:rPr lang="tr-TR" dirty="0"/>
+              <a:t>Zombiler </a:t>
+            </a:r>
+            <a:r>
+              <a:rPr lang="tr-TR" dirty="0" err="1"/>
+              <a:t>dodgeleme</a:t>
+            </a:r>
+            <a:r>
+              <a:rPr lang="tr-TR" dirty="0"/>
+              <a:t> tuşu ile geçilebilir (?)</a:t>
             </a:r>
           </a:p>
         </p:txBody>
@@ -6742,95 +7343,6 @@
     <p:extLst>
       <p:ext uri="{BB962C8B-B14F-4D97-AF65-F5344CB8AC3E}">
         <p14:creationId xmlns:p14="http://schemas.microsoft.com/office/powerpoint/2010/main" val="2966662261"/>
-      </p:ext>
-    </p:extLst>
-  </p:cSld>
-  <p:clrMapOvr>
-    <a:masterClrMapping/>
-  </p:clrMapOvr>
-</p:sld>
-</file>
-
-<file path=ppt/slides/slide7.xml><?xml version="1.0" encoding="utf-8"?>
-<p:sld xmlns:a="http://schemas.openxmlformats.org/drawingml/2006/main" xmlns:r="http://schemas.openxmlformats.org/officeDocument/2006/relationships" xmlns:p="http://schemas.openxmlformats.org/presentationml/2006/main">
-  <p:cSld>
-    <p:spTree>
-      <p:nvGrpSpPr>
-        <p:cNvPr id="1" name=""/>
-        <p:cNvGrpSpPr/>
-        <p:nvPr/>
-      </p:nvGrpSpPr>
-      <p:grpSpPr>
-        <a:xfrm>
-          <a:off x="0" y="0"/>
-          <a:ext cx="0" cy="0"/>
-          <a:chOff x="0" y="0"/>
-          <a:chExt cx="0" cy="0"/>
-        </a:xfrm>
-      </p:grpSpPr>
-      <p:sp>
-        <p:nvSpPr>
-          <p:cNvPr id="2" name="Başlık 1">
-            <a:extLst>
-              <a:ext uri="{FF2B5EF4-FFF2-40B4-BE49-F238E27FC236}">
-                <a16:creationId xmlns:a16="http://schemas.microsoft.com/office/drawing/2014/main" id="{DDBA8385-A996-2FCC-3970-F70CE7E8D84D}"/>
-              </a:ext>
-            </a:extLst>
-          </p:cNvPr>
-          <p:cNvSpPr>
-            <a:spLocks noGrp="1"/>
-          </p:cNvSpPr>
-          <p:nvPr>
-            <p:ph type="title"/>
-          </p:nvPr>
-        </p:nvSpPr>
-        <p:spPr/>
-        <p:txBody>
-          <a:bodyPr/>
-          <a:lstStyle/>
-          <a:p>
-            <a:r>
-              <a:rPr lang="tr-TR" dirty="0"/>
-              <a:t>Ölme</a:t>
-            </a:r>
-          </a:p>
-        </p:txBody>
-      </p:sp>
-      <p:sp>
-        <p:nvSpPr>
-          <p:cNvPr id="3" name="İçerik Yer Tutucusu 2">
-            <a:extLst>
-              <a:ext uri="{FF2B5EF4-FFF2-40B4-BE49-F238E27FC236}">
-                <a16:creationId xmlns:a16="http://schemas.microsoft.com/office/drawing/2014/main" id="{16FC0403-6830-F128-B991-F36C746532A6}"/>
-              </a:ext>
-            </a:extLst>
-          </p:cNvPr>
-          <p:cNvSpPr>
-            <a:spLocks noGrp="1"/>
-          </p:cNvSpPr>
-          <p:nvPr>
-            <p:ph idx="1"/>
-          </p:nvPr>
-        </p:nvSpPr>
-        <p:spPr/>
-        <p:txBody>
-          <a:bodyPr/>
-          <a:lstStyle/>
-          <a:p>
-            <a:pPr marL="0" indent="0">
-              <a:buNone/>
-            </a:pPr>
-            <a:r>
-              <a:rPr lang="tr-TR" dirty="0"/>
-              <a:t>Her oyuncunun 3’er kartı var. Her ölümde 1 kart kullanıyorlar. Kartı biten oyundan düşüyor.</a:t>
-            </a:r>
-          </a:p>
-        </p:txBody>
-      </p:sp>
-    </p:spTree>
-    <p:extLst>
-      <p:ext uri="{BB962C8B-B14F-4D97-AF65-F5344CB8AC3E}">
-        <p14:creationId xmlns:p14="http://schemas.microsoft.com/office/powerpoint/2010/main" val="4241660725"/>
       </p:ext>
     </p:extLst>
   </p:cSld>

--- a/Dökümanlar/Zombi Slayers.pptx
+++ b/Dökümanlar/Zombi Slayers.pptx
@@ -176,6 +176,286 @@
 </inkml:ink>
 </file>
 
+<file path=ppt/ink/ink100.xml><?xml version="1.0" encoding="utf-8"?>
+<inkml:ink xmlns:inkml="http://www.w3.org/2003/InkML">
+  <inkml:definitions>
+    <inkml:context xml:id="ctx0">
+      <inkml:inkSource xml:id="inkSrc0">
+        <inkml:traceFormat>
+          <inkml:channel name="X" type="integer" min="-2.14748E9" max="2.14748E9" units="cm"/>
+          <inkml:channel name="Y" type="integer" min="-2.14748E9" max="2.14748E9" units="cm"/>
+          <inkml:channel name="F" type="integer" max="32767" units="dev"/>
+        </inkml:traceFormat>
+        <inkml:channelProperties>
+          <inkml:channelProperty channel="X" name="resolution" value="1000" units="1/cm"/>
+          <inkml:channelProperty channel="Y" name="resolution" value="1000" units="1/cm"/>
+          <inkml:channelProperty channel="F" name="resolution" value="0" units="1/dev"/>
+        </inkml:channelProperties>
+      </inkml:inkSource>
+      <inkml:timestamp xml:id="ts0" timeString="2025-03-10T19:11:11.609"/>
+    </inkml:context>
+    <inkml:brush xml:id="br0">
+      <inkml:brushProperty name="width" value="0.035" units="cm"/>
+      <inkml:brushProperty name="height" value="0.035" units="cm"/>
+      <inkml:brushProperty name="color" value="#008C3A"/>
+    </inkml:brush>
+  </inkml:definitions>
+  <inkml:trace contextRef="#ctx0" brushRef="#br0">377 0 24266,'-377'428'0</inkml:trace>
+</inkml:ink>
+</file>
+
+<file path=ppt/ink/ink101.xml><?xml version="1.0" encoding="utf-8"?>
+<inkml:ink xmlns:inkml="http://www.w3.org/2003/InkML">
+  <inkml:definitions>
+    <inkml:context xml:id="ctx0">
+      <inkml:inkSource xml:id="inkSrc0">
+        <inkml:traceFormat>
+          <inkml:channel name="X" type="integer" min="-2.14748E9" max="2.14748E9" units="cm"/>
+          <inkml:channel name="Y" type="integer" min="-2.14748E9" max="2.14748E9" units="cm"/>
+          <inkml:channel name="F" type="integer" max="32767" units="dev"/>
+        </inkml:traceFormat>
+        <inkml:channelProperties>
+          <inkml:channelProperty channel="X" name="resolution" value="1000" units="1/cm"/>
+          <inkml:channelProperty channel="Y" name="resolution" value="1000" units="1/cm"/>
+          <inkml:channelProperty channel="F" name="resolution" value="0" units="1/dev"/>
+        </inkml:channelProperties>
+      </inkml:inkSource>
+      <inkml:timestamp xml:id="ts0" timeString="2025-03-10T19:11:13.516"/>
+    </inkml:context>
+    <inkml:brush xml:id="br0">
+      <inkml:brushProperty name="width" value="0.035" units="cm"/>
+      <inkml:brushProperty name="height" value="0.035" units="cm"/>
+      <inkml:brushProperty name="color" value="#008C3A"/>
+    </inkml:brush>
+  </inkml:definitions>
+  <inkml:trace contextRef="#ctx0" brushRef="#br0">95 0 24575,'0'20'0,"1"15"0,-2 1 0,-2 0 0,-9 49 0,-3-2 0,-6 100 0,20-176-1,-1 0 0,1-1 0,-1 1 1,-1-1-1,1 1 0,-1-1 0,0 0 0,-4 7 0,-6 11-1356,7-9-5469</inkml:trace>
+</inkml:ink>
+</file>
+
+<file path=ppt/ink/ink102.xml><?xml version="1.0" encoding="utf-8"?>
+<inkml:ink xmlns:inkml="http://www.w3.org/2003/InkML">
+  <inkml:definitions>
+    <inkml:context xml:id="ctx0">
+      <inkml:inkSource xml:id="inkSrc0">
+        <inkml:traceFormat>
+          <inkml:channel name="X" type="integer" min="-2.14748E9" max="2.14748E9" units="cm"/>
+          <inkml:channel name="Y" type="integer" min="-2.14748E9" max="2.14748E9" units="cm"/>
+          <inkml:channel name="F" type="integer" max="32767" units="dev"/>
+        </inkml:traceFormat>
+        <inkml:channelProperties>
+          <inkml:channelProperty channel="X" name="resolution" value="1000" units="1/cm"/>
+          <inkml:channelProperty channel="Y" name="resolution" value="1000" units="1/cm"/>
+          <inkml:channelProperty channel="F" name="resolution" value="0" units="1/dev"/>
+        </inkml:channelProperties>
+      </inkml:inkSource>
+      <inkml:timestamp xml:id="ts0" timeString="2025-03-10T19:11:24.050"/>
+    </inkml:context>
+    <inkml:brush xml:id="br0">
+      <inkml:brushProperty name="width" value="0.035" units="cm"/>
+      <inkml:brushProperty name="height" value="0.035" units="cm"/>
+      <inkml:brushProperty name="color" value="#008C3A"/>
+    </inkml:brush>
+  </inkml:definitions>
+  <inkml:trace contextRef="#ctx0" brushRef="#br0">1 125 24575,'31'0'0,"7"1"0,49-7 0,-74 5 0,0-2 0,-1 0 0,1 0 0,-1-1 0,0-1 0,0 0 0,19-11 0,-9 5 0,0 0 0,1 2 0,1 0 0,43-9 0,-13 4 0,-48 11 0,-8 1 0,-19-1 0,-35 6 0,34 2 0,0 0 0,1 2 0,0 0 0,0 1 0,-26 15 0,46-23 0,1 0 0,0 0 0,-1 0 0,1 0 0,0 0 0,-1 0 0,1 0 0,0 0 0,0 1 0,-1-1 0,1 0 0,0 0 0,-1 0 0,1 1 0,0-1 0,0 0 0,-1 0 0,1 0 0,0 1 0,0-1 0,0 0 0,-1 1 0,1-1 0,0 0 0,0 1 0,0-1 0,0 0 0,0 0 0,-1 1 0,1-1 0,0 0 0,0 1 0,0-1 0,0 0 0,0 1 0,0-1 0,0 0 0,0 1 0,0-1 0,0 1 0,1-1 0,-1 0 0,0 0 0,0 1 0,18 4 0,27-7 0,-10-7-113,-8 3-200,0-1 0,0-1 0,37-18 0,-50 19-6513</inkml:trace>
+</inkml:ink>
+</file>
+
+<file path=ppt/ink/ink103.xml><?xml version="1.0" encoding="utf-8"?>
+<inkml:ink xmlns:inkml="http://www.w3.org/2003/InkML">
+  <inkml:definitions>
+    <inkml:context xml:id="ctx0">
+      <inkml:inkSource xml:id="inkSrc0">
+        <inkml:traceFormat>
+          <inkml:channel name="X" type="integer" min="-2.14748E9" max="2.14748E9" units="cm"/>
+          <inkml:channel name="Y" type="integer" min="-2.14748E9" max="2.14748E9" units="cm"/>
+          <inkml:channel name="F" type="integer" max="32767" units="dev"/>
+        </inkml:traceFormat>
+        <inkml:channelProperties>
+          <inkml:channelProperty channel="X" name="resolution" value="1000" units="1/cm"/>
+          <inkml:channelProperty channel="Y" name="resolution" value="1000" units="1/cm"/>
+          <inkml:channelProperty channel="F" name="resolution" value="0" units="1/dev"/>
+        </inkml:channelProperties>
+      </inkml:inkSource>
+      <inkml:timestamp xml:id="ts0" timeString="2025-03-10T19:11:38.869"/>
+    </inkml:context>
+    <inkml:brush xml:id="br0">
+      <inkml:brushProperty name="width" value="0.035" units="cm"/>
+      <inkml:brushProperty name="height" value="0.035" units="cm"/>
+      <inkml:brushProperty name="color" value="#008C3A"/>
+    </inkml:brush>
+  </inkml:definitions>
+  <inkml:trace contextRef="#ctx0" brushRef="#br0">0 37 24575,'5'0'0,"1"-5"0,3 0 0,6-1 0,3 2 0,4 0 0,2 2 0,1 1 0,-4-3 0,-5-2-8191</inkml:trace>
+</inkml:ink>
+</file>
+
+<file path=ppt/ink/ink104.xml><?xml version="1.0" encoding="utf-8"?>
+<inkml:ink xmlns:inkml="http://www.w3.org/2003/InkML">
+  <inkml:definitions>
+    <inkml:context xml:id="ctx0">
+      <inkml:inkSource xml:id="inkSrc0">
+        <inkml:traceFormat>
+          <inkml:channel name="X" type="integer" min="-2.14748E9" max="2.14748E9" units="cm"/>
+          <inkml:channel name="Y" type="integer" min="-2.14748E9" max="2.14748E9" units="cm"/>
+          <inkml:channel name="F" type="integer" max="32767" units="dev"/>
+        </inkml:traceFormat>
+        <inkml:channelProperties>
+          <inkml:channelProperty channel="X" name="resolution" value="1000" units="1/cm"/>
+          <inkml:channelProperty channel="Y" name="resolution" value="1000" units="1/cm"/>
+          <inkml:channelProperty channel="F" name="resolution" value="0" units="1/dev"/>
+        </inkml:channelProperties>
+      </inkml:inkSource>
+      <inkml:timestamp xml:id="ts0" timeString="2025-03-10T19:12:23.355"/>
+    </inkml:context>
+    <inkml:brush xml:id="br0">
+      <inkml:brushProperty name="width" value="0.035" units="cm"/>
+      <inkml:brushProperty name="height" value="0.035" units="cm"/>
+      <inkml:brushProperty name="color" value="#008C3A"/>
+    </inkml:brush>
+  </inkml:definitions>
+  <inkml:trace contextRef="#ctx0" brushRef="#br0">2110 57 24575,'-53'-19'0,"-43"10"0,70 8 0,-1-1 0,-33-8 0,16 4 0,0 1 0,0 1 0,0 3 0,-47 5 0,-10-1 0,-38-6 0,-149 6 0,221 10 0,48-9 0,1-1 0,-29 3 0,18-5 0,0 1 0,-49 9 0,33-4 0,0-2 0,0-2 0,-86-5 0,30-1 0,99 3 0,-30-1 0,0 2 0,0 1 0,-56 11 0,60-8-121,0-1 0,1-2 0,-54-1 0,55-2-760,4 1-5945</inkml:trace>
+</inkml:ink>
+</file>
+
+<file path=ppt/ink/ink105.xml><?xml version="1.0" encoding="utf-8"?>
+<inkml:ink xmlns:inkml="http://www.w3.org/2003/InkML">
+  <inkml:definitions>
+    <inkml:context xml:id="ctx0">
+      <inkml:inkSource xml:id="inkSrc0">
+        <inkml:traceFormat>
+          <inkml:channel name="X" type="integer" min="-2.14748E9" max="2.14748E9" units="cm"/>
+          <inkml:channel name="Y" type="integer" min="-2.14748E9" max="2.14748E9" units="cm"/>
+          <inkml:channel name="F" type="integer" max="32767" units="dev"/>
+        </inkml:traceFormat>
+        <inkml:channelProperties>
+          <inkml:channelProperty channel="X" name="resolution" value="1000" units="1/cm"/>
+          <inkml:channelProperty channel="Y" name="resolution" value="1000" units="1/cm"/>
+          <inkml:channelProperty channel="F" name="resolution" value="0" units="1/dev"/>
+        </inkml:channelProperties>
+      </inkml:inkSource>
+      <inkml:timestamp xml:id="ts0" timeString="2025-03-10T19:12:50.806"/>
+    </inkml:context>
+    <inkml:brush xml:id="br0">
+      <inkml:brushProperty name="width" value="0.035" units="cm"/>
+      <inkml:brushProperty name="height" value="0.035" units="cm"/>
+      <inkml:brushProperty name="color" value="#008C3A"/>
+    </inkml:brush>
+  </inkml:definitions>
+  <inkml:trace contextRef="#ctx0" brushRef="#br0">707 359 24575,'18'-20'0,"-5"8"0,-13 12 0,0 0 0,0-1 0,-1 1 0,1 0 0,0-1 0,-1 1 0,1 0 0,0 0 0,-1-1 0,1 1 0,0 0 0,-1 0 0,1-1 0,-1 1 0,1 0 0,0 0 0,-1 0 0,1 0 0,-1 0 0,1 0 0,-1 0 0,1 0 0,0 0 0,-1 0 0,1 0 0,-1 0 0,1 0 0,-1 0 0,1 0 0,0 0 0,-1 0 0,1 1 0,-1-1 0,1 0 0,0 0 0,-1 1 0,1-1 0,-1 0 0,-19 5 0,14-3 0,-1 0 0,1 0 0,0-1 0,-1 0 0,1-1 0,-9 1 0,14-1 0,0-1 0,1 1 0,-1 0 0,0 0 0,1 0 0,-1 0 0,0-1 0,1 1 0,-1 0 0,0-1 0,1 1 0,-1 0 0,0-1 0,1 1 0,-1-1 0,1 1 0,-1-1 0,1 1 0,-1-1 0,1 0 0,0 1 0,-1-1 0,1 1 0,-1-2 0,1 0 0,0 0 0,-1 0 0,1 0 0,0 0 0,0 0 0,1 0 0,-1 0 0,0 0 0,1 0 0,-1 0 0,1 0 0,0 1 0,1-4 0,2-1 0,0 0 0,0 0 0,1 1 0,0 0 0,0-1 0,0 2 0,1-1 0,-1 1 0,1 0 0,10-5 0,17-16 0,-23 17 0,1 0 0,-1 0 0,1 1 0,1 0 0,-1 1 0,1 0 0,0 1 0,24-7 0,-36 12 0,0 0 0,0 0 0,0 0 0,1 0 0,-1 0 0,0 0 0,0 0 0,0 0 0,1-1 0,-1 1 0,0 1 0,0-1 0,0 0 0,1 0 0,-1 0 0,0 0 0,0 0 0,0 0 0,1 0 0,-1 0 0,0 0 0,0 0 0,0 0 0,0 0 0,1 1 0,-1-1 0,0 0 0,0 0 0,0 0 0,0 0 0,0 0 0,1 1 0,-1-1 0,0 0 0,0 0 0,0 0 0,0 0 0,0 1 0,0-1 0,0 0 0,0 0 0,0 0 0,0 1 0,0-1 0,0 0 0,0 0 0,0 1 0,-6 11 0,-13 10 0,1-11 0,1-2 0,-1 0 0,-1-2 0,1 0 0,-1 0 0,0-2 0,-27 4 0,-33 11 0,66-15 0,-1-1 0,0-1 0,1-1 0,-2 0 0,1 0 0,0-1 0,0-1 0,0-1 0,0 0 0,-28-6 0,41 7 0,0 0 0,0 0 0,0 0 0,0-1 0,0 1 0,0-1 0,0 1 0,0 0 0,0-1 0,1 0 0,-1 1 0,0-1 0,0 1 0,0-1 0,1 0 0,-1 0 0,0 1 0,1-1 0,-1 0 0,0 0 0,1 0 0,-1 0 0,1 0 0,0 0 0,-1 0 0,1 0 0,0 0 0,-1 0 0,1-1 0,1 1 0,-1-1 0,1 1 0,0-1 0,0 1 0,0 0 0,0-1 0,0 1 0,0 0 0,0 0 0,0 0 0,1-1 0,-1 1 0,0 1 0,1-1 0,-1 0 0,2-1 0,6-3 0,1 1 0,0 0 0,0 0 0,16-4 0,158-22 0,-123 19 0,-35 6 0,1 1 0,35-1 0,-17 5 0,86 2 0,-129-2 0,1 0 0,-1 1 0,0-1 0,0 0 0,0 1 0,1 0 0,-1-1 0,0 1 0,0 0 0,0 0 0,0 0 0,2 2 0,-3-2 0,-1-1 0,1 1 0,-1-1 0,1 1 0,-1 0 0,1-1 0,-1 1 0,1 0 0,-1 0 0,0-1 0,1 1 0,-1 0 0,0 0 0,0-1 0,0 1 0,0 0 0,1 0 0,-1 0 0,0-1 0,0 1 0,0 0 0,-1 0 0,1 1 0,-1 0 0,0 0 0,0 1 0,0-1 0,-1 0 0,1 0 0,-1 0 0,1 0 0,-1 0 0,0 0 0,0 0 0,0-1 0,0 1 0,0-1 0,0 1 0,0-1 0,0 0 0,-1 0 0,1 0 0,-5 2 0,-38 11 0,-1-1 0,-1-2 0,0-2 0,-68 4 0,82-12 0,1 2 0,-39 8 0,27-4 0,-2-2 0,1-2 0,-85-6 0,28 0 0,70 4 0,20 0 0,0 0 0,-1-2 0,1 1 0,0-1 0,-15-4 0,27 5 0,-1 0 0,1 0 0,-1 0 0,1 0 0,-1 0 0,1 0 0,0 0 0,-1 0 0,1 0 0,-1-1 0,1 1 0,0 0 0,-1 0 0,1 0 0,-1 0 0,1-1 0,0 1 0,-1 0 0,1-1 0,0 1 0,-1 0 0,1 0 0,0-1 0,0 1 0,-1 0 0,1-1 0,0 1 0,0-1 0,0 1 0,-1 0 0,1-1 0,0 0 0,13-5 0,23 0 0,25 4 0,-20 0 0,68-10 0,-56 5 0,-1 3 0,104 3 0,-65 3 0,-71-1 0,1 2 0,39 9 0,-10-2 0,-4 5 0,-46-15 0,1 0 0,-1 1 0,1-1 0,0 0 0,-1 0 0,1 0 0,0 1 0,-1-1 0,1 0 0,-1 1 0,1-1 0,-1 0 0,1 1 0,-1-1 0,1 1 0,-1-1 0,1 1 0,-1-1 0,0 1 0,1-1 0,-1 1 0,0 0 0,1-1 0,-1 1 0,0-1 0,0 1 0,0 0 0,1-1 0,-1 1 0,0 0 0,0-1 0,0 1 0,0 0 0,0-1 0,0 1 0,0 0 0,0-1 0,-1 1 0,1-1 0,0 1 0,0 0 0,0-1 0,-1 1 0,1-1 0,0 1 0,-1 0 0,1-1 0,-1 1 0,1-1 0,0 1 0,-1-1 0,1 1 0,-1-1 0,1 0 0,-1 1 0,1-1 0,-1 0 0,0 1 0,1-1 0,-1 0 0,1 0 0,-1 1 0,-1-1 0,-10 6 0,0-1 0,0 0 0,-1-1 0,1-1 0,-1 0 0,0 0 0,-22 1 0,4-3 0,0-1 0,-34-4 0,62 4 0,1 0 0,0-1 0,0 1 0,0 0 0,-1-1 0,1 1 0,0-1 0,0 0 0,0 0 0,0 0 0,0 0 0,0 0 0,0 0 0,1-1 0,-3-1 0,3 2 0,0 0 0,1 1 0,-1-1 0,1 0 0,0 0 0,-1 0 0,1 0 0,0 0 0,0 0 0,-1 0 0,1 0 0,0 0 0,0 0 0,0 0 0,0 0 0,0 0 0,0 0 0,0 0 0,1 0 0,-1 0 0,0 0 0,1 0 0,0-1 0,1-2 0,0 0 0,1 0 0,0 0 0,0 1 0,0-1 0,0 1 0,0 0 0,1 0 0,-1 0 0,1 0 0,0 0 0,7-3 0,-1 2 0,0 0 0,0 1 0,1 0 0,-1 1 0,1 0 0,0 0 0,13 1 0,82 3 0,-42 1 0,-56-3 0,-1 0 0,0 0 0,1 1 0,-1 0 0,0 0 0,0 1 0,0 0 0,0 0 0,8 5 0,-13-6 0,0 0 0,-1 0 0,1 1 0,-1-1 0,1 1 0,-1-1 0,1 1 0,-1 0 0,0-1 0,0 1 0,0 0 0,0 0 0,0 0 0,0 0 0,0 0 0,-1 0 0,1 0 0,-1 0 0,1 0 0,-1 1 0,0-1 0,0 0 0,0 0 0,0 0 0,0 0 0,0 1 0,-1-1 0,1 0 0,-1 0 0,0 0 0,1 0 0,-1 0 0,0 0 0,0 0 0,-3 3 0,2-1 0,-1 0 0,0 0 0,0 0 0,0-1 0,-1 1 0,1-1 0,-1 0 0,0 0 0,0 0 0,0 0 0,0-1 0,0 0 0,-1 0 0,1 0 0,-1 0 0,1-1 0,-8 2 0,-5 1 0,0 0 0,-1-2 0,-25 1 0,31-2 0,-228-4 0,234 3 0,0-1 0,0 0 0,0-1 0,0 0 0,0 0 0,0 0 0,1 0 0,-1-1 0,1 0 0,-1 0 0,1-1 0,0 1 0,1-1 0,-6-5 0,9 7 0,-1 0 0,0 0 0,1 0 0,0 0 0,-1 0 0,1 0 0,0-1 0,0 1 0,0-1 0,0 1 0,1 0 0,-1-1 0,1 1 0,-1-1 0,1 0 0,0 1 0,0-1 0,0 1 0,0-1 0,0 1 0,1-1 0,-1 1 0,1-1 0,0 1 0,0-1 0,0 1 0,0-1 0,0 1 0,0 0 0,0 0 0,1 0 0,-1 0 0,1 0 0,0 0 0,3-3 0,-1 1 0,0 1 0,0 1 0,0-1 0,0 0 0,0 1 0,1 0 0,-1 0 0,1 0 0,0 1 0,-1-1 0,1 1 0,0 0 0,0 1 0,9-1 0,80 3 0,-54 1 0,-33-3 0,8 0 0,0 1 0,0 0 0,0 1 0,0 0 0,15 6 0,-27-8 0,-1 1 0,0 0 0,1 0 0,-1 0 0,0 0 0,0 0 0,0 0 0,0 1 0,0-1 0,0 1 0,0-1 0,0 1 0,-1 0 0,1-1 0,-1 1 0,1 0 0,-1 0 0,0 0 0,1 0 0,-1 1 0,0-1 0,-1 0 0,1 0 0,0 1 0,-1-1 0,1 0 0,-1 1 0,1-1 0,-1 1 0,0-1 0,0 1 0,0-1 0,-1 0 0,1 1 0,-1-1 0,1 0 0,-1 1 0,0-1 0,0 0 0,-1 4 0,0-3 0,0 1 0,-1-1 0,1 1 0,-1-1 0,0 0 0,0 0 0,0 0 0,0 0 0,0 0 0,-1-1 0,1 1 0,-1-1 0,1 0 0,-1 0 0,0-1 0,0 1 0,0-1 0,0 1 0,0-1 0,-8 0 0,-8 3 0,0-2 0,-38 0 0,-14-1 0,-108-5 0,168 2 0,-1 0 0,1-1 0,0-1 0,1 0 0,-19-9 0,-11-4 0,39 17 0,0-1 0,-1 0 0,1 0 0,0 1 0,0-2 0,0 1 0,0 0 0,0 0 0,0-1 0,0 1 0,0-1 0,0 1 0,0-1 0,1 0 0,-1 0 0,1 0 0,-1 0 0,1 0 0,0 0 0,0 0 0,0 0 0,0 0 0,0-1 0,0 1 0,1 0 0,-1-1 0,1 1 0,0 0 0,-1-1 0,1 1 0,0-1 0,1 1 0,-1 0 0,0-1 0,1 1 0,0-4 0,0 3 0,1-1 0,-1 1 0,1-1 0,0 1 0,0-1 0,0 1 0,1 0 0,-1 0 0,1 0 0,0 1 0,0-1 0,0 0 0,0 1 0,0 0 0,0 0 0,0 0 0,1 0 0,-1 0 0,1 1 0,0 0 0,-1-1 0,5 0 0,27-2 0,0 2 0,0 1 0,51 5 0,7 0 0,-82-4 0,1 1 0,0 1 0,-1 0 0,1 1 0,-1 0 0,1 1 0,20 10 0,-29-13 0,1 0 0,-1 1 0,0 0 0,0-1 0,1 1 0,-1 1 0,-1-1 0,1 0 0,0 1 0,0-1 0,-1 1 0,0 0 0,1 0 0,-1 0 0,0 0 0,-1 0 0,1 0 0,0 0 0,-1 1 0,0-1 0,0 1 0,0-1 0,0 1 0,0-1 0,-1 1 0,1 0 0,-1-1 0,0 1 0,-1 4 0,0-4 0,0-1 0,0 0 0,-1 0 0,1 0 0,-1 0 0,0 0 0,0 0 0,0-1 0,0 1 0,0 0 0,0-1 0,-1 0 0,0 1 0,1-1 0,-1 0 0,0-1 0,0 1 0,0 0 0,0-1 0,0 0 0,0 1 0,0-1 0,-1 0 0,1-1 0,0 1 0,-4 0 0,-12 1 0,0 0 0,0-1 0,-28-3 0,24 1 0,-3 1 0,1-1 0,-1-2 0,1 0 0,-41-12 0,60 13 0,0 0 0,1 0 0,-1-1 0,1 1 0,0-1 0,0-1 0,0 1 0,0-1 0,1 1 0,-1-1 0,-5-7 0,8 7 0,0 0 0,-1 1 0,2-1 0,-1 0 0,0 0 0,1 0 0,0 0 0,0 0 0,0 0 0,0 0 0,1-1 0,-1 1 0,1 0 0,0 0 0,1 0 0,-1-1 0,1 1 0,1-5 0,0 3 0,0 1 0,0 0 0,1 0 0,0 0 0,0 1 0,0-1 0,0 0 0,1 1 0,0 0 0,0 0 0,0 0 0,0 1 0,0-1 0,1 1 0,0 0 0,0 0 0,-1 0 0,2 1 0,-1 0 0,0 0 0,7-2 0,6-1 0,0 0 0,0 1 0,0 1 0,0 0 0,24 1 0,-17 0 0,49-9 0,-48 6 0,50-2 0,-18 6 0,111 3 0,-167-2 0,0 0 0,0 0 0,0 0 0,0 0 0,0 1 0,0-1 0,0 1 0,-1-1 0,1 1 0,0-1 0,0 1 0,0 0 0,0 0 0,-1 0 0,1 0 0,0 0 0,-1 1 0,1-1 0,-1 0 0,0 1 0,1-1 0,-1 1 0,0-1 0,0 1 0,0 0 0,0-1 0,0 1 0,0 0 0,0 0 0,-1 0 0,1-1 0,-1 1 0,1 0 0,-1 0 0,0 0 0,0 0 0,1 0 0,-1 0 0,-1 0 0,1 0 0,0 0 0,0 0 0,-1 0 0,1 0 0,-2 2 0,0 2 0,0-1 0,0 0 0,-1 1 0,1-1 0,-1 0 0,-1 0 0,1 0 0,-1-1 0,1 1 0,-1-1 0,0 0 0,-1 0 0,1 0 0,-9 5 0,-16 3 0,0 0 0,-1-2 0,0-1 0,-1-2 0,-35 4 0,-20 6 0,-18-3 0,16-3 0,31-4 0,0-2 0,-106-6 0,62-1 0,96 3 0,0-2 0,0 1 0,0 0 0,0-1 0,0 0 0,0 0 0,0-1 0,0 1 0,0-1 0,1 0 0,-1 0 0,1-1 0,-1 1 0,1-1 0,-7-6 0,9 7 0,0 0 0,0-1 0,1 0 0,-1 1 0,1-1 0,-1 0 0,1 1 0,0-1 0,0 0 0,0 0 0,0 0 0,1 0 0,-1 0 0,1 0 0,0-1 0,0 1 0,0 0 0,0 0 0,0 0 0,1 0 0,-1 0 0,1 0 0,0 0 0,0 0 0,0 0 0,0 0 0,2-3 0,0 2 0,-1 1 0,0-1 0,1 1 0,0 0 0,0-1 0,0 1 0,0 0 0,0 1 0,1-1 0,-1 0 0,1 1 0,0 0 0,0 0 0,0 0 0,0 0 0,0 1 0,0 0 0,6-2 0,11-1 0,1 0 0,31-1 0,-25 3 0,54-8 0,-40 3 0,62 0 0,-73 6 0,53-10 0,-53 5 0,50-1 0,55 10 0,104-5 0,-232 0 0,1 0 0,-1 0 0,0 0 0,0-1 0,0 0 0,-1-1 0,1 0 0,-1 0 0,1 0 0,10-10 0,-18 13 0,0 1 0,-1-1 0,1 1 0,0 0 0,-1-1 0,1 1 0,-1-1 0,1 1 0,0 0 0,-1-1 0,1 1 0,-1 0 0,1-1 0,-1 1 0,1 0 0,-1 0 0,1-1 0,-1 1 0,0 0 0,1 0 0,-1 0 0,1 0 0,-1 0 0,1 0 0,-1 0 0,0 0 0,1 0 0,-1 0 0,1 0 0,-1 0 0,0 1 0,-25-3 0,-12 2 0,-4-1 0,0 2 0,0 1 0,-62 13 0,10 15 0,37-10 0,18-9 0,-42 5 0,49-10 0,0 0 0,-48 18 0,-20 27 0,88-45 0,-1 0 0,1 1 0,1 1 0,-21 17 0,30-23 0,-1 1 0,1-1 0,-1 1 0,1 0 0,0 0 0,0 0 0,0 0 0,1 0 0,-1 0 0,1 0 0,-2 4 0,3-5 0,0 0 0,0 0 0,-1-1 0,1 1 0,0 0 0,1 0 0,-1 0 0,0 0 0,1-1 0,-1 1 0,1 0 0,-1 0 0,1-1 0,0 1 0,-1 0 0,1-1 0,0 1 0,0-1 0,0 1 0,1-1 0,-1 0 0,2 3 0,5 0 0,-1 1 0,1-1 0,0-1 0,0 0 0,0 0 0,0 0 0,1-1 0,-1 0 0,1-1 0,13 1 0,19 5 0,-17-1 0,0 1 0,0-2 0,1 0 0,50 2 0,-55-6 0,0 1 0,34 8 0,-6-1 0,-93-12 0,-70 5 0,30 0 0,40-3 0,-72-9 0,96 6 0,1 0 0,1-1 0,-1-1 0,1 0 0,-37-19 0,50 20 0,-1 1 0,1-1 0,0-1 0,1 1 0,-1-1 0,1 0 0,0 0 0,0-1 0,1 1 0,0-1 0,0 0 0,1 0 0,0-1 0,0 1 0,0-1 0,1 1 0,0-1 0,1 0 0,0 0 0,0 0 0,0-10 0,1 10 0,0 0 0,0 0 0,1 0 0,0 0 0,0 0 0,0 0 0,1 0 0,1 1 0,-1-1 0,1 1 0,1-1 0,-1 1 0,1 0 0,1 1 0,-1-1 0,1 1 0,0-1 0,0 2 0,1-1 0,0 0 0,7-4 0,3-1 0,1 1 0,0 1 0,1 1 0,0 1 0,0 0 0,0 1 0,1 1 0,0 1 0,0 1 0,29-2 0,-22 3 0,47-9 0,-47 7 0,51-4 0,-40 8 0,-5 0 0,0 0 0,-1-2 0,49-10 0,-37 5 0,1 2 0,0 2 0,-1 2 0,49 4 0,9 0 0,351-3-1365,-430 0-5461</inkml:trace>
+</inkml:ink>
+</file>
+
+<file path=ppt/ink/ink106.xml><?xml version="1.0" encoding="utf-8"?>
+<inkml:ink xmlns:inkml="http://www.w3.org/2003/InkML">
+  <inkml:definitions>
+    <inkml:context xml:id="ctx0">
+      <inkml:inkSource xml:id="inkSrc0">
+        <inkml:traceFormat>
+          <inkml:channel name="X" type="integer" min="-2.14748E9" max="2.14748E9" units="cm"/>
+          <inkml:channel name="Y" type="integer" min="-2.14748E9" max="2.14748E9" units="cm"/>
+          <inkml:channel name="F" type="integer" max="32767" units="dev"/>
+        </inkml:traceFormat>
+        <inkml:channelProperties>
+          <inkml:channelProperty channel="X" name="resolution" value="1000" units="1/cm"/>
+          <inkml:channelProperty channel="Y" name="resolution" value="1000" units="1/cm"/>
+          <inkml:channelProperty channel="F" name="resolution" value="0" units="1/dev"/>
+        </inkml:channelProperties>
+      </inkml:inkSource>
+      <inkml:timestamp xml:id="ts0" timeString="2025-03-10T19:12:44.824"/>
+    </inkml:context>
+    <inkml:brush xml:id="br0">
+      <inkml:brushProperty name="width" value="0.035" units="cm"/>
+      <inkml:brushProperty name="height" value="0.035" units="cm"/>
+      <inkml:brushProperty name="color" value="#008C3A"/>
+    </inkml:brush>
+  </inkml:definitions>
+  <inkml:trace contextRef="#ctx0" brushRef="#br0">1363 2 24575,'-48'0'0,"10"-1"0,0 1 0,0 2 0,-63 12 0,72-9 0,-1-1 0,0-1 0,-43-3 0,44 0 0,0 0 0,0 2 0,-49 9 0,-72 15 0,-26-1 0,131-14 0,0 2 0,1 2 0,1 2 0,-72 38 0,102-48 0,-5 3 0,0 0 0,2 1 0,-1 1 0,-20 18 0,34-27 0,0 1 0,0-1 0,0 0 0,0 1 0,0-1 0,1 1 0,0 0 0,0 0 0,0 0 0,0 0 0,0 0 0,1 0 0,0 0 0,0 1 0,0-1 0,1 0 0,-1 1 0,1-1 0,0 1 0,0-1 0,0 1 0,1-1 0,0 0 0,0 1 0,0-1 0,2 5 0,-2-5 0,1-1 0,0 1 0,0-1 0,0 0 0,1 0 0,-1 0 0,1 0 0,-1 0 0,1 0 0,0-1 0,0 1 0,0-1 0,1 0 0,-1 0 0,0 0 0,1 0 0,0-1 0,4 2 0,8 2 0,0-1 0,0-1 0,19 1 0,8 3 0,-12-2 0,1-2 0,52-1 0,-54-2 0,-1 1 0,1 1 0,37 8 0,109 16 0,-131-20 0,1-1 0,0-2 0,82-6 0,-25 1 0,-76 1 0,1 2 0,-1 1 0,51 11 0,-36-6 0,0-2 0,0-2 0,0-1 0,56-6 0,4 1 0,-27 3-1365,-54 0-5461</inkml:trace>
+</inkml:ink>
+</file>
+
+<file path=ppt/ink/ink107.xml><?xml version="1.0" encoding="utf-8"?>
+<inkml:ink xmlns:inkml="http://www.w3.org/2003/InkML">
+  <inkml:definitions>
+    <inkml:context xml:id="ctx0">
+      <inkml:inkSource xml:id="inkSrc0">
+        <inkml:traceFormat>
+          <inkml:channel name="X" type="integer" min="-2.14748E9" max="2.14748E9" units="cm"/>
+          <inkml:channel name="Y" type="integer" min="-2.14748E9" max="2.14748E9" units="cm"/>
+          <inkml:channel name="F" type="integer" max="32767" units="dev"/>
+        </inkml:traceFormat>
+        <inkml:channelProperties>
+          <inkml:channelProperty channel="X" name="resolution" value="1000" units="1/cm"/>
+          <inkml:channelProperty channel="Y" name="resolution" value="1000" units="1/cm"/>
+          <inkml:channelProperty channel="F" name="resolution" value="0" units="1/dev"/>
+        </inkml:channelProperties>
+      </inkml:inkSource>
+      <inkml:timestamp xml:id="ts0" timeString="2025-03-10T19:13:14.565"/>
+    </inkml:context>
+    <inkml:brush xml:id="br0">
+      <inkml:brushProperty name="width" value="0.035" units="cm"/>
+      <inkml:brushProperty name="height" value="0.035" units="cm"/>
+      <inkml:brushProperty name="color" value="#008C3A"/>
+    </inkml:brush>
+  </inkml:definitions>
+  <inkml:trace contextRef="#ctx0" brushRef="#br0">599 700 24575,'-21'-2'0,"1"-2"0,0 0 0,1-1 0,-1 0 0,1-2 0,0 0 0,-19-11 0,3 2 0,-94-56 0,61 50 0,100 43 0,-1 1 0,-1 1 0,-1 2 0,32 35 0,-62-67 0,-11-7 0,-143-67 0,138 72 0,8 5 0,0 0 0,0-1 0,1-1 0,-1 0 0,1 0 0,-8-8 0,31 19 0,9 9 0,184 90 0,-142-69 0,-101-60 0,-68-43 0,3 3 0,164 113 0,-10-24 0,-37-18 0,0 1 0,31 19 0,-27-13 0,2 0 0,0-1 0,1-1 0,0-1 0,0-2 0,49 12 0,-73-20 0,0 0 0,0 0 0,0-1 0,0 1 0,0 0 0,0 0 0,0 0 0,0 0 0,0 0 0,0 0 0,0 0 0,0 0 0,0 0 0,0 0 0,0-1 0,0 1 0,0 0 0,0 0 0,0 0 0,0 0 0,0 0 0,0 0 0,0 0 0,0 0 0,0 0 0,0 0 0,0 0 0,0-1 0,1 1 0,-1 0 0,0 0 0,0 0 0,0 0 0,0 0 0,0 0 0,0 0 0,0 0 0,0 0 0,0 0 0,0 0 0,0 0 0,0 0 0,1 0 0,-1 0 0,0 0 0,0 0 0,0 0 0,0 0 0,0 0 0,0 0 0,0 0 0,0 0 0,0 0 0,0 0 0,1 0 0,-1 0 0,0 0 0,0 0 0,0 0 0,0 0 0,0 0 0,-9-9 0,-14-7 0,-33-22 0,-21-13 0,-74-30 0,349 173 0,-58-24 0,-137-67 0,1 1 0,0 0 0,-1 0 0,1 0 0,-1 0 0,0 0 0,1 1 0,3 4 0,-7-7 0,0 0 0,0 0 0,0 0 0,0 0 0,0 0 0,1 0 0,-1 1 0,0-1 0,0 0 0,0 0 0,0 0 0,0 0 0,0 0 0,0 0 0,0 1 0,0-1 0,0 0 0,0 0 0,0 0 0,0 0 0,0 0 0,0 1 0,0-1 0,0 0 0,0 0 0,0 0 0,0 0 0,0 0 0,0 1 0,0-1 0,-1 0 0,1 0 0,0 0 0,0 0 0,0 0 0,0 0 0,0 0 0,0 1 0,0-1 0,0 0 0,-1 0 0,1 0 0,0 0 0,0 0 0,0 0 0,0 0 0,0 0 0,0 0 0,-1 0 0,1 0 0,0 0 0,0 0 0,0 0 0,0 0 0,0 0 0,-1 0 0,1 0 0,0 0 0,0 0 0,0 0 0,-26-5 0,-10-5 0,19 7 0,1-2 0,1 0 0,-1-1 0,-21-11 0,17 7 0,-1 1 0,0 1 0,-1 1 0,-36-7 0,35 9 0,-1-1 0,1-1 0,-42-19 0,-60-24 0,169 64 0,-17 2 0,1-1 0,32 12 0,18 9 0,-47-20 0,30 17 0,-89-63 0,6 14 0,5 4 0,1 0 0,0-2 0,1 1 0,-14-17 0,12 15 0,1 0 0,19 10 0,13 3 0,-8 3 0,0 0 0,0 0 0,0 0 0,0 1 0,-1 0 0,1 0 0,-1 1 0,11 5 0,59 37 0,-32-17 0,-78-55 0,23 17 0,-1 1 0,0 0 0,-15-9 0,8 8 0,-20-11 0,-54-21 0,130 88 0,-17-27 0,0 0 0,1-2 0,0 0 0,42 22 0,-33-14 0,-28-22 0,1 1 0,0-1 0,0 1 0,0-1 0,0 0 0,1 0 0,-1-1 0,1 1 0,9 2 0,-14-5 0,1 0 0,-1 0 0,1 0 0,-1 0 0,1 0 0,-1 0 0,1 0 0,0 0 0,-1 0 0,1 0 0,-1 0 0,1 0 0,-1 0 0,1-1 0,-1 1 0,1 0 0,-1 0 0,0-1 0,1 1 0,-1 0 0,1-1 0,-1 1 0,0 0 0,1-1 0,-1 1 0,0-1 0,1 1 0,-1-1 0,0 1 0,1-1 0,-1 1 0,0-1 0,0 1 0,0-1 0,-3-23 0,-18-18 0,9 29 0,0 1 0,-1 1 0,-1 0 0,1 0 0,-2 1 0,-17-9 0,-36-26 0,66 44 0,1 0 0,0 0 0,0 0 0,-1 0 0,1 0 0,-1 0 0,1 0 0,0 1 0,-1-1 0,0 1 0,1-1 0,-1 1 0,1-1 0,-1 1 0,0 0 0,-1 0 0,3 6 0,14 7 0,32 19 0,-12-6 0,2-2 0,52 26 0,-75-43 0,-1 0 0,0 1 0,-1 0 0,1 1 0,-2 0 0,14 15 0,-94-67 0,-116-54 0,159 82 0,-1 2 0,-40-15 0,-1-1 0,67 28 0,0 0 0,0 1 0,-1-1 0,1 0 0,0 1 0,0 0 0,0-1 0,0 1 0,-1 0 0,1 0 0,0 0 0,0 0 0,-3 1 0,5-1 0,0 0 0,-1 0 0,1 0 0,0 0 0,0 0 0,0 0 0,0 0 0,-1 0 0,1 1 0,0-1 0,0 0 0,0 0 0,0 0 0,0 0 0,-1 0 0,1 0 0,0 1 0,0-1 0,0 0 0,0 0 0,0 0 0,0 0 0,0 1 0,0-1 0,0 0 0,-1 0 0,1 0 0,0 0 0,0 1 0,0-1 0,0 0 0,0 0 0,0 0 0,0 1 0,0-1 0,0 0 0,1 0 0,-1 0 0,0 1 0,0-1 0,0 0 0,0 0 0,0 0 0,0 1 0,16 11 0,113 59 0,-96-53 0,66 27 0,-68-33 0,0 1 0,52 33 0,-80-45 0,-6-6 0,-17-17 0,-33-25 0,-66-41 0,118 87 0,6 3 0,18 12 0,47 25 0,15 5 0,-77-40 0,-1 0 0,1 0 0,-1 1 0,0 0 0,0 0 0,0 0 0,-1 1 0,0 0 0,9 12 0,-87-58 0,52 26 0,-149-118 0,163 126 0,-3-2 0,1 1 0,0-2 0,0 1 0,-11-17 0,17 21 0,0 0 0,1 0 0,-1 0 0,1-1 0,-1 1 0,1-1 0,1 1 0,-1-1 0,1 1 0,-1-1 0,1 1 0,0-1 0,1 1 0,1-9 0,-2 12 0,1 0 0,-1 0 0,1 0 0,-1 0 0,0 0 0,0 0 0,1 0 0,-1 0 0,0 0 0,0 0 0,0 0 0,0 0 0,0 0 0,-1 0 0,1 0 0,0 0 0,0 0 0,-1 0 0,1 0 0,0 0 0,-1 0 0,1 0 0,-1 0 0,1 0 0,-1 1 0,0-1 0,1 0 0,-1 0 0,0 0 0,0 1 0,1-1 0,-1 1 0,0-1 0,0 0 0,0 1 0,0-1 0,0 1 0,0 0 0,0-1 0,0 1 0,0 0 0,0 0 0,0-1 0,0 1 0,0 0 0,0 0 0,0 0 0,0 0 0,0 0 0,0 0 0,0 1 0,0-1 0,-2 1 0,-8 2 0,0 0 0,0 1 0,0 1 0,-11 5 0,2-1 0,14-7 0,-1 0 0,1-1 0,-1 0 0,1 0 0,-1 0 0,-8-1 0,14 0 0,0 1 0,0-1 0,0 0 0,-1 0 0,1 0 0,0-1 0,0 1 0,0 0 0,0 0 0,0-1 0,0 1 0,0 0 0,0-1 0,0 1 0,0-1 0,0 1 0,0-1 0,0 0 0,1 1 0,-1-1 0,0 0 0,0 0 0,0 1 0,1-1 0,-1 0 0,1 0 0,-1 0 0,0 0 0,1 0 0,0 0 0,-1 0 0,1 0 0,-1 0 0,1 0 0,0 0 0,0 0 0,0 0 0,0-1 0,0 1 0,0 0 0,0 0 0,0 0 0,0 0 0,0 0 0,1 0 0,-1-2 0,2 0 0,0-1 0,0 1 0,0 0 0,0-1 0,0 1 0,1 0 0,-1 0 0,1 1 0,0-1 0,0 0 0,0 1 0,4-3 0,45-27 0,-48 30 0,92-41 0,-85 34 0,-21 5 0,-21 6 0,-57 30 0,22-7 0,64-24 0,-41 11 0,41-11 0,-1-1 0,1 1 0,0-1 0,0 1 0,0-1 0,0 0 0,0 0 0,0 0 0,-1 0 0,1 0 0,0-1 0,0 1 0,0 0 0,0-1 0,-4-1 0,6 1 0,0 1 0,0-1 0,-1 1 0,1-1 0,0 1 0,0-1 0,0 0 0,0 1 0,0-1 0,0 1 0,1-1 0,-1 1 0,0-1 0,0 0 0,0 1 0,0-1 0,1 1 0,-1-1 0,0 1 0,1-1 0,-1 1 0,0-1 0,1 1 0,-1 0 0,0-1 0,1 1 0,-1-1 0,1 1 0,-1 0 0,1-1 0,-1 1 0,1 0 0,-1 0 0,1-1 0,0 1 0,25-15 0,-22 13 0,27-16 0,-1-1 0,1 2 0,0 1 0,1 2 0,0 1 0,40-10 0,-58 21 0,1-1 0,-1-1 0,0 0 0,0-1 0,0 0 0,0-1 0,-1 0 0,0-1 0,13-10 0,-82 40 0,-35 23 0,-46 21 0,75-32 0,33-16 0,29-19 0,-1 1 0,1-1 0,-1 1 0,1-1 0,-1 0 0,1 1 0,-1-1 0,1 1 0,-1-1 0,1 0 0,-1 0 0,0 1 0,1-1 0,-1 0 0,0 0 0,1 0 0,-1 0 0,1 1 0,-1-1 0,0 0 0,1 0 0,-1 0 0,0-1 0,1 1 0,-1 0 0,0 0 0,1 0 0,-1 0 0,0-1 0,1 1 0,-2-1 0,5-19 0,20-25 0,-23 45 0,14-17 0,0 0 0,0 2 0,2-1 0,0 2 0,0 0 0,30-18 0,-40 28 0,1 0 0,-1 0 0,1 1 0,-1 0 0,1 1 0,0-1 0,0 1 0,9-1 0,-15 3 0,1-1 0,-1 1 0,0 0 0,0 0 0,1 0 0,-1 0 0,0 1 0,0-1 0,1 0 0,-1 0 0,0 1 0,0-1 0,0 1 0,0-1 0,1 1 0,-1-1 0,0 1 0,0 0 0,0 0 0,1 1 0,-1-1 0,0 1 0,0 0 0,-1 0 0,1-1 0,0 1 0,-1 0 0,0 0 0,1 0 0,-1-1 0,0 1 0,0 0 0,0 0 0,0 0 0,0 0 0,-1 0 0,1-1 0,-1 1 0,0 3 0,-3 7 0,-1-1 0,0 1 0,0-1 0,-1 0 0,-1-1 0,-8 12 0,7-11 0,0 0 0,1 0 0,1 1 0,-7 16 0,33-40 0,9-13 0,-7 6 0,1 0 0,2 2 0,-1 0 0,37-16 0,2-4 0,26-9 0,-136 76 0,25-15 0,-40 21 0,43-26 0,1 1 0,-27 19 0,-27 16 0,72-45 0,-1-1 0,1 1 0,-1-1 0,1 1 0,0-1 0,-1 0 0,1 1 0,-1-1 0,1 0 0,-1 0 0,0 1 0,1-1 0,-1 0 0,1 0 0,-1 0 0,1 0 0,-1 1 0,0-1 0,1 0 0,-1 0 0,1 0 0,-1 0 0,0 0 0,1-1 0,-1 1 0,1 0 0,-1 0 0,1 0 0,-1 0 0,1-1 0,-1 1 0,0 0 0,1-1 0,-1 1 0,1 0 0,0-1 0,-1 1 0,1 0 0,-1-1 0,1 1 0,-1-1 0,1 1 0,0-1 0,-1 1 0,1-1 0,0 1 0,0-1 0,0 1 0,-1-1 0,1 0 0,0 1 0,0-1 0,0 1 0,0-1 0,0 1 0,0-1 0,0 0 0,0 1 0,0-1 0,0 1 0,0-1 0,0 0 0,1-3 0,-1 1 0,1 0 0,0 0 0,0 0 0,0 0 0,0 0 0,1 0 0,-1 0 0,1 0 0,3-4 0,79-69 0,-77 69 0,0 0 0,0 1 0,1 0 0,-1 1 0,1-1 0,1 1 0,-1 1 0,1 0 0,0 0 0,16-4 0,-25 7 0,0 1 0,1 0 0,-1 0 0,0 0 0,0 0 0,1 0 0,-1 0 0,0 0 0,1 0 0,-1 0 0,0 0 0,0 0 0,1 1 0,-1-1 0,0 0 0,0 0 0,1 0 0,-1 0 0,0 0 0,0 0 0,1 1 0,-1-1 0,0 0 0,0 0 0,1 0 0,-1 1 0,0-1 0,0 0 0,0 0 0,0 1 0,1-1 0,-1 0 0,0 0 0,0 1 0,0-1 0,0 0 0,0 0 0,0 1 0,0-1 0,0 1 0,-4 15 0,-13 12 0,-67 67 0,56-66 0,-38 51 0,42-49 0,20-29 0,14-21 0,-5 12 0,0 0 0,0 1 0,1 0 0,0 0 0,0 0 0,11-7 0,27-28 0,-33 30 0,0 0 0,1 0 0,0 1 0,1 1 0,0 0 0,1 1 0,27-13 0,13-9 0,-26 17 0,-27 12 0,0 1 0,1-1 0,-1 0 0,0 1 0,0 0 0,1-1 0,-1 1 0,0 0 0,0 0 0,1-1 0,-1 1 0,0 0 0,1 0 0,-1 0 0,0 1 0,1-1 0,-1 0 0,0 0 0,2 1 0,-5 2 0,-1 0 0,1 0 0,-1 0 0,0 0 0,0-1 0,0 0 0,0 0 0,-1 1 0,-6 2 0,-172 98 0,181-102 0,-1 0 0,1 0 0,0 0 0,-1-1 0,1 1 0,-1 0 0,1-1 0,-1 1 0,1-1 0,-1 0 0,1 0 0,-1 1 0,0-1 0,1 0 0,-1 0 0,1 0 0,-1-1 0,1 1 0,-1 0 0,0-1 0,1 1 0,-1-1 0,1 1 0,-3-2 0,3 0 0,0 1 0,0 0 0,0-1 0,1 0 0,-1 1 0,0-1 0,1 1 0,-1-1 0,1 0 0,0 1 0,-1-1 0,1 0 0,0 0 0,0 1 0,0-1 0,0 0 0,1 1 0,0-4 0,0-5 0,2 1 0,-1-1 0,2 1 0,-1 0 0,1 0 0,0 0 0,6-8 0,4-4 0,-12 17 0,1-1 0,0 0 0,0 1 0,0 0 0,1-1 0,0 1 0,-1 1 0,1-1 0,7-4 0,-5 9 0,-7 9 0,-7 10 0,-11 6 0,-1-1 0,-1-1 0,-1 0 0,-35 28 0,-6 7 0,47-41 0,-25 21 0,58-75 0,9 5 0,1 1 0,1 2 0,2 1 0,1 1 0,46-29 0,-38 36 0,-38 19 0,-1 0 0,0 0 0,0-1 0,1 1 0,-1 0 0,0 0 0,1 0 0,-1 0 0,0 0 0,0 0 0,1 0 0,-1 0 0,0 0 0,0 0 0,1 0 0,-1 0 0,0 0 0,1 0 0,-1 0 0,0 0 0,0 1 0,1-1 0,-1 0 0,0 0 0,0 0 0,1 0 0,-1 0 0,0 1 0,0-1 0,0 0 0,1 0 0,-1 1 0,0-1 0,0 0 0,0 0 0,0 0 0,1 1 0,-1-1 0,0 1 0,-11 21 0,1-11 0,0 0 0,-1-1 0,0 0 0,-1-1 0,-17 11 0,19-13 0,-1 0 0,1 0 0,1 1 0,-1 0 0,1 1 0,1 0 0,0 0 0,-10 15 0,26-32 0,10-11 0,0 1 0,30-23 0,-19 22 0,-3 3 0,0-2 0,34-30 0,-75 63 0,-34 33 0,-70 52 0,22-8 0,135-129 0,-23 22 0,1 0 0,29-22 0,8-5 0,-44 33 0,0 1 0,1 0 0,0 0 0,1 1 0,22-11 0,-81 71 0,18-25 0,12-12 0,0 0 0,1 2 0,-28 38 0,-24 26 0,65-79 0,0 1 0,0-1 0,0 0 0,0 0 0,0-1 0,0 1 0,-1-1 0,-6 2 0,10-3 0,1-1 0,-1 1 0,0-1 0,0 1 0,0-1 0,0 1 0,1-1 0,-1 0 0,0 1 0,0-1 0,0 0 0,0 0 0,0 0 0,0 0 0,0 0 0,0 0 0,0 0 0,0 0 0,0 0 0,0 0 0,0-1 0,1 1 0,-1 0 0,0 0 0,0-1 0,0 1 0,0-1 0,0 1 0,1-1 0,-1 1 0,0-1 0,0 0 0,1 1 0,-1-1 0,0 0 0,1 1 0,-1-1 0,1 0 0,-1 0 0,1 0 0,-1 0 0,1 1 0,0-1 0,-1 0 0,1 0 0,0 0 0,0 0 0,-1-2 0,2 2 0,-1 0 0,0 1 0,0-1 0,0 0 0,1 0 0,-1 0 0,1 1 0,-1-1 0,0 0 0,1 1 0,-1-1 0,1 0 0,0 1 0,-1-1 0,1 0 0,-1 1 0,1-1 0,0 1 0,-1-1 0,1 1 0,0 0 0,0-1 0,-1 1 0,1 0 0,0-1 0,0 1 0,0 0 0,0 0 0,-1 0 0,1 0 0,0-1 0,0 1 0,0 0 0,0 1 0,-1-1 0,1 0 0,0 0 0,0 0 0,0 0 0,0 1 0,-1-1 0,1 0 0,0 1 0,1 0 0,41 14 0,-40-14 0,0 0 0,74 35 0,-69-32 0,-1 0 0,0 0 0,0 1 0,-1 0 0,1 1 0,-1-1 0,10 13 0,-15-16 0,0 0 0,-1-1 0,0 1 0,1-1 0,-1 1 0,0 0 0,0-1 0,0 1 0,0 0 0,0-1 0,0 1 0,0-1 0,-1 1 0,1 0 0,0-1 0,-1 1 0,0-1 0,1 1 0,-1-1 0,-1 3 0,1-2 0,0 1 0,0-1 0,0 1 0,0 0 0,1-1 0,-1 1 0,1 0 0,-1-1 0,1 1 0,0 3 0,1-2 0,0 0 0,0 0 0,1-1 0,-1 1 0,1 0 0,0-1 0,0 1 0,0-1 0,1 0 0,-1 0 0,1 1 0,0-2 0,-1 1 0,1 0 0,5 3 0,56 31 0,-22-14 0,-51-30 120,6 2-321,13 6-1083,1 2-5542</inkml:trace>
+</inkml:ink>
+</file>
+
+<file path=ppt/ink/ink108.xml><?xml version="1.0" encoding="utf-8"?>
+<inkml:ink xmlns:inkml="http://www.w3.org/2003/InkML">
+  <inkml:definitions>
+    <inkml:context xml:id="ctx0">
+      <inkml:inkSource xml:id="inkSrc0">
+        <inkml:traceFormat>
+          <inkml:channel name="X" type="integer" min="-2.14748E9" max="2.14748E9" units="cm"/>
+          <inkml:channel name="Y" type="integer" min="-2.14748E9" max="2.14748E9" units="cm"/>
+          <inkml:channel name="F" type="integer" max="32767" units="dev"/>
+        </inkml:traceFormat>
+        <inkml:channelProperties>
+          <inkml:channelProperty channel="X" name="resolution" value="1000" units="1/cm"/>
+          <inkml:channelProperty channel="Y" name="resolution" value="1000" units="1/cm"/>
+          <inkml:channelProperty channel="F" name="resolution" value="0" units="1/dev"/>
+        </inkml:channelProperties>
+      </inkml:inkSource>
+      <inkml:timestamp xml:id="ts0" timeString="2025-03-10T19:12:26.608"/>
+    </inkml:context>
+    <inkml:brush xml:id="br0">
+      <inkml:brushProperty name="width" value="0.035" units="cm"/>
+      <inkml:brushProperty name="height" value="0.035" units="cm"/>
+      <inkml:brushProperty name="color" value="#008C3A"/>
+    </inkml:brush>
+  </inkml:definitions>
+  <inkml:trace contextRef="#ctx0" brushRef="#br0">306 96 24575,'-1'8'0,"0"-1"0,0 0 0,-1 0 0,0 0 0,-1 0 0,0-1 0,0 1 0,0-1 0,0 1 0,-9 10 0,-48 56 0,47-60 0,-1 0 0,0-1 0,-1-1 0,-1 0 0,1-1 0,-1 0 0,-1-2 0,0 0 0,-33 11 0,26-7 0,24-11 0,0-1 0,0 1 0,0-1 0,0 0 0,0 1 0,0-1 0,1 0 0,-1 1 0,0-1 0,0 1 0,0-1 0,1 0 0,-1 1 0,0-1 0,0 0 0,1 0 0,-1 1 0,0-1 0,0 0 0,1 0 0,-1 1 0,0-1 0,1 0 0,-1 0 0,0 0 0,1 0 0,-1 1 0,1-1 0,-1 0 0,0 0 0,1 0 0,-1 0 0,1 0 0,-1 0 0,55 8 0,-48-7 0,20 2 0,0 2 0,0 1 0,-1 1 0,0 2 0,0 0 0,-1 2 0,0 0 0,41 28 0,-45-28 0,-1-1 0,2-1 0,34 11 0,-14-5 0,-52-32 0,-24-34 0,-81-42 0,15 17 0,-1 1 0,85 62 0,11 9 0,0 0 0,1 0 0,-1 0 0,1-1 0,0 1 0,-7-10 0,11 14 0,0-1 0,-1 1 0,1-1 0,0 1 0,0-1 0,0 0 0,0 1 0,-1-1 0,1 1 0,0-1 0,0 0 0,0 1 0,0-1 0,0 1 0,0-1 0,1 0 0,-1 1 0,0-1 0,0 1 0,0-1 0,1 1 0,-1-1 0,0 0 0,0 1 0,1-1 0,-1 1 0,0-1 0,1 0 0,1 0 0,0 0 0,0-1 0,1 1 0,-1 0 0,0 0 0,0 0 0,1 0 0,-1 1 0,0-1 0,1 0 0,3 1 0,173-28 0,-168 26 0,-1 0 0,0-1 0,-1 0 0,1-1 0,15-8 0,29-9 0,7 6 0,-36 10 0,0-1 0,0-1 0,-1-1 0,30-14 0,2-12 0,-78 43 0,-1 0 0,-31 7 0,49-15 0,-38 11 0,20-7 0,-1 2 0,2 0 0,-1 2 0,-32 17 0,34-15 0,-1-2 0,0 0 0,-27 7 0,25-9 0,1 1 0,-43 22 0,56-24 0,-2 0 0,1 0 0,0 1 0,1 0 0,0 1 0,-16 16 0,24-23 0,1 1 0,0-1 0,0 1 0,0-1 0,0 1 0,0 0 0,0 0 0,0-1 0,1 1 0,-1 0 0,1 0 0,-1 0 0,1 0 0,0-1 0,0 1 0,-1 0 0,1 0 0,1 4 0,0-4 0,0 1 0,0 0 0,1-1 0,-1 1 0,1-1 0,-1 1 0,1-1 0,0 0 0,0 0 0,0 0 0,0 0 0,0 0 0,0 0 0,1-1 0,-1 1 0,5 2 0,9 4 0,0-1 0,1 0 0,18 5 0,-16-6 0,-1 0 0,27 14 0,23 15 0,-47-26 0,-1 1 0,0 1 0,0 1 0,-2 0 0,22 19 0,-27-20-1365,-1-1-5461</inkml:trace>
+</inkml:ink>
+</file>
+
+<file path=ppt/ink/ink109.xml><?xml version="1.0" encoding="utf-8"?>
+<inkml:ink xmlns:inkml="http://www.w3.org/2003/InkML">
+  <inkml:definitions>
+    <inkml:context xml:id="ctx0">
+      <inkml:inkSource xml:id="inkSrc0">
+        <inkml:traceFormat>
+          <inkml:channel name="X" type="integer" min="-2.14748E9" max="2.14748E9" units="cm"/>
+          <inkml:channel name="Y" type="integer" min="-2.14748E9" max="2.14748E9" units="cm"/>
+          <inkml:channel name="F" type="integer" max="32767" units="dev"/>
+        </inkml:traceFormat>
+        <inkml:channelProperties>
+          <inkml:channelProperty channel="X" name="resolution" value="1000" units="1/cm"/>
+          <inkml:channelProperty channel="Y" name="resolution" value="1000" units="1/cm"/>
+          <inkml:channelProperty channel="F" name="resolution" value="0" units="1/dev"/>
+        </inkml:channelProperties>
+      </inkml:inkSource>
+      <inkml:timestamp xml:id="ts0" timeString="2025-03-10T19:12:27.411"/>
+    </inkml:context>
+    <inkml:brush xml:id="br0">
+      <inkml:brushProperty name="width" value="0.035" units="cm"/>
+      <inkml:brushProperty name="height" value="0.035" units="cm"/>
+      <inkml:brushProperty name="color" value="#008C3A"/>
+    </inkml:brush>
+  </inkml:definitions>
+  <inkml:trace contextRef="#ctx0" brushRef="#br0">1 1 24575,'579'0'-1365,"-557"0"-5461</inkml:trace>
+</inkml:ink>
+</file>
+
 <file path=ppt/ink/ink11.xml><?xml version="1.0" encoding="utf-8"?>
 <inkml:ink xmlns:inkml="http://www.w3.org/2003/InkML">
   <inkml:definitions>
@@ -203,6 +483,286 @@
 </inkml:ink>
 </file>
 
+<file path=ppt/ink/ink110.xml><?xml version="1.0" encoding="utf-8"?>
+<inkml:ink xmlns:inkml="http://www.w3.org/2003/InkML">
+  <inkml:definitions>
+    <inkml:context xml:id="ctx0">
+      <inkml:inkSource xml:id="inkSrc0">
+        <inkml:traceFormat>
+          <inkml:channel name="X" type="integer" min="-2.14748E9" max="2.14748E9" units="cm"/>
+          <inkml:channel name="Y" type="integer" min="-2.14748E9" max="2.14748E9" units="cm"/>
+          <inkml:channel name="F" type="integer" max="32767" units="dev"/>
+        </inkml:traceFormat>
+        <inkml:channelProperties>
+          <inkml:channelProperty channel="X" name="resolution" value="1000" units="1/cm"/>
+          <inkml:channelProperty channel="Y" name="resolution" value="1000" units="1/cm"/>
+          <inkml:channelProperty channel="F" name="resolution" value="0" units="1/dev"/>
+        </inkml:channelProperties>
+      </inkml:inkSource>
+      <inkml:timestamp xml:id="ts0" timeString="2025-03-10T19:12:57.880"/>
+    </inkml:context>
+    <inkml:brush xml:id="br0">
+      <inkml:brushProperty name="width" value="0.035" units="cm"/>
+      <inkml:brushProperty name="height" value="0.035" units="cm"/>
+      <inkml:brushProperty name="color" value="#008C3A"/>
+    </inkml:brush>
+  </inkml:definitions>
+  <inkml:trace contextRef="#ctx0" brushRef="#br0">507 438 24575,'106'2'0,"116"-5"0,-182-3 0,-1-2 0,68-22 0,-18 3 0,-15 2 0,-71 24 0,-1 0 0,0 1 0,1-1 0,-1-1 0,0 1 0,1 0 0,-1 0 0,0-1 0,0 1 0,0-1 0,0 0 0,-1 0 0,1 1 0,0-1 0,-1 0 0,1-1 0,-1 1 0,0 0 0,1 0 0,-1-1 0,0 1 0,-1 0 0,1-1 0,0 1 0,-1-1 0,1-4 0,-1 5 0,-1 1 0,0-1 0,0 0 0,0 1 0,0-1 0,0 1 0,-1-1 0,1 1 0,0 0 0,-1 0 0,1-1 0,-1 1 0,1 0 0,-1 0 0,0 0 0,1 0 0,-1 1 0,0-1 0,1 0 0,-1 1 0,0-1 0,0 1 0,0 0 0,0-1 0,-3 1 0,-57-2 0,52 2 0,-600 3 0,566-10 0,44 7 0,-1 0 0,1 0 0,-1 0 0,1 0 0,-1-1 0,0 1 0,1 0 0,-1 0 0,1-1 0,0 1 0,-1 0 0,1-1 0,-1 1 0,1-1 0,-1 1 0,1 0 0,0-1 0,-1 1 0,1-1 0,0 1 0,0-1 0,-1 1 0,1-1 0,0 1 0,0-2 0,0 1 0,0 0 0,1 0 0,-1 0 0,1 0 0,0 0 0,-1 0 0,1 0 0,0 1 0,0-1 0,-1 0 0,1 0 0,0 0 0,0 1 0,0-1 0,0 1 0,0-1 0,0 0 0,2 0 0,15-7 0,0 1 0,1 1 0,0 0 0,0 1 0,1 1 0,-1 1 0,1 1 0,-1 1 0,38 2 0,32-4 0,-13-9 0,-54 7 0,0 2 0,23-2 0,-514 6 0,466 0 0,0-1 0,-1 0 0,1-1 0,0 1 0,-1 0 0,1-1 0,0 0 0,0 0 0,0 0 0,-1 0 0,1 0 0,0 0 0,0-1 0,1 0 0,-1 0 0,0 1 0,0-2 0,1 1 0,-5-4 0,5 2 0,0 0 0,0 0 0,1 0 0,-1 0 0,1 0 0,-1 0 0,1 0 0,1 0 0,-1-1 0,0 1 0,1 0 0,0-1 0,0 1 0,1 0 0,0-5 0,0 6 0,0-1 0,0 1 0,0 0 0,1 0 0,-1 0 0,1 0 0,0 0 0,0 0 0,0 0 0,0 1 0,0-1 0,1 0 0,-1 1 0,1 0 0,-1 0 0,1 0 0,0 0 0,0 0 0,0 1 0,0-1 0,1 1 0,-1 0 0,0 0 0,0 0 0,1 0 0,5 0 0,-5-1 0,1 1 0,-1 1 0,1-1 0,-1 1 0,1-1 0,0 1 0,-1 1 0,1-1 0,0 1 0,-1 0 0,1 0 0,-1 0 0,1 0 0,-1 1 0,0 0 0,1 0 0,-1 0 0,0 0 0,5 4 0,-9-5 0,1-1 0,-1 0 0,1 1 0,-1-1 0,1 1 0,-1-1 0,0 1 0,1-1 0,-1 1 0,0-1 0,1 1 0,-1-1 0,0 1 0,1-1 0,-1 1 0,0 0 0,0-1 0,0 1 0,0-1 0,0 1 0,0 0 0,1-1 0,-1 1 0,-1-1 0,1 1 0,0 0 0,0-1 0,0 1 0,0 0 0,0-1 0,0 1 0,-1-1 0,1 1 0,0-1 0,-1 2 0,-24 10 0,-31-5 0,-155-8 0,259 1 0,-10 1 0,0-1 0,0-2 0,66-12 0,-71 10 0,-33 4 0,0 0 0,0 0 0,-1 0 0,1 0 0,0 0 0,0 0 0,0 0 0,0 0 0,0 1 0,0-1 0,0 0 0,0 0 0,0 0 0,0 0 0,0 0 0,0 0 0,-1 0 0,1 0 0,0 0 0,0 0 0,0 0 0,0 0 0,0 0 0,0 1 0,0-1 0,0 0 0,0 0 0,0 0 0,0 0 0,0 0 0,0 0 0,0 0 0,0 0 0,0 0 0,0 0 0,0 1 0,0-1 0,0 0 0,0 0 0,0 0 0,0 0 0,0 0 0,0 0 0,0 0 0,0 0 0,0 0 0,1 0 0,-1 1 0,0-1 0,0 0 0,0 0 0,0 0 0,0 0 0,0 0 0,0 0 0,0 0 0,0 0 0,0 0 0,0 0 0,0 0 0,1 0 0,-1 0 0,0 0 0,0 0 0,0 0 0,0 0 0,0 0 0,0 0 0,-19 9 0,-22 7 0,-63 19 0,96-32 0,-1-2 0,1 1 0,0-1 0,-1 0 0,1-1 0,0 0 0,-1 0 0,1-1 0,-1 0 0,-9-3 0,18 4 0,-1 0 0,1 0 0,-1 0 0,1 0 0,-1 0 0,1 0 0,-1 0 0,1-1 0,-1 1 0,1 0 0,-1 0 0,1 0 0,-1-1 0,1 1 0,0 0 0,-1-1 0,1 1 0,0 0 0,-1-1 0,1 1 0,0 0 0,-1-1 0,1 1 0,0-1 0,-1 1 0,1 0 0,0-1 0,0 1 0,0-1 0,0 1 0,-1-1 0,1 1 0,0-1 0,0 1 0,0-2 0,14-11 0,26-5 0,-32 16 0,34-17 0,-44 15 0,-11 1 0,-13 0 0,7 4 0,1 1 0,-1 1 0,-20 5 0,18-4 0,0 0 0,-25 1 0,-22 7 0,60-9 0,-1 0 0,0-1 0,1-1 0,-1 1 0,0-1 0,0-1 0,0 0 0,0 0 0,-14-3 0,22 3 0,1 0 0,0 0 0,-1 0 0,1 0 0,0 0 0,0 0 0,-1 0 0,1 0 0,0 0 0,-1 0 0,1 0 0,0 0 0,0 0 0,-1 0 0,1 0 0,0-1 0,0 1 0,-1 0 0,1 0 0,0 0 0,0-1 0,-1 1 0,1 0 0,0 0 0,0 0 0,0-1 0,0 1 0,-1 0 0,1 0 0,0-1 0,0 1 0,0 0 0,0 0 0,0-1 0,0 1 0,0 0 0,0-1 0,0 1 0,0 0 0,0-1 0,0 1 0,12-9 0,30-5 0,-35 12 0,28-5 0,0 1 0,0 2 0,1 1 0,0 2 0,0 2 0,46 5 0,-81-6 0,1 0 0,-1 0 0,1 0 0,0 1 0,-1-1 0,1 0 0,0 1 0,-1-1 0,1 1 0,-1-1 0,1 1 0,-1-1 0,1 1 0,-1 0 0,0 0 0,1 0 0,-1 0 0,0 0 0,0 0 0,0 0 0,2 3 0,-2-3 0,-1 1 0,0-1 0,0 0 0,0 1 0,0-1 0,0 0 0,0 1 0,0-1 0,0 0 0,-1 1 0,1-1 0,0 0 0,-1 0 0,1 1 0,-1-1 0,1 0 0,-1 0 0,0 0 0,0 1 0,0 0 0,-6 7 0,-1-1 0,0 1 0,0-1 0,-14 10 0,14-13 0,1-1 0,-1 0 0,1 0 0,-1-1 0,-1 0 0,1 0 0,0-1 0,0 0 0,-10 1 0,9-2 0,1 0 0,0 1 0,0 0 0,0 1 0,0 0 0,0 0 0,1 0 0,-1 1 0,-11 8 0,39-20 0,1 1 0,-1 0 0,26-3 0,8-1 0,66-10 0,14-2 0,-94 14 0,1 1 0,71-2 0,-21 11 0,-305-1 0,263-11 0,-4-1 0,34 7 0,-37 2 0,43-7 0,-63 8 0,0 0 0,23 1 0,-29 2 0,1-2 0,-1 1 0,1-2 0,23-5 0,-39 7 0,-1 0 0,0 0 0,1 0 0,-1 0 0,1 0 0,-1 0 0,1-1 0,-1 1 0,0 0 0,1 0 0,-1 0 0,1 0 0,-1 0 0,0-1 0,1 1 0,-1 0 0,1 0 0,-1-1 0,0 1 0,0 0 0,1-1 0,-1 1 0,0 0 0,1-1 0,-1 1 0,0 0 0,0-1 0,0 1 0,1 0 0,-1-1 0,0 1 0,0-1 0,-12-5 0,-25 0 0,-189 4 0,116 3 0,104-1 0,0 0 0,0 0 0,0 0 0,1 1 0,-1 0 0,0 0 0,1 0 0,-1 1 0,0 0 0,1 0 0,-7 4 0,12-6 0,0 1 0,1-1 0,-1 1 0,0-1 0,1 1 0,-1-1 0,0 1 0,1-1 0,-1 1 0,1-1 0,-1 0 0,1 1 0,-1-1 0,1 0 0,-1 1 0,1-1 0,0 0 0,-1 0 0,1 0 0,-1 1 0,1-1 0,0 0 0,-1 0 0,1 0 0,-1 0 0,1 0 0,0 0 0,-1 0 0,1 0 0,-1 0 0,2-1 0,25 4 0,499-2 0,-338-2 0,-242 2 0,-103 17 0,135-16 0,1 0 0,-33-3 0,38 0 0,0 0 0,0 1 0,0 1 0,0 1 0,-22 4 0,38-6 0,0 0 0,-1 0 0,1 0 0,-1 0 0,1 0 0,-1 1 0,1-1 0,-1 0 0,1 0 0,0 0 0,-1 0 0,1 0 0,-1 1 0,1-1 0,0 0 0,-1 0 0,1 1 0,-1-1 0,1 0 0,0 1 0,-1-1 0,1 0 0,0 1 0,0-1 0,-1 0 0,1 1 0,0-1 0,0 1 0,0-1 0,-1 0 0,1 1 0,13 6 0,23-1 0,-13-6 0,-1-1 0,0 0 0,1-2 0,24-6 0,-18 4 0,14-1 0,1 3 0,0 2 0,48 4 0,-36 0 0,61-6 0,-43-9 0,-52 7 0,0 1 0,25 0 0,-141 3 0,-105 4 0,132 8 0,48-6 0,0-2 0,-26 2 0,-79-6 0,-54 2 0,157 3 0,1 0 0,-28 9 0,44-11 0,91 1 0,425-4 0,-617-1 0,-121 5 0,208-1 0,1 1 0,0 0 0,-21 7 0,96-3 0,833-8 0,-1449 1 0,1256 0 0,-712 1 0,1 1 0,-1 0 0,-18 5 0,-36 6 0,10-10 0,15-2 0,-60 11 0,57-7 0,0-1 0,-73-3 0,114-1 0,351-1 0,-382 1 0,-19-1 0,0 3 0,-80 12 0,100-9 0,-64 1 0,68-6 0,1 2 0,-1 1 0,-29 7 0,39-6 0,-1-1 0,-40 1 0,118-6 0,80-13 0,-71 7 0,1 2 0,131 7 0,-71 2 0,25-3 0,-1211 0 0,1182-2 0,137 5 0,-175 9 0,-54-7 0,57 4 0,-7-10 0,-40-1 0,-1 2 0,1 2 0,73 13 0,-98-13 0,1 0 0,30 0 0,-32-2 0,-1 1 0,0 0 0,0 0 0,16 5 0,-28-6 0,-1 0 0,1 0 0,0 0 0,0 0 0,0 1 0,-1-1 0,1 0 0,0 0 0,0 1 0,-1-1 0,1 0 0,0 1 0,-1-1 0,1 1 0,-1-1 0,1 1 0,0-1 0,-1 1 0,1-1 0,-1 1 0,1 0 0,-1-1 0,1 1 0,-1 0 0,0-1 0,1 1 0,-1 1 0,-13 12 0,-30 3 0,10-9 0,-1-1 0,1-2 0,-1-1 0,-40 0 0,54-3 0,1 0 0,-34 9 0,-31 2 0,50-12 0,26 0 0,24 0 0,466-1 0,-1266 1 0,739-7 0,26-4 0,18 11 0,1 0 0,0-1 0,0 1 0,-1-1 0,1 1 0,0-1 0,0 1 0,0-1 0,0 1 0,0-1 0,0 1 0,0-1 0,0 1 0,0-1 0,0 1 0,0-1 0,0 0 0,0 1 0,0-1 0,0 1 0,0-1 0,1 1 0,-1 0 0,0-1 0,0 1 0,1-1 0,-1 1 0,0-1 0,1 1 0,-1 0 0,0-1 0,1 1 0,-1-1 0,0 1 0,1-1 0,2-1 0,1 0 0,-1 0 0,0 0 0,0 1 0,1-1 0,-1 1 0,1 0 0,-1-1 0,1 2 0,0-1 0,-1 0 0,8 0 0,51 1 0,-41 1 0,161 1 0,-1042-2 0,1794 0 0,-928 0 0,-3-1 0,1 1 0,-1 0 0,0 0 0,0 0 0,0 0 0,0 1 0,0-1 0,1 1 0,-1 0 0,0 0 0,0 0 0,-1 0 0,1 1 0,3 1 0,-6-2 0,0-1 0,0 1 0,0-1 0,-1 1 0,1 0 0,0-1 0,-1 1 0,1-1 0,0 1 0,-1-1 0,1 1 0,-1-1 0,1 1 0,-1-1 0,1 0 0,-1 1 0,1-1 0,-1 0 0,1 1 0,-1-1 0,0 0 0,1 1 0,-1-1 0,1 0 0,-1 0 0,0 0 0,1 0 0,-1 0 0,0 0 0,1 0 0,-1 0 0,0 0 0,1 0 0,-1 0 0,0 0 0,-29 4 0,-399-1 0,220-6 0,32 3 0,803 0 0,-594 2 0,54 9 0,-54-5 0,51 1 0,-23-9 0,-43 0 0,1 1 0,-1 1 0,1 0 0,-1 1 0,31 7 0,-48-8 0,1 0 0,-1 0 0,1 0 0,-1 0 0,0 0 0,1 0 0,-1 0 0,1 0 0,-1 0 0,1 0 0,-1 1 0,0-1 0,1 0 0,-1 0 0,1 0 0,-1 1 0,0-1 0,1 0 0,-1 1 0,0-1 0,1 0 0,-1 1 0,0-1 0,0 0 0,1 1 0,-1-1 0,0 0 0,0 1 0,1-1 0,-1 1 0,0 0 0,-13 5 0,-23 0 0,22-5 0,-22 1 0,-58 11 0,65-8 0,-53 2 0,55-6 0,-1 2 0,-33 6 0,7-2 0,0-2 0,-106-6 0,135 0 0,722 1 0,-697 0 0,0 0 0,0 0 0,0 0 0,0 1 0,0-1 0,0 0 0,0 0 0,0 0 0,0 0 0,0 0 0,0 0 0,0 0 0,0 0 0,0 0 0,0 0 0,0 0 0,0 0 0,0 1 0,0-1 0,0 0 0,0 0 0,0 0 0,0 0 0,0 0 0,0 0 0,0 0 0,0 0 0,0 0 0,0 0 0,0 0 0,0 0 0,0 0 0,0 0 0,0 1 0,0-1 0,0 0 0,1 0 0,-1 0 0,0 0 0,0 0 0,0 0 0,0 0 0,0 0 0,0 0 0,0 0 0,0 0 0,0 0 0,0 0 0,0 0 0,0 0 0,0 0 0,1 0 0,-1 0 0,-12 6 0,-16 4 0,4-7 0,19-3 0,1 0 0,-1 0 0,0 1 0,1-1 0,-1 1 0,1 0 0,-1 1 0,1-1 0,0 1 0,-8 4 0,11-6 0,1 0 0,0 0 0,0 0 0,0 0 0,0 0 0,0 0 0,0 0 0,0 1 0,0-1 0,0 0 0,0 0 0,0 0 0,-1 0 0,1 0 0,0 1 0,0-1 0,0 0 0,0 0 0,0 0 0,0 0 0,0 0 0,0 0 0,0 1 0,0-1 0,0 0 0,0 0 0,1 0 0,-1 0 0,0 0 0,0 1 0,0-1 0,0 0 0,0 0 0,0 0 0,0 0 0,0 0 0,0 0 0,0 0 0,0 1 0,0-1 0,1 0 0,-1 0 0,0 0 0,0 0 0,0 0 0,0 0 0,0 0 0,0 0 0,1 0 0,-1 0 0,0 0 0,0 0 0,0 0 0,0 0 0,1 0 0,13 5 0,15-1 0,208-4 0,-494 0 0,589 0 0,-639 0 0,639 0 0,-456 0-1365,100 0-5461</inkml:trace>
+</inkml:ink>
+</file>
+
+<file path=ppt/ink/ink111.xml><?xml version="1.0" encoding="utf-8"?>
+<inkml:ink xmlns:inkml="http://www.w3.org/2003/InkML">
+  <inkml:definitions>
+    <inkml:context xml:id="ctx0">
+      <inkml:inkSource xml:id="inkSrc0">
+        <inkml:traceFormat>
+          <inkml:channel name="X" type="integer" min="-2.14748E9" max="2.14748E9" units="cm"/>
+          <inkml:channel name="Y" type="integer" min="-2.14748E9" max="2.14748E9" units="cm"/>
+          <inkml:channel name="F" type="integer" max="32767" units="dev"/>
+        </inkml:traceFormat>
+        <inkml:channelProperties>
+          <inkml:channelProperty channel="X" name="resolution" value="1000" units="1/cm"/>
+          <inkml:channelProperty channel="Y" name="resolution" value="1000" units="1/cm"/>
+          <inkml:channelProperty channel="F" name="resolution" value="0" units="1/dev"/>
+        </inkml:channelProperties>
+      </inkml:inkSource>
+      <inkml:timestamp xml:id="ts0" timeString="2025-03-10T19:12:59.142"/>
+    </inkml:context>
+    <inkml:brush xml:id="br0">
+      <inkml:brushProperty name="width" value="0.035" units="cm"/>
+      <inkml:brushProperty name="height" value="0.035" units="cm"/>
+      <inkml:brushProperty name="color" value="#008C3A"/>
+    </inkml:brush>
+  </inkml:definitions>
+  <inkml:trace contextRef="#ctx0" brushRef="#br0">0 27 24575,'11'-1'0,"-1"0"0,0-1 0,1 0 0,12-4 0,36-7 0,-28 12 0,-17 1 0,-30 0 0,8 0 0,-8-1 0,1 1 0,0 1 0,-1 1 0,1 0 0,0 1 0,0 0 0,-18 7 0,96-3 0,174-7 0,-272 9-1365,18-4-5461</inkml:trace>
+</inkml:ink>
+</file>
+
+<file path=ppt/ink/ink112.xml><?xml version="1.0" encoding="utf-8"?>
+<inkml:ink xmlns:inkml="http://www.w3.org/2003/InkML">
+  <inkml:definitions>
+    <inkml:context xml:id="ctx0">
+      <inkml:inkSource xml:id="inkSrc0">
+        <inkml:traceFormat>
+          <inkml:channel name="X" type="integer" min="-2.14748E9" max="2.14748E9" units="cm"/>
+          <inkml:channel name="Y" type="integer" min="-2.14748E9" max="2.14748E9" units="cm"/>
+          <inkml:channel name="F" type="integer" max="32767" units="dev"/>
+        </inkml:traceFormat>
+        <inkml:channelProperties>
+          <inkml:channelProperty channel="X" name="resolution" value="1000" units="1/cm"/>
+          <inkml:channelProperty channel="Y" name="resolution" value="1000" units="1/cm"/>
+          <inkml:channelProperty channel="F" name="resolution" value="0" units="1/dev"/>
+        </inkml:channelProperties>
+      </inkml:inkSource>
+      <inkml:timestamp xml:id="ts0" timeString="2025-03-10T19:12:59.604"/>
+    </inkml:context>
+    <inkml:brush xml:id="br0">
+      <inkml:brushProperty name="width" value="0.035" units="cm"/>
+      <inkml:brushProperty name="height" value="0.035" units="cm"/>
+      <inkml:brushProperty name="color" value="#008C3A"/>
+    </inkml:brush>
+  </inkml:definitions>
+  <inkml:trace contextRef="#ctx0" brushRef="#br0">119 1 24575,'-4'0'0,"-2"4"0,-3 2 0,-6-1 0,-3-1 0,-4-1 0,-1-1 0,2-1-8191</inkml:trace>
+</inkml:ink>
+</file>
+
+<file path=ppt/ink/ink113.xml><?xml version="1.0" encoding="utf-8"?>
+<inkml:ink xmlns:inkml="http://www.w3.org/2003/InkML">
+  <inkml:definitions>
+    <inkml:context xml:id="ctx0">
+      <inkml:inkSource xml:id="inkSrc0">
+        <inkml:traceFormat>
+          <inkml:channel name="X" type="integer" min="-2.14748E9" max="2.14748E9" units="cm"/>
+          <inkml:channel name="Y" type="integer" min="-2.14748E9" max="2.14748E9" units="cm"/>
+          <inkml:channel name="F" type="integer" max="32767" units="dev"/>
+        </inkml:traceFormat>
+        <inkml:channelProperties>
+          <inkml:channelProperty channel="X" name="resolution" value="1000" units="1/cm"/>
+          <inkml:channelProperty channel="Y" name="resolution" value="1000" units="1/cm"/>
+          <inkml:channelProperty channel="F" name="resolution" value="0" units="1/dev"/>
+        </inkml:channelProperties>
+      </inkml:inkSource>
+      <inkml:timestamp xml:id="ts0" timeString="2025-03-10T19:13:00.865"/>
+    </inkml:context>
+    <inkml:brush xml:id="br0">
+      <inkml:brushProperty name="width" value="0.035" units="cm"/>
+      <inkml:brushProperty name="height" value="0.035" units="cm"/>
+      <inkml:brushProperty name="color" value="#008C3A"/>
+    </inkml:brush>
+  </inkml:definitions>
+  <inkml:trace contextRef="#ctx0" brushRef="#br0">452 151 24575,'-19'0'0,"-15"0"0,0 0 0,-1 3 0,-55 10 0,70-10 0,1 0 0,-1-2 0,-30 0 0,34-2 0,0 1 0,0 1 0,-1 0 0,1 1 0,-25 7 0,41-9 0,0 0 0,0 0 0,-1 0 0,1 0 0,0 0 0,0 0 0,-1-1 0,1 1 0,0 0 0,0 0 0,-1 0 0,1 0 0,0 0 0,0 1 0,-1-1 0,1 0 0,0 0 0,0 0 0,-1 0 0,1 0 0,0 0 0,0 0 0,0 0 0,-1 0 0,1 1 0,0-1 0,0 0 0,0 0 0,-1 0 0,1 1 0,0-1 0,0 0 0,0 0 0,0 0 0,0 1 0,-1-1 0,1 0 0,0 0 0,0 1 0,0-1 0,0 0 0,0 0 0,0 1 0,0-1 0,0 0 0,0 0 0,0 1 0,0-1 0,0 0 0,0 0 0,0 1 0,0-1 0,0 0 0,0 0 0,0 1 0,19 4 0,29-2 0,537-4 0,-562 4 0,-23-3 0,0 0 0,0 0 0,0 1 0,0-1 0,0 0 0,1 0 0,-1 0 0,0 1 0,0-1 0,0 0 0,0 0 0,0 1 0,0-1 0,0 0 0,-1 0 0,1 0 0,0 1 0,0-1 0,0 0 0,0 0 0,0 0 0,0 1 0,0-1 0,0 0 0,0 0 0,0 0 0,-1 0 0,1 1 0,0-1 0,0 0 0,0 0 0,0 0 0,-1 0 0,1 0 0,0 0 0,0 1 0,0-1 0,-1 0 0,1 0 0,0 0 0,0 0 0,0 0 0,-1 0 0,1 0 0,-37 14 0,5-7 0,8-1 0,-1-1 0,0-1 0,-27 1 0,45-5 0,1 0 0,0 0 0,-1 1 0,1-1 0,0 2 0,0-1 0,-1 0 0,1 1 0,0 1 0,-7 2 0,14-4 0,-1-1 0,0 1 0,1-1 0,-1 1 0,1-1 0,-1 1 0,1-1 0,-1 1 0,1-1 0,-1 0 0,1 1 0,-1-1 0,1 0 0,-1 1 0,1-1 0,0 0 0,-1 0 0,1 0 0,-1 1 0,1-1 0,0 0 0,-1 0 0,1 0 0,0 0 0,-1 0 0,1 0 0,0 0 0,0-1 0,27 4 0,332-3 0,-473 2 0,-129-5 0,175-9 0,48 7 0,1 2 0,-29-2 0,1 4 0,19 2 0,0-2 0,-27-5 0,46 5 0,-1-1 0,1 0 0,0-1 0,-1 0 0,1 0 0,1 0 0,-1-1 0,0-1 0,1 1 0,-11-9 0,17 12 0,0 0 0,0 0 0,-1 0 0,1-1 0,0 1 0,0 0 0,0 0 0,0-1 0,0 1 0,0-1 0,1 1 0,-1 0 0,0-1 0,1 0 0,-1 1 0,1-1 0,-1 1 0,1-1 0,0 0 0,0 1 0,0-1 0,0 0 0,0 1 0,0-1 0,0 0 0,1-1 0,0 0 0,1 0 0,-1-1 0,1 1 0,0 0 0,0 0 0,0 0 0,0 1 0,1-1 0,-1 1 0,1-1 0,5-3 0,0 0 0,1 0 0,1 0 0,-1 1 0,1 0 0,0 1 0,0 0 0,15-4 0,123-20 0,-45 4 0,-75 16 0,-1 2 0,56-7 0,-171 36 0,3-9 0,49-8 0,-47 3 0,61-5 0,22-4 0,0 0 0,0 1 0,0-1 0,0 0 0,0 0 0,0 0 0,0 0 0,0 1 0,0-1 0,0 0 0,0 0 0,0 0 0,0 1 0,0-1 0,0 0 0,0 0 0,0 0 0,0 1 0,0-1 0,0 0 0,0 0 0,0 0 0,0 0 0,0 1 0,0-1 0,0 0 0,0 0 0,0 0 0,1 0 0,-1 1 0,0-1 0,0 0 0,0 0 0,0 0 0,0 0 0,1 0 0,-1 0 0,0 0 0,0 1 0,0-1 0,0 0 0,1 0 0,-1 0 0,0 0 0,0 0 0,0 0 0,1 0 0,36 11 0,296-6 0,-181-8 0,126 3 0,-332 1-455,1 1 0,-76 15 0,111-14-6371</inkml:trace>
+</inkml:ink>
+</file>
+
+<file path=ppt/ink/ink114.xml><?xml version="1.0" encoding="utf-8"?>
+<inkml:ink xmlns:inkml="http://www.w3.org/2003/InkML">
+  <inkml:definitions>
+    <inkml:context xml:id="ctx0">
+      <inkml:inkSource xml:id="inkSrc0">
+        <inkml:traceFormat>
+          <inkml:channel name="X" type="integer" min="-2.14748E9" max="2.14748E9" units="cm"/>
+          <inkml:channel name="Y" type="integer" min="-2.14748E9" max="2.14748E9" units="cm"/>
+          <inkml:channel name="F" type="integer" max="32767" units="dev"/>
+        </inkml:traceFormat>
+        <inkml:channelProperties>
+          <inkml:channelProperty channel="X" name="resolution" value="1000" units="1/cm"/>
+          <inkml:channelProperty channel="Y" name="resolution" value="1000" units="1/cm"/>
+          <inkml:channelProperty channel="F" name="resolution" value="0" units="1/dev"/>
+        </inkml:channelProperties>
+      </inkml:inkSource>
+      <inkml:timestamp xml:id="ts0" timeString="2025-03-10T19:13:03.823"/>
+    </inkml:context>
+    <inkml:brush xml:id="br0">
+      <inkml:brushProperty name="width" value="0.035" units="cm"/>
+      <inkml:brushProperty name="height" value="0.035" units="cm"/>
+      <inkml:brushProperty name="color" value="#008C3A"/>
+    </inkml:brush>
+  </inkml:definitions>
+  <inkml:trace contextRef="#ctx0" brushRef="#br0">0 1 24575,'4'0'0,"6"0"0,5 0 0,5 0 0,3 0 0,1 0 0,2 0 0,1 0 0,-1 0 0,0 0 0,0 0 0,-1 0 0,1 0 0,-1 0 0,0 0 0,0 0 0,-4 0-8191</inkml:trace>
+</inkml:ink>
+</file>
+
+<file path=ppt/ink/ink115.xml><?xml version="1.0" encoding="utf-8"?>
+<inkml:ink xmlns:inkml="http://www.w3.org/2003/InkML">
+  <inkml:definitions>
+    <inkml:context xml:id="ctx0">
+      <inkml:inkSource xml:id="inkSrc0">
+        <inkml:traceFormat>
+          <inkml:channel name="X" type="integer" min="-2.14748E9" max="2.14748E9" units="cm"/>
+          <inkml:channel name="Y" type="integer" min="-2.14748E9" max="2.14748E9" units="cm"/>
+          <inkml:channel name="F" type="integer" max="32767" units="dev"/>
+        </inkml:traceFormat>
+        <inkml:channelProperties>
+          <inkml:channelProperty channel="X" name="resolution" value="1000" units="1/cm"/>
+          <inkml:channelProperty channel="Y" name="resolution" value="1000" units="1/cm"/>
+          <inkml:channelProperty channel="F" name="resolution" value="0" units="1/dev"/>
+        </inkml:channelProperties>
+      </inkml:inkSource>
+      <inkml:timestamp xml:id="ts0" timeString="2025-03-10T19:13:05.417"/>
+    </inkml:context>
+    <inkml:brush xml:id="br0">
+      <inkml:brushProperty name="width" value="0.035" units="cm"/>
+      <inkml:brushProperty name="height" value="0.035" units="cm"/>
+      <inkml:brushProperty name="color" value="#008C3A"/>
+    </inkml:brush>
+  </inkml:definitions>
+  <inkml:trace contextRef="#ctx0" brushRef="#br0">0 0 24575,'5'0'0,"5"0"0,5 0 0,5 0 0,3 0 0,1 0 0,2 0 0,1 0 0,-1 0 0,0 0 0,0 0 0,-1 0 0,0 0 0,1 0 0,-1 0 0,0 0 0,-4 0-8191</inkml:trace>
+</inkml:ink>
+</file>
+
+<file path=ppt/ink/ink116.xml><?xml version="1.0" encoding="utf-8"?>
+<inkml:ink xmlns:inkml="http://www.w3.org/2003/InkML">
+  <inkml:definitions>
+    <inkml:context xml:id="ctx0">
+      <inkml:inkSource xml:id="inkSrc0">
+        <inkml:traceFormat>
+          <inkml:channel name="X" type="integer" min="-2.14748E9" max="2.14748E9" units="cm"/>
+          <inkml:channel name="Y" type="integer" min="-2.14748E9" max="2.14748E9" units="cm"/>
+          <inkml:channel name="F" type="integer" max="32767" units="dev"/>
+        </inkml:traceFormat>
+        <inkml:channelProperties>
+          <inkml:channelProperty channel="X" name="resolution" value="1000" units="1/cm"/>
+          <inkml:channelProperty channel="Y" name="resolution" value="1000" units="1/cm"/>
+          <inkml:channelProperty channel="F" name="resolution" value="0" units="1/dev"/>
+        </inkml:channelProperties>
+      </inkml:inkSource>
+      <inkml:timestamp xml:id="ts0" timeString="2025-03-10T19:13:06.516"/>
+    </inkml:context>
+    <inkml:brush xml:id="br0">
+      <inkml:brushProperty name="width" value="0.035" units="cm"/>
+      <inkml:brushProperty name="height" value="0.035" units="cm"/>
+      <inkml:brushProperty name="color" value="#008C3A"/>
+    </inkml:brush>
+  </inkml:definitions>
+  <inkml:trace contextRef="#ctx0" brushRef="#br0">1 1 24575,'4'0'0,"6"0"0,6 0 0,3 0 0,4 0 0,2 0 0,1 0 0,0 0 0,1 0 0,-1 0 0,-1 0 0,1 0 0,-5 0-8191</inkml:trace>
+</inkml:ink>
+</file>
+
+<file path=ppt/ink/ink117.xml><?xml version="1.0" encoding="utf-8"?>
+<inkml:ink xmlns:inkml="http://www.w3.org/2003/InkML">
+  <inkml:definitions>
+    <inkml:context xml:id="ctx0">
+      <inkml:inkSource xml:id="inkSrc0">
+        <inkml:traceFormat>
+          <inkml:channel name="X" type="integer" min="-2.14748E9" max="2.14748E9" units="cm"/>
+          <inkml:channel name="Y" type="integer" min="-2.14748E9" max="2.14748E9" units="cm"/>
+          <inkml:channel name="F" type="integer" max="32767" units="dev"/>
+        </inkml:traceFormat>
+        <inkml:channelProperties>
+          <inkml:channelProperty channel="X" name="resolution" value="1000" units="1/cm"/>
+          <inkml:channelProperty channel="Y" name="resolution" value="1000" units="1/cm"/>
+          <inkml:channelProperty channel="F" name="resolution" value="0" units="1/dev"/>
+        </inkml:channelProperties>
+      </inkml:inkSource>
+      <inkml:timestamp xml:id="ts0" timeString="2025-03-10T19:13:19.270"/>
+    </inkml:context>
+    <inkml:brush xml:id="br0">
+      <inkml:brushProperty name="width" value="0.035" units="cm"/>
+      <inkml:brushProperty name="height" value="0.035" units="cm"/>
+      <inkml:brushProperty name="color" value="#008C3A"/>
+    </inkml:brush>
+  </inkml:definitions>
+  <inkml:trace contextRef="#ctx0" brushRef="#br0">102 103 24575,'430'0'0,"-527"1"0,-112-3 0,142-10 0,49 7 0,-1 2 0,-27-3 0,39 7 0,1-1 0,-1-1 0,0 1 0,1-1 0,-1-1 0,1 1 0,0-1 0,-1 0 0,-9-5 0,19 6 0,1-1 0,0 1 0,-1 0 0,1-1 0,0 2 0,0-1 0,-1 0 0,1 1 0,7 0 0,130-13 0,28 0 0,8 14 0,-208 1 0,0 2 0,0 1 0,0 2 0,1 0 0,-30 13 0,-32 8 0,90-28 0,0 1 0,0 0 0,0-1 0,0 1 0,0 0 0,0 1 0,0-1 0,0 0 0,0 1 0,0-1 0,-2 3 0,5 3 0,16-7 0,43-9 0,0 3 0,83 1 0,-138 6 0,1-1 0,0 0 0,0-1 0,-1 1 0,1-1 0,0 0 0,0-1 0,-1 1 0,1-1 0,-1 0 0,8-4 0,-14 6 0,1-1 0,0 0 0,-1 1 0,1-1 0,0 1 0,-1 0 0,1-1 0,-1 1 0,1-1 0,0 1 0,-1-1 0,1 1 0,-1 0 0,0-1 0,1 1 0,-1 0 0,1 0 0,-1 0 0,1-1 0,-1 1 0,0 0 0,1 0 0,-1 0 0,1 0 0,-1 0 0,0 0 0,1 0 0,-1 0 0,0 0 0,1 0 0,-1 1 0,-27-5 0,-332 5 0,341 0 0,0 2 0,0 0 0,1 1 0,-25 8 0,131-9 0,166-3 0,-349 22 0,5-10 0,49-5 0,-72 2 0,113-9 0,0 0 0,0 0 0,0 0 0,0 0 0,0 0 0,0 0 0,0 0 0,0-1 0,0 1 0,0 0 0,1 0 0,-1 0 0,0 0 0,0 0 0,0 0 0,0 0 0,0 0 0,0 0 0,0 0 0,-1-1 0,1 1 0,0 0 0,0 0 0,0 0 0,0 0 0,0 0 0,0 0 0,0 0 0,0 0 0,0 0 0,0 0 0,0 0 0,0 0 0,0-1 0,0 1 0,0 0 0,0 0 0,0 0 0,0 0 0,0 0 0,-1 0 0,1 0 0,0 0 0,0 0 0,0 0 0,0 0 0,0 0 0,0 0 0,0 0 0,0 0 0,0 0 0,0 0 0,0 0 0,-1 0 0,1 0 0,0 0 0,0 0 0,0 0 0,11-6 0,18-5 0,-26 10 0,61-10 0,1 2 0,83-1 0,-82 10 0,-102 3 0,-44 9 0,4 0 0,50-8 0,0 2 0,-41 15 0,17-5 0,114-37 0,-9 10 0,0 3 0,0 3 0,62 1 0,211 4 0,-476 13 0,98-7 0,-57 1 0,-196-8 0,416 3 0,129-5 0,-174-9 0,-49 8 0,0 1 0,26-2 0,-20 6 0,-19-1 0,-1 1 0,1 0 0,0-1 0,-1 0 0,1 0 0,0-1 0,-1 0 0,1 0 0,-1 0 0,1-1 0,-1 1 0,8-5 0,-13 6 0,0-1 0,0 0 0,-1 1 0,1-1 0,0 1 0,-1-1 0,1 0 0,-1 1 0,1-1 0,-1 1 0,1 0 0,-1-1 0,1 1 0,-1-1 0,1 1 0,-1 0 0,1-1 0,-1 1 0,0 0 0,1 0 0,-1-1 0,0 1 0,1 0 0,-1 0 0,0 0 0,1 0 0,-1 0 0,0 0 0,1 0 0,-1 0 0,0 0 0,0 0 0,-29-4 0,-291 2 0,191 4 0,144-4 0,1 0 0,-1 0 0,21-7 0,2 0 0,-23 6 0,22-5 0,0 1 0,1 2 0,43 0 0,35 8 0,147-5 0,-121-24 0,-228 24 0,64 0 0,0 1 0,-1 0 0,1 2 0,-1 1 0,1 1 0,-33 8 0,56-11 0,0 0 0,0-1 0,-1 1 0,1 0 0,0 0 0,0 0 0,-1 0 0,1 0 0,0 0 0,0 0 0,-1 0 0,1 0 0,0 0 0,-1 0 0,1 0 0,0 1 0,0-1 0,-1 0 0,1 0 0,0 0 0,0 0 0,0 0 0,-1 0 0,1 1 0,0-1 0,0 0 0,0 0 0,-1 0 0,1 0 0,0 1 0,0-1 0,0 0 0,0 0 0,0 1 0,-1-1 0,1 0 0,0 0 0,0 1 0,0-1 0,0 0 0,0 0 0,0 1 0,0-1 0,0 0 0,0 0 0,0 1 0,0-1 0,0 0 0,0 0 0,0 1 0,0-1 0,0 0 0,0 0 0,1 1 0,18 4 0,27-2 0,27-16 0,-53 8 0,0 1 0,27-1 0,-23 4 0,-1 0 0,0-2 0,0 0 0,25-8 0,-68 8 0,-18 4 0,-23 9 0,1-3 0,-106-2 0,148-4 0,-1 1 0,0 1 0,-18 5 0,-35 4 0,470-15 0,-200 5 0,-111-2 0,-52 0 0,-28 0 0,-9 0 0,-555 0 0,509 8 0,41-6 0,0 0 0,-1-1 0,1 0 0,-1 0 0,-8-1 0,24-6 0,1 1 0,-1 1 0,1-1 0,0 1 0,0 0 0,16-3 0,29-4 0,-24 4 0,-1 2 0,59-3 0,166 9 0,-274 0 0,0 1 0,-31 7 0,-37 4 0,67-11 0,1 1 0,-1 1 0,1 0 0,-22 9 0,23-7 0,-1-1 0,-1 0 0,1-1 0,-27 1 0,39-5 0,5 0 0,0 0 0,-1 0 0,1 0 0,0 0 0,0 0 0,-1 1 0,1-1 0,0 1 0,0 0 0,0 0 0,0 0 0,0 1 0,-4 1 0,8-2 0,-1-1 0,0 1 0,0-1 0,1 1 0,-1 0 0,0-1 0,1 1 0,-1-1 0,0 1 0,1-1 0,-1 1 0,1-1 0,-1 0 0,1 1 0,-1-1 0,1 1 0,-1-1 0,1 0 0,0 0 0,-1 1 0,1-1 0,-1 0 0,1 0 0,0 0 0,-1 0 0,1 1 0,0-1 0,-1 0 0,1 0 0,0 0 0,-1 0 0,1-1 0,-1 1 0,2 0 0,27 4 0,17-3 0,-1-3 0,0-2 0,46-9 0,-82 12 0,20-4 0,42-6 0,131-5 0,-150 18 0,-33 0 0,0-1 0,-1 0 0,1-2 0,0 0 0,-1-2 0,32-7 0,-49 10 0,-1 0 0,0 0 0,0 0 0,1 1 0,-1-1 0,0 0 0,1 0 0,-1 0 0,0 0 0,0 0 0,1 0 0,-1 0 0,0 0 0,0-1 0,1 1 0,-1 0 0,0 0 0,0 0 0,1 0 0,-1 0 0,0 0 0,0 0 0,1-1 0,-1 1 0,0 0 0,0 0 0,0 0 0,1-1 0,-1 1 0,0 0 0,0 0 0,0 0 0,0-1 0,0 1 0,1 0 0,-1 0 0,0-1 0,0 1 0,0 0 0,0 0 0,0-1 0,0 1 0,0 0 0,0-1 0,0 1 0,0 0 0,0 0 0,0-1 0,0 1 0,0 0 0,0 0 0,-1-1 0,-17-4 0,-30 2 0,-1 4 0,0 2 0,-69 14 0,-36 4 0,125-16 0,-1-2 0,0-1 0,-53-3 0,-37 2 0,46 11 0,53-7 0,-1-1 0,-26 1 0,123-5 0,92-2 0,-40-23 0,-38 13 0,-62 7 0,0 1 0,30-1 0,196 6 0,-284-1 0,0 1 0,1 2 0,-41 8 0,53-8 0,0-1 0,0-1 0,-18 0 0,21-2 0,0 1 0,1 1 0,-1 1 0,-22 4 0,37-6 0,-1 0 0,1 0 0,-1 0 0,1 0 0,-1 0 0,1 0 0,-1 0 0,1 1 0,-1-1 0,1 0 0,0 0 0,-1 0 0,1 0 0,-1 1 0,1-1 0,0 0 0,-1 0 0,1 1 0,0-1 0,-1 0 0,1 1 0,0-1 0,-1 0 0,1 1 0,0-1 0,0 0 0,-1 1 0,1-1 0,0 1 0,0-1 0,0 1 0,12 5 0,25 0 0,368-3 0,-233-5 0,-200 2 0,-25 0 0,0-1 0,-83-14 0,-90-10 0,206 20 0,0 2 0,0 0 0,0 1 0,-1 1 0,1 1 0,0 1 0,-34 6 0,54-7 0,-1 0 0,1 0 0,-1 0 0,1 0 0,-1 0 0,1 0 0,-1 0 0,1 0 0,0 1 0,-1-1 0,1 0 0,-1 0 0,1 0 0,0 1 0,-1-1 0,1 0 0,-1 0 0,1 1 0,0-1 0,-1 0 0,1 1 0,0-1 0,0 0 0,-1 1 0,1-1 0,0 0 0,0 1 0,-1-1 0,1 1 0,0-1 0,0 1 0,12 6 0,25-2 0,368-2 0,-233-5 0,-732 2 0,578-2 0,1 0 0,-1-1 0,0-1 0,29-10 0,-25 7 0,1 1 0,32-5 0,58 9 0,-124 1 0,-1 1 0,1 0 0,0 1 0,-1 1 0,1-1 0,0 2 0,0 0 0,-11 4 0,23-3 0,11 0 0,15-1 0,172-4 0,-257 1-1365,36 0-5461</inkml:trace>
+</inkml:ink>
+</file>
+
+<file path=ppt/ink/ink118.xml><?xml version="1.0" encoding="utf-8"?>
+<inkml:ink xmlns:inkml="http://www.w3.org/2003/InkML">
+  <inkml:definitions>
+    <inkml:context xml:id="ctx0">
+      <inkml:inkSource xml:id="inkSrc0">
+        <inkml:traceFormat>
+          <inkml:channel name="X" type="integer" min="-2.14748E9" max="2.14748E9" units="cm"/>
+          <inkml:channel name="Y" type="integer" min="-2.14748E9" max="2.14748E9" units="cm"/>
+          <inkml:channel name="F" type="integer" max="32767" units="dev"/>
+        </inkml:traceFormat>
+        <inkml:channelProperties>
+          <inkml:channelProperty channel="X" name="resolution" value="1000" units="1/cm"/>
+          <inkml:channelProperty channel="Y" name="resolution" value="1000" units="1/cm"/>
+          <inkml:channelProperty channel="F" name="resolution" value="0" units="1/dev"/>
+        </inkml:channelProperties>
+      </inkml:inkSource>
+      <inkml:timestamp xml:id="ts0" timeString="2025-03-10T19:10:17.040"/>
+    </inkml:context>
+    <inkml:brush xml:id="br0">
+      <inkml:brushProperty name="width" value="0.035" units="cm"/>
+      <inkml:brushProperty name="height" value="0.035" units="cm"/>
+      <inkml:brushProperty name="color" value="#008C3A"/>
+    </inkml:brush>
+  </inkml:definitions>
+  <inkml:trace contextRef="#ctx0" brushRef="#br0">783 128 24575,'-7'-1'0,"1"0"0,-1 0 0,1-1 0,0 0 0,-1 0 0,1-1 0,0 0 0,1 0 0,-1 0 0,0 0 0,-8-8 0,6 5 0,0 0 0,-1 1 0,0 0 0,-10-4 0,-43-16 0,50 19 0,-1 0 0,0 1 0,1 1 0,-1 0 0,-1 1 0,1 0 0,-27-2 0,15 4 0,0 2 0,-1 0 0,1 2 0,-48 11 0,59-9 0,0 0 0,0 0 0,1 2 0,0 0 0,0 0 0,1 1 0,0 0 0,0 1 0,-20 20 0,20-17 0,-1 1 0,2 0 0,-1 1 0,2 0 0,0 0 0,1 1 0,0 1 0,1 0 0,1 0 0,1 0 0,0 1 0,1-1 0,0 2 0,2-1 0,-3 27 0,6 2 0,3 135 0,1-165 0,0 0 0,1-1 0,1 0 0,0 0 0,1 0 0,1 0 0,0-1 0,14 18 0,9 17 0,-10-16 0,41 48 0,-49-65 0,3 1 0,2-1 0,0 0 0,1-1 0,26 16 0,-36-25 0,20 13 0,0-1 0,40 18 0,-22-13 0,-32-15 0,0-1 0,0 0 0,1-1 0,0-1 0,-1 0 0,2-1 0,32 4 0,24-5 0,80-8 0,-141 4 0,0-2 0,-1 0 0,1 0 0,-1-1 0,0-1 0,0 0 0,-1 0 0,20-14 0,-5 1 0,-1 0 0,28-29 0,-37 29 0,0-1 0,-1 0 0,-1-1 0,20-41 0,-20 31 0,-2-1 0,0 0 0,-2-1 0,-2 0 0,6-49 0,-8 13 0,-3 0 0,-8-71 0,5 131 0,0-1 0,-1 0 0,1 1 0,-2 0 0,1-1 0,-1 1 0,-1 0 0,1 0 0,-1 1 0,-1-1 0,1 1 0,-1 0 0,-1 0 0,-7-8 0,-4 0 0,-1 0 0,0 1 0,-39-21 0,7 5 0,33 18-114,-1 0 1,0 2-1,-1 0 0,0 1 0,0 1 1,-1 1-1,0 1 0,0 1 0,-1 0 1,1 1-1,-29 0 0,28 3-6712</inkml:trace>
+</inkml:ink>
+</file>
+
+<file path=ppt/ink/ink119.xml><?xml version="1.0" encoding="utf-8"?>
+<inkml:ink xmlns:inkml="http://www.w3.org/2003/InkML">
+  <inkml:definitions>
+    <inkml:context xml:id="ctx0">
+      <inkml:inkSource xml:id="inkSrc0">
+        <inkml:traceFormat>
+          <inkml:channel name="X" type="integer" min="-2.14748E9" max="2.14748E9" units="cm"/>
+          <inkml:channel name="Y" type="integer" min="-2.14748E9" max="2.14748E9" units="cm"/>
+          <inkml:channel name="F" type="integer" max="32767" units="dev"/>
+        </inkml:traceFormat>
+        <inkml:channelProperties>
+          <inkml:channelProperty channel="X" name="resolution" value="1000" units="1/cm"/>
+          <inkml:channelProperty channel="Y" name="resolution" value="1000" units="1/cm"/>
+          <inkml:channelProperty channel="F" name="resolution" value="0" units="1/dev"/>
+        </inkml:channelProperties>
+      </inkml:inkSource>
+      <inkml:timestamp xml:id="ts0" timeString="2025-03-10T19:10:18.603"/>
+    </inkml:context>
+    <inkml:brush xml:id="br0">
+      <inkml:brushProperty name="width" value="0.035" units="cm"/>
+      <inkml:brushProperty name="height" value="0.035" units="cm"/>
+      <inkml:brushProperty name="color" value="#008C3A"/>
+    </inkml:brush>
+  </inkml:definitions>
+  <inkml:trace contextRef="#ctx0" brushRef="#br0">340 1 24575,'-4'0'0,"-6"0"0,-6 0 0,-4 0 0,2 4 0,-1 2 0,-2-1 0,-1-1 0,-1-1 0,-1-1 0,-1-1 0,0 0 0,0-1 0,0-1 0,-1 1 0,5 4 0,6 2-8191</inkml:trace>
+</inkml:ink>
+</file>
+
 <file path=ppt/ink/ink12.xml><?xml version="1.0" encoding="utf-8"?>
 <inkml:ink xmlns:inkml="http://www.w3.org/2003/InkML">
   <inkml:definitions>
@@ -230,6 +790,286 @@
 </inkml:ink>
 </file>
 
+<file path=ppt/ink/ink120.xml><?xml version="1.0" encoding="utf-8"?>
+<inkml:ink xmlns:inkml="http://www.w3.org/2003/InkML">
+  <inkml:definitions>
+    <inkml:context xml:id="ctx0">
+      <inkml:inkSource xml:id="inkSrc0">
+        <inkml:traceFormat>
+          <inkml:channel name="X" type="integer" min="-2.14748E9" max="2.14748E9" units="cm"/>
+          <inkml:channel name="Y" type="integer" min="-2.14748E9" max="2.14748E9" units="cm"/>
+          <inkml:channel name="F" type="integer" max="32767" units="dev"/>
+        </inkml:traceFormat>
+        <inkml:channelProperties>
+          <inkml:channelProperty channel="X" name="resolution" value="1000" units="1/cm"/>
+          <inkml:channelProperty channel="Y" name="resolution" value="1000" units="1/cm"/>
+          <inkml:channelProperty channel="F" name="resolution" value="0" units="1/dev"/>
+        </inkml:channelProperties>
+      </inkml:inkSource>
+      <inkml:timestamp xml:id="ts0" timeString="2025-03-10T19:10:20.494"/>
+    </inkml:context>
+    <inkml:brush xml:id="br0">
+      <inkml:brushProperty name="width" value="0.035" units="cm"/>
+      <inkml:brushProperty name="height" value="0.035" units="cm"/>
+      <inkml:brushProperty name="color" value="#008C3A"/>
+    </inkml:brush>
+  </inkml:definitions>
+  <inkml:trace contextRef="#ctx0" brushRef="#br0">359 1 24575,'-11'1'0,"0"0"0,1 1 0,-1 0 0,-13 6 0,-9 1 0,-54 15 0,52-14 0,-45 9 0,40-9-1365,24-4-5461</inkml:trace>
+</inkml:ink>
+</file>
+
+<file path=ppt/ink/ink121.xml><?xml version="1.0" encoding="utf-8"?>
+<inkml:ink xmlns:inkml="http://www.w3.org/2003/InkML">
+  <inkml:definitions>
+    <inkml:context xml:id="ctx0">
+      <inkml:inkSource xml:id="inkSrc0">
+        <inkml:traceFormat>
+          <inkml:channel name="X" type="integer" min="-2.14748E9" max="2.14748E9" units="cm"/>
+          <inkml:channel name="Y" type="integer" min="-2.14748E9" max="2.14748E9" units="cm"/>
+          <inkml:channel name="F" type="integer" max="32767" units="dev"/>
+        </inkml:traceFormat>
+        <inkml:channelProperties>
+          <inkml:channelProperty channel="X" name="resolution" value="1000" units="1/cm"/>
+          <inkml:channelProperty channel="Y" name="resolution" value="1000" units="1/cm"/>
+          <inkml:channelProperty channel="F" name="resolution" value="0" units="1/dev"/>
+        </inkml:channelProperties>
+      </inkml:inkSource>
+      <inkml:timestamp xml:id="ts0" timeString="2025-03-10T19:10:23.989"/>
+    </inkml:context>
+    <inkml:brush xml:id="br0">
+      <inkml:brushProperty name="width" value="0.035" units="cm"/>
+      <inkml:brushProperty name="height" value="0.035" units="cm"/>
+      <inkml:brushProperty name="color" value="#008C3A"/>
+    </inkml:brush>
+  </inkml:definitions>
+  <inkml:trace contextRef="#ctx0" brushRef="#br0">146 73 24575,'0'-3'0,"-1"0"0,0 0 0,0 0 0,0 0 0,0 1 0,-1-1 0,1 0 0,-1 0 0,0 1 0,1-1 0,-1 1 0,0-1 0,-1 1 0,1 0 0,0 0 0,-1 0 0,1 0 0,-1 0 0,1 1 0,-1-1 0,0 1 0,-5-2 0,6 2 0,0 0 0,0 0 0,0 0 0,0 0 0,0 0 0,0 1 0,0-1 0,0 1 0,-1 0 0,1-1 0,0 1 0,0 0 0,0 0 0,-1 0 0,1 1 0,0-1 0,0 0 0,0 1 0,0 0 0,0-1 0,-1 1 0,1 0 0,1 0 0,-1 0 0,0 0 0,0 1 0,0-1 0,0 0 0,1 1 0,-1-1 0,1 1 0,-3 3 0,-1 3 0,1 1 0,0 0 0,1 1 0,-1-1 0,2 0 0,-1 1 0,2 0 0,-1-1 0,1 1 0,0 13 0,3-8 0,0 0 0,0 0 0,1 0 0,1-1 0,0 0 0,8 17 0,1 6 0,-11-29 0,0 0 0,0 0 0,1 0 0,1-1 0,-1 1 0,1-1 0,0 0 0,1 0 0,8 10 0,13 11 0,-19-20 0,0 0 0,1 0 0,0 0 0,18 12 0,-23-19 0,0 1 0,0 0 0,0-1 0,1 0 0,-1 0 0,0 0 0,1 0 0,-1 0 0,1-1 0,-1 0 0,0 1 0,1-1 0,-1 0 0,1-1 0,-1 1 0,1-1 0,-1 1 0,1-1 0,-1 0 0,4-2 0,-4 1 0,0 1 0,-1-1 0,1 0 0,0 0 0,-1 0 0,0-1 0,0 1 0,1 0 0,-1-1 0,-1 0 0,1 1 0,0-1 0,-1 0 0,1 0 0,-1 0 0,0 0 0,0 0 0,0 0 0,0 0 0,-1 0 0,1-1 0,-1 1 0,0 0 0,0 0 0,0 0 0,0-1 0,-1-3 0,-1-13 0,-1 1 0,0 0 0,-8-22 0,10 36 0,-4-15 0,-1 1 0,-1 0 0,-1 0 0,0 0 0,-19-28 0,2-3-7,23 43-106,-1-1 0,0 1 0,-1 0-1,0 0 1,0 0 0,-1 0 0,1 1 0,-1-1-1,-1 1 1,1 1 0,-12-10 0,3 8-6713</inkml:trace>
+</inkml:ink>
+</file>
+
+<file path=ppt/ink/ink122.xml><?xml version="1.0" encoding="utf-8"?>
+<inkml:ink xmlns:inkml="http://www.w3.org/2003/InkML">
+  <inkml:definitions>
+    <inkml:context xml:id="ctx0">
+      <inkml:inkSource xml:id="inkSrc0">
+        <inkml:traceFormat>
+          <inkml:channel name="X" type="integer" min="-2.14748E9" max="2.14748E9" units="cm"/>
+          <inkml:channel name="Y" type="integer" min="-2.14748E9" max="2.14748E9" units="cm"/>
+          <inkml:channel name="F" type="integer" max="32767" units="dev"/>
+        </inkml:traceFormat>
+        <inkml:channelProperties>
+          <inkml:channelProperty channel="X" name="resolution" value="1000" units="1/cm"/>
+          <inkml:channelProperty channel="Y" name="resolution" value="1000" units="1/cm"/>
+          <inkml:channelProperty channel="F" name="resolution" value="0" units="1/dev"/>
+        </inkml:channelProperties>
+      </inkml:inkSource>
+      <inkml:timestamp xml:id="ts0" timeString="2025-03-10T19:10:25.417"/>
+    </inkml:context>
+    <inkml:brush xml:id="br0">
+      <inkml:brushProperty name="width" value="0.035" units="cm"/>
+      <inkml:brushProperty name="height" value="0.035" units="cm"/>
+      <inkml:brushProperty name="color" value="#008C3A"/>
+    </inkml:brush>
+  </inkml:definitions>
+  <inkml:trace contextRef="#ctx0" brushRef="#br0">102 18 24575,'-1'0'0,"0"1"0,0-1 0,0 1 0,0-1 0,0 1 0,0 0 0,0-1 0,0 1 0,0 0 0,0 0 0,0 0 0,0 0 0,0 0 0,1 0 0,-1 0 0,0 0 0,1 0 0,-1 0 0,1 1 0,-1 0 0,-12 32 0,10-24 0,-2 1 0,2 1 0,0 0 0,0 0 0,1 0 0,1 0 0,0 0 0,0 0 0,1 1 0,1-1 0,0 0 0,3 13 0,-4-24 0,0-1 0,0 0 0,0 0 0,0 1 0,0-1 0,0 0 0,0 1 0,0-1 0,0 0 0,0 0 0,0 1 0,0-1 0,0 0 0,0 0 0,0 1 0,0-1 0,0 0 0,0 1 0,0-1 0,0 0 0,0 0 0,0 1 0,1-1 0,-1 0 0,0 0 0,0 0 0,0 1 0,0-1 0,1 0 0,-1 0 0,0 0 0,0 1 0,1-1 0,-1 0 0,0 0 0,0 0 0,1 0 0,-1 0 0,0 0 0,0 0 0,1 1 0,-1-1 0,0 0 0,1 0 0,-1 0 0,0 0 0,0 0 0,1 0 0,-1 0 0,0 0 0,0-1 0,1 1 0,-1 0 0,0 0 0,1 0 0,6-21 0,-1-29 0,-5 38 0,-3-77 0,1 85 0,1 0 0,-1 0 0,1 0 0,-1 0 0,0 0 0,-1 0 0,1 0 0,-1 0 0,0 0 0,1 1 0,-2-1 0,1 1 0,0 0 0,-1-1 0,1 1 0,-1 0 0,-6-5 0,8 8 0,1-1 0,-1 1 0,0 0 0,1-1 0,-1 1 0,0 0 0,1-1 0,-1 1 0,0 0 0,1 0 0,-1 0 0,0 0 0,0-1 0,1 1 0,-1 0 0,0 0 0,0 0 0,1 1 0,-1-1 0,0 0 0,0 0 0,1 0 0,-1 0 0,0 1 0,1-1 0,-1 0 0,0 1 0,1-1 0,-1 1 0,-1 0 0,-10 24 0,7 32 0,6-48 0,0 1 0,1 0 0,0 0 0,5 11 0,-7-19 0,1 0 0,-1 0 0,1 0 0,-1-1 0,1 1 0,0 0 0,0 0 0,0 0 0,0-1 0,0 1 0,1 0 0,-1-1 0,0 1 0,1-1 0,-1 0 0,1 1 0,0-1 0,-1 0 0,1 0 0,0 0 0,0 0 0,-1 0 0,1 0 0,0-1 0,0 1 0,3 0 0,-4-1 0,1-1 0,-1 1 0,0-1 0,0 0 0,1 1 0,-1-1 0,0 0 0,0 0 0,0 0 0,0 0 0,0 0 0,0 0 0,0 0 0,0 0 0,0 0 0,0 0 0,0 0 0,-1-1 0,1 1 0,0 0 0,-1-1 0,0 1 0,1 0 0,-1-1 0,0 1 0,1-1 0,-1-2 0,4-44 0,-4 42 0,0 3 0,1-1 0,-1 0 0,0 1 0,0-1 0,0 0 0,0 0 0,-1 0 0,0 0 0,1 1 0,-1-1 0,-1 0 0,1 1 0,0-1 0,-3-4 0,4 9-21,0-1 0,0 0 0,0 0 0,0 0 0,0 0 0,0 0 0,0 1 0,0-1 0,0 0 0,0 0 0,0 0 0,0 0 0,0 0 0,-1 1 0,1-1 0,0 0 0,0 0 0,0 0 0,0 0 0,0 0 0,0 0 0,0 0 0,0 1 0,0-1 0,0 0 0,-1 0 0,1 0 0,0 0 0,0 0 0,0 0 0,0 0 0,0 0 0,0 0 0,-1 0 0,1 0 0,0 0 0,0 0 0,0 0 0,0 0 0,0 0 0,-1 0 0,1 0 0,0 0 0,0 0 0,0 0 0,0 0 0,0 0 0,-1 0 0,1 0 0,0 0 0,0 0 0,0 0 0,0 0 0,0 0 0,0 0 0,-1 0 0,1 0 0,0-1 0,0 1 0,0 0 0,0 0 0,0 0 0,0 0 0,0 0 0,1 6-6805</inkml:trace>
+</inkml:ink>
+</file>
+
+<file path=ppt/ink/ink123.xml><?xml version="1.0" encoding="utf-8"?>
+<inkml:ink xmlns:inkml="http://www.w3.org/2003/InkML">
+  <inkml:definitions>
+    <inkml:context xml:id="ctx0">
+      <inkml:inkSource xml:id="inkSrc0">
+        <inkml:traceFormat>
+          <inkml:channel name="X" type="integer" min="-2.14748E9" max="2.14748E9" units="cm"/>
+          <inkml:channel name="Y" type="integer" min="-2.14748E9" max="2.14748E9" units="cm"/>
+          <inkml:channel name="F" type="integer" max="32767" units="dev"/>
+        </inkml:traceFormat>
+        <inkml:channelProperties>
+          <inkml:channelProperty channel="X" name="resolution" value="1000" units="1/cm"/>
+          <inkml:channelProperty channel="Y" name="resolution" value="1000" units="1/cm"/>
+          <inkml:channelProperty channel="F" name="resolution" value="0" units="1/dev"/>
+        </inkml:channelProperties>
+      </inkml:inkSource>
+      <inkml:timestamp xml:id="ts0" timeString="2025-03-10T19:10:27.866"/>
+    </inkml:context>
+    <inkml:brush xml:id="br0">
+      <inkml:brushProperty name="width" value="0.035" units="cm"/>
+      <inkml:brushProperty name="height" value="0.035" units="cm"/>
+      <inkml:brushProperty name="color" value="#008C3A"/>
+    </inkml:brush>
+  </inkml:definitions>
+  <inkml:trace contextRef="#ctx0" brushRef="#br0">36 16 24575,'25'7'0,"-26"-7"0,1 0 0,0 0 0,-1 0 0,1 0 0,0 0 0,-1 0 0,1 0 0,0 0 0,-1 0 0,1 0 0,0 0 0,-1 1 0,1-1 0,0 0 0,0 0 0,-1 0 0,1 0 0,0 0 0,-1 1 0,1-1 0,0 0 0,0 0 0,-1 0 0,1 1 0,0-1 0,0 0 0,0 1 0,-1-1 0,1 0 0,0 0 0,0 1 0,0-1 0,0 0 0,0 1 0,0-1 0,-1 0 0,1 1 0,0-1 0,0 0 0,0 1 0,0-1 0,0 0 0,0 1 0,0-1 0,0 0 0,1 1 0,-1-1 0,0 0 0,0 0 0,0 1 0,0-1 0,0 0 0,0 1 0,1-1 0,-1 0 0,0 0 0,0 1 0,0-1 0,1 0 0,-1 0 0,0 1 0,0-1 0,1 0 0,-1 0 0,0 0 0,1 1 0,-1-1 0,-1 0 0,0 0 0,0 1 0,0-1 0,0 0 0,0 0 0,0 0 0,0 0 0,-1 0 0,1 0 0,0-1 0,0 1 0,0 0 0,0-1 0,0 1 0,0 0 0,0-1 0,0 1 0,0-1 0,0 1 0,0-1 0,0 0 0,0 1 0,1-1 0,-1 0 0,0 0 0,0 0 0,1 0 0,-2-1 0,2 2 0,0-1 0,-1 0 0,1 1 0,0-1 0,0 1 0,-1-1 0,1 0 0,0 1 0,0-1 0,0 0 0,0 1 0,0-1 0,0 0 0,0 1 0,0-1 0,0 0 0,0 1 0,0-1 0,1 0 0,-1 1 0,0-1 0,0 1 0,1-1 0,-1 0 0,0 1 0,1-1 0,-1 1 0,0-1 0,1 1 0,-1-1 0,1 1 0,-1-1 0,1 1 0,-1-1 0,1 1 0,-1 0 0,1-1 0,0 1 0,-1 0 0,1 0 0,0-1 0,-1 1 0,1 0 0,-1 0 0,2 0 0,0-1 0,-1 1 0,0-1 0,1 1 0,-1 0 0,1-1 0,-1 1 0,1 0 0,-1 0 0,0 0 0,1 0 0,-1 0 0,1 1 0,-1-1 0,1 0 0,-1 1 0,0-1 0,1 1 0,-1-1 0,0 1 0,1 0 0,0 0 0,-1 1 0,1-1 0,-1 1 0,0 0 0,0-1 0,0 1 0,0 0 0,0 0 0,-1 0 0,1 0 0,0 0 0,-1 0 0,1 0 0,-1 0 0,0 0 0,0 3 0,0-3 0,0 0 0,0 0 0,0 0 0,-1 0 0,1-1 0,0 1 0,-1 0 0,1 0 0,-1 0 0,0-1 0,0 1 0,0 0 0,0-1 0,0 1 0,0 0 0,0-1 0,0 0 0,-1 1 0,1-1 0,-1 0 0,1 1 0,-1-1 0,1 0 0,-1 0 0,1 0 0,-1 0 0,0-1 0,0 1 0,0 0 0,1-1 0,-1 1 0,0-1 0,0 0 0,0 0 0,0 1 0,0-1 0,0 0 0,1-1 0,-1 1 0,0 0 0,0-1 0,0 1 0,0-1 0,0 1 0,1-1 0,-1 0 0,0 1 0,0-1 0,1 0 0,-1 0 0,1-1 0,-1 1 0,1 0 0,-1 0 0,1-1 0,0 1 0,-2-2 0,3 1 0,-1 0 0,1 0 0,-1-1 0,1 1 0,0 0 0,0 0 0,0 0 0,0 0 0,0 0 0,0 0 0,1 0 0,-1 0 0,1 0 0,-1 0 0,1 0 0,0 0 0,0 0 0,-1 0 0,2 0 0,1-3 0,-3 5 0,0-1 0,1 0 0,-1 0 0,0 0 0,1 0 0,-1 0 0,1 0 0,0 0 0,-1 1 0,1-1 0,0 0 0,-1 0 0,1 1 0,0-1 0,0 0 0,-1 1 0,1-1 0,0 1 0,0-1 0,0 1 0,0 0 0,0-1 0,0 1 0,0 0 0,0 0 0,0-1 0,0 1 0,0 0 0,0 0 0,0 0 0,0 0 0,0 0 0,0 0 0,0 1 0,0-1 0,0 0 0,0 1 0,0-1 0,0 0 0,1 1 0,2 7-1365,-4 1-5461</inkml:trace>
+</inkml:ink>
+</file>
+
+<file path=ppt/ink/ink124.xml><?xml version="1.0" encoding="utf-8"?>
+<inkml:ink xmlns:inkml="http://www.w3.org/2003/InkML">
+  <inkml:definitions>
+    <inkml:context xml:id="ctx0">
+      <inkml:inkSource xml:id="inkSrc0">
+        <inkml:traceFormat>
+          <inkml:channel name="X" type="integer" min="-2.14748E9" max="2.14748E9" units="cm"/>
+          <inkml:channel name="Y" type="integer" min="-2.14748E9" max="2.14748E9" units="cm"/>
+          <inkml:channel name="F" type="integer" max="32767" units="dev"/>
+        </inkml:traceFormat>
+        <inkml:channelProperties>
+          <inkml:channelProperty channel="X" name="resolution" value="1000" units="1/cm"/>
+          <inkml:channelProperty channel="Y" name="resolution" value="1000" units="1/cm"/>
+          <inkml:channelProperty channel="F" name="resolution" value="0" units="1/dev"/>
+        </inkml:channelProperties>
+      </inkml:inkSource>
+      <inkml:timestamp xml:id="ts0" timeString="2025-03-10T19:10:29.911"/>
+    </inkml:context>
+    <inkml:brush xml:id="br0">
+      <inkml:brushProperty name="width" value="0.035" units="cm"/>
+      <inkml:brushProperty name="height" value="0.035" units="cm"/>
+      <inkml:brushProperty name="color" value="#008C3A"/>
+    </inkml:brush>
+  </inkml:definitions>
+  <inkml:trace contextRef="#ctx0" brushRef="#br0">122 89 24575,'-10'-28'0,"9"27"0,1 0 0,0 0 0,-1 0 0,1 1 0,-1-1 0,1 0 0,-1 0 0,0 0 0,1 1 0,-1-1 0,0 0 0,1 1 0,-1-1 0,0 0 0,0 1 0,0-1 0,1 1 0,-1-1 0,0 1 0,0 0 0,0-1 0,0 1 0,0 0 0,-1-1 0,-7 4 0,-12 5 0,21-8 0,0 0 0,0 0 0,0-1 0,0 1 0,-1 0 0,1 0 0,0 0 0,0 0 0,0 0 0,0 0 0,-1 0 0,1 0 0,0 0 0,0 1 0,0-1 0,0 0 0,-1 0 0,1 0 0,0 0 0,0 0 0,0 0 0,0 0 0,0 0 0,-1 0 0,1 0 0,0 1 0,0-1 0,0 0 0,0 0 0,0 0 0,0 0 0,-1 0 0,1 1 0,0-1 0,0 0 0,0 0 0,0 0 0,0 0 0,0 1 0,0-1 0,0 0 0,0 0 0,0 0 0,0 0 0,0 1 0,0-1 0,0 0 0,0 0 0,0 0 0,0 1 0,0-1 0,0 0 0,0 0 0,0 0 0,0 0 0,1 0 0,-1 1 0,0-1 0,0 0 0,0 0 0,0 0 0,0 0 0,0 0 0,0 1 0,1-1 0,-1 0 0,12 9 0,-17-2 0,3-7 0,0 1 0,0-1 0,0 0 0,0 1 0,0-1 0,0 0 0,0 0 0,0 0 0,0-1 0,0 1 0,0 0 0,0-1 0,-2 0 0,1-1 0,0 1 0,1-1 0,-1 0 0,1 0 0,0 0 0,-1 0 0,1 0 0,0-1 0,0 1 0,1-1 0,-3-3 0,3 4 0,0 1 0,0 0 0,1 0 0,-1-1 0,0 1 0,1-1 0,-1 1 0,1-1 0,0 1 0,-1-1 0,1 1 0,0-1 0,0 1 0,0-1 0,0 1 0,0-1 0,0 1 0,1-1 0,-1 1 0,0 0 0,1-1 0,-1 1 0,1-1 0,0-1 0,-1 3 0,0 0 0,0 0 0,0 0 0,0 1 0,0-1 0,1 0 0,-1 0 0,0 0 0,0 0 0,0 0 0,0 0 0,0 0 0,0 0 0,0 0 0,0 0 0,0 0 0,0 1 0,0-1 0,0 0 0,0 0 0,0 0 0,0 0 0,0 0 0,1 0 0,-1 0 0,0 0 0,0 0 0,0 0 0,0 0 0,0 0 0,0 0 0,0 0 0,0 0 0,0 0 0,1 0 0,-1 0 0,0 0 0,0 0 0,0 0 0,0 0 0,0 0 0,0 0 0,0 0 0,0 0 0,0 0 0,1 0 0,-1 0 0,0 0 0,0 0 0,-1 0 0,1-1 0,0 1 0,0 0 0,0 0 0,0 0 0,0 0 0,0 0 0,0 0 0,0 0 0,0 0 0,0 0 0,0 0 0,0 0 0,-1 0 0,1 0 0,0 0 0,0 0 0,0 0 0,0 0 0,0 0 0,0 0 0,0 0 0,0 0 0,0 0 0,-1 0 0,1 0 0,0 0 0,0 0 0,0 0 0,0 0 0,0 0 0,0 0 0,0 0 0,0 0 0,-1 0 0,1-1 0,0 1 0,0 0 0,0-1 0,0 1 0,0-1 0,0 1 0,0 0 0,0-1 0,0 1 0,0 0 0,0-1 0,1 1 0,-1-1 0,0 1 0,0 0 0,0-1 0,0 1 0,1 0 0,-1-1 0,0 1 0,0 0 0,0-1 0,1 1 0,-1 0 0,0 0 0,1-1 0,-1 1 0,0 0 0,1 0 0,-1-1 0,0 1 0,1 0 0,-1 0 0,0 0 0,1 0 0,-1 0 0,1 0 0,-1-1 0,0 1 0,1 0 0,-1 0 0,1 0 0,-1 0 0,0 0 0,1 1 0,-1-1 0,1 0 0,-1 0 0,0 0 0,1 0 0,-1 0 0,0 0 0,1 1 0,1-1 0,-1 1 0,0-1 0,0 1 0,0-1 0,0 1 0,0 0 0,1-1 0,-1 1 0,0 0 0,0 0 0,-1 0 0,1 0 0,0 0 0,0 0 0,0 0 0,-1 0 0,1 0 0,0 1 0,0 14 0,-7-16 0,6 0 0,-1-1 0,1 1 0,0-1 0,-1 1 0,1-1 0,0 1 0,-1-1 0,1 1 0,0-1 0,0 1 0,-1-1 0,1 1 0,0-1 0,0 1 0,0-1 0,0 0 0,0 1 0,0-1 0,0 1 0,0-1 0,0 0 0,0 1 0,0-1 0,0 1 0,0-1 0,0 1 0,1-1 0,-1 0 0,0 1 0,0-1 0,1 1 0,-1-1 0,0 1 0,1-1 0,-1 1 0,1 0 0,-1-1 0,1 0 0,-2 4 0,-3 4 0,-10-14 0,7-1-1365,1 1-5461</inkml:trace>
+</inkml:ink>
+</file>
+
+<file path=ppt/ink/ink125.xml><?xml version="1.0" encoding="utf-8"?>
+<inkml:ink xmlns:inkml="http://www.w3.org/2003/InkML">
+  <inkml:definitions>
+    <inkml:context xml:id="ctx0">
+      <inkml:inkSource xml:id="inkSrc0">
+        <inkml:traceFormat>
+          <inkml:channel name="X" type="integer" min="-2.14748E9" max="2.14748E9" units="cm"/>
+          <inkml:channel name="Y" type="integer" min="-2.14748E9" max="2.14748E9" units="cm"/>
+          <inkml:channel name="F" type="integer" max="32767" units="dev"/>
+        </inkml:traceFormat>
+        <inkml:channelProperties>
+          <inkml:channelProperty channel="X" name="resolution" value="1000" units="1/cm"/>
+          <inkml:channelProperty channel="Y" name="resolution" value="1000" units="1/cm"/>
+          <inkml:channelProperty channel="F" name="resolution" value="0" units="1/dev"/>
+        </inkml:channelProperties>
+      </inkml:inkSource>
+      <inkml:timestamp xml:id="ts0" timeString="2025-03-10T19:10:31.717"/>
+    </inkml:context>
+    <inkml:brush xml:id="br0">
+      <inkml:brushProperty name="width" value="0.035" units="cm"/>
+      <inkml:brushProperty name="height" value="0.035" units="cm"/>
+      <inkml:brushProperty name="color" value="#008C3A"/>
+    </inkml:brush>
+  </inkml:definitions>
+  <inkml:trace contextRef="#ctx0" brushRef="#br0">133 38 24575,'0'4'0,"-4"2"0,-6 0 0,-1-6 0,1-7 0,-2-2 0,-3 0 0,-3 2 0,1-2 0,8 0 0,5 6 0,4 8 0,-3 3 0,0-4 0,-5-3 0,0-2-8191</inkml:trace>
+</inkml:ink>
+</file>
+
+<file path=ppt/ink/ink126.xml><?xml version="1.0" encoding="utf-8"?>
+<inkml:ink xmlns:inkml="http://www.w3.org/2003/InkML">
+  <inkml:definitions>
+    <inkml:context xml:id="ctx0">
+      <inkml:inkSource xml:id="inkSrc0">
+        <inkml:traceFormat>
+          <inkml:channel name="X" type="integer" min="-2.14748E9" max="2.14748E9" units="cm"/>
+          <inkml:channel name="Y" type="integer" min="-2.14748E9" max="2.14748E9" units="cm"/>
+          <inkml:channel name="F" type="integer" max="32767" units="dev"/>
+        </inkml:traceFormat>
+        <inkml:channelProperties>
+          <inkml:channelProperty channel="X" name="resolution" value="1000" units="1/cm"/>
+          <inkml:channelProperty channel="Y" name="resolution" value="1000" units="1/cm"/>
+          <inkml:channelProperty channel="F" name="resolution" value="0" units="1/dev"/>
+        </inkml:channelProperties>
+      </inkml:inkSource>
+      <inkml:timestamp xml:id="ts0" timeString="2025-03-10T19:10:32.846"/>
+    </inkml:context>
+    <inkml:brush xml:id="br0">
+      <inkml:brushProperty name="width" value="0.035" units="cm"/>
+      <inkml:brushProperty name="height" value="0.035" units="cm"/>
+      <inkml:brushProperty name="color" value="#008C3A"/>
+    </inkml:brush>
+  </inkml:definitions>
+  <inkml:trace contextRef="#ctx0" brushRef="#br0">0 1 24575,'5'0'0,"0"4"0,5 1 0,0 5 0,2 0 0,0 3 0,2-1 0,-2 2 0,2-2 0,3-3 0,-2 2 0,1-1 0,-2-3-8191</inkml:trace>
+</inkml:ink>
+</file>
+
+<file path=ppt/ink/ink127.xml><?xml version="1.0" encoding="utf-8"?>
+<inkml:ink xmlns:inkml="http://www.w3.org/2003/InkML">
+  <inkml:definitions>
+    <inkml:context xml:id="ctx0">
+      <inkml:inkSource xml:id="inkSrc0">
+        <inkml:traceFormat>
+          <inkml:channel name="X" type="integer" min="-2.14748E9" max="2.14748E9" units="cm"/>
+          <inkml:channel name="Y" type="integer" min="-2.14748E9" max="2.14748E9" units="cm"/>
+          <inkml:channel name="F" type="integer" max="32767" units="dev"/>
+        </inkml:traceFormat>
+        <inkml:channelProperties>
+          <inkml:channelProperty channel="X" name="resolution" value="1000" units="1/cm"/>
+          <inkml:channelProperty channel="Y" name="resolution" value="1000" units="1/cm"/>
+          <inkml:channelProperty channel="F" name="resolution" value="0" units="1/dev"/>
+        </inkml:channelProperties>
+      </inkml:inkSource>
+      <inkml:timestamp xml:id="ts0" timeString="2025-03-10T19:10:34.014"/>
+    </inkml:context>
+    <inkml:brush xml:id="br0">
+      <inkml:brushProperty name="width" value="0.035" units="cm"/>
+      <inkml:brushProperty name="height" value="0.035" units="cm"/>
+      <inkml:brushProperty name="color" value="#008C3A"/>
+    </inkml:brush>
+  </inkml:definitions>
+  <inkml:trace contextRef="#ctx0" brushRef="#br0">184 0 24575,'-5'0'0,"0"4"0,-5 2 0,-4-1 0,0 4 0,-2-1 0,1 4 0,0-1 0,2 2 0,-1-1 0,2 2 0,-2-2 0,3 2 0,-3-2 0,3-3-8191</inkml:trace>
+</inkml:ink>
+</file>
+
+<file path=ppt/ink/ink128.xml><?xml version="1.0" encoding="utf-8"?>
+<inkml:ink xmlns:inkml="http://www.w3.org/2003/InkML">
+  <inkml:definitions>
+    <inkml:context xml:id="ctx0">
+      <inkml:inkSource xml:id="inkSrc0">
+        <inkml:traceFormat>
+          <inkml:channel name="X" type="integer" min="-2.14748E9" max="2.14748E9" units="cm"/>
+          <inkml:channel name="Y" type="integer" min="-2.14748E9" max="2.14748E9" units="cm"/>
+          <inkml:channel name="F" type="integer" max="32767" units="dev"/>
+        </inkml:traceFormat>
+        <inkml:channelProperties>
+          <inkml:channelProperty channel="X" name="resolution" value="1000" units="1/cm"/>
+          <inkml:channelProperty channel="Y" name="resolution" value="1000" units="1/cm"/>
+          <inkml:channelProperty channel="F" name="resolution" value="0" units="1/dev"/>
+        </inkml:channelProperties>
+      </inkml:inkSource>
+      <inkml:timestamp xml:id="ts0" timeString="2025-03-10T19:11:50.145"/>
+    </inkml:context>
+    <inkml:brush xml:id="br0">
+      <inkml:brushProperty name="width" value="0.035" units="cm"/>
+      <inkml:brushProperty name="height" value="0.035" units="cm"/>
+      <inkml:brushProperty name="color" value="#008C3A"/>
+    </inkml:brush>
+  </inkml:definitions>
+  <inkml:trace contextRef="#ctx0" brushRef="#br0">185 147 24575,'-3'1'0,"1"-1"0,0 1 0,1-1 0,-1 1 0,0 0 0,0 0 0,0 0 0,0 0 0,0 0 0,1 0 0,-1 0 0,0 0 0,1 1 0,-1-1 0,1 1 0,0-1 0,-1 1 0,1-1 0,0 1 0,0 0 0,0 0 0,0-1 0,0 1 0,1 0 0,-1 0 0,0 4 0,-10 54 0,10-52 0,-1 6 0,1 0 0,1 0 0,0 1 0,1-1 0,1 0 0,3 15 0,-5-29 0,0 1 0,-1-1 0,1 0 0,0 1 0,0-1 0,0 0 0,0 0 0,0 1 0,0-1 0,0 0 0,0 1 0,0-1 0,0 0 0,0 1 0,1-1 0,-1 0 0,0 0 0,0 1 0,0-1 0,0 0 0,0 0 0,0 1 0,1-1 0,-1 0 0,0 0 0,0 1 0,0-1 0,1 0 0,-1 0 0,0 0 0,0 1 0,1-1 0,-1 0 0,0 0 0,0 0 0,1 0 0,-1 0 0,0 0 0,1 0 0,-1 1 0,0-1 0,0 0 0,1 0 0,-1 0 0,0 0 0,1 0 0,-1 0 0,0 0 0,0 0 0,1-1 0,-1 1 0,0 0 0,1 0 0,6-21 0,-1-29 0,-5 35 0,-1-1 0,0 1 0,-1-1 0,-1 1 0,-1 0 0,0-1 0,-1 1 0,0 1 0,-1-1 0,-1 1 0,0-1 0,-1 2 0,-13-20 0,19 31 0,-1 0 0,1 0 0,-1 0 0,1 1 0,-1-1 0,0 0 0,1 1 0,-1-1 0,0 1 0,0 0 0,0 0 0,-4-2 0,5 3 0,0-1 0,0 1 0,0 0 0,1 0 0,-1 0 0,0 0 0,0 0 0,0 0 0,0 0 0,0 0 0,0 0 0,0 1 0,0-1 0,0 0 0,1 1 0,-1-1 0,0 0 0,0 1 0,0-1 0,0 1 0,1-1 0,-2 2 0,0 1 0,-1 0 0,1 0 0,0 0 0,0 0 0,1 0 0,-1 1 0,1-1 0,-1 0 0,1 1 0,0 0 0,0-1 0,1 1 0,-1-1 0,1 5 0,-3 54 0,8 109 0,-5-167 0,0-1 0,1 1 0,-1-1 0,1 0 0,0 0 0,0 1 0,0-1 0,0 0 0,1 0 0,-1 0 0,1 0 0,0 0 0,-1 0 0,1-1 0,1 1 0,-1-1 0,0 1 0,1-1 0,-1 0 0,1 0 0,0 0 0,-1 0 0,1 0 0,0 0 0,0-1 0,0 0 0,0 1 0,1-1 0,-1 0 0,0-1 0,0 1 0,1-1 0,-1 1 0,0-1 0,1 0 0,-1 0 0,1 0 0,-1-1 0,0 1 0,1-1 0,-1 0 0,0 0 0,0 0 0,0 0 0,0 0 0,0-1 0,0 0 0,0 1 0,0-1 0,4-3 0,-2-3 0,1 0 0,-1 0 0,-1 0 0,1 0 0,-1-1 0,-1 1 0,1-1 0,-2 0 0,1 0 0,-1-1 0,0 1 0,0-10 0,9-33 0,-8 38 0,0 1 0,0 0 0,-1-1 0,0-14 0,-2 25 0,0-1 0,-1 1 0,1 0 0,0 0 0,-1 0 0,0 0 0,0 0 0,0 0 0,0 0 0,-3-5 0,4 7 0,-1 0 0,0 0 0,0 0 0,0 0 0,0 0 0,0 0 0,0 1 0,0-1 0,0 0 0,0 1 0,0-1 0,-1 1 0,1-1 0,0 1 0,0 0 0,-1-1 0,1 1 0,0 0 0,0 0 0,-1 0 0,1 0 0,0 0 0,-1 0 0,1 0 0,0 0 0,0 0 0,-2 1 0,1 0 0,-1 1 0,0-1 0,1 0 0,0 1 0,-1 0 0,1 0 0,0-1 0,0 1 0,0 0 0,0 1 0,0-1 0,1 0 0,-1 0 0,1 1 0,-1-1 0,1 1 0,0 0 0,-1 2 0,-15 52 0,-1 103 0,17-156 0,1-1 0,-1 1 0,1-1 0,0 0 0,0 1 0,1-1 0,-1 1 0,1-1 0,-1 0 0,1 1 0,2 4 0,-2-7 0,-1 0 0,1 0 0,-1-1 0,1 1 0,-1 0 0,1 0 0,-1-1 0,1 1 0,0-1 0,-1 1 0,1 0 0,0-1 0,-1 1 0,1-1 0,0 0 0,0 1 0,0-1 0,-1 1 0,1-1 0,0 0 0,0 0 0,0 0 0,0 1 0,0-1 0,0 0 0,-1 0 0,1 0 0,0 0 0,0 0 0,0-1 0,0 1 0,0 0 0,0 0 0,-1-1 0,1 1 0,0 0 0,0-1 0,0 1 0,-1-1 0,1 1 0,0-1 0,0 1 0,-1-1 0,1 1 0,0-1 0,-1 0 0,1 1 0,-1-1 0,1-1 0,5-6 0,0 0 0,-1 0 0,0-1 0,0 0 0,-1 1 0,0-2 0,-1 1 0,0 0 0,0-1 0,-1 1 0,2-18 0,7-23 0,-6 32 0,-1 0 0,0 0 0,0-27 0,-3 39 0,-1 1 0,0-1 0,0 0 0,0 0 0,-1 1 0,0-1 0,0 0 0,0 1 0,-1-1 0,0 1 0,0 0 0,0-1 0,-1 1 0,1 0 0,-5-5 0,6 9 0,0-1 0,0 1 0,0 0 0,0 0 0,0 0 0,0 0 0,-1 0 0,1 0 0,0 0 0,0 0 0,-1 1 0,1-1 0,-1 1 0,1-1 0,0 0 0,-1 1 0,1 0 0,-1-1 0,1 1 0,-1 0 0,1 0 0,-1 0 0,0 0 0,1 0 0,-1 0 0,1 1 0,-2-1 0,0 2 0,0-1 0,1 1 0,-1 0 0,1 0 0,-1 0 0,1 0 0,0 0 0,0 0 0,0 1 0,0-1 0,0 1 0,-2 4 0,-2 5 0,1 0 0,0 0 0,0 1 0,1-1 0,-3 20 0,-2 76 0,9-96 0,0-1 0,1 1 0,0 0 0,1-1 0,0 1 0,1-1 0,5 13 0,-7-21 0,1 0 0,-1 0 0,1-1 0,0 1 0,0-1 0,0 1 0,1-1 0,-1 0 0,0 0 0,1 0 0,-1 0 0,1 0 0,0-1 0,0 1 0,0-1 0,0 1 0,0-1 0,0 0 0,0 0 0,0-1 0,0 1 0,0-1 0,0 1 0,0-1 0,1 0 0,-1 0 0,0-1 0,0 1 0,0 0 0,0-1 0,0 0 0,5-1 0,-2 0 0,1 0 0,-1 0 0,1-1 0,-1 0 0,0 0 0,0 0 0,0-1 0,-1 0 0,1 0 0,-1-1 0,0 1 0,0-1 0,0 0 0,4-7 0,-4 3 0,0 0 0,0 0 0,-1-1 0,0 0 0,-1 0 0,0 0 0,-1 0 0,0 0 0,0-1 0,-1 1 0,-1-1 0,1 1 0,-2-1 0,1 1 0,-2-1 0,1 1 0,-1 0 0,-6-17 0,6 25 0,1-1 0,-1 1 0,1-1 0,-1 1 0,0 0 0,0-1 0,0 1 0,0 0 0,0 0 0,0 1 0,-1-1 0,1 0 0,-1 1 0,1 0 0,-1-1 0,0 1 0,0 0 0,1 0 0,-1 0 0,0 1 0,0-1 0,0 1 0,0 0 0,0-1 0,0 1 0,1 1 0,-1-1 0,-4 1 0,4-1 0,0 1 0,-1-1 0,1 1 0,0 0 0,0 0 0,0 1 0,0-1 0,0 1 0,0-1 0,0 1 0,0 0 0,0 0 0,1 0 0,-1 1 0,1-1 0,0 0 0,-1 1 0,1 0 0,0-1 0,1 1 0,-1 0 0,0 0 0,1 0 0,-2 4 0,-9 70 0,5-19 0,4-41 0,0 0 0,0 35 0,2-49 0,1 0 0,0 1 0,0-1 0,1 0 0,-1 0 0,1 0 0,-1 1 0,1-1 0,0 0 0,0 0 0,1 0 0,-1 0 0,1 0 0,-1 0 0,1-1 0,0 1 0,0 0 0,0-1 0,0 1 0,1-1 0,-1 0 0,1 0 0,3 3 0,-5-5 0,1 1 0,-1-1 0,1 0 0,0 1 0,-1-1 0,1 0 0,0 0 0,-1 0 0,1 0 0,-1 0 0,1-1 0,0 1 0,-1 0 0,1-1 0,-1 1 0,1-1 0,-1 0 0,1 1 0,-1-1 0,1 0 0,-1 0 0,0 0 0,1 0 0,-1 0 0,0 0 0,0 0 0,0 0 0,0-1 0,0 1 0,0 0 0,0-1 0,0 1 0,-1-1 0,1 1 0,0-1 0,0-2 0,3-4 0,-1 0 0,0 0 0,-1 0 0,0-1 0,2-13 0,-2 5 0,-1-1 0,-1 1 0,0 0 0,-2-1 0,1 1 0,-2 0 0,-8-27 0,7 31 0,-2 0 0,0 0 0,0 1 0,-1 0 0,-1 0 0,0 0 0,0 1 0,-1 1 0,-19-19 0,22 24 0,0-1 0,-1 1 0,1 0 0,-1 1 0,0 0 0,0 0 0,0 0 0,-16-5 0,21 9 0,0-1 0,-1 1 0,1-1 0,0 1 0,0 0 0,-1 0 0,1 0 0,0 0 0,-1 1 0,1-1 0,0 1 0,0-1 0,0 1 0,-1 0 0,1-1 0,0 1 0,0 0 0,0 1 0,0-1 0,0 0 0,1 1 0,-1-1 0,0 1 0,1-1 0,-1 1 0,1 0 0,-1-1 0,1 1 0,0 0 0,-1 0 0,1 0 0,0 0 0,1 0 0,-1 0 0,0 1 0,0 2 0,-4 17 0,2 1 0,0-1 0,1 1 0,2 0 0,0 0 0,2-1 0,4 26 0,-6-44 0,1 1 0,0-1 0,0 1 0,1-1 0,-1 1 0,1-1 0,0 0 0,0 0 0,1 0 0,-1 0 0,1 0 0,0-1 0,0 1 0,0-1 0,0 1 0,1-1 0,-1 0 0,1 0 0,0-1 0,0 1 0,0-1 0,0 0 0,0 0 0,0 0 0,1-1 0,6 2 0,-8-2 0,1-1 0,-1 1 0,0-1 0,0 0 0,1 0 0,-1 0 0,0 0 0,0-1 0,0 0 0,1 1 0,-1-1 0,0 0 0,0 0 0,0-1 0,0 1 0,0-1 0,-1 1 0,1-1 0,0 0 0,-1 0 0,1 0 0,-1 0 0,0-1 0,0 1 0,0-1 0,0 1 0,0-1 0,0 0 0,-1 0 0,1 0 0,-1 1 0,0-1 0,0-1 0,0 1 0,0 0 0,0 0 0,0-6 0,2-10 0,-1 1 0,0-1 0,-1 1 0,-2-1 0,-3-30 0,3 42 0,0 0 0,0 0 0,-1 1 0,0-1 0,0 1 0,-1-1 0,0 1 0,0 0 0,0 0 0,-1 0 0,0 0 0,0 1 0,0 0 0,-1-1 0,1 1 0,-2 1 0,1-1 0,-8-4 0,13 8 0,-1 1 0,0 0 0,0-1 0,0 1 0,1 0 0,-1-1 0,0 1 0,0 0 0,0 0 0,0 0 0,0 0 0,1 0 0,-1 0 0,0 0 0,0 0 0,0 0 0,0 0 0,0 0 0,1 1 0,-1-1 0,0 0 0,0 1 0,0-1 0,0 0 0,1 1 0,-1-1 0,0 1 0,1-1 0,-1 1 0,0 0 0,1-1 0,-1 1 0,1 0 0,-1-1 0,1 1 0,-1 0 0,1 0 0,-1-1 0,1 1 0,0 0 0,-1 0 0,1 0 0,0 0 0,0-1 0,0 1 0,0 0 0,-1 0 0,1 0 0,1 2 0,-6 50 0,5-49 0,-1 36 0,-1-23 0,1-1 0,1 1 0,1-1 0,0 1 0,1-1 0,1 1 0,8 26 0,-11-41 0,1 0 0,0 0 0,0 0 0,0 0 0,1 0 0,-1 0 0,0 0 0,1 0 0,-1 0 0,1 0 0,0-1 0,0 1 0,-1-1 0,1 1 0,0-1 0,0 0 0,0 0 0,0 0 0,1 0 0,-1 0 0,0 0 0,0 0 0,1-1 0,-1 1 0,0-1 0,1 0 0,-1 0 0,0 0 0,1 0 0,-1 0 0,0 0 0,1 0 0,-1-1 0,0 1 0,1-1 0,-1 0 0,0 0 0,4-2 0,-2 1 0,0 0 0,1-1 0,-1 1 0,0-1 0,-1 0 0,1-1 0,-1 1 0,1 0 0,-1-1 0,0 0 0,0 0 0,-1 0 0,1 0 0,-1 0 0,0-1 0,0 1 0,0-1 0,1-5 0,0-9 0,-1 1 0,0-1 0,-2-30 0,-1 41 0,1 0 0,-1 0 0,-1 0 0,0 0 0,0 0 0,0 1 0,-1-1 0,0 0 0,0 1 0,-8-12 0,10 17 0,1 1 0,-1 0 0,0 0 0,0 0 0,1 0 0,-1 0 0,0 1 0,0-1 0,0 0 0,0 0 0,0 1 0,0-1 0,0 0 0,0 1 0,0-1 0,-1 1 0,1-1 0,0 1 0,0 0 0,0-1 0,-1 1 0,1 0 0,0 0 0,0 0 0,-3 0 0,2 1 0,0 0 0,1-1 0,-1 1 0,1 0 0,-1 1 0,0-1 0,1 0 0,0 0 0,-1 0 0,1 1 0,0-1 0,0 1 0,0-1 0,0 1 0,-1 2 0,-2 3 0,0 1 0,0 0 0,1 0 0,1 0 0,-1 1 0,-1 12 0,1 15 0,1 47 0,2-74 0,0 0 0,1 0 0,1 0 0,-1 0 0,1 0 0,1 0 0,0 0 0,0 0 0,0-1 0,9 14 0,-12-22-21,0 1 0,0-1-1,0 0 1,1 1 0,-1-1-1,0 1 1,0-1 0,1 0-1,-1 1 1,0-1 0,1 0-1,-1 1 1,1-1 0,-1 0-1,0 0 1,1 1 0,-1-1-1,1 0 1,-1 0 0,1 0-1,-1 1 1,0-1 0,1 0-1,-1 0 1,1 0 0,-1 0-1,1 0 1,-1 0 0,1 0-1,-1 0 1,1 0 0,-1 0-1,1 0 1,-1-1 0,1 1-1,-1 0 1,0 0 0,1 0-1,-1-1 1,1 1 0,-1 0-1,0 0 1,1-1 0,-1 1-1,0 0 1,1-1 0,-1 1-1,0 0 1,1-1 0,-1 1-1,0-1 1,0 1 0,1 0-1,-1-1 1,0 1 0,0-1-1,0 1 1,0-1 0,1 1-1,-1-1 1,0 1 0,0 0-1,0-2 1,3-11-6805</inkml:trace>
+</inkml:ink>
+</file>
+
+<file path=ppt/ink/ink129.xml><?xml version="1.0" encoding="utf-8"?>
+<inkml:ink xmlns:inkml="http://www.w3.org/2003/InkML">
+  <inkml:definitions>
+    <inkml:context xml:id="ctx0">
+      <inkml:inkSource xml:id="inkSrc0">
+        <inkml:traceFormat>
+          <inkml:channel name="X" type="integer" min="-2.14748E9" max="2.14748E9" units="cm"/>
+          <inkml:channel name="Y" type="integer" min="-2.14748E9" max="2.14748E9" units="cm"/>
+          <inkml:channel name="F" type="integer" max="32767" units="dev"/>
+        </inkml:traceFormat>
+        <inkml:channelProperties>
+          <inkml:channelProperty channel="X" name="resolution" value="1000" units="1/cm"/>
+          <inkml:channelProperty channel="Y" name="resolution" value="1000" units="1/cm"/>
+          <inkml:channelProperty channel="F" name="resolution" value="0" units="1/dev"/>
+        </inkml:channelProperties>
+      </inkml:inkSource>
+      <inkml:timestamp xml:id="ts0" timeString="2025-03-10T19:11:52.550"/>
+    </inkml:context>
+    <inkml:brush xml:id="br0">
+      <inkml:brushProperty name="width" value="0.035" units="cm"/>
+      <inkml:brushProperty name="height" value="0.035" units="cm"/>
+      <inkml:brushProperty name="color" value="#008C3A"/>
+    </inkml:brush>
+  </inkml:definitions>
+  <inkml:trace contextRef="#ctx0" brushRef="#br0">1 1 24575,'30'0'0,"-1"1"0,1 1 0,40 10 0,-46-8 0,-1-1 0,37 0 0,-118-3 0,3-1 0,46 1 0,23 0 0,-66 0 0,37 0 0,43 0 0,182 0 0,-301 0 0,54 0 0,30 0 0,13 0 0,7 0 0,-8-1 0,0 1 0,-1 0 0,1 0 0,0 0 0,-1 1 0,1-1 0,-1 1 0,1 0 0,-1 0 0,1 1 0,8 3 0,-13-5 0,0 0 0,0 0 0,0 0 0,0 1 0,0-1 0,0 0 0,0 0 0,1 0 0,-1 0 0,0 0 0,0 0 0,0 0 0,0 0 0,0 1 0,0-1 0,0 0 0,0 0 0,0 0 0,0 0 0,0 0 0,0 1 0,0-1 0,0 0 0,0 0 0,0 0 0,0 0 0,0 0 0,0 0 0,0 1 0,0-1 0,0 0 0,0 0 0,0 0 0,0 0 0,0 0 0,0 0 0,0 1 0,0-1 0,-1 0 0,1 0 0,0 0 0,0 0 0,0 0 0,0 0 0,0 0 0,0 0 0,0 0 0,0 1 0,-1-1 0,1 0 0,0 0 0,0 0 0,0 0 0,0 0 0,0 0 0,-1 0 0,-13 4 0,-12 1 0,20-5 0,12 1 0,31-2 0,56-9 0,-38-2 0,-142 9 0,-93 3-1365</inkml:trace>
+</inkml:ink>
+</file>
+
 <file path=ppt/ink/ink13.xml><?xml version="1.0" encoding="utf-8"?>
 <inkml:ink xmlns:inkml="http://www.w3.org/2003/InkML">
   <inkml:definitions>
@@ -257,6 +1097,282 @@
 </inkml:ink>
 </file>
 
+<file path=ppt/ink/ink130.xml><?xml version="1.0" encoding="utf-8"?>
+<inkml:ink xmlns:inkml="http://www.w3.org/2003/InkML">
+  <inkml:definitions>
+    <inkml:context xml:id="ctx0">
+      <inkml:inkSource xml:id="inkSrc0">
+        <inkml:traceFormat>
+          <inkml:channel name="X" type="integer" min="-2.14748E9" max="2.14748E9" units="cm"/>
+          <inkml:channel name="Y" type="integer" min="-2.14748E9" max="2.14748E9" units="cm"/>
+          <inkml:channel name="F" type="integer" max="32767" units="dev"/>
+        </inkml:traceFormat>
+        <inkml:channelProperties>
+          <inkml:channelProperty channel="X" name="resolution" value="1000" units="1/cm"/>
+          <inkml:channelProperty channel="Y" name="resolution" value="1000" units="1/cm"/>
+          <inkml:channelProperty channel="F" name="resolution" value="0" units="1/dev"/>
+        </inkml:channelProperties>
+      </inkml:inkSource>
+      <inkml:timestamp xml:id="ts0" timeString="2025-03-10T19:11:55.037"/>
+    </inkml:context>
+    <inkml:brush xml:id="br0">
+      <inkml:brushProperty name="width" value="0.035" units="cm"/>
+      <inkml:brushProperty name="height" value="0.035" units="cm"/>
+      <inkml:brushProperty name="color" value="#008C3A"/>
+    </inkml:brush>
+  </inkml:definitions>
+  <inkml:trace contextRef="#ctx0" brushRef="#br0">1 152 24575,'0'-1'0,"1"-1"0,-1 1 0,1 0 0,0 0 0,-1 0 0,1 0 0,0 0 0,0 0 0,0 0 0,0 0 0,0 1 0,0-1 0,0 0 0,0 0 0,0 1 0,0-1 0,0 1 0,0-1 0,2 0 0,31-12 0,-25 9 0,14-2 0,-21 6 0,0 0 0,0-1 0,1 1 0,-1 0 0,0-1 0,0 0 0,0 1 0,0-1 0,0 0 0,1 0 0,-2 0 0,1 0 0,0-1 0,0 1 0,0-1 0,-1 1 0,1-1 0,0 1 0,-1-1 0,1 0 0,-1 0 0,0 0 0,2-3 0,-1-2 0,-2 7 0,0-1 0,1 1 0,-1-1 0,0 1 0,0-1 0,0 1 0,0-1 0,0 1 0,1-1 0,-1 1 0,0-1 0,0 0 0,0 1 0,0-1 0,-1 1 0,1-1 0,0 1 0,0-1 0,0 1 0,0-1 0,0 1 0,-1-1 0,1 1 0,0-1 0,-1 1 0,1-1 0,0 1 0,-1-1 0,1 1 0,0-1 0,-1 1 0,1 0 0,-1-1 0,1 1 0,-1 0 0,1-1 0,-1 1 0,1 0 0,-1 0 0,1 0 0,-1-1 0,1 1 0,-1 0 0,1 0 0,-1 0 0,1 0 0,-1 0 0,0 0 0,1 0 0,-1 0 0,1 0 0,-1 0 0,0 1 0,-45-7 0,42 6 0,31 0 0,11 2 0,-22-1 0,0 0 0,0-1 0,1-1 0,30-5 0,-34-2 0,-23 3 0,-24 2 0,-51 25 0,-9 2 0,115-25 0,-3 0 0,-1 0 0,28-6 0,36-9 0,-137 16 0,35 0 0,51 0 0,104 0 0,-143 0 0,-37-2 0,46 2 0,0 0 0,0 0 0,0 0 0,0 0 0,0 0 0,0 0 0,1 0 0,-1 0 0,0 0 0,0 0 0,0 0 0,0 0 0,0 0 0,0 0 0,0-1 0,0 1 0,0 0 0,0 0 0,0 0 0,0 0 0,0 0 0,1 0 0,-1 0 0,0 0 0,0 0 0,0-1 0,0 1 0,0 0 0,0 0 0,0 0 0,0 0 0,0 0 0,0 0 0,0 0 0,0 0 0,0-1 0,0 1 0,-1 0 0,1 0 0,0 0 0,0 0 0,0 0 0,0 0 0,0 0 0,0 0 0,0 0 0,0-1 0,0 1 0,0 0 0,0 0 0,0 0 0,0 0 0,0 0 0,-1 0 0,1 0 0,0 0 0,29-9 0,19 5 0,-42 4 0,1 0 0,-1 0 0,1 0 0,-1-1 0,0 0 0,1 0 0,-1-1 0,0 0 0,0 0 0,12-5 0,-18 6 0,0 1 0,0 0 0,0-1 0,0 1 0,0-1 0,0 1 0,0 0 0,0-1 0,0 1 0,0 0 0,-1 0 0,1-1 0,0 1 0,0 0 0,0-1 0,0 1 0,-1 0 0,1-1 0,0 1 0,0 0 0,0 0 0,-1-1 0,1 1 0,0 0 0,-1 0 0,1 0 0,0-1 0,0 1 0,-1 0 0,1 0 0,0 0 0,-1 0 0,1 0 0,0 0 0,-1 0 0,1 0 0,0 0 0,-1 0 0,1 0 0,-6-5 0,21 4 0,101 1-1365,-93 1-5461</inkml:trace>
+</inkml:ink>
+</file>
+
+<file path=ppt/ink/ink131.xml><?xml version="1.0" encoding="utf-8"?>
+<inkml:ink xmlns:inkml="http://www.w3.org/2003/InkML">
+  <inkml:definitions>
+    <inkml:context xml:id="ctx0">
+      <inkml:inkSource xml:id="inkSrc0">
+        <inkml:traceFormat>
+          <inkml:channel name="X" type="integer" min="-2.14748E9" max="2.14748E9" units="cm"/>
+          <inkml:channel name="Y" type="integer" min="-2.14748E9" max="2.14748E9" units="cm"/>
+          <inkml:channel name="F" type="integer" max="32767" units="dev"/>
+        </inkml:traceFormat>
+        <inkml:channelProperties>
+          <inkml:channelProperty channel="X" name="resolution" value="1000" units="1/cm"/>
+          <inkml:channelProperty channel="Y" name="resolution" value="1000" units="1/cm"/>
+          <inkml:channelProperty channel="F" name="resolution" value="0" units="1/dev"/>
+        </inkml:channelProperties>
+      </inkml:inkSource>
+      <inkml:timestamp xml:id="ts0" timeString="2025-03-10T19:13:25.255"/>
+    </inkml:context>
+    <inkml:brush xml:id="br0">
+      <inkml:brushProperty name="width" value="0.035" units="cm"/>
+      <inkml:brushProperty name="height" value="0.035" units="cm"/>
+      <inkml:brushProperty name="color" value="#008C3A"/>
+    </inkml:brush>
+  </inkml:definitions>
+  <inkml:trace contextRef="#ctx0" brushRef="#br0">274 52 24575,'-4'0'0,"-2"-4"0,-3-2 0,-6 1 0,1-4 0,-2 1 0,-3 1 0,-2 1 0,-1 3 0,-2 1 0,-1 1 0,-1 1 0,1 0 0,-1 1 0,5-1-8191</inkml:trace>
+</inkml:ink>
+</file>
+
+<file path=ppt/ink/ink132.xml><?xml version="1.0" encoding="utf-8"?>
+<inkml:ink xmlns:inkml="http://www.w3.org/2003/InkML">
+  <inkml:definitions>
+    <inkml:context xml:id="ctx0">
+      <inkml:inkSource xml:id="inkSrc0">
+        <inkml:traceFormat>
+          <inkml:channel name="X" type="integer" min="-2.14748E9" max="2.14748E9" units="cm"/>
+          <inkml:channel name="Y" type="integer" min="-2.14748E9" max="2.14748E9" units="cm"/>
+          <inkml:channel name="F" type="integer" max="32767" units="dev"/>
+        </inkml:traceFormat>
+        <inkml:channelProperties>
+          <inkml:channelProperty channel="X" name="resolution" value="1000" units="1/cm"/>
+          <inkml:channelProperty channel="Y" name="resolution" value="1000" units="1/cm"/>
+          <inkml:channelProperty channel="F" name="resolution" value="0" units="1/dev"/>
+        </inkml:channelProperties>
+      </inkml:inkSource>
+      <inkml:timestamp xml:id="ts0" timeString="2025-03-10T19:13:26.609"/>
+    </inkml:context>
+    <inkml:brush xml:id="br0">
+      <inkml:brushProperty name="width" value="0.035" units="cm"/>
+      <inkml:brushProperty name="height" value="0.035" units="cm"/>
+      <inkml:brushProperty name="color" value="#008C3A"/>
+    </inkml:brush>
+  </inkml:definitions>
+  <inkml:trace contextRef="#ctx0" brushRef="#br0">375 1 24575,'-4'0'0,"-6"0"0,-6 0 0,-4 0 0,-2 0 0,-3 0 0,-1 0 0,0 0 0,0 0 0,-1 0 0,2 0 0,-1 0 0,1 0 0,-1 0 0,1 0 0,0 0 0,4 0-8191</inkml:trace>
+</inkml:ink>
+</file>
+
+<file path=ppt/ink/ink133.xml><?xml version="1.0" encoding="utf-8"?>
+<inkml:ink xmlns:inkml="http://www.w3.org/2003/InkML">
+  <inkml:definitions>
+    <inkml:context xml:id="ctx0">
+      <inkml:inkSource xml:id="inkSrc0">
+        <inkml:traceFormat>
+          <inkml:channel name="X" type="integer" min="-2.14748E9" max="2.14748E9" units="cm"/>
+          <inkml:channel name="Y" type="integer" min="-2.14748E9" max="2.14748E9" units="cm"/>
+          <inkml:channel name="F" type="integer" max="32767" units="dev"/>
+        </inkml:traceFormat>
+        <inkml:channelProperties>
+          <inkml:channelProperty channel="X" name="resolution" value="1000" units="1/cm"/>
+          <inkml:channelProperty channel="Y" name="resolution" value="1000" units="1/cm"/>
+          <inkml:channelProperty channel="F" name="resolution" value="0" units="1/dev"/>
+        </inkml:channelProperties>
+      </inkml:inkSource>
+      <inkml:timestamp xml:id="ts0" timeString="2025-03-10T19:13:28.120"/>
+    </inkml:context>
+    <inkml:brush xml:id="br0">
+      <inkml:brushProperty name="width" value="0.035" units="cm"/>
+      <inkml:brushProperty name="height" value="0.035" units="cm"/>
+      <inkml:brushProperty name="color" value="#008C3A"/>
+    </inkml:brush>
+  </inkml:definitions>
+  <inkml:trace contextRef="#ctx0" brushRef="#br0">198 28 24575,'0'-5'0,"-5"-1"0,-5 1 0,-5 0 0,-5 2 0,-3 1 0,-1 1 0,-2 1 0,-1 0 0,1 0 0,4 0-8191</inkml:trace>
+</inkml:ink>
+</file>
+
+<file path=ppt/ink/ink134.xml><?xml version="1.0" encoding="utf-8"?>
+<inkml:ink xmlns:inkml="http://www.w3.org/2003/InkML">
+  <inkml:definitions>
+    <inkml:context xml:id="ctx0">
+      <inkml:inkSource xml:id="inkSrc0">
+        <inkml:traceFormat>
+          <inkml:channel name="X" type="integer" min="-2.14748E9" max="2.14748E9" units="cm"/>
+          <inkml:channel name="Y" type="integer" min="-2.14748E9" max="2.14748E9" units="cm"/>
+          <inkml:channel name="F" type="integer" max="32767" units="dev"/>
+        </inkml:traceFormat>
+        <inkml:channelProperties>
+          <inkml:channelProperty channel="X" name="resolution" value="1000" units="1/cm"/>
+          <inkml:channelProperty channel="Y" name="resolution" value="1000" units="1/cm"/>
+          <inkml:channelProperty channel="F" name="resolution" value="0" units="1/dev"/>
+        </inkml:channelProperties>
+      </inkml:inkSource>
+      <inkml:timestamp xml:id="ts0" timeString="2025-03-10T19:13:35.456"/>
+    </inkml:context>
+    <inkml:brush xml:id="br0">
+      <inkml:brushProperty name="width" value="0.035" units="cm"/>
+      <inkml:brushProperty name="height" value="0.035" units="cm"/>
+      <inkml:brushProperty name="color" value="#008C3A"/>
+    </inkml:brush>
+  </inkml:definitions>
+  <inkml:trace contextRef="#ctx0" brushRef="#br0">4677 25 23246,'-4677'-25'0</inkml:trace>
+</inkml:ink>
+</file>
+
+<file path=ppt/ink/ink135.xml><?xml version="1.0" encoding="utf-8"?>
+<inkml:ink xmlns:inkml="http://www.w3.org/2003/InkML">
+  <inkml:definitions>
+    <inkml:context xml:id="ctx0">
+      <inkml:inkSource xml:id="inkSrc0">
+        <inkml:traceFormat>
+          <inkml:channel name="X" type="integer" min="-2.14748E9" max="2.14748E9" units="cm"/>
+          <inkml:channel name="Y" type="integer" min="-2.14748E9" max="2.14748E9" units="cm"/>
+          <inkml:channel name="F" type="integer" max="32767" units="dev"/>
+        </inkml:traceFormat>
+        <inkml:channelProperties>
+          <inkml:channelProperty channel="X" name="resolution" value="1000" units="1/cm"/>
+          <inkml:channelProperty channel="Y" name="resolution" value="1000" units="1/cm"/>
+          <inkml:channelProperty channel="F" name="resolution" value="0" units="1/dev"/>
+        </inkml:channelProperties>
+      </inkml:inkSource>
+      <inkml:timestamp xml:id="ts0" timeString="2025-03-10T19:13:37.947"/>
+    </inkml:context>
+    <inkml:brush xml:id="br0">
+      <inkml:brushProperty name="width" value="0.035" units="cm"/>
+      <inkml:brushProperty name="height" value="0.035" units="cm"/>
+      <inkml:brushProperty name="color" value="#008C3A"/>
+    </inkml:brush>
+  </inkml:definitions>
+  <inkml:trace contextRef="#ctx0" brushRef="#br0">592 1 24575,'-16'1'0,"1"1"0,-1 1 0,0 1 0,1 0 0,0 1 0,0 1 0,0 0 0,-20 12 0,13-7 0,0-1 0,-37 11 0,30-11 0,2 1 0,0 1 0,0 2 0,-31 20 0,9-5 0,41-25 0,1 0 0,0 0 0,0 1 0,1 0 0,-1 0 0,1 1 0,0-1 0,1 1 0,0 1 0,-1-1 0,2 1 0,-1 0 0,1 0 0,0 0 0,1 1 0,-1-1 0,2 1 0,-4 10 0,4-9 0,0 0 0,-1 0 0,2 0 0,-1 0 0,1 0 0,1 0 0,0 11 0,1-16 0,0-1 0,0 1 0,0-1 0,0 0 0,1 1 0,-1-1 0,1 0 0,0 0 0,0 0 0,0 0 0,0-1 0,1 1 0,-1 0 0,1-1 0,-1 0 0,1 1 0,0-1 0,0 0 0,5 2 0,36 22 0,-1 2 0,-1 1 0,44 42 0,-77-63 0,8 10 0,1-1 0,1-1 0,34 22 0,-7-2 0,-38-28 0,1 0 0,0-1 0,17 10 0,6 2 0,47 37 0,4 3 0,7 0-1365,-76-51-5461</inkml:trace>
+</inkml:ink>
+</file>
+
+<file path=ppt/ink/ink136.xml><?xml version="1.0" encoding="utf-8"?>
+<inkml:ink xmlns:inkml="http://www.w3.org/2003/InkML">
+  <inkml:definitions>
+    <inkml:context xml:id="ctx0">
+      <inkml:inkSource xml:id="inkSrc0">
+        <inkml:traceFormat>
+          <inkml:channel name="X" type="integer" min="-2.14748E9" max="2.14748E9" units="cm"/>
+          <inkml:channel name="Y" type="integer" min="-2.14748E9" max="2.14748E9" units="cm"/>
+          <inkml:channel name="F" type="integer" max="32767" units="dev"/>
+        </inkml:traceFormat>
+        <inkml:channelProperties>
+          <inkml:channelProperty channel="X" name="resolution" value="1000" units="1/cm"/>
+          <inkml:channelProperty channel="Y" name="resolution" value="1000" units="1/cm"/>
+          <inkml:channelProperty channel="F" name="resolution" value="0" units="1/dev"/>
+        </inkml:channelProperties>
+      </inkml:inkSource>
+      <inkml:timestamp xml:id="ts0" timeString="2025-03-10T19:13:57.635"/>
+    </inkml:context>
+    <inkml:brush xml:id="br0">
+      <inkml:brushProperty name="width" value="0.035" units="cm"/>
+      <inkml:brushProperty name="height" value="0.035" units="cm"/>
+    </inkml:brush>
+  </inkml:definitions>
+  <inkml:trace contextRef="#ctx0" brushRef="#br0">1 232 24575,'10'-1'0,"1"0"0,-1-1 0,1 0 0,12-5 0,37-5 0,187 12 0,36-1 0,-215-11 0,-49 7 0,0 2 0,26-2 0,-9 4 0,-7 1 0,0-1 0,-1-2 0,36-7 0,-36 5 0,1 1 0,-1 1 0,39 2 0,-38 2 0,0-2 0,0-2 0,34-6 0,32-7 0,-64 12 0,0-2 0,43-13 0,-53 13 0,-1 2 0,0 0 0,31-2 0,33-5 0,-57 6 0,1 1 0,42 0 0,-42 4 0,0-2 0,43-8 0,-41 5 0,0 2 0,0 0 0,54 4 0,-53 0 0,0-1 0,-1-1 0,46-8 0,-12-1 0,0 4 0,1 2 0,96 6 0,-37 1 0,1033-3 0,-1138 1 0,0 1 0,33 7 0,34 4 0,-23-12 0,-31-2 0,-1 2 0,1 1 0,47 9 0,-39-2 0,-17-4 0,0 0 0,0 2 0,25 11 0,-19-7 0,0-1 0,33 6 0,-28-8 0,44 17 0,-46-11 0,-4-4 0,-1 2 0,40 24 0,94 59 0,-88-50 0,122 55 0,-22-12 0,-123-63-1365,-37-16-5461</inkml:trace>
+</inkml:ink>
+</file>
+
+<file path=ppt/ink/ink137.xml><?xml version="1.0" encoding="utf-8"?>
+<inkml:ink xmlns:inkml="http://www.w3.org/2003/InkML">
+  <inkml:definitions>
+    <inkml:context xml:id="ctx0">
+      <inkml:inkSource xml:id="inkSrc0">
+        <inkml:traceFormat>
+          <inkml:channel name="X" type="integer" min="-2.14748E9" max="2.14748E9" units="cm"/>
+          <inkml:channel name="Y" type="integer" min="-2.14748E9" max="2.14748E9" units="cm"/>
+          <inkml:channel name="F" type="integer" max="32767" units="dev"/>
+        </inkml:traceFormat>
+        <inkml:channelProperties>
+          <inkml:channelProperty channel="X" name="resolution" value="1000" units="1/cm"/>
+          <inkml:channelProperty channel="Y" name="resolution" value="1000" units="1/cm"/>
+          <inkml:channelProperty channel="F" name="resolution" value="0" units="1/dev"/>
+        </inkml:channelProperties>
+      </inkml:inkSource>
+      <inkml:timestamp xml:id="ts0" timeString="2025-03-10T19:13:58.903"/>
+    </inkml:context>
+    <inkml:brush xml:id="br0">
+      <inkml:brushProperty name="width" value="0.035" units="cm"/>
+      <inkml:brushProperty name="height" value="0.035" units="cm"/>
+    </inkml:brush>
+  </inkml:definitions>
+  <inkml:trace contextRef="#ctx0" brushRef="#br0">0 0 23545,'856'101'0</inkml:trace>
+</inkml:ink>
+</file>
+
+<file path=ppt/ink/ink138.xml><?xml version="1.0" encoding="utf-8"?>
+<inkml:ink xmlns:inkml="http://www.w3.org/2003/InkML">
+  <inkml:definitions>
+    <inkml:context xml:id="ctx0">
+      <inkml:inkSource xml:id="inkSrc0">
+        <inkml:traceFormat>
+          <inkml:channel name="X" type="integer" min="-2.14748E9" max="2.14748E9" units="cm"/>
+          <inkml:channel name="Y" type="integer" min="-2.14748E9" max="2.14748E9" units="cm"/>
+          <inkml:channel name="F" type="integer" max="32767" units="dev"/>
+        </inkml:traceFormat>
+        <inkml:channelProperties>
+          <inkml:channelProperty channel="X" name="resolution" value="1000" units="1/cm"/>
+          <inkml:channelProperty channel="Y" name="resolution" value="1000" units="1/cm"/>
+          <inkml:channelProperty channel="F" name="resolution" value="0" units="1/dev"/>
+        </inkml:channelProperties>
+      </inkml:inkSource>
+      <inkml:timestamp xml:id="ts0" timeString="2025-03-10T19:14:02.317"/>
+    </inkml:context>
+    <inkml:brush xml:id="br0">
+      <inkml:brushProperty name="width" value="0.035" units="cm"/>
+      <inkml:brushProperty name="height" value="0.035" units="cm"/>
+    </inkml:brush>
+  </inkml:definitions>
+  <inkml:trace contextRef="#ctx0" brushRef="#br0">453 654 24266,'-453'-654'0</inkml:trace>
+</inkml:ink>
+</file>
+
+<file path=ppt/ink/ink139.xml><?xml version="1.0" encoding="utf-8"?>
+<inkml:ink xmlns:inkml="http://www.w3.org/2003/InkML">
+  <inkml:definitions>
+    <inkml:context xml:id="ctx0">
+      <inkml:inkSource xml:id="inkSrc0">
+        <inkml:traceFormat>
+          <inkml:channel name="X" type="integer" min="-2.14748E9" max="2.14748E9" units="cm"/>
+          <inkml:channel name="Y" type="integer" min="-2.14748E9" max="2.14748E9" units="cm"/>
+          <inkml:channel name="F" type="integer" max="32767" units="dev"/>
+        </inkml:traceFormat>
+        <inkml:channelProperties>
+          <inkml:channelProperty channel="X" name="resolution" value="1000" units="1/cm"/>
+          <inkml:channelProperty channel="Y" name="resolution" value="1000" units="1/cm"/>
+          <inkml:channelProperty channel="F" name="resolution" value="0" units="1/dev"/>
+        </inkml:channelProperties>
+      </inkml:inkSource>
+      <inkml:timestamp xml:id="ts0" timeString="2025-03-10T19:14:07.798"/>
+    </inkml:context>
+    <inkml:brush xml:id="br0">
+      <inkml:brushProperty name="width" value="0.035" units="cm"/>
+      <inkml:brushProperty name="height" value="0.035" units="cm"/>
+    </inkml:brush>
+  </inkml:definitions>
+  <inkml:trace contextRef="#ctx0" brushRef="#br0">1 123 24575,'0'-2'0,"0"0"0,1 0 0,-1-1 0,1 1 0,0 0 0,-1 0 0,1 0 0,0 0 0,0 0 0,1 0 0,-1 0 0,0 0 0,0 1 0,1-1 0,-1 0 0,1 1 0,0-1 0,0 1 0,-1 0 0,1-1 0,0 1 0,0 0 0,0 0 0,0 0 0,0 0 0,3 0 0,9-4 0,0 1 0,0 0 0,17-1 0,-8 1 0,105-20 0,-88 17 0,1 3 0,0 1 0,-1 2 0,46 4 0,9 0 0,332-3 0,-413-1 11,-1-1 1,1 0-1,18-5 0,1-1-1421,-15 5-5416</inkml:trace>
+</inkml:ink>
+</file>
+
 <file path=ppt/ink/ink14.xml><?xml version="1.0" encoding="utf-8"?>
 <inkml:ink xmlns:inkml="http://www.w3.org/2003/InkML">
   <inkml:definitions>
@@ -281,6 +1397,114 @@
     </inkml:brush>
   </inkml:definitions>
   <inkml:trace contextRef="#ctx0" brushRef="#br0">934 61 24575,'-608'0'0,"593"0"0,-1 1 0,1 1 0,-28 5 0,35-5 0,0 1 0,0 0 0,1 0 0,-1 0 0,1 1 0,0 0 0,0 1 0,-12 9 0,8-4 0,0 2 0,1-1 0,0 2 0,0-1 0,2 1 0,-1 1 0,2-1 0,0 1 0,1 1 0,0-1 0,1 1 0,0 0 0,1 1 0,1-1 0,1 0 0,-1 23 0,1-22 0,0-1 0,0 0 0,-2 1 0,-5 15 0,4-14 0,0 0 0,-3 32 0,5-22 0,2 0 0,4 45 0,-2-63 0,1 0 0,0 0 0,0 1 0,1-1 0,0 0 0,0-1 0,1 1 0,0-1 0,1 1 0,0-1 0,7 8 0,-5-7 0,-1 0 0,-1 1 0,0 0 0,6 13 0,-6-11 0,1 1 0,10 14 0,5 0 0,41 40 0,-41-44 0,-4-5 0,1-1 0,0 0 0,1-1 0,1-1 0,0-1 0,41 20 0,-49-28 0,0 0 0,1 0 0,0 0 0,1-2 0,-1 1 0,1-2 0,0 0 0,16 2 0,10-3 0,-1-2 0,0-1 0,1-2 0,64-13 0,-81 10 0,31-15 0,6-1 0,-29 11 0,57-30 0,-70 32 0,-10 3 0,1 0 0,-1 0 0,0-1 0,-1 0 0,0 0 0,0-1 0,-1 0 0,9-14 0,9-9 0,-19 25 0,-1-1 0,0 0 0,-1-1 0,1 1 0,-2-1 0,1 1 0,-1-1 0,0 0 0,0 0 0,0-13 0,0 7 0,1 0 0,6-19 0,-4 17 0,0 0 0,-1 0 0,0 0 0,-1-1 0,-1 1 0,-1-1 0,0 0 0,-2 1 0,1-1 0,-2 0 0,0 1 0,-1-1 0,-1 1 0,0 0 0,-2 0 0,-6-15 0,-9-14 0,10 21 0,-18-29 0,-4-5 0,26 43 0,-1 0 0,-1 0 0,-1 0 0,0 1 0,-22-24 0,-1 9 0,-52-38 0,53 45 0,19 12 0,0 0 0,-1 1 0,-1 0 0,1 2 0,-27-11 0,22 11-136,0 2-1,0 0 1,0 1-1,-1 1 1,0 0-1,0 2 1,1 0-1,-1 2 0,-31 4 1,33-1-6690</inkml:trace>
+</inkml:ink>
+</file>
+
+<file path=ppt/ink/ink140.xml><?xml version="1.0" encoding="utf-8"?>
+<inkml:ink xmlns:inkml="http://www.w3.org/2003/InkML">
+  <inkml:definitions>
+    <inkml:context xml:id="ctx0">
+      <inkml:inkSource xml:id="inkSrc0">
+        <inkml:traceFormat>
+          <inkml:channel name="X" type="integer" min="-2.14748E9" max="2.14748E9" units="cm"/>
+          <inkml:channel name="Y" type="integer" min="-2.14748E9" max="2.14748E9" units="cm"/>
+          <inkml:channel name="F" type="integer" max="32767" units="dev"/>
+        </inkml:traceFormat>
+        <inkml:channelProperties>
+          <inkml:channelProperty channel="X" name="resolution" value="1000" units="1/cm"/>
+          <inkml:channelProperty channel="Y" name="resolution" value="1000" units="1/cm"/>
+          <inkml:channelProperty channel="F" name="resolution" value="0" units="1/dev"/>
+        </inkml:channelProperties>
+      </inkml:inkSource>
+      <inkml:timestamp xml:id="ts0" timeString="2025-03-10T19:14:11.166"/>
+    </inkml:context>
+    <inkml:brush xml:id="br0">
+      <inkml:brushProperty name="width" value="0.035" units="cm"/>
+      <inkml:brushProperty name="height" value="0.035" units="cm"/>
+    </inkml:brush>
+  </inkml:definitions>
+  <inkml:trace contextRef="#ctx0" brushRef="#br0">0 176 24286,'2792'-176'0</inkml:trace>
+</inkml:ink>
+</file>
+
+<file path=ppt/ink/ink141.xml><?xml version="1.0" encoding="utf-8"?>
+<inkml:ink xmlns:inkml="http://www.w3.org/2003/InkML">
+  <inkml:definitions>
+    <inkml:context xml:id="ctx0">
+      <inkml:inkSource xml:id="inkSrc0">
+        <inkml:traceFormat>
+          <inkml:channel name="X" type="integer" min="-2.14748E9" max="2.14748E9" units="cm"/>
+          <inkml:channel name="Y" type="integer" min="-2.14748E9" max="2.14748E9" units="cm"/>
+          <inkml:channel name="F" type="integer" max="32767" units="dev"/>
+        </inkml:traceFormat>
+        <inkml:channelProperties>
+          <inkml:channelProperty channel="X" name="resolution" value="1000" units="1/cm"/>
+          <inkml:channelProperty channel="Y" name="resolution" value="1000" units="1/cm"/>
+          <inkml:channelProperty channel="F" name="resolution" value="0" units="1/dev"/>
+        </inkml:channelProperties>
+      </inkml:inkSource>
+      <inkml:timestamp xml:id="ts0" timeString="2025-03-10T19:14:12.672"/>
+    </inkml:context>
+    <inkml:brush xml:id="br0">
+      <inkml:brushProperty name="width" value="0.035" units="cm"/>
+      <inkml:brushProperty name="height" value="0.035" units="cm"/>
+    </inkml:brush>
+  </inkml:definitions>
+  <inkml:trace contextRef="#ctx0" brushRef="#br0">0 1 24575,'14'1'0,"0"1"0,0 1 0,-1 0 0,1 1 0,-1 1 0,14 6 0,19 6 0,3-3 0,-4 0 0,52 21 0,-75-27 0,1 0 0,27 5 0,-34-10 0,-1 0 0,0 1 0,0 1 0,-1 1 0,1 0 0,-1 0 0,0 2 0,13 8 0,-3 1-36,1-1-1,47 22 1,-33-19-1220,-24-11-5570</inkml:trace>
+</inkml:ink>
+</file>
+
+<file path=ppt/ink/ink142.xml><?xml version="1.0" encoding="utf-8"?>
+<inkml:ink xmlns:inkml="http://www.w3.org/2003/InkML">
+  <inkml:definitions>
+    <inkml:context xml:id="ctx0">
+      <inkml:inkSource xml:id="inkSrc0">
+        <inkml:traceFormat>
+          <inkml:channel name="X" type="integer" min="-2.14748E9" max="2.14748E9" units="cm"/>
+          <inkml:channel name="Y" type="integer" min="-2.14748E9" max="2.14748E9" units="cm"/>
+          <inkml:channel name="F" type="integer" max="32767" units="dev"/>
+        </inkml:traceFormat>
+        <inkml:channelProperties>
+          <inkml:channelProperty channel="X" name="resolution" value="1000" units="1/cm"/>
+          <inkml:channelProperty channel="Y" name="resolution" value="1000" units="1/cm"/>
+          <inkml:channelProperty channel="F" name="resolution" value="0" units="1/dev"/>
+        </inkml:channelProperties>
+      </inkml:inkSource>
+      <inkml:timestamp xml:id="ts0" timeString="2025-03-10T19:14:13.988"/>
+    </inkml:context>
+    <inkml:brush xml:id="br0">
+      <inkml:brushProperty name="width" value="0.035" units="cm"/>
+      <inkml:brushProperty name="height" value="0.035" units="cm"/>
+    </inkml:brush>
+  </inkml:definitions>
+  <inkml:trace contextRef="#ctx0" brushRef="#br0">458 1 24575,'0'0'0,"1"14"0,0 0 0,-1 0 0,-1 0 0,0 0 0,-1-1 0,-1 1 0,0 0 0,-1-1 0,0 0 0,-1 0 0,0 0 0,-8 13 0,2-11 0,-1 0 0,-1 0 0,0-1 0,-1 0 0,-1-2 0,0 1 0,0-2 0,-23 13 0,-48 39 0,13 15 0,29-33 88,35-34-451,0-1-1,-1-1 1,-18 16 0,15-17-6463</inkml:trace>
+</inkml:ink>
+</file>
+
+<file path=ppt/ink/ink143.xml><?xml version="1.0" encoding="utf-8"?>
+<inkml:ink xmlns:inkml="http://www.w3.org/2003/InkML">
+  <inkml:definitions>
+    <inkml:context xml:id="ctx0">
+      <inkml:inkSource xml:id="inkSrc0">
+        <inkml:traceFormat>
+          <inkml:channel name="X" type="integer" min="-2.14748E9" max="2.14748E9" units="cm"/>
+          <inkml:channel name="Y" type="integer" min="-2.14748E9" max="2.14748E9" units="cm"/>
+          <inkml:channel name="F" type="integer" max="32767" units="dev"/>
+        </inkml:traceFormat>
+        <inkml:channelProperties>
+          <inkml:channelProperty channel="X" name="resolution" value="1000" units="1/cm"/>
+          <inkml:channelProperty channel="Y" name="resolution" value="1000" units="1/cm"/>
+          <inkml:channelProperty channel="F" name="resolution" value="0" units="1/dev"/>
+        </inkml:channelProperties>
+      </inkml:inkSource>
+      <inkml:timestamp xml:id="ts0" timeString="2025-03-10T19:14:15.937"/>
+    </inkml:context>
+    <inkml:brush xml:id="br0">
+      <inkml:brushProperty name="width" value="0.035" units="cm"/>
+      <inkml:brushProperty name="height" value="0.035" units="cm"/>
+    </inkml:brush>
+  </inkml:definitions>
+  <inkml:trace contextRef="#ctx0" brushRef="#br0">1 1 24575,'4'0'0,"6"0"0,5 0 0,5 0 0,3 0 0,2 0 0,1 0 0,0 0 0,0 0 0,0 0 0,-5 0-8191</inkml:trace>
 </inkml:ink>
 </file>
 
@@ -715,19 +1939,14 @@
           <inkml:channelProperty channel="F" name="resolution" value="0" units="1/dev"/>
         </inkml:channelProperties>
       </inkml:inkSource>
-      <inkml:timestamp xml:id="ts0" timeString="2025-03-10T14:09:47.283"/>
+      <inkml:timestamp xml:id="ts0" timeString="2025-03-10T19:05:31.606"/>
     </inkml:context>
     <inkml:brush xml:id="br0">
-      <inkml:brushProperty name="width" value="0.05" units="cm"/>
-      <inkml:brushProperty name="height" value="0.05" units="cm"/>
-      <inkml:brushProperty name="color" value="#AE198D"/>
-      <inkml:brushProperty name="inkEffects" value="galaxy"/>
-      <inkml:brushProperty name="anchorX" value="0"/>
-      <inkml:brushProperty name="anchorY" value="0"/>
-      <inkml:brushProperty name="scaleFactor" value="0.5"/>
+      <inkml:brushProperty name="width" value="0.035" units="cm"/>
+      <inkml:brushProperty name="height" value="0.035" units="cm"/>
     </inkml:brush>
   </inkml:definitions>
-  <inkml:trace contextRef="#ctx0" brushRef="#br0">2072 1 24575,'0'0'0,"3"0"0,2 3 0,6 1 0,1 4 0,-6 7 0,-10-1 0,-2 3 0,-2 4 0,-3 2 0,-7 3 0,-1 1 0,-7 3 0,4-2 0,-7 7 0,0 1 0,-3-1-783,3 5 1007,-7 3-336,-1 2 112,2-4 0,-4 2 0,-13 3 0,7 0 0,-3-5-1851,-2 2 2380,-2 11-794,5-5 265,3 4 0,-2 0 0,-5 2 0,0-2 0,-2 0 0,6-7 0,-1 9 0,3-7 0,-3-2 0,7-6 0,-11 1 0,9-1 0,-3-4 0,7 3 0,-4 4 0,10 1 0,0-5 0,5 0 0,-5 3 0,6-4 0,-2-8 0,3-1 0,-3 4 0,3-2 0,5 2 0,-3-3 0,2 6 0,5 1 0,-4-2 0,5 0 0,-1 5 0,4-4 0,-3 1 0,-2-3 0,3 3 0,3 1 0,-4-7 0,4 4 0,-3-3 0,4 1 0,-5-7 0,2-2 0,-1 0 0,3-1 0,3 3 721,2 0-927,-4-5 309,2 2-103,0-1 1914,-1-5-2461,2 4 820,2 0-273,1 3 0,-5-3 0,0-1 0,2 3 0,2 0 0,-3-4 0,3 3 0,0-1 0,-5-3 0,1-5 0</inkml:trace>
+  <inkml:trace contextRef="#ctx0" brushRef="#br0">0 2339 24261,'0'-2339'0</inkml:trace>
 </inkml:ink>
 </file>
 
@@ -774,19 +1993,14 @@
           <inkml:channelProperty channel="F" name="resolution" value="0" units="1/dev"/>
         </inkml:channelProperties>
       </inkml:inkSource>
-      <inkml:timestamp xml:id="ts0" timeString="2025-03-10T14:09:47.760"/>
+      <inkml:timestamp xml:id="ts0" timeString="2025-03-10T19:05:37.853"/>
     </inkml:context>
     <inkml:brush xml:id="br0">
-      <inkml:brushProperty name="width" value="0.05" units="cm"/>
-      <inkml:brushProperty name="height" value="0.05" units="cm"/>
-      <inkml:brushProperty name="color" value="#AE198D"/>
-      <inkml:brushProperty name="inkEffects" value="galaxy"/>
-      <inkml:brushProperty name="anchorX" value="2917.6062"/>
-      <inkml:brushProperty name="anchorY" value="-2029.52197"/>
-      <inkml:brushProperty name="scaleFactor" value="0.5"/>
+      <inkml:brushProperty name="width" value="0.035" units="cm"/>
+      <inkml:brushProperty name="height" value="0.035" units="cm"/>
     </inkml:brush>
   </inkml:definitions>
-  <inkml:trace contextRef="#ctx0" brushRef="#br0">0 1 24575,'0'0'0,"7"0"0,2 4 0,-1 3 0,2 1 0,6 11 0,3-1 0,-2 5 0,4 9 0,-3 0 0,0 3 0,-5-2 0,5 1 0,-4-4 0,1 2 0,5-3 0,1 5 0,4 2 0,1 6 0,3 5 0,-1 4 0,2-4-1412,-1 2 1816,2-3-606,-3 7 202,7 9 0,13 18 0,-2-2 0,1 0 0,-5-5 0,1-1 0,-1-8-2480,-5-3 3188,0 1-1062,2 7 354,-6-8 0,-5-1 0,5 5 0,4 4 0,-5-4 0,1-2 0,-3-2 0,1 3 0,5 10 0,-2 0 0,1 6 0,-6-9 0,-4-5 0,1-4 0,-2-4 0,-5-4 0,-5-9 0,2-4 0,1 0 0,-3-4 0,-3-1 0,-4-4 0,-2 0 0,4-3 0,0 1 0,-1-2 0,-2 2 0,-2-3 1257,2-5-1616,-1 2 3174,-1-2-3568,-1-4 1129</inkml:trace>
+  <inkml:trace contextRef="#ctx0" brushRef="#br0">3295 26 24166,'-3295'-26'0</inkml:trace>
 </inkml:ink>
 </file>
 
@@ -806,19 +2020,14 @@
           <inkml:channelProperty channel="F" name="resolution" value="0" units="1/dev"/>
         </inkml:channelProperties>
       </inkml:inkSource>
-      <inkml:timestamp xml:id="ts0" timeString="2025-03-10T14:09:49.705"/>
+      <inkml:timestamp xml:id="ts0" timeString="2025-03-10T19:05:41.818"/>
     </inkml:context>
     <inkml:brush xml:id="br0">
-      <inkml:brushProperty name="width" value="0.05" units="cm"/>
-      <inkml:brushProperty name="height" value="0.05" units="cm"/>
-      <inkml:brushProperty name="color" value="#AE198D"/>
-      <inkml:brushProperty name="inkEffects" value="galaxy"/>
-      <inkml:brushProperty name="anchorX" value="562.02649"/>
-      <inkml:brushProperty name="anchorY" value="-5857.30859"/>
-      <inkml:brushProperty name="scaleFactor" value="0.5"/>
+      <inkml:brushProperty name="width" value="0.035" units="cm"/>
+      <inkml:brushProperty name="height" value="0.035" units="cm"/>
     </inkml:brush>
   </inkml:definitions>
-  <inkml:trace contextRef="#ctx0" brushRef="#br0">62 311 24575,'0'0'0,"0"-3"0,0-10 0,4 1 0,0-3 0,7 3 0,1-6 0,2-1 0,-2-5 0,5 3 0,-2 0 0,0 5 0,-2-3 0,-4 0 0,-2-4 0,-8 3 0,-5 4 0,-9 5 0,-4 4 0,-7 3 0,3 6 0,0 2 0,5 8 0,-2 1 0,4 2 0,4 5 0,4 2 0,3 4 0,3 1 0,1 3 0,1-2 0,1 3 0,0-2 0,0 1 0,-1-1 0,0 1 0,5-5 0,-1-3 0,0 2 0,7-5 0,-1 0 0,0 2 0,1-3 0,-2 0 0,-3 3 0,7-3 0,-2 0 0,2-4 0,6-4 0,-2 4 0,0-2 0,-3 1 0,-3 5 0,3-1 0,2-4 0,5-3 0,-2-7 0,1-4 0,-5-9 0,-4-5 0,4 0 0,-3-5 0,-2-2 0,0 4 0,-1-4 0,-3 0 0,-2-3 0,-2 0 0,0-4 0,-2 2 0,0-4 0,-1 3 0,1-2 0,0 1 0,-1-1 0,1 2 0,-4 5 0,0-1 0,0 2 0,0-4 0,2 2 0,-3 3 0,0-1 0,1 0 0,4 4 0,6 5 0,1-3 0,7 3 0,-1-1 0,3 3 0,5 3 0,1 2 0,4 3 0,-3 6 0,-5 4 0,-2 1 0,-4 8 0,4-2 0,-3 2 0,-3 5 0,1 1 0,-2 4 0,-3 1 0,6-6 0,-2 4 0,-1-3 0,-2 4 0,-3 0 0,-1 2 0,2-4 0,0-2 0,-2-6 0</inkml:trace>
+  <inkml:trace contextRef="#ctx0" brushRef="#br0">125 2263 24044,'-125'-2263'0</inkml:trace>
 </inkml:ink>
 </file>
 
@@ -838,19 +2047,14 @@
           <inkml:channelProperty channel="F" name="resolution" value="0" units="1/dev"/>
         </inkml:channelProperties>
       </inkml:inkSource>
-      <inkml:timestamp xml:id="ts0" timeString="2025-03-10T14:09:51.159"/>
+      <inkml:timestamp xml:id="ts0" timeString="2025-03-10T19:05:44.493"/>
     </inkml:context>
     <inkml:brush xml:id="br0">
-      <inkml:brushProperty name="width" value="0.05" units="cm"/>
-      <inkml:brushProperty name="height" value="0.05" units="cm"/>
-      <inkml:brushProperty name="color" value="#AE198D"/>
-      <inkml:brushProperty name="inkEffects" value="galaxy"/>
-      <inkml:brushProperty name="anchorX" value="-880.06689"/>
-      <inkml:brushProperty name="anchorY" value="-6763.27295"/>
-      <inkml:brushProperty name="scaleFactor" value="0.5"/>
+      <inkml:brushProperty name="width" value="0.035" units="cm"/>
+      <inkml:brushProperty name="height" value="0.035" units="cm"/>
     </inkml:brush>
   </inkml:definitions>
-  <inkml:trace contextRef="#ctx0" brushRef="#br0">505 27 24575,'0'0'0,"0"-6"0,-4-3 0,-3 1 0,-1 5 0,-7 3 0,1 8 0,3 6 0,2 7 0,-1-1 0,3 1 0,1 3 0,-5-4 0,0 0 0,3 3 0,1-1 0,6-3 0,2-18 0,-1 0 0,1 0 0,-1 0 0,0 0 0,1 0 0,-1 0 0,1 0 0,0 0 0,-1 0 0,1 0 0,0-1 0,-1 1 0,2 1 0,9 15 0,3-4 0,7-2 0,-2-8 0,-18-4 0,0 1 0,0 0 0,0 0 0,0-1 0,1 1 0,-1-1 0,0 1 0,0 0 0,0-1 0,0 0 0,0 1 0,1-2 0,14-8 0,-5-4 0,-3-7 0,-3-1 0,-3-6 0,-1 1 0,-1-3 0,0 1 0,-1-2 0,0 9 0,1 15 0,-1 10 0,1 13 0,0 5 0,8-1 0,0 5 0,0 0 0,-1 3 0,1-5 0,-1-1 0,-1 2 0,-2-1 0,-2 3 0,7-4 0,-1-1 0,0 3 0,-1-1 0,-3 3 0,3-4 0,-2 0 0,0 1 0,-2 0 0,-1 4 0,-1-1 0,0 3 0,-1-1 0,0 2 0,-1-2 0,1 3 0,0-3 0,-4-6 0,0 2 0,0-1 0,0 2 0,2 0 0,0 3 0,1-1 0,1 2 0,0 0 0,-3-7 0,-1 2 0,0-1 0,-6-5 0,-1 2 0,2 1 0,-2-5 0,2 5 0,-6-5 0,2 1 0,3 3 0,-2-3 0,2 1 0,-4-4 0,1 4 0,-1-4 0,2 2 0,-5-4 0,3 5 0,-1-4 0,2 3 0,-4-4 0,-1-3 0,-5 4 0,-1-1 0,4 1 0,-3-2 0,0-2 0,5 4 0,-4-2 0,2-1 0,-5-3 0,0 1 0,-3-1 0,1-2 0,-3-2 0,6-1 0</inkml:trace>
+  <inkml:trace contextRef="#ctx0" brushRef="#br0">116 1660 24284,'0'-1659'0,"-115"1889"0,230-460 0,0 460 0</inkml:trace>
 </inkml:ink>
 </file>
 
@@ -870,19 +2074,14 @@
           <inkml:channelProperty channel="F" name="resolution" value="0" units="1/dev"/>
         </inkml:channelProperties>
       </inkml:inkSource>
-      <inkml:timestamp xml:id="ts0" timeString="2025-03-10T14:09:52.705"/>
+      <inkml:timestamp xml:id="ts0" timeString="2025-03-10T19:05:50.988"/>
     </inkml:context>
     <inkml:brush xml:id="br0">
-      <inkml:brushProperty name="width" value="0.05" units="cm"/>
-      <inkml:brushProperty name="height" value="0.05" units="cm"/>
-      <inkml:brushProperty name="color" value="#AE198D"/>
-      <inkml:brushProperty name="inkEffects" value="galaxy"/>
-      <inkml:brushProperty name="anchorX" value="471.26108"/>
-      <inkml:brushProperty name="anchorY" value="-7351.24121"/>
-      <inkml:brushProperty name="scaleFactor" value="0.5"/>
+      <inkml:brushProperty name="width" value="0.035" units="cm"/>
+      <inkml:brushProperty name="height" value="0.035" units="cm"/>
     </inkml:brush>
   </inkml:definitions>
-  <inkml:trace contextRef="#ctx0" brushRef="#br0">24 288 24575,'0'0'0,"0"-7"0,8-2 0,0-3 0,4 2 0,-2-7 0,-1-1 0,5 2 0,2 3 0,-2-3 0,5 2 0,-3 0 0,1 2 0,-4-4 0,5 2 0,-4-1 0,2 3 0,-4-5 0,-3-1 0,-7 3 0,-7 2 0,-9 5 0,-1 7 0,-3 2 0,3 6 0,3 8 0,-3 0 0,-2-1 0,2 0 0,-3-3 0,-2-2 0,3 4 0,-3-2 0,3 2 0,4 6 0,3 1 0,5 5 0,2 1 0,2 3 0,1-1 0,1 3 0,-1-2 0,5-6 0,0 1 0,7-5 0,-1-1 0,0 2 0,1-3 0,5-3 0,2-5 0,6-3 0,-4-7 0,1-10 0,2-1 0,-5-3 0,-3-7 0,-2 4 0,-3-2 0,-4-3 0,-3 0 0,6 4 0,-1-3 0,2 4 0,-1 1 0,-1-4 0,4 3 0,-2 0 0,-1-3 0,-3-1 0,-2 4 0</inkml:trace>
+  <inkml:trace contextRef="#ctx0" brushRef="#br0">155 1703 24575,'1'-81'0,"-3"-90"0,-10 102 0,8 50 0,1 0 0,-2-26 0,3 16 0,-11-45 0,1 1 0,3 1 0,2 28 0,-1-67 0,7 90 0,-1 0 0,-10-39 0,2 12 0,1-4 0,3 26 0,1-1 0,-1-43 0,7 35 0,-1 3 0,0 1 0,-2-1 0,-10-51 0,6 47 0,2 0 0,1 0 0,2 0 0,3-38 0,0 0 0,-2 70 0,0 0 0,0 0 0,1-1 0,0 1 0,0 0 0,0 0 0,0 0 0,0 0 0,1 0 0,0 0 0,0 0 0,2-3 0,-3 6 0,-1 0 0,1 1 0,0-1 0,-1 0 0,1 1 0,0-1 0,-1 1 0,1-1 0,0 1 0,0-1 0,0 1 0,-1-1 0,1 1 0,0 0 0,0 0 0,0-1 0,0 1 0,0 0 0,0 0 0,-1 0 0,1 0 0,0 0 0,1 0 0,0 1 0,0-1 0,0 1 0,0 0 0,0 0 0,-1 0 0,1 0 0,0 0 0,-1 1 0,1-1 0,-1 0 0,1 1 0,-1-1 0,1 1 0,1 3 0,8 9-1365,-1-1-5461</inkml:trace>
 </inkml:ink>
 </file>
 
@@ -902,19 +2101,14 @@
           <inkml:channelProperty channel="F" name="resolution" value="0" units="1/dev"/>
         </inkml:channelProperties>
       </inkml:inkSource>
-      <inkml:timestamp xml:id="ts0" timeString="2025-03-10T14:09:54.011"/>
+      <inkml:timestamp xml:id="ts0" timeString="2025-03-10T19:05:54.300"/>
     </inkml:context>
     <inkml:brush xml:id="br0">
-      <inkml:brushProperty name="width" value="0.05" units="cm"/>
-      <inkml:brushProperty name="height" value="0.05" units="cm"/>
-      <inkml:brushProperty name="color" value="#AE198D"/>
-      <inkml:brushProperty name="inkEffects" value="galaxy"/>
-      <inkml:brushProperty name="anchorX" value="-703.3916"/>
-      <inkml:brushProperty name="anchorY" value="-8051.79883"/>
-      <inkml:brushProperty name="scaleFactor" value="0.5"/>
+      <inkml:brushProperty name="width" value="0.035" units="cm"/>
+      <inkml:brushProperty name="height" value="0.035" units="cm"/>
     </inkml:brush>
   </inkml:definitions>
-  <inkml:trace contextRef="#ctx0" brushRef="#br0">0 1 24575,'0'0'0,"0"3"0,4 2 0,0 7 0,1 3 0,2-1 0,-1 6 0,0 1 0,-2 4 0,6-3 0,0-1 0,3 3 0,-3-1 0,-1 4 0,-3-1 0,5-5 0,-1 3 0,-1-2 0,1 4 0,-1-1 0,5 3 0,-2 0 0,-1 1 0,-3 0 0,1 1 0,-3-2 0,0 3 0,5-3 0,-1 2 0,-1-2 0,2-5 0,-3 1 0,-1-2 0,-3 4 0,-1-2 0,-2 4 0,0-1 0,7-4 0,-1 0 0,1 0 0,-2 2 0,3 0 0,-3 3 0,8-4 0,-2-2 0,-2 2 0,2-5 0,-3 0 0,-2-9 0,-3-8 0,-5-4 0,-1-9 0,-2-6 0,1-6 0,-4 1 0,1 1 0,1-4 0,1 0 0,-6 5 0,0-2 0,2 0 0,1-3 0,2 0 0,3-4 0,0 2 0,2-3 0,0 2 0,0-2 0,1 1 0,-1-1 0,0 2 0,0-2 0,4 5 0,0 3 0,8 6 0,3 5 0,7 4 0,-2 8 0,0 5 0,-4 10 0,-4 4 0,4-1 0,-4 4 0,2-4 0,-3 0 0,-3 3 0,-3 0 0,-1 4 0,-3 0 0,-1 3 0,0-1 0,7-5 0,1 1 0,-1-1 0,-1 3 0,-1-2 0,-2 5 0,-6-6 0,0-1 0,0 2 0,-9-5 0,2 0 0,-4-5 0,2 3 0,3 1 0,-5-3 0,2 5 0,-2-4 0,3 0 0,-6-3 0,4 4 0,1-3 0</inkml:trace>
+  <inkml:trace contextRef="#ctx0" brushRef="#br0">0 76 24430,'2565'-76'0</inkml:trace>
 </inkml:ink>
 </file>
 
@@ -934,19 +2128,126 @@
           <inkml:channelProperty channel="F" name="resolution" value="0" units="1/dev"/>
         </inkml:channelProperties>
       </inkml:inkSource>
-      <inkml:timestamp xml:id="ts0" timeString="2025-03-10T14:09:55.478"/>
+      <inkml:timestamp xml:id="ts0" timeString="2025-03-10T19:06:03.765"/>
     </inkml:context>
     <inkml:brush xml:id="br0">
-      <inkml:brushProperty name="width" value="0.05" units="cm"/>
-      <inkml:brushProperty name="height" value="0.05" units="cm"/>
-      <inkml:brushProperty name="color" value="#AE198D"/>
-      <inkml:brushProperty name="inkEffects" value="galaxy"/>
-      <inkml:brushProperty name="anchorX" value="-1934.03796"/>
-      <inkml:brushProperty name="anchorY" value="-10094.73828"/>
-      <inkml:brushProperty name="scaleFactor" value="0.5"/>
+      <inkml:brushProperty name="width" value="0.3" units="cm"/>
+      <inkml:brushProperty name="height" value="0.6" units="cm"/>
+      <inkml:brushProperty name="color" value="#FFFC00"/>
+      <inkml:brushProperty name="tip" value="rectangle"/>
+      <inkml:brushProperty name="rasterOp" value="maskPen"/>
+      <inkml:brushProperty name="ignorePressure" value="1"/>
     </inkml:brush>
   </inkml:definitions>
-  <inkml:trace contextRef="#ctx0" brushRef="#br0">22 336 24575,'0'0'0,"6"0"0,3-4 0,3 0 0,-1-7 0,5-1 0,-2-2 0,2 2 0,-3-5 0,4 2 0,-2-1 0,0 4 0,-3-5 0,-3-1 0,5 2 0,1 4 0,-1-4 0,4 3 0,-2-2 0,-3-4 0,-4-1 0,1 2 0,-3-3 0,-6 3 0,-2 8 0,-5 5 0,0 11 0,-8 2 0,-3 2 0,2 2 0,-6-2 0,4 6 0,-1 1 0,-3-1 0,3 4 0,4 0 0,0-2 0,3 3 0,4-1 0,-5-2 0,1 3 0,3-1 0,-3-2 0,3 2 0,1 1 0,3 3 0,-6-3 0,0 0 0,2 2 0,2 0 0,1 4 0,3-1 0,1 3 0,0-1 0,5-6 0,8-6 0,5-5 0,6-5 0,2-3 0,4-3 0,-4-4 0,-2-1 0,3 0 0,-2 1 0,3 1 0,-5-3 0,-1 1 0,3 0 0,-5-6 0,-1 1 0,4 1 0,-4-2 0,0 2 0,-4-6 0,3 2 0,-2-1 0,0 2 0,-3-5 0,4 3 0,2 2 0,-3 0 0,5-5 0,0 2 0,5-1 0,-4-5 0,0 3 0,-5 0 0,3 4 0,-4 4 0</inkml:trace>
+  <inkml:trace contextRef="#ctx0" brushRef="#br0">0 0 0,'2942'0'0</inkml:trace>
+</inkml:ink>
+</file>
+
+<file path=ppt/ink/ink36.xml><?xml version="1.0" encoding="utf-8"?>
+<inkml:ink xmlns:inkml="http://www.w3.org/2003/InkML">
+  <inkml:definitions>
+    <inkml:context xml:id="ctx0">
+      <inkml:inkSource xml:id="inkSrc0">
+        <inkml:traceFormat>
+          <inkml:channel name="X" type="integer" min="-2.14748E9" max="2.14748E9" units="cm"/>
+          <inkml:channel name="Y" type="integer" min="-2.14748E9" max="2.14748E9" units="cm"/>
+          <inkml:channel name="F" type="integer" max="32767" units="dev"/>
+        </inkml:traceFormat>
+        <inkml:channelProperties>
+          <inkml:channelProperty channel="X" name="resolution" value="1000" units="1/cm"/>
+          <inkml:channelProperty channel="Y" name="resolution" value="1000" units="1/cm"/>
+          <inkml:channelProperty channel="F" name="resolution" value="0" units="1/dev"/>
+        </inkml:channelProperties>
+      </inkml:inkSource>
+      <inkml:timestamp xml:id="ts0" timeString="2025-03-10T19:06:39.615"/>
+    </inkml:context>
+    <inkml:brush xml:id="br0">
+      <inkml:brushProperty name="width" value="0.035" units="cm"/>
+      <inkml:brushProperty name="height" value="0.035" units="cm"/>
+    </inkml:brush>
+  </inkml:definitions>
+  <inkml:trace contextRef="#ctx0" brushRef="#br0">0 428 23977,'604'-428'0</inkml:trace>
+</inkml:ink>
+</file>
+
+<file path=ppt/ink/ink37.xml><?xml version="1.0" encoding="utf-8"?>
+<inkml:ink xmlns:inkml="http://www.w3.org/2003/InkML">
+  <inkml:definitions>
+    <inkml:context xml:id="ctx0">
+      <inkml:inkSource xml:id="inkSrc0">
+        <inkml:traceFormat>
+          <inkml:channel name="X" type="integer" min="-2.14748E9" max="2.14748E9" units="cm"/>
+          <inkml:channel name="Y" type="integer" min="-2.14748E9" max="2.14748E9" units="cm"/>
+          <inkml:channel name="F" type="integer" max="32767" units="dev"/>
+        </inkml:traceFormat>
+        <inkml:channelProperties>
+          <inkml:channelProperty channel="X" name="resolution" value="1000" units="1/cm"/>
+          <inkml:channelProperty channel="Y" name="resolution" value="1000" units="1/cm"/>
+          <inkml:channelProperty channel="F" name="resolution" value="0" units="1/dev"/>
+        </inkml:channelProperties>
+      </inkml:inkSource>
+      <inkml:timestamp xml:id="ts0" timeString="2025-03-10T19:06:41.806"/>
+    </inkml:context>
+    <inkml:brush xml:id="br0">
+      <inkml:brushProperty name="width" value="0.035" units="cm"/>
+      <inkml:brushProperty name="height" value="0.035" units="cm"/>
+    </inkml:brush>
+  </inkml:definitions>
+  <inkml:trace contextRef="#ctx0" brushRef="#br0">0 0 24191,'1132'428'0</inkml:trace>
+</inkml:ink>
+</file>
+
+<file path=ppt/ink/ink38.xml><?xml version="1.0" encoding="utf-8"?>
+<inkml:ink xmlns:inkml="http://www.w3.org/2003/InkML">
+  <inkml:definitions>
+    <inkml:context xml:id="ctx0">
+      <inkml:inkSource xml:id="inkSrc0">
+        <inkml:traceFormat>
+          <inkml:channel name="X" type="integer" min="-2.14748E9" max="2.14748E9" units="cm"/>
+          <inkml:channel name="Y" type="integer" min="-2.14748E9" max="2.14748E9" units="cm"/>
+          <inkml:channel name="F" type="integer" max="32767" units="dev"/>
+        </inkml:traceFormat>
+        <inkml:channelProperties>
+          <inkml:channelProperty channel="X" name="resolution" value="1000" units="1/cm"/>
+          <inkml:channelProperty channel="Y" name="resolution" value="1000" units="1/cm"/>
+          <inkml:channelProperty channel="F" name="resolution" value="0" units="1/dev"/>
+        </inkml:channelProperties>
+      </inkml:inkSource>
+      <inkml:timestamp xml:id="ts0" timeString="2025-03-10T19:06:50.593"/>
+    </inkml:context>
+    <inkml:brush xml:id="br0">
+      <inkml:brushProperty name="width" value="0.035" units="cm"/>
+      <inkml:brushProperty name="height" value="0.035" units="cm"/>
+    </inkml:brush>
+  </inkml:definitions>
+  <inkml:trace contextRef="#ctx0" brushRef="#br0">2012 478 24233,'-2012'-478'0</inkml:trace>
+</inkml:ink>
+</file>
+
+<file path=ppt/ink/ink39.xml><?xml version="1.0" encoding="utf-8"?>
+<inkml:ink xmlns:inkml="http://www.w3.org/2003/InkML">
+  <inkml:definitions>
+    <inkml:context xml:id="ctx0">
+      <inkml:inkSource xml:id="inkSrc0">
+        <inkml:traceFormat>
+          <inkml:channel name="X" type="integer" min="-2.14748E9" max="2.14748E9" units="cm"/>
+          <inkml:channel name="Y" type="integer" min="-2.14748E9" max="2.14748E9" units="cm"/>
+          <inkml:channel name="F" type="integer" max="32767" units="dev"/>
+        </inkml:traceFormat>
+        <inkml:channelProperties>
+          <inkml:channelProperty channel="X" name="resolution" value="1000" units="1/cm"/>
+          <inkml:channelProperty channel="Y" name="resolution" value="1000" units="1/cm"/>
+          <inkml:channelProperty channel="F" name="resolution" value="0" units="1/dev"/>
+        </inkml:channelProperties>
+      </inkml:inkSource>
+      <inkml:timestamp xml:id="ts0" timeString="2025-03-10T19:07:05.470"/>
+    </inkml:context>
+    <inkml:brush xml:id="br0">
+      <inkml:brushProperty name="width" value="0.035" units="cm"/>
+      <inkml:brushProperty name="height" value="0.035" units="cm"/>
+    </inkml:brush>
+  </inkml:definitions>
+  <inkml:trace contextRef="#ctx0" brushRef="#br0">0 151 23937,'730'-150'0</inkml:trace>
 </inkml:ink>
 </file>
 
@@ -977,6 +2278,276 @@
 </inkml:ink>
 </file>
 
+<file path=ppt/ink/ink40.xml><?xml version="1.0" encoding="utf-8"?>
+<inkml:ink xmlns:inkml="http://www.w3.org/2003/InkML">
+  <inkml:definitions>
+    <inkml:context xml:id="ctx0">
+      <inkml:inkSource xml:id="inkSrc0">
+        <inkml:traceFormat>
+          <inkml:channel name="X" type="integer" min="-2.14748E9" max="2.14748E9" units="cm"/>
+          <inkml:channel name="Y" type="integer" min="-2.14748E9" max="2.14748E9" units="cm"/>
+          <inkml:channel name="F" type="integer" max="32767" units="dev"/>
+        </inkml:traceFormat>
+        <inkml:channelProperties>
+          <inkml:channelProperty channel="X" name="resolution" value="1000" units="1/cm"/>
+          <inkml:channelProperty channel="Y" name="resolution" value="1000" units="1/cm"/>
+          <inkml:channelProperty channel="F" name="resolution" value="0" units="1/dev"/>
+        </inkml:channelProperties>
+      </inkml:inkSource>
+      <inkml:timestamp xml:id="ts0" timeString="2025-03-10T19:06:09.717"/>
+    </inkml:context>
+    <inkml:brush xml:id="br0">
+      <inkml:brushProperty name="width" value="0.035" units="cm"/>
+      <inkml:brushProperty name="height" value="0.035" units="cm"/>
+    </inkml:brush>
+  </inkml:definitions>
+  <inkml:trace contextRef="#ctx0" brushRef="#br0">347 0 24575,'-1'4'0,"1"0"0,-1-1 0,0 1 0,0 0 0,0-1 0,0 1 0,-1-1 0,0 0 0,1 1 0,-1-1 0,-4 5 0,-33 38 0,14-19 0,-13 21 0,8-12 0,0 2 0,3 2 0,-26 48 0,43-65 0,2 1 0,0-1 0,-5 33 0,8-31 0,-1-1 0,-1 0 0,-12 26 0,11-41 120,8-9-164,0 0 1,0 0-1,0 0 0,0 0 1,0 0-1,0 0 0,0 0 1,0 0-1,0 0 0,0 0 1,0 0-1,0-1 0,0 1 1,0 0-1,0 0 0,0 0 0,0 0 1,0 0-1,-1 0 0,1 0 1,0 0-1,0 0 0,0 0 1,0 0-1,0 0 0,0 0 1,0 0-1,0 0 0,0 0 1,0 0-1,0 0 0,0 0 1,-1 0-1,5-6-6782</inkml:trace>
+</inkml:ink>
+</file>
+
+<file path=ppt/ink/ink41.xml><?xml version="1.0" encoding="utf-8"?>
+<inkml:ink xmlns:inkml="http://www.w3.org/2003/InkML">
+  <inkml:definitions>
+    <inkml:context xml:id="ctx0">
+      <inkml:inkSource xml:id="inkSrc0">
+        <inkml:traceFormat>
+          <inkml:channel name="X" type="integer" min="-2.14748E9" max="2.14748E9" units="cm"/>
+          <inkml:channel name="Y" type="integer" min="-2.14748E9" max="2.14748E9" units="cm"/>
+          <inkml:channel name="F" type="integer" max="32767" units="dev"/>
+        </inkml:traceFormat>
+        <inkml:channelProperties>
+          <inkml:channelProperty channel="X" name="resolution" value="1000" units="1/cm"/>
+          <inkml:channelProperty channel="Y" name="resolution" value="1000" units="1/cm"/>
+          <inkml:channelProperty channel="F" name="resolution" value="0" units="1/dev"/>
+        </inkml:channelProperties>
+      </inkml:inkSource>
+      <inkml:timestamp xml:id="ts0" timeString="2025-03-10T19:06:10.392"/>
+    </inkml:context>
+    <inkml:brush xml:id="br0">
+      <inkml:brushProperty name="width" value="0.035" units="cm"/>
+      <inkml:brushProperty name="height" value="0.035" units="cm"/>
+    </inkml:brush>
+  </inkml:definitions>
+  <inkml:trace contextRef="#ctx0" brushRef="#br0">418 1 24575,'-1'8'0,"-1"0"0,0-1 0,-1 1 0,0 0 0,0-1 0,-1 0 0,1 0 0,-1 0 0,-1 0 0,0 0 0,0-1 0,-10 11 0,-15 22 0,-97 137 0,18-45 0,96-114 0,1 2 0,0-1 0,-12 29 0,20-37 0,-2 0 0,1-1 0,-14 17 0,17-25 4,4-6-83,1-1-1211,1-7-5536</inkml:trace>
+</inkml:ink>
+</file>
+
+<file path=ppt/ink/ink42.xml><?xml version="1.0" encoding="utf-8"?>
+<inkml:ink xmlns:inkml="http://www.w3.org/2003/InkML">
+  <inkml:definitions>
+    <inkml:context xml:id="ctx0">
+      <inkml:inkSource xml:id="inkSrc0">
+        <inkml:traceFormat>
+          <inkml:channel name="X" type="integer" min="-2.14748E9" max="2.14748E9" units="cm"/>
+          <inkml:channel name="Y" type="integer" min="-2.14748E9" max="2.14748E9" units="cm"/>
+          <inkml:channel name="F" type="integer" max="32767" units="dev"/>
+        </inkml:traceFormat>
+        <inkml:channelProperties>
+          <inkml:channelProperty channel="X" name="resolution" value="1000" units="1/cm"/>
+          <inkml:channelProperty channel="Y" name="resolution" value="1000" units="1/cm"/>
+          <inkml:channelProperty channel="F" name="resolution" value="0" units="1/dev"/>
+        </inkml:channelProperties>
+      </inkml:inkSource>
+      <inkml:timestamp xml:id="ts0" timeString="2025-03-10T19:06:10.820"/>
+    </inkml:context>
+    <inkml:brush xml:id="br0">
+      <inkml:brushProperty name="width" value="0.035" units="cm"/>
+      <inkml:brushProperty name="height" value="0.035" units="cm"/>
+    </inkml:brush>
+  </inkml:definitions>
+  <inkml:trace contextRef="#ctx0" brushRef="#br0">177 0 24575,'-2'21'0,"-1"-1"0,-2 1 0,0-1 0,-1 0 0,0-1 0,-2 1 0,-10 18 0,4-6 0,6-14 0,-48 101 0,47-102-273,2 0 0,0 0 0,0 1 0,-7 36 0,12-45-6553</inkml:trace>
+</inkml:ink>
+</file>
+
+<file path=ppt/ink/ink43.xml><?xml version="1.0" encoding="utf-8"?>
+<inkml:ink xmlns:inkml="http://www.w3.org/2003/InkML">
+  <inkml:definitions>
+    <inkml:context xml:id="ctx0">
+      <inkml:inkSource xml:id="inkSrc0">
+        <inkml:traceFormat>
+          <inkml:channel name="X" type="integer" min="-2.14748E9" max="2.14748E9" units="cm"/>
+          <inkml:channel name="Y" type="integer" min="-2.14748E9" max="2.14748E9" units="cm"/>
+          <inkml:channel name="F" type="integer" max="32767" units="dev"/>
+        </inkml:traceFormat>
+        <inkml:channelProperties>
+          <inkml:channelProperty channel="X" name="resolution" value="1000" units="1/cm"/>
+          <inkml:channelProperty channel="Y" name="resolution" value="1000" units="1/cm"/>
+          <inkml:channelProperty channel="F" name="resolution" value="0" units="1/dev"/>
+        </inkml:channelProperties>
+      </inkml:inkSource>
+      <inkml:timestamp xml:id="ts0" timeString="2025-03-10T19:06:12.865"/>
+    </inkml:context>
+    <inkml:brush xml:id="br0">
+      <inkml:brushProperty name="width" value="0.035" units="cm"/>
+      <inkml:brushProperty name="height" value="0.035" units="cm"/>
+    </inkml:brush>
+  </inkml:definitions>
+  <inkml:trace contextRef="#ctx0" brushRef="#br0">274 0 24575,'-1'9'0,"0"1"0,0-1 0,-1 0 0,-1 0 0,1-1 0,-1 1 0,-7 14 0,-37 60 0,32-58 0,-60 85 0,-26 57 0,94-150-1365,2-1-5461</inkml:trace>
+</inkml:ink>
+</file>
+
+<file path=ppt/ink/ink44.xml><?xml version="1.0" encoding="utf-8"?>
+<inkml:ink xmlns:inkml="http://www.w3.org/2003/InkML">
+  <inkml:definitions>
+    <inkml:context xml:id="ctx0">
+      <inkml:inkSource xml:id="inkSrc0">
+        <inkml:traceFormat>
+          <inkml:channel name="X" type="integer" min="-2.14748E9" max="2.14748E9" units="cm"/>
+          <inkml:channel name="Y" type="integer" min="-2.14748E9" max="2.14748E9" units="cm"/>
+          <inkml:channel name="F" type="integer" max="32767" units="dev"/>
+        </inkml:traceFormat>
+        <inkml:channelProperties>
+          <inkml:channelProperty channel="X" name="resolution" value="1000" units="1/cm"/>
+          <inkml:channelProperty channel="Y" name="resolution" value="1000" units="1/cm"/>
+          <inkml:channelProperty channel="F" name="resolution" value="0" units="1/dev"/>
+        </inkml:channelProperties>
+      </inkml:inkSource>
+      <inkml:timestamp xml:id="ts0" timeString="2025-03-10T19:06:15.967"/>
+    </inkml:context>
+    <inkml:brush xml:id="br0">
+      <inkml:brushProperty name="width" value="0.035" units="cm"/>
+      <inkml:brushProperty name="height" value="0.035" units="cm"/>
+    </inkml:brush>
+  </inkml:definitions>
+  <inkml:trace contextRef="#ctx0" brushRef="#br0">0 1 24575,'0'4'0,"0"6"0,0 5 0,0 5 0,0 3 0,0 1 0,0 2 0,0 0 0,0 0 0,0 1 0,0-2 0,0-3-8191</inkml:trace>
+</inkml:ink>
+</file>
+
+<file path=ppt/ink/ink45.xml><?xml version="1.0" encoding="utf-8"?>
+<inkml:ink xmlns:inkml="http://www.w3.org/2003/InkML">
+  <inkml:definitions>
+    <inkml:context xml:id="ctx0">
+      <inkml:inkSource xml:id="inkSrc0">
+        <inkml:traceFormat>
+          <inkml:channel name="X" type="integer" min="-2.14748E9" max="2.14748E9" units="cm"/>
+          <inkml:channel name="Y" type="integer" min="-2.14748E9" max="2.14748E9" units="cm"/>
+          <inkml:channel name="F" type="integer" max="32767" units="dev"/>
+        </inkml:traceFormat>
+        <inkml:channelProperties>
+          <inkml:channelProperty channel="X" name="resolution" value="1000" units="1/cm"/>
+          <inkml:channelProperty channel="Y" name="resolution" value="1000" units="1/cm"/>
+          <inkml:channelProperty channel="F" name="resolution" value="0" units="1/dev"/>
+        </inkml:channelProperties>
+      </inkml:inkSource>
+      <inkml:timestamp xml:id="ts0" timeString="2025-03-10T19:06:18.117"/>
+    </inkml:context>
+    <inkml:brush xml:id="br0">
+      <inkml:brushProperty name="width" value="0.035" units="cm"/>
+      <inkml:brushProperty name="height" value="0.035" units="cm"/>
+    </inkml:brush>
+  </inkml:definitions>
+  <inkml:trace contextRef="#ctx0" brushRef="#br0">611 201 24575,'-3'-6'0,"1"0"0,-1 1 0,0-1 0,0 1 0,-1 0 0,0 0 0,0 0 0,0 0 0,0 1 0,-1 0 0,1 0 0,-7-5 0,-3-4 0,1 3 0,0 0 0,-1 0 0,0 1 0,0 1 0,-1 0 0,0 2 0,0-1 0,-1 2 0,-19-5 0,-25-11 0,53 18 0,-1 1 0,0-1 0,1 1 0,-1 1 0,0 0 0,0 0 0,0 0 0,0 1 0,0 0 0,0 1 0,0-1 0,0 2 0,0-1 0,-10 4 0,8-1 0,0 1 0,0 0 0,0 0 0,0 1 0,1 1 0,0 0 0,0 0 0,1 0 0,-12 14 0,12-13 0,0 0 0,1 0 0,0 1 0,1 0 0,0 1 0,0 0 0,1-1 0,0 2 0,0-1 0,1 0 0,1 1 0,0 0 0,0 0 0,1 0 0,1 0 0,-1 0 0,2 12 0,-2 19 0,1-27 0,0 0 0,1 1 0,0-1 0,1 0 0,1 0 0,6 25 0,-4-32 0,1 0 0,-1-1 0,1 1 0,0-1 0,1-1 0,0 1 0,0-1 0,0 0 0,1 0 0,0 0 0,0-1 0,0 0 0,0-1 0,9 4 0,9 4 0,0-1 0,0-2 0,33 8 0,-22-11 0,0-1 0,0-2 0,1-2 0,-1-1 0,51-7 0,-83 7 0,0-1 0,0 0 0,0 0 0,-1 0 0,1 0 0,0-1 0,0 0 0,-1 0 0,1 0 0,-1 0 0,0 0 0,1 0 0,-1-1 0,0 0 0,0 1 0,-1-1 0,1-1 0,-1 1 0,1 0 0,-1 0 0,0-1 0,0 1 0,0-1 0,-1 0 0,2-4 0,2-8 0,-1-1 0,0 0 0,-1 0 0,1-28 0,-1-16 0,-6-102 0,2 156 0,0 0 0,-1 1 0,0-1-1,0 1 1,-1 0 0,0 0 0,0 0-1,-4-7 1,-6-11-1363,6 9-5463</inkml:trace>
+</inkml:ink>
+</file>
+
+<file path=ppt/ink/ink46.xml><?xml version="1.0" encoding="utf-8"?>
+<inkml:ink xmlns:inkml="http://www.w3.org/2003/InkML">
+  <inkml:definitions>
+    <inkml:context xml:id="ctx0">
+      <inkml:inkSource xml:id="inkSrc0">
+        <inkml:traceFormat>
+          <inkml:channel name="X" type="integer" min="-2.14748E9" max="2.14748E9" units="cm"/>
+          <inkml:channel name="Y" type="integer" min="-2.14748E9" max="2.14748E9" units="cm"/>
+          <inkml:channel name="F" type="integer" max="32767" units="dev"/>
+        </inkml:traceFormat>
+        <inkml:channelProperties>
+          <inkml:channelProperty channel="X" name="resolution" value="1000" units="1/cm"/>
+          <inkml:channelProperty channel="Y" name="resolution" value="1000" units="1/cm"/>
+          <inkml:channelProperty channel="F" name="resolution" value="0" units="1/dev"/>
+        </inkml:channelProperties>
+      </inkml:inkSource>
+      <inkml:timestamp xml:id="ts0" timeString="2025-03-10T19:06:11.198"/>
+    </inkml:context>
+    <inkml:brush xml:id="br0">
+      <inkml:brushProperty name="width" value="0.035" units="cm"/>
+      <inkml:brushProperty name="height" value="0.035" units="cm"/>
+    </inkml:brush>
+  </inkml:definitions>
+  <inkml:trace contextRef="#ctx0" brushRef="#br0">73 0 24575,'0'36'0,"1"1"0,-1-1 0,-3 0 0,-10 57 0,-17 1 0,10-37 0,18-52-120,1-3 37,0 0 0,0 0 0,1 0 0,-1 0 0,1 0 0,-1 0 0,1 0 0,-1 1 0,1-1 0,0 0 0,0 0 0,0 0 0,1 0 0,0 4 0</inkml:trace>
+</inkml:ink>
+</file>
+
+<file path=ppt/ink/ink47.xml><?xml version="1.0" encoding="utf-8"?>
+<inkml:ink xmlns:inkml="http://www.w3.org/2003/InkML">
+  <inkml:definitions>
+    <inkml:context xml:id="ctx0">
+      <inkml:inkSource xml:id="inkSrc0">
+        <inkml:traceFormat>
+          <inkml:channel name="X" type="integer" min="-2.14748E9" max="2.14748E9" units="cm"/>
+          <inkml:channel name="Y" type="integer" min="-2.14748E9" max="2.14748E9" units="cm"/>
+          <inkml:channel name="F" type="integer" max="32767" units="dev"/>
+        </inkml:traceFormat>
+        <inkml:channelProperties>
+          <inkml:channelProperty channel="X" name="resolution" value="1000" units="1/cm"/>
+          <inkml:channelProperty channel="Y" name="resolution" value="1000" units="1/cm"/>
+          <inkml:channelProperty channel="F" name="resolution" value="0" units="1/dev"/>
+        </inkml:channelProperties>
+      </inkml:inkSource>
+      <inkml:timestamp xml:id="ts0" timeString="2025-03-10T19:06:11.570"/>
+    </inkml:context>
+    <inkml:brush xml:id="br0">
+      <inkml:brushProperty name="width" value="0.035" units="cm"/>
+      <inkml:brushProperty name="height" value="0.035" units="cm"/>
+    </inkml:brush>
+  </inkml:definitions>
+  <inkml:trace contextRef="#ctx0" brushRef="#br0">193 0 24575,'0'12'0,"0"0"0,-1 0 0,-1-1 0,0 1 0,-1-1 0,0 1 0,-6 14 0,-2-3 0,-1-1 0,-20 28 0,-7 23 0,31-56 0,-1 0 0,0-1 0,-1 0 0,-16 20 0,17-29-1365,1-4-5461</inkml:trace>
+</inkml:ink>
+</file>
+
+<file path=ppt/ink/ink48.xml><?xml version="1.0" encoding="utf-8"?>
+<inkml:ink xmlns:inkml="http://www.w3.org/2003/InkML">
+  <inkml:definitions>
+    <inkml:context xml:id="ctx0">
+      <inkml:inkSource xml:id="inkSrc0">
+        <inkml:traceFormat>
+          <inkml:channel name="X" type="integer" min="-2.14748E9" max="2.14748E9" units="cm"/>
+          <inkml:channel name="Y" type="integer" min="-2.14748E9" max="2.14748E9" units="cm"/>
+          <inkml:channel name="F" type="integer" max="32767" units="dev"/>
+        </inkml:traceFormat>
+        <inkml:channelProperties>
+          <inkml:channelProperty channel="X" name="resolution" value="1000" units="1/cm"/>
+          <inkml:channelProperty channel="Y" name="resolution" value="1000" units="1/cm"/>
+          <inkml:channelProperty channel="F" name="resolution" value="0" units="1/dev"/>
+        </inkml:channelProperties>
+      </inkml:inkSource>
+      <inkml:timestamp xml:id="ts0" timeString="2025-03-10T19:06:11.949"/>
+    </inkml:context>
+    <inkml:brush xml:id="br0">
+      <inkml:brushProperty name="width" value="0.035" units="cm"/>
+      <inkml:brushProperty name="height" value="0.035" units="cm"/>
+    </inkml:brush>
+  </inkml:definitions>
+  <inkml:trace contextRef="#ctx0" brushRef="#br0">175 0 24575,'-1'14'0,"0"-1"0,-2 1 0,1-1 0,-2 0 0,0 0 0,-8 19 0,-10 34 0,4-4 0,-2 0 0,-52 107 0,60-132-1365,8-19-5461</inkml:trace>
+</inkml:ink>
+</file>
+
+<file path=ppt/ink/ink49.xml><?xml version="1.0" encoding="utf-8"?>
+<inkml:ink xmlns:inkml="http://www.w3.org/2003/InkML">
+  <inkml:definitions>
+    <inkml:context xml:id="ctx0">
+      <inkml:inkSource xml:id="inkSrc0">
+        <inkml:traceFormat>
+          <inkml:channel name="X" type="integer" min="-2.14748E9" max="2.14748E9" units="cm"/>
+          <inkml:channel name="Y" type="integer" min="-2.14748E9" max="2.14748E9" units="cm"/>
+          <inkml:channel name="F" type="integer" max="32767" units="dev"/>
+        </inkml:traceFormat>
+        <inkml:channelProperties>
+          <inkml:channelProperty channel="X" name="resolution" value="1000" units="1/cm"/>
+          <inkml:channelProperty channel="Y" name="resolution" value="1000" units="1/cm"/>
+          <inkml:channelProperty channel="F" name="resolution" value="0" units="1/dev"/>
+        </inkml:channelProperties>
+      </inkml:inkSource>
+      <inkml:timestamp xml:id="ts0" timeString="2025-03-10T19:06:19.453"/>
+    </inkml:context>
+    <inkml:brush xml:id="br0">
+      <inkml:brushProperty name="width" value="0.035" units="cm"/>
+      <inkml:brushProperty name="height" value="0.035" units="cm"/>
+    </inkml:brush>
+  </inkml:definitions>
+  <inkml:trace contextRef="#ctx0" brushRef="#br0">1 0 24575,'0'4'0,"0"6"0,0 6 0,0 4 0,0 3 0,0 2 0,0 0 0,0 2 0,0-1 0,0 0 0,0 0 0,0-1 0,0 1 0,0-1 0,0-4-8191</inkml:trace>
+</inkml:ink>
+</file>
+
 <file path=ppt/ink/ink5.xml><?xml version="1.0" encoding="utf-8"?>
 <inkml:ink xmlns:inkml="http://www.w3.org/2003/InkML">
   <inkml:definitions>
@@ -1004,6 +2575,276 @@
 </inkml:ink>
 </file>
 
+<file path=ppt/ink/ink50.xml><?xml version="1.0" encoding="utf-8"?>
+<inkml:ink xmlns:inkml="http://www.w3.org/2003/InkML">
+  <inkml:definitions>
+    <inkml:context xml:id="ctx0">
+      <inkml:inkSource xml:id="inkSrc0">
+        <inkml:traceFormat>
+          <inkml:channel name="X" type="integer" min="-2.14748E9" max="2.14748E9" units="cm"/>
+          <inkml:channel name="Y" type="integer" min="-2.14748E9" max="2.14748E9" units="cm"/>
+          <inkml:channel name="F" type="integer" max="32767" units="dev"/>
+        </inkml:traceFormat>
+        <inkml:channelProperties>
+          <inkml:channelProperty channel="X" name="resolution" value="1000" units="1/cm"/>
+          <inkml:channelProperty channel="Y" name="resolution" value="1000" units="1/cm"/>
+          <inkml:channelProperty channel="F" name="resolution" value="0" units="1/dev"/>
+        </inkml:channelProperties>
+      </inkml:inkSource>
+      <inkml:timestamp xml:id="ts0" timeString="2025-03-10T19:06:21.064"/>
+    </inkml:context>
+    <inkml:brush xml:id="br0">
+      <inkml:brushProperty name="width" value="0.035" units="cm"/>
+      <inkml:brushProperty name="height" value="0.035" units="cm"/>
+    </inkml:brush>
+  </inkml:definitions>
+  <inkml:trace contextRef="#ctx0" brushRef="#br0">757 128 24575,'-19'0'0,"-16"1"0,1-2 0,0-1 0,-57-11 0,50 6 0,0 2 0,-1 2 0,1 1 0,-1 3 0,-42 5 0,75-5 0,0 1 0,1 0 0,0 0 0,-1 0 0,1 1 0,0 0 0,0 1 0,0 0 0,1 0 0,-1 1 0,1 0 0,0 0 0,-12 12 0,10-7 0,0 1 0,1 0 0,0 0 0,0 0 0,1 1 0,1 0 0,-10 26 0,-3 10 0,12-32 0,0 0 0,1 1 0,1-1 0,1 1 0,0 0 0,1 1 0,0 19 0,2-18 0,1 1 0,2-1 0,0 1 0,8 35 0,-6-44 0,0 0 0,1 0 0,0-1 0,0 1 0,1-1 0,0-1 0,1 1 0,0-1 0,13 13 0,-9-11 0,-1-1 0,2-1 0,-1 0 0,1 0 0,1-1 0,0 0 0,0-1 0,0-1 0,1 0 0,0-1 0,0 0 0,0-1 0,1-1 0,27 3 0,18 5 0,-34-6 0,1-1 0,36 1 0,-35-4 0,-8-1 0,1 0 0,-1-1 0,23-4 0,-36 3 0,0 0 0,0 0 0,0 0 0,0-1 0,0 0 0,-1-1 0,1 1 0,-1-1 0,0 0 0,0-1 0,-1 1 0,8-9 0,-2 0 0,-1 0 0,0 0 0,-1-1 0,-1 0 0,0-1 0,-1 0 0,0 0 0,-1 0 0,-1-1 0,-1 0 0,5-30 0,-3-10 0,-2 0 0,-4-64 0,-1 57 0,1 53 0,-1 0 0,0 1 0,0-1 0,-1 0 0,-1 0 0,1 1 0,-1-1 0,-1 1 0,0 0 0,0 0 0,-1 1 0,0-1 0,-1 1 0,0 0 0,0 0 0,-1 1 0,1 0 0,-2 0 0,1 0 0,-10-6 0,-8-3 0,0 1 0,-1 1 0,0 1 0,-1 2 0,-43-13 0,46 18-227,0 0-1,0 2 1,0 1-1,0 1 1,-36 2-1,38 0-6598</inkml:trace>
+</inkml:ink>
+</file>
+
+<file path=ppt/ink/ink51.xml><?xml version="1.0" encoding="utf-8"?>
+<inkml:ink xmlns:inkml="http://www.w3.org/2003/InkML">
+  <inkml:definitions>
+    <inkml:context xml:id="ctx0">
+      <inkml:inkSource xml:id="inkSrc0">
+        <inkml:traceFormat>
+          <inkml:channel name="X" type="integer" min="-2.14748E9" max="2.14748E9" units="cm"/>
+          <inkml:channel name="Y" type="integer" min="-2.14748E9" max="2.14748E9" units="cm"/>
+          <inkml:channel name="F" type="integer" max="32767" units="dev"/>
+        </inkml:traceFormat>
+        <inkml:channelProperties>
+          <inkml:channelProperty channel="X" name="resolution" value="1000" units="1/cm"/>
+          <inkml:channelProperty channel="Y" name="resolution" value="1000" units="1/cm"/>
+          <inkml:channelProperty channel="F" name="resolution" value="0" units="1/dev"/>
+        </inkml:channelProperties>
+      </inkml:inkSource>
+      <inkml:timestamp xml:id="ts0" timeString="2025-03-10T19:06:46.120"/>
+    </inkml:context>
+    <inkml:brush xml:id="br0">
+      <inkml:brushProperty name="width" value="0.035" units="cm"/>
+      <inkml:brushProperty name="height" value="0.035" units="cm"/>
+    </inkml:brush>
+  </inkml:definitions>
+  <inkml:trace contextRef="#ctx0" brushRef="#br0">0 385 24575,'2'-13'0,"0"-1"0,1 0 0,0 1 0,1-1 0,0 1 0,8-14 0,5-20 0,-7 13 0,10-54 0,-18 75-227,2 0-1,-1 0 1,2 0-1,0 0 1,8-15-1,-6 14-6598</inkml:trace>
+</inkml:ink>
+</file>
+
+<file path=ppt/ink/ink52.xml><?xml version="1.0" encoding="utf-8"?>
+<inkml:ink xmlns:inkml="http://www.w3.org/2003/InkML">
+  <inkml:definitions>
+    <inkml:context xml:id="ctx0">
+      <inkml:inkSource xml:id="inkSrc0">
+        <inkml:traceFormat>
+          <inkml:channel name="X" type="integer" min="-2.14748E9" max="2.14748E9" units="cm"/>
+          <inkml:channel name="Y" type="integer" min="-2.14748E9" max="2.14748E9" units="cm"/>
+          <inkml:channel name="F" type="integer" max="32767" units="dev"/>
+        </inkml:traceFormat>
+        <inkml:channelProperties>
+          <inkml:channelProperty channel="X" name="resolution" value="1000" units="1/cm"/>
+          <inkml:channelProperty channel="Y" name="resolution" value="1000" units="1/cm"/>
+          <inkml:channelProperty channel="F" name="resolution" value="0" units="1/dev"/>
+        </inkml:channelProperties>
+      </inkml:inkSource>
+      <inkml:timestamp xml:id="ts0" timeString="2025-03-10T19:06:47.987"/>
+    </inkml:context>
+    <inkml:brush xml:id="br0">
+      <inkml:brushProperty name="width" value="0.035" units="cm"/>
+      <inkml:brushProperty name="height" value="0.035" units="cm"/>
+    </inkml:brush>
+  </inkml:definitions>
+  <inkml:trace contextRef="#ctx0" brushRef="#br0">1 0 24575,'1'1'0,"0"-1"0,1 1 0,-1-1 0,0 1 0,1 0 0,-1-1 0,0 1 0,0 0 0,0 0 0,0 0 0,0 0 0,0 0 0,0 0 0,0 0 0,0 0 0,0 0 0,-1 0 0,2 2 0,14 29 0,-12-25 0,98 173 0,-49-107 0,-42-46 0,-1 1 0,0 0 0,7 47 0,2 1 0,-13-57-161,1-1-1,1-1 1,13 22-1,-16-29-557,3 4-6107</inkml:trace>
+</inkml:ink>
+</file>
+
+<file path=ppt/ink/ink53.xml><?xml version="1.0" encoding="utf-8"?>
+<inkml:ink xmlns:inkml="http://www.w3.org/2003/InkML">
+  <inkml:definitions>
+    <inkml:context xml:id="ctx0">
+      <inkml:inkSource xml:id="inkSrc0">
+        <inkml:traceFormat>
+          <inkml:channel name="X" type="integer" min="-2.14748E9" max="2.14748E9" units="cm"/>
+          <inkml:channel name="Y" type="integer" min="-2.14748E9" max="2.14748E9" units="cm"/>
+          <inkml:channel name="F" type="integer" max="32767" units="dev"/>
+        </inkml:traceFormat>
+        <inkml:channelProperties>
+          <inkml:channelProperty channel="X" name="resolution" value="1000" units="1/cm"/>
+          <inkml:channelProperty channel="Y" name="resolution" value="1000" units="1/cm"/>
+          <inkml:channelProperty channel="F" name="resolution" value="0" units="1/dev"/>
+        </inkml:channelProperties>
+      </inkml:inkSource>
+      <inkml:timestamp xml:id="ts0" timeString="2025-03-10T19:06:56.537"/>
+    </inkml:context>
+    <inkml:brush xml:id="br0">
+      <inkml:brushProperty name="width" value="0.035" units="cm"/>
+      <inkml:brushProperty name="height" value="0.035" units="cm"/>
+    </inkml:brush>
+  </inkml:definitions>
+  <inkml:trace contextRef="#ctx0" brushRef="#br0">252 1 24575,'0'9'0,"-1"0"0,0-1 0,0 1 0,-1 0 0,0 0 0,-1-1 0,0 1 0,0-1 0,-1 0 0,0 0 0,0 0 0,-7 8 0,-5 6 0,-2-2 0,-32 32 0,28-31 0,7-5 0,2 0 0,0 1 0,1 0 0,1 1 0,0 1 0,-12 31 0,18-34-1365,1-3-5461</inkml:trace>
+</inkml:ink>
+</file>
+
+<file path=ppt/ink/ink54.xml><?xml version="1.0" encoding="utf-8"?>
+<inkml:ink xmlns:inkml="http://www.w3.org/2003/InkML">
+  <inkml:definitions>
+    <inkml:context xml:id="ctx0">
+      <inkml:inkSource xml:id="inkSrc0">
+        <inkml:traceFormat>
+          <inkml:channel name="X" type="integer" min="-2.14748E9" max="2.14748E9" units="cm"/>
+          <inkml:channel name="Y" type="integer" min="-2.14748E9" max="2.14748E9" units="cm"/>
+          <inkml:channel name="F" type="integer" max="32767" units="dev"/>
+        </inkml:traceFormat>
+        <inkml:channelProperties>
+          <inkml:channelProperty channel="X" name="resolution" value="1000" units="1/cm"/>
+          <inkml:channelProperty channel="Y" name="resolution" value="1000" units="1/cm"/>
+          <inkml:channelProperty channel="F" name="resolution" value="0" units="1/dev"/>
+        </inkml:channelProperties>
+      </inkml:inkSource>
+      <inkml:timestamp xml:id="ts0" timeString="2025-03-10T19:06:58.907"/>
+    </inkml:context>
+    <inkml:brush xml:id="br0">
+      <inkml:brushProperty name="width" value="0.035" units="cm"/>
+      <inkml:brushProperty name="height" value="0.035" units="cm"/>
+    </inkml:brush>
+  </inkml:definitions>
+  <inkml:trace contextRef="#ctx0" brushRef="#br0">0 1 24575,'30'-1'0,"0"3"0,-1 0 0,42 9 0,-55-7 0,-1-1 0,0 2 0,0 0 0,-1 0 0,24 14 0,-27-14 0,0-1 0,0 0 0,0-1 0,1 0 0,-1 0 0,17 1 0,43 11 0,-67-14 0,1 1 0,-1 0 0,1 0 0,-1 1 0,1-1 0,-1 1 0,0 0 0,0 0 0,-1 0 0,1 1 0,6 7 0,-7-8 0,0 1-1,1-1 0,-1 1 1,1-1-1,0 0 0,0-1 1,0 1-1,0-1 1,1 1-1,-1-1 0,1 0 1,-1-1-1,1 1 0,0-1 1,0 0-1,-1 0 1,1-1-1,8 1 0,26 6-1352,-22-2-5473</inkml:trace>
+</inkml:ink>
+</file>
+
+<file path=ppt/ink/ink55.xml><?xml version="1.0" encoding="utf-8"?>
+<inkml:ink xmlns:inkml="http://www.w3.org/2003/InkML">
+  <inkml:definitions>
+    <inkml:context xml:id="ctx0">
+      <inkml:inkSource xml:id="inkSrc0">
+        <inkml:traceFormat>
+          <inkml:channel name="X" type="integer" min="-2.14748E9" max="2.14748E9" units="cm"/>
+          <inkml:channel name="Y" type="integer" min="-2.14748E9" max="2.14748E9" units="cm"/>
+          <inkml:channel name="F" type="integer" max="32767" units="dev"/>
+        </inkml:traceFormat>
+        <inkml:channelProperties>
+          <inkml:channelProperty channel="X" name="resolution" value="1000" units="1/cm"/>
+          <inkml:channelProperty channel="Y" name="resolution" value="1000" units="1/cm"/>
+          <inkml:channelProperty channel="F" name="resolution" value="0" units="1/dev"/>
+        </inkml:channelProperties>
+      </inkml:inkSource>
+      <inkml:timestamp xml:id="ts0" timeString="2025-03-10T19:07:09.664"/>
+    </inkml:context>
+    <inkml:brush xml:id="br0">
+      <inkml:brushProperty name="width" value="0.035" units="cm"/>
+      <inkml:brushProperty name="height" value="0.035" units="cm"/>
+    </inkml:brush>
+  </inkml:definitions>
+  <inkml:trace contextRef="#ctx0" brushRef="#br0">591 715 24575,'1'-5'0,"-2"-1"0,1 1 0,0 0 0,-1 0 0,0 0 0,0 0 0,-1 0 0,0 0 0,1 0 0,-1 0 0,-1 0 0,1 1 0,-1-1 0,0 1 0,0 0 0,0-1 0,-1 2 0,1-1 0,-1 0 0,0 1 0,0-1 0,0 1 0,-9-5 0,5 1 0,0 0 0,1 0 0,-13-16 0,13 15 0,1 0 0,-1 0 0,-1 1 0,-9-8 0,0 1 0,2-1 0,0 0 0,1-1 0,0 0 0,-17-29 0,22 30 0,1-1 0,0 0 0,-7-23 0,-15-32 0,20 53 0,-1-1 0,-22-27 0,27 38 0,-1 1 0,-1 1 0,1-1 0,-1 1 0,0 0 0,-1 1 0,1 0 0,-11-4 0,0-2-78,0-1 1,0 0-1,-22-20 0,21 16-976,8 7-5772</inkml:trace>
+</inkml:ink>
+</file>
+
+<file path=ppt/ink/ink56.xml><?xml version="1.0" encoding="utf-8"?>
+<inkml:ink xmlns:inkml="http://www.w3.org/2003/InkML">
+  <inkml:definitions>
+    <inkml:context xml:id="ctx0">
+      <inkml:inkSource xml:id="inkSrc0">
+        <inkml:traceFormat>
+          <inkml:channel name="X" type="integer" min="-2.14748E9" max="2.14748E9" units="cm"/>
+          <inkml:channel name="Y" type="integer" min="-2.14748E9" max="2.14748E9" units="cm"/>
+          <inkml:channel name="F" type="integer" max="32767" units="dev"/>
+        </inkml:traceFormat>
+        <inkml:channelProperties>
+          <inkml:channelProperty channel="X" name="resolution" value="1000" units="1/cm"/>
+          <inkml:channelProperty channel="Y" name="resolution" value="1000" units="1/cm"/>
+          <inkml:channelProperty channel="F" name="resolution" value="0" units="1/dev"/>
+        </inkml:channelProperties>
+      </inkml:inkSource>
+      <inkml:timestamp xml:id="ts0" timeString="2025-03-10T19:07:12.057"/>
+    </inkml:context>
+    <inkml:brush xml:id="br0">
+      <inkml:brushProperty name="width" value="0.035" units="cm"/>
+      <inkml:brushProperty name="height" value="0.035" units="cm"/>
+    </inkml:brush>
+  </inkml:definitions>
+  <inkml:trace contextRef="#ctx0" brushRef="#br0">958 155 24575,'-4'-2'0,"0"1"0,0-1 0,0 1 0,1-1 0,-1 0 0,1-1 0,-1 1 0,1 0 0,-6-7 0,-8-4 0,-3 3 0,0 0 0,-1 1 0,0 1 0,-38-8 0,-27-10 0,69 19 0,-1 0 0,1 2 0,-1 0 0,0 1 0,0 1 0,-1 1 0,-23 0 0,-41 1 0,-111 4 0,183-1 0,1 0 0,-1 0 0,1 1 0,0 1 0,0 0 0,0 0 0,1 1 0,-1 0 0,1 1 0,0 0 0,1 0 0,-1 1 0,1 0 0,1 0 0,-9 10 0,8-8 0,1 0 0,0 1 0,0 0 0,1 0 0,0 1 0,1 0 0,1 0 0,-1 0 0,1 0 0,1 0 0,0 1 0,1 0 0,-1 14 0,3 215 0,1-103 0,0-128 0,0-1 0,0 1 0,1-1 0,1 1 0,-1-1 0,1 0 0,8 16 0,40 64 0,-24-43 0,-18-32 0,1-1 0,1 0 0,0 0 0,0-1 0,1 0 0,1-1 0,0-1 0,15 10 0,36 31 0,-47-37 0,1-2 0,1 0 0,0-1 0,0-1 0,1 0 0,1-2 0,-1 0 0,29 6 0,28 11 0,-60-18 0,1-1 0,0 0 0,0-2 0,0 0 0,1-1 0,-1-1 0,22 0 0,-2 0 0,49 8 0,-49-4 0,51 1 0,-81-7 0,-1 1 0,1-1 0,-1-1 0,1 1 0,-1-1 0,0 0 0,1-1 0,-1 0 0,0 0 0,0 0 0,0-1 0,0 0 0,-1-1 0,1 1 0,-1-1 0,0-1 0,9-7 0,-7 6 0,0-1 0,1 1 0,-1 1 0,1-1 0,12-4 0,-11 5 0,0 0 0,0 0 0,0-2 0,11-8 0,-11 4 0,0-1 0,-1 1 0,-1-2 0,0 1 0,0-1 0,-1 0 0,-1-1 0,0 0 0,-1 0 0,0 0 0,-1 0 0,-1-1 0,3-22 0,19-114 0,-14 84 0,-6 41 0,-1 0 0,0-32 0,-4 35 0,-2 0 0,0 0 0,-1 0 0,-2 0 0,0 1 0,-1 0 0,-2 0 0,0 0 0,-1 1 0,-19-32 0,14 28 0,6 10 0,0 2 0,0-1 0,-2 1 0,-11-14 0,-3 0 0,18 20 0,0 0 0,0 0 0,-1 0 0,0 1 0,0 0 0,0 1 0,-14-9 0,-20-7 0,-47-18 0,72 34 0,0 0 0,-1 1 0,0 0 0,0 1 0,0 1 0,-22 1 0,27 1 0,-12-1 0,0 1 0,0 2 0,0 0 0,-43 11 0,61-11 0,0 0 0,0 0 0,1 1 0,-1-1 0,1 1 0,-1 1 0,1-1 0,0 1 0,0 0 0,1 0 0,-1 0 0,1 1 0,0-1 0,0 1 0,0 0 0,1 0 0,0 1 0,0-1 0,0 1 0,1-1 0,-1 1 0,1 0 0,-2 11 0,-16 62-1365,17-60-5461</inkml:trace>
+</inkml:ink>
+</file>
+
+<file path=ppt/ink/ink57.xml><?xml version="1.0" encoding="utf-8"?>
+<inkml:ink xmlns:inkml="http://www.w3.org/2003/InkML">
+  <inkml:definitions>
+    <inkml:context xml:id="ctx0">
+      <inkml:inkSource xml:id="inkSrc0">
+        <inkml:traceFormat>
+          <inkml:channel name="X" type="integer" min="-2.14748E9" max="2.14748E9" units="cm"/>
+          <inkml:channel name="Y" type="integer" min="-2.14748E9" max="2.14748E9" units="cm"/>
+          <inkml:channel name="F" type="integer" max="32767" units="dev"/>
+        </inkml:traceFormat>
+        <inkml:channelProperties>
+          <inkml:channelProperty channel="X" name="resolution" value="1000" units="1/cm"/>
+          <inkml:channelProperty channel="Y" name="resolution" value="1000" units="1/cm"/>
+          <inkml:channelProperty channel="F" name="resolution" value="0" units="1/dev"/>
+        </inkml:channelProperties>
+      </inkml:inkSource>
+      <inkml:timestamp xml:id="ts0" timeString="2025-03-10T19:07:25.292"/>
+    </inkml:context>
+    <inkml:brush xml:id="br0">
+      <inkml:brushProperty name="width" value="0.035" units="cm"/>
+      <inkml:brushProperty name="height" value="0.035" units="cm"/>
+    </inkml:brush>
+  </inkml:definitions>
+  <inkml:trace contextRef="#ctx0" brushRef="#br0">3262 1439 24575,'-25'1'0,"1"2"0,-32 6 0,30-4 0,-45 3 0,41-5 0,1 1 0,-57 15 0,58-12 0,1-1 0,-1-1 0,-46 2 0,-13-5 0,-128-6 0,88-20 0,37 9 0,30 4 0,25 6 0,0-1 0,1-1 0,0-2 0,-45-19 0,46 15 0,-1 1 0,-50-10 0,47 14 0,1-2 0,-36-15 0,-101-38 0,49 20 0,-122-62 0,231 98 0,-37-15 0,0-3 0,-59-38 0,-152-121 0,222 153 0,2-1 0,0-1 0,-49-58 0,-18-16 0,78 78 0,-35-45 0,24 26 0,-13-28 0,41 57 0,-1 1 0,-27-32 0,33 41 4,-1 0 0,2 0-1,-1-1 1,1 0 0,1 0 0,-1 0-1,2 0 1,0-1 0,0 0-1,-2-14 1,-10-34-1410,9 43-5420</inkml:trace>
+</inkml:ink>
+</file>
+
+<file path=ppt/ink/ink58.xml><?xml version="1.0" encoding="utf-8"?>
+<inkml:ink xmlns:inkml="http://www.w3.org/2003/InkML">
+  <inkml:definitions>
+    <inkml:context xml:id="ctx0">
+      <inkml:inkSource xml:id="inkSrc0">
+        <inkml:traceFormat>
+          <inkml:channel name="X" type="integer" min="-2.14748E9" max="2.14748E9" units="cm"/>
+          <inkml:channel name="Y" type="integer" min="-2.14748E9" max="2.14748E9" units="cm"/>
+          <inkml:channel name="F" type="integer" max="32767" units="dev"/>
+        </inkml:traceFormat>
+        <inkml:channelProperties>
+          <inkml:channelProperty channel="X" name="resolution" value="1000" units="1/cm"/>
+          <inkml:channelProperty channel="Y" name="resolution" value="1000" units="1/cm"/>
+          <inkml:channelProperty channel="F" name="resolution" value="0" units="1/dev"/>
+        </inkml:channelProperties>
+      </inkml:inkSource>
+      <inkml:timestamp xml:id="ts0" timeString="2025-03-10T19:07:26.020"/>
+    </inkml:context>
+    <inkml:brush xml:id="br0">
+      <inkml:brushProperty name="width" value="0.035" units="cm"/>
+      <inkml:brushProperty name="height" value="0.035" units="cm"/>
+    </inkml:brush>
+  </inkml:definitions>
+  <inkml:trace contextRef="#ctx0" brushRef="#br0">2558 1742 24575,'-71'0'0,"10"2"0,-1-3 0,-99-15 0,-54-43 0,125 32 0,2 0 0,-98-45 0,119 42 0,-167-83 0,204 96 0,-7-4 0,-37-28 0,-272-240 0,105 50 0,193 188 0,-54-72 0,-4-5 0,56 69 0,-45-73 0,-26-31 0,109 146-99,0 0-1,2-1 0,-13-25 1,14 25-868,2 4-5859</inkml:trace>
+</inkml:ink>
+</file>
+
+<file path=ppt/ink/ink59.xml><?xml version="1.0" encoding="utf-8"?>
+<inkml:ink xmlns:inkml="http://www.w3.org/2003/InkML">
+  <inkml:definitions>
+    <inkml:context xml:id="ctx0">
+      <inkml:inkSource xml:id="inkSrc0">
+        <inkml:traceFormat>
+          <inkml:channel name="X" type="integer" min="-2.14748E9" max="2.14748E9" units="cm"/>
+          <inkml:channel name="Y" type="integer" min="-2.14748E9" max="2.14748E9" units="cm"/>
+          <inkml:channel name="F" type="integer" max="32767" units="dev"/>
+        </inkml:traceFormat>
+        <inkml:channelProperties>
+          <inkml:channelProperty channel="X" name="resolution" value="1000" units="1/cm"/>
+          <inkml:channelProperty channel="Y" name="resolution" value="1000" units="1/cm"/>
+          <inkml:channelProperty channel="F" name="resolution" value="0" units="1/dev"/>
+        </inkml:channelProperties>
+      </inkml:inkSource>
+      <inkml:timestamp xml:id="ts0" timeString="2025-03-10T19:07:26.714"/>
+    </inkml:context>
+    <inkml:brush xml:id="br0">
+      <inkml:brushProperty name="width" value="0.035" units="cm"/>
+      <inkml:brushProperty name="height" value="0.035" units="cm"/>
+    </inkml:brush>
+  </inkml:definitions>
+  <inkml:trace contextRef="#ctx0" brushRef="#br0">2301 1012 24575,'-73'3'0,"47"-1"0,1-1 0,-1-1 0,1-1 0,-1-1 0,1-1 0,-26-7 0,-53-29 0,-85-21 0,51 14 0,-231-82 0,-20-54 0,298 138 0,43 22 0,2-2 0,-76-51 0,-109-87 0,46 33 0,89 54-1365,80 60-5461</inkml:trace>
+</inkml:ink>
+</file>
+
 <file path=ppt/ink/ink6.xml><?xml version="1.0" encoding="utf-8"?>
 <inkml:ink xmlns:inkml="http://www.w3.org/2003/InkML">
   <inkml:definitions>
@@ -1031,6 +2872,276 @@
 </inkml:ink>
 </file>
 
+<file path=ppt/ink/ink60.xml><?xml version="1.0" encoding="utf-8"?>
+<inkml:ink xmlns:inkml="http://www.w3.org/2003/InkML">
+  <inkml:definitions>
+    <inkml:context xml:id="ctx0">
+      <inkml:inkSource xml:id="inkSrc0">
+        <inkml:traceFormat>
+          <inkml:channel name="X" type="integer" min="-2.14748E9" max="2.14748E9" units="cm"/>
+          <inkml:channel name="Y" type="integer" min="-2.14748E9" max="2.14748E9" units="cm"/>
+          <inkml:channel name="F" type="integer" max="32767" units="dev"/>
+        </inkml:traceFormat>
+        <inkml:channelProperties>
+          <inkml:channelProperty channel="X" name="resolution" value="1000" units="1/cm"/>
+          <inkml:channelProperty channel="Y" name="resolution" value="1000" units="1/cm"/>
+          <inkml:channelProperty channel="F" name="resolution" value="0" units="1/dev"/>
+        </inkml:channelProperties>
+      </inkml:inkSource>
+      <inkml:timestamp xml:id="ts0" timeString="2025-03-10T19:07:38.639"/>
+    </inkml:context>
+    <inkml:brush xml:id="br0">
+      <inkml:brushProperty name="width" value="0.035" units="cm"/>
+      <inkml:brushProperty name="height" value="0.035" units="cm"/>
+    </inkml:brush>
+  </inkml:definitions>
+  <inkml:trace contextRef="#ctx0" brushRef="#br0">277 0 23706,'-276'655'0</inkml:trace>
+</inkml:ink>
+</file>
+
+<file path=ppt/ink/ink61.xml><?xml version="1.0" encoding="utf-8"?>
+<inkml:ink xmlns:inkml="http://www.w3.org/2003/InkML">
+  <inkml:definitions>
+    <inkml:context xml:id="ctx0">
+      <inkml:inkSource xml:id="inkSrc0">
+        <inkml:traceFormat>
+          <inkml:channel name="X" type="integer" min="-2.14748E9" max="2.14748E9" units="cm"/>
+          <inkml:channel name="Y" type="integer" min="-2.14748E9" max="2.14748E9" units="cm"/>
+          <inkml:channel name="F" type="integer" max="32767" units="dev"/>
+        </inkml:traceFormat>
+        <inkml:channelProperties>
+          <inkml:channelProperty channel="X" name="resolution" value="1000" units="1/cm"/>
+          <inkml:channelProperty channel="Y" name="resolution" value="1000" units="1/cm"/>
+          <inkml:channelProperty channel="F" name="resolution" value="0" units="1/dev"/>
+        </inkml:channelProperties>
+      </inkml:inkSource>
+      <inkml:timestamp xml:id="ts0" timeString="2025-03-10T19:07:45.599"/>
+    </inkml:context>
+    <inkml:brush xml:id="br0">
+      <inkml:brushProperty name="width" value="0.035" units="cm"/>
+      <inkml:brushProperty name="height" value="0.035" units="cm"/>
+    </inkml:brush>
+  </inkml:definitions>
+  <inkml:trace contextRef="#ctx0" brushRef="#br0">302 0 24142,'-302'629'0</inkml:trace>
+</inkml:ink>
+</file>
+
+<file path=ppt/ink/ink62.xml><?xml version="1.0" encoding="utf-8"?>
+<inkml:ink xmlns:inkml="http://www.w3.org/2003/InkML">
+  <inkml:definitions>
+    <inkml:context xml:id="ctx0">
+      <inkml:inkSource xml:id="inkSrc0">
+        <inkml:traceFormat>
+          <inkml:channel name="X" type="integer" min="-2.14748E9" max="2.14748E9" units="cm"/>
+          <inkml:channel name="Y" type="integer" min="-2.14748E9" max="2.14748E9" units="cm"/>
+          <inkml:channel name="F" type="integer" max="32767" units="dev"/>
+        </inkml:traceFormat>
+        <inkml:channelProperties>
+          <inkml:channelProperty channel="X" name="resolution" value="1000" units="1/cm"/>
+          <inkml:channelProperty channel="Y" name="resolution" value="1000" units="1/cm"/>
+          <inkml:channelProperty channel="F" name="resolution" value="0" units="1/dev"/>
+        </inkml:channelProperties>
+      </inkml:inkSource>
+      <inkml:timestamp xml:id="ts0" timeString="2025-03-10T19:07:48.337"/>
+    </inkml:context>
+    <inkml:brush xml:id="br0">
+      <inkml:brushProperty name="width" value="0.035" units="cm"/>
+      <inkml:brushProperty name="height" value="0.035" units="cm"/>
+    </inkml:brush>
+  </inkml:definitions>
+  <inkml:trace contextRef="#ctx0" brushRef="#br0">0 1459 23765,'101'-1458'0</inkml:trace>
+</inkml:ink>
+</file>
+
+<file path=ppt/ink/ink63.xml><?xml version="1.0" encoding="utf-8"?>
+<inkml:ink xmlns:inkml="http://www.w3.org/2003/InkML">
+  <inkml:definitions>
+    <inkml:context xml:id="ctx0">
+      <inkml:inkSource xml:id="inkSrc0">
+        <inkml:traceFormat>
+          <inkml:channel name="X" type="integer" min="-2.14748E9" max="2.14748E9" units="cm"/>
+          <inkml:channel name="Y" type="integer" min="-2.14748E9" max="2.14748E9" units="cm"/>
+          <inkml:channel name="F" type="integer" max="32767" units="dev"/>
+        </inkml:traceFormat>
+        <inkml:channelProperties>
+          <inkml:channelProperty channel="X" name="resolution" value="1000" units="1/cm"/>
+          <inkml:channelProperty channel="Y" name="resolution" value="1000" units="1/cm"/>
+          <inkml:channelProperty channel="F" name="resolution" value="0" units="1/dev"/>
+        </inkml:channelProperties>
+      </inkml:inkSource>
+      <inkml:timestamp xml:id="ts0" timeString="2025-03-10T19:07:42.698"/>
+    </inkml:context>
+    <inkml:brush xml:id="br0">
+      <inkml:brushProperty name="width" value="0.035" units="cm"/>
+      <inkml:brushProperty name="height" value="0.035" units="cm"/>
+    </inkml:brush>
+  </inkml:definitions>
+  <inkml:trace contextRef="#ctx0" brushRef="#br0">997 460 24575,'-12'-2'0,"0"0"0,1 0 0,-1-1 0,1-1 0,0 0 0,0-1 0,-12-6 0,-27-10 0,-133-56 0,175 73 0,-194-71 0,178 66 0,1 1 0,-27-5 0,34 10 0,0-1 0,1 0 0,-1-1 0,1-1 0,1 0 0,-1-1 0,-21-15 0,-38-27 0,55 38 0,0-1 0,1-1 0,-30-27 0,24 15-1365,15 13-5461</inkml:trace>
+</inkml:ink>
+</file>
+
+<file path=ppt/ink/ink64.xml><?xml version="1.0" encoding="utf-8"?>
+<inkml:ink xmlns:inkml="http://www.w3.org/2003/InkML">
+  <inkml:definitions>
+    <inkml:context xml:id="ctx0">
+      <inkml:inkSource xml:id="inkSrc0">
+        <inkml:traceFormat>
+          <inkml:channel name="X" type="integer" min="-2.14748E9" max="2.14748E9" units="cm"/>
+          <inkml:channel name="Y" type="integer" min="-2.14748E9" max="2.14748E9" units="cm"/>
+          <inkml:channel name="F" type="integer" max="32767" units="dev"/>
+        </inkml:traceFormat>
+        <inkml:channelProperties>
+          <inkml:channelProperty channel="X" name="resolution" value="1000" units="1/cm"/>
+          <inkml:channelProperty channel="Y" name="resolution" value="1000" units="1/cm"/>
+          <inkml:channelProperty channel="F" name="resolution" value="0" units="1/dev"/>
+        </inkml:channelProperties>
+      </inkml:inkSource>
+      <inkml:timestamp xml:id="ts0" timeString="2025-03-10T19:07:44.107"/>
+    </inkml:context>
+    <inkml:brush xml:id="br0">
+      <inkml:brushProperty name="width" value="0.035" units="cm"/>
+      <inkml:brushProperty name="height" value="0.035" units="cm"/>
+    </inkml:brush>
+  </inkml:definitions>
+  <inkml:trace contextRef="#ctx0" brushRef="#br0">1 0 24575,'5'3'0,"1"-1"0,0 1 0,-1 0 0,0 0 0,1 1 0,-1-1 0,-1 1 0,1 1 0,-1-1 0,1 0 0,-1 1 0,4 6 0,5 3 0,182 171 0,-156-144 0,-30-31 0,0 0 0,1 0 0,0-1 0,15 11 0,-3-4 44,-1 2-1,37 38 1,11 10-1540,-57-57-5330</inkml:trace>
+</inkml:ink>
+</file>
+
+<file path=ppt/ink/ink65.xml><?xml version="1.0" encoding="utf-8"?>
+<inkml:ink xmlns:inkml="http://www.w3.org/2003/InkML">
+  <inkml:definitions>
+    <inkml:context xml:id="ctx0">
+      <inkml:inkSource xml:id="inkSrc0">
+        <inkml:traceFormat>
+          <inkml:channel name="X" type="integer" min="-2.14748E9" max="2.14748E9" units="cm"/>
+          <inkml:channel name="Y" type="integer" min="-2.14748E9" max="2.14748E9" units="cm"/>
+          <inkml:channel name="F" type="integer" max="32767" units="dev"/>
+        </inkml:traceFormat>
+        <inkml:channelProperties>
+          <inkml:channelProperty channel="X" name="resolution" value="1000" units="1/cm"/>
+          <inkml:channelProperty channel="Y" name="resolution" value="1000" units="1/cm"/>
+          <inkml:channelProperty channel="F" name="resolution" value="0" units="1/dev"/>
+        </inkml:channelProperties>
+      </inkml:inkSource>
+      <inkml:timestamp xml:id="ts0" timeString="2025-03-10T19:07:51.372"/>
+    </inkml:context>
+    <inkml:brush xml:id="br0">
+      <inkml:brushProperty name="width" value="0.035" units="cm"/>
+      <inkml:brushProperty name="height" value="0.035" units="cm"/>
+    </inkml:brush>
+  </inkml:definitions>
+  <inkml:trace contextRef="#ctx0" brushRef="#br0">1 1 24575,'0'3'0,"1"1"0,0-1 0,0 0 0,0 0 0,0 0 0,0 1 0,1-1 0,-1 0 0,1 0 0,0-1 0,0 1 0,0 0 0,0-1 0,4 5 0,46 38 0,-21-20 0,183 189 0,-204-202 26,0 0 0,-1 1 0,0 0 0,7 16 0,-7-14-524,0-1-1,21 27 1,-20-30-6328</inkml:trace>
+</inkml:ink>
+</file>
+
+<file path=ppt/ink/ink66.xml><?xml version="1.0" encoding="utf-8"?>
+<inkml:ink xmlns:inkml="http://www.w3.org/2003/InkML">
+  <inkml:definitions>
+    <inkml:context xml:id="ctx0">
+      <inkml:inkSource xml:id="inkSrc0">
+        <inkml:traceFormat>
+          <inkml:channel name="X" type="integer" min="-2.14748E9" max="2.14748E9" units="cm"/>
+          <inkml:channel name="Y" type="integer" min="-2.14748E9" max="2.14748E9" units="cm"/>
+          <inkml:channel name="F" type="integer" max="32767" units="dev"/>
+        </inkml:traceFormat>
+        <inkml:channelProperties>
+          <inkml:channelProperty channel="X" name="resolution" value="1000" units="1/cm"/>
+          <inkml:channelProperty channel="Y" name="resolution" value="1000" units="1/cm"/>
+          <inkml:channelProperty channel="F" name="resolution" value="0" units="1/dev"/>
+        </inkml:channelProperties>
+      </inkml:inkSource>
+      <inkml:timestamp xml:id="ts0" timeString="2025-03-10T19:07:52.598"/>
+    </inkml:context>
+    <inkml:brush xml:id="br0">
+      <inkml:brushProperty name="width" value="0.035" units="cm"/>
+      <inkml:brushProperty name="height" value="0.035" units="cm"/>
+    </inkml:brush>
+  </inkml:definitions>
+  <inkml:trace contextRef="#ctx0" brushRef="#br0">0 541 24575,'3'-2'0,"-1"1"0,1 0 0,-1-1 0,0 0 0,0 1 0,0-1 0,0 0 0,0 0 0,0 0 0,-1 0 0,1 0 0,-1-1 0,1 1 0,1-5 0,12-13 0,1 6 0,0 0 0,0-2 0,-2 0 0,0-1 0,-1 0 0,0-1 0,-2 0 0,11-23 0,-14 26 0,1 0 0,0 1 0,12-16 0,21-34 0,-35 53 0,1 0 0,0 0 0,1 1 0,0 1 0,14-12 0,-3 2 0,55-56-1365,-65 64-5461</inkml:trace>
+</inkml:ink>
+</file>
+
+<file path=ppt/ink/ink67.xml><?xml version="1.0" encoding="utf-8"?>
+<inkml:ink xmlns:inkml="http://www.w3.org/2003/InkML">
+  <inkml:definitions>
+    <inkml:context xml:id="ctx0">
+      <inkml:inkSource xml:id="inkSrc0">
+        <inkml:traceFormat>
+          <inkml:channel name="X" type="integer" min="-2.14748E9" max="2.14748E9" units="cm"/>
+          <inkml:channel name="Y" type="integer" min="-2.14748E9" max="2.14748E9" units="cm"/>
+          <inkml:channel name="F" type="integer" max="32767" units="dev"/>
+        </inkml:traceFormat>
+        <inkml:channelProperties>
+          <inkml:channelProperty channel="X" name="resolution" value="1000" units="1/cm"/>
+          <inkml:channelProperty channel="Y" name="resolution" value="1000" units="1/cm"/>
+          <inkml:channelProperty channel="F" name="resolution" value="0" units="1/dev"/>
+        </inkml:channelProperties>
+      </inkml:inkSource>
+      <inkml:timestamp xml:id="ts0" timeString="2025-03-10T19:07:56.454"/>
+    </inkml:context>
+    <inkml:brush xml:id="br0">
+      <inkml:brushProperty name="width" value="0.035" units="cm"/>
+      <inkml:brushProperty name="height" value="0.035" units="cm"/>
+    </inkml:brush>
+  </inkml:definitions>
+  <inkml:trace contextRef="#ctx0" brushRef="#br0">768 1 24575,'-7'1'0,"-1"1"0,0 1 0,1-1 0,-1 1 0,-8 6 0,0-2 0,-28 13 0,0 2 0,-51 34 0,78-46 0,0-2 0,-1 0 0,0 0 0,0-2 0,-22 5 0,-16 6 0,41-10 0,0-1 0,-25 17 0,-23 10 0,30-20-117,7-3-133,1 0 1,0 2-1,0 0 1,-27 20-1,40-22-6576</inkml:trace>
+</inkml:ink>
+</file>
+
+<file path=ppt/ink/ink68.xml><?xml version="1.0" encoding="utf-8"?>
+<inkml:ink xmlns:inkml="http://www.w3.org/2003/InkML">
+  <inkml:definitions>
+    <inkml:context xml:id="ctx0">
+      <inkml:inkSource xml:id="inkSrc0">
+        <inkml:traceFormat>
+          <inkml:channel name="X" type="integer" min="-2.14748E9" max="2.14748E9" units="cm"/>
+          <inkml:channel name="Y" type="integer" min="-2.14748E9" max="2.14748E9" units="cm"/>
+          <inkml:channel name="F" type="integer" max="32767" units="dev"/>
+        </inkml:traceFormat>
+        <inkml:channelProperties>
+          <inkml:channelProperty channel="X" name="resolution" value="1000" units="1/cm"/>
+          <inkml:channelProperty channel="Y" name="resolution" value="1000" units="1/cm"/>
+          <inkml:channelProperty channel="F" name="resolution" value="0" units="1/dev"/>
+        </inkml:channelProperties>
+      </inkml:inkSource>
+      <inkml:timestamp xml:id="ts0" timeString="2025-03-10T19:07:57.366"/>
+    </inkml:context>
+    <inkml:brush xml:id="br0">
+      <inkml:brushProperty name="width" value="0.035" units="cm"/>
+      <inkml:brushProperty name="height" value="0.035" units="cm"/>
+    </inkml:brush>
+  </inkml:definitions>
+  <inkml:trace contextRef="#ctx0" brushRef="#br0">1 1 24575,'2'7'0,"0"0"0,1 0 0,0-1 0,0 1 0,1-1 0,0 1 0,5 6 0,-6-9 0,-1 0 0,19 27 0,0-1 0,46 50 0,9 20 0,-30-42 0,9 10 0,-49-61 0,-1 0 0,0 0 0,0 1 0,0 0 0,-1 0 0,5 11 0,-5-10 0,0 0 0,1 1 0,0-2 0,0 1 0,8 7 0,-2-2-1365,-2-2-5461</inkml:trace>
+</inkml:ink>
+</file>
+
+<file path=ppt/ink/ink69.xml><?xml version="1.0" encoding="utf-8"?>
+<inkml:ink xmlns:inkml="http://www.w3.org/2003/InkML">
+  <inkml:definitions>
+    <inkml:context xml:id="ctx0">
+      <inkml:inkSource xml:id="inkSrc0">
+        <inkml:traceFormat>
+          <inkml:channel name="X" type="integer" min="-2.14748E9" max="2.14748E9" units="cm"/>
+          <inkml:channel name="Y" type="integer" min="-2.14748E9" max="2.14748E9" units="cm"/>
+          <inkml:channel name="F" type="integer" max="32767" units="dev"/>
+        </inkml:traceFormat>
+        <inkml:channelProperties>
+          <inkml:channelProperty channel="X" name="resolution" value="1000" units="1/cm"/>
+          <inkml:channelProperty channel="Y" name="resolution" value="1000" units="1/cm"/>
+          <inkml:channelProperty channel="F" name="resolution" value="0" units="1/dev"/>
+        </inkml:channelProperties>
+      </inkml:inkSource>
+      <inkml:timestamp xml:id="ts0" timeString="2025-03-10T19:07:59.145"/>
+    </inkml:context>
+    <inkml:brush xml:id="br0">
+      <inkml:brushProperty name="width" value="0.035" units="cm"/>
+      <inkml:brushProperty name="height" value="0.035" units="cm"/>
+    </inkml:brush>
+  </inkml:definitions>
+  <inkml:trace contextRef="#ctx0" brushRef="#br0">1013 329 24575,'-1'-4'0,"0"0"0,0 1 0,0-1 0,0 1 0,-1-1 0,1 1 0,-1-1 0,0 1 0,0 0 0,0 0 0,-1 0 0,1 0 0,-1 1 0,1-1 0,-1 1 0,0-1 0,0 1 0,0 0 0,0 0 0,0 0 0,-1 0 0,1 1 0,-6-2 0,-6-4 0,-1 1 0,1 1 0,-1 1 0,-18-3 0,-25 1 0,-1 3 0,-80 6 0,25 0 0,45-5 0,46-1 0,0 2 0,0 1 0,0 1 0,0 1 0,0 1 0,1 1 0,-26 7 0,34-5 0,0 0 0,0 1 0,1 1 0,0 0 0,0 1 0,1 0 0,-17 16 0,24-18 0,0-1 0,0 1 0,1 0 0,0 1 0,0-1 0,1 1 0,0 0 0,0 0 0,1 0 0,0 1 0,0-1 0,1 1 0,0 0 0,-1 17 0,-1 17 0,2 0 0,2 0 0,11 79 0,-7-108 0,0 1 0,1 0 0,1-1 0,0 0 0,1 0 0,11 17 0,61 75 0,-26-38 0,-46-60 0,0-1 0,0 0 0,1 0 0,0-1 0,13 9 0,18 14 0,-26-20 0,1 0 0,0-2 0,0 0 0,1 0 0,0-1 0,0-1 0,0-1 0,1 0 0,20 2 0,1 3 0,-5-4 0,43 4 0,10 1 0,-66-7 0,-1 0 0,0-1 0,0-1 0,1-1 0,-1 0 0,31-6 0,-37 4 0,-1-2 0,0 1 0,1-1 0,-2-1 0,1 0 0,-1-1 0,1 0 0,-1 0 0,-1-1 0,0 0 0,13-13 0,18-17 0,-27 27 0,-1 0 0,-1-1 0,0 0 0,0-1 0,-1 0 0,0 0 0,-2-1 0,1-1 0,8-19 0,6-17 0,-18 41 0,0 0 0,-1 0 0,0-1 0,-1 1 0,0-1 0,0 0 0,-1 0 0,1-11 0,0-47 0,-8-90 0,3 141 0,-2 0 0,1 0 0,-2 0 0,0 1 0,-1 0 0,-1 0 0,0 1 0,-1 0 0,-1 0 0,0 0 0,-1 2 0,-14-17 0,-1 2 0,11 11 0,-1 0 0,0 2 0,-34-27 0,10 6 0,32 28 0,0 2 0,0-1 0,0 1 0,-1 0 0,-10-7 0,-96-48 0,67 38 0,32 15 0,1 1 0,-2 0 0,1 1 0,-1 1 0,0 0 0,0 1 0,0 0 0,-18 0 0,-243 5-1365,256-1-5461</inkml:trace>
+</inkml:ink>
+</file>
+
 <file path=ppt/ink/ink7.xml><?xml version="1.0" encoding="utf-8"?>
 <inkml:ink xmlns:inkml="http://www.w3.org/2003/InkML">
   <inkml:definitions>
@@ -1058,6 +3169,286 @@
 </inkml:ink>
 </file>
 
+<file path=ppt/ink/ink70.xml><?xml version="1.0" encoding="utf-8"?>
+<inkml:ink xmlns:inkml="http://www.w3.org/2003/InkML">
+  <inkml:definitions>
+    <inkml:context xml:id="ctx0">
+      <inkml:inkSource xml:id="inkSrc0">
+        <inkml:traceFormat>
+          <inkml:channel name="X" type="integer" min="-2.14748E9" max="2.14748E9" units="cm"/>
+          <inkml:channel name="Y" type="integer" min="-2.14748E9" max="2.14748E9" units="cm"/>
+          <inkml:channel name="F" type="integer" max="32767" units="dev"/>
+        </inkml:traceFormat>
+        <inkml:channelProperties>
+          <inkml:channelProperty channel="X" name="resolution" value="1000" units="1/cm"/>
+          <inkml:channelProperty channel="Y" name="resolution" value="1000" units="1/cm"/>
+          <inkml:channelProperty channel="F" name="resolution" value="0" units="1/dev"/>
+        </inkml:channelProperties>
+      </inkml:inkSource>
+      <inkml:timestamp xml:id="ts0" timeString="2025-03-10T19:08:08.399"/>
+    </inkml:context>
+    <inkml:brush xml:id="br0">
+      <inkml:brushProperty name="width" value="0.035" units="cm"/>
+      <inkml:brushProperty name="height" value="0.035" units="cm"/>
+      <inkml:brushProperty name="color" value="#E71224"/>
+    </inkml:brush>
+  </inkml:definitions>
+  <inkml:trace contextRef="#ctx0" brushRef="#br0">331 26 24575,'-10'-1'0,"-1"0"0,0-1 0,0 0 0,-10-4 0,-39-6 0,53 11 0,0 1 0,-1 0 0,1 0 0,0 0 0,0 1 0,0 0 0,0 1 0,-1-1 0,2 2 0,-1-1 0,-11 5 0,14-4 0,0 0 0,0 1 0,1-1 0,-1 1 0,1-1 0,-1 1 0,1 0 0,0 1 0,0-1 0,1 0 0,0 1 0,-1 0 0,1-1 0,1 1 0,-1 0 0,1 0 0,-1 7 0,-2 3 0,1 0 0,1 0 0,0 1 0,1-1 0,1 1 0,0-1 0,1 1 0,1-1 0,5 21 0,-6-33 0,1-1 0,0 0 0,0 1 0,-1-1 0,1 0 0,1 0 0,-1 0 0,0 0 0,0 0 0,1 0 0,-1-1 0,1 1 0,-1-1 0,1 0 0,0 0 0,0 0 0,-1 0 0,1 0 0,0 0 0,0-1 0,0 1 0,5-1 0,11 1 0,-1-1 0,29-3 0,-20 1 0,-11 2 0,-1-1 0,1-1 0,-1 0 0,0-1 0,1 0 0,-1-2 0,27-11 0,-37 13 0,0 0 0,1 0 0,-1-1 0,0 1 0,-1-1 0,1-1 0,-1 1 0,0-1 0,0 1 0,0-1 0,-1 0 0,1 0 0,-1-1 0,-1 1 0,1-1 0,-1 0 0,0 1 0,0-1 0,0 0 0,-1 0 0,0 0 0,0-11 0,0 14 0,-1 0 0,0 0 0,0 0 0,0 0 0,0 0 0,-1 1 0,1-1 0,-1 0 0,0 0 0,1 0 0,-1 0 0,-1 0 0,1 1 0,0-1 0,-1 0 0,1 1 0,-1-1 0,0 1 0,0 0 0,0 0 0,0-1 0,0 1 0,0 1 0,-1-1 0,-2-2 0,2 3 0,-1-1 0,1 1 0,-1 0 0,0 0 0,1 0 0,-1 0 0,0 1 0,0-1 0,0 1 0,0 0 0,1 0 0,-1 1 0,0-1 0,0 1 0,0 0 0,1 0 0,-1 0 0,0 0 0,-5 3 0,3 0 0,0-1 0,1 1 0,-1 0 0,1 1 0,0-1 0,0 1 0,0 0 0,0 0 0,1 1 0,0-1 0,0 1 0,1 0 0,0 0 0,0 0 0,0 1 0,0-1 0,1 1 0,0-1 0,1 1 0,-2 8 0,-1 17 0,1 0 0,2 0 0,2 35 0,0-30 0,-1-29 0,0 0 0,0 1 0,1-1 0,1 0 0,-1 0 0,1 0 0,5 12 0,-6-18 0,-1-1 0,1 0 0,0 1 0,0-1 0,0 0 0,0 0 0,0 0 0,0 0 0,0 0 0,0 0 0,0 0 0,0 0 0,1 0 0,-1 0 0,0 0 0,1-1 0,-1 1 0,0-1 0,2 1 0,0-1 0,-1 0 0,1 0 0,-1 0 0,1 0 0,-1 0 0,1-1 0,-1 1 0,1-1 0,-1 0 0,0 0 0,1 0 0,-1 0 0,0 0 0,0 0 0,4-3 0,0-1 0,1 0 0,-1-1 0,0 0 0,-1 0 0,1 0 0,-1 0 0,-1-1 0,1 0 0,-1 0 0,0 0 0,0-1 0,-1 1 0,0-1 0,-1 0 0,0 0 0,0 0 0,0 0 0,0-12 0,-1 9 0,-1 1 0,0-1 0,0 0 0,-1 0 0,0 0 0,-1 0 0,-1 0 0,1 1 0,-2-1 0,1 1 0,-2 0 0,1 0 0,-10-15 0,8 19 0,-1 1 0,1 0 0,-1 0 0,0 0 0,0 1 0,-1 0 0,1 0 0,-1 1 0,0 0 0,0 1 0,0-1 0,0 1 0,0 1 0,0 0 0,-1 0 0,1 0 0,0 1 0,-1 0 0,-10 2 0,14 1 0,1 0 0,-1 0 0,1 1 0,-1-1 0,1 1 0,0 0 0,0 0 0,1 1 0,-1-1 0,1 1 0,0-1 0,0 1 0,1 0 0,-1 0 0,1 0 0,0 1 0,0-1 0,1 0 0,-2 11 0,-2 11 0,0 0 0,0 44 0,5-65 0,-1 1 0,1-1 0,0 0 0,1 1 0,0-1 0,0 0 0,0 1 0,0-1 0,5 10 0,-4-13 0,0-1 0,0 1 0,-1-1 0,2 0 0,-1 0 0,0 0 0,0 0 0,1 0 0,-1-1 0,1 1 0,0-1 0,-1 0 0,1 1 0,0-1 0,0 0 0,-1 0 0,1-1 0,0 1 0,0-1 0,0 1 0,0-1 0,6-1 0,10 2 0,0 0 0,1-2 0,-1-1 0,0 0 0,0-1 0,21-7 0,-32 8 0,-1-1 0,0 1 0,0-1 0,0-1 0,-1 1 0,1-1 0,-1 0 0,0-1 0,0 0 0,0 0 0,0 0 0,-1 0 0,0-1 0,0 0 0,-1 0 0,0 0 0,0-1 0,6-12 0,-6 7 0,-1-1 0,0 1 0,-1-1 0,0 0 0,-1 0 0,0 0 0,-2-20 0,1 24 0,-1 0 0,0 0 0,-1 1 0,0-1 0,0 0 0,0 0 0,-2 1 0,1 0 0,-1-1 0,0 1 0,-8-11 0,7 14 0,0 0 0,-1 1 0,1 0 0,-1 0 0,0 0 0,0 1 0,-1 0 0,1 0 0,0 0 0,-1 1 0,0 0 0,-12-2 0,-5 0 0,0 1 0,-33 1 0,51 2 0,0 0 0,1 1 0,-1 0 0,0 1 0,1-1 0,-1 1 0,1 0 0,-1 0 0,1 1 0,0-1 0,0 1 0,0 1 0,0-1 0,1 0 0,-1 1 0,1 0 0,0 0 0,0 1 0,0-1 0,1 1 0,0 0 0,0-1 0,-5 11 0,2-4 0,1 1 0,1 0 0,-1 0 0,2 1 0,0-1 0,0 1 0,1 0 0,1 0 0,0 25 0,1-35 0,0 1 0,1-1 0,-1 0 0,1 0 0,0 0 0,0 0 0,0 0 0,0 0 0,0 0 0,1 0 0,-1 0 0,1 0 0,0 0 0,0-1 0,0 1 0,0-1 0,0 0 0,1 1 0,-1-1 0,4 2 0,-1-1 0,1 0 0,-1-1 0,1 1 0,0-1 0,-1 0 0,1-1 0,0 1 0,0-1 0,1 0 0,6 0 0,1-1 0,-1 0 0,1-1 0,-1-1 0,1 0 0,-1 0 0,0-1 0,0-1 0,0-1 0,17-7 0,-24 8 0,-1 1 0,0-1 0,0 0 0,-1 0 0,1 0 0,-1-1 0,0 0 0,0 1 0,-1-1 0,1-1 0,-1 1 0,0 0 0,-1-1 0,1 0 0,-1 0 0,2-7 0,-1 0 0,0 1 0,-1-1 0,-1 0 0,0 0 0,-1 0 0,-2-23 0,1 31 0,-1 0 0,0-1 0,0 1 0,0 0 0,-1 0 0,1 1 0,-1-1 0,-1 0 0,1 1 0,-1 0 0,1 0 0,-1 0 0,0 0 0,0 0 0,-1 1 0,1 0 0,-1 0 0,0 0 0,0 0 0,0 1 0,0 0 0,0 0 0,0 0 0,-1 1 0,1 0 0,-7-1 0,5 0 0,0 1 0,1 1 0,-1-1 0,0 1 0,1 1 0,-1-1 0,0 1 0,0 0 0,-12 4 0,15-4 0,1 0 0,-1 1 0,1 0 0,-1 0 0,1 0 0,0 0 0,0 0 0,0 0 0,0 1 0,0 0 0,0 0 0,1-1 0,0 1 0,-1 1 0,1-1 0,0 0 0,-2 6 0,0 3 0,0 0 0,2 1 0,-1-1 0,2 0 0,-1 1 0,2 21 0,8 77 0,-8-108 0,0 0 0,1 0 0,0 0 0,0 1 0,0-1 0,0 0 0,0 0 0,1 0 0,-1 0 0,1 0 0,0-1 0,0 1 0,0 0 0,0-1 0,0 0 0,0 1 0,5 2 0,-2-2 0,0 1 0,0-2 0,1 1 0,-1-1 0,1 1 0,0-2 0,0 1 0,11 1 0,5-1 0,1 0 0,-1-2 0,0-1 0,24-4 0,-42 4 0,0 0 0,0 0 0,0-1 0,0 0 0,0 0 0,0 0 0,0 0 0,0-1 0,-1 1 0,1-1 0,-1 0 0,0 0 0,0 0 0,0-1 0,0 1 0,0-1 0,-1 1 0,0-1 0,0 0 0,0 0 0,0 0 0,0 0 0,-1 0 0,0-1 0,0 1 0,0 0 0,0-1 0,0-4 0,-1 5 0,1 1 0,0-1 0,-1 0 0,0 0 0,0 0 0,0 0 0,0 0 0,-1 0 0,1 1 0,-1-1 0,0 0 0,0 0 0,-1 1 0,1-1 0,-1 1 0,0-1 0,0 1 0,0 0 0,0-1 0,0 1 0,-1 0 0,1 0 0,-1 1 0,0-1 0,0 0 0,0 1 0,0 0 0,0 0 0,-1 0 0,1 0 0,-6-2 0,0 2 0,0 0 0,0 1 0,1 0 0,-1 1 0,0-1 0,0 2 0,0-1 0,0 1 0,0 1 0,0 0 0,1 0 0,-1 0 0,1 1 0,-1 1 0,1-1 0,0 1 0,0 1 0,1-1 0,-1 1 0,-10 10 0,10-8 0,0 1 0,0 0 0,1 1 0,0-1 0,1 1 0,0 0 0,1 1 0,0 0 0,0 0 0,1 0 0,0 0 0,0 1 0,1-1 0,1 1 0,0 0 0,-1 17 0,3-14 0,-1-5 0,0 1 0,1 0 0,1 0 0,0-1 0,2 13 0,-2-20 0,-1 1 0,1-1 0,0 0 0,0 0 0,0 1 0,1-1 0,-1 0 0,0 0 0,1 0 0,-1 0 0,1 0 0,0-1 0,0 1 0,-1 0 0,1-1 0,0 1 0,1-1 0,-1 0 0,0 0 0,0 0 0,0 0 0,1 0 0,-1 0 0,0 0 0,5 0 0,10 2 0,0-1 0,1-1 0,-1 0 0,0-2 0,0 1 0,23-5 0,-33 3 0,1 1 0,-1-1 0,1 0 0,-1-1 0,0 0 0,0 0 0,0 0 0,0-1 0,0 0 0,-1 0 0,0-1 0,0 0 0,0 0 0,0 0 0,-1-1 0,6-7 0,-7 5 0,0 0 0,-1 0 0,0-1 0,0 1 0,-1-1 0,0 1 0,-1-1 0,0 0 0,0 1 0,-1-1 0,0-9 0,-1-1 0,-1-1 0,0 1 0,-10-38 0,10 53 0,0-1 0,0 0 0,0 0 0,0 1 0,-1-1 0,0 1 0,0 0 0,0 0 0,0 0 0,-1 0 0,0 1 0,1-1 0,-1 1 0,-1 0 0,1 0 0,0 0 0,-1 1 0,1-1 0,-1 1 0,0 0 0,0 1 0,0-1 0,0 1 0,-5-1 0,-14-1 0,0 1 0,0 0 0,0 2 0,-25 3 0,-3-1 0,45-1 0,0-1 0,0 1 0,1 0 0,-1 0 0,0 1 0,0 0 0,1 0 0,-1 1 0,1-1 0,-1 1 0,1 1 0,0-1 0,1 1 0,-1 0 0,0 1 0,1-1 0,0 1 0,0 0 0,1 0 0,-1 1 0,1-1 0,0 1 0,1 0 0,-1 0 0,1 1 0,-2 6 0,-1 4 0,0-1 0,2 1 0,0 0 0,1 1 0,0-1 0,2 0 0,0 1 0,1-1 0,3 26 0,-3-40 0,1 1 0,-1-1 0,1 1 0,0-1 0,0 1 0,1-1 0,-1 1 0,1-1 0,0 0 0,0 0 0,0 0 0,0 0 0,0 0 0,0 0 0,1-1 0,0 1 0,-1-1 0,1 1 0,0-1 0,0 0 0,0 0 0,0-1 0,1 1 0,-1-1 0,1 1 0,-1-1 0,0 0 0,1 0 0,0 0 0,-1-1 0,1 0 0,-1 1 0,7-1 0,-2 0 0,0-1 0,0 1 0,-1-1 0,1-1 0,0 1 0,-1-1 0,0 0 0,1-1 0,-1 0 0,0 0 0,0-1 0,0 1 0,-1-1 0,12-10 0,-3 0 0,-1-1 0,0 0 0,-2-1 0,19-29 0,-25 35 0,-2-1 0,1 1 0,-1-1 0,-1 0 0,0 0 0,0 0 0,-1 0 0,0 0 0,-1-22 0,-1 24 0,0 0 0,-1-1 0,0 1 0,0 0 0,-1 0 0,0 0 0,-1 0 0,0 1 0,-1-1 0,1 1 0,-2-1 0,-6-9 0,8 13 0,-1 1 0,1 0 0,-1 0 0,0 0 0,-1 0 0,1 1 0,-1 0 0,1 0 0,-1 0 0,0 0 0,0 1 0,0 0 0,0 0 0,-1 0 0,1 1 0,0-1 0,-1 1 0,1 1 0,-1-1 0,1 1 0,-11 0 0,9 1 0,1 0 0,-1 0 0,1 0 0,0 1 0,0 0 0,-1 0 0,1 0 0,1 1 0,-1 0 0,0 0 0,1 1 0,-1-1 0,1 1 0,0 0 0,0 1 0,1-1 0,-1 1 0,1 0 0,0 0 0,0 0 0,1 1 0,0-1 0,-1 1 0,2 0 0,-1 0 0,1 0 0,-2 7 0,-1 7 0,0 0 0,1 0 0,2 0 0,0 0 0,1 0 0,0 1 0,5 28 0,-4-45 0,0 0 0,1-1 0,0 0 0,-1 1 0,1-1 0,0 1 0,1-1 0,-1 0 0,1 0 0,-1 1 0,1-1 0,0 0 0,0-1 0,0 1 0,1 0 0,-1-1 0,1 1 0,-1-1 0,1 0 0,0 1 0,0-1 0,0-1 0,0 1 0,0 0 0,0-1 0,1 1 0,-1-1 0,7 1 0,6 1 0,1-1 0,-1-1 0,1-1 0,-1 0 0,19-3 0,9 0 0,-31 2 0,0-1 0,-1-1 0,1 0 0,0 0 0,-1-1 0,0-1 0,0 0 0,0 0 0,0-2 0,-1 1 0,0-1 0,0-1 0,-1 0 0,0-1 0,10-11 0,-15 13 0,0 0 0,-1-1 0,0 1 0,-1-1 0,0 0 0,0 0 0,-1-1 0,0 1 0,0 0 0,-1-1 0,0 1 0,0-1 0,-1 1 0,0-1 0,-1 0 0,0 1 0,0-1 0,-1 1 0,-4-13 0,4 17 0,0 1 0,-1 1 0,0-1 0,1 0 0,-1 1 0,0-1 0,0 1 0,0 0 0,0 0 0,-1 0 0,1 0 0,-1 1 0,1-1 0,-1 1 0,1 0 0,-1 0 0,0 0 0,0 1 0,1-1 0,-1 1 0,-6 0 0,1-1 0,-1 1 0,1 0 0,-1 1 0,1 0 0,0 0 0,-1 1 0,-14 5 0,19-5 0,1 0 0,-1 1 0,0 0 0,1 0 0,0 1 0,0-1 0,0 1 0,0 0 0,1 0 0,-1 0 0,1 0 0,0 1 0,0-1 0,-2 6 0,5-9 3,0-1-1,0 1 0,0-1 0,0 1 1,1 0-1,-1-1 0,0 1 1,0-1-1,1 1 0,-1 0 0,0-1 1,1 1-1,-1-1 0,1 1 1,-1-1-1,0 1 0,1-1 0,-1 0 1,1 1-1,-1-1 0,1 0 1,0 1-1,-1-1 0,1 0 0,-1 1 1,1-1-1,-1 0 0,1 0 1,0 0-1,-1 0 0,1 0 0,0 1 1,-1-1-1,1 0 0,1-1 1,27 3-859,-26-2 264,17 1-6234</inkml:trace>
+</inkml:ink>
+</file>
+
+<file path=ppt/ink/ink71.xml><?xml version="1.0" encoding="utf-8"?>
+<inkml:ink xmlns:inkml="http://www.w3.org/2003/InkML">
+  <inkml:definitions>
+    <inkml:context xml:id="ctx0">
+      <inkml:inkSource xml:id="inkSrc0">
+        <inkml:traceFormat>
+          <inkml:channel name="X" type="integer" min="-2.14748E9" max="2.14748E9" units="cm"/>
+          <inkml:channel name="Y" type="integer" min="-2.14748E9" max="2.14748E9" units="cm"/>
+          <inkml:channel name="F" type="integer" max="32767" units="dev"/>
+        </inkml:traceFormat>
+        <inkml:channelProperties>
+          <inkml:channelProperty channel="X" name="resolution" value="1000" units="1/cm"/>
+          <inkml:channelProperty channel="Y" name="resolution" value="1000" units="1/cm"/>
+          <inkml:channelProperty channel="F" name="resolution" value="0" units="1/dev"/>
+        </inkml:channelProperties>
+      </inkml:inkSource>
+      <inkml:timestamp xml:id="ts0" timeString="2025-03-10T19:08:13.554"/>
+    </inkml:context>
+    <inkml:brush xml:id="br0">
+      <inkml:brushProperty name="width" value="0.035" units="cm"/>
+      <inkml:brushProperty name="height" value="0.035" units="cm"/>
+      <inkml:brushProperty name="color" value="#E71224"/>
+    </inkml:brush>
+  </inkml:definitions>
+  <inkml:trace contextRef="#ctx0" brushRef="#br0">627 384 24575,'-25'-1'0,"7"1"0,0 0 0,-30 5 0,42-4 0,-1 1 0,1-1 0,0 1 0,0 1 0,0-1 0,0 1 0,1 0 0,-1 1 0,1-1 0,-1 1 0,-5 6 0,-9 8 0,10-10 0,1 0 0,0 1 0,1-1 0,0 2 0,0-1 0,1 1 0,0 0 0,-6 12 0,-10 25 0,15-31 0,0 0 0,0 0 0,2 1 0,0 0 0,-5 26 0,2-2 0,4-22 0,1 0 0,1 1 0,-2 23 0,5-40 0,0 0 0,0 1 0,0-1 0,0 1 0,1-1 0,-1 1 0,1-1 0,0 0 0,0 1 0,0-1 0,0 0 0,1 0 0,-1 0 0,1 0 0,0 0 0,0 0 0,0 0 0,0 0 0,0-1 0,1 1 0,-1-1 0,1 0 0,5 4 0,-6-5 0,0 0 0,0 0 0,0-1 0,0 1 0,0-1 0,0 1 0,0-1 0,0 0 0,0 1 0,0-1 0,0 0 0,0 0 0,0-1 0,0 1 0,0 0 0,0-1 0,0 1 0,0-1 0,0 0 0,2 0 0,1-2 0,0 0 0,-1 0 0,1 0 0,-1-1 0,0 1 0,1-1 0,4-6 0,0-1 0,-1 0 0,0-1 0,-1 0 0,0 0 0,8-20 0,-6 0 0,-2-1 0,0 0 0,-3 0 0,-1-1 0,-1 1 0,-5-62 0,2 14 0,0 73 0,1 0 0,-1 0 0,0 0 0,-1 0 0,0 0 0,0 0 0,0 0 0,-1 1 0,-1 0 0,1-1 0,-6-6 0,-4-5 0,-1 0 0,-25-25 0,27 32 0,10 9 0,-1 1 0,0-1 0,0 0 0,0 1 0,0 0 0,0 0 0,0 0 0,-1 0 0,1 0 0,0 1 0,-1 0 0,0-1 0,1 1 0,-1 0 0,0 1 0,0-1 0,1 1 0,-1 0 0,0 0 0,0 0 0,0 0 0,1 0 0,-1 1 0,0 0 0,-6 2 0,5-1 0,1 0 0,-1 0 0,0 1 0,1-1 0,0 1 0,-1 0 0,1 1 0,0-1 0,1 1 0,-1-1 0,1 1 0,-1 0 0,1 1 0,0-1 0,1 0 0,-1 1 0,1 0 0,-2 5 0,-5 22 0,1 1 0,2 1 0,1-1 0,2 1 0,2 0 0,0 0 0,8 57 0,-6-83 0,1 0 0,-1-1 0,2 1 0,-1-1 0,1 0 0,0 0 0,0 0 0,1 0 0,0 0 0,0-1 0,0 0 0,1 0 0,0 0 0,1 0 0,-1-1 0,1 0 0,0 0 0,0 0 0,0-1 0,1 0 0,0 0 0,0-1 0,0 0 0,0 0 0,0 0 0,1-1 0,13 3 0,3-3 0,0-1 0,-1-1 0,1-1 0,32-6 0,-49 6 0,-1-1 0,0 0 0,1 0 0,-1 0 0,0-1 0,0 0 0,0 0 0,-1-1 0,1 1 0,-1-1 0,0-1 0,0 1 0,0-1 0,-1 1 0,1-1 0,-1 0 0,-1-1 0,1 1 0,-1-1 0,5-9 0,-1-1 0,0 0 0,-2 0 0,1 0 0,-2-1 0,0 0 0,1-22 0,-5 31 0,1 0 0,-2 0 0,1 0 0,-1 0 0,-1 0 0,0 1 0,0-1 0,0 0 0,-1 1 0,0-1 0,0 1 0,-1 0 0,0 0 0,0 0 0,-9-11 0,5 8 0,-1 1 0,0-1 0,-1 1 0,0 1 0,0 0 0,-1 0 0,0 1 0,-21-10 0,25 14 0,1 1 0,-1-1 0,0 1 0,0 1 0,0 0 0,0 0 0,0 0 0,0 1 0,0 0 0,-1 0 0,1 1 0,0 0 0,0 0 0,0 0 0,0 1 0,1 0 0,-14 6 0,17-5 0,-1-1 0,0 1 0,0 0 0,1 1 0,0-1 0,0 0 0,0 1 0,0 0 0,0 0 0,1 0 0,-1 0 0,1 0 0,0 0 0,0 1 0,1-1 0,-1 1 0,0 6 0,-2 7 0,1 0 0,0 0 0,1 21 0,2-32 0,0-1 0,0 0 0,0 0 0,1 0 0,0 1 0,0-1 0,1 0 0,0 0 0,0 0 0,0 0 0,1-1 0,0 1 0,0-1 0,0 1 0,1-1 0,4 5 0,-5-7 0,0-1 0,0 1 0,0-1 0,0 0 0,1 0 0,-1 0 0,1-1 0,0 1 0,-1-1 0,1 0 0,0 0 0,0 0 0,0 0 0,0-1 0,-1 1 0,1-1 0,0 0 0,0-1 0,0 1 0,0 0 0,0-1 0,0 0 0,0 0 0,-1 0 0,1-1 0,6-2 0,-3 0 0,0 0 0,0 0 0,0 0 0,0-1 0,-1 0 0,0 0 0,0-1 0,-1 0 0,1 0 0,-1 0 0,0 0 0,-1-1 0,1 0 0,-1 0 0,-1 0 0,1 0 0,-1-1 0,-1 0 0,1 1 0,1-12 0,0-6 0,-1 1 0,-1 0 0,0-1 0,-2 1 0,-5-36 0,4 51 0,-1 0 0,0 0 0,-1 0 0,0 1 0,0-1 0,-1 1 0,0 0 0,0 0 0,-1 0 0,0 0 0,0 1 0,-1 0 0,0 0 0,0 0 0,0 1 0,-1 0 0,-10-7 0,6 6 0,0 0 0,-1 0 0,1 1 0,-1 1 0,-1 0 0,1 0 0,-1 1 0,1 1 0,-1 0 0,0 1 0,-17-1 0,18 2 0,0 1 0,0 0 0,-1 1 0,1 1 0,0 0 0,1 0 0,-16 5 0,21-4 0,0 0 0,0 0 0,0 1 0,0-1 0,0 1 0,1 1 0,0-1 0,0 1 0,0 0 0,0 0 0,1 0 0,-1 0 0,1 1 0,-3 7 0,-2 3 0,1 1 0,0 0 0,2 0 0,0 0 0,1 1 0,0 0 0,2 0 0,0 0 0,1 1 0,1 34 0,1-47 0,0 0 0,1 0 0,-1 1 0,2-1 0,-1 0 0,1 0 0,0-1 0,0 1 0,0 0 0,1-1 0,0 1 0,0-1 0,0 0 0,1 0 0,0 0 0,0 0 0,0-1 0,1 0 0,-1 0 0,1 0 0,0 0 0,0-1 0,0 1 0,1-1 0,-1-1 0,1 1 0,-1-1 0,1 0 0,0 0 0,0 0 0,0-1 0,0 0 0,0 0 0,0-1 0,9 0 0,-3 1 0,1-1 0,-1-1 0,1 0 0,0-1 0,-1 0 0,0-1 0,0 0 0,0-1 0,0 0 0,0-1 0,-1 0 0,1-1 0,-2 0 0,18-13 0,-15 11 0,-1-1 0,0 0 0,0-1 0,-1 0 0,0 0 0,-1-2 0,0 1 0,-1-1 0,0 0 0,-1-1 0,-1 0 0,0-1 0,0 1 0,-1-1 0,-1 0 0,5-20 0,-2-8 0,-5 29 0,0 0 0,-1-1 0,0 1 0,-1-21 0,-1 29 0,-1-1 0,0 1 0,0 0 0,-1-1 0,1 1 0,-1 0 0,0 0 0,-1 0 0,1 0 0,-1 1 0,0-1 0,0 1 0,0-1 0,-8-6 0,5 6 0,0 0 0,0 0 0,0 1 0,0 0 0,-1 0 0,0 1 0,1 0 0,-1 0 0,0 0 0,-1 1 0,1 0 0,0 1 0,-1-1 0,1 2 0,-1-1 0,-7 1 0,9 0 0,0 0 0,0 0 0,1 1 0,-1 0 0,0 0 0,1 0 0,-1 1 0,1 0 0,-1 0 0,1 1 0,0-1 0,0 1 0,0 0 0,0 0 0,0 1 0,1-1 0,0 1 0,0 0 0,0 0 0,0 1 0,-4 5 0,-7 15 0,-4 4 0,-21 47 0,35-64 0,1 0 0,0 1 0,1-1 0,0 1 0,1 0 0,0-1 0,0 21 0,1 2 0,1-12 0,0 0 0,6 45 0,-5-61 0,1-1 0,-1 1 0,2-1 0,-1 0 0,0 0 0,1 0 0,0 0 0,1 0 0,-1 0 0,1-1 0,0 0 0,1 0 0,-1 0 0,10 8 0,-4-5 0,0-1 0,1 0 0,0 0 0,0-1 0,0 0 0,20 6 0,-26-11 0,0 1 0,0-1 0,0 0 0,0-1 0,1 1 0,-1-1 0,0 0 0,0 0 0,0-1 0,0 1 0,1-1 0,-1 0 0,0-1 0,0 1 0,-1-1 0,1 0 0,0 0 0,0-1 0,3-2 0,3-1 0,-1-1 0,0 0 0,0-1 0,0 0 0,-1-1 0,-1 1 0,0-2 0,0 1 0,0-1 0,-1 0 0,-1-1 0,0 0 0,0 0 0,-1 0 0,-1 0 0,1-1 0,1-13 0,-1 5 0,-1-1 0,-1 0 0,-1-1 0,-1 1 0,-1 0 0,-1-1 0,-1 1 0,-1 0 0,0 0 0,-10-30 0,10 45 0,-1 0 0,0 1 0,1-1 0,-2 1 0,1 0 0,-1 0 0,1 0 0,-2 0 0,1 1 0,0 0 0,-1 0 0,1 1 0,-1-1 0,0 1 0,-1 0 0,1 1 0,0 0 0,-1 0 0,1 0 0,-1 1 0,0-1 0,1 2 0,-1-1 0,0 1 0,0 0 0,1 0 0,-1 1 0,-11 2 0,8 2 0,0 0 0,0 0 0,1 1 0,-1 0 0,1 1 0,0 0 0,1 0 0,0 1 0,0 0 0,1 1 0,0-1 0,0 1 0,-6 12 0,3-3 0,1 1 0,1-1 0,0 1 0,2 1 0,0-1 0,-5 30 0,9-38 0,1-1 0,0 0 0,1 0 0,0 0 0,0 1 0,1-1 0,0 0 0,1 0 0,0 0 0,1 0 0,0 0 0,0-1 0,1 1 0,0-1 0,1 0 0,0 0 0,1 0 0,-1-1 0,2 0 0,-1 0 0,1 0 0,0-1 0,13 10 0,-10-9 0,2-1 0,-1 0 0,1 0 0,0-1 0,0-1 0,1 0 0,-1 0 0,1-1 0,18 2 0,-22-4 0,0-1 0,1-1 0,-1 1 0,1-2 0,-1 1 0,0-1 0,1-1 0,-1 1 0,0-2 0,0 1 0,0-1 0,0-1 0,16-8 0,-15 7 0,-1-1 0,0 0 0,-1-1 0,1 0 0,-1 0 0,-1 0 0,1-1 0,-1-1 0,0 1 0,-1-1 0,0 0 0,-1 0 0,0-1 0,0 1 0,-1-1 0,0-1 0,-1 1 0,0 0 0,0-1 0,-1 1 0,-1-1 0,0 0 0,0-13 0,-1 18 0,0-1 0,0 0 0,-1 0 0,0 0 0,0 1 0,0-1 0,-1 0 0,0 1 0,0-1 0,-1 1 0,0 0 0,0 0 0,-7-10 0,1 5 0,-1 0 0,0 0 0,-1 1 0,0 1 0,-15-10 0,19 13 0,-1 0 0,1 0 0,-1 1 0,0 0 0,-1 1 0,1 0 0,-1 0 0,0 1 0,0 0 0,0 0 0,0 1 0,0 0 0,0 1 0,-19-1 0,26 2 0,-27-1 0,0 2 0,-52 7 0,72-6 0,-1 0 0,1 1 0,-1 0 0,1 1 0,0 0 0,0 0 0,1 1 0,-1 0 0,1 1 0,0 0 0,-14 14 0,10-8 0,0 1 0,1 0 0,1 1 0,0 0 0,1 0 0,1 1 0,0 1 0,1-1 0,0 1 0,2 1 0,0-1 0,0 1 0,2 0 0,0 0 0,1 0 0,0 23 0,2-30 0,1 1 0,0 0 0,1 0 0,0-1 0,0 1 0,2-1 0,-1 1 0,1-1 0,9 17 0,-9-21 0,0-1 0,-1 1 0,2-1 0,-1 1 0,1-1 0,-1-1 0,2 1 0,-1-1 0,0 0 0,1 0 0,0 0 0,-1-1 0,2 1 0,-1-2 0,0 1 0,13 3 0,-1-2 0,0-2 0,0 0 0,0 0 0,0-2 0,0 0 0,0-2 0,0 0 0,0 0 0,0-2 0,-1 0 0,0-1 0,1-1 0,-2 0 0,1-2 0,17-9 0,-13 5 0,0-1 0,-2 0 0,1-1 0,-2-2 0,0 1 0,20-24 0,-34 32 0,0 0 0,-1-1 0,0 1 0,0-1 0,0 0 0,-1 1 0,-1-1 0,1 0 0,-1 0 0,-1 0 0,1 0 0,-2-9 0,0-2 0,0-1 0,-1 1 0,-10-36 0,9 48 0,1 1 0,-1 0 0,0-1 0,-1 1 0,0 1 0,0-1 0,0 0 0,0 1 0,-1 0 0,0 0 0,0 0 0,0 1 0,-1 0 0,0 0 0,1 0 0,-1 1 0,-1 0 0,1 0 0,0 0 0,-1 1 0,1 0 0,-1 0 0,0 0 0,-7 0 0,-13-2 0,0 2 0,0 0 0,0 2 0,-49 5 0,69-3 0,0-1 0,0 1 0,0 0 0,0 1 0,0 0 0,1 0 0,-1 0 0,1 1 0,0 0 0,0 0 0,-9 10 0,0-1 0,1 1 0,1 1 0,-12 18 0,17-21 0,1 0 0,1 1 0,0 0 0,1 0 0,-8 26 0,-9 72 0,21-107 0,1 0 0,-1 0 0,1 0 0,0 0 0,-1 0 0,2-1 0,-1 1 0,0 0 0,1 0 0,0 0 0,0 0 0,0 0 0,0 0 0,1-1 0,-1 1 0,1-1 0,0 1 0,0-1 0,1 0 0,-1 1 0,0-1 0,1 0 0,0 0 0,0-1 0,0 1 0,4 2 0,0-1 0,1 0 0,0-1 0,0 0 0,0 0 0,0-1 0,1 0 0,-1 0 0,1-1 0,-1 0 0,1-1 0,8 0 0,0 0 0,17 0 0,0-1 0,42-7 0,-66 6 0,1 0 0,-1-1 0,-1 0 0,1-1 0,0 0 0,-1 0 0,0-1 0,0 0 0,0-1 0,0 0 0,13-13 0,17-15 0,-33 30 0,0 0 0,0-1 0,-1 0 0,0 0 0,0 0 0,0 0 0,0-1 0,-1 0 0,0 0 0,0 0 0,0 0 0,-1-1 0,0 1 0,0-1 0,-1 0 0,0 0 0,0 0 0,1-14 0,-1 6 0,-1-1 0,-1 0 0,0 0 0,-1 1 0,-1-1 0,-4-16 0,5 26 0,-1 0 0,0 0 0,-1 1 0,1-1 0,-1 1 0,0 0 0,0 0 0,-1 0 0,0 0 0,0 0 0,0 1 0,0-1 0,0 1 0,-1 0 0,0 1 0,0-1 0,0 1 0,-8-4 0,-2 0 0,1 2 0,-1-1 0,0 2 0,0 0 0,0 1 0,0 0 0,-1 1 0,1 1 0,-1 1 0,-16 1 0,21-1 0,1 2 0,0 0 0,-1 0 0,1 1 0,0 0 0,0 0 0,0 1 0,1 1 0,-1-1 0,1 2 0,0-1 0,1 1 0,-1 1 0,1-1 0,-11 13 0,6-4 0,1 0 0,1 1 0,1 0 0,0 0 0,1 1 0,1 1 0,-8 20 0,12-26 0,1 1 0,0 0 0,0 0 0,1 0 0,1 0 0,0 0 0,1 0 0,1 1 0,0-1 0,0 0 0,5 18 0,-3-24 0,1 1 0,0-1 0,0 0 0,0 0 0,1 0 0,-1-1 0,2 0 0,-1 0 0,1 0 0,0 0 0,0-1 0,0 0 0,11 6 0,-1 2 0,-8-9 0,-1 0 0,0 0 0,1-1 0,0 0 0,0 0 0,-1-1 0,2 0 0,-1 0 0,0-1 0,0 0 0,16-1 0,14 0 0,42-6 0,-80 6 0,12-2 0,-1 0 0,0-1 0,0 0 0,0-1 0,0 0 0,-1 0 0,1-1 0,-1-1 0,0 1 0,-1-2 0,0 1 0,1-1 0,-2-1 0,1 0 0,-1 0 0,-1-1 0,13-17 0,-14 17 0,-1 0 0,0-1 0,0 1 0,-1-1 0,0-1 0,-1 1 0,0 0 0,-1-1 0,0 0 0,0 1 0,-1-1 0,-1 0 0,0 0 0,0 0 0,-1 1 0,-1-1 0,1 0 0,-2 1 0,1-1 0,-2 1 0,1 0 0,-6-11 0,4 11 0,0 1 0,0 0 0,0 1 0,-1-1 0,0 1 0,-1 0 0,0 1 0,0-1 0,-1 2 0,0-1 0,0 1 0,-1 0 0,1 0 0,-1 1 0,0 0 0,-1 1 0,1 0 0,-1 1 0,0 0 0,0 0 0,0 1 0,0 0 0,-14-1 0,-35 2 0,-59 5 0,113-3 0,0 0 0,0 0 0,0 1 0,0 0 0,0 0 0,0 0 0,0 1 0,1 0 0,-1 0 0,1 0 0,-1 0 0,1 1 0,1-1 0,-1 1 0,0 0 0,1 1 0,-5 5 0,2 0 0,0 0 0,0 1 0,1 0 0,0-1 0,1 1 0,-6 22 0,4-6 0,1-7 0,0 0 0,2 0 0,-2 40 0,5-54 0,1 0 0,-1-1 0,1 1 0,0-1 0,0 1 0,1-1 0,0 1 0,0-1 0,0 0 0,1 0 0,-1 0 0,1 0 0,0 0 0,1 0 0,-1-1 0,1 0 0,0 1 0,0-2 0,4 5 0,63 59 0,-64-60 0,-2-2 0,2 0 0,-1 0 0,0-1 0,1 0 0,0 0 0,0-1 0,0 1 0,0-2 0,0 1 0,1-1 0,-1 0 0,15 1 0,9 1 0,55-2 0,-81-2 0,14-3 0,1 0 0,-1-1 0,-1-2 0,1 1 0,-1-2 0,0-1 0,0 0 0,-1-1 0,0-1 0,-1-1 0,17-13 0,-23 17 0,-1 0 0,1-1 0,-2 0 0,1 0 0,-1-1 0,0 0 0,-1-1 0,0 0 0,-1 0 0,0 0 0,0-1 0,-1 0 0,-1 0 0,0 0 0,0-1 0,-1 1 0,-1-1 0,0 0 0,0 1 0,0-21 0,-2 21 0,-1 0 0,0 1 0,0-1 0,-1 0 0,0 1 0,0-1 0,-2 1 0,1 0 0,-1 0 0,-1 0 0,1 1 0,-2-1 0,1 1 0,-1 0 0,-1 1 0,0-1 0,0 1 0,0 1 0,-1-1 0,0 1 0,-1 1 0,1 0 0,-1 0 0,-1 0 0,1 1 0,-1 0 0,0 1 0,0 0 0,0 1 0,0 0 0,-1 1 0,1 0 0,-13-1 0,11 3 0,-36-2 0,-59 5 0,92-2 0,0 2 0,0-1 0,0 2 0,1 0 0,-1 0 0,1 2 0,1 0 0,-18 9 0,15-5 0,1 0 0,0 1 0,0 1 0,1 0 0,1 1 0,-13 15 0,20-20 0,0 0 0,1 0 0,0 1 0,0 0 0,1 0 0,0 0 0,0 0 0,1 1 0,0-1 0,1 1 0,0 0 0,-1 19 0,2-14 0,1 1 0,1 0 0,0-1 0,1 1 0,8 29 0,-8-39 0,0 0 0,0 0 0,1 0 0,0-1 0,0 1 0,1-1 0,-1 0 0,1 0 0,0 0 0,1-1 0,-1 1 0,1-1 0,0 0 0,0 0 0,0-1 0,1 0 0,9 5 0,-3-2 0,0 0 0,0-1 0,0-1 0,1 0 0,0 0 0,0-1 0,0-1 0,0 0 0,0-1 0,1-1 0,-1 0 0,0 0 0,0-2 0,0 1 0,1-2 0,-2 0 0,1 0 0,0-1 0,23-11 0,-27 9 0,0 0 0,0 0 0,0-1 0,-1 0 0,0 0 0,-1-1 0,0 0 0,0-1 0,0 1 0,-1-1 0,-1-1 0,1 1 0,-2-1 0,7-17 0,-6 15 0,-1-1 0,0 1 0,-1-1 0,0 0 0,-1 0 0,-1-1 0,0 1 0,0 0 0,-2 0 0,0-1 0,-4-22 0,2 28 0,0 0 0,-1-1 0,0 1 0,0 1 0,-1-1 0,0 1 0,0-1 0,-1 1 0,0 1 0,0-1 0,-1 1 0,1 0 0,-1 1 0,-1 0 0,-11-7 0,9 6 0,0 1 0,-1 0 0,1 0 0,-1 1 0,0 1 0,0 0 0,0 0 0,0 1 0,-1 0 0,1 1 0,-19 1 0,23 1 0,1 0 0,-1 1 0,1 0 0,0 0 0,0 1 0,0-1 0,0 1 0,0 1 0,1-1 0,-1 1 0,1 0 0,0 0 0,0 0 0,0 1 0,1 0 0,-1 0 0,1 0 0,1 0 0,-1 1 0,1-1 0,-1 1 0,2 0 0,-1 0 0,-2 7 0,-1 6 0,0 1 0,0 0 0,2 0 0,1 0 0,0 0 0,1 32 0,2-38 0,0-1 0,1 0 0,0 1 0,2-1 0,3 15 0,-5-24 0,0-1 0,0 0 0,1 0 0,-1 0 0,1 0 0,0 0 0,0 0 0,0 0 0,0 0 0,0-1 0,1 1 0,-1-1 0,1 0 0,-1 1 0,1-1 0,0 0 0,0-1 0,0 1 0,0 0 0,0-1 0,1 0 0,-1 0 0,0 0 0,0 0 0,5 0 0,10 1 0,0-1 0,0-1 0,0-1 0,1 0 0,-1-1 0,0-1 0,-1-1 0,1-1 0,-1 0 0,1-1 0,19-10 0,-25 10 0,-1 0 0,1 0 0,-2-1 0,1-1 0,-1 1 0,0-2 0,0 1 0,-1-2 0,-1 1 0,1-1 0,-1 0 0,-1-1 0,0 0 0,-1 0 0,0 0 0,8-22 0,-11 25 0,-1 0 0,-1 0 0,1-1 0,-1 1 0,0-1 0,-1 0 0,0 1 0,-1-1 0,0 1 0,0-1 0,0 1 0,-5-14 0,4 18 0,0 0 0,0 0 0,0 0 0,0 0 0,-1 0 0,1 0 0,-1 1 0,0-1 0,0 1 0,0 0 0,-1 0 0,1 0 0,-1 0 0,0 0 0,0 1 0,0 0 0,0 0 0,0 0 0,0 0 0,0 1 0,-1-1 0,1 1 0,0 0 0,-1 0 0,-4 1 0,-9-2 0,1 0 0,-1 2 0,0 0 0,1 2 0,-22 3 0,31-3 0,-1 0 0,1 1 0,0 0 0,0 0 0,0 1 0,1 0 0,-1 1 0,1 0 0,0 0 0,0 0 0,1 1 0,-10 9 0,-7 10 0,2 1 0,-36 54 0,50-68 0,1 0 0,0 1 0,1-1 0,0 1 0,1 0 0,1 1 0,0-1 0,1 1 0,0-1 0,1 15 0,1-26 0,-1 12 0,1 0 0,1 0 0,0 0 0,1 0 0,5 21 0,-6-33 0,0 1 0,-1-1 0,2 0 0,-1 1 0,0-1 0,0 0 0,1 0 0,-1 0 0,1 0 0,-1 0 0,1 0 0,0 0 0,0 0 0,0-1 0,0 1 0,0-1 0,0 0 0,0 1 0,1-1 0,-1 0 0,0 0 0,1 0 0,-1-1 0,1 1 0,-1-1 0,1 1 0,-1-1 0,1 0 0,-1 0 0,1 0 0,0 0 0,-1 0 0,1 0 0,-1-1 0,1 0 0,-1 1 0,4-3 0,7-1 0,0-1 0,-1-1 0,0 0 0,0-1 0,-1 0 0,0 0 0,0-2 0,0 1 0,-1-1 0,-1-1 0,1 0 0,-1 0 0,-1-1 0,0 0 0,-1 0 0,0-1 0,-1 0 0,0 0 0,0 0 0,-2-1 0,0 0 0,0 0 0,-1 0 0,0 0 0,-1-1 0,0-24 0,-4 31 0,1 0 0,-1 0 0,0 0 0,-1 0 0,1 0 0,-1 1 0,-1-1 0,1 1 0,-1-1 0,-8-8 0,1 1 0,0 2 0,0 0 0,-22-18 0,29 27 0,-1-1 0,0 1 0,1 0 0,-1 1 0,-1-1 0,1 1 0,0 0 0,-1 0 0,1 1 0,-1-1 0,1 1 0,-1 1 0,0-1 0,1 1 0,-1 0 0,0 0 0,1 0 0,-1 1 0,0 0 0,1 0 0,-1 0 0,1 1 0,0 0 0,-1 0 0,1 0 0,0 1 0,0 0 0,0 0 0,1 0 0,-1 0 0,1 1 0,-1 0 0,1 0 0,0 0 0,1 0 0,-7 10 0,1 3 0,0 1 0,2 0 0,0 0 0,1 1 0,0 0 0,2 0 0,0 0 0,2 1 0,-2 33 0,4-44 0,0 1 0,1 0 0,0-1 0,1 1 0,-1-1 0,2 1 0,-1-1 0,8 16 0,-8-22 0,0 1 0,0 0 0,1-1 0,0 0 0,-1 0 0,1 0 0,0 0 0,1 0 0,-1 0 0,0-1 0,1 1 0,0-1 0,-1 0 0,1 0 0,0-1 0,0 1 0,0-1 0,0 1 0,0-1 0,1-1 0,-1 1 0,5 0 0,-1 0 0,0 0 0,0 0 0,0-1 0,0 0 0,0-1 0,0 1 0,0-1 0,0-1 0,0 0 0,-1 0 0,1 0 0,-1-1 0,1 0 0,-1 0 0,0-1 0,0 0 0,0-1 0,-1 1 0,0-1 0,0 0 0,0-1 0,6-6 0,-6 5 0,0-1 0,0 0 0,-1 0 0,0 0 0,0-1 0,-1 1 0,0-1 0,0 0 0,-1-1 0,0 1 0,-1 0 0,0-1 0,-1 0 0,0 1 0,0-1 0,-1 0 0,0 0 0,-1 1 0,0-1 0,0 0 0,-1 1 0,0-1 0,-6-14 0,6 20 0,-1 0 0,1-1 0,-1 2 0,0-1 0,0 0 0,0 0 0,0 1 0,-1 0 0,0 0 0,1 0 0,-1 0 0,0 0 0,0 1 0,0 0 0,-1 0 0,1 0 0,-1 0 0,1 1 0,-1-1 0,-6 0 0,-4 0 0,1 0 0,-1 2 0,0-1 0,0 2 0,-19 2 0,31-2 0,-1 0 0,0 0 0,0 0 0,0 1 0,1-1 0,-1 1 0,1 0 0,-1 0 0,1 0 0,0 0 0,0 0 0,0 1 0,0 0 0,0-1 0,-4 7 0,-32 54 0,27-40 0,8-15 0,1 0 0,0 0 0,0 0 0,0 0 0,1 1 0,0-1 0,1 1 0,0-1 0,0 1 0,1 0 0,0-1 0,1 1 0,-1 0 0,2-1 0,1 10 0,-2-14 0,1 1 0,-1 0 0,1 0 0,0-1 0,0 1 0,0-1 0,1 0 0,-1 0 0,1 0 0,0 0 0,0 0 0,1 0 0,-1-1 0,1 0 0,0 1 0,0-1 0,0-1 0,0 1 0,0-1 0,1 1 0,-1-1 0,1 0 0,-1-1 0,1 1 0,0-1 0,0 0 0,5 1 0,-3-1 0,0-1 0,-1 0 0,1 0 0,0 0 0,-1-1 0,1 0 0,0 0 0,-1 0 0,1-1 0,-1 0 0,0 0 0,0-1 0,0 0 0,0 0 0,0 0 0,0-1 0,-1 0 0,1 0 0,-1 0 0,0-1 0,-1 0 0,1 0 0,-1 0 0,0 0 0,0-1 0,-1 1 0,1-1 0,-1 0 0,0 0 0,-1 0 0,0-1 0,0 1 0,0-1 0,0 1 0,-1-1 0,-1 1 0,1-10 0,-1 16 0,2-16 0,0-1 0,-2 1 0,0 0 0,-5-31 0,5 43 0,-1 1 0,0 0 0,0-1 0,0 1 0,0 0 0,-1 0 0,1 0 0,-1 0 0,0 0 0,0 0 0,0 0 0,0 1 0,0-1 0,-1 1 0,1-1 0,-1 1 0,0 0 0,0 0 0,1 0 0,-1 1 0,0-1 0,0 1 0,-1-1 0,1 1 0,0 0 0,0 0 0,-1 0 0,1 1 0,-6-1 0,3 0 0,0-1 0,-1 2 0,1-1 0,0 1 0,-1 0 0,1 1 0,0-1 0,-1 1 0,1 0 0,0 1 0,-1-1 0,1 1 0,0 1 0,1-1 0,-1 1 0,0 0 0,1 0 0,-1 1 0,1 0 0,0 0 0,0 0 0,1 0 0,-1 1 0,-5 7 0,-6 8 0,0 0 0,2 2 0,-17 30 0,26-42 0,1 0 0,0 1 0,1-1 0,0 1 0,0 0 0,1 0 0,1 0 0,0 0 0,0 0 0,2 16 0,-1-24 0,0-1 0,1 0 0,-1 0 0,1 1 0,0-1 0,-1 0 0,1 0 0,0 1 0,0-1 0,0 0 0,1 0 0,-1 0 0,0 0 0,1-1 0,-1 1 0,1 0 0,0-1 0,-1 1 0,1-1 0,3 3 0,-1-2 0,1 0 0,-1 0 0,1 0 0,0-1 0,-1 1 0,1-1 0,0 0 0,0-1 0,7 1 0,3-1 0,1-1 0,-1 0 0,0-1 0,1 0 0,20-7 0,-17 3 0,-1-1 0,0-1 0,0 0 0,0-1 0,-1-1 0,-1-1 0,0 0 0,0-2 0,-1 1 0,20-23 0,-31 31 0,-1-1 0,1 1 0,-1-1 0,0 0 0,-1 0 0,1 0 0,-1 0 0,0 0 0,0-1 0,-1 1 0,0-1 0,0 1 0,0-1 0,0 1 0,-1-1 0,0 0 0,0 1 0,-1-1 0,1 0 0,-1 1 0,0-1 0,-1 1 0,1-1 0,-1 1 0,0 0 0,-1 0 0,1 0 0,-1 0 0,0 0 0,0 0 0,0 1 0,-1-1 0,0 1 0,0 0 0,0 0 0,0 1 0,-1-1 0,1 1 0,-1 0 0,0 0 0,0 0 0,0 1 0,0 0 0,0 0 0,-1 0 0,1 0 0,-1 1 0,1 0 0,-1 0 0,-10 0 0,7 1 0,-1 1 0,1-1 0,-1 2 0,1-1 0,0 1 0,0 1 0,0-1 0,0 2 0,0-1 0,0 1 0,1 1 0,0-1 0,0 1 0,0 1 0,0-1 0,1 1 0,0 1 0,0-1 0,1 1 0,0 1 0,0-1 0,1 1 0,0 0 0,0 0 0,0 0 0,-5 16 0,10-24 0,0 0 0,0 1 0,-1-1 0,1 0 0,0 1 0,0-1 0,0 1 0,-1-1 0,1 1 0,0-1 0,0 0 0,0 1 0,0-1 0,0 1 0,0-1 0,0 1 0,0-1 0,0 1 0,0-1 0,0 0 0,0 1 0,0-1 0,1 1 0,-1-1 0,0 1 0,0-1 0,0 0 0,1 1 0,-1-1 0,0 1 0,0-1 0,1 0 0,-1 1 0,18-2 0,31-23 0,-37 18 0,84-29-1365,-81 28-5461</inkml:trace>
+</inkml:ink>
+</file>
+
+<file path=ppt/ink/ink72.xml><?xml version="1.0" encoding="utf-8"?>
+<inkml:ink xmlns:inkml="http://www.w3.org/2003/InkML">
+  <inkml:definitions>
+    <inkml:context xml:id="ctx0">
+      <inkml:inkSource xml:id="inkSrc0">
+        <inkml:traceFormat>
+          <inkml:channel name="X" type="integer" min="-2.14748E9" max="2.14748E9" units="cm"/>
+          <inkml:channel name="Y" type="integer" min="-2.14748E9" max="2.14748E9" units="cm"/>
+          <inkml:channel name="F" type="integer" max="32767" units="dev"/>
+        </inkml:traceFormat>
+        <inkml:channelProperties>
+          <inkml:channelProperty channel="X" name="resolution" value="1000" units="1/cm"/>
+          <inkml:channelProperty channel="Y" name="resolution" value="1000" units="1/cm"/>
+          <inkml:channelProperty channel="F" name="resolution" value="0" units="1/dev"/>
+        </inkml:channelProperties>
+      </inkml:inkSource>
+      <inkml:timestamp xml:id="ts0" timeString="2025-03-10T19:09:08.199"/>
+    </inkml:context>
+    <inkml:brush xml:id="br0">
+      <inkml:brushProperty name="width" value="0.035" units="cm"/>
+      <inkml:brushProperty name="height" value="0.035" units="cm"/>
+      <inkml:brushProperty name="color" value="#E71224"/>
+    </inkml:brush>
+  </inkml:definitions>
+  <inkml:trace contextRef="#ctx0" brushRef="#br0">0 202 24233,'629'-202'0</inkml:trace>
+</inkml:ink>
+</file>
+
+<file path=ppt/ink/ink73.xml><?xml version="1.0" encoding="utf-8"?>
+<inkml:ink xmlns:inkml="http://www.w3.org/2003/InkML">
+  <inkml:definitions>
+    <inkml:context xml:id="ctx0">
+      <inkml:inkSource xml:id="inkSrc0">
+        <inkml:traceFormat>
+          <inkml:channel name="X" type="integer" min="-2.14748E9" max="2.14748E9" units="cm"/>
+          <inkml:channel name="Y" type="integer" min="-2.14748E9" max="2.14748E9" units="cm"/>
+          <inkml:channel name="F" type="integer" max="32767" units="dev"/>
+        </inkml:traceFormat>
+        <inkml:channelProperties>
+          <inkml:channelProperty channel="X" name="resolution" value="1000" units="1/cm"/>
+          <inkml:channelProperty channel="Y" name="resolution" value="1000" units="1/cm"/>
+          <inkml:channelProperty channel="F" name="resolution" value="0" units="1/dev"/>
+        </inkml:channelProperties>
+      </inkml:inkSource>
+      <inkml:timestamp xml:id="ts0" timeString="2025-03-10T19:09:15.217"/>
+    </inkml:context>
+    <inkml:brush xml:id="br0">
+      <inkml:brushProperty name="width" value="0.035" units="cm"/>
+      <inkml:brushProperty name="height" value="0.035" units="cm"/>
+      <inkml:brushProperty name="color" value="#E71224"/>
+    </inkml:brush>
+  </inkml:definitions>
+  <inkml:trace contextRef="#ctx0" brushRef="#br0">2539 75 24362,'-2539'-75'0</inkml:trace>
+</inkml:ink>
+</file>
+
+<file path=ppt/ink/ink74.xml><?xml version="1.0" encoding="utf-8"?>
+<inkml:ink xmlns:inkml="http://www.w3.org/2003/InkML">
+  <inkml:definitions>
+    <inkml:context xml:id="ctx0">
+      <inkml:inkSource xml:id="inkSrc0">
+        <inkml:traceFormat>
+          <inkml:channel name="X" type="integer" min="-2.14748E9" max="2.14748E9" units="cm"/>
+          <inkml:channel name="Y" type="integer" min="-2.14748E9" max="2.14748E9" units="cm"/>
+          <inkml:channel name="F" type="integer" max="32767" units="dev"/>
+        </inkml:traceFormat>
+        <inkml:channelProperties>
+          <inkml:channelProperty channel="X" name="resolution" value="1000" units="1/cm"/>
+          <inkml:channelProperty channel="Y" name="resolution" value="1000" units="1/cm"/>
+          <inkml:channelProperty channel="F" name="resolution" value="0" units="1/dev"/>
+        </inkml:channelProperties>
+      </inkml:inkSource>
+      <inkml:timestamp xml:id="ts0" timeString="2025-03-10T19:09:16.437"/>
+    </inkml:context>
+    <inkml:brush xml:id="br0">
+      <inkml:brushProperty name="width" value="0.035" units="cm"/>
+      <inkml:brushProperty name="height" value="0.035" units="cm"/>
+      <inkml:brushProperty name="color" value="#E71224"/>
+    </inkml:brush>
+  </inkml:definitions>
+  <inkml:trace contextRef="#ctx0" brushRef="#br0">729 0 24262,'-729'1357'0</inkml:trace>
+</inkml:ink>
+</file>
+
+<file path=ppt/ink/ink75.xml><?xml version="1.0" encoding="utf-8"?>
+<inkml:ink xmlns:inkml="http://www.w3.org/2003/InkML">
+  <inkml:definitions>
+    <inkml:context xml:id="ctx0">
+      <inkml:inkSource xml:id="inkSrc0">
+        <inkml:traceFormat>
+          <inkml:channel name="X" type="integer" min="-2.14748E9" max="2.14748E9" units="cm"/>
+          <inkml:channel name="Y" type="integer" min="-2.14748E9" max="2.14748E9" units="cm"/>
+          <inkml:channel name="F" type="integer" max="32767" units="dev"/>
+        </inkml:traceFormat>
+        <inkml:channelProperties>
+          <inkml:channelProperty channel="X" name="resolution" value="1000" units="1/cm"/>
+          <inkml:channelProperty channel="Y" name="resolution" value="1000" units="1/cm"/>
+          <inkml:channelProperty channel="F" name="resolution" value="0" units="1/dev"/>
+        </inkml:channelProperties>
+      </inkml:inkSource>
+      <inkml:timestamp xml:id="ts0" timeString="2025-03-10T19:09:29.847"/>
+    </inkml:context>
+    <inkml:brush xml:id="br0">
+      <inkml:brushProperty name="width" value="0.035" units="cm"/>
+      <inkml:brushProperty name="height" value="0.035" units="cm"/>
+      <inkml:brushProperty name="color" value="#E71224"/>
+    </inkml:brush>
+  </inkml:definitions>
+  <inkml:trace contextRef="#ctx0" brushRef="#br0">0 78 24575,'0'-4'0,"0"-6"0,4-1 0,6 1 0,1-2 0,3 1 0,4 3 0,2 2 0,3 3 0,1 1 0,1 2 0,1 0 0,-5 4 0,0 2 0,-6 5 0,1-1 0,-3-1-8191</inkml:trace>
+</inkml:ink>
+</file>
+
+<file path=ppt/ink/ink76.xml><?xml version="1.0" encoding="utf-8"?>
+<inkml:ink xmlns:inkml="http://www.w3.org/2003/InkML">
+  <inkml:definitions>
+    <inkml:context xml:id="ctx0">
+      <inkml:inkSource xml:id="inkSrc0">
+        <inkml:traceFormat>
+          <inkml:channel name="X" type="integer" min="-2.14748E9" max="2.14748E9" units="cm"/>
+          <inkml:channel name="Y" type="integer" min="-2.14748E9" max="2.14748E9" units="cm"/>
+          <inkml:channel name="F" type="integer" max="32767" units="dev"/>
+        </inkml:traceFormat>
+        <inkml:channelProperties>
+          <inkml:channelProperty channel="X" name="resolution" value="1000" units="1/cm"/>
+          <inkml:channelProperty channel="Y" name="resolution" value="1000" units="1/cm"/>
+          <inkml:channelProperty channel="F" name="resolution" value="0" units="1/dev"/>
+        </inkml:channelProperties>
+      </inkml:inkSource>
+      <inkml:timestamp xml:id="ts0" timeString="2025-03-10T19:08:57.497"/>
+    </inkml:context>
+    <inkml:brush xml:id="br0">
+      <inkml:brushProperty name="width" value="0.035" units="cm"/>
+      <inkml:brushProperty name="height" value="0.035" units="cm"/>
+      <inkml:brushProperty name="color" value="#E71224"/>
+    </inkml:brush>
+  </inkml:definitions>
+  <inkml:trace contextRef="#ctx0" brushRef="#br0">585 182 24575,'-1'-1'0,"1"0"0,-1 0 0,1 0 0,-1 0 0,1 0 0,-1 0 0,0 0 0,1 0 0,-1 0 0,0 0 0,0 0 0,0 0 0,0 0 0,0 1 0,0-1 0,0 0 0,0 1 0,0-1 0,0 1 0,0-1 0,0 1 0,0-1 0,0 1 0,0 0 0,-1 0 0,1-1 0,-2 1 0,-39-5 0,38 5 0,-38-2 0,0 1 0,-44 5 0,68-1 0,-1 0 0,1 0 0,0 2 0,0 0 0,0 1 0,1 1 0,-18 10 0,-3 1 0,31-15 0,0 0 0,0 1 0,0-1 0,0 1 0,0 1 0,1-1 0,0 1 0,0 1 0,-6 5 0,4-1 0,1 0 0,0 0 0,0 1 0,1 0 0,1 0 0,0 0 0,0 1 0,1 0 0,1 0 0,0 0 0,-2 14 0,2 2 0,1 0 0,2 0 0,5 52 0,-4-71 0,1 0 0,0 0 0,1 0 0,0 0 0,0 0 0,1-1 0,0 0 0,1 1 0,-1-1 0,2-1 0,-1 1 0,1-1 0,0 0 0,0 0 0,1-1 0,0 0 0,0 0 0,1 0 0,0-1 0,16 8 0,0-1 0,1-2 0,0 0 0,0-2 0,1-1 0,0-1 0,28 3 0,7 2 0,-35-6 0,1-1 0,37 1 0,37-3 0,150-5 0,-244 2 0,1-1 0,-1 1 0,1-1 0,-1-1 0,0 1 0,1-1 0,-2 0 0,1-1 0,0 0 0,-1 0 0,1 0 0,-1-1 0,10-10 0,-4 2 0,-1 0 0,0-1 0,-1 0 0,16-30 0,-12 20 0,-9 16 0,-1 0 0,1 0 0,-1 0 0,-1-1 0,0 1 0,0-1 0,0 0 0,-1 0 0,2-17 0,-2-21 0,-5-87 0,1 117 0,-1 1 0,0-1 0,-1 0 0,-1 1 0,-1-1 0,0 2 0,-1-1 0,-13-21 0,15 28 0,0 1 0,-1 0 0,0 0 0,0 0 0,-1 1 0,0 0 0,-1 0 0,1 1 0,-1 0 0,0 0 0,-1 1 0,-13-7 0,12 7 0,1-1 0,0 0 0,-16-15 0,-24-15 0,35 30 0,0-1 0,0 2 0,-1 0 0,0 1 0,0 1 0,0 0 0,-26-1 0,3 2 0,-73 8 0,98-4 0,1 1 0,-1 0 0,1 0 0,0 2 0,0-1 0,1 2 0,-1-1 0,1 1 0,0 1 0,-15 13 0,-9 9 0,-50 54 0,54-51 0,-1 11-1365,23-31-5461</inkml:trace>
+</inkml:ink>
+</file>
+
+<file path=ppt/ink/ink77.xml><?xml version="1.0" encoding="utf-8"?>
+<inkml:ink xmlns:inkml="http://www.w3.org/2003/InkML">
+  <inkml:definitions>
+    <inkml:context xml:id="ctx0">
+      <inkml:inkSource xml:id="inkSrc0">
+        <inkml:traceFormat>
+          <inkml:channel name="X" type="integer" min="-2.14748E9" max="2.14748E9" units="cm"/>
+          <inkml:channel name="Y" type="integer" min="-2.14748E9" max="2.14748E9" units="cm"/>
+          <inkml:channel name="F" type="integer" max="32767" units="dev"/>
+        </inkml:traceFormat>
+        <inkml:channelProperties>
+          <inkml:channelProperty channel="X" name="resolution" value="1000" units="1/cm"/>
+          <inkml:channelProperty channel="Y" name="resolution" value="1000" units="1/cm"/>
+          <inkml:channelProperty channel="F" name="resolution" value="0" units="1/dev"/>
+        </inkml:channelProperties>
+      </inkml:inkSource>
+      <inkml:timestamp xml:id="ts0" timeString="2025-03-10T19:08:59.607"/>
+    </inkml:context>
+    <inkml:brush xml:id="br0">
+      <inkml:brushProperty name="width" value="0.035" units="cm"/>
+      <inkml:brushProperty name="height" value="0.035" units="cm"/>
+      <inkml:brushProperty name="color" value="#E71224"/>
+    </inkml:brush>
+  </inkml:definitions>
+  <inkml:trace contextRef="#ctx0" brushRef="#br0">1 1 24575,'0'3'0,"1"1"0,0-1 0,0 1 0,0-1 0,1 0 0,-1 0 0,1 1 0,0-1 0,-1 0 0,1 0 0,1-1 0,-1 1 0,0 0 0,1-1 0,-1 1 0,1-1 0,0 0 0,0 0 0,0 0 0,0 0 0,0 0 0,5 1 0,26 22 0,-19-13 0,2 0 0,0-1 0,0-1 0,1 0 0,0-1 0,30 10 0,-18-7 0,-10-4 0,-9-3 0,-1-1 0,0 1 0,0 0 0,15 11 0,44 29 0,-46-31 0,36 27 0,16 9-1365,-63-40-5461</inkml:trace>
+</inkml:ink>
+</file>
+
+<file path=ppt/ink/ink78.xml><?xml version="1.0" encoding="utf-8"?>
+<inkml:ink xmlns:inkml="http://www.w3.org/2003/InkML">
+  <inkml:definitions>
+    <inkml:context xml:id="ctx0">
+      <inkml:inkSource xml:id="inkSrc0">
+        <inkml:traceFormat>
+          <inkml:channel name="X" type="integer" min="-2.14748E9" max="2.14748E9" units="cm"/>
+          <inkml:channel name="Y" type="integer" min="-2.14748E9" max="2.14748E9" units="cm"/>
+          <inkml:channel name="F" type="integer" max="32767" units="dev"/>
+        </inkml:traceFormat>
+        <inkml:channelProperties>
+          <inkml:channelProperty channel="X" name="resolution" value="1000" units="1/cm"/>
+          <inkml:channelProperty channel="Y" name="resolution" value="1000" units="1/cm"/>
+          <inkml:channelProperty channel="F" name="resolution" value="0" units="1/dev"/>
+        </inkml:channelProperties>
+      </inkml:inkSource>
+      <inkml:timestamp xml:id="ts0" timeString="2025-03-10T19:09:02.268"/>
+    </inkml:context>
+    <inkml:brush xml:id="br0">
+      <inkml:brushProperty name="width" value="0.035" units="cm"/>
+      <inkml:brushProperty name="height" value="0.035" units="cm"/>
+      <inkml:brushProperty name="color" value="#E71224"/>
+    </inkml:brush>
+  </inkml:definitions>
+  <inkml:trace contextRef="#ctx0" brushRef="#br0">0 1 24575,'0'5'0,"1"1"0,0-1 0,0 0 0,0 0 0,0 1 0,1-1 0,0 0 0,0 0 0,0 0 0,1-1 0,4 7 0,41 48 0,-22-29 0,0-2 0,33 29 0,-38-39 0,-1 1 0,-1 1 0,32 44 0,-31-36 0,1-2 0,29 28 0,-37-40 0,20 18 0,-20-20 0,-1 1 0,0 0 0,15 22 0,21 23 0,-36-44 0,0-1 0,17 28 0,6 17 0,32 58 0,-54-89 0,-3-7 0,-1 0 0,-1 1 0,10 34 0,-8-17 0,3-1 0,20 46 0,-21-57 0,-4-11-23,0 0 0,1 0 0,1-1 0,17 18 0,-6-6-1227,-12-14-5576</inkml:trace>
+</inkml:ink>
+</file>
+
+<file path=ppt/ink/ink79.xml><?xml version="1.0" encoding="utf-8"?>
+<inkml:ink xmlns:inkml="http://www.w3.org/2003/InkML">
+  <inkml:definitions>
+    <inkml:context xml:id="ctx0">
+      <inkml:inkSource xml:id="inkSrc0">
+        <inkml:traceFormat>
+          <inkml:channel name="X" type="integer" min="-2.14748E9" max="2.14748E9" units="cm"/>
+          <inkml:channel name="Y" type="integer" min="-2.14748E9" max="2.14748E9" units="cm"/>
+          <inkml:channel name="F" type="integer" max="32767" units="dev"/>
+        </inkml:traceFormat>
+        <inkml:channelProperties>
+          <inkml:channelProperty channel="X" name="resolution" value="1000" units="1/cm"/>
+          <inkml:channelProperty channel="Y" name="resolution" value="1000" units="1/cm"/>
+          <inkml:channelProperty channel="F" name="resolution" value="0" units="1/dev"/>
+        </inkml:channelProperties>
+      </inkml:inkSource>
+      <inkml:timestamp xml:id="ts0" timeString="2025-03-10T19:09:11.442"/>
+    </inkml:context>
+    <inkml:brush xml:id="br0">
+      <inkml:brushProperty name="width" value="0.035" units="cm"/>
+      <inkml:brushProperty name="height" value="0.035" units="cm"/>
+      <inkml:brushProperty name="color" value="#E71224"/>
+    </inkml:brush>
+  </inkml:definitions>
+  <inkml:trace contextRef="#ctx0" brushRef="#br0">1 1048 24575,'0'-1'0,"1"0"0,-1 0 0,1 0 0,0 0 0,-1 0 0,1 0 0,0 0 0,0 0 0,0 0 0,-1 0 0,1 0 0,0 0 0,0 1 0,0-1 0,1 0 0,-1 1 0,0-1 0,0 1 0,2-2 0,31-11 0,-25 10 0,11-6 0,-1 0 0,20-15 0,-23 14 0,0 0 0,0 2 0,26-11 0,105-42 0,9-3 0,-128 53 0,0-2 0,-1-1 0,-1-1 0,27-21 0,14-11 0,60-37 0,-10-2 0,-89 66 0,0-1 0,-2-1 0,0-2 0,39-45 0,-5 5 0,-50 54 0,2-3 0,1 0 0,0 1 0,1 0 0,0 1 0,1 0 0,0 2 0,19-10 0,93-56 0,-113 67 34,0 0-1,-1 0 0,15-13 1,23-15-1533,-38 28-5327</inkml:trace>
+</inkml:ink>
+</file>
+
 <file path=ppt/ink/ink8.xml><?xml version="1.0" encoding="utf-8"?>
 <inkml:ink xmlns:inkml="http://www.w3.org/2003/InkML">
   <inkml:definitions>
@@ -1085,6 +3476,286 @@
 </inkml:ink>
 </file>
 
+<file path=ppt/ink/ink80.xml><?xml version="1.0" encoding="utf-8"?>
+<inkml:ink xmlns:inkml="http://www.w3.org/2003/InkML">
+  <inkml:definitions>
+    <inkml:context xml:id="ctx0">
+      <inkml:inkSource xml:id="inkSrc0">
+        <inkml:traceFormat>
+          <inkml:channel name="X" type="integer" min="-2.14748E9" max="2.14748E9" units="cm"/>
+          <inkml:channel name="Y" type="integer" min="-2.14748E9" max="2.14748E9" units="cm"/>
+          <inkml:channel name="F" type="integer" max="32767" units="dev"/>
+        </inkml:traceFormat>
+        <inkml:channelProperties>
+          <inkml:channelProperty channel="X" name="resolution" value="1000" units="1/cm"/>
+          <inkml:channelProperty channel="Y" name="resolution" value="1000" units="1/cm"/>
+          <inkml:channelProperty channel="F" name="resolution" value="0" units="1/dev"/>
+        </inkml:channelProperties>
+      </inkml:inkSource>
+      <inkml:timestamp xml:id="ts0" timeString="2025-03-10T19:09:12.852"/>
+    </inkml:context>
+    <inkml:brush xml:id="br0">
+      <inkml:brushProperty name="width" value="0.035" units="cm"/>
+      <inkml:brushProperty name="height" value="0.035" units="cm"/>
+      <inkml:brushProperty name="color" value="#E71224"/>
+    </inkml:brush>
+  </inkml:definitions>
+  <inkml:trace contextRef="#ctx0" brushRef="#br0">0 0 24575,'5'2'0,"0"0"0,0 0 0,-1 1 0,1 0 0,-1-1 0,0 2 0,0-1 0,0 0 0,0 1 0,0 0 0,-1-1 0,4 6 0,3 2 0,26 27 0,35 48 0,-36-35 0,-24-34 0,0-1 0,28 30 0,37 55 0,-55-75 0,-1 1 0,-1 1 0,-1 1 0,15 36 0,-15-30 0,2 0 0,34 46 0,-28-45 0,35 65 0,-39-62 0,44 61 0,-7-16 0,-43-59 0,2 0 0,38 44 0,-35-46 0,-2 1 0,-1 1 0,23 44 0,-8-15 0,17 31 0,-35-57 0,1 0 0,2-1 0,0-1 0,35 38 0,-40-50 0,0 2 0,-1 0 0,17 29 0,-18-26 0,0-1 0,26 29 0,-32-41 19,-1 0 0,0 0 0,0 0 0,-1 1 0,0-1 0,3 10 0,14 24-1517,-15-34-5328</inkml:trace>
+</inkml:ink>
+</file>
+
+<file path=ppt/ink/ink81.xml><?xml version="1.0" encoding="utf-8"?>
+<inkml:ink xmlns:inkml="http://www.w3.org/2003/InkML">
+  <inkml:definitions>
+    <inkml:context xml:id="ctx0">
+      <inkml:inkSource xml:id="inkSrc0">
+        <inkml:traceFormat>
+          <inkml:channel name="X" type="integer" min="-2.14748E9" max="2.14748E9" units="cm"/>
+          <inkml:channel name="Y" type="integer" min="-2.14748E9" max="2.14748E9" units="cm"/>
+          <inkml:channel name="F" type="integer" max="32767" units="dev"/>
+        </inkml:traceFormat>
+        <inkml:channelProperties>
+          <inkml:channelProperty channel="X" name="resolution" value="1000" units="1/cm"/>
+          <inkml:channelProperty channel="Y" name="resolution" value="1000" units="1/cm"/>
+          <inkml:channelProperty channel="F" name="resolution" value="0" units="1/dev"/>
+        </inkml:channelProperties>
+      </inkml:inkSource>
+      <inkml:timestamp xml:id="ts0" timeString="2025-03-10T19:09:19.689"/>
+    </inkml:context>
+    <inkml:brush xml:id="br0">
+      <inkml:brushProperty name="width" value="0.035" units="cm"/>
+      <inkml:brushProperty name="height" value="0.035" units="cm"/>
+      <inkml:brushProperty name="color" value="#E71224"/>
+    </inkml:brush>
+  </inkml:definitions>
+  <inkml:trace contextRef="#ctx0" brushRef="#br0">1 1 24575,'1'0'0,"0"1"0,0-1 0,0 1 0,0-1 0,0 1 0,0 0 0,0-1 0,0 1 0,0 0 0,0 0 0,0 0 0,-1-1 0,1 1 0,0 0 0,0 0 0,-1 0 0,1 0 0,-1 0 0,1 1 0,-1-1 0,1 0 0,-1 0 0,0 0 0,1 0 0,-1 0 0,0 1 0,0 1 0,5 38 0,-5-36 0,0 7 0,1 3 0,0-1 0,0 0 0,4 15 0,-5-27 0,1-1 0,-1 1 0,0 0 0,0-1 0,1 1 0,0 0 0,-1-1 0,1 1 0,0-1 0,-1 1 0,1-1 0,0 1 0,0-1 0,0 1 0,1-1 0,-1 0 0,0 0 0,0 1 0,1-1 0,-1 0 0,0 0 0,1 0 0,-1-1 0,1 1 0,0 0 0,-1 0 0,1-1 0,-1 1 0,1-1 0,0 0 0,0 1 0,-1-1 0,4 0 0,-4 0 0,0 0 0,0-1 0,0 1 0,0 0 0,0-1 0,0 1 0,0-1 0,0 1 0,0-1 0,0 1 0,0-1 0,0 0 0,0 1 0,0-1 0,0 0 0,-1 0 0,1 0 0,0 0 0,-1 1 0,1-1 0,0 0 0,-1 0 0,0 0 0,1 0 0,-1-1 0,1 1 0,-1 0 0,0 0 0,0 0 0,0 0 0,1 0 0,-1 0 0,0 0 0,0-1 0,-1 1 0,1 0 0,0 0 0,0 0 0,0 0 0,-1 0 0,0-2 0,0-1 0,0 0 0,-1 0 0,1 1 0,-1-1 0,0 0 0,0 1 0,0-1 0,0 1 0,-1 0 0,-2-4 0,-13-15 0,5 7 0,12 16 0,0-1 0,0 1 0,0 0 0,1 0 0,-1 0 0,0-1 0,1 1 0,-1 0 0,0 0 0,1 0 0,-1 0 0,1 0 0,0 0 0,-1 0 0,1 0 0,0 0 0,0 1 0,-1-1 0,1 0 0,0 0 0,0 0 0,0 0 0,1 1 0,-5 48 0,4-49 0,0 1 0,0 0 0,0-1 0,0 1 0,0-1 0,1 1 0,-1-1 0,0 1 0,1-1 0,-1 1 0,1-1 0,0 0 0,-1 1 0,1-1 0,0 0 0,0 1 0,0-1 0,0 0 0,0 0 0,0 0 0,0 0 0,0 0 0,0 0 0,1 0 0,-1 0 0,0 0 0,0 0 0,4 0 0,-4-1-37,0 0 0,0 0 1,-1-1-1,1 1 0,0 0 0,0-1 0,0 1 0,0-1 0,0 1 0,0-1 0,-1 0 0,1 1 1,0-1-1,-1 0 0,1 1 0,0-1 0,-1 0 0,1 0 0,-1 1 0,1-1 0,-1 0 0,1 0 1,-1 0-1,0 0 0,1 0 0,-1 0 0,0 0 0,0 0 0,1 0 0,-1 0 0,0 0 0,0 0 1,0 0-1,-1 0 0,1 0 0,0-1 0,-2-11-6789</inkml:trace>
+</inkml:ink>
+</file>
+
+<file path=ppt/ink/ink82.xml><?xml version="1.0" encoding="utf-8"?>
+<inkml:ink xmlns:inkml="http://www.w3.org/2003/InkML">
+  <inkml:definitions>
+    <inkml:context xml:id="ctx0">
+      <inkml:inkSource xml:id="inkSrc0">
+        <inkml:traceFormat>
+          <inkml:channel name="X" type="integer" min="-2.14748E9" max="2.14748E9" units="cm"/>
+          <inkml:channel name="Y" type="integer" min="-2.14748E9" max="2.14748E9" units="cm"/>
+          <inkml:channel name="F" type="integer" max="32767" units="dev"/>
+        </inkml:traceFormat>
+        <inkml:channelProperties>
+          <inkml:channelProperty channel="X" name="resolution" value="1000" units="1/cm"/>
+          <inkml:channelProperty channel="Y" name="resolution" value="1000" units="1/cm"/>
+          <inkml:channelProperty channel="F" name="resolution" value="0" units="1/dev"/>
+        </inkml:channelProperties>
+      </inkml:inkSource>
+      <inkml:timestamp xml:id="ts0" timeString="2025-03-10T19:09:22.167"/>
+    </inkml:context>
+    <inkml:brush xml:id="br0">
+      <inkml:brushProperty name="width" value="0.035" units="cm"/>
+      <inkml:brushProperty name="height" value="0.035" units="cm"/>
+      <inkml:brushProperty name="color" value="#E71224"/>
+    </inkml:brush>
+  </inkml:definitions>
+  <inkml:trace contextRef="#ctx0" brushRef="#br0">116 1 24575,'-6'1'0,"0"0"0,0 0 0,0 0 0,0 1 0,1 0 0,-1 0 0,1 0 0,0 1 0,-1 0 0,1 0 0,0 0 0,-8 8 0,12-10 0,-1 0 0,0 1 0,1-1 0,-1 0 0,1 1 0,-1-1 0,1 1 0,0-1 0,0 1 0,-1 0 0,1 0 0,0-1 0,1 1 0,-1 0 0,0 0 0,1 0 0,-1 0 0,1 0 0,-1 0 0,1 0 0,0 0 0,0 0 0,0 0 0,0 0 0,0 0 0,0 0 0,1 1 0,-1-1 0,1-1 0,-1 1 0,1 0 0,0 0 0,0 0 0,-1 0 0,1 0 0,1-1 0,-1 1 0,0 0 0,2 1 0,-3-2 0,1-1 0,-1 0 0,0 1 0,1-1 0,-1 1 0,1-1 0,-1 1 0,1-1 0,-1 0 0,1 1 0,-1-1 0,1 0 0,-1 0 0,1 1 0,0-1 0,-1 0 0,1 0 0,-1 0 0,1 0 0,0 0 0,-1 0 0,1 0 0,0 0 0,-1 0 0,1 0 0,-1 0 0,1 0 0,0 0 0,-1-1 0,1 1 0,-1 0 0,1 0 0,-1-1 0,1 1 0,-1 0 0,1 0 0,-1-1 0,1 1 0,-1-1 0,1 1 0,-1-1 0,1 1 0,-1-1 0,0 1 0,1-1 0,-1 1 0,0-1 0,0 1 0,1-1 0,-1-1 0,1 1 0,0 0 0,-1 0 0,0 0 0,1-1 0,-1 1 0,0 0 0,1-1 0,-1 1 0,0 0 0,0-1 0,0 1 0,0 0 0,-1-1 0,1 1 0,0 0 0,0-1 0,-1 1 0,1 0 0,-1 0 0,1 0 0,-1-1 0,-1-1 0,2 2 0,-1 0 0,0 0 0,1 1 0,-1-1 0,0 0 0,1 0 0,-1 0 0,0 1 0,0-1 0,0 0 0,1 1 0,-1-1 0,0 1 0,0-1 0,0 1 0,0-1 0,0 1 0,0 0 0,0-1 0,0 1 0,-1 0 0,1 0 0,0 0 0,0 0 0,0 0 0,0 0 0,0 0 0,0 0 0,0 0 0,0 1 0,0-1 0,0 0 0,0 1 0,0-1 0,0 1 0,0-1 0,0 1 0,0-1 0,0 1 0,0 0 0,0-1 0,1 1 0,-1 0 0,0 0 0,0-1 0,1 1 0,-1 0 0,1 0 0,-1 0 0,1 0 0,-1 0 0,1 0 0,-1 0 0,1 2 0,-1-2 0,1 0 0,-1 0 0,1 0 0,-1 0 0,1 0 0,0 0 0,0 1 0,-1-1 0,1 0 0,0 0 0,0 0 0,0 0 0,0 0 0,1 0 0,-1 1 0,0-1 0,0 0 0,1 0 0,-1 0 0,0 0 0,1 0 0,-1 0 0,1 0 0,-1 0 0,1 0 0,0 0 0,-1 0 0,1 0 0,0-1 0,0 1 0,0 0 0,-1 0 0,1-1 0,0 1 0,0-1 0,0 1 0,0-1 0,0 1 0,0-1 0,0 1 0,1-1 0,-1 0 0,0 0 0,0 1 0,0-1 0,0 0 0,0 0 0,0 0 0,0 0 0,1 0 0,0-1 0,-2 1 0,-1 0 0,1-1 0,-1 1 0,1 0 0,-1-1 0,1 1 0,-1 0 0,1-1 0,-1 1 0,1-1 0,0 1 0,-1 0 0,1-1 0,-1 1 0,1-1 0,0 1 0,0-1 0,-1 1 0,1-1 0,0 0 0,0 1 0,0-1 0,0 1 0,-1-1 0,1 1 0,0-1 0,0 0 0,0 1 0,0-1 0,0 1 0,1-1 0,-1 0 0,0 1 0,0-1 0,0 1 0,0-1 0,1 1 0,-1-1 0,0 1 0,1-1 0,-1 1 0,0-1 0,1 1 0,-1-1 0,0 1 0,1-1 0,-1 1 0,1 0 0,-1-1 0,1 1 0,-1 0 0,1-1 0,-1 1 0,1 0 0,-1 0 0,1-1 0,-1 1 0,1 0 0,0 0 0,-1 0 0,1 0 0,-1 0 0,1 0 0,0 0 0,-1 0 0,1 0 0,0 0 0,-1 0 0,-1-1 0,1 0 0,-1 1 0,0-1 0,1 1 0,-1-1 0,0 1 0,0 0 0,1-1 0,-1 1 0,0 0 0,0-1 0,1 1 0,-1 0 0,0 0 0,0-1 0,0 1 0,1 0 0,-1 0 0,0 0 0,0 0 0,0 0 0,0 1 0,1-1 0,-1 0 0,0 0 0,0 0 0,0 1 0,1-1 0,-1 0 0,0 1 0,0-1 0,1 1 0,-1-1 0,0 1 0,1-1 0,-1 1 0,1-1 0,-1 1 0,1 0 0,-1-1 0,1 1 0,-1 0 0,1-1 0,-1 1 0,1 0 0,0 0 0,-1-1 0,1 1 0,0 1 0,0-1 0,-1-1 0,1 0 0,0 0 0,0 1 0,0-1 0,0 0 0,0 0 0,0 1 0,0-1 0,0 0 0,0 1 0,0-1 0,0 0 0,0 0 0,0 1 0,0-1 0,0 0 0,0 1 0,0-1 0,0 0 0,0 0 0,0 1 0,0-1 0,1 0 0,-1 0 0,0 1 0,0-1 0,0 0 0,0 0 0,1 1 0,-1-1 0,0 0 0,0 0 0,1 0 0,-1 0 0,0 1 0,0-1 0,1 0 0,-1 0 0,0 0 0,0 0 0,1 0 0,-1 0 0,0 0 0,0 0 0,1 0 0,-1 0 0,0 0 0,1 0 0,-1 0 0,0 0 0,0 0 0,1 0 0,-1 0 0,0 0 0,1 0 0,-1 0 0,0 0 0,1-1 0,12-13 0,-11 0 0,-7 17 0,5-2 0,0 0 0,0 0 0,0 0 0,-1 0 0,1 0 0,0 0 0,0 0 0,1 0 0,-1 0 0,0 0 0,0-1 0,0 1 0,1 0 0,-1 0 0,0 0 0,1 0 0,-1 0 0,1 0 0,-1-1 0,1 1 0,-1 0 0,1 0 0,0-1 0,-1 1 0,1 0 0,0-1 0,-1 1 0,1-1 0,0 1 0,0-1 0,0 1 0,0-1 0,1 1 0,0 0 0,0 1 0,0-1 0,0 0 0,-1 1 0,1-1 0,-1 1 0,1-1 0,-1 1 0,0 0 0,1 0 0,-1 0 0,0 0 0,0-1 0,0 1 0,0 1 0,-1-1 0,1 0 0,-1 0 0,1 0 0,0 2 0,0 51 0,-1-20 0,5-24 0,2-22 0,1-21 0,-13-11 0,3 36 0,1 0 0,0 0 0,0 0 0,1 0 0,1-14 0,0 18 0,-1 0 0,1 0 0,-1 0 0,0 0 0,0 0 0,0 0 0,-1 0 0,1 0 0,-2-6 0,-8 3 0,-9 17 0,-2 22 0,21-33 0,-1 1 0,1 0 0,0-1 0,-1 1 0,1-1 0,0 1 0,-1 0 0,1-1 0,0 1 0,0 0 0,0 0 0,-1-1 0,1 1 0,0 0 0,0-1 0,0 1 0,0 0 0,0 0 0,0-1 0,1 1 0,-1 0 0,0-1 0,0 1 0,0 0 0,1 0 0,-1-1 0,0 1 0,1-1 0,-1 1 0,0 0 0,1-1 0,-1 1 0,1-1 0,-1 1 0,1-1 0,-1 1 0,1-1 0,0 1 0,-1-1 0,1 0 0,-1 1 0,1-1 0,0 0 0,0 1 0,-1-1 0,1 0 0,0 0 0,1 0 0,-1 0 5,0 0 0,0-1 0,0 1-1,0-1 1,0 0 0,0 1 0,0-1 0,0 0-1,0 0 1,0 1 0,0-1 0,0 0 0,0 0-1,-1 0 1,1 0 0,0 0 0,-1 0-1,1 0 1,-1-1 0,1 1 0,-1 0 0,1 0-1,-1 0 1,0-2 0,9-31-1490</inkml:trace>
+</inkml:ink>
+</file>
+
+<file path=ppt/ink/ink83.xml><?xml version="1.0" encoding="utf-8"?>
+<inkml:ink xmlns:inkml="http://www.w3.org/2003/InkML">
+  <inkml:definitions>
+    <inkml:context xml:id="ctx0">
+      <inkml:inkSource xml:id="inkSrc0">
+        <inkml:traceFormat>
+          <inkml:channel name="X" type="integer" min="-2.14748E9" max="2.14748E9" units="cm"/>
+          <inkml:channel name="Y" type="integer" min="-2.14748E9" max="2.14748E9" units="cm"/>
+          <inkml:channel name="F" type="integer" max="32767" units="dev"/>
+        </inkml:traceFormat>
+        <inkml:channelProperties>
+          <inkml:channelProperty channel="X" name="resolution" value="1000" units="1/cm"/>
+          <inkml:channelProperty channel="Y" name="resolution" value="1000" units="1/cm"/>
+          <inkml:channelProperty channel="F" name="resolution" value="0" units="1/dev"/>
+        </inkml:channelProperties>
+      </inkml:inkSource>
+      <inkml:timestamp xml:id="ts0" timeString="2025-03-10T19:09:23.419"/>
+    </inkml:context>
+    <inkml:brush xml:id="br0">
+      <inkml:brushProperty name="width" value="0.035" units="cm"/>
+      <inkml:brushProperty name="height" value="0.035" units="cm"/>
+      <inkml:brushProperty name="color" value="#E71224"/>
+    </inkml:brush>
+  </inkml:definitions>
+  <inkml:trace contextRef="#ctx0" brushRef="#br0">182 1 24575,'0'4'0,"-5"2"0,0 4 0,-5 4 0,0 5 0,-2-2 0,-5-3 0,2 0 0,-1-3 0,1 2 0,5 3 0,-2-2 0,-2-3 0,1 1 0,-2-1 0,3-4-8191</inkml:trace>
+</inkml:ink>
+</file>
+
+<file path=ppt/ink/ink84.xml><?xml version="1.0" encoding="utf-8"?>
+<inkml:ink xmlns:inkml="http://www.w3.org/2003/InkML">
+  <inkml:definitions>
+    <inkml:context xml:id="ctx0">
+      <inkml:inkSource xml:id="inkSrc0">
+        <inkml:traceFormat>
+          <inkml:channel name="X" type="integer" min="-2.14748E9" max="2.14748E9" units="cm"/>
+          <inkml:channel name="Y" type="integer" min="-2.14748E9" max="2.14748E9" units="cm"/>
+          <inkml:channel name="F" type="integer" max="32767" units="dev"/>
+        </inkml:traceFormat>
+        <inkml:channelProperties>
+          <inkml:channelProperty channel="X" name="resolution" value="1000" units="1/cm"/>
+          <inkml:channelProperty channel="Y" name="resolution" value="1000" units="1/cm"/>
+          <inkml:channelProperty channel="F" name="resolution" value="0" units="1/dev"/>
+        </inkml:channelProperties>
+      </inkml:inkSource>
+      <inkml:timestamp xml:id="ts0" timeString="2025-03-10T19:09:25.416"/>
+    </inkml:context>
+    <inkml:brush xml:id="br0">
+      <inkml:brushProperty name="width" value="0.035" units="cm"/>
+      <inkml:brushProperty name="height" value="0.035" units="cm"/>
+      <inkml:brushProperty name="color" value="#E71224"/>
+    </inkml:brush>
+  </inkml:definitions>
+  <inkml:trace contextRef="#ctx0" brushRef="#br0">121 134 24575,'-5'-2'0,"0"0"0,1 0 0,-1-1 0,0 0 0,1 1 0,0-2 0,0 1 0,0 0 0,0-1 0,0 0 0,-5-8 0,-2 1 0,4 4 0,5 4 0,0 1 0,-1-1 0,1 1 0,-1-1 0,1 1 0,-1 0 0,0 0 0,0 0 0,0 0 0,0 1 0,0-1 0,0 1 0,-7-2 0,10 7 0,1-1 0,0 0 0,0 1 0,0-1 0,0 1 0,0-1 0,1 0 0,-1 0 0,4 4 0,-1-1 0,1 0 0,-1 0 0,2-1 0,-1 0 0,0 0 0,1-1 0,0 1 0,0-1 0,0 0 0,1-1 0,7 4 0,0-1 0,0-1 0,0 0 0,1-1 0,21 3 0,-39-14 0,1 0 0,-1 1 0,-1-1 0,1 1 0,-1 0 0,-8-10 0,3 5 0,0-1 0,-1 1 0,-1 1 0,1 0 0,-2 0 0,-23-15 0,22 14-1365,1 1-5461</inkml:trace>
+</inkml:ink>
+</file>
+
+<file path=ppt/ink/ink85.xml><?xml version="1.0" encoding="utf-8"?>
+<inkml:ink xmlns:inkml="http://www.w3.org/2003/InkML">
+  <inkml:definitions>
+    <inkml:context xml:id="ctx0">
+      <inkml:inkSource xml:id="inkSrc0">
+        <inkml:traceFormat>
+          <inkml:channel name="X" type="integer" min="-2.14748E9" max="2.14748E9" units="cm"/>
+          <inkml:channel name="Y" type="integer" min="-2.14748E9" max="2.14748E9" units="cm"/>
+          <inkml:channel name="F" type="integer" max="32767" units="dev"/>
+        </inkml:traceFormat>
+        <inkml:channelProperties>
+          <inkml:channelProperty channel="X" name="resolution" value="1000" units="1/cm"/>
+          <inkml:channelProperty channel="Y" name="resolution" value="1000" units="1/cm"/>
+          <inkml:channelProperty channel="F" name="resolution" value="0" units="1/dev"/>
+        </inkml:channelProperties>
+      </inkml:inkSource>
+      <inkml:timestamp xml:id="ts0" timeString="2025-03-10T19:09:33.703"/>
+    </inkml:context>
+    <inkml:brush xml:id="br0">
+      <inkml:brushProperty name="width" value="0.035" units="cm"/>
+      <inkml:brushProperty name="height" value="0.035" units="cm"/>
+      <inkml:brushProperty name="color" value="#E71224"/>
+    </inkml:brush>
+  </inkml:definitions>
+  <inkml:trace contextRef="#ctx0" brushRef="#br0">16 27 24575,'-8'24'0,"7"-23"0,1 0 0,-1 0 0,0 0 0,0 0 0,1-1 0,-1 1 0,1 0 0,-1 0 0,1 0 0,0 0 0,-1 0 0,1 0 0,0 1 0,-1-1 0,1 0 0,0 0 0,0 0 0,0 0 0,0 0 0,0 0 0,0 0 0,1 0 0,-1 0 0,0 0 0,0 1 0,1-1 0,-1 0 0,1 0 0,-1 0 0,1-1 0,-1 1 0,1 0 0,-1 0 0,1 0 0,0 0 0,0 0 0,-1-1 0,1 1 0,0 0 0,0-1 0,0 1 0,0 0 0,0-1 0,0 1 0,0-1 0,0 0 0,0 1 0,1-1 0,3 1 0,0-1 0,0 1 0,0-1 0,0-1 0,0 1 0,0-1 0,0 0 0,-1 0 0,1 0 0,0-1 0,-1 1 0,1-1 0,-1 0 0,1-1 0,-1 1 0,0-1 0,0 0 0,7-5 0,-11 7 0,0 1 0,0-1 0,0 1 0,0-1 0,0 1 0,0-1 0,0 1 0,-1 0 0,1-1 0,0 1 0,0-1 0,0 1 0,0-1 0,-1 1 0,1 0 0,0-1 0,0 1 0,-1-1 0,1 1 0,0 0 0,0-1 0,-1 1 0,1 0 0,0 0 0,-1-1 0,1 1 0,-1 0 0,1 0 0,0-1 0,-1 1 0,1 0 0,-1 0 0,1 0 0,-1 0 0,1 0 0,-1 0 0,1 0 0,0-1 0,-1 1 0,1 0 0,-1 1 0,1-1 0,-1 0 0,1 0 0,-1 0 0,0 0 0,-26-2 0,27 2 0,-2 0 0,0 0 0,1 0 0,-1 0 0,0-1 0,1 1 0,-1 0 0,0-1 0,1 0 0,-1 1 0,0-1 0,1 0 0,-1 1 0,-1-3 0,2 3 0,1-1 0,-1 0 0,1 1 0,-1-1 0,1 0 0,0 0 0,-1 1 0,1-1 0,0 0 0,0 0 0,-1 0 0,1 1 0,0-1 0,0 0 0,0 0 0,0 0 0,0 0 0,0 0 0,0 1 0,0-1 0,1 0 0,-1 0 0,0 0 0,0 1 0,1-1 0,-1 0 0,0 0 0,2-1 0,20-9 80,-8 4-169,-28 13-1267,4-1-5470</inkml:trace>
+</inkml:ink>
+</file>
+
+<file path=ppt/ink/ink86.xml><?xml version="1.0" encoding="utf-8"?>
+<inkml:ink xmlns:inkml="http://www.w3.org/2003/InkML">
+  <inkml:definitions>
+    <inkml:context xml:id="ctx0">
+      <inkml:inkSource xml:id="inkSrc0">
+        <inkml:traceFormat>
+          <inkml:channel name="X" type="integer" min="-2.14748E9" max="2.14748E9" units="cm"/>
+          <inkml:channel name="Y" type="integer" min="-2.14748E9" max="2.14748E9" units="cm"/>
+          <inkml:channel name="F" type="integer" max="32767" units="dev"/>
+        </inkml:traceFormat>
+        <inkml:channelProperties>
+          <inkml:channelProperty channel="X" name="resolution" value="1000" units="1/cm"/>
+          <inkml:channelProperty channel="Y" name="resolution" value="1000" units="1/cm"/>
+          <inkml:channelProperty channel="F" name="resolution" value="0" units="1/dev"/>
+        </inkml:channelProperties>
+      </inkml:inkSource>
+      <inkml:timestamp xml:id="ts0" timeString="2025-03-10T19:09:05.471"/>
+    </inkml:context>
+    <inkml:brush xml:id="br0">
+      <inkml:brushProperty name="width" value="0.035" units="cm"/>
+      <inkml:brushProperty name="height" value="0.035" units="cm"/>
+      <inkml:brushProperty name="color" value="#E71224"/>
+    </inkml:brush>
+  </inkml:definitions>
+  <inkml:trace contextRef="#ctx0" brushRef="#br0">877 0 24575,'0'4'0,"-1"-1"0,1 0 0,-1 0 0,0 0 0,0 0 0,0 0 0,0 0 0,-1 0 0,1-1 0,-1 1 0,0 0 0,1-1 0,-1 1 0,0-1 0,-1 1 0,1-1 0,0 0 0,-1 0 0,1 0 0,-1 0 0,0-1 0,1 1 0,-1-1 0,0 1 0,-4 0 0,-10 5 0,-1-2 0,1 1 0,-23 2 0,24-4 0,-21 1 0,1-1 0,-1-2 0,1-1 0,-61-6 0,23-7 0,51 7 0,-1 1 0,-31-1 0,-222 6-1365,255-1-5461</inkml:trace>
+</inkml:ink>
+</file>
+
+<file path=ppt/ink/ink87.xml><?xml version="1.0" encoding="utf-8"?>
+<inkml:ink xmlns:inkml="http://www.w3.org/2003/InkML">
+  <inkml:definitions>
+    <inkml:context xml:id="ctx0">
+      <inkml:inkSource xml:id="inkSrc0">
+        <inkml:traceFormat>
+          <inkml:channel name="X" type="integer" min="-2.14748E9" max="2.14748E9" units="cm"/>
+          <inkml:channel name="Y" type="integer" min="-2.14748E9" max="2.14748E9" units="cm"/>
+          <inkml:channel name="F" type="integer" max="32767" units="dev"/>
+        </inkml:traceFormat>
+        <inkml:channelProperties>
+          <inkml:channelProperty channel="X" name="resolution" value="1000" units="1/cm"/>
+          <inkml:channelProperty channel="Y" name="resolution" value="1000" units="1/cm"/>
+          <inkml:channelProperty channel="F" name="resolution" value="0" units="1/dev"/>
+        </inkml:channelProperties>
+      </inkml:inkSource>
+      <inkml:timestamp xml:id="ts0" timeString="2025-03-10T19:09:06.549"/>
+    </inkml:context>
+    <inkml:brush xml:id="br0">
+      <inkml:brushProperty name="width" value="0.035" units="cm"/>
+      <inkml:brushProperty name="height" value="0.035" units="cm"/>
+      <inkml:brushProperty name="color" value="#E71224"/>
+    </inkml:brush>
+  </inkml:definitions>
+  <inkml:trace contextRef="#ctx0" brushRef="#br0">127 0 24575,'-1'1'0,"0"-1"0,1 0 0,-1 1 0,0-1 0,0 0 0,0 1 0,0-1 0,1 1 0,-1-1 0,0 1 0,0 0 0,1-1 0,-1 1 0,0 0 0,1 0 0,-1-1 0,1 1 0,-1 0 0,1 0 0,-1 0 0,1 0 0,0-1 0,-1 1 0,1 0 0,0 1 0,-9 32 0,5-18 0,-27 58 0,-6 15 0,36-88-15,-6 20-255,1 1 0,1-1 0,1 1 0,-2 37 0,5-38-6556</inkml:trace>
+</inkml:ink>
+</file>
+
+<file path=ppt/ink/ink88.xml><?xml version="1.0" encoding="utf-8"?>
+<inkml:ink xmlns:inkml="http://www.w3.org/2003/InkML">
+  <inkml:definitions>
+    <inkml:context xml:id="ctx0">
+      <inkml:inkSource xml:id="inkSrc0">
+        <inkml:traceFormat>
+          <inkml:channel name="X" type="integer" min="-2.14748E9" max="2.14748E9" units="cm"/>
+          <inkml:channel name="Y" type="integer" min="-2.14748E9" max="2.14748E9" units="cm"/>
+          <inkml:channel name="F" type="integer" max="32767" units="dev"/>
+        </inkml:traceFormat>
+        <inkml:channelProperties>
+          <inkml:channelProperty channel="X" name="resolution" value="1000" units="1/cm"/>
+          <inkml:channelProperty channel="Y" name="resolution" value="1000" units="1/cm"/>
+          <inkml:channelProperty channel="F" name="resolution" value="0" units="1/dev"/>
+        </inkml:channelProperties>
+      </inkml:inkSource>
+      <inkml:timestamp xml:id="ts0" timeString="2025-03-10T19:09:09.385"/>
+    </inkml:context>
+    <inkml:brush xml:id="br0">
+      <inkml:brushProperty name="width" value="0.035" units="cm"/>
+      <inkml:brushProperty name="height" value="0.035" units="cm"/>
+      <inkml:brushProperty name="color" value="#E71224"/>
+    </inkml:brush>
+  </inkml:definitions>
+  <inkml:trace contextRef="#ctx0" brushRef="#br0">1 1 24575,'5'1'0,"-1"0"0,1 1 0,0 0 0,-1 0 0,0 0 0,1 0 0,-1 1 0,0-1 0,0 1 0,0 0 0,0 1 0,-1-1 0,1 1 0,-1-1 0,0 1 0,5 7 0,30 28 0,-23-27 0,-1 0 0,0 2 0,0 0 0,15 22 0,19 19 0,-15-22 0,-3 1 0,0 2 0,34 56 0,-2-12 0,-13-19 0,-48-59-114,0-1 1,1 1-1,-1 0 0,1-1 0,-1 1 1,1-1-1,0 1 0,-1-1 0,1 0 1,0 0-1,2 2 0,5-1-6712</inkml:trace>
+</inkml:ink>
+</file>
+
+<file path=ppt/ink/ink89.xml><?xml version="1.0" encoding="utf-8"?>
+<inkml:ink xmlns:inkml="http://www.w3.org/2003/InkML">
+  <inkml:definitions>
+    <inkml:context xml:id="ctx0">
+      <inkml:inkSource xml:id="inkSrc0">
+        <inkml:traceFormat>
+          <inkml:channel name="X" type="integer" min="-2.14748E9" max="2.14748E9" units="cm"/>
+          <inkml:channel name="Y" type="integer" min="-2.14748E9" max="2.14748E9" units="cm"/>
+          <inkml:channel name="F" type="integer" max="32767" units="dev"/>
+        </inkml:traceFormat>
+        <inkml:channelProperties>
+          <inkml:channelProperty channel="X" name="resolution" value="1000" units="1/cm"/>
+          <inkml:channelProperty channel="Y" name="resolution" value="1000" units="1/cm"/>
+          <inkml:channelProperty channel="F" name="resolution" value="0" units="1/dev"/>
+        </inkml:channelProperties>
+      </inkml:inkSource>
+      <inkml:timestamp xml:id="ts0" timeString="2025-03-10T19:09:39.496"/>
+    </inkml:context>
+    <inkml:brush xml:id="br0">
+      <inkml:brushProperty name="width" value="0.035" units="cm"/>
+      <inkml:brushProperty name="height" value="0.035" units="cm"/>
+      <inkml:brushProperty name="color" value="#E71224"/>
+    </inkml:brush>
+  </inkml:definitions>
+  <inkml:trace contextRef="#ctx0" brushRef="#br0">1 1 24575,'0'4'0,"0"6"0,0 5 0,0 5 0,0 3 0,0 1 0,0 2 0,0 0 0,0 1 0,0-6-8191</inkml:trace>
+</inkml:ink>
+</file>
+
 <file path=ppt/ink/ink9.xml><?xml version="1.0" encoding="utf-8"?>
 <inkml:ink xmlns:inkml="http://www.w3.org/2003/InkML">
   <inkml:definitions>
@@ -1109,6 +3780,286 @@
     </inkml:brush>
   </inkml:definitions>
   <inkml:trace contextRef="#ctx0" brushRef="#br0">18 0 24575,'-1'14'0,"0"-1"0,-5 22 0,-3 15 0,8-23 0,1 1 0,1 0 0,2-1 0,1 1 0,10 38 0,-7-38 0,2 0 0,1-1 0,1 0 0,23 41 0,-12-30 0,131 220 0,-76-122 0,-34-53 0,45 121 0,-59-129 0,3-2 0,61 104 0,-51-105-10,-32-51-216,1-1 0,2 0 0,0-1 1,1 0-1,18 19 0,-20-27-6600</inkml:trace>
+</inkml:ink>
+</file>
+
+<file path=ppt/ink/ink90.xml><?xml version="1.0" encoding="utf-8"?>
+<inkml:ink xmlns:inkml="http://www.w3.org/2003/InkML">
+  <inkml:definitions>
+    <inkml:context xml:id="ctx0">
+      <inkml:inkSource xml:id="inkSrc0">
+        <inkml:traceFormat>
+          <inkml:channel name="X" type="integer" min="-2.14748E9" max="2.14748E9" units="cm"/>
+          <inkml:channel name="Y" type="integer" min="-2.14748E9" max="2.14748E9" units="cm"/>
+          <inkml:channel name="F" type="integer" max="32767" units="dev"/>
+        </inkml:traceFormat>
+        <inkml:channelProperties>
+          <inkml:channelProperty channel="X" name="resolution" value="1000" units="1/cm"/>
+          <inkml:channelProperty channel="Y" name="resolution" value="1000" units="1/cm"/>
+          <inkml:channelProperty channel="F" name="resolution" value="0" units="1/dev"/>
+        </inkml:channelProperties>
+      </inkml:inkSource>
+      <inkml:timestamp xml:id="ts0" timeString="2025-03-10T19:09:41.305"/>
+    </inkml:context>
+    <inkml:brush xml:id="br0">
+      <inkml:brushProperty name="width" value="0.035" units="cm"/>
+      <inkml:brushProperty name="height" value="0.035" units="cm"/>
+      <inkml:brushProperty name="color" value="#E71224"/>
+    </inkml:brush>
+  </inkml:definitions>
+  <inkml:trace contextRef="#ctx0" brushRef="#br0">1 0 24575,'0'4'0,"4"2"0,2 3 0,-1 6 0,4-1 0,0 2 0,-2 2 0,3-1 0,-1 0 0,3-3 0,3-3 0,-1 0 0,2-1 0,-2 1 0,-4 0-8191</inkml:trace>
+</inkml:ink>
+</file>
+
+<file path=ppt/ink/ink91.xml><?xml version="1.0" encoding="utf-8"?>
+<inkml:ink xmlns:inkml="http://www.w3.org/2003/InkML">
+  <inkml:definitions>
+    <inkml:context xml:id="ctx0">
+      <inkml:inkSource xml:id="inkSrc0">
+        <inkml:traceFormat>
+          <inkml:channel name="X" type="integer" min="-2.14748E9" max="2.14748E9" units="cm"/>
+          <inkml:channel name="Y" type="integer" min="-2.14748E9" max="2.14748E9" units="cm"/>
+          <inkml:channel name="F" type="integer" max="32767" units="dev"/>
+        </inkml:traceFormat>
+        <inkml:channelProperties>
+          <inkml:channelProperty channel="X" name="resolution" value="1000" units="1/cm"/>
+          <inkml:channelProperty channel="Y" name="resolution" value="1000" units="1/cm"/>
+          <inkml:channelProperty channel="F" name="resolution" value="0" units="1/dev"/>
+        </inkml:channelProperties>
+      </inkml:inkSource>
+      <inkml:timestamp xml:id="ts0" timeString="2025-03-10T19:10:56.289"/>
+    </inkml:context>
+    <inkml:brush xml:id="br0">
+      <inkml:brushProperty name="width" value="0.035" units="cm"/>
+      <inkml:brushProperty name="height" value="0.035" units="cm"/>
+      <inkml:brushProperty name="color" value="#008C3A"/>
+    </inkml:brush>
+  </inkml:definitions>
+  <inkml:trace contextRef="#ctx0" brushRef="#br0">61 166 24575,'18'13'0,"-14"-8"0,-15-11 0,-40-53 0,44 58 0,6 12 0,6 11 0,3 6 0,-13-46 0,-2 0 0,5 14 0,0 0 0,1 1 0,-1-1 0,0 0 0,1-1 0,0 1 0,0 0 0,0 0 0,1 0 0,0-1 0,-1 1 0,2-8 0,-1 11 0,1 1 0,-1 0 0,0 0 0,1 0 0,-1 0 0,1-1 0,-1 1 0,1 0 0,-1 0 0,0 0 0,1 0 0,-1 0 0,1 0 0,-1 0 0,1 0 0,-1 0 0,0 0 0,1 0 0,-1 0 0,1 1 0,-1-1 0,1 0 0,-1 0 0,0 0 0,1 0 0,-1 1 0,0-1 0,1 0 0,-1 0 0,0 1 0,1-1 0,-1 0 0,0 1 0,1-1 0,-1 0 0,0 1 0,0-1 0,1 1 0,-1-1 0,0 1 0,15 19 0,-13-17 0,2 6 0,0-1 0,0 0 0,0 1 0,-1 0 0,-1 0 0,1 0 0,-1 0 0,1 16 0,-19-69 0,-8-17 0,22 56 0,1 1 0,0-1 0,0 1 0,0-1 0,1 1 0,-1-1 0,1 0 0,0 1 0,1-1 0,0-6 0,-1 10 0,0 0 0,0 0 0,0 0 0,1 1 0,-1-1 0,0 0 0,0 0 0,1 0 0,-1 0 0,0 1 0,1-1 0,-1 0 0,1 0 0,-1 1 0,1-1 0,0 0 0,-1 1 0,1-1 0,0 0 0,-1 1 0,1-1 0,0 1 0,0-1 0,-1 1 0,1-1 0,0 1 0,0 0 0,0 0 0,0-1 0,-1 1 0,1 0 0,0 0 0,0 0 0,0 0 0,0 0 0,0 0 0,0 0 0,0 0 0,-1 0 0,1 0 0,0 0 0,0 1 0,0-1 0,0 0 0,0 1 0,-1-1 0,1 1 0,0-1 0,1 1 0,0 1 0,1 0 0,0 0 0,-1 0 0,0 1 0,1-1 0,-1 1 0,0-1 0,0 1 0,-1 0 0,1 0 0,0-1 0,1 6 0,5 44 0,-13-27 0,4-25 0,1 1 0,-1-1 0,1 0 0,-1 1 0,1-1 0,-1 0 0,1 1 0,-1-1 0,1 0 0,-1 1 0,1-1 0,-1 0 0,1 0 0,-1 0 0,0 0 0,1 0 0,-1 0 0,1 1 0,-1-1 0,0 0 0,1-1 0,-1 1 0,1 0 0,-1 0 0,1 0 0,-1 0 0,0 0 0,1-1 0,-1 1 0,1 0 0,-1 0 0,1-1 0,-1 1 0,1 0 0,-1-1 0,-2-2 0,0 1 0,0-1 0,0 0 0,0 0 0,1 0 0,-1 0 0,1 0 0,0 0 0,0-1 0,0 1 0,1-1 0,-1 0 0,-1-4 0,-13-53 0,14 54 0,7 12 0,0 0 0,0 1 0,0-1 0,0 1 0,-1 0 0,4 7 0,0 6 0,-1 0 0,-1 0 0,-1 1 0,0 0 0,-2 0 0,0 0 0,0 28 0,-6-60 0,-1-1 0,0 0 0,-1 1 0,-7-12 0,9 18 0,-1-11 0,15 25 0,16 25 0,15 53 0,-94-200 0,41 97 0,8 13 0,0 0 0,0-1 0,1 1 0,-1-1 0,1 0 0,0 0 0,0 0 0,0 0 0,1 0 0,0 0 0,-1-7 0,2 12 0,0 0 0,0 0 0,0 0 0,0 0 0,0 1 0,0-1 0,0 0 0,0 0 0,0 0 0,0 0 0,0 0 0,1 0 0,-1 0 0,0 0 0,0 0 0,0 0 0,0 1 0,0-1 0,0 0 0,0 0 0,0 0 0,0 0 0,0 0 0,1 0 0,-1 0 0,0 0 0,0 0 0,0 0 0,0 0 0,0 0 0,0 0 0,0 0 0,1 0 0,-1 0 0,0 0 0,0 0 0,0 0 0,0 0 0,0 0 0,0 0 0,0 0 0,0 0 0,1 0 0,-1 0 0,0 0 0,0 0 0,0 0 0,0 0 0,0-1 0,0 1 0,0 0 0,0 0 0,0 0 0,0 0 0,0 0 0,1 0 0,-1 0 0,0 0 0,0 0 0,0-1 0,0 1 0,0 0 0,10 16 0,7 21 0,14 55 0,-26-155 0,-5 59 0,0-7 0,0 1 0,0 0 0,1-1 0,1 1 0,2-11 0,-4 20 0,1-1 0,-1 1 0,1-1 0,-1 1 0,1-1 0,0 1 0,-1 0 0,1-1 0,0 1 0,0 0 0,0-1 0,0 1 0,0 0 0,0 0 0,1 0 0,-1 0 0,0 0 0,0 0 0,1 0 0,-1 1 0,1-1 0,-1 0 0,1 1 0,-1-1 0,1 1 0,-1-1 0,1 1 0,-1 0 0,1 0 0,-1 0 0,1 0 0,0 0 0,-1 0 0,1 0 0,-1 0 0,1 1 0,-1-1 0,1 0 0,-1 1 0,1 0 0,2 1 0,0 0 0,1 1 0,-1 0 0,0 0 0,0 0 0,0 1 0,-1-1 0,1 1 0,-1 0 0,0 0 0,0 0 0,0 0 0,-1 1 0,3 4 0,25 65 0,-28-38 0,-2-36 0,0 1 0,0-1 0,0 1 0,0-1 0,0 1 0,0-1 0,0 1 0,0-1 0,0 1 0,0-1 0,0 1 0,0-1 0,0 1 0,0-1 0,-1 1 0,1-1 0,0 1 0,0-1 0,-1 1 0,1-1 0,0 1 0,0-1 0,-1 0 0,1 1 0,-1-1 0,1 0 0,0 1 0,-1-1 0,1 0 0,-1 1 0,1-1 0,-1 0 0,1 0 0,-1 0 0,1 1 0,-1-1 0,1 0 0,-1 0 0,1 0 0,-1 0 0,1 0 0,-1 0 0,1 0 0,-1 0 0,1 0 0,-1 0 0,1 0 0,-1 0 0,1 0 0,-1-1 0,1 1 0,-1 0 0,1 0 0,-1-1 0,1 1 0,-1 0 0,1 0 0,0-1 0,-1 1 0,1 0 0,0-1 0,-1 1 0,1-1 0,-1 0 0,-5-6 0,0-1 0,1 0 0,-1-1 0,2 1 0,-1-1 0,-3-11 0,-6-9 0,11 22 0,-9-11 0,8 20 0,3 13 0,1 99 0,-5-102 0,-2-20 0,-5-25 0,11 30 0,-10-43 0,9 36 0,1 1 0,-1 0 0,-1 0 0,0 0 0,0 0 0,-1 1 0,-7-14 0,15 36 0,-1 0 0,0 0 0,-1 0 0,1 27 0,-2-26 0,-18-36 0,4 4 0,0 1 0,-13-22 0,20 25 0,-15-36 0,21 48 0,-1-1 0,1 0 0,-1 0 0,1 0 0,0 0 0,0 0 0,0 0 0,0 1 0,0-1 0,0 0 0,0 0 0,1 0 0,-1 0 0,1 0 0,-1 1 0,1-1 0,0 0 0,-1 0 0,1 1 0,0-1 0,0 0 0,3-2 0,-3 4 0,0-1 0,-1 1 0,1-1 0,0 1 0,0-1 0,0 1 0,0 0 0,0-1 0,0 1 0,0 0 0,0 0 0,1 0 0,-1 0 0,0 0 0,0 0 0,0 0 0,0 0 0,0 0 0,0 0 0,0 1 0,0-1 0,0 0 0,0 1 0,0-1 0,0 1 0,0-1 0,-1 1 0,1 0 0,0-1 0,0 1 0,0 0 0,-1-1 0,1 1 0,0 0 0,-1 0 0,1 0 0,0 0 0,-1 0 0,1 0 0,-1-1 0,0 1 0,1 2 0,20 43 0,-14-1 0,-7-29 0,-2-15 0,-2-6 0,-8-21 0,5 14 0,1-1 0,0 0 0,1 0 0,1-1 0,-4-16 0,10 29 0,4 12 0,5 16 0,-2 18 0,0-5 0,-2 0 0,2 54 0,-10-122-1365</inkml:trace>
+</inkml:ink>
+</file>
+
+<file path=ppt/ink/ink92.xml><?xml version="1.0" encoding="utf-8"?>
+<inkml:ink xmlns:inkml="http://www.w3.org/2003/InkML">
+  <inkml:definitions>
+    <inkml:context xml:id="ctx0">
+      <inkml:inkSource xml:id="inkSrc0">
+        <inkml:traceFormat>
+          <inkml:channel name="X" type="integer" min="-2.14748E9" max="2.14748E9" units="cm"/>
+          <inkml:channel name="Y" type="integer" min="-2.14748E9" max="2.14748E9" units="cm"/>
+          <inkml:channel name="F" type="integer" max="32767" units="dev"/>
+        </inkml:traceFormat>
+        <inkml:channelProperties>
+          <inkml:channelProperty channel="X" name="resolution" value="1000" units="1/cm"/>
+          <inkml:channelProperty channel="Y" name="resolution" value="1000" units="1/cm"/>
+          <inkml:channelProperty channel="F" name="resolution" value="0" units="1/dev"/>
+        </inkml:channelProperties>
+      </inkml:inkSource>
+      <inkml:timestamp xml:id="ts0" timeString="2025-03-10T19:10:58.646"/>
+    </inkml:context>
+    <inkml:brush xml:id="br0">
+      <inkml:brushProperty name="width" value="0.035" units="cm"/>
+      <inkml:brushProperty name="height" value="0.035" units="cm"/>
+      <inkml:brushProperty name="color" value="#008C3A"/>
+    </inkml:brush>
+  </inkml:definitions>
+  <inkml:trace contextRef="#ctx0" brushRef="#br0">0 0 24072,'176'1158'0</inkml:trace>
+</inkml:ink>
+</file>
+
+<file path=ppt/ink/ink93.xml><?xml version="1.0" encoding="utf-8"?>
+<inkml:ink xmlns:inkml="http://www.w3.org/2003/InkML">
+  <inkml:definitions>
+    <inkml:context xml:id="ctx0">
+      <inkml:inkSource xml:id="inkSrc0">
+        <inkml:traceFormat>
+          <inkml:channel name="X" type="integer" min="-2.14748E9" max="2.14748E9" units="cm"/>
+          <inkml:channel name="Y" type="integer" min="-2.14748E9" max="2.14748E9" units="cm"/>
+          <inkml:channel name="F" type="integer" max="32767" units="dev"/>
+        </inkml:traceFormat>
+        <inkml:channelProperties>
+          <inkml:channelProperty channel="X" name="resolution" value="1000" units="1/cm"/>
+          <inkml:channelProperty channel="Y" name="resolution" value="1000" units="1/cm"/>
+          <inkml:channelProperty channel="F" name="resolution" value="0" units="1/dev"/>
+        </inkml:channelProperties>
+      </inkml:inkSource>
+      <inkml:timestamp xml:id="ts0" timeString="2025-03-10T19:10:59.996"/>
+    </inkml:context>
+    <inkml:brush xml:id="br0">
+      <inkml:brushProperty name="width" value="0.035" units="cm"/>
+      <inkml:brushProperty name="height" value="0.035" units="cm"/>
+      <inkml:brushProperty name="color" value="#008C3A"/>
+    </inkml:brush>
+  </inkml:definitions>
+  <inkml:trace contextRef="#ctx0" brushRef="#br0">1 1 24575,'0'29'0,"1"1"0,1 0 0,10 40 0,-5-34-341,3 0 0,0-1-1,32 68 1,-35-89-6485</inkml:trace>
+</inkml:ink>
+</file>
+
+<file path=ppt/ink/ink94.xml><?xml version="1.0" encoding="utf-8"?>
+<inkml:ink xmlns:inkml="http://www.w3.org/2003/InkML">
+  <inkml:definitions>
+    <inkml:context xml:id="ctx0">
+      <inkml:inkSource xml:id="inkSrc0">
+        <inkml:traceFormat>
+          <inkml:channel name="X" type="integer" min="-2.14748E9" max="2.14748E9" units="cm"/>
+          <inkml:channel name="Y" type="integer" min="-2.14748E9" max="2.14748E9" units="cm"/>
+          <inkml:channel name="F" type="integer" max="32767" units="dev"/>
+        </inkml:traceFormat>
+        <inkml:channelProperties>
+          <inkml:channelProperty channel="X" name="resolution" value="1000" units="1/cm"/>
+          <inkml:channelProperty channel="Y" name="resolution" value="1000" units="1/cm"/>
+          <inkml:channelProperty channel="F" name="resolution" value="0" units="1/dev"/>
+        </inkml:channelProperties>
+      </inkml:inkSource>
+      <inkml:timestamp xml:id="ts0" timeString="2025-03-10T19:11:01.917"/>
+    </inkml:context>
+    <inkml:brush xml:id="br0">
+      <inkml:brushProperty name="width" value="0.035" units="cm"/>
+      <inkml:brushProperty name="height" value="0.035" units="cm"/>
+      <inkml:brushProperty name="color" value="#008C3A"/>
+    </inkml:brush>
+  </inkml:definitions>
+  <inkml:trace contextRef="#ctx0" brushRef="#br0">604 0 24192,'-604'428'0</inkml:trace>
+</inkml:ink>
+</file>
+
+<file path=ppt/ink/ink95.xml><?xml version="1.0" encoding="utf-8"?>
+<inkml:ink xmlns:inkml="http://www.w3.org/2003/InkML">
+  <inkml:definitions>
+    <inkml:context xml:id="ctx0">
+      <inkml:inkSource xml:id="inkSrc0">
+        <inkml:traceFormat>
+          <inkml:channel name="X" type="integer" min="-2.14748E9" max="2.14748E9" units="cm"/>
+          <inkml:channel name="Y" type="integer" min="-2.14748E9" max="2.14748E9" units="cm"/>
+          <inkml:channel name="F" type="integer" max="32767" units="dev"/>
+        </inkml:traceFormat>
+        <inkml:channelProperties>
+          <inkml:channelProperty channel="X" name="resolution" value="1000" units="1/cm"/>
+          <inkml:channelProperty channel="Y" name="resolution" value="1000" units="1/cm"/>
+          <inkml:channelProperty channel="F" name="resolution" value="0" units="1/dev"/>
+        </inkml:channelProperties>
+      </inkml:inkSource>
+      <inkml:timestamp xml:id="ts0" timeString="2025-03-10T19:11:03.150"/>
+    </inkml:context>
+    <inkml:brush xml:id="br0">
+      <inkml:brushProperty name="width" value="0.035" units="cm"/>
+      <inkml:brushProperty name="height" value="0.035" units="cm"/>
+      <inkml:brushProperty name="color" value="#008C3A"/>
+    </inkml:brush>
+  </inkml:definitions>
+  <inkml:trace contextRef="#ctx0" brushRef="#br0">31 0 24575,'0'34'0,"0"-1"0,-3 0 0,-10 54 0,7-49-113,2 0 0,1 0 0,2 1 0,4 40 0,-2-48-687</inkml:trace>
+</inkml:ink>
+</file>
+
+<file path=ppt/ink/ink96.xml><?xml version="1.0" encoding="utf-8"?>
+<inkml:ink xmlns:inkml="http://www.w3.org/2003/InkML">
+  <inkml:definitions>
+    <inkml:context xml:id="ctx0">
+      <inkml:inkSource xml:id="inkSrc0">
+        <inkml:traceFormat>
+          <inkml:channel name="X" type="integer" min="-2.14748E9" max="2.14748E9" units="cm"/>
+          <inkml:channel name="Y" type="integer" min="-2.14748E9" max="2.14748E9" units="cm"/>
+          <inkml:channel name="F" type="integer" max="32767" units="dev"/>
+        </inkml:traceFormat>
+        <inkml:channelProperties>
+          <inkml:channelProperty channel="X" name="resolution" value="1000" units="1/cm"/>
+          <inkml:channelProperty channel="Y" name="resolution" value="1000" units="1/cm"/>
+          <inkml:channelProperty channel="F" name="resolution" value="0" units="1/dev"/>
+        </inkml:channelProperties>
+      </inkml:inkSource>
+      <inkml:timestamp xml:id="ts0" timeString="2025-03-10T19:11:04.835"/>
+    </inkml:context>
+    <inkml:brush xml:id="br0">
+      <inkml:brushProperty name="width" value="0.035" units="cm"/>
+      <inkml:brushProperty name="height" value="0.035" units="cm"/>
+      <inkml:brushProperty name="color" value="#008C3A"/>
+    </inkml:brush>
+  </inkml:definitions>
+  <inkml:trace contextRef="#ctx0" brushRef="#br0">0 0 24575,'2'5'0,"0"0"0,1 0 0,-1-1 0,1 1 0,0-1 0,0 0 0,0 0 0,1 0 0,-1 0 0,1 0 0,8 5 0,-1 2 0,5 2 0,0 0 0,1-1 0,0-1 0,30 14 0,-2-1 0,115 68 0,-55-47-1365,-92-37-5461</inkml:trace>
+</inkml:ink>
+</file>
+
+<file path=ppt/ink/ink97.xml><?xml version="1.0" encoding="utf-8"?>
+<inkml:ink xmlns:inkml="http://www.w3.org/2003/InkML">
+  <inkml:definitions>
+    <inkml:context xml:id="ctx0">
+      <inkml:inkSource xml:id="inkSrc0">
+        <inkml:traceFormat>
+          <inkml:channel name="X" type="integer" min="-2.14748E9" max="2.14748E9" units="cm"/>
+          <inkml:channel name="Y" type="integer" min="-2.14748E9" max="2.14748E9" units="cm"/>
+          <inkml:channel name="F" type="integer" max="32767" units="dev"/>
+        </inkml:traceFormat>
+        <inkml:channelProperties>
+          <inkml:channelProperty channel="X" name="resolution" value="1000" units="1/cm"/>
+          <inkml:channelProperty channel="Y" name="resolution" value="1000" units="1/cm"/>
+          <inkml:channelProperty channel="F" name="resolution" value="0" units="1/dev"/>
+        </inkml:channelProperties>
+      </inkml:inkSource>
+      <inkml:timestamp xml:id="ts0" timeString="2025-03-10T19:11:06.398"/>
+    </inkml:context>
+    <inkml:brush xml:id="br0">
+      <inkml:brushProperty name="width" value="0.035" units="cm"/>
+      <inkml:brushProperty name="height" value="0.035" units="cm"/>
+      <inkml:brushProperty name="color" value="#008C3A"/>
+    </inkml:brush>
+  </inkml:definitions>
+  <inkml:trace contextRef="#ctx0" brushRef="#br0">1 1 24575,'1'11'0,"1"-1"0,0 1 0,0-1 0,1 1 0,1-1 0,0 0 0,5 11 0,13 37 0,-10-11 0,0 8 0,3-1 0,33 80 0,-40-123 108,-8-11-141,0 0 1,1 0-1,-1 0 0,0 0 0,0 0 1,1 0-1,-1 0 0,0 0 0,0-1 1,0 1-1,1 0 0,-1 0 1,0 0-1,0 0 0,1 0 0,-1 0 1,0 0-1,0 0 0,0-1 0,0 1 1,1 0-1,-1 0 0,0 0 0,0-1 1,0 1-1,0 0 0,0 0 0,1 0 1,-1-1-1,0 1 0,0 0 1,0 0-1,0 0 0,0-1 0,0 1 1,0 0-1,0 0 0,0-1 0,0 1 1,0 0-1,0 0 0,0-1 0,0 1 1,0 0-1,2-12-6793</inkml:trace>
+</inkml:ink>
+</file>
+
+<file path=ppt/ink/ink98.xml><?xml version="1.0" encoding="utf-8"?>
+<inkml:ink xmlns:inkml="http://www.w3.org/2003/InkML">
+  <inkml:definitions>
+    <inkml:context xml:id="ctx0">
+      <inkml:inkSource xml:id="inkSrc0">
+        <inkml:traceFormat>
+          <inkml:channel name="X" type="integer" min="-2.14748E9" max="2.14748E9" units="cm"/>
+          <inkml:channel name="Y" type="integer" min="-2.14748E9" max="2.14748E9" units="cm"/>
+          <inkml:channel name="F" type="integer" max="32767" units="dev"/>
+        </inkml:traceFormat>
+        <inkml:channelProperties>
+          <inkml:channelProperty channel="X" name="resolution" value="1000" units="1/cm"/>
+          <inkml:channelProperty channel="Y" name="resolution" value="1000" units="1/cm"/>
+          <inkml:channelProperty channel="F" name="resolution" value="0" units="1/dev"/>
+        </inkml:channelProperties>
+      </inkml:inkSource>
+      <inkml:timestamp xml:id="ts0" timeString="2025-03-10T19:11:08.368"/>
+    </inkml:context>
+    <inkml:brush xml:id="br0">
+      <inkml:brushProperty name="width" value="0.035" units="cm"/>
+      <inkml:brushProperty name="height" value="0.035" units="cm"/>
+      <inkml:brushProperty name="color" value="#008C3A"/>
+    </inkml:brush>
+  </inkml:definitions>
+  <inkml:trace contextRef="#ctx0" brushRef="#br0">1 0 24575,'5'2'0,"1"-1"0,0 1 0,-1 0 0,0 0 0,1 1 0,-1 0 0,0 0 0,0 0 0,0 0 0,-1 1 0,1 0 0,-1 0 0,7 8 0,26 19 0,176 92 0,-97-39-1365,-102-76-5461</inkml:trace>
+</inkml:ink>
+</file>
+
+<file path=ppt/ink/ink99.xml><?xml version="1.0" encoding="utf-8"?>
+<inkml:ink xmlns:inkml="http://www.w3.org/2003/InkML">
+  <inkml:definitions>
+    <inkml:context xml:id="ctx0">
+      <inkml:inkSource xml:id="inkSrc0">
+        <inkml:traceFormat>
+          <inkml:channel name="X" type="integer" min="-2.14748E9" max="2.14748E9" units="cm"/>
+          <inkml:channel name="Y" type="integer" min="-2.14748E9" max="2.14748E9" units="cm"/>
+          <inkml:channel name="F" type="integer" max="32767" units="dev"/>
+        </inkml:traceFormat>
+        <inkml:channelProperties>
+          <inkml:channelProperty channel="X" name="resolution" value="1000" units="1/cm"/>
+          <inkml:channelProperty channel="Y" name="resolution" value="1000" units="1/cm"/>
+          <inkml:channelProperty channel="F" name="resolution" value="0" units="1/dev"/>
+        </inkml:channelProperties>
+      </inkml:inkSource>
+      <inkml:timestamp xml:id="ts0" timeString="2025-03-10T19:11:09.187"/>
+    </inkml:context>
+    <inkml:brush xml:id="br0">
+      <inkml:brushProperty name="width" value="0.035" units="cm"/>
+      <inkml:brushProperty name="height" value="0.035" units="cm"/>
+      <inkml:brushProperty name="color" value="#008C3A"/>
+    </inkml:brush>
+  </inkml:definitions>
+  <inkml:trace contextRef="#ctx0" brushRef="#br0">1 0 24575,'0'29'0,"1"0"0,1-1 0,10 47 0,-2-31 0,-6-23 0,1 1 0,0-1 0,14 31 0,-6-21 41,11 45-1,-17-51-402,1 0 1,1-1-1,19 37 1,-18-44-6465</inkml:trace>
 </inkml:ink>
 </file>
 
@@ -4381,6 +7332,10 @@
           <a:lstStyle/>
           <a:p>
             <a:r>
+              <a:rPr lang="tr-TR" dirty="0"/>
+              <a:t>Adam gibi adam olan </a:t>
+            </a:r>
+            <a:r>
               <a:rPr lang="tr-TR" dirty="0" err="1"/>
               <a:t>Mushu’nun</a:t>
             </a:r>
@@ -4477,19 +7432,113 @@
           <a:p>
             <a:r>
               <a:rPr lang="tr-TR" dirty="0"/>
-              <a:t>Her oyuncunun 3’er kartı var. </a:t>
+              <a:t>Fletcher’ın 3, </a:t>
+            </a:r>
+            <a:r>
+              <a:rPr lang="tr-TR" dirty="0" err="1"/>
+              <a:t>Woods’un</a:t>
+            </a:r>
+            <a:r>
+              <a:rPr lang="tr-TR" dirty="0"/>
+              <a:t> 4 </a:t>
+            </a:r>
+            <a:r>
+              <a:rPr lang="tr-TR" dirty="0" err="1"/>
+              <a:t>Med</a:t>
+            </a:r>
+            <a:r>
+              <a:rPr lang="tr-TR" dirty="0"/>
+              <a:t> </a:t>
+            </a:r>
+            <a:r>
+              <a:rPr lang="tr-TR" dirty="0" err="1"/>
+              <a:t>kit’i</a:t>
+            </a:r>
+            <a:r>
+              <a:rPr lang="tr-TR" dirty="0"/>
+              <a:t> var. </a:t>
             </a:r>
           </a:p>
           <a:p>
             <a:r>
               <a:rPr lang="tr-TR" dirty="0"/>
-              <a:t>Her ölümde 1 kart kullanıyorlar. </a:t>
+              <a:t>Her ölümde 1 </a:t>
+            </a:r>
+            <a:r>
+              <a:rPr lang="tr-TR" dirty="0" err="1"/>
+              <a:t>Med</a:t>
+            </a:r>
+            <a:r>
+              <a:rPr lang="tr-TR" dirty="0"/>
+              <a:t> kit kullanıyorlar. </a:t>
             </a:r>
           </a:p>
           <a:p>
             <a:r>
+              <a:rPr lang="tr-TR" dirty="0" err="1"/>
+              <a:t>Med</a:t>
+            </a:r>
+            <a:r>
               <a:rPr lang="tr-TR" dirty="0"/>
-              <a:t>Kartı biten oyundan düşüyor.</a:t>
+              <a:t> </a:t>
+            </a:r>
+            <a:r>
+              <a:rPr lang="tr-TR" dirty="0" err="1"/>
+              <a:t>kit’i</a:t>
+            </a:r>
+            <a:r>
+              <a:rPr lang="tr-TR" dirty="0"/>
+              <a:t> biten oyundan düşüyor.</a:t>
+            </a:r>
+          </a:p>
+          <a:p>
+            <a:r>
+              <a:rPr lang="tr-TR" dirty="0" err="1"/>
+              <a:t>Med</a:t>
+            </a:r>
+            <a:r>
+              <a:rPr lang="tr-TR" dirty="0"/>
+              <a:t> </a:t>
+            </a:r>
+            <a:r>
+              <a:rPr lang="tr-TR" dirty="0" err="1"/>
+              <a:t>kit’i</a:t>
+            </a:r>
+            <a:r>
+              <a:rPr lang="tr-TR" dirty="0"/>
+              <a:t> bitmeyen oyuncu </a:t>
+            </a:r>
+            <a:r>
+              <a:rPr lang="tr-TR" dirty="0" err="1"/>
+              <a:t>Med</a:t>
+            </a:r>
+            <a:r>
+              <a:rPr lang="tr-TR" dirty="0"/>
+              <a:t> </a:t>
+            </a:r>
+            <a:r>
+              <a:rPr lang="tr-TR" dirty="0" err="1"/>
+              <a:t>kit’i</a:t>
+            </a:r>
+            <a:r>
+              <a:rPr lang="tr-TR" dirty="0"/>
+              <a:t> biten oyuncu ölünce tek başına o </a:t>
+            </a:r>
+            <a:r>
+              <a:rPr lang="tr-TR" dirty="0" err="1"/>
+              <a:t>level’a</a:t>
+            </a:r>
+            <a:r>
+              <a:rPr lang="tr-TR" dirty="0"/>
+              <a:t> devam ediyor. </a:t>
+            </a:r>
+            <a:r>
+              <a:rPr lang="tr-TR" dirty="0" err="1"/>
+              <a:t>Med</a:t>
+            </a:r>
+            <a:r>
+              <a:rPr lang="tr-TR" dirty="0"/>
+              <a:t> kit kayıpları ve oyuncu ölümleri skora etki edecek.</a:t>
             </a:r>
           </a:p>
         </p:txBody>
@@ -4568,14 +7617,27 @@
             <p:ph idx="1"/>
           </p:nvPr>
         </p:nvSpPr>
-        <p:spPr/>
+        <p:spPr>
+          <a:xfrm>
+            <a:off x="838200" y="1825624"/>
+            <a:ext cx="10515600" cy="4783405"/>
+          </a:xfrm>
+        </p:spPr>
         <p:txBody>
-          <a:bodyPr/>
+          <a:bodyPr>
+            <a:normAutofit fontScale="85000" lnSpcReduction="20000"/>
+          </a:bodyPr>
           <a:lstStyle/>
           <a:p>
             <a:r>
               <a:rPr lang="tr-TR" dirty="0"/>
               <a:t>Yerden silah veya mermi alınabiliyor mu?</a:t>
+            </a:r>
+          </a:p>
+          <a:p>
+            <a:r>
+              <a:rPr lang="tr-TR" dirty="0"/>
+              <a:t>Şimdilik yazılımcımız mermi bulunması, iki oyuncunun da mermi bulunca takımın hanesine yazılması mekaniğini yapsın. Başka alınabilecek şeyleri de biraz daha karakter tasarlarsak ekleriz.</a:t>
             </a:r>
           </a:p>
           <a:p>
@@ -4585,7 +7647,21 @@
           <a:p>
             <a:r>
               <a:rPr lang="tr-TR" dirty="0"/>
-              <a:t>Yerden kart (ekstra can) alınabiliyor mu?</a:t>
+              <a:t>Yerden </a:t>
+            </a:r>
+            <a:r>
+              <a:rPr lang="tr-TR" dirty="0" err="1"/>
+              <a:t>Med</a:t>
+            </a:r>
+            <a:r>
+              <a:rPr lang="tr-TR" dirty="0"/>
+              <a:t> kit(ekstra can) alınabiliyor mu?</a:t>
+            </a:r>
+          </a:p>
+          <a:p>
+            <a:r>
+              <a:rPr lang="tr-TR" dirty="0"/>
+              <a:t>Belki. Mermi toplama mekaniği yapıldıktan ve her grup üyesi test etmeye başladıktan sonra tekrar düşünülecek.</a:t>
             </a:r>
           </a:p>
           <a:p>
@@ -4599,6 +7675,12 @@
             </a:r>
           </a:p>
           <a:p>
+            <a:r>
+              <a:rPr lang="tr-TR" dirty="0"/>
+              <a:t>Hayır.</a:t>
+            </a:r>
+          </a:p>
+          <a:p>
             <a:pPr lvl="1"/>
             <a:endParaRPr lang="tr-TR" dirty="0"/>
           </a:p>
@@ -4606,6 +7688,12 @@
             <a:r>
               <a:rPr lang="tr-TR" dirty="0"/>
               <a:t>Oyuncular birbirlerinin yürüyüşlerini engelleyebiliyor mu?</a:t>
+            </a:r>
+          </a:p>
+          <a:p>
+            <a:r>
+              <a:rPr lang="tr-TR" dirty="0"/>
+              <a:t>Hayır</a:t>
             </a:r>
           </a:p>
           <a:p>
@@ -4698,6 +7786,12 @@
           <a:p>
             <a:r>
               <a:rPr lang="tr-TR" dirty="0"/>
+              <a:t>Sadece Türkçe</a:t>
+            </a:r>
+          </a:p>
+          <a:p>
+            <a:r>
+              <a:rPr lang="tr-TR" dirty="0"/>
               <a:t>?* olan kısmın cevaplanması lazım</a:t>
             </a:r>
           </a:p>
@@ -4789,18 +7883,21 @@
             <p:ph idx="1"/>
           </p:nvPr>
         </p:nvSpPr>
-        <p:spPr/>
+        <p:spPr>
+          <a:xfrm>
+            <a:off x="838200" y="1825625"/>
+            <a:ext cx="10515600" cy="4667250"/>
+          </a:xfrm>
+        </p:spPr>
         <p:txBody>
-          <a:bodyPr/>
+          <a:bodyPr>
+            <a:normAutofit lnSpcReduction="10000"/>
+          </a:bodyPr>
           <a:lstStyle/>
           <a:p>
             <a:r>
-              <a:rPr lang="tr-TR" dirty="0" err="1"/>
-              <a:t>Yakıncı</a:t>
-            </a:r>
-            <a:r>
               <a:rPr lang="tr-TR" dirty="0"/>
-              <a:t>: </a:t>
+              <a:t>Dövüşçü: </a:t>
             </a:r>
             <a:r>
               <a:rPr lang="tr-TR" dirty="0" err="1"/>
@@ -4810,12 +7907,8 @@
           </a:p>
           <a:p>
             <a:r>
-              <a:rPr lang="tr-TR" dirty="0" err="1"/>
-              <a:t>Uzakçı</a:t>
-            </a:r>
-            <a:r>
               <a:rPr lang="tr-TR" dirty="0"/>
-              <a:t>: Fletcher</a:t>
+              <a:t>Mesafeli: Fletcher</a:t>
             </a:r>
           </a:p>
           <a:p>
@@ -4824,7 +7917,39 @@
           <a:p>
             <a:r>
               <a:rPr lang="tr-TR" dirty="0"/>
-              <a:t>Bence daha fazla karakter ekleyebiliriz, ilginç özellikleri olan !*</a:t>
+              <a:t>Daha fazla karakter eklenme ihtimali yüksek. İlk önce </a:t>
+            </a:r>
+            <a:r>
+              <a:rPr lang="tr-TR" dirty="0" err="1"/>
+              <a:t>work</a:t>
+            </a:r>
+            <a:r>
+              <a:rPr lang="tr-TR" dirty="0"/>
+              <a:t> </a:t>
+            </a:r>
+            <a:r>
+              <a:rPr lang="tr-TR" dirty="0" err="1"/>
+              <a:t>flow’umuzu</a:t>
+            </a:r>
+            <a:r>
+              <a:rPr lang="tr-TR" dirty="0"/>
+              <a:t> oturtalım, doğru animasyonlar istenilmesi öğrenilsin </a:t>
+            </a:r>
+            <a:r>
+              <a:rPr lang="tr-TR" dirty="0" err="1"/>
+              <a:t>asset</a:t>
+            </a:r>
+            <a:r>
+              <a:rPr lang="tr-TR" dirty="0"/>
+              <a:t> ekibinden, doğru kullanılsın, </a:t>
+            </a:r>
+            <a:r>
+              <a:rPr lang="tr-TR" dirty="0" err="1"/>
+              <a:t>asset</a:t>
+            </a:r>
+            <a:r>
+              <a:rPr lang="tr-TR" dirty="0"/>
+              <a:t> ekibi piksel animasyon ve nasıl oyun motoruna aktarılmaları gerektiğini öğrensin. Mantığı çözdük mü bir tane daha karakter hızlı şekilde yaparız. Dönem sonuna kadar yeni hiçbir karakter ekleyemezsek de Allah affetsin, canımız sağ olsun. Zaten dönem sonuna kadar bu oyunu ne yaparsak yapalım yayınlanabilir seviyeye getiremeyeceğiz, her türlü dönem ardından da yapılacak işler kalacak geriye.</a:t>
             </a:r>
           </a:p>
         </p:txBody>
@@ -4909,22 +8034,14 @@
           <a:lstStyle/>
           <a:p>
             <a:r>
-              <a:rPr lang="tr-TR" dirty="0" err="1"/>
-              <a:t>Joyistik</a:t>
-            </a:r>
-            <a:r>
               <a:rPr lang="tr-TR" dirty="0"/>
-              <a:t> yukarı aşağı, kat değiştirme</a:t>
+              <a:t>Joystick yukarı aşağı, kat değiştirme</a:t>
             </a:r>
           </a:p>
           <a:p>
             <a:r>
-              <a:rPr lang="tr-TR" dirty="0" err="1"/>
-              <a:t>Joyistik</a:t>
-            </a:r>
-            <a:r>
               <a:rPr lang="tr-TR" dirty="0"/>
-              <a:t> sağa sola, katta yer değiştirme</a:t>
+              <a:t>Joystick sağa sola, katta yer değiştirme</a:t>
             </a:r>
           </a:p>
           <a:p>
@@ -4936,19 +8053,13 @@
           <a:p>
             <a:r>
               <a:rPr lang="tr-TR" dirty="0"/>
-              <a:t>2. tuş kayarak </a:t>
+              <a:t>2. tuş kayarak zombi saldırıları ve engelleri </a:t>
             </a:r>
             <a:r>
               <a:rPr lang="tr-TR" dirty="0" err="1"/>
-              <a:t>dodgeleme</a:t>
+              <a:t>dodgelama</a:t>
             </a:r>
             <a:endParaRPr lang="tr-TR" dirty="0"/>
-          </a:p>
-          <a:p>
-            <a:r>
-              <a:rPr lang="tr-TR" dirty="0"/>
-              <a:t>3. tuş yok (?)</a:t>
-            </a:r>
           </a:p>
         </p:txBody>
       </p:sp>
@@ -5033,11 +8144,51 @@
           <a:p>
             <a:r>
               <a:rPr lang="tr-TR" dirty="0" err="1"/>
-              <a:t>Woods</a:t>
+              <a:t>Woods’un</a:t>
             </a:r>
             <a:r>
               <a:rPr lang="tr-TR" dirty="0"/>
-              <a:t> yapabilirken Fletcher’ın yapamadığı şeyler falan var mı?</a:t>
+              <a:t> yapabildiği ancak Fletcher’ın yapamadığı şeyler nelerdir?</a:t>
+            </a:r>
+          </a:p>
+          <a:p>
+            <a:r>
+              <a:rPr lang="tr-TR" dirty="0" err="1"/>
+              <a:t>Woods’un</a:t>
+            </a:r>
+            <a:r>
+              <a:rPr lang="tr-TR" dirty="0"/>
+              <a:t> </a:t>
+            </a:r>
+            <a:r>
+              <a:rPr lang="tr-TR" dirty="0" err="1"/>
+              <a:t>slide</a:t>
+            </a:r>
+            <a:r>
+              <a:rPr lang="tr-TR" dirty="0"/>
+              <a:t> yapma yeteneği yok.</a:t>
+            </a:r>
+          </a:p>
+          <a:p>
+            <a:r>
+              <a:rPr lang="tr-TR" dirty="0"/>
+              <a:t>Fletcher düşmanların </a:t>
+            </a:r>
+            <a:r>
+              <a:rPr lang="tr-TR" dirty="0" err="1"/>
+              <a:t>projectile</a:t>
+            </a:r>
+            <a:r>
+              <a:rPr lang="tr-TR" dirty="0"/>
+              <a:t> ataklarını ve engelleri kırma özelliği yok. Ayrıca hiçbir zombi türünü tek vuruşta öldüremiyor </a:t>
+            </a:r>
+            <a:r>
+              <a:rPr lang="tr-TR" dirty="0" err="1"/>
+              <a:t>Woods’un</a:t>
+            </a:r>
+            <a:r>
+              <a:rPr lang="tr-TR" dirty="0"/>
+              <a:t> aksine.</a:t>
             </a:r>
           </a:p>
         </p:txBody>
@@ -5123,13 +8274,23 @@
           <a:p>
             <a:r>
               <a:rPr lang="tr-TR" dirty="0"/>
-              <a:t>En yüksek puanı kazanmak (?)</a:t>
-            </a:r>
-          </a:p>
-          <a:p>
+              <a:t>En yüksek puanı kazanmak için olabildiğince fazla zombi öldürme çabasına girmek ve hiç </a:t>
+            </a:r>
+            <a:r>
+              <a:rPr lang="tr-TR" dirty="0" err="1"/>
+              <a:t>Med</a:t>
+            </a:r>
             <a:r>
               <a:rPr lang="tr-TR" dirty="0"/>
-              <a:t>Bölüm sonuna kadar hayatta kalmak</a:t>
+              <a:t> kit kaybetmeden </a:t>
+            </a:r>
+            <a:r>
+              <a:rPr lang="tr-TR" dirty="0" err="1"/>
+              <a:t>level’ı</a:t>
+            </a:r>
+            <a:r>
+              <a:rPr lang="tr-TR" dirty="0"/>
+              <a:t> tamamlamak.</a:t>
             </a:r>
           </a:p>
         </p:txBody>
@@ -5243,7 +8404,7 @@
             </a:pPr>
             <a:r>
               <a:rPr lang="tr-TR" dirty="0"/>
-              <a:t>Kaç </a:t>
+              <a:t>Oyunda her </a:t>
             </a:r>
             <a:r>
               <a:rPr lang="tr-TR" dirty="0" err="1"/>
@@ -5251,7 +8412,57 @@
             </a:r>
             <a:r>
               <a:rPr lang="tr-TR" dirty="0"/>
+              <a:t> sabit olacak ve </a:t>
+            </a:r>
+            <a:r>
+              <a:rPr lang="tr-TR" dirty="0" err="1"/>
+              <a:t>herşey</a:t>
+            </a:r>
+            <a:r>
+              <a:rPr lang="tr-TR" dirty="0"/>
+              <a:t> önceden </a:t>
+            </a:r>
+            <a:r>
+              <a:rPr lang="tr-TR" dirty="0" err="1"/>
+              <a:t>level</a:t>
+            </a:r>
+            <a:r>
+              <a:rPr lang="tr-TR" dirty="0"/>
+              <a:t> tasarımcısı tarafından belirlenmiş olacak. Prosedürel herhangi bir şey olmayacak, rastgele hiçbir şey olmayacak.</a:t>
+            </a:r>
+          </a:p>
+          <a:p>
+            <a:pPr marL="0" indent="0">
+              <a:buNone/>
+            </a:pPr>
+            <a:r>
+              <a:rPr lang="tr-TR" dirty="0"/>
+              <a:t>Kaç </a:t>
+            </a:r>
+            <a:r>
+              <a:rPr lang="tr-TR" dirty="0" err="1"/>
+              <a:t>level</a:t>
+            </a:r>
+            <a:r>
+              <a:rPr lang="tr-TR" dirty="0"/>
               <a:t> var?</a:t>
+            </a:r>
+          </a:p>
+          <a:p>
+            <a:pPr marL="0" indent="0">
+              <a:buNone/>
+            </a:pPr>
+            <a:r>
+              <a:rPr lang="tr-TR" dirty="0"/>
+              <a:t>Bir bölümde 3 </a:t>
+            </a:r>
+            <a:r>
+              <a:rPr lang="tr-TR" dirty="0" err="1"/>
+              <a:t>level</a:t>
+            </a:r>
+            <a:r>
+              <a:rPr lang="tr-TR" dirty="0"/>
+              <a:t> olacak. Bu oyun 2 bölümden oluşuyor. İnşaat sahası 1. bölüm ve 2. bölüm nükleer reaktör olabilir ama başka bir şeye karar verebiliriz.</a:t>
             </a:r>
           </a:p>
         </p:txBody>
@@ -6826,12 +10037,573 @@
           </mc:Fallback>
         </mc:AlternateContent>
       </p:grpSp>
+      <mc:AlternateContent xmlns:mc="http://schemas.openxmlformats.org/markup-compatibility/2006" xmlns:p14="http://schemas.microsoft.com/office/powerpoint/2010/main">
+        <mc:Choice Requires="p14">
+          <p:contentPart p14:bwMode="auto" r:id="rId58">
+            <p14:nvContentPartPr>
+              <p14:cNvPr id="8" name="Mürekkep 7">
+                <a:extLst>
+                  <a:ext uri="{FF2B5EF4-FFF2-40B4-BE49-F238E27FC236}">
+                    <a16:creationId xmlns:a16="http://schemas.microsoft.com/office/drawing/2014/main" id="{4AAD1318-7682-DBF4-8BEF-1BB9B44A248D}"/>
+                  </a:ext>
+                </a:extLst>
+              </p14:cNvPr>
+              <p14:cNvContentPartPr/>
+              <p14:nvPr/>
+            </p14:nvContentPartPr>
+            <p14:xfrm>
+              <a:off x="7296583" y="3802185"/>
+              <a:ext cx="720" cy="842400"/>
+            </p14:xfrm>
+          </p:contentPart>
+        </mc:Choice>
+        <mc:Fallback xmlns="">
+          <p:pic>
+            <p:nvPicPr>
+              <p:cNvPr id="8" name="Mürekkep 7">
+                <a:extLst>
+                  <a:ext uri="{FF2B5EF4-FFF2-40B4-BE49-F238E27FC236}">
+                    <a16:creationId xmlns:a16="http://schemas.microsoft.com/office/drawing/2014/main" id="{4AAD1318-7682-DBF4-8BEF-1BB9B44A248D}"/>
+                  </a:ext>
+                </a:extLst>
+              </p:cNvPr>
+              <p:cNvPicPr/>
+              <p:nvPr/>
+            </p:nvPicPr>
+            <p:blipFill>
+              <a:blip r:embed="rId59"/>
+              <a:stretch>
+                <a:fillRect/>
+              </a:stretch>
+            </p:blipFill>
+            <p:spPr>
+              <a:xfrm>
+                <a:off x="7284343" y="3796065"/>
+                <a:ext cx="25200" cy="854640"/>
+              </a:xfrm>
+              <a:prstGeom prst="rect">
+                <a:avLst/>
+              </a:prstGeom>
+            </p:spPr>
+          </p:pic>
+        </mc:Fallback>
+      </mc:AlternateContent>
+      <mc:AlternateContent xmlns:mc="http://schemas.openxmlformats.org/markup-compatibility/2006" xmlns:p14="http://schemas.microsoft.com/office/powerpoint/2010/main">
+        <mc:Choice Requires="p14">
+          <p:contentPart p14:bwMode="auto" r:id="rId60">
+            <p14:nvContentPartPr>
+              <p14:cNvPr id="12" name="Mürekkep 11">
+                <a:extLst>
+                  <a:ext uri="{FF2B5EF4-FFF2-40B4-BE49-F238E27FC236}">
+                    <a16:creationId xmlns:a16="http://schemas.microsoft.com/office/drawing/2014/main" id="{864643C4-F8C3-6C77-1FC8-4111FCEE3F46}"/>
+                  </a:ext>
+                </a:extLst>
+              </p14:cNvPr>
+              <p14:cNvContentPartPr/>
+              <p14:nvPr/>
+            </p14:nvContentPartPr>
+            <p14:xfrm>
+              <a:off x="7314583" y="3829185"/>
+              <a:ext cx="1186560" cy="9720"/>
+            </p14:xfrm>
+          </p:contentPart>
+        </mc:Choice>
+        <mc:Fallback xmlns="">
+          <p:pic>
+            <p:nvPicPr>
+              <p:cNvPr id="12" name="Mürekkep 11">
+                <a:extLst>
+                  <a:ext uri="{FF2B5EF4-FFF2-40B4-BE49-F238E27FC236}">
+                    <a16:creationId xmlns:a16="http://schemas.microsoft.com/office/drawing/2014/main" id="{864643C4-F8C3-6C77-1FC8-4111FCEE3F46}"/>
+                  </a:ext>
+                </a:extLst>
+              </p:cNvPr>
+              <p:cNvPicPr/>
+              <p:nvPr/>
+            </p:nvPicPr>
+            <p:blipFill>
+              <a:blip r:embed="rId61"/>
+              <a:stretch>
+                <a:fillRect/>
+              </a:stretch>
+            </p:blipFill>
+            <p:spPr>
+              <a:xfrm>
+                <a:off x="7308463" y="3823065"/>
+                <a:ext cx="1198800" cy="21960"/>
+              </a:xfrm>
+              <a:prstGeom prst="rect">
+                <a:avLst/>
+              </a:prstGeom>
+            </p:spPr>
+          </p:pic>
+        </mc:Fallback>
+      </mc:AlternateContent>
+      <mc:AlternateContent xmlns:mc="http://schemas.openxmlformats.org/markup-compatibility/2006" xmlns:p14="http://schemas.microsoft.com/office/powerpoint/2010/main">
+        <mc:Choice Requires="p14">
+          <p:contentPart p14:bwMode="auto" r:id="rId62">
+            <p14:nvContentPartPr>
+              <p14:cNvPr id="15" name="Mürekkep 14">
+                <a:extLst>
+                  <a:ext uri="{FF2B5EF4-FFF2-40B4-BE49-F238E27FC236}">
+                    <a16:creationId xmlns:a16="http://schemas.microsoft.com/office/drawing/2014/main" id="{D9916B3F-1571-F9C5-7A7D-4CA818EC4CE3}"/>
+                  </a:ext>
+                </a:extLst>
+              </p14:cNvPr>
+              <p14:cNvContentPartPr/>
+              <p14:nvPr/>
+            </p14:nvContentPartPr>
+            <p14:xfrm>
+              <a:off x="8528143" y="3820185"/>
+              <a:ext cx="45360" cy="815040"/>
+            </p14:xfrm>
+          </p:contentPart>
+        </mc:Choice>
+        <mc:Fallback xmlns="">
+          <p:pic>
+            <p:nvPicPr>
+              <p:cNvPr id="15" name="Mürekkep 14">
+                <a:extLst>
+                  <a:ext uri="{FF2B5EF4-FFF2-40B4-BE49-F238E27FC236}">
+                    <a16:creationId xmlns:a16="http://schemas.microsoft.com/office/drawing/2014/main" id="{D9916B3F-1571-F9C5-7A7D-4CA818EC4CE3}"/>
+                  </a:ext>
+                </a:extLst>
+              </p:cNvPr>
+              <p:cNvPicPr/>
+              <p:nvPr/>
+            </p:nvPicPr>
+            <p:blipFill>
+              <a:blip r:embed="rId63"/>
+              <a:stretch>
+                <a:fillRect/>
+              </a:stretch>
+            </p:blipFill>
+            <p:spPr>
+              <a:xfrm>
+                <a:off x="8522023" y="3814065"/>
+                <a:ext cx="57600" cy="827280"/>
+              </a:xfrm>
+              <a:prstGeom prst="rect">
+                <a:avLst/>
+              </a:prstGeom>
+            </p:spPr>
+          </p:pic>
+        </mc:Fallback>
+      </mc:AlternateContent>
+      <mc:AlternateContent xmlns:mc="http://schemas.openxmlformats.org/markup-compatibility/2006" xmlns:p14="http://schemas.microsoft.com/office/powerpoint/2010/main">
+        <mc:Choice Requires="p14">
+          <p:contentPart p14:bwMode="auto" r:id="rId64">
+            <p14:nvContentPartPr>
+              <p14:cNvPr id="25" name="Mürekkep 24">
+                <a:extLst>
+                  <a:ext uri="{FF2B5EF4-FFF2-40B4-BE49-F238E27FC236}">
+                    <a16:creationId xmlns:a16="http://schemas.microsoft.com/office/drawing/2014/main" id="{647A1C46-935C-2895-53DB-3896EA6A2336}"/>
+                  </a:ext>
+                </a:extLst>
+              </p14:cNvPr>
+              <p14:cNvContentPartPr/>
+              <p14:nvPr/>
+            </p14:nvContentPartPr>
+            <p14:xfrm>
+              <a:off x="7426903" y="4019265"/>
+              <a:ext cx="83160" cy="597600"/>
+            </p14:xfrm>
+          </p:contentPart>
+        </mc:Choice>
+        <mc:Fallback xmlns="">
+          <p:pic>
+            <p:nvPicPr>
+              <p:cNvPr id="25" name="Mürekkep 24">
+                <a:extLst>
+                  <a:ext uri="{FF2B5EF4-FFF2-40B4-BE49-F238E27FC236}">
+                    <a16:creationId xmlns:a16="http://schemas.microsoft.com/office/drawing/2014/main" id="{647A1C46-935C-2895-53DB-3896EA6A2336}"/>
+                  </a:ext>
+                </a:extLst>
+              </p:cNvPr>
+              <p:cNvPicPr/>
+              <p:nvPr/>
+            </p:nvPicPr>
+            <p:blipFill>
+              <a:blip r:embed="rId65"/>
+              <a:stretch>
+                <a:fillRect/>
+              </a:stretch>
+            </p:blipFill>
+            <p:spPr>
+              <a:xfrm>
+                <a:off x="7420783" y="4013145"/>
+                <a:ext cx="95400" cy="609840"/>
+              </a:xfrm>
+              <a:prstGeom prst="rect">
+                <a:avLst/>
+              </a:prstGeom>
+            </p:spPr>
+          </p:pic>
+        </mc:Fallback>
+      </mc:AlternateContent>
+      <mc:AlternateContent xmlns:mc="http://schemas.openxmlformats.org/markup-compatibility/2006" xmlns:p14="http://schemas.microsoft.com/office/powerpoint/2010/main">
+        <mc:Choice Requires="p14">
+          <p:contentPart p14:bwMode="auto" r:id="rId66">
+            <p14:nvContentPartPr>
+              <p14:cNvPr id="37" name="Mürekkep 36">
+                <a:extLst>
+                  <a:ext uri="{FF2B5EF4-FFF2-40B4-BE49-F238E27FC236}">
+                    <a16:creationId xmlns:a16="http://schemas.microsoft.com/office/drawing/2014/main" id="{EDF935EB-80C1-F35E-D401-5F5EA565B564}"/>
+                  </a:ext>
+                </a:extLst>
+              </p14:cNvPr>
+              <p14:cNvContentPartPr/>
+              <p14:nvPr/>
+            </p14:nvContentPartPr>
+            <p14:xfrm>
+              <a:off x="8363623" y="3995145"/>
+              <a:ext cx="56520" cy="613080"/>
+            </p14:xfrm>
+          </p:contentPart>
+        </mc:Choice>
+        <mc:Fallback xmlns="">
+          <p:pic>
+            <p:nvPicPr>
+              <p:cNvPr id="37" name="Mürekkep 36">
+                <a:extLst>
+                  <a:ext uri="{FF2B5EF4-FFF2-40B4-BE49-F238E27FC236}">
+                    <a16:creationId xmlns:a16="http://schemas.microsoft.com/office/drawing/2014/main" id="{EDF935EB-80C1-F35E-D401-5F5EA565B564}"/>
+                  </a:ext>
+                </a:extLst>
+              </p:cNvPr>
+              <p:cNvPicPr/>
+              <p:nvPr/>
+            </p:nvPicPr>
+            <p:blipFill>
+              <a:blip r:embed="rId67"/>
+              <a:stretch>
+                <a:fillRect/>
+              </a:stretch>
+            </p:blipFill>
+            <p:spPr>
+              <a:xfrm>
+                <a:off x="8357503" y="3989025"/>
+                <a:ext cx="68760" cy="625320"/>
+              </a:xfrm>
+              <a:prstGeom prst="rect">
+                <a:avLst/>
+              </a:prstGeom>
+            </p:spPr>
+          </p:pic>
+        </mc:Fallback>
+      </mc:AlternateContent>
+      <mc:AlternateContent xmlns:mc="http://schemas.openxmlformats.org/markup-compatibility/2006" xmlns:p14="http://schemas.microsoft.com/office/powerpoint/2010/main">
+        <mc:Choice Requires="p14">
+          <p:contentPart p14:bwMode="auto" r:id="rId68">
+            <p14:nvContentPartPr>
+              <p14:cNvPr id="46" name="Mürekkep 45">
+                <a:extLst>
+                  <a:ext uri="{FF2B5EF4-FFF2-40B4-BE49-F238E27FC236}">
+                    <a16:creationId xmlns:a16="http://schemas.microsoft.com/office/drawing/2014/main" id="{1BE58517-1211-E1B8-3F1B-E3DF439594E7}"/>
+                  </a:ext>
+                </a:extLst>
+              </p14:cNvPr>
+              <p14:cNvContentPartPr/>
+              <p14:nvPr/>
+            </p14:nvContentPartPr>
+            <p14:xfrm>
+              <a:off x="7468663" y="4019265"/>
+              <a:ext cx="923760" cy="27720"/>
+            </p14:xfrm>
+          </p:contentPart>
+        </mc:Choice>
+        <mc:Fallback xmlns="">
+          <p:pic>
+            <p:nvPicPr>
+              <p:cNvPr id="46" name="Mürekkep 45">
+                <a:extLst>
+                  <a:ext uri="{FF2B5EF4-FFF2-40B4-BE49-F238E27FC236}">
+                    <a16:creationId xmlns:a16="http://schemas.microsoft.com/office/drawing/2014/main" id="{1BE58517-1211-E1B8-3F1B-E3DF439594E7}"/>
+                  </a:ext>
+                </a:extLst>
+              </p:cNvPr>
+              <p:cNvPicPr/>
+              <p:nvPr/>
+            </p:nvPicPr>
+            <p:blipFill>
+              <a:blip r:embed="rId69"/>
+              <a:stretch>
+                <a:fillRect/>
+              </a:stretch>
+            </p:blipFill>
+            <p:spPr>
+              <a:xfrm>
+                <a:off x="7462543" y="4013145"/>
+                <a:ext cx="936000" cy="39960"/>
+              </a:xfrm>
+              <a:prstGeom prst="rect">
+                <a:avLst/>
+              </a:prstGeom>
+            </p:spPr>
+          </p:pic>
+        </mc:Fallback>
+      </mc:AlternateContent>
+      <mc:AlternateContent xmlns:mc="http://schemas.openxmlformats.org/markup-compatibility/2006" xmlns:p14="http://schemas.microsoft.com/office/powerpoint/2010/main">
+        <mc:Choice Requires="p14">
+          <p:contentPart p14:bwMode="auto" r:id="rId70">
+            <p14:nvContentPartPr>
+              <p14:cNvPr id="58" name="Mürekkep 57">
+                <a:extLst>
+                  <a:ext uri="{FF2B5EF4-FFF2-40B4-BE49-F238E27FC236}">
+                    <a16:creationId xmlns:a16="http://schemas.microsoft.com/office/drawing/2014/main" id="{E3D920DC-6239-4E94-4728-7B1B76FCFE82}"/>
+                  </a:ext>
+                </a:extLst>
+              </p14:cNvPr>
+              <p14:cNvContentPartPr/>
+              <p14:nvPr/>
+            </p14:nvContentPartPr>
+            <p14:xfrm>
+              <a:off x="7396663" y="3946905"/>
+              <a:ext cx="1059480" cy="720"/>
+            </p14:xfrm>
+          </p:contentPart>
+        </mc:Choice>
+        <mc:Fallback xmlns="">
+          <p:pic>
+            <p:nvPicPr>
+              <p:cNvPr id="58" name="Mürekkep 57">
+                <a:extLst>
+                  <a:ext uri="{FF2B5EF4-FFF2-40B4-BE49-F238E27FC236}">
+                    <a16:creationId xmlns:a16="http://schemas.microsoft.com/office/drawing/2014/main" id="{E3D920DC-6239-4E94-4728-7B1B76FCFE82}"/>
+                  </a:ext>
+                </a:extLst>
+              </p:cNvPr>
+              <p:cNvPicPr/>
+              <p:nvPr/>
+            </p:nvPicPr>
+            <p:blipFill>
+              <a:blip r:embed="rId71"/>
+              <a:stretch>
+                <a:fillRect/>
+              </a:stretch>
+            </p:blipFill>
+            <p:spPr>
+              <a:xfrm>
+                <a:off x="7342663" y="3730905"/>
+                <a:ext cx="1167120" cy="432000"/>
+              </a:xfrm>
+              <a:prstGeom prst="rect">
+                <a:avLst/>
+              </a:prstGeom>
+            </p:spPr>
+          </p:pic>
+        </mc:Fallback>
+      </mc:AlternateContent>
+      <mc:AlternateContent xmlns:mc="http://schemas.openxmlformats.org/markup-compatibility/2006" xmlns:p14="http://schemas.microsoft.com/office/powerpoint/2010/main">
+        <mc:Choice Requires="p14">
+          <p:contentPart p14:bwMode="auto" r:id="rId72">
+            <p14:nvContentPartPr>
+              <p14:cNvPr id="75" name="Mürekkep 74">
+                <a:extLst>
+                  <a:ext uri="{FF2B5EF4-FFF2-40B4-BE49-F238E27FC236}">
+                    <a16:creationId xmlns:a16="http://schemas.microsoft.com/office/drawing/2014/main" id="{7C4C36BD-828D-31B5-D6A5-829A9286F2E0}"/>
+                  </a:ext>
+                </a:extLst>
+              </p14:cNvPr>
+              <p14:cNvContentPartPr/>
+              <p14:nvPr/>
+            </p14:nvContentPartPr>
+            <p14:xfrm>
+              <a:off x="7604383" y="4444785"/>
+              <a:ext cx="217800" cy="154440"/>
+            </p14:xfrm>
+          </p:contentPart>
+        </mc:Choice>
+        <mc:Fallback xmlns="">
+          <p:pic>
+            <p:nvPicPr>
+              <p:cNvPr id="75" name="Mürekkep 74">
+                <a:extLst>
+                  <a:ext uri="{FF2B5EF4-FFF2-40B4-BE49-F238E27FC236}">
+                    <a16:creationId xmlns:a16="http://schemas.microsoft.com/office/drawing/2014/main" id="{7C4C36BD-828D-31B5-D6A5-829A9286F2E0}"/>
+                  </a:ext>
+                </a:extLst>
+              </p:cNvPr>
+              <p:cNvPicPr/>
+              <p:nvPr/>
+            </p:nvPicPr>
+            <p:blipFill>
+              <a:blip r:embed="rId73"/>
+              <a:stretch>
+                <a:fillRect/>
+              </a:stretch>
+            </p:blipFill>
+            <p:spPr>
+              <a:xfrm>
+                <a:off x="7598263" y="4438665"/>
+                <a:ext cx="230040" cy="166680"/>
+              </a:xfrm>
+              <a:prstGeom prst="rect">
+                <a:avLst/>
+              </a:prstGeom>
+            </p:spPr>
+          </p:pic>
+        </mc:Fallback>
+      </mc:AlternateContent>
+      <mc:AlternateContent xmlns:mc="http://schemas.openxmlformats.org/markup-compatibility/2006" xmlns:p14="http://schemas.microsoft.com/office/powerpoint/2010/main">
+        <mc:Choice Requires="p14">
+          <p:contentPart p14:bwMode="auto" r:id="rId74">
+            <p14:nvContentPartPr>
+              <p14:cNvPr id="77" name="Mürekkep 76">
+                <a:extLst>
+                  <a:ext uri="{FF2B5EF4-FFF2-40B4-BE49-F238E27FC236}">
+                    <a16:creationId xmlns:a16="http://schemas.microsoft.com/office/drawing/2014/main" id="{6CB1E8CC-5614-A039-5D67-38EE63591DBA}"/>
+                  </a:ext>
+                </a:extLst>
+              </p14:cNvPr>
+              <p14:cNvContentPartPr/>
+              <p14:nvPr/>
+            </p14:nvContentPartPr>
+            <p14:xfrm>
+              <a:off x="7821823" y="4444785"/>
+              <a:ext cx="407880" cy="154440"/>
+            </p14:xfrm>
+          </p:contentPart>
+        </mc:Choice>
+        <mc:Fallback xmlns="">
+          <p:pic>
+            <p:nvPicPr>
+              <p:cNvPr id="77" name="Mürekkep 76">
+                <a:extLst>
+                  <a:ext uri="{FF2B5EF4-FFF2-40B4-BE49-F238E27FC236}">
+                    <a16:creationId xmlns:a16="http://schemas.microsoft.com/office/drawing/2014/main" id="{6CB1E8CC-5614-A039-5D67-38EE63591DBA}"/>
+                  </a:ext>
+                </a:extLst>
+              </p:cNvPr>
+              <p:cNvPicPr/>
+              <p:nvPr/>
+            </p:nvPicPr>
+            <p:blipFill>
+              <a:blip r:embed="rId75"/>
+              <a:stretch>
+                <a:fillRect/>
+              </a:stretch>
+            </p:blipFill>
+            <p:spPr>
+              <a:xfrm>
+                <a:off x="7815703" y="4438665"/>
+                <a:ext cx="420120" cy="166680"/>
+              </a:xfrm>
+              <a:prstGeom prst="rect">
+                <a:avLst/>
+              </a:prstGeom>
+            </p:spPr>
+          </p:pic>
+        </mc:Fallback>
+      </mc:AlternateContent>
+      <mc:AlternateContent xmlns:mc="http://schemas.openxmlformats.org/markup-compatibility/2006" xmlns:p14="http://schemas.microsoft.com/office/powerpoint/2010/main">
+        <mc:Choice Requires="p14">
+          <p:contentPart p14:bwMode="auto" r:id="rId76">
+            <p14:nvContentPartPr>
+              <p14:cNvPr id="82" name="Mürekkep 81">
+                <a:extLst>
+                  <a:ext uri="{FF2B5EF4-FFF2-40B4-BE49-F238E27FC236}">
+                    <a16:creationId xmlns:a16="http://schemas.microsoft.com/office/drawing/2014/main" id="{3CB70092-EAF8-719C-5D38-4FEF8B9B645F}"/>
+                  </a:ext>
+                </a:extLst>
+              </p14:cNvPr>
+              <p14:cNvContentPartPr/>
+              <p14:nvPr/>
+            </p14:nvContentPartPr>
+            <p14:xfrm>
+              <a:off x="6898423" y="4435785"/>
+              <a:ext cx="724680" cy="172440"/>
+            </p14:xfrm>
+          </p:contentPart>
+        </mc:Choice>
+        <mc:Fallback xmlns="">
+          <p:pic>
+            <p:nvPicPr>
+              <p:cNvPr id="82" name="Mürekkep 81">
+                <a:extLst>
+                  <a:ext uri="{FF2B5EF4-FFF2-40B4-BE49-F238E27FC236}">
+                    <a16:creationId xmlns:a16="http://schemas.microsoft.com/office/drawing/2014/main" id="{3CB70092-EAF8-719C-5D38-4FEF8B9B645F}"/>
+                  </a:ext>
+                </a:extLst>
+              </p:cNvPr>
+              <p:cNvPicPr/>
+              <p:nvPr/>
+            </p:nvPicPr>
+            <p:blipFill>
+              <a:blip r:embed="rId77"/>
+              <a:stretch>
+                <a:fillRect/>
+              </a:stretch>
+            </p:blipFill>
+            <p:spPr>
+              <a:xfrm>
+                <a:off x="6892303" y="4429665"/>
+                <a:ext cx="736920" cy="184680"/>
+              </a:xfrm>
+              <a:prstGeom prst="rect">
+                <a:avLst/>
+              </a:prstGeom>
+            </p:spPr>
+          </p:pic>
+        </mc:Fallback>
+      </mc:AlternateContent>
+      <mc:AlternateContent xmlns:mc="http://schemas.openxmlformats.org/markup-compatibility/2006" xmlns:p14="http://schemas.microsoft.com/office/powerpoint/2010/main">
+        <mc:Choice Requires="p14">
+          <p:contentPart p14:bwMode="auto" r:id="rId78">
+            <p14:nvContentPartPr>
+              <p14:cNvPr id="87" name="Mürekkep 86">
+                <a:extLst>
+                  <a:ext uri="{FF2B5EF4-FFF2-40B4-BE49-F238E27FC236}">
+                    <a16:creationId xmlns:a16="http://schemas.microsoft.com/office/drawing/2014/main" id="{F863340E-3333-F7D6-A1A1-FFE4AA340E13}"/>
+                  </a:ext>
+                </a:extLst>
+              </p14:cNvPr>
+              <p14:cNvContentPartPr/>
+              <p14:nvPr/>
+            </p14:nvContentPartPr>
+            <p14:xfrm>
+              <a:off x="7133863" y="4435785"/>
+              <a:ext cx="263160" cy="54360"/>
+            </p14:xfrm>
+          </p:contentPart>
+        </mc:Choice>
+        <mc:Fallback xmlns="">
+          <p:pic>
+            <p:nvPicPr>
+              <p:cNvPr id="87" name="Mürekkep 86">
+                <a:extLst>
+                  <a:ext uri="{FF2B5EF4-FFF2-40B4-BE49-F238E27FC236}">
+                    <a16:creationId xmlns:a16="http://schemas.microsoft.com/office/drawing/2014/main" id="{F863340E-3333-F7D6-A1A1-FFE4AA340E13}"/>
+                  </a:ext>
+                </a:extLst>
+              </p:cNvPr>
+              <p:cNvPicPr/>
+              <p:nvPr/>
+            </p:nvPicPr>
+            <p:blipFill>
+              <a:blip r:embed="rId79"/>
+              <a:stretch>
+                <a:fillRect/>
+              </a:stretch>
+            </p:blipFill>
+            <p:spPr>
+              <a:xfrm>
+                <a:off x="7127743" y="4429665"/>
+                <a:ext cx="275400" cy="66600"/>
+              </a:xfrm>
+              <a:prstGeom prst="rect">
+                <a:avLst/>
+              </a:prstGeom>
+            </p:spPr>
+          </p:pic>
+        </mc:Fallback>
+      </mc:AlternateContent>
       <p:grpSp>
         <p:nvGrpSpPr>
-          <p:cNvPr id="56" name="Grup 55">
+          <p:cNvPr id="93" name="Grup 92">
             <a:extLst>
               <a:ext uri="{FF2B5EF4-FFF2-40B4-BE49-F238E27FC236}">
-                <a16:creationId xmlns:a16="http://schemas.microsoft.com/office/drawing/2014/main" id="{549CF6B2-48E6-C716-C8DD-8825E80B1B23}"/>
+                <a16:creationId xmlns:a16="http://schemas.microsoft.com/office/drawing/2014/main" id="{E5D454B1-B4C5-1C8A-A163-A85B428A9342}"/>
               </a:ext>
             </a:extLst>
           </p:cNvPr>
@@ -6840,20 +10612,20 @@
         </p:nvGrpSpPr>
         <p:grpSpPr>
           <a:xfrm>
-            <a:off x="7092951" y="3217438"/>
-            <a:ext cx="1679400" cy="1276200"/>
-            <a:chOff x="7092951" y="3217438"/>
-            <a:chExt cx="1679400" cy="1276200"/>
+            <a:off x="4766503" y="3412305"/>
+            <a:ext cx="3789000" cy="1299960"/>
+            <a:chOff x="4766503" y="3412305"/>
+            <a:chExt cx="3789000" cy="1299960"/>
           </a:xfrm>
         </p:grpSpPr>
-        <mc:AlternateContent xmlns:mc="http://schemas.openxmlformats.org/markup-compatibility/2006" xmlns:p14="http://schemas.microsoft.com/office/powerpoint/2010/main" xmlns:aink="http://schemas.microsoft.com/office/drawing/2016/ink">
-          <mc:Choice Requires="p14 aink">
-            <p:contentPart p14:bwMode="auto" r:id="rId58">
+        <mc:AlternateContent xmlns:mc="http://schemas.openxmlformats.org/markup-compatibility/2006" xmlns:p14="http://schemas.microsoft.com/office/powerpoint/2010/main">
+          <mc:Choice Requires="p14">
+            <p:contentPart p14:bwMode="auto" r:id="rId80">
               <p14:nvContentPartPr>
-                <p14:cNvPr id="49" name="Mürekkep 48">
-                  <a:extLst>
-                    <a:ext uri="{FF2B5EF4-FFF2-40B4-BE49-F238E27FC236}">
-                      <a16:creationId xmlns:a16="http://schemas.microsoft.com/office/drawing/2014/main" id="{0B64C8E7-398C-C302-A207-463A23A7E3FA}"/>
+                <p14:cNvPr id="59" name="Mürekkep 58">
+                  <a:extLst>
+                    <a:ext uri="{FF2B5EF4-FFF2-40B4-BE49-F238E27FC236}">
+                      <a16:creationId xmlns:a16="http://schemas.microsoft.com/office/drawing/2014/main" id="{12600393-17DC-13DD-F549-F4D90D8CF52A}"/>
                     </a:ext>
                   </a:extLst>
                 </p14:cNvPr>
@@ -6861,18 +10633,18 @@
                 <p14:nvPr/>
               </p14:nvContentPartPr>
               <p14:xfrm>
-                <a:off x="7092951" y="3399238"/>
-                <a:ext cx="759240" cy="1035720"/>
+                <a:off x="7452823" y="3865545"/>
+                <a:ext cx="125280" cy="226440"/>
               </p14:xfrm>
             </p:contentPart>
           </mc:Choice>
           <mc:Fallback xmlns="">
             <p:pic>
               <p:nvPicPr>
-                <p:cNvPr id="49" name="Mürekkep 48">
-                  <a:extLst>
-                    <a:ext uri="{FF2B5EF4-FFF2-40B4-BE49-F238E27FC236}">
-                      <a16:creationId xmlns:a16="http://schemas.microsoft.com/office/drawing/2014/main" id="{0B64C8E7-398C-C302-A207-463A23A7E3FA}"/>
+                <p:cNvPr id="59" name="Mürekkep 58">
+                  <a:extLst>
+                    <a:ext uri="{FF2B5EF4-FFF2-40B4-BE49-F238E27FC236}">
+                      <a16:creationId xmlns:a16="http://schemas.microsoft.com/office/drawing/2014/main" id="{12600393-17DC-13DD-F549-F4D90D8CF52A}"/>
                     </a:ext>
                   </a:extLst>
                 </p:cNvPr>
@@ -6880,15 +10652,15 @@
                 <p:nvPr/>
               </p:nvPicPr>
               <p:blipFill>
-                <a:blip r:embed="rId59"/>
+                <a:blip r:embed="rId81"/>
                 <a:stretch>
                   <a:fillRect/>
                 </a:stretch>
               </p:blipFill>
               <p:spPr>
                 <a:xfrm>
-                  <a:off x="7084311" y="3390598"/>
-                  <a:ext cx="776880" cy="1053360"/>
+                  <a:off x="7446703" y="3859425"/>
+                  <a:ext cx="137520" cy="238680"/>
                 </a:xfrm>
                 <a:prstGeom prst="rect">
                   <a:avLst/>
@@ -6897,14 +10669,14 @@
             </p:pic>
           </mc:Fallback>
         </mc:AlternateContent>
-        <mc:AlternateContent xmlns:mc="http://schemas.openxmlformats.org/markup-compatibility/2006" xmlns:p14="http://schemas.microsoft.com/office/powerpoint/2010/main" xmlns:aink="http://schemas.microsoft.com/office/drawing/2016/ink">
-          <mc:Choice Requires="p14 aink">
-            <p:contentPart p14:bwMode="auto" r:id="rId60">
+        <mc:AlternateContent xmlns:mc="http://schemas.openxmlformats.org/markup-compatibility/2006" xmlns:p14="http://schemas.microsoft.com/office/powerpoint/2010/main">
+          <mc:Choice Requires="p14">
+            <p:contentPart p14:bwMode="auto" r:id="rId82">
               <p14:nvContentPartPr>
-                <p14:cNvPr id="50" name="Mürekkep 49">
-                  <a:extLst>
-                    <a:ext uri="{FF2B5EF4-FFF2-40B4-BE49-F238E27FC236}">
-                      <a16:creationId xmlns:a16="http://schemas.microsoft.com/office/drawing/2014/main" id="{7BBAEBA2-B5E6-0D17-D14F-C3328120ACF9}"/>
+                <p14:cNvPr id="60" name="Mürekkep 59">
+                  <a:extLst>
+                    <a:ext uri="{FF2B5EF4-FFF2-40B4-BE49-F238E27FC236}">
+                      <a16:creationId xmlns:a16="http://schemas.microsoft.com/office/drawing/2014/main" id="{5AA8F88B-3E12-5467-8C15-196FA9DA6933}"/>
                     </a:ext>
                   </a:extLst>
                 </p14:cNvPr>
@@ -6912,18 +10684,18 @@
                 <p14:nvPr/>
               </p14:nvContentPartPr>
               <p14:xfrm>
-                <a:off x="7322271" y="3420118"/>
-                <a:ext cx="543600" cy="1073520"/>
+                <a:off x="7653343" y="3847185"/>
+                <a:ext cx="150840" cy="219240"/>
               </p14:xfrm>
             </p:contentPart>
           </mc:Choice>
           <mc:Fallback xmlns="">
             <p:pic>
               <p:nvPicPr>
-                <p:cNvPr id="50" name="Mürekkep 49">
-                  <a:extLst>
-                    <a:ext uri="{FF2B5EF4-FFF2-40B4-BE49-F238E27FC236}">
-                      <a16:creationId xmlns:a16="http://schemas.microsoft.com/office/drawing/2014/main" id="{7BBAEBA2-B5E6-0D17-D14F-C3328120ACF9}"/>
+                <p:cNvPr id="60" name="Mürekkep 59">
+                  <a:extLst>
+                    <a:ext uri="{FF2B5EF4-FFF2-40B4-BE49-F238E27FC236}">
+                      <a16:creationId xmlns:a16="http://schemas.microsoft.com/office/drawing/2014/main" id="{5AA8F88B-3E12-5467-8C15-196FA9DA6933}"/>
                     </a:ext>
                   </a:extLst>
                 </p:cNvPr>
@@ -6931,15 +10703,15 @@
                 <p:nvPr/>
               </p:nvPicPr>
               <p:blipFill>
-                <a:blip r:embed="rId61"/>
+                <a:blip r:embed="rId83"/>
                 <a:stretch>
                   <a:fillRect/>
                 </a:stretch>
               </p:blipFill>
               <p:spPr>
                 <a:xfrm>
-                  <a:off x="7313271" y="3411478"/>
-                  <a:ext cx="561240" cy="1091160"/>
+                  <a:off x="7647223" y="3841065"/>
+                  <a:ext cx="163080" cy="231480"/>
                 </a:xfrm>
                 <a:prstGeom prst="rect">
                   <a:avLst/>
@@ -6948,14 +10720,14 @@
             </p:pic>
           </mc:Fallback>
         </mc:AlternateContent>
-        <mc:AlternateContent xmlns:mc="http://schemas.openxmlformats.org/markup-compatibility/2006" xmlns:p14="http://schemas.microsoft.com/office/powerpoint/2010/main" xmlns:aink="http://schemas.microsoft.com/office/drawing/2016/ink">
-          <mc:Choice Requires="p14 aink">
-            <p:contentPart p14:bwMode="auto" r:id="rId62">
+        <mc:AlternateContent xmlns:mc="http://schemas.openxmlformats.org/markup-compatibility/2006" xmlns:p14="http://schemas.microsoft.com/office/powerpoint/2010/main">
+          <mc:Choice Requires="p14">
+            <p:contentPart p14:bwMode="auto" r:id="rId84">
               <p14:nvContentPartPr>
-                <p14:cNvPr id="51" name="Mürekkep 50">
-                  <a:extLst>
-                    <a:ext uri="{FF2B5EF4-FFF2-40B4-BE49-F238E27FC236}">
-                      <a16:creationId xmlns:a16="http://schemas.microsoft.com/office/drawing/2014/main" id="{7B953911-2E05-BB4C-CA03-E28A78B24F0E}"/>
+                <p14:cNvPr id="61" name="Mürekkep 60">
+                  <a:extLst>
+                    <a:ext uri="{FF2B5EF4-FFF2-40B4-BE49-F238E27FC236}">
+                      <a16:creationId xmlns:a16="http://schemas.microsoft.com/office/drawing/2014/main" id="{B070A5C2-0ECF-5BA1-2890-20A46DD4E0AD}"/>
                     </a:ext>
                   </a:extLst>
                 </p14:cNvPr>
@@ -6963,18 +10735,18 @@
                 <p14:nvPr/>
               </p14:nvContentPartPr>
               <p14:xfrm>
-                <a:off x="7837431" y="3587518"/>
-                <a:ext cx="236880" cy="257040"/>
+                <a:off x="7884823" y="3865545"/>
+                <a:ext cx="64080" cy="172800"/>
               </p14:xfrm>
             </p:contentPart>
           </mc:Choice>
           <mc:Fallback xmlns="">
             <p:pic>
               <p:nvPicPr>
-                <p:cNvPr id="51" name="Mürekkep 50">
-                  <a:extLst>
-                    <a:ext uri="{FF2B5EF4-FFF2-40B4-BE49-F238E27FC236}">
-                      <a16:creationId xmlns:a16="http://schemas.microsoft.com/office/drawing/2014/main" id="{7B953911-2E05-BB4C-CA03-E28A78B24F0E}"/>
+                <p:cNvPr id="61" name="Mürekkep 60">
+                  <a:extLst>
+                    <a:ext uri="{FF2B5EF4-FFF2-40B4-BE49-F238E27FC236}">
+                      <a16:creationId xmlns:a16="http://schemas.microsoft.com/office/drawing/2014/main" id="{B070A5C2-0ECF-5BA1-2890-20A46DD4E0AD}"/>
                     </a:ext>
                   </a:extLst>
                 </p:cNvPr>
@@ -6982,15 +10754,15 @@
                 <p:nvPr/>
               </p:nvPicPr>
               <p:blipFill>
-                <a:blip r:embed="rId63"/>
+                <a:blip r:embed="rId85"/>
                 <a:stretch>
                   <a:fillRect/>
                 </a:stretch>
               </p:blipFill>
               <p:spPr>
                 <a:xfrm>
-                  <a:off x="7828431" y="3578518"/>
-                  <a:ext cx="254520" cy="274680"/>
+                  <a:off x="7878703" y="3859425"/>
+                  <a:ext cx="76320" cy="185040"/>
                 </a:xfrm>
                 <a:prstGeom prst="rect">
                   <a:avLst/>
@@ -6999,14 +10771,14 @@
             </p:pic>
           </mc:Fallback>
         </mc:AlternateContent>
-        <mc:AlternateContent xmlns:mc="http://schemas.openxmlformats.org/markup-compatibility/2006" xmlns:p14="http://schemas.microsoft.com/office/powerpoint/2010/main" xmlns:aink="http://schemas.microsoft.com/office/drawing/2016/ink">
-          <mc:Choice Requires="p14 aink">
-            <p:contentPart p14:bwMode="auto" r:id="rId64">
+        <mc:AlternateContent xmlns:mc="http://schemas.openxmlformats.org/markup-compatibility/2006" xmlns:p14="http://schemas.microsoft.com/office/powerpoint/2010/main">
+          <mc:Choice Requires="p14">
+            <p:contentPart p14:bwMode="auto" r:id="rId86">
               <p14:nvContentPartPr>
-                <p14:cNvPr id="52" name="Mürekkep 51">
-                  <a:extLst>
-                    <a:ext uri="{FF2B5EF4-FFF2-40B4-BE49-F238E27FC236}">
-                      <a16:creationId xmlns:a16="http://schemas.microsoft.com/office/drawing/2014/main" id="{F71D2844-A701-8385-D9D2-E367B0437FF4}"/>
+                <p14:cNvPr id="65" name="Mürekkep 64">
+                  <a:extLst>
+                    <a:ext uri="{FF2B5EF4-FFF2-40B4-BE49-F238E27FC236}">
+                      <a16:creationId xmlns:a16="http://schemas.microsoft.com/office/drawing/2014/main" id="{03BB4A83-55BC-A7B7-E75D-77C7DF839F3B}"/>
                     </a:ext>
                   </a:extLst>
                 </p14:cNvPr>
@@ -7014,18 +10786,18 @@
                 <p14:nvPr/>
               </p14:nvContentPartPr>
               <p14:xfrm>
-                <a:off x="7977831" y="3536038"/>
-                <a:ext cx="224280" cy="526320"/>
+                <a:off x="7334023" y="3865545"/>
+                <a:ext cx="98640" cy="181800"/>
               </p14:xfrm>
             </p:contentPart>
           </mc:Choice>
           <mc:Fallback xmlns="">
             <p:pic>
               <p:nvPicPr>
-                <p:cNvPr id="52" name="Mürekkep 51">
-                  <a:extLst>
-                    <a:ext uri="{FF2B5EF4-FFF2-40B4-BE49-F238E27FC236}">
-                      <a16:creationId xmlns:a16="http://schemas.microsoft.com/office/drawing/2014/main" id="{F71D2844-A701-8385-D9D2-E367B0437FF4}"/>
+                <p:cNvPr id="65" name="Mürekkep 64">
+                  <a:extLst>
+                    <a:ext uri="{FF2B5EF4-FFF2-40B4-BE49-F238E27FC236}">
+                      <a16:creationId xmlns:a16="http://schemas.microsoft.com/office/drawing/2014/main" id="{03BB4A83-55BC-A7B7-E75D-77C7DF839F3B}"/>
                     </a:ext>
                   </a:extLst>
                 </p:cNvPr>
@@ -7033,15 +10805,15 @@
                 <p:nvPr/>
               </p:nvPicPr>
               <p:blipFill>
-                <a:blip r:embed="rId65"/>
+                <a:blip r:embed="rId87"/>
                 <a:stretch>
                   <a:fillRect/>
                 </a:stretch>
               </p:blipFill>
               <p:spPr>
                 <a:xfrm>
-                  <a:off x="7969191" y="3527398"/>
-                  <a:ext cx="241920" cy="543960"/>
+                  <a:off x="7327903" y="3859425"/>
+                  <a:ext cx="110880" cy="194040"/>
                 </a:xfrm>
                 <a:prstGeom prst="rect">
                   <a:avLst/>
@@ -7050,14 +10822,14 @@
             </p:pic>
           </mc:Fallback>
         </mc:AlternateContent>
-        <mc:AlternateContent xmlns:mc="http://schemas.openxmlformats.org/markup-compatibility/2006" xmlns:p14="http://schemas.microsoft.com/office/powerpoint/2010/main" xmlns:aink="http://schemas.microsoft.com/office/drawing/2016/ink">
-          <mc:Choice Requires="p14 aink">
-            <p:contentPart p14:bwMode="auto" r:id="rId66">
+        <mc:AlternateContent xmlns:mc="http://schemas.openxmlformats.org/markup-compatibility/2006" xmlns:p14="http://schemas.microsoft.com/office/powerpoint/2010/main">
+          <mc:Choice Requires="p14">
+            <p:contentPart p14:bwMode="auto" r:id="rId88">
               <p14:nvContentPartPr>
-                <p14:cNvPr id="53" name="Mürekkep 52">
-                  <a:extLst>
-                    <a:ext uri="{FF2B5EF4-FFF2-40B4-BE49-F238E27FC236}">
-                      <a16:creationId xmlns:a16="http://schemas.microsoft.com/office/drawing/2014/main" id="{B1328960-FE7F-5C2A-D2B4-8DA1CA5D8EB2}"/>
+                <p14:cNvPr id="68" name="Mürekkep 67">
+                  <a:extLst>
+                    <a:ext uri="{FF2B5EF4-FFF2-40B4-BE49-F238E27FC236}">
+                      <a16:creationId xmlns:a16="http://schemas.microsoft.com/office/drawing/2014/main" id="{6020FBBF-E2C2-4727-FCD7-27ADDC8D44DD}"/>
                     </a:ext>
                   </a:extLst>
                 </p14:cNvPr>
@@ -7065,18 +10837,18 @@
                 <p14:nvPr/>
               </p14:nvContentPartPr>
               <p14:xfrm>
-                <a:off x="8234871" y="3484198"/>
-                <a:ext cx="126720" cy="173160"/>
+                <a:off x="7396663" y="3738825"/>
+                <a:ext cx="360" cy="89640"/>
               </p14:xfrm>
             </p:contentPart>
           </mc:Choice>
           <mc:Fallback xmlns="">
             <p:pic>
               <p:nvPicPr>
-                <p:cNvPr id="53" name="Mürekkep 52">
-                  <a:extLst>
-                    <a:ext uri="{FF2B5EF4-FFF2-40B4-BE49-F238E27FC236}">
-                      <a16:creationId xmlns:a16="http://schemas.microsoft.com/office/drawing/2014/main" id="{B1328960-FE7F-5C2A-D2B4-8DA1CA5D8EB2}"/>
+                <p:cNvPr id="68" name="Mürekkep 67">
+                  <a:extLst>
+                    <a:ext uri="{FF2B5EF4-FFF2-40B4-BE49-F238E27FC236}">
+                      <a16:creationId xmlns:a16="http://schemas.microsoft.com/office/drawing/2014/main" id="{6020FBBF-E2C2-4727-FCD7-27ADDC8D44DD}"/>
                     </a:ext>
                   </a:extLst>
                 </p:cNvPr>
@@ -7084,15 +10856,15 @@
                 <p:nvPr/>
               </p:nvPicPr>
               <p:blipFill>
-                <a:blip r:embed="rId67"/>
+                <a:blip r:embed="rId89"/>
                 <a:stretch>
                   <a:fillRect/>
                 </a:stretch>
               </p:blipFill>
               <p:spPr>
                 <a:xfrm>
-                  <a:off x="8226231" y="3475558"/>
-                  <a:ext cx="144360" cy="190800"/>
+                  <a:off x="7390543" y="3732705"/>
+                  <a:ext cx="12600" cy="101880"/>
                 </a:xfrm>
                 <a:prstGeom prst="rect">
                   <a:avLst/>
@@ -7101,14 +10873,14 @@
             </p:pic>
           </mc:Fallback>
         </mc:AlternateContent>
-        <mc:AlternateContent xmlns:mc="http://schemas.openxmlformats.org/markup-compatibility/2006" xmlns:p14="http://schemas.microsoft.com/office/powerpoint/2010/main" xmlns:aink="http://schemas.microsoft.com/office/drawing/2016/ink">
-          <mc:Choice Requires="p14 aink">
-            <p:contentPart p14:bwMode="auto" r:id="rId68">
+        <mc:AlternateContent xmlns:mc="http://schemas.openxmlformats.org/markup-compatibility/2006" xmlns:p14="http://schemas.microsoft.com/office/powerpoint/2010/main">
+          <mc:Choice Requires="p14">
+            <p:contentPart p14:bwMode="auto" r:id="rId90">
               <p14:nvContentPartPr>
-                <p14:cNvPr id="54" name="Mürekkep 53">
-                  <a:extLst>
-                    <a:ext uri="{FF2B5EF4-FFF2-40B4-BE49-F238E27FC236}">
-                      <a16:creationId xmlns:a16="http://schemas.microsoft.com/office/drawing/2014/main" id="{BF15AEBC-449B-3F0E-86A0-F11FE492118B}"/>
+                <p14:cNvPr id="69" name="Mürekkep 68">
+                  <a:extLst>
+                    <a:ext uri="{FF2B5EF4-FFF2-40B4-BE49-F238E27FC236}">
+                      <a16:creationId xmlns:a16="http://schemas.microsoft.com/office/drawing/2014/main" id="{8A965118-6716-366C-DFF8-7F012FFF3C93}"/>
                     </a:ext>
                   </a:extLst>
                 </p14:cNvPr>
@@ -7116,18 +10888,18 @@
                 <p14:nvPr/>
               </p14:nvContentPartPr>
               <p14:xfrm>
-                <a:off x="8292111" y="3217438"/>
-                <a:ext cx="195480" cy="430920"/>
+                <a:off x="7249063" y="3485745"/>
+                <a:ext cx="221040" cy="219240"/>
               </p14:xfrm>
             </p:contentPart>
           </mc:Choice>
           <mc:Fallback xmlns="">
             <p:pic>
               <p:nvPicPr>
-                <p:cNvPr id="54" name="Mürekkep 53">
-                  <a:extLst>
-                    <a:ext uri="{FF2B5EF4-FFF2-40B4-BE49-F238E27FC236}">
-                      <a16:creationId xmlns:a16="http://schemas.microsoft.com/office/drawing/2014/main" id="{BF15AEBC-449B-3F0E-86A0-F11FE492118B}"/>
+                <p:cNvPr id="69" name="Mürekkep 68">
+                  <a:extLst>
+                    <a:ext uri="{FF2B5EF4-FFF2-40B4-BE49-F238E27FC236}">
+                      <a16:creationId xmlns:a16="http://schemas.microsoft.com/office/drawing/2014/main" id="{8A965118-6716-366C-DFF8-7F012FFF3C93}"/>
                     </a:ext>
                   </a:extLst>
                 </p:cNvPr>
@@ -7135,15 +10907,15 @@
                 <p:nvPr/>
               </p:nvPicPr>
               <p:blipFill>
-                <a:blip r:embed="rId69"/>
+                <a:blip r:embed="rId91"/>
                 <a:stretch>
                   <a:fillRect/>
                 </a:stretch>
               </p:blipFill>
               <p:spPr>
                 <a:xfrm>
-                  <a:off x="8283111" y="3208798"/>
-                  <a:ext cx="213120" cy="448560"/>
+                  <a:off x="7242943" y="3479625"/>
+                  <a:ext cx="233280" cy="231480"/>
                 </a:xfrm>
                 <a:prstGeom prst="rect">
                   <a:avLst/>
@@ -7152,14 +10924,14 @@
             </p:pic>
           </mc:Fallback>
         </mc:AlternateContent>
-        <mc:AlternateContent xmlns:mc="http://schemas.openxmlformats.org/markup-compatibility/2006" xmlns:p14="http://schemas.microsoft.com/office/powerpoint/2010/main" xmlns:aink="http://schemas.microsoft.com/office/drawing/2016/ink">
-          <mc:Choice Requires="p14 aink">
-            <p:contentPart p14:bwMode="auto" r:id="rId70">
+        <mc:AlternateContent xmlns:mc="http://schemas.openxmlformats.org/markup-compatibility/2006" xmlns:p14="http://schemas.microsoft.com/office/powerpoint/2010/main">
+          <mc:Choice Requires="p14">
+            <p:contentPart p14:bwMode="auto" r:id="rId92">
               <p14:nvContentPartPr>
-                <p14:cNvPr id="55" name="Mürekkep 54">
-                  <a:extLst>
-                    <a:ext uri="{FF2B5EF4-FFF2-40B4-BE49-F238E27FC236}">
-                      <a16:creationId xmlns:a16="http://schemas.microsoft.com/office/drawing/2014/main" id="{000C12D0-AC74-2C51-CB36-6A20467341B6}"/>
+                <p14:cNvPr id="62" name="Mürekkep 61">
+                  <a:extLst>
+                    <a:ext uri="{FF2B5EF4-FFF2-40B4-BE49-F238E27FC236}">
+                      <a16:creationId xmlns:a16="http://schemas.microsoft.com/office/drawing/2014/main" id="{B10CD04B-D94B-5C8B-E51F-414C343F3FE4}"/>
                     </a:ext>
                   </a:extLst>
                 </p14:cNvPr>
@@ -7167,18 +10939,18 @@
                 <p14:nvPr/>
               </p14:nvContentPartPr>
               <p14:xfrm>
-                <a:off x="8528991" y="3348118"/>
-                <a:ext cx="243360" cy="213480"/>
+                <a:off x="8157703" y="3829185"/>
+                <a:ext cx="27000" cy="154800"/>
               </p14:xfrm>
             </p:contentPart>
           </mc:Choice>
           <mc:Fallback xmlns="">
             <p:pic>
               <p:nvPicPr>
-                <p:cNvPr id="55" name="Mürekkep 54">
-                  <a:extLst>
-                    <a:ext uri="{FF2B5EF4-FFF2-40B4-BE49-F238E27FC236}">
-                      <a16:creationId xmlns:a16="http://schemas.microsoft.com/office/drawing/2014/main" id="{000C12D0-AC74-2C51-CB36-6A20467341B6}"/>
+                <p:cNvPr id="62" name="Mürekkep 61">
+                  <a:extLst>
+                    <a:ext uri="{FF2B5EF4-FFF2-40B4-BE49-F238E27FC236}">
+                      <a16:creationId xmlns:a16="http://schemas.microsoft.com/office/drawing/2014/main" id="{B10CD04B-D94B-5C8B-E51F-414C343F3FE4}"/>
                     </a:ext>
                   </a:extLst>
                 </p:cNvPr>
@@ -7186,15 +10958,5109 @@
                 <p:nvPr/>
               </p:nvPicPr>
               <p:blipFill>
-                <a:blip r:embed="rId71"/>
+                <a:blip r:embed="rId93"/>
                 <a:stretch>
                   <a:fillRect/>
                 </a:stretch>
               </p:blipFill>
               <p:spPr>
                 <a:xfrm>
-                  <a:off x="8519991" y="3339478"/>
-                  <a:ext cx="261000" cy="231120"/>
+                  <a:off x="8151583" y="3823065"/>
+                  <a:ext cx="39240" cy="167040"/>
+                </a:xfrm>
+                <a:prstGeom prst="rect">
+                  <a:avLst/>
+                </a:prstGeom>
+              </p:spPr>
+            </p:pic>
+          </mc:Fallback>
+        </mc:AlternateContent>
+        <mc:AlternateContent xmlns:mc="http://schemas.openxmlformats.org/markup-compatibility/2006" xmlns:p14="http://schemas.microsoft.com/office/powerpoint/2010/main">
+          <mc:Choice Requires="p14">
+            <p:contentPart p14:bwMode="auto" r:id="rId94">
+              <p14:nvContentPartPr>
+                <p14:cNvPr id="63" name="Mürekkep 62">
+                  <a:extLst>
+                    <a:ext uri="{FF2B5EF4-FFF2-40B4-BE49-F238E27FC236}">
+                      <a16:creationId xmlns:a16="http://schemas.microsoft.com/office/drawing/2014/main" id="{954CBAA4-D1CF-FB48-85DE-ADA82D7887C1}"/>
+                    </a:ext>
+                  </a:extLst>
+                </p14:cNvPr>
+                <p14:cNvContentPartPr/>
+                <p14:nvPr/>
+              </p14:nvContentPartPr>
+              <p14:xfrm>
+                <a:off x="8340943" y="3856545"/>
+                <a:ext cx="69840" cy="140040"/>
+              </p14:xfrm>
+            </p:contentPart>
+          </mc:Choice>
+          <mc:Fallback xmlns="">
+            <p:pic>
+              <p:nvPicPr>
+                <p:cNvPr id="63" name="Mürekkep 62">
+                  <a:extLst>
+                    <a:ext uri="{FF2B5EF4-FFF2-40B4-BE49-F238E27FC236}">
+                      <a16:creationId xmlns:a16="http://schemas.microsoft.com/office/drawing/2014/main" id="{954CBAA4-D1CF-FB48-85DE-ADA82D7887C1}"/>
+                    </a:ext>
+                  </a:extLst>
+                </p:cNvPr>
+                <p:cNvPicPr/>
+                <p:nvPr/>
+              </p:nvPicPr>
+              <p:blipFill>
+                <a:blip r:embed="rId95"/>
+                <a:stretch>
+                  <a:fillRect/>
+                </a:stretch>
+              </p:blipFill>
+              <p:spPr>
+                <a:xfrm>
+                  <a:off x="8334823" y="3850425"/>
+                  <a:ext cx="82080" cy="152280"/>
+                </a:xfrm>
+                <a:prstGeom prst="rect">
+                  <a:avLst/>
+                </a:prstGeom>
+              </p:spPr>
+            </p:pic>
+          </mc:Fallback>
+        </mc:AlternateContent>
+        <mc:AlternateContent xmlns:mc="http://schemas.openxmlformats.org/markup-compatibility/2006" xmlns:p14="http://schemas.microsoft.com/office/powerpoint/2010/main">
+          <mc:Choice Requires="p14">
+            <p:contentPart p14:bwMode="auto" r:id="rId96">
+              <p14:nvContentPartPr>
+                <p14:cNvPr id="64" name="Mürekkep 63">
+                  <a:extLst>
+                    <a:ext uri="{FF2B5EF4-FFF2-40B4-BE49-F238E27FC236}">
+                      <a16:creationId xmlns:a16="http://schemas.microsoft.com/office/drawing/2014/main" id="{3FBF347E-A972-84AB-422A-896B7A28BAE3}"/>
+                    </a:ext>
+                  </a:extLst>
+                </p14:cNvPr>
+                <p14:cNvContentPartPr/>
+                <p14:nvPr/>
+              </p14:nvContentPartPr>
+              <p14:xfrm>
+                <a:off x="8492143" y="3865545"/>
+                <a:ext cx="63360" cy="189720"/>
+              </p14:xfrm>
+            </p:contentPart>
+          </mc:Choice>
+          <mc:Fallback xmlns="">
+            <p:pic>
+              <p:nvPicPr>
+                <p:cNvPr id="64" name="Mürekkep 63">
+                  <a:extLst>
+                    <a:ext uri="{FF2B5EF4-FFF2-40B4-BE49-F238E27FC236}">
+                      <a16:creationId xmlns:a16="http://schemas.microsoft.com/office/drawing/2014/main" id="{3FBF347E-A972-84AB-422A-896B7A28BAE3}"/>
+                    </a:ext>
+                  </a:extLst>
+                </p:cNvPr>
+                <p:cNvPicPr/>
+                <p:nvPr/>
+              </p:nvPicPr>
+              <p:blipFill>
+                <a:blip r:embed="rId97"/>
+                <a:stretch>
+                  <a:fillRect/>
+                </a:stretch>
+              </p:blipFill>
+              <p:spPr>
+                <a:xfrm>
+                  <a:off x="8486023" y="3859425"/>
+                  <a:ext cx="75600" cy="201960"/>
+                </a:xfrm>
+                <a:prstGeom prst="rect">
+                  <a:avLst/>
+                </a:prstGeom>
+              </p:spPr>
+            </p:pic>
+          </mc:Fallback>
+        </mc:AlternateContent>
+        <mc:AlternateContent xmlns:mc="http://schemas.openxmlformats.org/markup-compatibility/2006" xmlns:p14="http://schemas.microsoft.com/office/powerpoint/2010/main">
+          <mc:Choice Requires="p14">
+            <p:contentPart p14:bwMode="auto" r:id="rId98">
+              <p14:nvContentPartPr>
+                <p14:cNvPr id="70" name="Mürekkep 69">
+                  <a:extLst>
+                    <a:ext uri="{FF2B5EF4-FFF2-40B4-BE49-F238E27FC236}">
+                      <a16:creationId xmlns:a16="http://schemas.microsoft.com/office/drawing/2014/main" id="{B9BCD59E-D319-A3EF-03A5-EBFA2C33FD0A}"/>
+                    </a:ext>
+                  </a:extLst>
+                </p14:cNvPr>
+                <p14:cNvContentPartPr/>
+                <p14:nvPr/>
+              </p14:nvContentPartPr>
+              <p14:xfrm>
+                <a:off x="8428423" y="3693465"/>
+                <a:ext cx="360" cy="117360"/>
+              </p14:xfrm>
+            </p:contentPart>
+          </mc:Choice>
+          <mc:Fallback xmlns="">
+            <p:pic>
+              <p:nvPicPr>
+                <p:cNvPr id="70" name="Mürekkep 69">
+                  <a:extLst>
+                    <a:ext uri="{FF2B5EF4-FFF2-40B4-BE49-F238E27FC236}">
+                      <a16:creationId xmlns:a16="http://schemas.microsoft.com/office/drawing/2014/main" id="{B9BCD59E-D319-A3EF-03A5-EBFA2C33FD0A}"/>
+                    </a:ext>
+                  </a:extLst>
+                </p:cNvPr>
+                <p:cNvPicPr/>
+                <p:nvPr/>
+              </p:nvPicPr>
+              <p:blipFill>
+                <a:blip r:embed="rId99"/>
+                <a:stretch>
+                  <a:fillRect/>
+                </a:stretch>
+              </p:blipFill>
+              <p:spPr>
+                <a:xfrm>
+                  <a:off x="8422303" y="3687345"/>
+                  <a:ext cx="12600" cy="129600"/>
+                </a:xfrm>
+                <a:prstGeom prst="rect">
+                  <a:avLst/>
+                </a:prstGeom>
+              </p:spPr>
+            </p:pic>
+          </mc:Fallback>
+        </mc:AlternateContent>
+        <mc:AlternateContent xmlns:mc="http://schemas.openxmlformats.org/markup-compatibility/2006" xmlns:p14="http://schemas.microsoft.com/office/powerpoint/2010/main">
+          <mc:Choice Requires="p14">
+            <p:contentPart p14:bwMode="auto" r:id="rId100">
+              <p14:nvContentPartPr>
+                <p14:cNvPr id="71" name="Mürekkep 70">
+                  <a:extLst>
+                    <a:ext uri="{FF2B5EF4-FFF2-40B4-BE49-F238E27FC236}">
+                      <a16:creationId xmlns:a16="http://schemas.microsoft.com/office/drawing/2014/main" id="{36401B13-7CD0-2992-959D-B1E3F76DDF4D}"/>
+                    </a:ext>
+                  </a:extLst>
+                </p14:cNvPr>
+                <p14:cNvContentPartPr/>
+                <p14:nvPr/>
+              </p14:nvContentPartPr>
+              <p14:xfrm>
+                <a:off x="8210623" y="3412305"/>
+                <a:ext cx="290880" cy="309600"/>
+              </p14:xfrm>
+            </p:contentPart>
+          </mc:Choice>
+          <mc:Fallback xmlns="">
+            <p:pic>
+              <p:nvPicPr>
+                <p:cNvPr id="71" name="Mürekkep 70">
+                  <a:extLst>
+                    <a:ext uri="{FF2B5EF4-FFF2-40B4-BE49-F238E27FC236}">
+                      <a16:creationId xmlns:a16="http://schemas.microsoft.com/office/drawing/2014/main" id="{36401B13-7CD0-2992-959D-B1E3F76DDF4D}"/>
+                    </a:ext>
+                  </a:extLst>
+                </p:cNvPr>
+                <p:cNvPicPr/>
+                <p:nvPr/>
+              </p:nvPicPr>
+              <p:blipFill>
+                <a:blip r:embed="rId101"/>
+                <a:stretch>
+                  <a:fillRect/>
+                </a:stretch>
+              </p:blipFill>
+              <p:spPr>
+                <a:xfrm>
+                  <a:off x="8204503" y="3406185"/>
+                  <a:ext cx="303120" cy="321840"/>
+                </a:xfrm>
+                <a:prstGeom prst="rect">
+                  <a:avLst/>
+                </a:prstGeom>
+              </p:spPr>
+            </p:pic>
+          </mc:Fallback>
+        </mc:AlternateContent>
+        <mc:AlternateContent xmlns:mc="http://schemas.openxmlformats.org/markup-compatibility/2006" xmlns:p14="http://schemas.microsoft.com/office/powerpoint/2010/main">
+          <mc:Choice Requires="p14">
+            <p:contentPart p14:bwMode="auto" r:id="rId102">
+              <p14:nvContentPartPr>
+                <p14:cNvPr id="78" name="Mürekkep 77">
+                  <a:extLst>
+                    <a:ext uri="{FF2B5EF4-FFF2-40B4-BE49-F238E27FC236}">
+                      <a16:creationId xmlns:a16="http://schemas.microsoft.com/office/drawing/2014/main" id="{31B8D242-6585-B25E-6848-28E18CFDED47}"/>
+                    </a:ext>
+                  </a:extLst>
+                </p14:cNvPr>
+                <p14:cNvContentPartPr/>
+                <p14:nvPr/>
+              </p14:nvContentPartPr>
+              <p14:xfrm>
+                <a:off x="7622743" y="4451265"/>
+                <a:ext cx="42120" cy="138960"/>
+              </p14:xfrm>
+            </p:contentPart>
+          </mc:Choice>
+          <mc:Fallback xmlns="">
+            <p:pic>
+              <p:nvPicPr>
+                <p:cNvPr id="78" name="Mürekkep 77">
+                  <a:extLst>
+                    <a:ext uri="{FF2B5EF4-FFF2-40B4-BE49-F238E27FC236}">
+                      <a16:creationId xmlns:a16="http://schemas.microsoft.com/office/drawing/2014/main" id="{31B8D242-6585-B25E-6848-28E18CFDED47}"/>
+                    </a:ext>
+                  </a:extLst>
+                </p:cNvPr>
+                <p:cNvPicPr/>
+                <p:nvPr/>
+              </p:nvPicPr>
+              <p:blipFill>
+                <a:blip r:embed="rId103"/>
+                <a:stretch>
+                  <a:fillRect/>
+                </a:stretch>
+              </p:blipFill>
+              <p:spPr>
+                <a:xfrm>
+                  <a:off x="7616623" y="4445145"/>
+                  <a:ext cx="54360" cy="151200"/>
+                </a:xfrm>
+                <a:prstGeom prst="rect">
+                  <a:avLst/>
+                </a:prstGeom>
+              </p:spPr>
+            </p:pic>
+          </mc:Fallback>
+        </mc:AlternateContent>
+        <mc:AlternateContent xmlns:mc="http://schemas.openxmlformats.org/markup-compatibility/2006" xmlns:p14="http://schemas.microsoft.com/office/powerpoint/2010/main">
+          <mc:Choice Requires="p14">
+            <p:contentPart p14:bwMode="auto" r:id="rId104">
+              <p14:nvContentPartPr>
+                <p14:cNvPr id="79" name="Mürekkep 78">
+                  <a:extLst>
+                    <a:ext uri="{FF2B5EF4-FFF2-40B4-BE49-F238E27FC236}">
+                      <a16:creationId xmlns:a16="http://schemas.microsoft.com/office/drawing/2014/main" id="{53D405AA-2F80-7374-F5BD-44C104BDC654}"/>
+                    </a:ext>
+                  </a:extLst>
+                </p14:cNvPr>
+                <p14:cNvContentPartPr/>
+                <p14:nvPr/>
+              </p14:nvContentPartPr>
+              <p14:xfrm>
+                <a:off x="7667743" y="4444785"/>
+                <a:ext cx="114840" cy="237960"/>
+              </p14:xfrm>
+            </p:contentPart>
+          </mc:Choice>
+          <mc:Fallback xmlns="">
+            <p:pic>
+              <p:nvPicPr>
+                <p:cNvPr id="79" name="Mürekkep 78">
+                  <a:extLst>
+                    <a:ext uri="{FF2B5EF4-FFF2-40B4-BE49-F238E27FC236}">
+                      <a16:creationId xmlns:a16="http://schemas.microsoft.com/office/drawing/2014/main" id="{53D405AA-2F80-7374-F5BD-44C104BDC654}"/>
+                    </a:ext>
+                  </a:extLst>
+                </p:cNvPr>
+                <p:cNvPicPr/>
+                <p:nvPr/>
+              </p:nvPicPr>
+              <p:blipFill>
+                <a:blip r:embed="rId105"/>
+                <a:stretch>
+                  <a:fillRect/>
+                </a:stretch>
+              </p:blipFill>
+              <p:spPr>
+                <a:xfrm>
+                  <a:off x="7661623" y="4438665"/>
+                  <a:ext cx="127080" cy="250200"/>
+                </a:xfrm>
+                <a:prstGeom prst="rect">
+                  <a:avLst/>
+                </a:prstGeom>
+              </p:spPr>
+            </p:pic>
+          </mc:Fallback>
+        </mc:AlternateContent>
+        <mc:AlternateContent xmlns:mc="http://schemas.openxmlformats.org/markup-compatibility/2006" xmlns:p14="http://schemas.microsoft.com/office/powerpoint/2010/main">
+          <mc:Choice Requires="p14">
+            <p:contentPart p14:bwMode="auto" r:id="rId106">
+              <p14:nvContentPartPr>
+                <p14:cNvPr id="83" name="Mürekkep 82">
+                  <a:extLst>
+                    <a:ext uri="{FF2B5EF4-FFF2-40B4-BE49-F238E27FC236}">
+                      <a16:creationId xmlns:a16="http://schemas.microsoft.com/office/drawing/2014/main" id="{F193E783-9BA2-46CB-371E-0211FC95321B}"/>
+                    </a:ext>
+                  </a:extLst>
+                </p14:cNvPr>
+                <p14:cNvContentPartPr/>
+                <p14:nvPr/>
+              </p14:nvContentPartPr>
+              <p14:xfrm>
+                <a:off x="7016143" y="4490145"/>
+                <a:ext cx="91080" cy="149760"/>
+              </p14:xfrm>
+            </p:contentPart>
+          </mc:Choice>
+          <mc:Fallback xmlns="">
+            <p:pic>
+              <p:nvPicPr>
+                <p:cNvPr id="83" name="Mürekkep 82">
+                  <a:extLst>
+                    <a:ext uri="{FF2B5EF4-FFF2-40B4-BE49-F238E27FC236}">
+                      <a16:creationId xmlns:a16="http://schemas.microsoft.com/office/drawing/2014/main" id="{F193E783-9BA2-46CB-371E-0211FC95321B}"/>
+                    </a:ext>
+                  </a:extLst>
+                </p:cNvPr>
+                <p:cNvPicPr/>
+                <p:nvPr/>
+              </p:nvPicPr>
+              <p:blipFill>
+                <a:blip r:embed="rId107"/>
+                <a:stretch>
+                  <a:fillRect/>
+                </a:stretch>
+              </p:blipFill>
+              <p:spPr>
+                <a:xfrm>
+                  <a:off x="7010023" y="4484025"/>
+                  <a:ext cx="103320" cy="162000"/>
+                </a:xfrm>
+                <a:prstGeom prst="rect">
+                  <a:avLst/>
+                </a:prstGeom>
+              </p:spPr>
+            </p:pic>
+          </mc:Fallback>
+        </mc:AlternateContent>
+        <mc:AlternateContent xmlns:mc="http://schemas.openxmlformats.org/markup-compatibility/2006" xmlns:p14="http://schemas.microsoft.com/office/powerpoint/2010/main">
+          <mc:Choice Requires="p14">
+            <p:contentPart p14:bwMode="auto" r:id="rId108">
+              <p14:nvContentPartPr>
+                <p14:cNvPr id="84" name="Mürekkep 83">
+                  <a:extLst>
+                    <a:ext uri="{FF2B5EF4-FFF2-40B4-BE49-F238E27FC236}">
+                      <a16:creationId xmlns:a16="http://schemas.microsoft.com/office/drawing/2014/main" id="{5EEF9AA6-AFAB-45CD-FD0D-73A9DE462BA0}"/>
+                    </a:ext>
+                  </a:extLst>
+                </p14:cNvPr>
+                <p14:cNvContentPartPr/>
+                <p14:nvPr/>
+              </p14:nvContentPartPr>
+              <p14:xfrm>
+                <a:off x="7016143" y="4644225"/>
+                <a:ext cx="230400" cy="68040"/>
+              </p14:xfrm>
+            </p:contentPart>
+          </mc:Choice>
+          <mc:Fallback xmlns="">
+            <p:pic>
+              <p:nvPicPr>
+                <p:cNvPr id="84" name="Mürekkep 83">
+                  <a:extLst>
+                    <a:ext uri="{FF2B5EF4-FFF2-40B4-BE49-F238E27FC236}">
+                      <a16:creationId xmlns:a16="http://schemas.microsoft.com/office/drawing/2014/main" id="{5EEF9AA6-AFAB-45CD-FD0D-73A9DE462BA0}"/>
+                    </a:ext>
+                  </a:extLst>
+                </p:cNvPr>
+                <p:cNvPicPr/>
+                <p:nvPr/>
+              </p:nvPicPr>
+              <p:blipFill>
+                <a:blip r:embed="rId109"/>
+                <a:stretch>
+                  <a:fillRect/>
+                </a:stretch>
+              </p:blipFill>
+              <p:spPr>
+                <a:xfrm>
+                  <a:off x="7010023" y="4638105"/>
+                  <a:ext cx="242640" cy="80280"/>
+                </a:xfrm>
+                <a:prstGeom prst="rect">
+                  <a:avLst/>
+                </a:prstGeom>
+              </p:spPr>
+            </p:pic>
+          </mc:Fallback>
+        </mc:AlternateContent>
+        <mc:AlternateContent xmlns:mc="http://schemas.openxmlformats.org/markup-compatibility/2006" xmlns:p14="http://schemas.microsoft.com/office/powerpoint/2010/main">
+          <mc:Choice Requires="p14">
+            <p:contentPart p14:bwMode="auto" r:id="rId110">
+              <p14:nvContentPartPr>
+                <p14:cNvPr id="88" name="Mürekkep 87">
+                  <a:extLst>
+                    <a:ext uri="{FF2B5EF4-FFF2-40B4-BE49-F238E27FC236}">
+                      <a16:creationId xmlns:a16="http://schemas.microsoft.com/office/drawing/2014/main" id="{55056F6E-7A35-FA16-E10C-C93E5E6B87EA}"/>
+                    </a:ext>
+                  </a:extLst>
+                </p14:cNvPr>
+                <p14:cNvContentPartPr/>
+                <p14:nvPr/>
+              </p14:nvContentPartPr>
+              <p14:xfrm>
+                <a:off x="7174543" y="4169745"/>
+                <a:ext cx="213120" cy="257400"/>
+              </p14:xfrm>
+            </p:contentPart>
+          </mc:Choice>
+          <mc:Fallback xmlns="">
+            <p:pic>
+              <p:nvPicPr>
+                <p:cNvPr id="88" name="Mürekkep 87">
+                  <a:extLst>
+                    <a:ext uri="{FF2B5EF4-FFF2-40B4-BE49-F238E27FC236}">
+                      <a16:creationId xmlns:a16="http://schemas.microsoft.com/office/drawing/2014/main" id="{55056F6E-7A35-FA16-E10C-C93E5E6B87EA}"/>
+                    </a:ext>
+                  </a:extLst>
+                </p:cNvPr>
+                <p:cNvPicPr/>
+                <p:nvPr/>
+              </p:nvPicPr>
+              <p:blipFill>
+                <a:blip r:embed="rId111"/>
+                <a:stretch>
+                  <a:fillRect/>
+                </a:stretch>
+              </p:blipFill>
+              <p:spPr>
+                <a:xfrm>
+                  <a:off x="7168423" y="4163625"/>
+                  <a:ext cx="225360" cy="269640"/>
+                </a:xfrm>
+                <a:prstGeom prst="rect">
+                  <a:avLst/>
+                </a:prstGeom>
+              </p:spPr>
+            </p:pic>
+          </mc:Fallback>
+        </mc:AlternateContent>
+        <mc:AlternateContent xmlns:mc="http://schemas.openxmlformats.org/markup-compatibility/2006" xmlns:p14="http://schemas.microsoft.com/office/powerpoint/2010/main">
+          <mc:Choice Requires="p14">
+            <p:contentPart p14:bwMode="auto" r:id="rId112">
+              <p14:nvContentPartPr>
+                <p14:cNvPr id="89" name="Mürekkep 88">
+                  <a:extLst>
+                    <a:ext uri="{FF2B5EF4-FFF2-40B4-BE49-F238E27FC236}">
+                      <a16:creationId xmlns:a16="http://schemas.microsoft.com/office/drawing/2014/main" id="{325E7F30-3765-3F23-1AB9-6E671A3C7A84}"/>
+                    </a:ext>
+                  </a:extLst>
+                </p14:cNvPr>
+                <p14:cNvContentPartPr/>
+                <p14:nvPr/>
+              </p14:nvContentPartPr>
+              <p14:xfrm>
+                <a:off x="6454183" y="4063545"/>
+                <a:ext cx="499320" cy="436680"/>
+              </p14:xfrm>
+            </p:contentPart>
+          </mc:Choice>
+          <mc:Fallback xmlns="">
+            <p:pic>
+              <p:nvPicPr>
+                <p:cNvPr id="89" name="Mürekkep 88">
+                  <a:extLst>
+                    <a:ext uri="{FF2B5EF4-FFF2-40B4-BE49-F238E27FC236}">
+                      <a16:creationId xmlns:a16="http://schemas.microsoft.com/office/drawing/2014/main" id="{325E7F30-3765-3F23-1AB9-6E671A3C7A84}"/>
+                    </a:ext>
+                  </a:extLst>
+                </p:cNvPr>
+                <p:cNvPicPr/>
+                <p:nvPr/>
+              </p:nvPicPr>
+              <p:blipFill>
+                <a:blip r:embed="rId113"/>
+                <a:stretch>
+                  <a:fillRect/>
+                </a:stretch>
+              </p:blipFill>
+              <p:spPr>
+                <a:xfrm>
+                  <a:off x="6448063" y="4057425"/>
+                  <a:ext cx="511560" cy="448920"/>
+                </a:xfrm>
+                <a:prstGeom prst="rect">
+                  <a:avLst/>
+                </a:prstGeom>
+              </p:spPr>
+            </p:pic>
+          </mc:Fallback>
+        </mc:AlternateContent>
+        <mc:AlternateContent xmlns:mc="http://schemas.openxmlformats.org/markup-compatibility/2006" xmlns:p14="http://schemas.microsoft.com/office/powerpoint/2010/main">
+          <mc:Choice Requires="p14">
+            <p:contentPart p14:bwMode="auto" r:id="rId114">
+              <p14:nvContentPartPr>
+                <p14:cNvPr id="90" name="Mürekkep 89">
+                  <a:extLst>
+                    <a:ext uri="{FF2B5EF4-FFF2-40B4-BE49-F238E27FC236}">
+                      <a16:creationId xmlns:a16="http://schemas.microsoft.com/office/drawing/2014/main" id="{B962BD72-8883-96C2-402A-E6925A7E5291}"/>
+                    </a:ext>
+                  </a:extLst>
+                </p14:cNvPr>
+                <p14:cNvContentPartPr/>
+                <p14:nvPr/>
+              </p14:nvContentPartPr>
+              <p14:xfrm>
+                <a:off x="5679103" y="4144185"/>
+                <a:ext cx="1174320" cy="546480"/>
+              </p14:xfrm>
+            </p:contentPart>
+          </mc:Choice>
+          <mc:Fallback xmlns="">
+            <p:pic>
+              <p:nvPicPr>
+                <p:cNvPr id="90" name="Mürekkep 89">
+                  <a:extLst>
+                    <a:ext uri="{FF2B5EF4-FFF2-40B4-BE49-F238E27FC236}">
+                      <a16:creationId xmlns:a16="http://schemas.microsoft.com/office/drawing/2014/main" id="{B962BD72-8883-96C2-402A-E6925A7E5291}"/>
+                    </a:ext>
+                  </a:extLst>
+                </p:cNvPr>
+                <p:cNvPicPr/>
+                <p:nvPr/>
+              </p:nvPicPr>
+              <p:blipFill>
+                <a:blip r:embed="rId115"/>
+                <a:stretch>
+                  <a:fillRect/>
+                </a:stretch>
+              </p:blipFill>
+              <p:spPr>
+                <a:xfrm>
+                  <a:off x="5672983" y="4138065"/>
+                  <a:ext cx="1186560" cy="558720"/>
+                </a:xfrm>
+                <a:prstGeom prst="rect">
+                  <a:avLst/>
+                </a:prstGeom>
+              </p:spPr>
+            </p:pic>
+          </mc:Fallback>
+        </mc:AlternateContent>
+        <mc:AlternateContent xmlns:mc="http://schemas.openxmlformats.org/markup-compatibility/2006" xmlns:p14="http://schemas.microsoft.com/office/powerpoint/2010/main">
+          <mc:Choice Requires="p14">
+            <p:contentPart p14:bwMode="auto" r:id="rId116">
+              <p14:nvContentPartPr>
+                <p14:cNvPr id="91" name="Mürekkep 90">
+                  <a:extLst>
+                    <a:ext uri="{FF2B5EF4-FFF2-40B4-BE49-F238E27FC236}">
+                      <a16:creationId xmlns:a16="http://schemas.microsoft.com/office/drawing/2014/main" id="{38A24DD9-5631-070B-BDC4-C5F8BC144D4F}"/>
+                    </a:ext>
+                  </a:extLst>
+                </p14:cNvPr>
+                <p14:cNvContentPartPr/>
+                <p14:nvPr/>
+              </p14:nvContentPartPr>
+              <p14:xfrm>
+                <a:off x="5117863" y="4008105"/>
+                <a:ext cx="920880" cy="627840"/>
+              </p14:xfrm>
+            </p:contentPart>
+          </mc:Choice>
+          <mc:Fallback xmlns="">
+            <p:pic>
+              <p:nvPicPr>
+                <p:cNvPr id="91" name="Mürekkep 90">
+                  <a:extLst>
+                    <a:ext uri="{FF2B5EF4-FFF2-40B4-BE49-F238E27FC236}">
+                      <a16:creationId xmlns:a16="http://schemas.microsoft.com/office/drawing/2014/main" id="{38A24DD9-5631-070B-BDC4-C5F8BC144D4F}"/>
+                    </a:ext>
+                  </a:extLst>
+                </p:cNvPr>
+                <p:cNvPicPr/>
+                <p:nvPr/>
+              </p:nvPicPr>
+              <p:blipFill>
+                <a:blip r:embed="rId117"/>
+                <a:stretch>
+                  <a:fillRect/>
+                </a:stretch>
+              </p:blipFill>
+              <p:spPr>
+                <a:xfrm>
+                  <a:off x="5111743" y="4001985"/>
+                  <a:ext cx="933120" cy="640080"/>
+                </a:xfrm>
+                <a:prstGeom prst="rect">
+                  <a:avLst/>
+                </a:prstGeom>
+              </p:spPr>
+            </p:pic>
+          </mc:Fallback>
+        </mc:AlternateContent>
+        <mc:AlternateContent xmlns:mc="http://schemas.openxmlformats.org/markup-compatibility/2006" xmlns:p14="http://schemas.microsoft.com/office/powerpoint/2010/main">
+          <mc:Choice Requires="p14">
+            <p:contentPart p14:bwMode="auto" r:id="rId118">
+              <p14:nvContentPartPr>
+                <p14:cNvPr id="92" name="Mürekkep 91">
+                  <a:extLst>
+                    <a:ext uri="{FF2B5EF4-FFF2-40B4-BE49-F238E27FC236}">
+                      <a16:creationId xmlns:a16="http://schemas.microsoft.com/office/drawing/2014/main" id="{AF568C4F-53B7-F7BD-0B29-8CC27C4D7B58}"/>
+                    </a:ext>
+                  </a:extLst>
+                </p14:cNvPr>
+                <p14:cNvContentPartPr/>
+                <p14:nvPr/>
+              </p14:nvContentPartPr>
+              <p14:xfrm>
+                <a:off x="4766503" y="4343265"/>
+                <a:ext cx="828720" cy="366840"/>
+              </p14:xfrm>
+            </p:contentPart>
+          </mc:Choice>
+          <mc:Fallback xmlns="">
+            <p:pic>
+              <p:nvPicPr>
+                <p:cNvPr id="92" name="Mürekkep 91">
+                  <a:extLst>
+                    <a:ext uri="{FF2B5EF4-FFF2-40B4-BE49-F238E27FC236}">
+                      <a16:creationId xmlns:a16="http://schemas.microsoft.com/office/drawing/2014/main" id="{AF568C4F-53B7-F7BD-0B29-8CC27C4D7B58}"/>
+                    </a:ext>
+                  </a:extLst>
+                </p:cNvPr>
+                <p:cNvPicPr/>
+                <p:nvPr/>
+              </p:nvPicPr>
+              <p:blipFill>
+                <a:blip r:embed="rId119"/>
+                <a:stretch>
+                  <a:fillRect/>
+                </a:stretch>
+              </p:blipFill>
+              <p:spPr>
+                <a:xfrm>
+                  <a:off x="4760383" y="4337145"/>
+                  <a:ext cx="840960" cy="379080"/>
+                </a:xfrm>
+                <a:prstGeom prst="rect">
+                  <a:avLst/>
+                </a:prstGeom>
+              </p:spPr>
+            </p:pic>
+          </mc:Fallback>
+        </mc:AlternateContent>
+      </p:grpSp>
+      <mc:AlternateContent xmlns:mc="http://schemas.openxmlformats.org/markup-compatibility/2006" xmlns:p14="http://schemas.microsoft.com/office/powerpoint/2010/main">
+        <mc:Choice Requires="p14">
+          <p:contentPart p14:bwMode="auto" r:id="rId120">
+            <p14:nvContentPartPr>
+              <p14:cNvPr id="95" name="Mürekkep 94">
+                <a:extLst>
+                  <a:ext uri="{FF2B5EF4-FFF2-40B4-BE49-F238E27FC236}">
+                    <a16:creationId xmlns:a16="http://schemas.microsoft.com/office/drawing/2014/main" id="{A1CEC823-34B3-2FC7-7901-4B0B90D711E3}"/>
+                  </a:ext>
+                </a:extLst>
+              </p14:cNvPr>
+              <p14:cNvContentPartPr/>
+              <p14:nvPr/>
+            </p14:nvContentPartPr>
+            <p14:xfrm>
+              <a:off x="10039783" y="4263705"/>
+              <a:ext cx="99720" cy="236160"/>
+            </p14:xfrm>
+          </p:contentPart>
+        </mc:Choice>
+        <mc:Fallback xmlns="">
+          <p:pic>
+            <p:nvPicPr>
+              <p:cNvPr id="95" name="Mürekkep 94">
+                <a:extLst>
+                  <a:ext uri="{FF2B5EF4-FFF2-40B4-BE49-F238E27FC236}">
+                    <a16:creationId xmlns:a16="http://schemas.microsoft.com/office/drawing/2014/main" id="{A1CEC823-34B3-2FC7-7901-4B0B90D711E3}"/>
+                  </a:ext>
+                </a:extLst>
+              </p:cNvPr>
+              <p:cNvPicPr/>
+              <p:nvPr/>
+            </p:nvPicPr>
+            <p:blipFill>
+              <a:blip r:embed="rId121"/>
+              <a:stretch>
+                <a:fillRect/>
+              </a:stretch>
+            </p:blipFill>
+            <p:spPr>
+              <a:xfrm>
+                <a:off x="10033663" y="4257585"/>
+                <a:ext cx="111960" cy="248400"/>
+              </a:xfrm>
+              <a:prstGeom prst="rect">
+                <a:avLst/>
+              </a:prstGeom>
+            </p:spPr>
+          </p:pic>
+        </mc:Fallback>
+      </mc:AlternateContent>
+      <mc:AlternateContent xmlns:mc="http://schemas.openxmlformats.org/markup-compatibility/2006" xmlns:p14="http://schemas.microsoft.com/office/powerpoint/2010/main">
+        <mc:Choice Requires="p14">
+          <p:contentPart p14:bwMode="auto" r:id="rId122">
+            <p14:nvContentPartPr>
+              <p14:cNvPr id="100" name="Mürekkep 99">
+                <a:extLst>
+                  <a:ext uri="{FF2B5EF4-FFF2-40B4-BE49-F238E27FC236}">
+                    <a16:creationId xmlns:a16="http://schemas.microsoft.com/office/drawing/2014/main" id="{BA274F08-FC99-2927-E8BE-3549CBD620C1}"/>
+                  </a:ext>
+                </a:extLst>
+              </p14:cNvPr>
+              <p14:cNvContentPartPr/>
+              <p14:nvPr/>
+            </p14:nvContentPartPr>
+            <p14:xfrm>
+              <a:off x="10257223" y="4462785"/>
+              <a:ext cx="109080" cy="226800"/>
+            </p14:xfrm>
+          </p:contentPart>
+        </mc:Choice>
+        <mc:Fallback xmlns="">
+          <p:pic>
+            <p:nvPicPr>
+              <p:cNvPr id="100" name="Mürekkep 99">
+                <a:extLst>
+                  <a:ext uri="{FF2B5EF4-FFF2-40B4-BE49-F238E27FC236}">
+                    <a16:creationId xmlns:a16="http://schemas.microsoft.com/office/drawing/2014/main" id="{BA274F08-FC99-2927-E8BE-3549CBD620C1}"/>
+                  </a:ext>
+                </a:extLst>
+              </p:cNvPr>
+              <p:cNvPicPr/>
+              <p:nvPr/>
+            </p:nvPicPr>
+            <p:blipFill>
+              <a:blip r:embed="rId123"/>
+              <a:stretch>
+                <a:fillRect/>
+              </a:stretch>
+            </p:blipFill>
+            <p:spPr>
+              <a:xfrm>
+                <a:off x="10251103" y="4456665"/>
+                <a:ext cx="121320" cy="239040"/>
+              </a:xfrm>
+              <a:prstGeom prst="rect">
+                <a:avLst/>
+              </a:prstGeom>
+            </p:spPr>
+          </p:pic>
+        </mc:Fallback>
+      </mc:AlternateContent>
+      <mc:AlternateContent xmlns:mc="http://schemas.openxmlformats.org/markup-compatibility/2006" xmlns:p14="http://schemas.microsoft.com/office/powerpoint/2010/main">
+        <mc:Choice Requires="p14">
+          <p:contentPart p14:bwMode="auto" r:id="rId124">
+            <p14:nvContentPartPr>
+              <p14:cNvPr id="102" name="Mürekkep 101">
+                <a:extLst>
+                  <a:ext uri="{FF2B5EF4-FFF2-40B4-BE49-F238E27FC236}">
+                    <a16:creationId xmlns:a16="http://schemas.microsoft.com/office/drawing/2014/main" id="{689F92DE-C38E-C6C6-1E0A-DD30DA909753}"/>
+                  </a:ext>
+                </a:extLst>
+              </p14:cNvPr>
+              <p14:cNvContentPartPr/>
+              <p14:nvPr/>
+            </p14:nvContentPartPr>
+            <p14:xfrm>
+              <a:off x="10139503" y="3729465"/>
+              <a:ext cx="36720" cy="525240"/>
+            </p14:xfrm>
+          </p:contentPart>
+        </mc:Choice>
+        <mc:Fallback xmlns="">
+          <p:pic>
+            <p:nvPicPr>
+              <p:cNvPr id="102" name="Mürekkep 101">
+                <a:extLst>
+                  <a:ext uri="{FF2B5EF4-FFF2-40B4-BE49-F238E27FC236}">
+                    <a16:creationId xmlns:a16="http://schemas.microsoft.com/office/drawing/2014/main" id="{689F92DE-C38E-C6C6-1E0A-DD30DA909753}"/>
+                  </a:ext>
+                </a:extLst>
+              </p:cNvPr>
+              <p:cNvPicPr/>
+              <p:nvPr/>
+            </p:nvPicPr>
+            <p:blipFill>
+              <a:blip r:embed="rId125"/>
+              <a:stretch>
+                <a:fillRect/>
+              </a:stretch>
+            </p:blipFill>
+            <p:spPr>
+              <a:xfrm>
+                <a:off x="10133383" y="3723345"/>
+                <a:ext cx="48960" cy="537480"/>
+              </a:xfrm>
+              <a:prstGeom prst="rect">
+                <a:avLst/>
+              </a:prstGeom>
+            </p:spPr>
+          </p:pic>
+        </mc:Fallback>
+      </mc:AlternateContent>
+      <p:grpSp>
+        <p:nvGrpSpPr>
+          <p:cNvPr id="110" name="Grup 109">
+            <a:extLst>
+              <a:ext uri="{FF2B5EF4-FFF2-40B4-BE49-F238E27FC236}">
+                <a16:creationId xmlns:a16="http://schemas.microsoft.com/office/drawing/2014/main" id="{EBFA79EB-16D0-9084-9CCD-0E8FE0F97DAD}"/>
+              </a:ext>
+            </a:extLst>
+          </p:cNvPr>
+          <p:cNvGrpSpPr/>
+          <p:nvPr/>
+        </p:nvGrpSpPr>
+        <p:grpSpPr>
+          <a:xfrm>
+            <a:off x="9672223" y="3357945"/>
+            <a:ext cx="824400" cy="1132560"/>
+            <a:chOff x="9672223" y="3357945"/>
+            <a:chExt cx="824400" cy="1132560"/>
+          </a:xfrm>
+        </p:grpSpPr>
+        <mc:AlternateContent xmlns:mc="http://schemas.openxmlformats.org/markup-compatibility/2006" xmlns:p14="http://schemas.microsoft.com/office/powerpoint/2010/main">
+          <mc:Choice Requires="p14">
+            <p:contentPart p14:bwMode="auto" r:id="rId126">
+              <p14:nvContentPartPr>
+                <p14:cNvPr id="96" name="Mürekkep 95">
+                  <a:extLst>
+                    <a:ext uri="{FF2B5EF4-FFF2-40B4-BE49-F238E27FC236}">
+                      <a16:creationId xmlns:a16="http://schemas.microsoft.com/office/drawing/2014/main" id="{96D18E48-7819-24AC-15E5-1EB4EC79A2CF}"/>
+                    </a:ext>
+                  </a:extLst>
+                </p14:cNvPr>
+                <p14:cNvContentPartPr/>
+                <p14:nvPr/>
+              </p14:nvContentPartPr>
+              <p14:xfrm>
+                <a:off x="9672223" y="4324905"/>
+                <a:ext cx="359280" cy="165600"/>
+              </p14:xfrm>
+            </p:contentPart>
+          </mc:Choice>
+          <mc:Fallback xmlns="">
+            <p:pic>
+              <p:nvPicPr>
+                <p:cNvPr id="96" name="Mürekkep 95">
+                  <a:extLst>
+                    <a:ext uri="{FF2B5EF4-FFF2-40B4-BE49-F238E27FC236}">
+                      <a16:creationId xmlns:a16="http://schemas.microsoft.com/office/drawing/2014/main" id="{96D18E48-7819-24AC-15E5-1EB4EC79A2CF}"/>
+                    </a:ext>
+                  </a:extLst>
+                </p:cNvPr>
+                <p:cNvPicPr/>
+                <p:nvPr/>
+              </p:nvPicPr>
+              <p:blipFill>
+                <a:blip r:embed="rId127"/>
+                <a:stretch>
+                  <a:fillRect/>
+                </a:stretch>
+              </p:blipFill>
+              <p:spPr>
+                <a:xfrm>
+                  <a:off x="9666103" y="4318785"/>
+                  <a:ext cx="371520" cy="177840"/>
+                </a:xfrm>
+                <a:prstGeom prst="rect">
+                  <a:avLst/>
+                </a:prstGeom>
+              </p:spPr>
+            </p:pic>
+          </mc:Fallback>
+        </mc:AlternateContent>
+        <mc:AlternateContent xmlns:mc="http://schemas.openxmlformats.org/markup-compatibility/2006" xmlns:p14="http://schemas.microsoft.com/office/powerpoint/2010/main">
+          <mc:Choice Requires="p14">
+            <p:contentPart p14:bwMode="auto" r:id="rId128">
+              <p14:nvContentPartPr>
+                <p14:cNvPr id="97" name="Mürekkep 96">
+                  <a:extLst>
+                    <a:ext uri="{FF2B5EF4-FFF2-40B4-BE49-F238E27FC236}">
+                      <a16:creationId xmlns:a16="http://schemas.microsoft.com/office/drawing/2014/main" id="{0E44F84D-1014-9A23-D837-0C1181D0D269}"/>
+                    </a:ext>
+                  </a:extLst>
+                </p14:cNvPr>
+                <p14:cNvContentPartPr/>
+                <p14:nvPr/>
+              </p14:nvContentPartPr>
+              <p14:xfrm>
+                <a:off x="10157503" y="4273065"/>
+                <a:ext cx="201960" cy="186840"/>
+              </p14:xfrm>
+            </p:contentPart>
+          </mc:Choice>
+          <mc:Fallback xmlns="">
+            <p:pic>
+              <p:nvPicPr>
+                <p:cNvPr id="97" name="Mürekkep 96">
+                  <a:extLst>
+                    <a:ext uri="{FF2B5EF4-FFF2-40B4-BE49-F238E27FC236}">
+                      <a16:creationId xmlns:a16="http://schemas.microsoft.com/office/drawing/2014/main" id="{0E44F84D-1014-9A23-D837-0C1181D0D269}"/>
+                    </a:ext>
+                  </a:extLst>
+                </p:cNvPr>
+                <p:cNvPicPr/>
+                <p:nvPr/>
+              </p:nvPicPr>
+              <p:blipFill>
+                <a:blip r:embed="rId129"/>
+                <a:stretch>
+                  <a:fillRect/>
+                </a:stretch>
+              </p:blipFill>
+              <p:spPr>
+                <a:xfrm>
+                  <a:off x="10151383" y="4266945"/>
+                  <a:ext cx="214200" cy="199080"/>
+                </a:xfrm>
+                <a:prstGeom prst="rect">
+                  <a:avLst/>
+                </a:prstGeom>
+              </p:spPr>
+            </p:pic>
+          </mc:Fallback>
+        </mc:AlternateContent>
+        <mc:AlternateContent xmlns:mc="http://schemas.openxmlformats.org/markup-compatibility/2006" xmlns:p14="http://schemas.microsoft.com/office/powerpoint/2010/main">
+          <mc:Choice Requires="p14">
+            <p:contentPart p14:bwMode="auto" r:id="rId130">
+              <p14:nvContentPartPr>
+                <p14:cNvPr id="103" name="Mürekkep 102">
+                  <a:extLst>
+                    <a:ext uri="{FF2B5EF4-FFF2-40B4-BE49-F238E27FC236}">
+                      <a16:creationId xmlns:a16="http://schemas.microsoft.com/office/drawing/2014/main" id="{AC621D22-F92D-713C-A900-346328048488}"/>
+                    </a:ext>
+                  </a:extLst>
+                </p14:cNvPr>
+                <p14:cNvContentPartPr/>
+                <p14:nvPr/>
+              </p14:nvContentPartPr>
+              <p14:xfrm>
+                <a:off x="10175503" y="3874545"/>
+                <a:ext cx="156600" cy="177840"/>
+              </p14:xfrm>
+            </p:contentPart>
+          </mc:Choice>
+          <mc:Fallback xmlns="">
+            <p:pic>
+              <p:nvPicPr>
+                <p:cNvPr id="103" name="Mürekkep 102">
+                  <a:extLst>
+                    <a:ext uri="{FF2B5EF4-FFF2-40B4-BE49-F238E27FC236}">
+                      <a16:creationId xmlns:a16="http://schemas.microsoft.com/office/drawing/2014/main" id="{AC621D22-F92D-713C-A900-346328048488}"/>
+                    </a:ext>
+                  </a:extLst>
+                </p:cNvPr>
+                <p:cNvPicPr/>
+                <p:nvPr/>
+              </p:nvPicPr>
+              <p:blipFill>
+                <a:blip r:embed="rId131"/>
+                <a:stretch>
+                  <a:fillRect/>
+                </a:stretch>
+              </p:blipFill>
+              <p:spPr>
+                <a:xfrm>
+                  <a:off x="10169383" y="3868425"/>
+                  <a:ext cx="168840" cy="190080"/>
+                </a:xfrm>
+                <a:prstGeom prst="rect">
+                  <a:avLst/>
+                </a:prstGeom>
+              </p:spPr>
+            </p:pic>
+          </mc:Fallback>
+        </mc:AlternateContent>
+        <mc:AlternateContent xmlns:mc="http://schemas.openxmlformats.org/markup-compatibility/2006" xmlns:p14="http://schemas.microsoft.com/office/powerpoint/2010/main">
+          <mc:Choice Requires="p14">
+            <p:contentPart p14:bwMode="auto" r:id="rId132">
+              <p14:nvContentPartPr>
+                <p14:cNvPr id="104" name="Mürekkep 103">
+                  <a:extLst>
+                    <a:ext uri="{FF2B5EF4-FFF2-40B4-BE49-F238E27FC236}">
+                      <a16:creationId xmlns:a16="http://schemas.microsoft.com/office/drawing/2014/main" id="{7260CA62-91E6-E0F6-F0F2-17BCF168FEAC}"/>
+                    </a:ext>
+                  </a:extLst>
+                </p14:cNvPr>
+                <p14:cNvContentPartPr/>
+                <p14:nvPr/>
+              </p14:nvContentPartPr>
+              <p14:xfrm>
+                <a:off x="10338583" y="3861225"/>
+                <a:ext cx="158040" cy="194760"/>
+              </p14:xfrm>
+            </p:contentPart>
+          </mc:Choice>
+          <mc:Fallback xmlns="">
+            <p:pic>
+              <p:nvPicPr>
+                <p:cNvPr id="104" name="Mürekkep 103">
+                  <a:extLst>
+                    <a:ext uri="{FF2B5EF4-FFF2-40B4-BE49-F238E27FC236}">
+                      <a16:creationId xmlns:a16="http://schemas.microsoft.com/office/drawing/2014/main" id="{7260CA62-91E6-E0F6-F0F2-17BCF168FEAC}"/>
+                    </a:ext>
+                  </a:extLst>
+                </p:cNvPr>
+                <p:cNvPicPr/>
+                <p:nvPr/>
+              </p:nvPicPr>
+              <p:blipFill>
+                <a:blip r:embed="rId133"/>
+                <a:stretch>
+                  <a:fillRect/>
+                </a:stretch>
+              </p:blipFill>
+              <p:spPr>
+                <a:xfrm>
+                  <a:off x="10332463" y="3855105"/>
+                  <a:ext cx="170280" cy="207000"/>
+                </a:xfrm>
+                <a:prstGeom prst="rect">
+                  <a:avLst/>
+                </a:prstGeom>
+              </p:spPr>
+            </p:pic>
+          </mc:Fallback>
+        </mc:AlternateContent>
+        <mc:AlternateContent xmlns:mc="http://schemas.openxmlformats.org/markup-compatibility/2006" xmlns:p14="http://schemas.microsoft.com/office/powerpoint/2010/main">
+          <mc:Choice Requires="p14">
+            <p:contentPart p14:bwMode="auto" r:id="rId134">
+              <p14:nvContentPartPr>
+                <p14:cNvPr id="106" name="Mürekkep 105">
+                  <a:extLst>
+                    <a:ext uri="{FF2B5EF4-FFF2-40B4-BE49-F238E27FC236}">
+                      <a16:creationId xmlns:a16="http://schemas.microsoft.com/office/drawing/2014/main" id="{A35D95B0-FF6E-FC4A-9B84-BD51A85326AE}"/>
+                    </a:ext>
+                  </a:extLst>
+                </p14:cNvPr>
+                <p14:cNvContentPartPr/>
+                <p14:nvPr/>
+              </p14:nvContentPartPr>
+              <p14:xfrm>
+                <a:off x="9890383" y="3883545"/>
+                <a:ext cx="276840" cy="130320"/>
+              </p14:xfrm>
+            </p:contentPart>
+          </mc:Choice>
+          <mc:Fallback xmlns="">
+            <p:pic>
+              <p:nvPicPr>
+                <p:cNvPr id="106" name="Mürekkep 105">
+                  <a:extLst>
+                    <a:ext uri="{FF2B5EF4-FFF2-40B4-BE49-F238E27FC236}">
+                      <a16:creationId xmlns:a16="http://schemas.microsoft.com/office/drawing/2014/main" id="{A35D95B0-FF6E-FC4A-9B84-BD51A85326AE}"/>
+                    </a:ext>
+                  </a:extLst>
+                </p:cNvPr>
+                <p:cNvPicPr/>
+                <p:nvPr/>
+              </p:nvPicPr>
+              <p:blipFill>
+                <a:blip r:embed="rId135"/>
+                <a:stretch>
+                  <a:fillRect/>
+                </a:stretch>
+              </p:blipFill>
+              <p:spPr>
+                <a:xfrm>
+                  <a:off x="9884263" y="3877425"/>
+                  <a:ext cx="289080" cy="142560"/>
+                </a:xfrm>
+                <a:prstGeom prst="rect">
+                  <a:avLst/>
+                </a:prstGeom>
+              </p:spPr>
+            </p:pic>
+          </mc:Fallback>
+        </mc:AlternateContent>
+        <mc:AlternateContent xmlns:mc="http://schemas.openxmlformats.org/markup-compatibility/2006" xmlns:p14="http://schemas.microsoft.com/office/powerpoint/2010/main">
+          <mc:Choice Requires="p14">
+            <p:contentPart p14:bwMode="auto" r:id="rId136">
+              <p14:nvContentPartPr>
+                <p14:cNvPr id="107" name="Mürekkep 106">
+                  <a:extLst>
+                    <a:ext uri="{FF2B5EF4-FFF2-40B4-BE49-F238E27FC236}">
+                      <a16:creationId xmlns:a16="http://schemas.microsoft.com/office/drawing/2014/main" id="{F8569C22-DABD-B6E7-08D4-E32E4CC42EBB}"/>
+                    </a:ext>
+                  </a:extLst>
+                </p14:cNvPr>
+                <p14:cNvContentPartPr/>
+                <p14:nvPr/>
+              </p14:nvContentPartPr>
+              <p14:xfrm>
+                <a:off x="9886063" y="4019265"/>
+                <a:ext cx="150120" cy="211320"/>
+              </p14:xfrm>
+            </p:contentPart>
+          </mc:Choice>
+          <mc:Fallback xmlns="">
+            <p:pic>
+              <p:nvPicPr>
+                <p:cNvPr id="107" name="Mürekkep 106">
+                  <a:extLst>
+                    <a:ext uri="{FF2B5EF4-FFF2-40B4-BE49-F238E27FC236}">
+                      <a16:creationId xmlns:a16="http://schemas.microsoft.com/office/drawing/2014/main" id="{F8569C22-DABD-B6E7-08D4-E32E4CC42EBB}"/>
+                    </a:ext>
+                  </a:extLst>
+                </p:cNvPr>
+                <p:cNvPicPr/>
+                <p:nvPr/>
+              </p:nvPicPr>
+              <p:blipFill>
+                <a:blip r:embed="rId137"/>
+                <a:stretch>
+                  <a:fillRect/>
+                </a:stretch>
+              </p:blipFill>
+              <p:spPr>
+                <a:xfrm>
+                  <a:off x="9879943" y="4013145"/>
+                  <a:ext cx="162360" cy="223560"/>
+                </a:xfrm>
+                <a:prstGeom prst="rect">
+                  <a:avLst/>
+                </a:prstGeom>
+              </p:spPr>
+            </p:pic>
+          </mc:Fallback>
+        </mc:AlternateContent>
+        <mc:AlternateContent xmlns:mc="http://schemas.openxmlformats.org/markup-compatibility/2006" xmlns:p14="http://schemas.microsoft.com/office/powerpoint/2010/main">
+          <mc:Choice Requires="p14">
+            <p:contentPart p14:bwMode="auto" r:id="rId138">
+              <p14:nvContentPartPr>
+                <p14:cNvPr id="109" name="Mürekkep 108">
+                  <a:extLst>
+                    <a:ext uri="{FF2B5EF4-FFF2-40B4-BE49-F238E27FC236}">
+                      <a16:creationId xmlns:a16="http://schemas.microsoft.com/office/drawing/2014/main" id="{D0640C0B-2B40-9BD4-41EB-53249BF4686F}"/>
+                    </a:ext>
+                  </a:extLst>
+                </p14:cNvPr>
+                <p14:cNvContentPartPr/>
+                <p14:nvPr/>
+              </p14:nvContentPartPr>
+              <p14:xfrm>
+                <a:off x="10019623" y="3357945"/>
+                <a:ext cx="429480" cy="426240"/>
+              </p14:xfrm>
+            </p:contentPart>
+          </mc:Choice>
+          <mc:Fallback xmlns="">
+            <p:pic>
+              <p:nvPicPr>
+                <p:cNvPr id="109" name="Mürekkep 108">
+                  <a:extLst>
+                    <a:ext uri="{FF2B5EF4-FFF2-40B4-BE49-F238E27FC236}">
+                      <a16:creationId xmlns:a16="http://schemas.microsoft.com/office/drawing/2014/main" id="{D0640C0B-2B40-9BD4-41EB-53249BF4686F}"/>
+                    </a:ext>
+                  </a:extLst>
+                </p:cNvPr>
+                <p:cNvPicPr/>
+                <p:nvPr/>
+              </p:nvPicPr>
+              <p:blipFill>
+                <a:blip r:embed="rId139"/>
+                <a:stretch>
+                  <a:fillRect/>
+                </a:stretch>
+              </p:blipFill>
+              <p:spPr>
+                <a:xfrm>
+                  <a:off x="10013503" y="3351825"/>
+                  <a:ext cx="441720" cy="438480"/>
+                </a:xfrm>
+                <a:prstGeom prst="rect">
+                  <a:avLst/>
+                </a:prstGeom>
+              </p:spPr>
+            </p:pic>
+          </mc:Fallback>
+        </mc:AlternateContent>
+      </p:grpSp>
+      <mc:AlternateContent xmlns:mc="http://schemas.openxmlformats.org/markup-compatibility/2006" xmlns:p14="http://schemas.microsoft.com/office/powerpoint/2010/main">
+        <mc:Choice Requires="p14">
+          <p:contentPart p14:bwMode="auto" r:id="rId140">
+            <p14:nvContentPartPr>
+              <p14:cNvPr id="111" name="Mürekkep 110">
+                <a:extLst>
+                  <a:ext uri="{FF2B5EF4-FFF2-40B4-BE49-F238E27FC236}">
+                    <a16:creationId xmlns:a16="http://schemas.microsoft.com/office/drawing/2014/main" id="{9CE129B7-210F-025A-DF07-FDD089D984F3}"/>
+                  </a:ext>
+                </a:extLst>
+              </p14:cNvPr>
+              <p14:cNvContentPartPr/>
+              <p14:nvPr/>
+            </p14:nvContentPartPr>
+            <p14:xfrm>
+              <a:off x="7268143" y="3503025"/>
+              <a:ext cx="176760" cy="193680"/>
+            </p14:xfrm>
+          </p:contentPart>
+        </mc:Choice>
+        <mc:Fallback xmlns="">
+          <p:pic>
+            <p:nvPicPr>
+              <p:cNvPr id="111" name="Mürekkep 110">
+                <a:extLst>
+                  <a:ext uri="{FF2B5EF4-FFF2-40B4-BE49-F238E27FC236}">
+                    <a16:creationId xmlns:a16="http://schemas.microsoft.com/office/drawing/2014/main" id="{9CE129B7-210F-025A-DF07-FDD089D984F3}"/>
+                  </a:ext>
+                </a:extLst>
+              </p:cNvPr>
+              <p:cNvPicPr/>
+              <p:nvPr/>
+            </p:nvPicPr>
+            <p:blipFill>
+              <a:blip r:embed="rId141"/>
+              <a:stretch>
+                <a:fillRect/>
+              </a:stretch>
+            </p:blipFill>
+            <p:spPr>
+              <a:xfrm>
+                <a:off x="7262023" y="3496905"/>
+                <a:ext cx="189000" cy="205920"/>
+              </a:xfrm>
+              <a:prstGeom prst="rect">
+                <a:avLst/>
+              </a:prstGeom>
+            </p:spPr>
+          </p:pic>
+        </mc:Fallback>
+      </mc:AlternateContent>
+      <mc:AlternateContent xmlns:mc="http://schemas.openxmlformats.org/markup-compatibility/2006" xmlns:p14="http://schemas.microsoft.com/office/powerpoint/2010/main">
+        <mc:Choice Requires="p14">
+          <p:contentPart p14:bwMode="auto" r:id="rId142">
+            <p14:nvContentPartPr>
+              <p14:cNvPr id="112" name="Mürekkep 111">
+                <a:extLst>
+                  <a:ext uri="{FF2B5EF4-FFF2-40B4-BE49-F238E27FC236}">
+                    <a16:creationId xmlns:a16="http://schemas.microsoft.com/office/drawing/2014/main" id="{38F9E1DD-5E70-DCCD-A39F-A6782CA930D8}"/>
+                  </a:ext>
+                </a:extLst>
+              </p14:cNvPr>
+              <p14:cNvContentPartPr/>
+              <p14:nvPr/>
+            </p14:nvContentPartPr>
+            <p14:xfrm>
+              <a:off x="8239063" y="3419865"/>
+              <a:ext cx="299160" cy="336240"/>
+            </p14:xfrm>
+          </p:contentPart>
+        </mc:Choice>
+        <mc:Fallback xmlns="">
+          <p:pic>
+            <p:nvPicPr>
+              <p:cNvPr id="112" name="Mürekkep 111">
+                <a:extLst>
+                  <a:ext uri="{FF2B5EF4-FFF2-40B4-BE49-F238E27FC236}">
+                    <a16:creationId xmlns:a16="http://schemas.microsoft.com/office/drawing/2014/main" id="{38F9E1DD-5E70-DCCD-A39F-A6782CA930D8}"/>
+                  </a:ext>
+                </a:extLst>
+              </p:cNvPr>
+              <p:cNvPicPr/>
+              <p:nvPr/>
+            </p:nvPicPr>
+            <p:blipFill>
+              <a:blip r:embed="rId143"/>
+              <a:stretch>
+                <a:fillRect/>
+              </a:stretch>
+            </p:blipFill>
+            <p:spPr>
+              <a:xfrm>
+                <a:off x="8232943" y="3413745"/>
+                <a:ext cx="311400" cy="348480"/>
+              </a:xfrm>
+              <a:prstGeom prst="rect">
+                <a:avLst/>
+              </a:prstGeom>
+            </p:spPr>
+          </p:pic>
+        </mc:Fallback>
+      </mc:AlternateContent>
+      <mc:AlternateContent xmlns:mc="http://schemas.openxmlformats.org/markup-compatibility/2006" xmlns:p14="http://schemas.microsoft.com/office/powerpoint/2010/main">
+        <mc:Choice Requires="p14">
+          <p:contentPart p14:bwMode="auto" r:id="rId144">
+            <p14:nvContentPartPr>
+              <p14:cNvPr id="120" name="Mürekkep 119">
+                <a:extLst>
+                  <a:ext uri="{FF2B5EF4-FFF2-40B4-BE49-F238E27FC236}">
+                    <a16:creationId xmlns:a16="http://schemas.microsoft.com/office/drawing/2014/main" id="{2A863FD4-4283-B1BF-574A-6D70E8553879}"/>
+                  </a:ext>
+                </a:extLst>
+              </p14:cNvPr>
+              <p14:cNvContentPartPr/>
+              <p14:nvPr/>
+            </p14:nvContentPartPr>
+            <p14:xfrm>
+              <a:off x="7966543" y="2706345"/>
+              <a:ext cx="226800" cy="73080"/>
+            </p14:xfrm>
+          </p:contentPart>
+        </mc:Choice>
+        <mc:Fallback xmlns="">
+          <p:pic>
+            <p:nvPicPr>
+              <p:cNvPr id="120" name="Mürekkep 119">
+                <a:extLst>
+                  <a:ext uri="{FF2B5EF4-FFF2-40B4-BE49-F238E27FC236}">
+                    <a16:creationId xmlns:a16="http://schemas.microsoft.com/office/drawing/2014/main" id="{2A863FD4-4283-B1BF-574A-6D70E8553879}"/>
+                  </a:ext>
+                </a:extLst>
+              </p:cNvPr>
+              <p:cNvPicPr/>
+              <p:nvPr/>
+            </p:nvPicPr>
+            <p:blipFill>
+              <a:blip r:embed="rId145"/>
+              <a:stretch>
+                <a:fillRect/>
+              </a:stretch>
+            </p:blipFill>
+            <p:spPr>
+              <a:xfrm>
+                <a:off x="7960423" y="2700225"/>
+                <a:ext cx="239040" cy="85320"/>
+              </a:xfrm>
+              <a:prstGeom prst="rect">
+                <a:avLst/>
+              </a:prstGeom>
+            </p:spPr>
+          </p:pic>
+        </mc:Fallback>
+      </mc:AlternateContent>
+      <mc:AlternateContent xmlns:mc="http://schemas.openxmlformats.org/markup-compatibility/2006" xmlns:p14="http://schemas.microsoft.com/office/powerpoint/2010/main">
+        <mc:Choice Requires="p14">
+          <p:contentPart p14:bwMode="auto" r:id="rId146">
+            <p14:nvContentPartPr>
+              <p14:cNvPr id="127" name="Mürekkep 126">
+                <a:extLst>
+                  <a:ext uri="{FF2B5EF4-FFF2-40B4-BE49-F238E27FC236}">
+                    <a16:creationId xmlns:a16="http://schemas.microsoft.com/office/drawing/2014/main" id="{F9A43B9C-7D3A-165E-415B-8A76A0FF490E}"/>
+                  </a:ext>
+                </a:extLst>
+              </p14:cNvPr>
+              <p14:cNvContentPartPr/>
+              <p14:nvPr/>
+            </p14:nvContentPartPr>
+            <p14:xfrm>
+              <a:off x="6753703" y="2335545"/>
+              <a:ext cx="914400" cy="27360"/>
+            </p14:xfrm>
+          </p:contentPart>
+        </mc:Choice>
+        <mc:Fallback xmlns="">
+          <p:pic>
+            <p:nvPicPr>
+              <p:cNvPr id="127" name="Mürekkep 126">
+                <a:extLst>
+                  <a:ext uri="{FF2B5EF4-FFF2-40B4-BE49-F238E27FC236}">
+                    <a16:creationId xmlns:a16="http://schemas.microsoft.com/office/drawing/2014/main" id="{F9A43B9C-7D3A-165E-415B-8A76A0FF490E}"/>
+                  </a:ext>
+                </a:extLst>
+              </p:cNvPr>
+              <p:cNvPicPr/>
+              <p:nvPr/>
+            </p:nvPicPr>
+            <p:blipFill>
+              <a:blip r:embed="rId147"/>
+              <a:stretch>
+                <a:fillRect/>
+              </a:stretch>
+            </p:blipFill>
+            <p:spPr>
+              <a:xfrm>
+                <a:off x="6747583" y="2329425"/>
+                <a:ext cx="926640" cy="39600"/>
+              </a:xfrm>
+              <a:prstGeom prst="rect">
+                <a:avLst/>
+              </a:prstGeom>
+            </p:spPr>
+          </p:pic>
+        </mc:Fallback>
+      </mc:AlternateContent>
+      <mc:AlternateContent xmlns:mc="http://schemas.openxmlformats.org/markup-compatibility/2006" xmlns:p14="http://schemas.microsoft.com/office/powerpoint/2010/main">
+        <mc:Choice Requires="p14">
+          <p:contentPart p14:bwMode="auto" r:id="rId148">
+            <p14:nvContentPartPr>
+              <p14:cNvPr id="129" name="Mürekkep 128">
+                <a:extLst>
+                  <a:ext uri="{FF2B5EF4-FFF2-40B4-BE49-F238E27FC236}">
+                    <a16:creationId xmlns:a16="http://schemas.microsoft.com/office/drawing/2014/main" id="{DC431234-BF7B-9275-94A6-2B5BEDCE6863}"/>
+                  </a:ext>
+                </a:extLst>
+              </p14:cNvPr>
+              <p14:cNvContentPartPr/>
+              <p14:nvPr/>
+            </p14:nvContentPartPr>
+            <p14:xfrm>
+              <a:off x="6491263" y="2335545"/>
+              <a:ext cx="262800" cy="488880"/>
+            </p14:xfrm>
+          </p:contentPart>
+        </mc:Choice>
+        <mc:Fallback xmlns="">
+          <p:pic>
+            <p:nvPicPr>
+              <p:cNvPr id="129" name="Mürekkep 128">
+                <a:extLst>
+                  <a:ext uri="{FF2B5EF4-FFF2-40B4-BE49-F238E27FC236}">
+                    <a16:creationId xmlns:a16="http://schemas.microsoft.com/office/drawing/2014/main" id="{DC431234-BF7B-9275-94A6-2B5BEDCE6863}"/>
+                  </a:ext>
+                </a:extLst>
+              </p:cNvPr>
+              <p:cNvPicPr/>
+              <p:nvPr/>
+            </p:nvPicPr>
+            <p:blipFill>
+              <a:blip r:embed="rId149"/>
+              <a:stretch>
+                <a:fillRect/>
+              </a:stretch>
+            </p:blipFill>
+            <p:spPr>
+              <a:xfrm>
+                <a:off x="6485143" y="2329425"/>
+                <a:ext cx="275040" cy="501120"/>
+              </a:xfrm>
+              <a:prstGeom prst="rect">
+                <a:avLst/>
+              </a:prstGeom>
+            </p:spPr>
+          </p:pic>
+        </mc:Fallback>
+      </mc:AlternateContent>
+      <mc:AlternateContent xmlns:mc="http://schemas.openxmlformats.org/markup-compatibility/2006" xmlns:p14="http://schemas.microsoft.com/office/powerpoint/2010/main">
+        <mc:Choice Requires="p14">
+          <p:contentPart p14:bwMode="auto" r:id="rId150">
+            <p14:nvContentPartPr>
+              <p14:cNvPr id="135" name="Mürekkep 134">
+                <a:extLst>
+                  <a:ext uri="{FF2B5EF4-FFF2-40B4-BE49-F238E27FC236}">
+                    <a16:creationId xmlns:a16="http://schemas.microsoft.com/office/drawing/2014/main" id="{61D1C501-83D3-545C-E394-B0EDE78383C1}"/>
+                  </a:ext>
+                </a:extLst>
+              </p14:cNvPr>
+              <p14:cNvContentPartPr/>
+              <p14:nvPr/>
+            </p14:nvContentPartPr>
+            <p14:xfrm>
+              <a:off x="7161223" y="2180745"/>
+              <a:ext cx="93960" cy="28080"/>
+            </p14:xfrm>
+          </p:contentPart>
+        </mc:Choice>
+        <mc:Fallback xmlns="">
+          <p:pic>
+            <p:nvPicPr>
+              <p:cNvPr id="135" name="Mürekkep 134">
+                <a:extLst>
+                  <a:ext uri="{FF2B5EF4-FFF2-40B4-BE49-F238E27FC236}">
+                    <a16:creationId xmlns:a16="http://schemas.microsoft.com/office/drawing/2014/main" id="{61D1C501-83D3-545C-E394-B0EDE78383C1}"/>
+                  </a:ext>
+                </a:extLst>
+              </p:cNvPr>
+              <p:cNvPicPr/>
+              <p:nvPr/>
+            </p:nvPicPr>
+            <p:blipFill>
+              <a:blip r:embed="rId151"/>
+              <a:stretch>
+                <a:fillRect/>
+              </a:stretch>
+            </p:blipFill>
+            <p:spPr>
+              <a:xfrm>
+                <a:off x="7155103" y="2174625"/>
+                <a:ext cx="106200" cy="40320"/>
+              </a:xfrm>
+              <a:prstGeom prst="rect">
+                <a:avLst/>
+              </a:prstGeom>
+            </p:spPr>
+          </p:pic>
+        </mc:Fallback>
+      </mc:AlternateContent>
+      <mc:AlternateContent xmlns:mc="http://schemas.openxmlformats.org/markup-compatibility/2006" xmlns:p14="http://schemas.microsoft.com/office/powerpoint/2010/main">
+        <mc:Choice Requires="p14">
+          <p:contentPart p14:bwMode="auto" r:id="rId152">
+            <p14:nvContentPartPr>
+              <p14:cNvPr id="113" name="Mürekkep 112">
+                <a:extLst>
+                  <a:ext uri="{FF2B5EF4-FFF2-40B4-BE49-F238E27FC236}">
+                    <a16:creationId xmlns:a16="http://schemas.microsoft.com/office/drawing/2014/main" id="{96AE9173-E171-FBA6-97C4-8DE3BF5AD4C5}"/>
+                  </a:ext>
+                </a:extLst>
+              </p14:cNvPr>
+              <p14:cNvContentPartPr/>
+              <p14:nvPr/>
+            </p14:nvContentPartPr>
+            <p14:xfrm>
+              <a:off x="6995983" y="1953225"/>
+              <a:ext cx="392760" cy="302400"/>
+            </p14:xfrm>
+          </p:contentPart>
+        </mc:Choice>
+        <mc:Fallback xmlns="">
+          <p:pic>
+            <p:nvPicPr>
+              <p:cNvPr id="113" name="Mürekkep 112">
+                <a:extLst>
+                  <a:ext uri="{FF2B5EF4-FFF2-40B4-BE49-F238E27FC236}">
+                    <a16:creationId xmlns:a16="http://schemas.microsoft.com/office/drawing/2014/main" id="{96AE9173-E171-FBA6-97C4-8DE3BF5AD4C5}"/>
+                  </a:ext>
+                </a:extLst>
+              </p:cNvPr>
+              <p:cNvPicPr/>
+              <p:nvPr/>
+            </p:nvPicPr>
+            <p:blipFill>
+              <a:blip r:embed="rId153"/>
+              <a:stretch>
+                <a:fillRect/>
+              </a:stretch>
+            </p:blipFill>
+            <p:spPr>
+              <a:xfrm>
+                <a:off x="6989863" y="1947105"/>
+                <a:ext cx="405000" cy="314640"/>
+              </a:xfrm>
+              <a:prstGeom prst="rect">
+                <a:avLst/>
+              </a:prstGeom>
+            </p:spPr>
+          </p:pic>
+        </mc:Fallback>
+      </mc:AlternateContent>
+      <mc:AlternateContent xmlns:mc="http://schemas.openxmlformats.org/markup-compatibility/2006" xmlns:p14="http://schemas.microsoft.com/office/powerpoint/2010/main">
+        <mc:Choice Requires="p14">
+          <p:contentPart p14:bwMode="auto" r:id="rId154">
+            <p14:nvContentPartPr>
+              <p14:cNvPr id="114" name="Mürekkep 113">
+                <a:extLst>
+                  <a:ext uri="{FF2B5EF4-FFF2-40B4-BE49-F238E27FC236}">
+                    <a16:creationId xmlns:a16="http://schemas.microsoft.com/office/drawing/2014/main" id="{B1C43946-13D6-2681-AF40-02F66FC49E07}"/>
+                  </a:ext>
+                </a:extLst>
+              </p14:cNvPr>
+              <p14:cNvContentPartPr/>
+              <p14:nvPr/>
+            </p14:nvContentPartPr>
+            <p14:xfrm>
+              <a:off x="7405303" y="2154465"/>
+              <a:ext cx="213120" cy="139680"/>
+            </p14:xfrm>
+          </p:contentPart>
+        </mc:Choice>
+        <mc:Fallback xmlns="">
+          <p:pic>
+            <p:nvPicPr>
+              <p:cNvPr id="114" name="Mürekkep 113">
+                <a:extLst>
+                  <a:ext uri="{FF2B5EF4-FFF2-40B4-BE49-F238E27FC236}">
+                    <a16:creationId xmlns:a16="http://schemas.microsoft.com/office/drawing/2014/main" id="{B1C43946-13D6-2681-AF40-02F66FC49E07}"/>
+                  </a:ext>
+                </a:extLst>
+              </p:cNvPr>
+              <p:cNvPicPr/>
+              <p:nvPr/>
+            </p:nvPicPr>
+            <p:blipFill>
+              <a:blip r:embed="rId155"/>
+              <a:stretch>
+                <a:fillRect/>
+              </a:stretch>
+            </p:blipFill>
+            <p:spPr>
+              <a:xfrm>
+                <a:off x="7399183" y="2148345"/>
+                <a:ext cx="225360" cy="151920"/>
+              </a:xfrm>
+              <a:prstGeom prst="rect">
+                <a:avLst/>
+              </a:prstGeom>
+            </p:spPr>
+          </p:pic>
+        </mc:Fallback>
+      </mc:AlternateContent>
+      <mc:AlternateContent xmlns:mc="http://schemas.openxmlformats.org/markup-compatibility/2006" xmlns:p14="http://schemas.microsoft.com/office/powerpoint/2010/main">
+        <mc:Choice Requires="p14">
+          <p:contentPart p14:bwMode="auto" r:id="rId156">
+            <p14:nvContentPartPr>
+              <p14:cNvPr id="115" name="Mürekkep 114">
+                <a:extLst>
+                  <a:ext uri="{FF2B5EF4-FFF2-40B4-BE49-F238E27FC236}">
+                    <a16:creationId xmlns:a16="http://schemas.microsoft.com/office/drawing/2014/main" id="{0564B000-DC20-939B-8484-BE16AAAED3D6}"/>
+                  </a:ext>
+                </a:extLst>
+              </p14:cNvPr>
+              <p14:cNvContentPartPr/>
+              <p14:nvPr/>
+            </p14:nvContentPartPr>
+            <p14:xfrm>
+              <a:off x="7631743" y="2299185"/>
+              <a:ext cx="329760" cy="484920"/>
+            </p14:xfrm>
+          </p:contentPart>
+        </mc:Choice>
+        <mc:Fallback xmlns="">
+          <p:pic>
+            <p:nvPicPr>
+              <p:cNvPr id="115" name="Mürekkep 114">
+                <a:extLst>
+                  <a:ext uri="{FF2B5EF4-FFF2-40B4-BE49-F238E27FC236}">
+                    <a16:creationId xmlns:a16="http://schemas.microsoft.com/office/drawing/2014/main" id="{0564B000-DC20-939B-8484-BE16AAAED3D6}"/>
+                  </a:ext>
+                </a:extLst>
+              </p:cNvPr>
+              <p:cNvPicPr/>
+              <p:nvPr/>
+            </p:nvPicPr>
+            <p:blipFill>
+              <a:blip r:embed="rId157"/>
+              <a:stretch>
+                <a:fillRect/>
+              </a:stretch>
+            </p:blipFill>
+            <p:spPr>
+              <a:xfrm>
+                <a:off x="7625623" y="2293065"/>
+                <a:ext cx="342000" cy="497160"/>
+              </a:xfrm>
+              <a:prstGeom prst="rect">
+                <a:avLst/>
+              </a:prstGeom>
+            </p:spPr>
+          </p:pic>
+        </mc:Fallback>
+      </mc:AlternateContent>
+      <mc:AlternateContent xmlns:mc="http://schemas.openxmlformats.org/markup-compatibility/2006" xmlns:p14="http://schemas.microsoft.com/office/powerpoint/2010/main">
+        <mc:Choice Requires="p14">
+          <p:contentPart p14:bwMode="auto" r:id="rId158">
+            <p14:nvContentPartPr>
+              <p14:cNvPr id="123" name="Mürekkep 122">
+                <a:extLst>
+                  <a:ext uri="{FF2B5EF4-FFF2-40B4-BE49-F238E27FC236}">
+                    <a16:creationId xmlns:a16="http://schemas.microsoft.com/office/drawing/2014/main" id="{3D4C6839-D379-34DE-4FA3-FB610CCE4D57}"/>
+                  </a:ext>
+                </a:extLst>
+              </p14:cNvPr>
+              <p14:cNvContentPartPr/>
+              <p14:nvPr/>
+            </p14:nvContentPartPr>
+            <p14:xfrm>
+              <a:off x="7695103" y="1967265"/>
+              <a:ext cx="590760" cy="377640"/>
+            </p14:xfrm>
+          </p:contentPart>
+        </mc:Choice>
+        <mc:Fallback xmlns="">
+          <p:pic>
+            <p:nvPicPr>
+              <p:cNvPr id="123" name="Mürekkep 122">
+                <a:extLst>
+                  <a:ext uri="{FF2B5EF4-FFF2-40B4-BE49-F238E27FC236}">
+                    <a16:creationId xmlns:a16="http://schemas.microsoft.com/office/drawing/2014/main" id="{3D4C6839-D379-34DE-4FA3-FB610CCE4D57}"/>
+                  </a:ext>
+                </a:extLst>
+              </p:cNvPr>
+              <p:cNvPicPr/>
+              <p:nvPr/>
+            </p:nvPicPr>
+            <p:blipFill>
+              <a:blip r:embed="rId159"/>
+              <a:stretch>
+                <a:fillRect/>
+              </a:stretch>
+            </p:blipFill>
+            <p:spPr>
+              <a:xfrm>
+                <a:off x="7688983" y="1961145"/>
+                <a:ext cx="603000" cy="389880"/>
+              </a:xfrm>
+              <a:prstGeom prst="rect">
+                <a:avLst/>
+              </a:prstGeom>
+            </p:spPr>
+          </p:pic>
+        </mc:Fallback>
+      </mc:AlternateContent>
+      <mc:AlternateContent xmlns:mc="http://schemas.openxmlformats.org/markup-compatibility/2006" xmlns:p14="http://schemas.microsoft.com/office/powerpoint/2010/main">
+        <mc:Choice Requires="p14">
+          <p:contentPart p14:bwMode="auto" r:id="rId160">
+            <p14:nvContentPartPr>
+              <p14:cNvPr id="124" name="Mürekkep 123">
+                <a:extLst>
+                  <a:ext uri="{FF2B5EF4-FFF2-40B4-BE49-F238E27FC236}">
+                    <a16:creationId xmlns:a16="http://schemas.microsoft.com/office/drawing/2014/main" id="{6F56FFFA-061B-4963-65F8-B7A0D462F83D}"/>
+                  </a:ext>
+                </a:extLst>
+              </p14:cNvPr>
+              <p14:cNvContentPartPr/>
+              <p14:nvPr/>
+            </p14:nvContentPartPr>
+            <p14:xfrm>
+              <a:off x="8292703" y="1964385"/>
+              <a:ext cx="488160" cy="699480"/>
+            </p14:xfrm>
+          </p:contentPart>
+        </mc:Choice>
+        <mc:Fallback xmlns="">
+          <p:pic>
+            <p:nvPicPr>
+              <p:cNvPr id="124" name="Mürekkep 123">
+                <a:extLst>
+                  <a:ext uri="{FF2B5EF4-FFF2-40B4-BE49-F238E27FC236}">
+                    <a16:creationId xmlns:a16="http://schemas.microsoft.com/office/drawing/2014/main" id="{6F56FFFA-061B-4963-65F8-B7A0D462F83D}"/>
+                  </a:ext>
+                </a:extLst>
+              </p:cNvPr>
+              <p:cNvPicPr/>
+              <p:nvPr/>
+            </p:nvPicPr>
+            <p:blipFill>
+              <a:blip r:embed="rId161"/>
+              <a:stretch>
+                <a:fillRect/>
+              </a:stretch>
+            </p:blipFill>
+            <p:spPr>
+              <a:xfrm>
+                <a:off x="8286583" y="1958265"/>
+                <a:ext cx="500400" cy="711720"/>
+              </a:xfrm>
+              <a:prstGeom prst="rect">
+                <a:avLst/>
+              </a:prstGeom>
+            </p:spPr>
+          </p:pic>
+        </mc:Fallback>
+      </mc:AlternateContent>
+      <mc:AlternateContent xmlns:mc="http://schemas.openxmlformats.org/markup-compatibility/2006" xmlns:p14="http://schemas.microsoft.com/office/powerpoint/2010/main">
+        <mc:Choice Requires="p14">
+          <p:contentPart p14:bwMode="auto" r:id="rId162">
+            <p14:nvContentPartPr>
+              <p14:cNvPr id="130" name="Mürekkep 129">
+                <a:extLst>
+                  <a:ext uri="{FF2B5EF4-FFF2-40B4-BE49-F238E27FC236}">
+                    <a16:creationId xmlns:a16="http://schemas.microsoft.com/office/drawing/2014/main" id="{AA137F9D-A6E3-B205-FBCB-C0BE8E8A1365}"/>
+                  </a:ext>
+                </a:extLst>
+              </p14:cNvPr>
+              <p14:cNvContentPartPr/>
+              <p14:nvPr/>
+            </p14:nvContentPartPr>
+            <p14:xfrm>
+              <a:off x="7088503" y="2090745"/>
+              <a:ext cx="34920" cy="70560"/>
+            </p14:xfrm>
+          </p:contentPart>
+        </mc:Choice>
+        <mc:Fallback xmlns="">
+          <p:pic>
+            <p:nvPicPr>
+              <p:cNvPr id="130" name="Mürekkep 129">
+                <a:extLst>
+                  <a:ext uri="{FF2B5EF4-FFF2-40B4-BE49-F238E27FC236}">
+                    <a16:creationId xmlns:a16="http://schemas.microsoft.com/office/drawing/2014/main" id="{AA137F9D-A6E3-B205-FBCB-C0BE8E8A1365}"/>
+                  </a:ext>
+                </a:extLst>
+              </p:cNvPr>
+              <p:cNvPicPr/>
+              <p:nvPr/>
+            </p:nvPicPr>
+            <p:blipFill>
+              <a:blip r:embed="rId163"/>
+              <a:stretch>
+                <a:fillRect/>
+              </a:stretch>
+            </p:blipFill>
+            <p:spPr>
+              <a:xfrm>
+                <a:off x="7082383" y="2084625"/>
+                <a:ext cx="47160" cy="82800"/>
+              </a:xfrm>
+              <a:prstGeom prst="rect">
+                <a:avLst/>
+              </a:prstGeom>
+            </p:spPr>
+          </p:pic>
+        </mc:Fallback>
+      </mc:AlternateContent>
+      <mc:AlternateContent xmlns:mc="http://schemas.openxmlformats.org/markup-compatibility/2006" xmlns:p14="http://schemas.microsoft.com/office/powerpoint/2010/main">
+        <mc:Choice Requires="p14">
+          <p:contentPart p14:bwMode="auto" r:id="rId164">
+            <p14:nvContentPartPr>
+              <p14:cNvPr id="131" name="Mürekkep 130">
+                <a:extLst>
+                  <a:ext uri="{FF2B5EF4-FFF2-40B4-BE49-F238E27FC236}">
+                    <a16:creationId xmlns:a16="http://schemas.microsoft.com/office/drawing/2014/main" id="{2785CF89-D97C-11A5-EC06-8ECE1700CBD0}"/>
+                  </a:ext>
+                </a:extLst>
+              </p14:cNvPr>
+              <p14:cNvContentPartPr/>
+              <p14:nvPr/>
+            </p14:nvContentPartPr>
+            <p14:xfrm>
+              <a:off x="7255183" y="2090745"/>
+              <a:ext cx="41760" cy="90720"/>
+            </p14:xfrm>
+          </p:contentPart>
+        </mc:Choice>
+        <mc:Fallback xmlns="">
+          <p:pic>
+            <p:nvPicPr>
+              <p:cNvPr id="131" name="Mürekkep 130">
+                <a:extLst>
+                  <a:ext uri="{FF2B5EF4-FFF2-40B4-BE49-F238E27FC236}">
+                    <a16:creationId xmlns:a16="http://schemas.microsoft.com/office/drawing/2014/main" id="{2785CF89-D97C-11A5-EC06-8ECE1700CBD0}"/>
+                  </a:ext>
+                </a:extLst>
+              </p:cNvPr>
+              <p:cNvPicPr/>
+              <p:nvPr/>
+            </p:nvPicPr>
+            <p:blipFill>
+              <a:blip r:embed="rId165"/>
+              <a:stretch>
+                <a:fillRect/>
+              </a:stretch>
+            </p:blipFill>
+            <p:spPr>
+              <a:xfrm>
+                <a:off x="7249063" y="2084625"/>
+                <a:ext cx="54000" cy="102960"/>
+              </a:xfrm>
+              <a:prstGeom prst="rect">
+                <a:avLst/>
+              </a:prstGeom>
+            </p:spPr>
+          </p:pic>
+        </mc:Fallback>
+      </mc:AlternateContent>
+      <mc:AlternateContent xmlns:mc="http://schemas.openxmlformats.org/markup-compatibility/2006" xmlns:p14="http://schemas.microsoft.com/office/powerpoint/2010/main">
+        <mc:Choice Requires="p14">
+          <p:contentPart p14:bwMode="auto" r:id="rId166">
+            <p14:nvContentPartPr>
+              <p14:cNvPr id="132" name="Mürekkep 131">
+                <a:extLst>
+                  <a:ext uri="{FF2B5EF4-FFF2-40B4-BE49-F238E27FC236}">
+                    <a16:creationId xmlns:a16="http://schemas.microsoft.com/office/drawing/2014/main" id="{26AC9323-6380-FB62-E317-14B4C81705D6}"/>
+                  </a:ext>
+                </a:extLst>
+              </p14:cNvPr>
+              <p14:cNvContentPartPr/>
+              <p14:nvPr/>
+            </p14:nvContentPartPr>
+            <p14:xfrm>
+              <a:off x="7231423" y="2009385"/>
+              <a:ext cx="65520" cy="70200"/>
+            </p14:xfrm>
+          </p:contentPart>
+        </mc:Choice>
+        <mc:Fallback xmlns="">
+          <p:pic>
+            <p:nvPicPr>
+              <p:cNvPr id="132" name="Mürekkep 131">
+                <a:extLst>
+                  <a:ext uri="{FF2B5EF4-FFF2-40B4-BE49-F238E27FC236}">
+                    <a16:creationId xmlns:a16="http://schemas.microsoft.com/office/drawing/2014/main" id="{26AC9323-6380-FB62-E317-14B4C81705D6}"/>
+                  </a:ext>
+                </a:extLst>
+              </p:cNvPr>
+              <p:cNvPicPr/>
+              <p:nvPr/>
+            </p:nvPicPr>
+            <p:blipFill>
+              <a:blip r:embed="rId167"/>
+              <a:stretch>
+                <a:fillRect/>
+              </a:stretch>
+            </p:blipFill>
+            <p:spPr>
+              <a:xfrm>
+                <a:off x="7225303" y="2003265"/>
+                <a:ext cx="77760" cy="82440"/>
+              </a:xfrm>
+              <a:prstGeom prst="rect">
+                <a:avLst/>
+              </a:prstGeom>
+            </p:spPr>
+          </p:pic>
+        </mc:Fallback>
+      </mc:AlternateContent>
+      <mc:AlternateContent xmlns:mc="http://schemas.openxmlformats.org/markup-compatibility/2006" xmlns:p14="http://schemas.microsoft.com/office/powerpoint/2010/main">
+        <mc:Choice Requires="p14">
+          <p:contentPart p14:bwMode="auto" r:id="rId168">
+            <p14:nvContentPartPr>
+              <p14:cNvPr id="133" name="Mürekkep 132">
+                <a:extLst>
+                  <a:ext uri="{FF2B5EF4-FFF2-40B4-BE49-F238E27FC236}">
+                    <a16:creationId xmlns:a16="http://schemas.microsoft.com/office/drawing/2014/main" id="{61B5DEF5-7A1E-5049-925C-C5B6B64F3EF5}"/>
+                  </a:ext>
+                </a:extLst>
+              </p14:cNvPr>
+              <p14:cNvContentPartPr/>
+              <p14:nvPr/>
+            </p14:nvContentPartPr>
+            <p14:xfrm>
+              <a:off x="7090303" y="2033865"/>
+              <a:ext cx="65520" cy="59760"/>
+            </p14:xfrm>
+          </p:contentPart>
+        </mc:Choice>
+        <mc:Fallback xmlns="">
+          <p:pic>
+            <p:nvPicPr>
+              <p:cNvPr id="133" name="Mürekkep 132">
+                <a:extLst>
+                  <a:ext uri="{FF2B5EF4-FFF2-40B4-BE49-F238E27FC236}">
+                    <a16:creationId xmlns:a16="http://schemas.microsoft.com/office/drawing/2014/main" id="{61B5DEF5-7A1E-5049-925C-C5B6B64F3EF5}"/>
+                  </a:ext>
+                </a:extLst>
+              </p:cNvPr>
+              <p:cNvPicPr/>
+              <p:nvPr/>
+            </p:nvPicPr>
+            <p:blipFill>
+              <a:blip r:embed="rId169"/>
+              <a:stretch>
+                <a:fillRect/>
+              </a:stretch>
+            </p:blipFill>
+            <p:spPr>
+              <a:xfrm>
+                <a:off x="7084183" y="2027745"/>
+                <a:ext cx="77760" cy="72000"/>
+              </a:xfrm>
+              <a:prstGeom prst="rect">
+                <a:avLst/>
+              </a:prstGeom>
+            </p:spPr>
+          </p:pic>
+        </mc:Fallback>
+      </mc:AlternateContent>
+      <mc:AlternateContent xmlns:mc="http://schemas.openxmlformats.org/markup-compatibility/2006" xmlns:p14="http://schemas.microsoft.com/office/powerpoint/2010/main">
+        <mc:Choice Requires="p14">
+          <p:contentPart p14:bwMode="auto" r:id="rId170">
+            <p14:nvContentPartPr>
+              <p14:cNvPr id="137" name="Mürekkep 136">
+                <a:extLst>
+                  <a:ext uri="{FF2B5EF4-FFF2-40B4-BE49-F238E27FC236}">
+                    <a16:creationId xmlns:a16="http://schemas.microsoft.com/office/drawing/2014/main" id="{D085C078-F7D3-E192-6B82-78CF3077112C}"/>
+                  </a:ext>
+                </a:extLst>
+              </p14:cNvPr>
+              <p14:cNvContentPartPr/>
+              <p14:nvPr/>
+            </p14:nvContentPartPr>
+            <p14:xfrm>
+              <a:off x="7255183" y="2036025"/>
+              <a:ext cx="41760" cy="34560"/>
+            </p14:xfrm>
+          </p:contentPart>
+        </mc:Choice>
+        <mc:Fallback xmlns="">
+          <p:pic>
+            <p:nvPicPr>
+              <p:cNvPr id="137" name="Mürekkep 136">
+                <a:extLst>
+                  <a:ext uri="{FF2B5EF4-FFF2-40B4-BE49-F238E27FC236}">
+                    <a16:creationId xmlns:a16="http://schemas.microsoft.com/office/drawing/2014/main" id="{D085C078-F7D3-E192-6B82-78CF3077112C}"/>
+                  </a:ext>
+                </a:extLst>
+              </p:cNvPr>
+              <p:cNvPicPr/>
+              <p:nvPr/>
+            </p:nvPicPr>
+            <p:blipFill>
+              <a:blip r:embed="rId171"/>
+              <a:stretch>
+                <a:fillRect/>
+              </a:stretch>
+            </p:blipFill>
+            <p:spPr>
+              <a:xfrm>
+                <a:off x="7249063" y="2029905"/>
+                <a:ext cx="54000" cy="46800"/>
+              </a:xfrm>
+              <a:prstGeom prst="rect">
+                <a:avLst/>
+              </a:prstGeom>
+            </p:spPr>
+          </p:pic>
+        </mc:Fallback>
+      </mc:AlternateContent>
+      <p:grpSp>
+        <p:nvGrpSpPr>
+          <p:cNvPr id="141" name="Grup 140">
+            <a:extLst>
+              <a:ext uri="{FF2B5EF4-FFF2-40B4-BE49-F238E27FC236}">
+                <a16:creationId xmlns:a16="http://schemas.microsoft.com/office/drawing/2014/main" id="{B949747E-5636-EB6B-27BA-110698A03D32}"/>
+              </a:ext>
+            </a:extLst>
+          </p:cNvPr>
+          <p:cNvGrpSpPr/>
+          <p:nvPr/>
+        </p:nvGrpSpPr>
+        <p:grpSpPr>
+          <a:xfrm>
+            <a:off x="7577023" y="2706345"/>
+            <a:ext cx="865800" cy="266400"/>
+            <a:chOff x="7577023" y="2706345"/>
+            <a:chExt cx="865800" cy="266400"/>
+          </a:xfrm>
+        </p:grpSpPr>
+        <mc:AlternateContent xmlns:mc="http://schemas.openxmlformats.org/markup-compatibility/2006" xmlns:p14="http://schemas.microsoft.com/office/powerpoint/2010/main">
+          <mc:Choice Requires="p14">
+            <p:contentPart p14:bwMode="auto" r:id="rId172">
+              <p14:nvContentPartPr>
+                <p14:cNvPr id="117" name="Mürekkep 116">
+                  <a:extLst>
+                    <a:ext uri="{FF2B5EF4-FFF2-40B4-BE49-F238E27FC236}">
+                      <a16:creationId xmlns:a16="http://schemas.microsoft.com/office/drawing/2014/main" id="{6716A673-C172-106B-4C30-EC96B632FF38}"/>
+                    </a:ext>
+                  </a:extLst>
+                </p14:cNvPr>
+                <p14:cNvContentPartPr/>
+                <p14:nvPr/>
+              </p14:nvContentPartPr>
+              <p14:xfrm>
+                <a:off x="7632823" y="2779065"/>
+                <a:ext cx="316080" cy="38520"/>
+              </p14:xfrm>
+            </p:contentPart>
+          </mc:Choice>
+          <mc:Fallback xmlns="">
+            <p:pic>
+              <p:nvPicPr>
+                <p:cNvPr id="117" name="Mürekkep 116">
+                  <a:extLst>
+                    <a:ext uri="{FF2B5EF4-FFF2-40B4-BE49-F238E27FC236}">
+                      <a16:creationId xmlns:a16="http://schemas.microsoft.com/office/drawing/2014/main" id="{6716A673-C172-106B-4C30-EC96B632FF38}"/>
+                    </a:ext>
+                  </a:extLst>
+                </p:cNvPr>
+                <p:cNvPicPr/>
+                <p:nvPr/>
+              </p:nvPicPr>
+              <p:blipFill>
+                <a:blip r:embed="rId173"/>
+                <a:stretch>
+                  <a:fillRect/>
+                </a:stretch>
+              </p:blipFill>
+              <p:spPr>
+                <a:xfrm>
+                  <a:off x="7626703" y="2772945"/>
+                  <a:ext cx="328320" cy="50760"/>
+                </a:xfrm>
+                <a:prstGeom prst="rect">
+                  <a:avLst/>
+                </a:prstGeom>
+              </p:spPr>
+            </p:pic>
+          </mc:Fallback>
+        </mc:AlternateContent>
+        <mc:AlternateContent xmlns:mc="http://schemas.openxmlformats.org/markup-compatibility/2006" xmlns:p14="http://schemas.microsoft.com/office/powerpoint/2010/main">
+          <mc:Choice Requires="p14">
+            <p:contentPart p14:bwMode="auto" r:id="rId174">
+              <p14:nvContentPartPr>
+                <p14:cNvPr id="118" name="Mürekkep 117">
+                  <a:extLst>
+                    <a:ext uri="{FF2B5EF4-FFF2-40B4-BE49-F238E27FC236}">
+                      <a16:creationId xmlns:a16="http://schemas.microsoft.com/office/drawing/2014/main" id="{4FB20703-24F2-71B2-1B5F-584C32471F53}"/>
+                    </a:ext>
+                  </a:extLst>
+                </p14:cNvPr>
+                <p14:cNvContentPartPr/>
+                <p14:nvPr/>
+              </p14:nvContentPartPr>
+              <p14:xfrm>
+                <a:off x="7577023" y="2806425"/>
+                <a:ext cx="46080" cy="143640"/>
+              </p14:xfrm>
+            </p:contentPart>
+          </mc:Choice>
+          <mc:Fallback xmlns="">
+            <p:pic>
+              <p:nvPicPr>
+                <p:cNvPr id="118" name="Mürekkep 117">
+                  <a:extLst>
+                    <a:ext uri="{FF2B5EF4-FFF2-40B4-BE49-F238E27FC236}">
+                      <a16:creationId xmlns:a16="http://schemas.microsoft.com/office/drawing/2014/main" id="{4FB20703-24F2-71B2-1B5F-584C32471F53}"/>
+                    </a:ext>
+                  </a:extLst>
+                </p:cNvPr>
+                <p:cNvPicPr/>
+                <p:nvPr/>
+              </p:nvPicPr>
+              <p:blipFill>
+                <a:blip r:embed="rId175"/>
+                <a:stretch>
+                  <a:fillRect/>
+                </a:stretch>
+              </p:blipFill>
+              <p:spPr>
+                <a:xfrm>
+                  <a:off x="7570903" y="2800305"/>
+                  <a:ext cx="58320" cy="155880"/>
+                </a:xfrm>
+                <a:prstGeom prst="rect">
+                  <a:avLst/>
+                </a:prstGeom>
+              </p:spPr>
+            </p:pic>
+          </mc:Fallback>
+        </mc:AlternateContent>
+        <mc:AlternateContent xmlns:mc="http://schemas.openxmlformats.org/markup-compatibility/2006" xmlns:p14="http://schemas.microsoft.com/office/powerpoint/2010/main">
+          <mc:Choice Requires="p14">
+            <p:contentPart p14:bwMode="auto" r:id="rId176">
+              <p14:nvContentPartPr>
+                <p14:cNvPr id="121" name="Mürekkep 120">
+                  <a:extLst>
+                    <a:ext uri="{FF2B5EF4-FFF2-40B4-BE49-F238E27FC236}">
+                      <a16:creationId xmlns:a16="http://schemas.microsoft.com/office/drawing/2014/main" id="{FFE679DC-C564-7B65-277F-D896E3ED3BEB}"/>
+                    </a:ext>
+                  </a:extLst>
+                </p14:cNvPr>
+                <p14:cNvContentPartPr/>
+                <p14:nvPr/>
+              </p14:nvContentPartPr>
+              <p14:xfrm>
+                <a:off x="8192983" y="2706345"/>
+                <a:ext cx="195840" cy="213120"/>
+              </p14:xfrm>
+            </p:contentPart>
+          </mc:Choice>
+          <mc:Fallback xmlns="">
+            <p:pic>
+              <p:nvPicPr>
+                <p:cNvPr id="121" name="Mürekkep 120">
+                  <a:extLst>
+                    <a:ext uri="{FF2B5EF4-FFF2-40B4-BE49-F238E27FC236}">
+                      <a16:creationId xmlns:a16="http://schemas.microsoft.com/office/drawing/2014/main" id="{FFE679DC-C564-7B65-277F-D896E3ED3BEB}"/>
+                    </a:ext>
+                  </a:extLst>
+                </p:cNvPr>
+                <p:cNvPicPr/>
+                <p:nvPr/>
+              </p:nvPicPr>
+              <p:blipFill>
+                <a:blip r:embed="rId177"/>
+                <a:stretch>
+                  <a:fillRect/>
+                </a:stretch>
+              </p:blipFill>
+              <p:spPr>
+                <a:xfrm>
+                  <a:off x="8186863" y="2700225"/>
+                  <a:ext cx="208080" cy="225360"/>
+                </a:xfrm>
+                <a:prstGeom prst="rect">
+                  <a:avLst/>
+                </a:prstGeom>
+              </p:spPr>
+            </p:pic>
+          </mc:Fallback>
+        </mc:AlternateContent>
+        <mc:AlternateContent xmlns:mc="http://schemas.openxmlformats.org/markup-compatibility/2006" xmlns:p14="http://schemas.microsoft.com/office/powerpoint/2010/main">
+          <mc:Choice Requires="p14">
+            <p:contentPart p14:bwMode="auto" r:id="rId178">
+              <p14:nvContentPartPr>
+                <p14:cNvPr id="139" name="Mürekkep 138">
+                  <a:extLst>
+                    <a:ext uri="{FF2B5EF4-FFF2-40B4-BE49-F238E27FC236}">
+                      <a16:creationId xmlns:a16="http://schemas.microsoft.com/office/drawing/2014/main" id="{89FCEA3E-12E6-8C4C-EA6F-46A24FDFE494}"/>
+                    </a:ext>
+                  </a:extLst>
+                </p14:cNvPr>
+                <p14:cNvContentPartPr/>
+                <p14:nvPr/>
+              </p14:nvContentPartPr>
+              <p14:xfrm>
+                <a:off x="7586383" y="2887785"/>
+                <a:ext cx="360" cy="71280"/>
+              </p14:xfrm>
+            </p:contentPart>
+          </mc:Choice>
+          <mc:Fallback xmlns="">
+            <p:pic>
+              <p:nvPicPr>
+                <p:cNvPr id="139" name="Mürekkep 138">
+                  <a:extLst>
+                    <a:ext uri="{FF2B5EF4-FFF2-40B4-BE49-F238E27FC236}">
+                      <a16:creationId xmlns:a16="http://schemas.microsoft.com/office/drawing/2014/main" id="{89FCEA3E-12E6-8C4C-EA6F-46A24FDFE494}"/>
+                    </a:ext>
+                  </a:extLst>
+                </p:cNvPr>
+                <p:cNvPicPr/>
+                <p:nvPr/>
+              </p:nvPicPr>
+              <p:blipFill>
+                <a:blip r:embed="rId179"/>
+                <a:stretch>
+                  <a:fillRect/>
+                </a:stretch>
+              </p:blipFill>
+              <p:spPr>
+                <a:xfrm>
+                  <a:off x="7580263" y="2881665"/>
+                  <a:ext cx="12600" cy="83520"/>
+                </a:xfrm>
+                <a:prstGeom prst="rect">
+                  <a:avLst/>
+                </a:prstGeom>
+              </p:spPr>
+            </p:pic>
+          </mc:Fallback>
+        </mc:AlternateContent>
+        <mc:AlternateContent xmlns:mc="http://schemas.openxmlformats.org/markup-compatibility/2006" xmlns:p14="http://schemas.microsoft.com/office/powerpoint/2010/main">
+          <mc:Choice Requires="p14">
+            <p:contentPart p14:bwMode="auto" r:id="rId180">
+              <p14:nvContentPartPr>
+                <p14:cNvPr id="140" name="Mürekkep 139">
+                  <a:extLst>
+                    <a:ext uri="{FF2B5EF4-FFF2-40B4-BE49-F238E27FC236}">
+                      <a16:creationId xmlns:a16="http://schemas.microsoft.com/office/drawing/2014/main" id="{5248CF91-4198-9F33-484D-6E20C00A8F38}"/>
+                    </a:ext>
+                  </a:extLst>
+                </p14:cNvPr>
+                <p14:cNvContentPartPr/>
+                <p14:nvPr/>
+              </p14:nvContentPartPr>
+              <p14:xfrm>
+                <a:off x="8392063" y="2906145"/>
+                <a:ext cx="50760" cy="66600"/>
+              </p14:xfrm>
+            </p:contentPart>
+          </mc:Choice>
+          <mc:Fallback xmlns="">
+            <p:pic>
+              <p:nvPicPr>
+                <p:cNvPr id="140" name="Mürekkep 139">
+                  <a:extLst>
+                    <a:ext uri="{FF2B5EF4-FFF2-40B4-BE49-F238E27FC236}">
+                      <a16:creationId xmlns:a16="http://schemas.microsoft.com/office/drawing/2014/main" id="{5248CF91-4198-9F33-484D-6E20C00A8F38}"/>
+                    </a:ext>
+                  </a:extLst>
+                </p:cNvPr>
+                <p:cNvPicPr/>
+                <p:nvPr/>
+              </p:nvPicPr>
+              <p:blipFill>
+                <a:blip r:embed="rId181"/>
+                <a:stretch>
+                  <a:fillRect/>
+                </a:stretch>
+              </p:blipFill>
+              <p:spPr>
+                <a:xfrm>
+                  <a:off x="8385943" y="2900025"/>
+                  <a:ext cx="63000" cy="78840"/>
+                </a:xfrm>
+                <a:prstGeom prst="rect">
+                  <a:avLst/>
+                </a:prstGeom>
+              </p:spPr>
+            </p:pic>
+          </mc:Fallback>
+        </mc:AlternateContent>
+      </p:grpSp>
+      <mc:AlternateContent xmlns:mc="http://schemas.openxmlformats.org/markup-compatibility/2006" xmlns:p14="http://schemas.microsoft.com/office/powerpoint/2010/main">
+        <mc:Choice Requires="p14">
+          <p:contentPart p14:bwMode="auto" r:id="rId182">
+            <p14:nvContentPartPr>
+              <p14:cNvPr id="162" name="Mürekkep 161">
+                <a:extLst>
+                  <a:ext uri="{FF2B5EF4-FFF2-40B4-BE49-F238E27FC236}">
+                    <a16:creationId xmlns:a16="http://schemas.microsoft.com/office/drawing/2014/main" id="{9FFE593D-BD87-7E5F-4ECD-B3FAE65C40F9}"/>
+                  </a:ext>
+                </a:extLst>
+              </p14:cNvPr>
+              <p14:cNvContentPartPr/>
+              <p14:nvPr/>
+            </p14:nvContentPartPr>
+            <p14:xfrm>
+              <a:off x="6478303" y="5127705"/>
+              <a:ext cx="92520" cy="103320"/>
+            </p14:xfrm>
+          </p:contentPart>
+        </mc:Choice>
+        <mc:Fallback xmlns="">
+          <p:pic>
+            <p:nvPicPr>
+              <p:cNvPr id="162" name="Mürekkep 161">
+                <a:extLst>
+                  <a:ext uri="{FF2B5EF4-FFF2-40B4-BE49-F238E27FC236}">
+                    <a16:creationId xmlns:a16="http://schemas.microsoft.com/office/drawing/2014/main" id="{9FFE593D-BD87-7E5F-4ECD-B3FAE65C40F9}"/>
+                  </a:ext>
+                </a:extLst>
+              </p:cNvPr>
+              <p:cNvPicPr/>
+              <p:nvPr/>
+            </p:nvPicPr>
+            <p:blipFill>
+              <a:blip r:embed="rId183"/>
+              <a:stretch>
+                <a:fillRect/>
+              </a:stretch>
+            </p:blipFill>
+            <p:spPr>
+              <a:xfrm>
+                <a:off x="6472183" y="5121585"/>
+                <a:ext cx="104760" cy="115560"/>
+              </a:xfrm>
+              <a:prstGeom prst="rect">
+                <a:avLst/>
+              </a:prstGeom>
+            </p:spPr>
+          </p:pic>
+        </mc:Fallback>
+      </mc:AlternateContent>
+      <mc:AlternateContent xmlns:mc="http://schemas.openxmlformats.org/markup-compatibility/2006" xmlns:p14="http://schemas.microsoft.com/office/powerpoint/2010/main">
+        <mc:Choice Requires="p14">
+          <p:contentPart p14:bwMode="auto" r:id="rId184">
+            <p14:nvContentPartPr>
+              <p14:cNvPr id="166" name="Mürekkep 165">
+                <a:extLst>
+                  <a:ext uri="{FF2B5EF4-FFF2-40B4-BE49-F238E27FC236}">
+                    <a16:creationId xmlns:a16="http://schemas.microsoft.com/office/drawing/2014/main" id="{4E893B95-D40C-9A7A-ADA3-67625C03AE35}"/>
+                  </a:ext>
+                </a:extLst>
+              </p14:cNvPr>
+              <p14:cNvContentPartPr/>
+              <p14:nvPr/>
+            </p14:nvContentPartPr>
+            <p14:xfrm>
+              <a:off x="6798703" y="5313825"/>
+              <a:ext cx="63720" cy="417240"/>
+            </p14:xfrm>
+          </p:contentPart>
+        </mc:Choice>
+        <mc:Fallback xmlns="">
+          <p:pic>
+            <p:nvPicPr>
+              <p:cNvPr id="166" name="Mürekkep 165">
+                <a:extLst>
+                  <a:ext uri="{FF2B5EF4-FFF2-40B4-BE49-F238E27FC236}">
+                    <a16:creationId xmlns:a16="http://schemas.microsoft.com/office/drawing/2014/main" id="{4E893B95-D40C-9A7A-ADA3-67625C03AE35}"/>
+                  </a:ext>
+                </a:extLst>
+              </p:cNvPr>
+              <p:cNvPicPr/>
+              <p:nvPr/>
+            </p:nvPicPr>
+            <p:blipFill>
+              <a:blip r:embed="rId185"/>
+              <a:stretch>
+                <a:fillRect/>
+              </a:stretch>
+            </p:blipFill>
+            <p:spPr>
+              <a:xfrm>
+                <a:off x="6792583" y="5307705"/>
+                <a:ext cx="75960" cy="429480"/>
+              </a:xfrm>
+              <a:prstGeom prst="rect">
+                <a:avLst/>
+              </a:prstGeom>
+            </p:spPr>
+          </p:pic>
+        </mc:Fallback>
+      </mc:AlternateContent>
+      <mc:AlternateContent xmlns:mc="http://schemas.openxmlformats.org/markup-compatibility/2006" xmlns:p14="http://schemas.microsoft.com/office/powerpoint/2010/main">
+        <mc:Choice Requires="p14">
+          <p:contentPart p14:bwMode="auto" r:id="rId186">
+            <p14:nvContentPartPr>
+              <p14:cNvPr id="167" name="Mürekkep 166">
+                <a:extLst>
+                  <a:ext uri="{FF2B5EF4-FFF2-40B4-BE49-F238E27FC236}">
+                    <a16:creationId xmlns:a16="http://schemas.microsoft.com/office/drawing/2014/main" id="{A1709F9B-3BC3-E5C4-D749-7197767843FD}"/>
+                  </a:ext>
+                </a:extLst>
+              </p14:cNvPr>
+              <p14:cNvContentPartPr/>
+              <p14:nvPr/>
+            </p14:nvContentPartPr>
+            <p14:xfrm>
+              <a:off x="6853063" y="5694345"/>
+              <a:ext cx="33120" cy="138240"/>
+            </p14:xfrm>
+          </p:contentPart>
+        </mc:Choice>
+        <mc:Fallback xmlns="">
+          <p:pic>
+            <p:nvPicPr>
+              <p:cNvPr id="167" name="Mürekkep 166">
+                <a:extLst>
+                  <a:ext uri="{FF2B5EF4-FFF2-40B4-BE49-F238E27FC236}">
+                    <a16:creationId xmlns:a16="http://schemas.microsoft.com/office/drawing/2014/main" id="{A1709F9B-3BC3-E5C4-D749-7197767843FD}"/>
+                  </a:ext>
+                </a:extLst>
+              </p:cNvPr>
+              <p:cNvPicPr/>
+              <p:nvPr/>
+            </p:nvPicPr>
+            <p:blipFill>
+              <a:blip r:embed="rId187"/>
+              <a:stretch>
+                <a:fillRect/>
+              </a:stretch>
+            </p:blipFill>
+            <p:spPr>
+              <a:xfrm>
+                <a:off x="6846943" y="5688225"/>
+                <a:ext cx="45360" cy="150480"/>
+              </a:xfrm>
+              <a:prstGeom prst="rect">
+                <a:avLst/>
+              </a:prstGeom>
+            </p:spPr>
+          </p:pic>
+        </mc:Fallback>
+      </mc:AlternateContent>
+      <mc:AlternateContent xmlns:mc="http://schemas.openxmlformats.org/markup-compatibility/2006" xmlns:p14="http://schemas.microsoft.com/office/powerpoint/2010/main">
+        <mc:Choice Requires="p14">
+          <p:contentPart p14:bwMode="auto" r:id="rId188">
+            <p14:nvContentPartPr>
+              <p14:cNvPr id="169" name="Mürekkep 168">
+                <a:extLst>
+                  <a:ext uri="{FF2B5EF4-FFF2-40B4-BE49-F238E27FC236}">
+                    <a16:creationId xmlns:a16="http://schemas.microsoft.com/office/drawing/2014/main" id="{16235860-A26A-7153-EB9B-71523B99A37F}"/>
+                  </a:ext>
+                </a:extLst>
+              </p14:cNvPr>
+              <p14:cNvContentPartPr/>
+              <p14:nvPr/>
+            </p14:nvContentPartPr>
+            <p14:xfrm>
+              <a:off x="6671983" y="5839065"/>
+              <a:ext cx="217800" cy="154440"/>
+            </p14:xfrm>
+          </p:contentPart>
+        </mc:Choice>
+        <mc:Fallback xmlns="">
+          <p:pic>
+            <p:nvPicPr>
+              <p:cNvPr id="169" name="Mürekkep 168">
+                <a:extLst>
+                  <a:ext uri="{FF2B5EF4-FFF2-40B4-BE49-F238E27FC236}">
+                    <a16:creationId xmlns:a16="http://schemas.microsoft.com/office/drawing/2014/main" id="{16235860-A26A-7153-EB9B-71523B99A37F}"/>
+                  </a:ext>
+                </a:extLst>
+              </p:cNvPr>
+              <p:cNvPicPr/>
+              <p:nvPr/>
+            </p:nvPicPr>
+            <p:blipFill>
+              <a:blip r:embed="rId189"/>
+              <a:stretch>
+                <a:fillRect/>
+              </a:stretch>
+            </p:blipFill>
+            <p:spPr>
+              <a:xfrm>
+                <a:off x="6665863" y="5832945"/>
+                <a:ext cx="230040" cy="166680"/>
+              </a:xfrm>
+              <a:prstGeom prst="rect">
+                <a:avLst/>
+              </a:prstGeom>
+            </p:spPr>
+          </p:pic>
+        </mc:Fallback>
+      </mc:AlternateContent>
+      <p:grpSp>
+        <p:nvGrpSpPr>
+          <p:cNvPr id="173" name="Grup 172">
+            <a:extLst>
+              <a:ext uri="{FF2B5EF4-FFF2-40B4-BE49-F238E27FC236}">
+                <a16:creationId xmlns:a16="http://schemas.microsoft.com/office/drawing/2014/main" id="{178C2A66-F15D-85CB-6B22-2C04042D0654}"/>
+              </a:ext>
+            </a:extLst>
+          </p:cNvPr>
+          <p:cNvGrpSpPr/>
+          <p:nvPr/>
+        </p:nvGrpSpPr>
+        <p:grpSpPr>
+          <a:xfrm>
+            <a:off x="6661183" y="5857425"/>
+            <a:ext cx="473040" cy="298080"/>
+            <a:chOff x="6661183" y="5857425"/>
+            <a:chExt cx="473040" cy="298080"/>
+          </a:xfrm>
+        </p:grpSpPr>
+        <mc:AlternateContent xmlns:mc="http://schemas.openxmlformats.org/markup-compatibility/2006" xmlns:p14="http://schemas.microsoft.com/office/powerpoint/2010/main">
+          <mc:Choice Requires="p14">
+            <p:contentPart p14:bwMode="auto" r:id="rId190">
+              <p14:nvContentPartPr>
+                <p14:cNvPr id="170" name="Mürekkep 169">
+                  <a:extLst>
+                    <a:ext uri="{FF2B5EF4-FFF2-40B4-BE49-F238E27FC236}">
+                      <a16:creationId xmlns:a16="http://schemas.microsoft.com/office/drawing/2014/main" id="{52F9B142-F46C-E534-4333-CA7EFA8D117F}"/>
+                    </a:ext>
+                  </a:extLst>
+                </p14:cNvPr>
+                <p14:cNvContentPartPr/>
+                <p14:nvPr/>
+              </p14:nvContentPartPr>
+              <p14:xfrm>
+                <a:off x="6661183" y="5993145"/>
+                <a:ext cx="11520" cy="162360"/>
+              </p14:xfrm>
+            </p:contentPart>
+          </mc:Choice>
+          <mc:Fallback xmlns="">
+            <p:pic>
+              <p:nvPicPr>
+                <p:cNvPr id="170" name="Mürekkep 169">
+                  <a:extLst>
+                    <a:ext uri="{FF2B5EF4-FFF2-40B4-BE49-F238E27FC236}">
+                      <a16:creationId xmlns:a16="http://schemas.microsoft.com/office/drawing/2014/main" id="{52F9B142-F46C-E534-4333-CA7EFA8D117F}"/>
+                    </a:ext>
+                  </a:extLst>
+                </p:cNvPr>
+                <p:cNvPicPr/>
+                <p:nvPr/>
+              </p:nvPicPr>
+              <p:blipFill>
+                <a:blip r:embed="rId191"/>
+                <a:stretch>
+                  <a:fillRect/>
+                </a:stretch>
+              </p:blipFill>
+              <p:spPr>
+                <a:xfrm>
+                  <a:off x="6655063" y="5987025"/>
+                  <a:ext cx="23760" cy="174600"/>
+                </a:xfrm>
+                <a:prstGeom prst="rect">
+                  <a:avLst/>
+                </a:prstGeom>
+              </p:spPr>
+            </p:pic>
+          </mc:Fallback>
+        </mc:AlternateContent>
+        <mc:AlternateContent xmlns:mc="http://schemas.openxmlformats.org/markup-compatibility/2006" xmlns:p14="http://schemas.microsoft.com/office/powerpoint/2010/main">
+          <mc:Choice Requires="p14">
+            <p:contentPart p14:bwMode="auto" r:id="rId192">
+              <p14:nvContentPartPr>
+                <p14:cNvPr id="171" name="Mürekkep 170">
+                  <a:extLst>
+                    <a:ext uri="{FF2B5EF4-FFF2-40B4-BE49-F238E27FC236}">
+                      <a16:creationId xmlns:a16="http://schemas.microsoft.com/office/drawing/2014/main" id="{6B72ED36-F5A7-1EC4-EC10-72613A5AAEB2}"/>
+                    </a:ext>
+                  </a:extLst>
+                </p14:cNvPr>
+                <p14:cNvContentPartPr/>
+                <p14:nvPr/>
+              </p14:nvContentPartPr>
+              <p14:xfrm>
+                <a:off x="6898423" y="5857425"/>
+                <a:ext cx="177120" cy="112320"/>
+              </p14:xfrm>
+            </p:contentPart>
+          </mc:Choice>
+          <mc:Fallback xmlns="">
+            <p:pic>
+              <p:nvPicPr>
+                <p:cNvPr id="171" name="Mürekkep 170">
+                  <a:extLst>
+                    <a:ext uri="{FF2B5EF4-FFF2-40B4-BE49-F238E27FC236}">
+                      <a16:creationId xmlns:a16="http://schemas.microsoft.com/office/drawing/2014/main" id="{6B72ED36-F5A7-1EC4-EC10-72613A5AAEB2}"/>
+                    </a:ext>
+                  </a:extLst>
+                </p:cNvPr>
+                <p:cNvPicPr/>
+                <p:nvPr/>
+              </p:nvPicPr>
+              <p:blipFill>
+                <a:blip r:embed="rId193"/>
+                <a:stretch>
+                  <a:fillRect/>
+                </a:stretch>
+              </p:blipFill>
+              <p:spPr>
+                <a:xfrm>
+                  <a:off x="6892303" y="5851305"/>
+                  <a:ext cx="189360" cy="124560"/>
+                </a:xfrm>
+                <a:prstGeom prst="rect">
+                  <a:avLst/>
+                </a:prstGeom>
+              </p:spPr>
+            </p:pic>
+          </mc:Fallback>
+        </mc:AlternateContent>
+        <mc:AlternateContent xmlns:mc="http://schemas.openxmlformats.org/markup-compatibility/2006" xmlns:p14="http://schemas.microsoft.com/office/powerpoint/2010/main">
+          <mc:Choice Requires="p14">
+            <p:contentPart p14:bwMode="auto" r:id="rId194">
+              <p14:nvContentPartPr>
+                <p14:cNvPr id="172" name="Mürekkep 171">
+                  <a:extLst>
+                    <a:ext uri="{FF2B5EF4-FFF2-40B4-BE49-F238E27FC236}">
+                      <a16:creationId xmlns:a16="http://schemas.microsoft.com/office/drawing/2014/main" id="{C3246F83-6093-16B9-B5FD-ACCB6AADEFE9}"/>
+                    </a:ext>
+                  </a:extLst>
+                </p14:cNvPr>
+                <p14:cNvContentPartPr/>
+                <p14:nvPr/>
+              </p14:nvContentPartPr>
+              <p14:xfrm>
+                <a:off x="7079143" y="5974785"/>
+                <a:ext cx="55080" cy="163440"/>
+              </p14:xfrm>
+            </p:contentPart>
+          </mc:Choice>
+          <mc:Fallback xmlns="">
+            <p:pic>
+              <p:nvPicPr>
+                <p:cNvPr id="172" name="Mürekkep 171">
+                  <a:extLst>
+                    <a:ext uri="{FF2B5EF4-FFF2-40B4-BE49-F238E27FC236}">
+                      <a16:creationId xmlns:a16="http://schemas.microsoft.com/office/drawing/2014/main" id="{C3246F83-6093-16B9-B5FD-ACCB6AADEFE9}"/>
+                    </a:ext>
+                  </a:extLst>
+                </p:cNvPr>
+                <p:cNvPicPr/>
+                <p:nvPr/>
+              </p:nvPicPr>
+              <p:blipFill>
+                <a:blip r:embed="rId195"/>
+                <a:stretch>
+                  <a:fillRect/>
+                </a:stretch>
+              </p:blipFill>
+              <p:spPr>
+                <a:xfrm>
+                  <a:off x="7073023" y="5968665"/>
+                  <a:ext cx="67320" cy="175680"/>
+                </a:xfrm>
+                <a:prstGeom prst="rect">
+                  <a:avLst/>
+                </a:prstGeom>
+              </p:spPr>
+            </p:pic>
+          </mc:Fallback>
+        </mc:AlternateContent>
+      </p:grpSp>
+      <p:grpSp>
+        <p:nvGrpSpPr>
+          <p:cNvPr id="176" name="Grup 175">
+            <a:extLst>
+              <a:ext uri="{FF2B5EF4-FFF2-40B4-BE49-F238E27FC236}">
+                <a16:creationId xmlns:a16="http://schemas.microsoft.com/office/drawing/2014/main" id="{D68983E1-FD49-DB29-BB98-8BCD2A2D5AFB}"/>
+              </a:ext>
+            </a:extLst>
+          </p:cNvPr>
+          <p:cNvGrpSpPr/>
+          <p:nvPr/>
+        </p:nvGrpSpPr>
+        <p:grpSpPr>
+          <a:xfrm>
+            <a:off x="6826063" y="5413905"/>
+            <a:ext cx="228960" cy="317520"/>
+            <a:chOff x="6826063" y="5413905"/>
+            <a:chExt cx="228960" cy="317520"/>
+          </a:xfrm>
+        </p:grpSpPr>
+        <mc:AlternateContent xmlns:mc="http://schemas.openxmlformats.org/markup-compatibility/2006" xmlns:p14="http://schemas.microsoft.com/office/powerpoint/2010/main">
+          <mc:Choice Requires="p14">
+            <p:contentPart p14:bwMode="auto" r:id="rId196">
+              <p14:nvContentPartPr>
+                <p14:cNvPr id="174" name="Mürekkep 173">
+                  <a:extLst>
+                    <a:ext uri="{FF2B5EF4-FFF2-40B4-BE49-F238E27FC236}">
+                      <a16:creationId xmlns:a16="http://schemas.microsoft.com/office/drawing/2014/main" id="{E7A1FD69-098C-A53D-E70B-61BC854488E0}"/>
+                    </a:ext>
+                  </a:extLst>
+                </p14:cNvPr>
+                <p14:cNvContentPartPr/>
+                <p14:nvPr/>
+              </p14:nvContentPartPr>
+              <p14:xfrm>
+                <a:off x="6826063" y="5413905"/>
+                <a:ext cx="164880" cy="106200"/>
+              </p14:xfrm>
+            </p:contentPart>
+          </mc:Choice>
+          <mc:Fallback xmlns="">
+            <p:pic>
+              <p:nvPicPr>
+                <p:cNvPr id="174" name="Mürekkep 173">
+                  <a:extLst>
+                    <a:ext uri="{FF2B5EF4-FFF2-40B4-BE49-F238E27FC236}">
+                      <a16:creationId xmlns:a16="http://schemas.microsoft.com/office/drawing/2014/main" id="{E7A1FD69-098C-A53D-E70B-61BC854488E0}"/>
+                    </a:ext>
+                  </a:extLst>
+                </p:cNvPr>
+                <p:cNvPicPr/>
+                <p:nvPr/>
+              </p:nvPicPr>
+              <p:blipFill>
+                <a:blip r:embed="rId197"/>
+                <a:stretch>
+                  <a:fillRect/>
+                </a:stretch>
+              </p:blipFill>
+              <p:spPr>
+                <a:xfrm>
+                  <a:off x="6819943" y="5407785"/>
+                  <a:ext cx="177120" cy="118440"/>
+                </a:xfrm>
+                <a:prstGeom prst="rect">
+                  <a:avLst/>
+                </a:prstGeom>
+              </p:spPr>
+            </p:pic>
+          </mc:Fallback>
+        </mc:AlternateContent>
+        <mc:AlternateContent xmlns:mc="http://schemas.openxmlformats.org/markup-compatibility/2006" xmlns:p14="http://schemas.microsoft.com/office/powerpoint/2010/main">
+          <mc:Choice Requires="p14">
+            <p:contentPart p14:bwMode="auto" r:id="rId198">
+              <p14:nvContentPartPr>
+                <p14:cNvPr id="175" name="Mürekkep 174">
+                  <a:extLst>
+                    <a:ext uri="{FF2B5EF4-FFF2-40B4-BE49-F238E27FC236}">
+                      <a16:creationId xmlns:a16="http://schemas.microsoft.com/office/drawing/2014/main" id="{F7DD4977-0F1D-ADA5-880B-4CC7CF475329}"/>
+                    </a:ext>
+                  </a:extLst>
+                </p14:cNvPr>
+                <p14:cNvContentPartPr/>
+                <p14:nvPr/>
+              </p14:nvContentPartPr>
+              <p14:xfrm>
+                <a:off x="6997783" y="5522265"/>
+                <a:ext cx="57240" cy="209160"/>
+              </p14:xfrm>
+            </p:contentPart>
+          </mc:Choice>
+          <mc:Fallback xmlns="">
+            <p:pic>
+              <p:nvPicPr>
+                <p:cNvPr id="175" name="Mürekkep 174">
+                  <a:extLst>
+                    <a:ext uri="{FF2B5EF4-FFF2-40B4-BE49-F238E27FC236}">
+                      <a16:creationId xmlns:a16="http://schemas.microsoft.com/office/drawing/2014/main" id="{F7DD4977-0F1D-ADA5-880B-4CC7CF475329}"/>
+                    </a:ext>
+                  </a:extLst>
+                </p:cNvPr>
+                <p:cNvPicPr/>
+                <p:nvPr/>
+              </p:nvPicPr>
+              <p:blipFill>
+                <a:blip r:embed="rId199"/>
+                <a:stretch>
+                  <a:fillRect/>
+                </a:stretch>
+              </p:blipFill>
+              <p:spPr>
+                <a:xfrm>
+                  <a:off x="6991663" y="5516145"/>
+                  <a:ext cx="69480" cy="221400"/>
+                </a:xfrm>
+                <a:prstGeom prst="rect">
+                  <a:avLst/>
+                </a:prstGeom>
+              </p:spPr>
+            </p:pic>
+          </mc:Fallback>
+        </mc:AlternateContent>
+      </p:grpSp>
+      <mc:AlternateContent xmlns:mc="http://schemas.openxmlformats.org/markup-compatibility/2006" xmlns:p14="http://schemas.microsoft.com/office/powerpoint/2010/main">
+        <mc:Choice Requires="p14">
+          <p:contentPart p14:bwMode="auto" r:id="rId200">
+            <p14:nvContentPartPr>
+              <p14:cNvPr id="178" name="Mürekkep 177">
+                <a:extLst>
+                  <a:ext uri="{FF2B5EF4-FFF2-40B4-BE49-F238E27FC236}">
+                    <a16:creationId xmlns:a16="http://schemas.microsoft.com/office/drawing/2014/main" id="{0F3208A5-C286-1EC9-C968-06C220F289F7}"/>
+                  </a:ext>
+                </a:extLst>
+              </p14:cNvPr>
+              <p14:cNvContentPartPr/>
+              <p14:nvPr/>
+            </p14:nvContentPartPr>
+            <p14:xfrm>
+              <a:off x="6662983" y="5422545"/>
+              <a:ext cx="136080" cy="154440"/>
+            </p14:xfrm>
+          </p:contentPart>
+        </mc:Choice>
+        <mc:Fallback xmlns="">
+          <p:pic>
+            <p:nvPicPr>
+              <p:cNvPr id="178" name="Mürekkep 177">
+                <a:extLst>
+                  <a:ext uri="{FF2B5EF4-FFF2-40B4-BE49-F238E27FC236}">
+                    <a16:creationId xmlns:a16="http://schemas.microsoft.com/office/drawing/2014/main" id="{0F3208A5-C286-1EC9-C968-06C220F289F7}"/>
+                  </a:ext>
+                </a:extLst>
+              </p:cNvPr>
+              <p:cNvPicPr/>
+              <p:nvPr/>
+            </p:nvPicPr>
+            <p:blipFill>
+              <a:blip r:embed="rId201"/>
+              <a:stretch>
+                <a:fillRect/>
+              </a:stretch>
+            </p:blipFill>
+            <p:spPr>
+              <a:xfrm>
+                <a:off x="6656863" y="5416425"/>
+                <a:ext cx="148320" cy="166680"/>
+              </a:xfrm>
+              <a:prstGeom prst="rect">
+                <a:avLst/>
+              </a:prstGeom>
+            </p:spPr>
+          </p:pic>
+        </mc:Fallback>
+      </mc:AlternateContent>
+      <mc:AlternateContent xmlns:mc="http://schemas.openxmlformats.org/markup-compatibility/2006" xmlns:p14="http://schemas.microsoft.com/office/powerpoint/2010/main">
+        <mc:Choice Requires="p14">
+          <p:contentPart p14:bwMode="auto" r:id="rId202">
+            <p14:nvContentPartPr>
+              <p14:cNvPr id="179" name="Mürekkep 178">
+                <a:extLst>
+                  <a:ext uri="{FF2B5EF4-FFF2-40B4-BE49-F238E27FC236}">
+                    <a16:creationId xmlns:a16="http://schemas.microsoft.com/office/drawing/2014/main" id="{B9574C03-565C-DE39-4407-A4A4A20EA12B}"/>
+                  </a:ext>
+                </a:extLst>
+              </p14:cNvPr>
+              <p14:cNvContentPartPr/>
+              <p14:nvPr/>
+            </p14:nvContentPartPr>
+            <p14:xfrm>
+              <a:off x="6610783" y="5585625"/>
+              <a:ext cx="34560" cy="209520"/>
+            </p14:xfrm>
+          </p:contentPart>
+        </mc:Choice>
+        <mc:Fallback xmlns="">
+          <p:pic>
+            <p:nvPicPr>
+              <p:cNvPr id="179" name="Mürekkep 178">
+                <a:extLst>
+                  <a:ext uri="{FF2B5EF4-FFF2-40B4-BE49-F238E27FC236}">
+                    <a16:creationId xmlns:a16="http://schemas.microsoft.com/office/drawing/2014/main" id="{B9574C03-565C-DE39-4407-A4A4A20EA12B}"/>
+                  </a:ext>
+                </a:extLst>
+              </p:cNvPr>
+              <p:cNvPicPr/>
+              <p:nvPr/>
+            </p:nvPicPr>
+            <p:blipFill>
+              <a:blip r:embed="rId203"/>
+              <a:stretch>
+                <a:fillRect/>
+              </a:stretch>
+            </p:blipFill>
+            <p:spPr>
+              <a:xfrm>
+                <a:off x="6604663" y="5579505"/>
+                <a:ext cx="46800" cy="221760"/>
+              </a:xfrm>
+              <a:prstGeom prst="rect">
+                <a:avLst/>
+              </a:prstGeom>
+            </p:spPr>
+          </p:pic>
+        </mc:Fallback>
+      </mc:AlternateContent>
+      <mc:AlternateContent xmlns:mc="http://schemas.openxmlformats.org/markup-compatibility/2006" xmlns:p14="http://schemas.microsoft.com/office/powerpoint/2010/main">
+        <mc:Choice Requires="p14">
+          <p:contentPart p14:bwMode="auto" r:id="rId204">
+            <p14:nvContentPartPr>
+              <p14:cNvPr id="182" name="Mürekkep 181">
+                <a:extLst>
+                  <a:ext uri="{FF2B5EF4-FFF2-40B4-BE49-F238E27FC236}">
+                    <a16:creationId xmlns:a16="http://schemas.microsoft.com/office/drawing/2014/main" id="{19AF8A5F-3E1E-BEAD-A277-919305C0CFBC}"/>
+                  </a:ext>
+                </a:extLst>
+              </p14:cNvPr>
+              <p14:cNvContentPartPr/>
+              <p14:nvPr/>
+            </p14:nvContentPartPr>
+            <p14:xfrm>
+              <a:off x="6590623" y="5196825"/>
+              <a:ext cx="183960" cy="45360"/>
+            </p14:xfrm>
+          </p:contentPart>
+        </mc:Choice>
+        <mc:Fallback xmlns="">
+          <p:pic>
+            <p:nvPicPr>
+              <p:cNvPr id="182" name="Mürekkep 181">
+                <a:extLst>
+                  <a:ext uri="{FF2B5EF4-FFF2-40B4-BE49-F238E27FC236}">
+                    <a16:creationId xmlns:a16="http://schemas.microsoft.com/office/drawing/2014/main" id="{19AF8A5F-3E1E-BEAD-A277-919305C0CFBC}"/>
+                  </a:ext>
+                </a:extLst>
+              </p:cNvPr>
+              <p:cNvPicPr/>
+              <p:nvPr/>
+            </p:nvPicPr>
+            <p:blipFill>
+              <a:blip r:embed="rId205"/>
+              <a:stretch>
+                <a:fillRect/>
+              </a:stretch>
+            </p:blipFill>
+            <p:spPr>
+              <a:xfrm>
+                <a:off x="6584503" y="5190705"/>
+                <a:ext cx="196200" cy="57600"/>
+              </a:xfrm>
+              <a:prstGeom prst="rect">
+                <a:avLst/>
+              </a:prstGeom>
+            </p:spPr>
+          </p:pic>
+        </mc:Fallback>
+      </mc:AlternateContent>
+      <mc:AlternateContent xmlns:mc="http://schemas.openxmlformats.org/markup-compatibility/2006" xmlns:p14="http://schemas.microsoft.com/office/powerpoint/2010/main">
+        <mc:Choice Requires="p14">
+          <p:contentPart p14:bwMode="auto" r:id="rId206">
+            <p14:nvContentPartPr>
+              <p14:cNvPr id="184" name="Mürekkep 183">
+                <a:extLst>
+                  <a:ext uri="{FF2B5EF4-FFF2-40B4-BE49-F238E27FC236}">
+                    <a16:creationId xmlns:a16="http://schemas.microsoft.com/office/drawing/2014/main" id="{CDA1AFC9-21F0-11CE-663A-333C62AFA19C}"/>
+                  </a:ext>
+                </a:extLst>
+              </p14:cNvPr>
+              <p14:cNvContentPartPr/>
+              <p14:nvPr/>
+            </p14:nvContentPartPr>
+            <p14:xfrm>
+              <a:off x="6599623" y="5092785"/>
+              <a:ext cx="58320" cy="13680"/>
+            </p14:xfrm>
+          </p:contentPart>
+        </mc:Choice>
+        <mc:Fallback xmlns="">
+          <p:pic>
+            <p:nvPicPr>
+              <p:cNvPr id="184" name="Mürekkep 183">
+                <a:extLst>
+                  <a:ext uri="{FF2B5EF4-FFF2-40B4-BE49-F238E27FC236}">
+                    <a16:creationId xmlns:a16="http://schemas.microsoft.com/office/drawing/2014/main" id="{CDA1AFC9-21F0-11CE-663A-333C62AFA19C}"/>
+                  </a:ext>
+                </a:extLst>
+              </p:cNvPr>
+              <p:cNvPicPr/>
+              <p:nvPr/>
+            </p:nvPicPr>
+            <p:blipFill>
+              <a:blip r:embed="rId207"/>
+              <a:stretch>
+                <a:fillRect/>
+              </a:stretch>
+            </p:blipFill>
+            <p:spPr>
+              <a:xfrm>
+                <a:off x="6593503" y="5086665"/>
+                <a:ext cx="70560" cy="25920"/>
+              </a:xfrm>
+              <a:prstGeom prst="rect">
+                <a:avLst/>
+              </a:prstGeom>
+            </p:spPr>
+          </p:pic>
+        </mc:Fallback>
+      </mc:AlternateContent>
+      <mc:AlternateContent xmlns:mc="http://schemas.openxmlformats.org/markup-compatibility/2006" xmlns:p14="http://schemas.microsoft.com/office/powerpoint/2010/main">
+        <mc:Choice Requires="p14">
+          <p:contentPart p14:bwMode="auto" r:id="rId208">
+            <p14:nvContentPartPr>
+              <p14:cNvPr id="195" name="Mürekkep 194">
+                <a:extLst>
+                  <a:ext uri="{FF2B5EF4-FFF2-40B4-BE49-F238E27FC236}">
+                    <a16:creationId xmlns:a16="http://schemas.microsoft.com/office/drawing/2014/main" id="{87CBE664-29D6-6CC4-2695-D032F6F29DBF}"/>
+                  </a:ext>
+                </a:extLst>
+              </p14:cNvPr>
+              <p14:cNvContentPartPr/>
+              <p14:nvPr/>
+            </p14:nvContentPartPr>
+            <p14:xfrm>
+              <a:off x="5586583" y="5166945"/>
+              <a:ext cx="759600" cy="30240"/>
+            </p14:xfrm>
+          </p:contentPart>
+        </mc:Choice>
+        <mc:Fallback xmlns="">
+          <p:pic>
+            <p:nvPicPr>
+              <p:cNvPr id="195" name="Mürekkep 194">
+                <a:extLst>
+                  <a:ext uri="{FF2B5EF4-FFF2-40B4-BE49-F238E27FC236}">
+                    <a16:creationId xmlns:a16="http://schemas.microsoft.com/office/drawing/2014/main" id="{87CBE664-29D6-6CC4-2695-D032F6F29DBF}"/>
+                  </a:ext>
+                </a:extLst>
+              </p:cNvPr>
+              <p:cNvPicPr/>
+              <p:nvPr/>
+            </p:nvPicPr>
+            <p:blipFill>
+              <a:blip r:embed="rId209"/>
+              <a:stretch>
+                <a:fillRect/>
+              </a:stretch>
+            </p:blipFill>
+            <p:spPr>
+              <a:xfrm>
+                <a:off x="5580463" y="5160825"/>
+                <a:ext cx="771840" cy="42480"/>
+              </a:xfrm>
+              <a:prstGeom prst="rect">
+                <a:avLst/>
+              </a:prstGeom>
+            </p:spPr>
+          </p:pic>
+        </mc:Fallback>
+      </mc:AlternateContent>
+      <mc:AlternateContent xmlns:mc="http://schemas.openxmlformats.org/markup-compatibility/2006" xmlns:p14="http://schemas.microsoft.com/office/powerpoint/2010/main">
+        <mc:Choice Requires="p14">
+          <p:contentPart p14:bwMode="auto" r:id="rId210">
+            <p14:nvContentPartPr>
+              <p14:cNvPr id="203" name="Mürekkep 202">
+                <a:extLst>
+                  <a:ext uri="{FF2B5EF4-FFF2-40B4-BE49-F238E27FC236}">
+                    <a16:creationId xmlns:a16="http://schemas.microsoft.com/office/drawing/2014/main" id="{8EF29C54-B926-568D-8EAF-953E07D374D6}"/>
+                  </a:ext>
+                </a:extLst>
+              </p14:cNvPr>
+              <p14:cNvContentPartPr/>
+              <p14:nvPr/>
+            </p14:nvContentPartPr>
+            <p14:xfrm>
+              <a:off x="4452943" y="5121585"/>
+              <a:ext cx="570600" cy="183600"/>
+            </p14:xfrm>
+          </p:contentPart>
+        </mc:Choice>
+        <mc:Fallback xmlns="">
+          <p:pic>
+            <p:nvPicPr>
+              <p:cNvPr id="203" name="Mürekkep 202">
+                <a:extLst>
+                  <a:ext uri="{FF2B5EF4-FFF2-40B4-BE49-F238E27FC236}">
+                    <a16:creationId xmlns:a16="http://schemas.microsoft.com/office/drawing/2014/main" id="{8EF29C54-B926-568D-8EAF-953E07D374D6}"/>
+                  </a:ext>
+                </a:extLst>
+              </p:cNvPr>
+              <p:cNvPicPr/>
+              <p:nvPr/>
+            </p:nvPicPr>
+            <p:blipFill>
+              <a:blip r:embed="rId211"/>
+              <a:stretch>
+                <a:fillRect/>
+              </a:stretch>
+            </p:blipFill>
+            <p:spPr>
+              <a:xfrm>
+                <a:off x="4446823" y="5115465"/>
+                <a:ext cx="582840" cy="195840"/>
+              </a:xfrm>
+              <a:prstGeom prst="rect">
+                <a:avLst/>
+              </a:prstGeom>
+            </p:spPr>
+          </p:pic>
+        </mc:Fallback>
+      </mc:AlternateContent>
+      <mc:AlternateContent xmlns:mc="http://schemas.openxmlformats.org/markup-compatibility/2006" xmlns:p14="http://schemas.microsoft.com/office/powerpoint/2010/main">
+        <mc:Choice Requires="p14">
+          <p:contentPart p14:bwMode="auto" r:id="rId212">
+            <p14:nvContentPartPr>
+              <p14:cNvPr id="202" name="Mürekkep 201">
+                <a:extLst>
+                  <a:ext uri="{FF2B5EF4-FFF2-40B4-BE49-F238E27FC236}">
+                    <a16:creationId xmlns:a16="http://schemas.microsoft.com/office/drawing/2014/main" id="{53F0726A-8A2B-DBC8-0831-97CF27E2FC3A}"/>
+                  </a:ext>
+                </a:extLst>
+              </p14:cNvPr>
+              <p14:cNvContentPartPr/>
+              <p14:nvPr/>
+            </p14:nvContentPartPr>
+            <p14:xfrm>
+              <a:off x="4615303" y="5123385"/>
+              <a:ext cx="598320" cy="202320"/>
+            </p14:xfrm>
+          </p:contentPart>
+        </mc:Choice>
+        <mc:Fallback xmlns="">
+          <p:pic>
+            <p:nvPicPr>
+              <p:cNvPr id="202" name="Mürekkep 201">
+                <a:extLst>
+                  <a:ext uri="{FF2B5EF4-FFF2-40B4-BE49-F238E27FC236}">
+                    <a16:creationId xmlns:a16="http://schemas.microsoft.com/office/drawing/2014/main" id="{53F0726A-8A2B-DBC8-0831-97CF27E2FC3A}"/>
+                  </a:ext>
+                </a:extLst>
+              </p:cNvPr>
+              <p:cNvPicPr/>
+              <p:nvPr/>
+            </p:nvPicPr>
+            <p:blipFill>
+              <a:blip r:embed="rId213"/>
+              <a:stretch>
+                <a:fillRect/>
+              </a:stretch>
+            </p:blipFill>
+            <p:spPr>
+              <a:xfrm>
+                <a:off x="4609183" y="5117265"/>
+                <a:ext cx="610560" cy="214560"/>
+              </a:xfrm>
+              <a:prstGeom prst="rect">
+                <a:avLst/>
+              </a:prstGeom>
+            </p:spPr>
+          </p:pic>
+        </mc:Fallback>
+      </mc:AlternateContent>
+      <p:grpSp>
+        <p:nvGrpSpPr>
+          <p:cNvPr id="218" name="Grup 217">
+            <a:extLst>
+              <a:ext uri="{FF2B5EF4-FFF2-40B4-BE49-F238E27FC236}">
+                <a16:creationId xmlns:a16="http://schemas.microsoft.com/office/drawing/2014/main" id="{2F636BE3-95F8-2358-346F-83356BD975B0}"/>
+              </a:ext>
+            </a:extLst>
+          </p:cNvPr>
+          <p:cNvGrpSpPr/>
+          <p:nvPr/>
+        </p:nvGrpSpPr>
+        <p:grpSpPr>
+          <a:xfrm>
+            <a:off x="4479943" y="5053185"/>
+            <a:ext cx="1385640" cy="263160"/>
+            <a:chOff x="4479943" y="5053185"/>
+            <a:chExt cx="1385640" cy="263160"/>
+          </a:xfrm>
+        </p:grpSpPr>
+        <mc:AlternateContent xmlns:mc="http://schemas.openxmlformats.org/markup-compatibility/2006" xmlns:p14="http://schemas.microsoft.com/office/powerpoint/2010/main">
+          <mc:Choice Requires="p14">
+            <p:contentPart p14:bwMode="auto" r:id="rId214">
+              <p14:nvContentPartPr>
+                <p14:cNvPr id="215" name="Mürekkep 214">
+                  <a:extLst>
+                    <a:ext uri="{FF2B5EF4-FFF2-40B4-BE49-F238E27FC236}">
+                      <a16:creationId xmlns:a16="http://schemas.microsoft.com/office/drawing/2014/main" id="{889C0F71-D4F5-0762-BED1-E3B6745D817A}"/>
+                    </a:ext>
+                  </a:extLst>
+                </p14:cNvPr>
+                <p14:cNvContentPartPr/>
+                <p14:nvPr/>
+              </p14:nvContentPartPr>
+              <p14:xfrm>
+                <a:off x="5587663" y="5053185"/>
+                <a:ext cx="241200" cy="263160"/>
+              </p14:xfrm>
+            </p:contentPart>
+          </mc:Choice>
+          <mc:Fallback xmlns="">
+            <p:pic>
+              <p:nvPicPr>
+                <p:cNvPr id="215" name="Mürekkep 214">
+                  <a:extLst>
+                    <a:ext uri="{FF2B5EF4-FFF2-40B4-BE49-F238E27FC236}">
+                      <a16:creationId xmlns:a16="http://schemas.microsoft.com/office/drawing/2014/main" id="{889C0F71-D4F5-0762-BED1-E3B6745D817A}"/>
+                    </a:ext>
+                  </a:extLst>
+                </p:cNvPr>
+                <p:cNvPicPr/>
+                <p:nvPr/>
+              </p:nvPicPr>
+              <p:blipFill>
+                <a:blip r:embed="rId215"/>
+                <a:stretch>
+                  <a:fillRect/>
+                </a:stretch>
+              </p:blipFill>
+              <p:spPr>
+                <a:xfrm>
+                  <a:off x="5581543" y="5047065"/>
+                  <a:ext cx="253440" cy="275400"/>
+                </a:xfrm>
+                <a:prstGeom prst="rect">
+                  <a:avLst/>
+                </a:prstGeom>
+              </p:spPr>
+            </p:pic>
+          </mc:Fallback>
+        </mc:AlternateContent>
+        <mc:AlternateContent xmlns:mc="http://schemas.openxmlformats.org/markup-compatibility/2006" xmlns:p14="http://schemas.microsoft.com/office/powerpoint/2010/main">
+          <mc:Choice Requires="p14">
+            <p:contentPart p14:bwMode="auto" r:id="rId216">
+              <p14:nvContentPartPr>
+                <p14:cNvPr id="196" name="Mürekkep 195">
+                  <a:extLst>
+                    <a:ext uri="{FF2B5EF4-FFF2-40B4-BE49-F238E27FC236}">
+                      <a16:creationId xmlns:a16="http://schemas.microsoft.com/office/drawing/2014/main" id="{58FFD035-4B07-ADB0-3B0D-8CAB817FABAA}"/>
+                    </a:ext>
+                  </a:extLst>
+                </p14:cNvPr>
+                <p14:cNvContentPartPr/>
+                <p14:nvPr/>
+              </p14:nvContentPartPr>
+              <p14:xfrm>
+                <a:off x="5557063" y="5107545"/>
+                <a:ext cx="253800" cy="203400"/>
+              </p14:xfrm>
+            </p:contentPart>
+          </mc:Choice>
+          <mc:Fallback xmlns="">
+            <p:pic>
+              <p:nvPicPr>
+                <p:cNvPr id="196" name="Mürekkep 195">
+                  <a:extLst>
+                    <a:ext uri="{FF2B5EF4-FFF2-40B4-BE49-F238E27FC236}">
+                      <a16:creationId xmlns:a16="http://schemas.microsoft.com/office/drawing/2014/main" id="{58FFD035-4B07-ADB0-3B0D-8CAB817FABAA}"/>
+                    </a:ext>
+                  </a:extLst>
+                </p:cNvPr>
+                <p:cNvPicPr/>
+                <p:nvPr/>
+              </p:nvPicPr>
+              <p:blipFill>
+                <a:blip r:embed="rId217"/>
+                <a:stretch>
+                  <a:fillRect/>
+                </a:stretch>
+              </p:blipFill>
+              <p:spPr>
+                <a:xfrm>
+                  <a:off x="5550943" y="5101425"/>
+                  <a:ext cx="266040" cy="215640"/>
+                </a:xfrm>
+                <a:prstGeom prst="rect">
+                  <a:avLst/>
+                </a:prstGeom>
+              </p:spPr>
+            </p:pic>
+          </mc:Fallback>
+        </mc:AlternateContent>
+        <mc:AlternateContent xmlns:mc="http://schemas.openxmlformats.org/markup-compatibility/2006" xmlns:p14="http://schemas.microsoft.com/office/powerpoint/2010/main">
+          <mc:Choice Requires="p14">
+            <p:contentPart p14:bwMode="auto" r:id="rId218">
+              <p14:nvContentPartPr>
+                <p14:cNvPr id="197" name="Mürekkep 196">
+                  <a:extLst>
+                    <a:ext uri="{FF2B5EF4-FFF2-40B4-BE49-F238E27FC236}">
+                      <a16:creationId xmlns:a16="http://schemas.microsoft.com/office/drawing/2014/main" id="{11EB2AB5-EF0A-E3EE-9904-E5F164BA605D}"/>
+                    </a:ext>
+                  </a:extLst>
+                </p14:cNvPr>
+                <p14:cNvContentPartPr/>
+                <p14:nvPr/>
+              </p14:nvContentPartPr>
+              <p14:xfrm>
+                <a:off x="5648863" y="5169105"/>
+                <a:ext cx="216720" cy="360"/>
+              </p14:xfrm>
+            </p:contentPart>
+          </mc:Choice>
+          <mc:Fallback xmlns="">
+            <p:pic>
+              <p:nvPicPr>
+                <p:cNvPr id="197" name="Mürekkep 196">
+                  <a:extLst>
+                    <a:ext uri="{FF2B5EF4-FFF2-40B4-BE49-F238E27FC236}">
+                      <a16:creationId xmlns:a16="http://schemas.microsoft.com/office/drawing/2014/main" id="{11EB2AB5-EF0A-E3EE-9904-E5F164BA605D}"/>
+                    </a:ext>
+                  </a:extLst>
+                </p:cNvPr>
+                <p:cNvPicPr/>
+                <p:nvPr/>
+              </p:nvPicPr>
+              <p:blipFill>
+                <a:blip r:embed="rId219"/>
+                <a:stretch>
+                  <a:fillRect/>
+                </a:stretch>
+              </p:blipFill>
+              <p:spPr>
+                <a:xfrm>
+                  <a:off x="5642743" y="5162985"/>
+                  <a:ext cx="228960" cy="12600"/>
+                </a:xfrm>
+                <a:prstGeom prst="rect">
+                  <a:avLst/>
+                </a:prstGeom>
+              </p:spPr>
+            </p:pic>
+          </mc:Fallback>
+        </mc:AlternateContent>
+        <mc:AlternateContent xmlns:mc="http://schemas.openxmlformats.org/markup-compatibility/2006" xmlns:p14="http://schemas.microsoft.com/office/powerpoint/2010/main">
+          <mc:Choice Requires="p14">
+            <p:contentPart p14:bwMode="auto" r:id="rId220">
+              <p14:nvContentPartPr>
+                <p14:cNvPr id="204" name="Mürekkep 203">
+                  <a:extLst>
+                    <a:ext uri="{FF2B5EF4-FFF2-40B4-BE49-F238E27FC236}">
+                      <a16:creationId xmlns:a16="http://schemas.microsoft.com/office/drawing/2014/main" id="{E26C6772-4093-9466-767B-8E59D4C3B421}"/>
+                    </a:ext>
+                  </a:extLst>
+                </p14:cNvPr>
+                <p14:cNvContentPartPr/>
+                <p14:nvPr/>
+              </p14:nvContentPartPr>
+              <p14:xfrm>
+                <a:off x="4479943" y="5147505"/>
+                <a:ext cx="794880" cy="166680"/>
+              </p14:xfrm>
+            </p:contentPart>
+          </mc:Choice>
+          <mc:Fallback xmlns="">
+            <p:pic>
+              <p:nvPicPr>
+                <p:cNvPr id="204" name="Mürekkep 203">
+                  <a:extLst>
+                    <a:ext uri="{FF2B5EF4-FFF2-40B4-BE49-F238E27FC236}">
+                      <a16:creationId xmlns:a16="http://schemas.microsoft.com/office/drawing/2014/main" id="{E26C6772-4093-9466-767B-8E59D4C3B421}"/>
+                    </a:ext>
+                  </a:extLst>
+                </p:cNvPr>
+                <p:cNvPicPr/>
+                <p:nvPr/>
+              </p:nvPicPr>
+              <p:blipFill>
+                <a:blip r:embed="rId221"/>
+                <a:stretch>
+                  <a:fillRect/>
+                </a:stretch>
+              </p:blipFill>
+              <p:spPr>
+                <a:xfrm>
+                  <a:off x="4473823" y="5141385"/>
+                  <a:ext cx="807120" cy="178920"/>
+                </a:xfrm>
+                <a:prstGeom prst="rect">
+                  <a:avLst/>
+                </a:prstGeom>
+              </p:spPr>
+            </p:pic>
+          </mc:Fallback>
+        </mc:AlternateContent>
+        <mc:AlternateContent xmlns:mc="http://schemas.openxmlformats.org/markup-compatibility/2006" xmlns:p14="http://schemas.microsoft.com/office/powerpoint/2010/main">
+          <mc:Choice Requires="p14">
+            <p:contentPart p14:bwMode="auto" r:id="rId222">
+              <p14:nvContentPartPr>
+                <p14:cNvPr id="205" name="Mürekkep 204">
+                  <a:extLst>
+                    <a:ext uri="{FF2B5EF4-FFF2-40B4-BE49-F238E27FC236}">
+                      <a16:creationId xmlns:a16="http://schemas.microsoft.com/office/drawing/2014/main" id="{8349A12C-340D-4BC1-88A5-10E480B9E31D}"/>
+                    </a:ext>
+                  </a:extLst>
+                </p14:cNvPr>
+                <p14:cNvContentPartPr/>
+                <p14:nvPr/>
+              </p14:nvContentPartPr>
+              <p14:xfrm>
+                <a:off x="5105983" y="5114385"/>
+                <a:ext cx="110160" cy="15480"/>
+              </p14:xfrm>
+            </p:contentPart>
+          </mc:Choice>
+          <mc:Fallback xmlns="">
+            <p:pic>
+              <p:nvPicPr>
+                <p:cNvPr id="205" name="Mürekkep 204">
+                  <a:extLst>
+                    <a:ext uri="{FF2B5EF4-FFF2-40B4-BE49-F238E27FC236}">
+                      <a16:creationId xmlns:a16="http://schemas.microsoft.com/office/drawing/2014/main" id="{8349A12C-340D-4BC1-88A5-10E480B9E31D}"/>
+                    </a:ext>
+                  </a:extLst>
+                </p:cNvPr>
+                <p:cNvPicPr/>
+                <p:nvPr/>
+              </p:nvPicPr>
+              <p:blipFill>
+                <a:blip r:embed="rId223"/>
+                <a:stretch>
+                  <a:fillRect/>
+                </a:stretch>
+              </p:blipFill>
+              <p:spPr>
+                <a:xfrm>
+                  <a:off x="5099863" y="5108265"/>
+                  <a:ext cx="122400" cy="27720"/>
+                </a:xfrm>
+                <a:prstGeom prst="rect">
+                  <a:avLst/>
+                </a:prstGeom>
+              </p:spPr>
+            </p:pic>
+          </mc:Fallback>
+        </mc:AlternateContent>
+        <mc:AlternateContent xmlns:mc="http://schemas.openxmlformats.org/markup-compatibility/2006" xmlns:p14="http://schemas.microsoft.com/office/powerpoint/2010/main">
+          <mc:Choice Requires="p14">
+            <p:contentPart p14:bwMode="auto" r:id="rId224">
+              <p14:nvContentPartPr>
+                <p14:cNvPr id="206" name="Mürekkep 205">
+                  <a:extLst>
+                    <a:ext uri="{FF2B5EF4-FFF2-40B4-BE49-F238E27FC236}">
+                      <a16:creationId xmlns:a16="http://schemas.microsoft.com/office/drawing/2014/main" id="{FD7B19D6-4B22-B442-F584-E7ED9531E73C}"/>
+                    </a:ext>
+                  </a:extLst>
+                </p14:cNvPr>
+                <p14:cNvContentPartPr/>
+                <p14:nvPr/>
+              </p14:nvContentPartPr>
+              <p14:xfrm>
+                <a:off x="5099143" y="5160105"/>
+                <a:ext cx="42840" cy="9360"/>
+              </p14:xfrm>
+            </p:contentPart>
+          </mc:Choice>
+          <mc:Fallback xmlns="">
+            <p:pic>
+              <p:nvPicPr>
+                <p:cNvPr id="206" name="Mürekkep 205">
+                  <a:extLst>
+                    <a:ext uri="{FF2B5EF4-FFF2-40B4-BE49-F238E27FC236}">
+                      <a16:creationId xmlns:a16="http://schemas.microsoft.com/office/drawing/2014/main" id="{FD7B19D6-4B22-B442-F584-E7ED9531E73C}"/>
+                    </a:ext>
+                  </a:extLst>
+                </p:cNvPr>
+                <p:cNvPicPr/>
+                <p:nvPr/>
+              </p:nvPicPr>
+              <p:blipFill>
+                <a:blip r:embed="rId225"/>
+                <a:stretch>
+                  <a:fillRect/>
+                </a:stretch>
+              </p:blipFill>
+              <p:spPr>
+                <a:xfrm>
+                  <a:off x="5093023" y="5153985"/>
+                  <a:ext cx="55080" cy="21600"/>
+                </a:xfrm>
+                <a:prstGeom prst="rect">
+                  <a:avLst/>
+                </a:prstGeom>
+              </p:spPr>
+            </p:pic>
+          </mc:Fallback>
+        </mc:AlternateContent>
+        <mc:AlternateContent xmlns:mc="http://schemas.openxmlformats.org/markup-compatibility/2006" xmlns:p14="http://schemas.microsoft.com/office/powerpoint/2010/main">
+          <mc:Choice Requires="p14">
+            <p:contentPart p14:bwMode="auto" r:id="rId226">
+              <p14:nvContentPartPr>
+                <p14:cNvPr id="207" name="Mürekkep 206">
+                  <a:extLst>
+                    <a:ext uri="{FF2B5EF4-FFF2-40B4-BE49-F238E27FC236}">
+                      <a16:creationId xmlns:a16="http://schemas.microsoft.com/office/drawing/2014/main" id="{CC20E166-3546-641D-AE3C-8A06A849D397}"/>
+                    </a:ext>
+                  </a:extLst>
+                </p14:cNvPr>
+                <p14:cNvContentPartPr/>
+                <p14:nvPr/>
+              </p14:nvContentPartPr>
+              <p14:xfrm>
+                <a:off x="4825543" y="5178105"/>
+                <a:ext cx="371880" cy="101160"/>
+              </p14:xfrm>
+            </p:contentPart>
+          </mc:Choice>
+          <mc:Fallback xmlns="">
+            <p:pic>
+              <p:nvPicPr>
+                <p:cNvPr id="207" name="Mürekkep 206">
+                  <a:extLst>
+                    <a:ext uri="{FF2B5EF4-FFF2-40B4-BE49-F238E27FC236}">
+                      <a16:creationId xmlns:a16="http://schemas.microsoft.com/office/drawing/2014/main" id="{CC20E166-3546-641D-AE3C-8A06A849D397}"/>
+                    </a:ext>
+                  </a:extLst>
+                </p:cNvPr>
+                <p:cNvPicPr/>
+                <p:nvPr/>
+              </p:nvPicPr>
+              <p:blipFill>
+                <a:blip r:embed="rId227"/>
+                <a:stretch>
+                  <a:fillRect/>
+                </a:stretch>
+              </p:blipFill>
+              <p:spPr>
+                <a:xfrm>
+                  <a:off x="4819423" y="5171985"/>
+                  <a:ext cx="384120" cy="113400"/>
+                </a:xfrm>
+                <a:prstGeom prst="rect">
+                  <a:avLst/>
+                </a:prstGeom>
+              </p:spPr>
+            </p:pic>
+          </mc:Fallback>
+        </mc:AlternateContent>
+        <mc:AlternateContent xmlns:mc="http://schemas.openxmlformats.org/markup-compatibility/2006" xmlns:p14="http://schemas.microsoft.com/office/powerpoint/2010/main">
+          <mc:Choice Requires="p14">
+            <p:contentPart p14:bwMode="auto" r:id="rId228">
+              <p14:nvContentPartPr>
+                <p14:cNvPr id="211" name="Mürekkep 210">
+                  <a:extLst>
+                    <a:ext uri="{FF2B5EF4-FFF2-40B4-BE49-F238E27FC236}">
+                      <a16:creationId xmlns:a16="http://schemas.microsoft.com/office/drawing/2014/main" id="{DA427263-CADC-7C3D-B299-78F3842DE298}"/>
+                    </a:ext>
+                  </a:extLst>
+                </p14:cNvPr>
+                <p14:cNvContentPartPr/>
+                <p14:nvPr/>
+              </p14:nvContentPartPr>
+              <p14:xfrm>
+                <a:off x="5323423" y="5132745"/>
+                <a:ext cx="135000" cy="360"/>
+              </p14:xfrm>
+            </p:contentPart>
+          </mc:Choice>
+          <mc:Fallback xmlns="">
+            <p:pic>
+              <p:nvPicPr>
+                <p:cNvPr id="211" name="Mürekkep 210">
+                  <a:extLst>
+                    <a:ext uri="{FF2B5EF4-FFF2-40B4-BE49-F238E27FC236}">
+                      <a16:creationId xmlns:a16="http://schemas.microsoft.com/office/drawing/2014/main" id="{DA427263-CADC-7C3D-B299-78F3842DE298}"/>
+                    </a:ext>
+                  </a:extLst>
+                </p:cNvPr>
+                <p:cNvPicPr/>
+                <p:nvPr/>
+              </p:nvPicPr>
+              <p:blipFill>
+                <a:blip r:embed="rId229"/>
+                <a:stretch>
+                  <a:fillRect/>
+                </a:stretch>
+              </p:blipFill>
+              <p:spPr>
+                <a:xfrm>
+                  <a:off x="5317303" y="5126625"/>
+                  <a:ext cx="147240" cy="12600"/>
+                </a:xfrm>
+                <a:prstGeom prst="rect">
+                  <a:avLst/>
+                </a:prstGeom>
+              </p:spPr>
+            </p:pic>
+          </mc:Fallback>
+        </mc:AlternateContent>
+        <mc:AlternateContent xmlns:mc="http://schemas.openxmlformats.org/markup-compatibility/2006" xmlns:p14="http://schemas.microsoft.com/office/powerpoint/2010/main">
+          <mc:Choice Requires="p14">
+            <p:contentPart p14:bwMode="auto" r:id="rId230">
+              <p14:nvContentPartPr>
+                <p14:cNvPr id="212" name="Mürekkep 211">
+                  <a:extLst>
+                    <a:ext uri="{FF2B5EF4-FFF2-40B4-BE49-F238E27FC236}">
+                      <a16:creationId xmlns:a16="http://schemas.microsoft.com/office/drawing/2014/main" id="{1208B75B-69AA-952D-3544-A25B33D22586}"/>
+                    </a:ext>
+                  </a:extLst>
+                </p14:cNvPr>
+                <p14:cNvContentPartPr/>
+                <p14:nvPr/>
+              </p14:nvContentPartPr>
+              <p14:xfrm>
+                <a:off x="5368423" y="5232465"/>
+                <a:ext cx="135000" cy="360"/>
+              </p14:xfrm>
+            </p:contentPart>
+          </mc:Choice>
+          <mc:Fallback xmlns="">
+            <p:pic>
+              <p:nvPicPr>
+                <p:cNvPr id="212" name="Mürekkep 211">
+                  <a:extLst>
+                    <a:ext uri="{FF2B5EF4-FFF2-40B4-BE49-F238E27FC236}">
+                      <a16:creationId xmlns:a16="http://schemas.microsoft.com/office/drawing/2014/main" id="{1208B75B-69AA-952D-3544-A25B33D22586}"/>
+                    </a:ext>
+                  </a:extLst>
+                </p:cNvPr>
+                <p:cNvPicPr/>
+                <p:nvPr/>
+              </p:nvPicPr>
+              <p:blipFill>
+                <a:blip r:embed="rId229"/>
+                <a:stretch>
+                  <a:fillRect/>
+                </a:stretch>
+              </p:blipFill>
+              <p:spPr>
+                <a:xfrm>
+                  <a:off x="5362303" y="5226345"/>
+                  <a:ext cx="147240" cy="12600"/>
+                </a:xfrm>
+                <a:prstGeom prst="rect">
+                  <a:avLst/>
+                </a:prstGeom>
+              </p:spPr>
+            </p:pic>
+          </mc:Fallback>
+        </mc:AlternateContent>
+        <mc:AlternateContent xmlns:mc="http://schemas.openxmlformats.org/markup-compatibility/2006" xmlns:p14="http://schemas.microsoft.com/office/powerpoint/2010/main">
+          <mc:Choice Requires="p14">
+            <p:contentPart p14:bwMode="auto" r:id="rId231">
+              <p14:nvContentPartPr>
+                <p14:cNvPr id="213" name="Mürekkep 212">
+                  <a:extLst>
+                    <a:ext uri="{FF2B5EF4-FFF2-40B4-BE49-F238E27FC236}">
+                      <a16:creationId xmlns:a16="http://schemas.microsoft.com/office/drawing/2014/main" id="{98DD4847-48F3-A2C6-8E9D-7B1BDD67CECF}"/>
+                    </a:ext>
+                  </a:extLst>
+                </p14:cNvPr>
+                <p14:cNvContentPartPr/>
+                <p14:nvPr/>
+              </p14:nvContentPartPr>
+              <p14:xfrm>
+                <a:off x="5359063" y="5313825"/>
+                <a:ext cx="99000" cy="360"/>
+              </p14:xfrm>
+            </p:contentPart>
+          </mc:Choice>
+          <mc:Fallback xmlns="">
+            <p:pic>
+              <p:nvPicPr>
+                <p:cNvPr id="213" name="Mürekkep 212">
+                  <a:extLst>
+                    <a:ext uri="{FF2B5EF4-FFF2-40B4-BE49-F238E27FC236}">
+                      <a16:creationId xmlns:a16="http://schemas.microsoft.com/office/drawing/2014/main" id="{98DD4847-48F3-A2C6-8E9D-7B1BDD67CECF}"/>
+                    </a:ext>
+                  </a:extLst>
+                </p:cNvPr>
+                <p:cNvPicPr/>
+                <p:nvPr/>
+              </p:nvPicPr>
+              <p:blipFill>
+                <a:blip r:embed="rId232"/>
+                <a:stretch>
+                  <a:fillRect/>
+                </a:stretch>
+              </p:blipFill>
+              <p:spPr>
+                <a:xfrm>
+                  <a:off x="5352943" y="5307705"/>
+                  <a:ext cx="111240" cy="12600"/>
+                </a:xfrm>
+                <a:prstGeom prst="rect">
+                  <a:avLst/>
+                </a:prstGeom>
+              </p:spPr>
+            </p:pic>
+          </mc:Fallback>
+        </mc:AlternateContent>
+      </p:grpSp>
+      <mc:AlternateContent xmlns:mc="http://schemas.openxmlformats.org/markup-compatibility/2006" xmlns:p14="http://schemas.microsoft.com/office/powerpoint/2010/main">
+        <mc:Choice Requires="p14">
+          <p:contentPart p14:bwMode="auto" r:id="rId233">
+            <p14:nvContentPartPr>
+              <p14:cNvPr id="216" name="Mürekkep 215">
+                <a:extLst>
+                  <a:ext uri="{FF2B5EF4-FFF2-40B4-BE49-F238E27FC236}">
+                    <a16:creationId xmlns:a16="http://schemas.microsoft.com/office/drawing/2014/main" id="{EAE82CB6-8A1D-63DF-7ABE-7244397360D8}"/>
+                  </a:ext>
+                </a:extLst>
+              </p14:cNvPr>
+              <p14:cNvContentPartPr/>
+              <p14:nvPr/>
+            </p14:nvContentPartPr>
+            <p14:xfrm>
+              <a:off x="5666863" y="5159745"/>
+              <a:ext cx="631080" cy="63720"/>
+            </p14:xfrm>
+          </p:contentPart>
+        </mc:Choice>
+        <mc:Fallback xmlns="">
+          <p:pic>
+            <p:nvPicPr>
+              <p:cNvPr id="216" name="Mürekkep 215">
+                <a:extLst>
+                  <a:ext uri="{FF2B5EF4-FFF2-40B4-BE49-F238E27FC236}">
+                    <a16:creationId xmlns:a16="http://schemas.microsoft.com/office/drawing/2014/main" id="{EAE82CB6-8A1D-63DF-7ABE-7244397360D8}"/>
+                  </a:ext>
+                </a:extLst>
+              </p:cNvPr>
+              <p:cNvPicPr/>
+              <p:nvPr/>
+            </p:nvPicPr>
+            <p:blipFill>
+              <a:blip r:embed="rId234"/>
+              <a:stretch>
+                <a:fillRect/>
+              </a:stretch>
+            </p:blipFill>
+            <p:spPr>
+              <a:xfrm>
+                <a:off x="5660743" y="5153625"/>
+                <a:ext cx="643320" cy="75960"/>
+              </a:xfrm>
+              <a:prstGeom prst="rect">
+                <a:avLst/>
+              </a:prstGeom>
+            </p:spPr>
+          </p:pic>
+        </mc:Fallback>
+      </mc:AlternateContent>
+      <p:grpSp>
+        <p:nvGrpSpPr>
+          <p:cNvPr id="223" name="Grup 222">
+            <a:extLst>
+              <a:ext uri="{FF2B5EF4-FFF2-40B4-BE49-F238E27FC236}">
+                <a16:creationId xmlns:a16="http://schemas.microsoft.com/office/drawing/2014/main" id="{DA45A915-5C5F-835A-2532-904A8AB71616}"/>
+              </a:ext>
+            </a:extLst>
+          </p:cNvPr>
+          <p:cNvGrpSpPr/>
+          <p:nvPr/>
+        </p:nvGrpSpPr>
+        <p:grpSpPr>
+          <a:xfrm>
+            <a:off x="6292903" y="4869585"/>
+            <a:ext cx="680040" cy="428400"/>
+            <a:chOff x="6292903" y="4869585"/>
+            <a:chExt cx="680040" cy="428400"/>
+          </a:xfrm>
+        </p:grpSpPr>
+        <mc:AlternateContent xmlns:mc="http://schemas.openxmlformats.org/markup-compatibility/2006" xmlns:p14="http://schemas.microsoft.com/office/powerpoint/2010/main">
+          <mc:Choice Requires="p14">
+            <p:contentPart p14:bwMode="auto" r:id="rId235">
+              <p14:nvContentPartPr>
+                <p14:cNvPr id="142" name="Mürekkep 141">
+                  <a:extLst>
+                    <a:ext uri="{FF2B5EF4-FFF2-40B4-BE49-F238E27FC236}">
+                      <a16:creationId xmlns:a16="http://schemas.microsoft.com/office/drawing/2014/main" id="{1E349B65-A276-6464-3F58-31584C332B0C}"/>
+                    </a:ext>
+                  </a:extLst>
+                </p14:cNvPr>
+                <p14:cNvContentPartPr/>
+                <p14:nvPr/>
+              </p14:nvContentPartPr>
+              <p14:xfrm>
+                <a:off x="6517183" y="4869585"/>
+                <a:ext cx="455760" cy="428400"/>
+              </p14:xfrm>
+            </p:contentPart>
+          </mc:Choice>
+          <mc:Fallback xmlns="">
+            <p:pic>
+              <p:nvPicPr>
+                <p:cNvPr id="142" name="Mürekkep 141">
+                  <a:extLst>
+                    <a:ext uri="{FF2B5EF4-FFF2-40B4-BE49-F238E27FC236}">
+                      <a16:creationId xmlns:a16="http://schemas.microsoft.com/office/drawing/2014/main" id="{1E349B65-A276-6464-3F58-31584C332B0C}"/>
+                    </a:ext>
+                  </a:extLst>
+                </p:cNvPr>
+                <p:cNvPicPr/>
+                <p:nvPr/>
+              </p:nvPicPr>
+              <p:blipFill>
+                <a:blip r:embed="rId236"/>
+                <a:stretch>
+                  <a:fillRect/>
+                </a:stretch>
+              </p:blipFill>
+              <p:spPr>
+                <a:xfrm>
+                  <a:off x="6511063" y="4863465"/>
+                  <a:ext cx="468000" cy="440640"/>
+                </a:xfrm>
+                <a:prstGeom prst="rect">
+                  <a:avLst/>
+                </a:prstGeom>
+              </p:spPr>
+            </p:pic>
+          </mc:Fallback>
+        </mc:AlternateContent>
+        <mc:AlternateContent xmlns:mc="http://schemas.openxmlformats.org/markup-compatibility/2006" xmlns:p14="http://schemas.microsoft.com/office/powerpoint/2010/main">
+          <mc:Choice Requires="p14">
+            <p:contentPart p14:bwMode="auto" r:id="rId237">
+              <p14:nvContentPartPr>
+                <p14:cNvPr id="143" name="Mürekkep 142">
+                  <a:extLst>
+                    <a:ext uri="{FF2B5EF4-FFF2-40B4-BE49-F238E27FC236}">
+                      <a16:creationId xmlns:a16="http://schemas.microsoft.com/office/drawing/2014/main" id="{202CB0A3-AE22-B736-DE3C-631A7EB5BCE5}"/>
+                    </a:ext>
+                  </a:extLst>
+                </p14:cNvPr>
+                <p14:cNvContentPartPr/>
+                <p14:nvPr/>
+              </p14:nvContentPartPr>
+              <p14:xfrm>
+                <a:off x="6495583" y="5105745"/>
+                <a:ext cx="122400" cy="12960"/>
+              </p14:xfrm>
+            </p:contentPart>
+          </mc:Choice>
+          <mc:Fallback xmlns="">
+            <p:pic>
+              <p:nvPicPr>
+                <p:cNvPr id="143" name="Mürekkep 142">
+                  <a:extLst>
+                    <a:ext uri="{FF2B5EF4-FFF2-40B4-BE49-F238E27FC236}">
+                      <a16:creationId xmlns:a16="http://schemas.microsoft.com/office/drawing/2014/main" id="{202CB0A3-AE22-B736-DE3C-631A7EB5BCE5}"/>
+                    </a:ext>
+                  </a:extLst>
+                </p:cNvPr>
+                <p:cNvPicPr/>
+                <p:nvPr/>
+              </p:nvPicPr>
+              <p:blipFill>
+                <a:blip r:embed="rId238"/>
+                <a:stretch>
+                  <a:fillRect/>
+                </a:stretch>
+              </p:blipFill>
+              <p:spPr>
+                <a:xfrm>
+                  <a:off x="6489463" y="5099625"/>
+                  <a:ext cx="134640" cy="25200"/>
+                </a:xfrm>
+                <a:prstGeom prst="rect">
+                  <a:avLst/>
+                </a:prstGeom>
+              </p:spPr>
+            </p:pic>
+          </mc:Fallback>
+        </mc:AlternateContent>
+        <mc:AlternateContent xmlns:mc="http://schemas.openxmlformats.org/markup-compatibility/2006" xmlns:p14="http://schemas.microsoft.com/office/powerpoint/2010/main">
+          <mc:Choice Requires="p14">
+            <p:contentPart p14:bwMode="auto" r:id="rId239">
+              <p14:nvContentPartPr>
+                <p14:cNvPr id="144" name="Mürekkep 143">
+                  <a:extLst>
+                    <a:ext uri="{FF2B5EF4-FFF2-40B4-BE49-F238E27FC236}">
+                      <a16:creationId xmlns:a16="http://schemas.microsoft.com/office/drawing/2014/main" id="{B1E23E0A-DDEE-0E01-DAE1-FDD035D36422}"/>
+                    </a:ext>
+                  </a:extLst>
+                </p14:cNvPr>
+                <p14:cNvContentPartPr/>
+                <p14:nvPr/>
+              </p14:nvContentPartPr>
+              <p14:xfrm>
+                <a:off x="6552103" y="5223465"/>
+                <a:ext cx="129240" cy="33480"/>
+              </p14:xfrm>
+            </p:contentPart>
+          </mc:Choice>
+          <mc:Fallback xmlns="">
+            <p:pic>
+              <p:nvPicPr>
+                <p:cNvPr id="144" name="Mürekkep 143">
+                  <a:extLst>
+                    <a:ext uri="{FF2B5EF4-FFF2-40B4-BE49-F238E27FC236}">
+                      <a16:creationId xmlns:a16="http://schemas.microsoft.com/office/drawing/2014/main" id="{B1E23E0A-DDEE-0E01-DAE1-FDD035D36422}"/>
+                    </a:ext>
+                  </a:extLst>
+                </p:cNvPr>
+                <p:cNvPicPr/>
+                <p:nvPr/>
+              </p:nvPicPr>
+              <p:blipFill>
+                <a:blip r:embed="rId240"/>
+                <a:stretch>
+                  <a:fillRect/>
+                </a:stretch>
+              </p:blipFill>
+              <p:spPr>
+                <a:xfrm>
+                  <a:off x="6545983" y="5217345"/>
+                  <a:ext cx="141480" cy="45720"/>
+                </a:xfrm>
+                <a:prstGeom prst="rect">
+                  <a:avLst/>
+                </a:prstGeom>
+              </p:spPr>
+            </p:pic>
+          </mc:Fallback>
+        </mc:AlternateContent>
+        <mc:AlternateContent xmlns:mc="http://schemas.openxmlformats.org/markup-compatibility/2006" xmlns:p14="http://schemas.microsoft.com/office/powerpoint/2010/main">
+          <mc:Choice Requires="p14">
+            <p:contentPart p14:bwMode="auto" r:id="rId241">
+              <p14:nvContentPartPr>
+                <p14:cNvPr id="146" name="Mürekkep 145">
+                  <a:extLst>
+                    <a:ext uri="{FF2B5EF4-FFF2-40B4-BE49-F238E27FC236}">
+                      <a16:creationId xmlns:a16="http://schemas.microsoft.com/office/drawing/2014/main" id="{91520A74-5B86-8544-3718-830876AE206D}"/>
+                    </a:ext>
+                  </a:extLst>
+                </p14:cNvPr>
+                <p14:cNvContentPartPr/>
+                <p14:nvPr/>
+              </p14:nvContentPartPr>
+              <p14:xfrm>
+                <a:off x="6456703" y="5088465"/>
+                <a:ext cx="100800" cy="173160"/>
+              </p14:xfrm>
+            </p:contentPart>
+          </mc:Choice>
+          <mc:Fallback xmlns="">
+            <p:pic>
+              <p:nvPicPr>
+                <p:cNvPr id="146" name="Mürekkep 145">
+                  <a:extLst>
+                    <a:ext uri="{FF2B5EF4-FFF2-40B4-BE49-F238E27FC236}">
+                      <a16:creationId xmlns:a16="http://schemas.microsoft.com/office/drawing/2014/main" id="{91520A74-5B86-8544-3718-830876AE206D}"/>
+                    </a:ext>
+                  </a:extLst>
+                </p:cNvPr>
+                <p:cNvPicPr/>
+                <p:nvPr/>
+              </p:nvPicPr>
+              <p:blipFill>
+                <a:blip r:embed="rId242"/>
+                <a:stretch>
+                  <a:fillRect/>
+                </a:stretch>
+              </p:blipFill>
+              <p:spPr>
+                <a:xfrm>
+                  <a:off x="6450583" y="5082345"/>
+                  <a:ext cx="113040" cy="185400"/>
+                </a:xfrm>
+                <a:prstGeom prst="rect">
+                  <a:avLst/>
+                </a:prstGeom>
+              </p:spPr>
+            </p:pic>
+          </mc:Fallback>
+        </mc:AlternateContent>
+        <mc:AlternateContent xmlns:mc="http://schemas.openxmlformats.org/markup-compatibility/2006" xmlns:p14="http://schemas.microsoft.com/office/powerpoint/2010/main">
+          <mc:Choice Requires="p14">
+            <p:contentPart p14:bwMode="auto" r:id="rId243">
+              <p14:nvContentPartPr>
+                <p14:cNvPr id="147" name="Mürekkep 146">
+                  <a:extLst>
+                    <a:ext uri="{FF2B5EF4-FFF2-40B4-BE49-F238E27FC236}">
+                      <a16:creationId xmlns:a16="http://schemas.microsoft.com/office/drawing/2014/main" id="{1A4EF235-90F9-4571-260A-C13255843334}"/>
+                    </a:ext>
+                  </a:extLst>
+                </p14:cNvPr>
+                <p14:cNvContentPartPr/>
+                <p14:nvPr/>
+              </p14:nvContentPartPr>
+              <p14:xfrm>
+                <a:off x="6472543" y="5162985"/>
+                <a:ext cx="37080" cy="89280"/>
+              </p14:xfrm>
+            </p:contentPart>
+          </mc:Choice>
+          <mc:Fallback xmlns="">
+            <p:pic>
+              <p:nvPicPr>
+                <p:cNvPr id="147" name="Mürekkep 146">
+                  <a:extLst>
+                    <a:ext uri="{FF2B5EF4-FFF2-40B4-BE49-F238E27FC236}">
+                      <a16:creationId xmlns:a16="http://schemas.microsoft.com/office/drawing/2014/main" id="{1A4EF235-90F9-4571-260A-C13255843334}"/>
+                    </a:ext>
+                  </a:extLst>
+                </p:cNvPr>
+                <p:cNvPicPr/>
+                <p:nvPr/>
+              </p:nvPicPr>
+              <p:blipFill>
+                <a:blip r:embed="rId244"/>
+                <a:stretch>
+                  <a:fillRect/>
+                </a:stretch>
+              </p:blipFill>
+              <p:spPr>
+                <a:xfrm>
+                  <a:off x="6466423" y="5156865"/>
+                  <a:ext cx="49320" cy="101520"/>
+                </a:xfrm>
+                <a:prstGeom prst="rect">
+                  <a:avLst/>
+                </a:prstGeom>
+              </p:spPr>
+            </p:pic>
+          </mc:Fallback>
+        </mc:AlternateContent>
+        <mc:AlternateContent xmlns:mc="http://schemas.openxmlformats.org/markup-compatibility/2006" xmlns:p14="http://schemas.microsoft.com/office/powerpoint/2010/main">
+          <mc:Choice Requires="p14">
+            <p:contentPart p14:bwMode="auto" r:id="rId245">
+              <p14:nvContentPartPr>
+                <p14:cNvPr id="149" name="Mürekkep 148">
+                  <a:extLst>
+                    <a:ext uri="{FF2B5EF4-FFF2-40B4-BE49-F238E27FC236}">
+                      <a16:creationId xmlns:a16="http://schemas.microsoft.com/office/drawing/2014/main" id="{B7CCA235-FDA9-BBB9-567E-8CF2544C31FE}"/>
+                    </a:ext>
+                  </a:extLst>
+                </p14:cNvPr>
+                <p14:cNvContentPartPr/>
+                <p14:nvPr/>
+              </p14:nvContentPartPr>
+              <p14:xfrm>
+                <a:off x="6623023" y="5018985"/>
+                <a:ext cx="29880" cy="30600"/>
+              </p14:xfrm>
+            </p:contentPart>
+          </mc:Choice>
+          <mc:Fallback xmlns="">
+            <p:pic>
+              <p:nvPicPr>
+                <p:cNvPr id="149" name="Mürekkep 148">
+                  <a:extLst>
+                    <a:ext uri="{FF2B5EF4-FFF2-40B4-BE49-F238E27FC236}">
+                      <a16:creationId xmlns:a16="http://schemas.microsoft.com/office/drawing/2014/main" id="{B7CCA235-FDA9-BBB9-567E-8CF2544C31FE}"/>
+                    </a:ext>
+                  </a:extLst>
+                </p:cNvPr>
+                <p:cNvPicPr/>
+                <p:nvPr/>
+              </p:nvPicPr>
+              <p:blipFill>
+                <a:blip r:embed="rId246"/>
+                <a:stretch>
+                  <a:fillRect/>
+                </a:stretch>
+              </p:blipFill>
+              <p:spPr>
+                <a:xfrm>
+                  <a:off x="6616903" y="5012865"/>
+                  <a:ext cx="42120" cy="42840"/>
+                </a:xfrm>
+                <a:prstGeom prst="rect">
+                  <a:avLst/>
+                </a:prstGeom>
+              </p:spPr>
+            </p:pic>
+          </mc:Fallback>
+        </mc:AlternateContent>
+        <mc:AlternateContent xmlns:mc="http://schemas.openxmlformats.org/markup-compatibility/2006" xmlns:p14="http://schemas.microsoft.com/office/powerpoint/2010/main">
+          <mc:Choice Requires="p14">
+            <p:contentPart p14:bwMode="auto" r:id="rId247">
+              <p14:nvContentPartPr>
+                <p14:cNvPr id="150" name="Mürekkep 149">
+                  <a:extLst>
+                    <a:ext uri="{FF2B5EF4-FFF2-40B4-BE49-F238E27FC236}">
+                      <a16:creationId xmlns:a16="http://schemas.microsoft.com/office/drawing/2014/main" id="{1DBF58A6-422B-E801-36D0-5EAFFE78FBF1}"/>
+                    </a:ext>
+                  </a:extLst>
+                </p14:cNvPr>
+                <p14:cNvContentPartPr/>
+                <p14:nvPr/>
+              </p14:nvContentPartPr>
+              <p14:xfrm>
+                <a:off x="6818143" y="5047065"/>
+                <a:ext cx="43920" cy="32040"/>
+              </p14:xfrm>
+            </p:contentPart>
+          </mc:Choice>
+          <mc:Fallback xmlns="">
+            <p:pic>
+              <p:nvPicPr>
+                <p:cNvPr id="150" name="Mürekkep 149">
+                  <a:extLst>
+                    <a:ext uri="{FF2B5EF4-FFF2-40B4-BE49-F238E27FC236}">
+                      <a16:creationId xmlns:a16="http://schemas.microsoft.com/office/drawing/2014/main" id="{1DBF58A6-422B-E801-36D0-5EAFFE78FBF1}"/>
+                    </a:ext>
+                  </a:extLst>
+                </p:cNvPr>
+                <p:cNvPicPr/>
+                <p:nvPr/>
+              </p:nvPicPr>
+              <p:blipFill>
+                <a:blip r:embed="rId248"/>
+                <a:stretch>
+                  <a:fillRect/>
+                </a:stretch>
+              </p:blipFill>
+              <p:spPr>
+                <a:xfrm>
+                  <a:off x="6812023" y="5040945"/>
+                  <a:ext cx="56160" cy="44280"/>
+                </a:xfrm>
+                <a:prstGeom prst="rect">
+                  <a:avLst/>
+                </a:prstGeom>
+              </p:spPr>
+            </p:pic>
+          </mc:Fallback>
+        </mc:AlternateContent>
+        <mc:AlternateContent xmlns:mc="http://schemas.openxmlformats.org/markup-compatibility/2006" xmlns:p14="http://schemas.microsoft.com/office/powerpoint/2010/main">
+          <mc:Choice Requires="p14">
+            <p:contentPart p14:bwMode="auto" r:id="rId249">
+              <p14:nvContentPartPr>
+                <p14:cNvPr id="152" name="Mürekkep 151">
+                  <a:extLst>
+                    <a:ext uri="{FF2B5EF4-FFF2-40B4-BE49-F238E27FC236}">
+                      <a16:creationId xmlns:a16="http://schemas.microsoft.com/office/drawing/2014/main" id="{1D897CA2-120F-05A8-6101-411899624E28}"/>
+                    </a:ext>
+                  </a:extLst>
+                </p14:cNvPr>
+                <p14:cNvContentPartPr/>
+                <p14:nvPr/>
+              </p14:nvContentPartPr>
+              <p14:xfrm>
+                <a:off x="6823543" y="5056065"/>
+                <a:ext cx="47880" cy="19440"/>
+              </p14:xfrm>
+            </p:contentPart>
+          </mc:Choice>
+          <mc:Fallback xmlns="">
+            <p:pic>
+              <p:nvPicPr>
+                <p:cNvPr id="152" name="Mürekkep 151">
+                  <a:extLst>
+                    <a:ext uri="{FF2B5EF4-FFF2-40B4-BE49-F238E27FC236}">
+                      <a16:creationId xmlns:a16="http://schemas.microsoft.com/office/drawing/2014/main" id="{1D897CA2-120F-05A8-6101-411899624E28}"/>
+                    </a:ext>
+                  </a:extLst>
+                </p:cNvPr>
+                <p:cNvPicPr/>
+                <p:nvPr/>
+              </p:nvPicPr>
+              <p:blipFill>
+                <a:blip r:embed="rId250"/>
+                <a:stretch>
+                  <a:fillRect/>
+                </a:stretch>
+              </p:blipFill>
+              <p:spPr>
+                <a:xfrm>
+                  <a:off x="6817423" y="5049945"/>
+                  <a:ext cx="60120" cy="31680"/>
+                </a:xfrm>
+                <a:prstGeom prst="rect">
+                  <a:avLst/>
+                </a:prstGeom>
+              </p:spPr>
+            </p:pic>
+          </mc:Fallback>
+        </mc:AlternateContent>
+        <mc:AlternateContent xmlns:mc="http://schemas.openxmlformats.org/markup-compatibility/2006" xmlns:p14="http://schemas.microsoft.com/office/powerpoint/2010/main">
+          <mc:Choice Requires="p14">
+            <p:contentPart p14:bwMode="auto" r:id="rId251">
+              <p14:nvContentPartPr>
+                <p14:cNvPr id="153" name="Mürekkep 152">
+                  <a:extLst>
+                    <a:ext uri="{FF2B5EF4-FFF2-40B4-BE49-F238E27FC236}">
+                      <a16:creationId xmlns:a16="http://schemas.microsoft.com/office/drawing/2014/main" id="{23240B43-D960-ECE7-89E7-46318749AB99}"/>
+                    </a:ext>
+                  </a:extLst>
+                </p14:cNvPr>
+                <p14:cNvContentPartPr/>
+                <p14:nvPr/>
+              </p14:nvContentPartPr>
+              <p14:xfrm>
+                <a:off x="6626983" y="4961025"/>
+                <a:ext cx="56160" cy="42840"/>
+              </p14:xfrm>
+            </p:contentPart>
+          </mc:Choice>
+          <mc:Fallback xmlns="">
+            <p:pic>
+              <p:nvPicPr>
+                <p:cNvPr id="153" name="Mürekkep 152">
+                  <a:extLst>
+                    <a:ext uri="{FF2B5EF4-FFF2-40B4-BE49-F238E27FC236}">
+                      <a16:creationId xmlns:a16="http://schemas.microsoft.com/office/drawing/2014/main" id="{23240B43-D960-ECE7-89E7-46318749AB99}"/>
+                    </a:ext>
+                  </a:extLst>
+                </p:cNvPr>
+                <p:cNvPicPr/>
+                <p:nvPr/>
+              </p:nvPicPr>
+              <p:blipFill>
+                <a:blip r:embed="rId252"/>
+                <a:stretch>
+                  <a:fillRect/>
+                </a:stretch>
+              </p:blipFill>
+              <p:spPr>
+                <a:xfrm>
+                  <a:off x="6620863" y="4954905"/>
+                  <a:ext cx="68400" cy="55080"/>
+                </a:xfrm>
+                <a:prstGeom prst="rect">
+                  <a:avLst/>
+                </a:prstGeom>
+              </p:spPr>
+            </p:pic>
+          </mc:Fallback>
+        </mc:AlternateContent>
+        <mc:AlternateContent xmlns:mc="http://schemas.openxmlformats.org/markup-compatibility/2006" xmlns:p14="http://schemas.microsoft.com/office/powerpoint/2010/main">
+          <mc:Choice Requires="p14">
+            <p:contentPart p14:bwMode="auto" r:id="rId253">
+              <p14:nvContentPartPr>
+                <p14:cNvPr id="154" name="Mürekkep 153">
+                  <a:extLst>
+                    <a:ext uri="{FF2B5EF4-FFF2-40B4-BE49-F238E27FC236}">
+                      <a16:creationId xmlns:a16="http://schemas.microsoft.com/office/drawing/2014/main" id="{95850168-8E71-667C-317F-97B35C5D7DD3}"/>
+                    </a:ext>
+                  </a:extLst>
+                </p14:cNvPr>
+                <p14:cNvContentPartPr/>
+                <p14:nvPr/>
+              </p14:nvContentPartPr>
+              <p14:xfrm>
+                <a:off x="6787183" y="4979385"/>
+                <a:ext cx="66240" cy="51120"/>
+              </p14:xfrm>
+            </p:contentPart>
+          </mc:Choice>
+          <mc:Fallback xmlns="">
+            <p:pic>
+              <p:nvPicPr>
+                <p:cNvPr id="154" name="Mürekkep 153">
+                  <a:extLst>
+                    <a:ext uri="{FF2B5EF4-FFF2-40B4-BE49-F238E27FC236}">
+                      <a16:creationId xmlns:a16="http://schemas.microsoft.com/office/drawing/2014/main" id="{95850168-8E71-667C-317F-97B35C5D7DD3}"/>
+                    </a:ext>
+                  </a:extLst>
+                </p:cNvPr>
+                <p:cNvPicPr/>
+                <p:nvPr/>
+              </p:nvPicPr>
+              <p:blipFill>
+                <a:blip r:embed="rId254"/>
+                <a:stretch>
+                  <a:fillRect/>
+                </a:stretch>
+              </p:blipFill>
+              <p:spPr>
+                <a:xfrm>
+                  <a:off x="6781063" y="4973265"/>
+                  <a:ext cx="78480" cy="63360"/>
+                </a:xfrm>
+                <a:prstGeom prst="rect">
+                  <a:avLst/>
+                </a:prstGeom>
+              </p:spPr>
+            </p:pic>
+          </mc:Fallback>
+        </mc:AlternateContent>
+        <mc:AlternateContent xmlns:mc="http://schemas.openxmlformats.org/markup-compatibility/2006" xmlns:p14="http://schemas.microsoft.com/office/powerpoint/2010/main">
+          <mc:Choice Requires="p14">
+            <p:contentPart p14:bwMode="auto" r:id="rId255">
+              <p14:nvContentPartPr>
+                <p14:cNvPr id="186" name="Mürekkep 185">
+                  <a:extLst>
+                    <a:ext uri="{FF2B5EF4-FFF2-40B4-BE49-F238E27FC236}">
+                      <a16:creationId xmlns:a16="http://schemas.microsoft.com/office/drawing/2014/main" id="{175428EC-05B4-AA4A-72EF-DC9D3B137A7C}"/>
+                    </a:ext>
+                  </a:extLst>
+                </p14:cNvPr>
+                <p14:cNvContentPartPr/>
+                <p14:nvPr/>
+              </p14:nvContentPartPr>
+              <p14:xfrm>
+                <a:off x="6470023" y="5089185"/>
+                <a:ext cx="122400" cy="159480"/>
+              </p14:xfrm>
+            </p:contentPart>
+          </mc:Choice>
+          <mc:Fallback xmlns="">
+            <p:pic>
+              <p:nvPicPr>
+                <p:cNvPr id="186" name="Mürekkep 185">
+                  <a:extLst>
+                    <a:ext uri="{FF2B5EF4-FFF2-40B4-BE49-F238E27FC236}">
+                      <a16:creationId xmlns:a16="http://schemas.microsoft.com/office/drawing/2014/main" id="{175428EC-05B4-AA4A-72EF-DC9D3B137A7C}"/>
+                    </a:ext>
+                  </a:extLst>
+                </p:cNvPr>
+                <p:cNvPicPr/>
+                <p:nvPr/>
+              </p:nvPicPr>
+              <p:blipFill>
+                <a:blip r:embed="rId256"/>
+                <a:stretch>
+                  <a:fillRect/>
+                </a:stretch>
+              </p:blipFill>
+              <p:spPr>
+                <a:xfrm>
+                  <a:off x="6463903" y="5083065"/>
+                  <a:ext cx="134640" cy="171720"/>
+                </a:xfrm>
+                <a:prstGeom prst="rect">
+                  <a:avLst/>
+                </a:prstGeom>
+              </p:spPr>
+            </p:pic>
+          </mc:Fallback>
+        </mc:AlternateContent>
+        <mc:AlternateContent xmlns:mc="http://schemas.openxmlformats.org/markup-compatibility/2006" xmlns:p14="http://schemas.microsoft.com/office/powerpoint/2010/main">
+          <mc:Choice Requires="p14">
+            <p:contentPart p14:bwMode="auto" r:id="rId257">
+              <p14:nvContentPartPr>
+                <p14:cNvPr id="187" name="Mürekkep 186">
+                  <a:extLst>
+                    <a:ext uri="{FF2B5EF4-FFF2-40B4-BE49-F238E27FC236}">
+                      <a16:creationId xmlns:a16="http://schemas.microsoft.com/office/drawing/2014/main" id="{A632BEE4-B3E7-B54A-F9C9-FD32A4BFBFDE}"/>
+                    </a:ext>
+                  </a:extLst>
+                </p14:cNvPr>
+                <p14:cNvContentPartPr/>
+                <p14:nvPr/>
+              </p14:nvContentPartPr>
+              <p14:xfrm>
+                <a:off x="6527263" y="5078745"/>
+                <a:ext cx="151560" cy="18360"/>
+              </p14:xfrm>
+            </p:contentPart>
+          </mc:Choice>
+          <mc:Fallback xmlns="">
+            <p:pic>
+              <p:nvPicPr>
+                <p:cNvPr id="187" name="Mürekkep 186">
+                  <a:extLst>
+                    <a:ext uri="{FF2B5EF4-FFF2-40B4-BE49-F238E27FC236}">
+                      <a16:creationId xmlns:a16="http://schemas.microsoft.com/office/drawing/2014/main" id="{A632BEE4-B3E7-B54A-F9C9-FD32A4BFBFDE}"/>
+                    </a:ext>
+                  </a:extLst>
+                </p:cNvPr>
+                <p:cNvPicPr/>
+                <p:nvPr/>
+              </p:nvPicPr>
+              <p:blipFill>
+                <a:blip r:embed="rId258"/>
+                <a:stretch>
+                  <a:fillRect/>
+                </a:stretch>
+              </p:blipFill>
+              <p:spPr>
+                <a:xfrm>
+                  <a:off x="6521143" y="5072625"/>
+                  <a:ext cx="163800" cy="30600"/>
+                </a:xfrm>
+                <a:prstGeom prst="rect">
+                  <a:avLst/>
+                </a:prstGeom>
+              </p:spPr>
+            </p:pic>
+          </mc:Fallback>
+        </mc:AlternateContent>
+        <mc:AlternateContent xmlns:mc="http://schemas.openxmlformats.org/markup-compatibility/2006" xmlns:p14="http://schemas.microsoft.com/office/powerpoint/2010/main">
+          <mc:Choice Requires="p14">
+            <p:contentPart p14:bwMode="auto" r:id="rId259">
+              <p14:nvContentPartPr>
+                <p14:cNvPr id="188" name="Mürekkep 187">
+                  <a:extLst>
+                    <a:ext uri="{FF2B5EF4-FFF2-40B4-BE49-F238E27FC236}">
+                      <a16:creationId xmlns:a16="http://schemas.microsoft.com/office/drawing/2014/main" id="{B6946189-C210-00F1-1C54-3B47B07187D7}"/>
+                    </a:ext>
+                  </a:extLst>
+                </p14:cNvPr>
+                <p14:cNvContentPartPr/>
+                <p14:nvPr/>
+              </p14:nvContentPartPr>
+              <p14:xfrm>
+                <a:off x="6554263" y="5196105"/>
+                <a:ext cx="197640" cy="54720"/>
+              </p14:xfrm>
+            </p:contentPart>
+          </mc:Choice>
+          <mc:Fallback xmlns="">
+            <p:pic>
+              <p:nvPicPr>
+                <p:cNvPr id="188" name="Mürekkep 187">
+                  <a:extLst>
+                    <a:ext uri="{FF2B5EF4-FFF2-40B4-BE49-F238E27FC236}">
+                      <a16:creationId xmlns:a16="http://schemas.microsoft.com/office/drawing/2014/main" id="{B6946189-C210-00F1-1C54-3B47B07187D7}"/>
+                    </a:ext>
+                  </a:extLst>
+                </p:cNvPr>
+                <p:cNvPicPr/>
+                <p:nvPr/>
+              </p:nvPicPr>
+              <p:blipFill>
+                <a:blip r:embed="rId260"/>
+                <a:stretch>
+                  <a:fillRect/>
+                </a:stretch>
+              </p:blipFill>
+              <p:spPr>
+                <a:xfrm>
+                  <a:off x="6548143" y="5189985"/>
+                  <a:ext cx="209880" cy="66960"/>
+                </a:xfrm>
+                <a:prstGeom prst="rect">
+                  <a:avLst/>
+                </a:prstGeom>
+              </p:spPr>
+            </p:pic>
+          </mc:Fallback>
+        </mc:AlternateContent>
+        <mc:AlternateContent xmlns:mc="http://schemas.openxmlformats.org/markup-compatibility/2006" xmlns:p14="http://schemas.microsoft.com/office/powerpoint/2010/main">
+          <mc:Choice Requires="p14">
+            <p:contentPart p14:bwMode="auto" r:id="rId261">
+              <p14:nvContentPartPr>
+                <p14:cNvPr id="219" name="Mürekkep 218">
+                  <a:extLst>
+                    <a:ext uri="{FF2B5EF4-FFF2-40B4-BE49-F238E27FC236}">
+                      <a16:creationId xmlns:a16="http://schemas.microsoft.com/office/drawing/2014/main" id="{E04EED3F-0128-1DBE-D744-F173A584D296}"/>
+                    </a:ext>
+                  </a:extLst>
+                </p14:cNvPr>
+                <p14:cNvContentPartPr/>
+                <p14:nvPr/>
+              </p14:nvContentPartPr>
+              <p14:xfrm>
+                <a:off x="6292903" y="5078025"/>
+                <a:ext cx="99000" cy="18720"/>
+              </p14:xfrm>
+            </p:contentPart>
+          </mc:Choice>
+          <mc:Fallback xmlns="">
+            <p:pic>
+              <p:nvPicPr>
+                <p:cNvPr id="219" name="Mürekkep 218">
+                  <a:extLst>
+                    <a:ext uri="{FF2B5EF4-FFF2-40B4-BE49-F238E27FC236}">
+                      <a16:creationId xmlns:a16="http://schemas.microsoft.com/office/drawing/2014/main" id="{E04EED3F-0128-1DBE-D744-F173A584D296}"/>
+                    </a:ext>
+                  </a:extLst>
+                </p:cNvPr>
+                <p:cNvPicPr/>
+                <p:nvPr/>
+              </p:nvPicPr>
+              <p:blipFill>
+                <a:blip r:embed="rId262"/>
+                <a:stretch>
+                  <a:fillRect/>
+                </a:stretch>
+              </p:blipFill>
+              <p:spPr>
+                <a:xfrm>
+                  <a:off x="6286783" y="5071905"/>
+                  <a:ext cx="111240" cy="30960"/>
+                </a:xfrm>
+                <a:prstGeom prst="rect">
+                  <a:avLst/>
+                </a:prstGeom>
+              </p:spPr>
+            </p:pic>
+          </mc:Fallback>
+        </mc:AlternateContent>
+        <mc:AlternateContent xmlns:mc="http://schemas.openxmlformats.org/markup-compatibility/2006" xmlns:p14="http://schemas.microsoft.com/office/powerpoint/2010/main">
+          <mc:Choice Requires="p14">
+            <p:contentPart p14:bwMode="auto" r:id="rId263">
+              <p14:nvContentPartPr>
+                <p14:cNvPr id="220" name="Mürekkep 219">
+                  <a:extLst>
+                    <a:ext uri="{FF2B5EF4-FFF2-40B4-BE49-F238E27FC236}">
+                      <a16:creationId xmlns:a16="http://schemas.microsoft.com/office/drawing/2014/main" id="{946BAF28-55CA-B6D3-637A-099D29131A7E}"/>
+                    </a:ext>
+                  </a:extLst>
+                </p14:cNvPr>
+                <p14:cNvContentPartPr/>
+                <p14:nvPr/>
+              </p14:nvContentPartPr>
+              <p14:xfrm>
+                <a:off x="6301903" y="5286825"/>
+                <a:ext cx="135000" cy="360"/>
+              </p14:xfrm>
+            </p:contentPart>
+          </mc:Choice>
+          <mc:Fallback xmlns="">
+            <p:pic>
+              <p:nvPicPr>
+                <p:cNvPr id="220" name="Mürekkep 219">
+                  <a:extLst>
+                    <a:ext uri="{FF2B5EF4-FFF2-40B4-BE49-F238E27FC236}">
+                      <a16:creationId xmlns:a16="http://schemas.microsoft.com/office/drawing/2014/main" id="{946BAF28-55CA-B6D3-637A-099D29131A7E}"/>
+                    </a:ext>
+                  </a:extLst>
+                </p:cNvPr>
+                <p:cNvPicPr/>
+                <p:nvPr/>
+              </p:nvPicPr>
+              <p:blipFill>
+                <a:blip r:embed="rId229"/>
+                <a:stretch>
+                  <a:fillRect/>
+                </a:stretch>
+              </p:blipFill>
+              <p:spPr>
+                <a:xfrm>
+                  <a:off x="6295783" y="5280705"/>
+                  <a:ext cx="147240" cy="12600"/>
+                </a:xfrm>
+                <a:prstGeom prst="rect">
+                  <a:avLst/>
+                </a:prstGeom>
+              </p:spPr>
+            </p:pic>
+          </mc:Fallback>
+        </mc:AlternateContent>
+        <mc:AlternateContent xmlns:mc="http://schemas.openxmlformats.org/markup-compatibility/2006" xmlns:p14="http://schemas.microsoft.com/office/powerpoint/2010/main">
+          <mc:Choice Requires="p14">
+            <p:contentPart p14:bwMode="auto" r:id="rId264">
+              <p14:nvContentPartPr>
+                <p14:cNvPr id="222" name="Mürekkep 221">
+                  <a:extLst>
+                    <a:ext uri="{FF2B5EF4-FFF2-40B4-BE49-F238E27FC236}">
+                      <a16:creationId xmlns:a16="http://schemas.microsoft.com/office/drawing/2014/main" id="{4B2BE98C-6EE1-6775-4B42-96A4AAD7D8C3}"/>
+                    </a:ext>
+                  </a:extLst>
+                </p14:cNvPr>
+                <p14:cNvContentPartPr/>
+                <p14:nvPr/>
+              </p14:nvContentPartPr>
+              <p14:xfrm>
+                <a:off x="6347623" y="5186745"/>
+                <a:ext cx="71280" cy="10080"/>
+              </p14:xfrm>
+            </p:contentPart>
+          </mc:Choice>
+          <mc:Fallback xmlns="">
+            <p:pic>
+              <p:nvPicPr>
+                <p:cNvPr id="222" name="Mürekkep 221">
+                  <a:extLst>
+                    <a:ext uri="{FF2B5EF4-FFF2-40B4-BE49-F238E27FC236}">
+                      <a16:creationId xmlns:a16="http://schemas.microsoft.com/office/drawing/2014/main" id="{4B2BE98C-6EE1-6775-4B42-96A4AAD7D8C3}"/>
+                    </a:ext>
+                  </a:extLst>
+                </p:cNvPr>
+                <p:cNvPicPr/>
+                <p:nvPr/>
+              </p:nvPicPr>
+              <p:blipFill>
+                <a:blip r:embed="rId265"/>
+                <a:stretch>
+                  <a:fillRect/>
+                </a:stretch>
+              </p:blipFill>
+              <p:spPr>
+                <a:xfrm>
+                  <a:off x="6341503" y="5180625"/>
+                  <a:ext cx="83520" cy="22320"/>
+                </a:xfrm>
+                <a:prstGeom prst="rect">
+                  <a:avLst/>
+                </a:prstGeom>
+              </p:spPr>
+            </p:pic>
+          </mc:Fallback>
+        </mc:AlternateContent>
+      </p:grpSp>
+      <mc:AlternateContent xmlns:mc="http://schemas.openxmlformats.org/markup-compatibility/2006" xmlns:p14="http://schemas.microsoft.com/office/powerpoint/2010/main">
+        <mc:Choice Requires="p14">
+          <p:contentPart p14:bwMode="auto" r:id="rId266">
+            <p14:nvContentPartPr>
+              <p14:cNvPr id="225" name="Mürekkep 224">
+                <a:extLst>
+                  <a:ext uri="{FF2B5EF4-FFF2-40B4-BE49-F238E27FC236}">
+                    <a16:creationId xmlns:a16="http://schemas.microsoft.com/office/drawing/2014/main" id="{14F07CB1-6CDB-FBC1-DC91-0D2B6C5CBF61}"/>
+                  </a:ext>
+                </a:extLst>
+              </p14:cNvPr>
+              <p14:cNvContentPartPr/>
+              <p14:nvPr/>
+            </p14:nvContentPartPr>
+            <p14:xfrm>
+              <a:off x="2598223" y="5214465"/>
+              <a:ext cx="1684080" cy="9360"/>
+            </p14:xfrm>
+          </p:contentPart>
+        </mc:Choice>
+        <mc:Fallback xmlns="">
+          <p:pic>
+            <p:nvPicPr>
+              <p:cNvPr id="225" name="Mürekkep 224">
+                <a:extLst>
+                  <a:ext uri="{FF2B5EF4-FFF2-40B4-BE49-F238E27FC236}">
+                    <a16:creationId xmlns:a16="http://schemas.microsoft.com/office/drawing/2014/main" id="{14F07CB1-6CDB-FBC1-DC91-0D2B6C5CBF61}"/>
+                  </a:ext>
+                </a:extLst>
+              </p:cNvPr>
+              <p:cNvPicPr/>
+              <p:nvPr/>
+            </p:nvPicPr>
+            <p:blipFill>
+              <a:blip r:embed="rId267"/>
+              <a:stretch>
+                <a:fillRect/>
+              </a:stretch>
+            </p:blipFill>
+            <p:spPr>
+              <a:xfrm>
+                <a:off x="2592103" y="5208345"/>
+                <a:ext cx="1696320" cy="21600"/>
+              </a:xfrm>
+              <a:prstGeom prst="rect">
+                <a:avLst/>
+              </a:prstGeom>
+            </p:spPr>
+          </p:pic>
+        </mc:Fallback>
+      </mc:AlternateContent>
+      <mc:AlternateContent xmlns:mc="http://schemas.openxmlformats.org/markup-compatibility/2006" xmlns:p14="http://schemas.microsoft.com/office/powerpoint/2010/main">
+        <mc:Choice Requires="p14">
+          <p:contentPart p14:bwMode="auto" r:id="rId268">
+            <p14:nvContentPartPr>
+              <p14:cNvPr id="226" name="Mürekkep 225">
+                <a:extLst>
+                  <a:ext uri="{FF2B5EF4-FFF2-40B4-BE49-F238E27FC236}">
+                    <a16:creationId xmlns:a16="http://schemas.microsoft.com/office/drawing/2014/main" id="{C35FBC2F-0047-DFE1-3E6E-68979CE8DE20}"/>
+                  </a:ext>
+                </a:extLst>
+              </p14:cNvPr>
+              <p14:cNvContentPartPr/>
+              <p14:nvPr/>
+            </p14:nvContentPartPr>
+            <p14:xfrm>
+              <a:off x="2566183" y="5078745"/>
+              <a:ext cx="278280" cy="359280"/>
+            </p14:xfrm>
+          </p:contentPart>
+        </mc:Choice>
+        <mc:Fallback xmlns="">
+          <p:pic>
+            <p:nvPicPr>
+              <p:cNvPr id="226" name="Mürekkep 225">
+                <a:extLst>
+                  <a:ext uri="{FF2B5EF4-FFF2-40B4-BE49-F238E27FC236}">
+                    <a16:creationId xmlns:a16="http://schemas.microsoft.com/office/drawing/2014/main" id="{C35FBC2F-0047-DFE1-3E6E-68979CE8DE20}"/>
+                  </a:ext>
+                </a:extLst>
+              </p:cNvPr>
+              <p:cNvPicPr/>
+              <p:nvPr/>
+            </p:nvPicPr>
+            <p:blipFill>
+              <a:blip r:embed="rId269"/>
+              <a:stretch>
+                <a:fillRect/>
+              </a:stretch>
+            </p:blipFill>
+            <p:spPr>
+              <a:xfrm>
+                <a:off x="2560063" y="5072625"/>
+                <a:ext cx="290520" cy="371520"/>
+              </a:xfrm>
+              <a:prstGeom prst="rect">
+                <a:avLst/>
+              </a:prstGeom>
+            </p:spPr>
+          </p:pic>
+        </mc:Fallback>
+      </mc:AlternateContent>
+      <mc:AlternateContent xmlns:mc="http://schemas.openxmlformats.org/markup-compatibility/2006" xmlns:p14="http://schemas.microsoft.com/office/powerpoint/2010/main">
+        <mc:Choice Requires="p14">
+          <p:contentPart p14:bwMode="auto" r:id="rId270">
+            <p14:nvContentPartPr>
+              <p14:cNvPr id="227" name="Mürekkep 226">
+                <a:extLst>
+                  <a:ext uri="{FF2B5EF4-FFF2-40B4-BE49-F238E27FC236}">
+                    <a16:creationId xmlns:a16="http://schemas.microsoft.com/office/drawing/2014/main" id="{D68ED4EC-4C06-1BE9-47F2-BE1B55F116CC}"/>
+                  </a:ext>
+                </a:extLst>
+              </p14:cNvPr>
+              <p14:cNvContentPartPr/>
+              <p14:nvPr/>
+            </p14:nvContentPartPr>
+            <p14:xfrm>
+              <a:off x="3838063" y="3555945"/>
+              <a:ext cx="2005920" cy="213840"/>
+            </p14:xfrm>
+          </p:contentPart>
+        </mc:Choice>
+        <mc:Fallback xmlns="">
+          <p:pic>
+            <p:nvPicPr>
+              <p:cNvPr id="227" name="Mürekkep 226">
+                <a:extLst>
+                  <a:ext uri="{FF2B5EF4-FFF2-40B4-BE49-F238E27FC236}">
+                    <a16:creationId xmlns:a16="http://schemas.microsoft.com/office/drawing/2014/main" id="{D68ED4EC-4C06-1BE9-47F2-BE1B55F116CC}"/>
+                  </a:ext>
+                </a:extLst>
+              </p:cNvPr>
+              <p:cNvPicPr/>
+              <p:nvPr/>
+            </p:nvPicPr>
+            <p:blipFill>
+              <a:blip r:embed="rId271"/>
+              <a:stretch>
+                <a:fillRect/>
+              </a:stretch>
+            </p:blipFill>
+            <p:spPr>
+              <a:xfrm>
+                <a:off x="3831943" y="3549825"/>
+                <a:ext cx="2018160" cy="226080"/>
+              </a:xfrm>
+              <a:prstGeom prst="rect">
+                <a:avLst/>
+              </a:prstGeom>
+            </p:spPr>
+          </p:pic>
+        </mc:Fallback>
+      </mc:AlternateContent>
+      <mc:AlternateContent xmlns:mc="http://schemas.openxmlformats.org/markup-compatibility/2006" xmlns:p14="http://schemas.microsoft.com/office/powerpoint/2010/main">
+        <mc:Choice Requires="p14">
+          <p:contentPart p14:bwMode="auto" r:id="rId272">
+            <p14:nvContentPartPr>
+              <p14:cNvPr id="229" name="Mürekkep 228">
+                <a:extLst>
+                  <a:ext uri="{FF2B5EF4-FFF2-40B4-BE49-F238E27FC236}">
+                    <a16:creationId xmlns:a16="http://schemas.microsoft.com/office/drawing/2014/main" id="{45C84176-0A25-0FD3-6A3D-524E2C910EB9}"/>
+                  </a:ext>
+                </a:extLst>
+              </p14:cNvPr>
+              <p14:cNvContentPartPr/>
+              <p14:nvPr/>
+            </p14:nvContentPartPr>
+            <p14:xfrm>
+              <a:off x="5531143" y="3738825"/>
+              <a:ext cx="308520" cy="36720"/>
+            </p14:xfrm>
+          </p:contentPart>
+        </mc:Choice>
+        <mc:Fallback xmlns="">
+          <p:pic>
+            <p:nvPicPr>
+              <p:cNvPr id="229" name="Mürekkep 228">
+                <a:extLst>
+                  <a:ext uri="{FF2B5EF4-FFF2-40B4-BE49-F238E27FC236}">
+                    <a16:creationId xmlns:a16="http://schemas.microsoft.com/office/drawing/2014/main" id="{45C84176-0A25-0FD3-6A3D-524E2C910EB9}"/>
+                  </a:ext>
+                </a:extLst>
+              </p:cNvPr>
+              <p:cNvPicPr/>
+              <p:nvPr/>
+            </p:nvPicPr>
+            <p:blipFill>
+              <a:blip r:embed="rId273"/>
+              <a:stretch>
+                <a:fillRect/>
+              </a:stretch>
+            </p:blipFill>
+            <p:spPr>
+              <a:xfrm>
+                <a:off x="5525023" y="3732705"/>
+                <a:ext cx="320760" cy="48960"/>
+              </a:xfrm>
+              <a:prstGeom prst="rect">
+                <a:avLst/>
+              </a:prstGeom>
+            </p:spPr>
+          </p:pic>
+        </mc:Fallback>
+      </mc:AlternateContent>
+      <mc:AlternateContent xmlns:mc="http://schemas.openxmlformats.org/markup-compatibility/2006" xmlns:p14="http://schemas.microsoft.com/office/powerpoint/2010/main">
+        <mc:Choice Requires="p14">
+          <p:contentPart p14:bwMode="auto" r:id="rId274">
+            <p14:nvContentPartPr>
+              <p14:cNvPr id="231" name="Mürekkep 230">
+                <a:extLst>
+                  <a:ext uri="{FF2B5EF4-FFF2-40B4-BE49-F238E27FC236}">
+                    <a16:creationId xmlns:a16="http://schemas.microsoft.com/office/drawing/2014/main" id="{9A443A52-8637-3EE5-9953-98AD41DCB1F3}"/>
+                  </a:ext>
+                </a:extLst>
+              </p14:cNvPr>
+              <p14:cNvContentPartPr/>
+              <p14:nvPr/>
+            </p14:nvContentPartPr>
+            <p14:xfrm>
+              <a:off x="5694223" y="3539745"/>
+              <a:ext cx="163440" cy="235800"/>
+            </p14:xfrm>
+          </p:contentPart>
+        </mc:Choice>
+        <mc:Fallback xmlns="">
+          <p:pic>
+            <p:nvPicPr>
+              <p:cNvPr id="231" name="Mürekkep 230">
+                <a:extLst>
+                  <a:ext uri="{FF2B5EF4-FFF2-40B4-BE49-F238E27FC236}">
+                    <a16:creationId xmlns:a16="http://schemas.microsoft.com/office/drawing/2014/main" id="{9A443A52-8637-3EE5-9953-98AD41DCB1F3}"/>
+                  </a:ext>
+                </a:extLst>
+              </p:cNvPr>
+              <p:cNvPicPr/>
+              <p:nvPr/>
+            </p:nvPicPr>
+            <p:blipFill>
+              <a:blip r:embed="rId275"/>
+              <a:stretch>
+                <a:fillRect/>
+              </a:stretch>
+            </p:blipFill>
+            <p:spPr>
+              <a:xfrm>
+                <a:off x="5688103" y="3533625"/>
+                <a:ext cx="175680" cy="248040"/>
+              </a:xfrm>
+              <a:prstGeom prst="rect">
+                <a:avLst/>
+              </a:prstGeom>
+            </p:spPr>
+          </p:pic>
+        </mc:Fallback>
+      </mc:AlternateContent>
+      <mc:AlternateContent xmlns:mc="http://schemas.openxmlformats.org/markup-compatibility/2006" xmlns:p14="http://schemas.microsoft.com/office/powerpoint/2010/main">
+        <mc:Choice Requires="p14">
+          <p:contentPart p14:bwMode="auto" r:id="rId276">
+            <p14:nvContentPartPr>
+              <p14:cNvPr id="232" name="Mürekkep 231">
+                <a:extLst>
+                  <a:ext uri="{FF2B5EF4-FFF2-40B4-BE49-F238E27FC236}">
+                    <a16:creationId xmlns:a16="http://schemas.microsoft.com/office/drawing/2014/main" id="{F6AC81B4-0E7C-4B44-32F4-DC6B4919D5DD}"/>
+                  </a:ext>
+                </a:extLst>
+              </p14:cNvPr>
+              <p14:cNvContentPartPr/>
+              <p14:nvPr/>
+            </p14:nvContentPartPr>
+            <p14:xfrm>
+              <a:off x="7957543" y="4255785"/>
+              <a:ext cx="416520" cy="44640"/>
+            </p14:xfrm>
+          </p:contentPart>
+        </mc:Choice>
+        <mc:Fallback xmlns="">
+          <p:pic>
+            <p:nvPicPr>
+              <p:cNvPr id="232" name="Mürekkep 231">
+                <a:extLst>
+                  <a:ext uri="{FF2B5EF4-FFF2-40B4-BE49-F238E27FC236}">
+                    <a16:creationId xmlns:a16="http://schemas.microsoft.com/office/drawing/2014/main" id="{F6AC81B4-0E7C-4B44-32F4-DC6B4919D5DD}"/>
+                  </a:ext>
+                </a:extLst>
+              </p:cNvPr>
+              <p:cNvPicPr/>
+              <p:nvPr/>
+            </p:nvPicPr>
+            <p:blipFill>
+              <a:blip r:embed="rId277"/>
+              <a:stretch>
+                <a:fillRect/>
+              </a:stretch>
+            </p:blipFill>
+            <p:spPr>
+              <a:xfrm>
+                <a:off x="7951423" y="4249665"/>
+                <a:ext cx="428760" cy="56880"/>
+              </a:xfrm>
+              <a:prstGeom prst="rect">
+                <a:avLst/>
+              </a:prstGeom>
+            </p:spPr>
+          </p:pic>
+        </mc:Fallback>
+      </mc:AlternateContent>
+      <mc:AlternateContent xmlns:mc="http://schemas.openxmlformats.org/markup-compatibility/2006" xmlns:p14="http://schemas.microsoft.com/office/powerpoint/2010/main">
+        <mc:Choice Requires="p14">
+          <p:contentPart p14:bwMode="auto" r:id="rId278">
+            <p14:nvContentPartPr>
+              <p14:cNvPr id="234" name="Mürekkep 233">
+                <a:extLst>
+                  <a:ext uri="{FF2B5EF4-FFF2-40B4-BE49-F238E27FC236}">
+                    <a16:creationId xmlns:a16="http://schemas.microsoft.com/office/drawing/2014/main" id="{E5E5B3EA-EEE1-1ADA-A0C0-E2F663279B76}"/>
+                  </a:ext>
+                </a:extLst>
+              </p14:cNvPr>
+              <p14:cNvContentPartPr/>
+              <p14:nvPr/>
+            </p14:nvContentPartPr>
+            <p14:xfrm>
+              <a:off x="8555143" y="4173345"/>
+              <a:ext cx="1005480" cy="63720"/>
+            </p14:xfrm>
+          </p:contentPart>
+        </mc:Choice>
+        <mc:Fallback xmlns="">
+          <p:pic>
+            <p:nvPicPr>
+              <p:cNvPr id="234" name="Mürekkep 233">
+                <a:extLst>
+                  <a:ext uri="{FF2B5EF4-FFF2-40B4-BE49-F238E27FC236}">
+                    <a16:creationId xmlns:a16="http://schemas.microsoft.com/office/drawing/2014/main" id="{E5E5B3EA-EEE1-1ADA-A0C0-E2F663279B76}"/>
+                  </a:ext>
+                </a:extLst>
+              </p:cNvPr>
+              <p:cNvPicPr/>
+              <p:nvPr/>
+            </p:nvPicPr>
+            <p:blipFill>
+              <a:blip r:embed="rId279"/>
+              <a:stretch>
+                <a:fillRect/>
+              </a:stretch>
+            </p:blipFill>
+            <p:spPr>
+              <a:xfrm>
+                <a:off x="8549023" y="4167225"/>
+                <a:ext cx="1017720" cy="75960"/>
+              </a:xfrm>
+              <a:prstGeom prst="rect">
+                <a:avLst/>
+              </a:prstGeom>
+            </p:spPr>
+          </p:pic>
+        </mc:Fallback>
+      </mc:AlternateContent>
+      <p:grpSp>
+        <p:nvGrpSpPr>
+          <p:cNvPr id="239" name="Grup 238">
+            <a:extLst>
+              <a:ext uri="{FF2B5EF4-FFF2-40B4-BE49-F238E27FC236}">
+                <a16:creationId xmlns:a16="http://schemas.microsoft.com/office/drawing/2014/main" id="{8A3B1AE7-0EC8-5398-F68A-686A65F2F03E}"/>
+              </a:ext>
+            </a:extLst>
+          </p:cNvPr>
+          <p:cNvGrpSpPr/>
+          <p:nvPr/>
+        </p:nvGrpSpPr>
+        <p:grpSpPr>
+          <a:xfrm>
+            <a:off x="9342823" y="4055625"/>
+            <a:ext cx="281520" cy="314280"/>
+            <a:chOff x="9342823" y="4055625"/>
+            <a:chExt cx="281520" cy="314280"/>
+          </a:xfrm>
+        </p:grpSpPr>
+        <mc:AlternateContent xmlns:mc="http://schemas.openxmlformats.org/markup-compatibility/2006" xmlns:p14="http://schemas.microsoft.com/office/powerpoint/2010/main">
+          <mc:Choice Requires="p14">
+            <p:contentPart p14:bwMode="auto" r:id="rId280">
+              <p14:nvContentPartPr>
+                <p14:cNvPr id="235" name="Mürekkep 234">
+                  <a:extLst>
+                    <a:ext uri="{FF2B5EF4-FFF2-40B4-BE49-F238E27FC236}">
+                      <a16:creationId xmlns:a16="http://schemas.microsoft.com/office/drawing/2014/main" id="{EA4E10EA-BD9E-A274-24B5-7B35A308689E}"/>
+                    </a:ext>
+                  </a:extLst>
+                </p14:cNvPr>
+                <p14:cNvContentPartPr/>
+                <p14:nvPr/>
+              </p14:nvContentPartPr>
+              <p14:xfrm>
+                <a:off x="9342823" y="4055625"/>
+                <a:ext cx="273960" cy="105840"/>
+              </p14:xfrm>
+            </p:contentPart>
+          </mc:Choice>
+          <mc:Fallback xmlns="">
+            <p:pic>
+              <p:nvPicPr>
+                <p:cNvPr id="235" name="Mürekkep 234">
+                  <a:extLst>
+                    <a:ext uri="{FF2B5EF4-FFF2-40B4-BE49-F238E27FC236}">
+                      <a16:creationId xmlns:a16="http://schemas.microsoft.com/office/drawing/2014/main" id="{EA4E10EA-BD9E-A274-24B5-7B35A308689E}"/>
+                    </a:ext>
+                  </a:extLst>
+                </p:cNvPr>
+                <p:cNvPicPr/>
+                <p:nvPr/>
+              </p:nvPicPr>
+              <p:blipFill>
+                <a:blip r:embed="rId281"/>
+                <a:stretch>
+                  <a:fillRect/>
+                </a:stretch>
+              </p:blipFill>
+              <p:spPr>
+                <a:xfrm>
+                  <a:off x="9336703" y="4049505"/>
+                  <a:ext cx="286200" cy="118080"/>
+                </a:xfrm>
+                <a:prstGeom prst="rect">
+                  <a:avLst/>
+                </a:prstGeom>
+              </p:spPr>
+            </p:pic>
+          </mc:Fallback>
+        </mc:AlternateContent>
+        <mc:AlternateContent xmlns:mc="http://schemas.openxmlformats.org/markup-compatibility/2006" xmlns:p14="http://schemas.microsoft.com/office/powerpoint/2010/main">
+          <mc:Choice Requires="p14">
+            <p:contentPart p14:bwMode="auto" r:id="rId282">
+              <p14:nvContentPartPr>
+                <p14:cNvPr id="236" name="Mürekkep 235">
+                  <a:extLst>
+                    <a:ext uri="{FF2B5EF4-FFF2-40B4-BE49-F238E27FC236}">
+                      <a16:creationId xmlns:a16="http://schemas.microsoft.com/office/drawing/2014/main" id="{A07A21BF-9195-03AF-F1BC-D2551177229F}"/>
+                    </a:ext>
+                  </a:extLst>
+                </p14:cNvPr>
+                <p14:cNvContentPartPr/>
+                <p14:nvPr/>
+              </p14:nvContentPartPr>
+              <p14:xfrm>
+                <a:off x="9458743" y="4163985"/>
+                <a:ext cx="165600" cy="205920"/>
+              </p14:xfrm>
+            </p:contentPart>
+          </mc:Choice>
+          <mc:Fallback xmlns="">
+            <p:pic>
+              <p:nvPicPr>
+                <p:cNvPr id="236" name="Mürekkep 235">
+                  <a:extLst>
+                    <a:ext uri="{FF2B5EF4-FFF2-40B4-BE49-F238E27FC236}">
+                      <a16:creationId xmlns:a16="http://schemas.microsoft.com/office/drawing/2014/main" id="{A07A21BF-9195-03AF-F1BC-D2551177229F}"/>
+                    </a:ext>
+                  </a:extLst>
+                </p:cNvPr>
+                <p:cNvPicPr/>
+                <p:nvPr/>
+              </p:nvPicPr>
+              <p:blipFill>
+                <a:blip r:embed="rId283"/>
+                <a:stretch>
+                  <a:fillRect/>
+                </a:stretch>
+              </p:blipFill>
+              <p:spPr>
+                <a:xfrm>
+                  <a:off x="9452623" y="4157865"/>
+                  <a:ext cx="177840" cy="218160"/>
+                </a:xfrm>
+                <a:prstGeom prst="rect">
+                  <a:avLst/>
+                </a:prstGeom>
+              </p:spPr>
+            </p:pic>
+          </mc:Fallback>
+        </mc:AlternateContent>
+        <mc:AlternateContent xmlns:mc="http://schemas.openxmlformats.org/markup-compatibility/2006" xmlns:p14="http://schemas.microsoft.com/office/powerpoint/2010/main">
+          <mc:Choice Requires="p14">
+            <p:contentPart p14:bwMode="auto" r:id="rId284">
+              <p14:nvContentPartPr>
+                <p14:cNvPr id="238" name="Mürekkep 237">
+                  <a:extLst>
+                    <a:ext uri="{FF2B5EF4-FFF2-40B4-BE49-F238E27FC236}">
+                      <a16:creationId xmlns:a16="http://schemas.microsoft.com/office/drawing/2014/main" id="{48DF70CF-B5D8-72CA-0B3D-68074C974A79}"/>
+                    </a:ext>
+                  </a:extLst>
+                </p14:cNvPr>
+                <p14:cNvContentPartPr/>
+                <p14:nvPr/>
+              </p14:nvContentPartPr>
+              <p14:xfrm>
+                <a:off x="9532903" y="4173345"/>
+                <a:ext cx="80640" cy="360"/>
+              </p14:xfrm>
+            </p:contentPart>
+          </mc:Choice>
+          <mc:Fallback xmlns="">
+            <p:pic>
+              <p:nvPicPr>
+                <p:cNvPr id="238" name="Mürekkep 237">
+                  <a:extLst>
+                    <a:ext uri="{FF2B5EF4-FFF2-40B4-BE49-F238E27FC236}">
+                      <a16:creationId xmlns:a16="http://schemas.microsoft.com/office/drawing/2014/main" id="{48DF70CF-B5D8-72CA-0B3D-68074C974A79}"/>
+                    </a:ext>
+                  </a:extLst>
+                </p:cNvPr>
+                <p:cNvPicPr/>
+                <p:nvPr/>
+              </p:nvPicPr>
+              <p:blipFill>
+                <a:blip r:embed="rId285"/>
+                <a:stretch>
+                  <a:fillRect/>
+                </a:stretch>
+              </p:blipFill>
+              <p:spPr>
+                <a:xfrm>
+                  <a:off x="9526783" y="4167225"/>
+                  <a:ext cx="92880" cy="12600"/>
                 </a:xfrm>
                 <a:prstGeom prst="rect">
                   <a:avLst/>
@@ -7278,55 +16144,27 @@
             <p:ph idx="1"/>
           </p:nvPr>
         </p:nvSpPr>
-        <p:spPr/>
+        <p:spPr>
+          <a:xfrm>
+            <a:off x="838200" y="1825625"/>
+            <a:ext cx="10515600" cy="4667250"/>
+          </a:xfrm>
+        </p:spPr>
         <p:txBody>
-          <a:bodyPr/>
+          <a:bodyPr>
+            <a:normAutofit lnSpcReduction="10000"/>
+          </a:bodyPr>
           <a:lstStyle/>
           <a:p>
             <a:r>
               <a:rPr lang="tr-TR" dirty="0"/>
-              <a:t>Emre, Zombilerin mekaniklerini komple yazman gerek </a:t>
-            </a:r>
-            <a:r>
-              <a:rPr lang="tr-TR" dirty="0" err="1"/>
-              <a:t>aga</a:t>
-            </a:r>
-            <a:r>
-              <a:rPr lang="tr-TR" dirty="0"/>
-              <a:t> *?*?*?</a:t>
+              <a:t>Emre’nin zombilerin mekaniklerini komple yazması gerek. Bu cümlenin altında yazanlar dışındaki mekanikleri diğer dokümanda yazdı. İlk 3 zombi çeşidi hem yazıldıktan hem çizildikten sonra yeni zombi türleri düşünülecektir.</a:t>
             </a:r>
           </a:p>
           <a:p>
-            <a:pPr marL="0" indent="0">
-              <a:buNone/>
-            </a:pPr>
-            <a:endParaRPr lang="tr-TR" dirty="0"/>
-          </a:p>
-          <a:p>
-            <a:pPr marL="0" indent="0">
-              <a:buNone/>
-            </a:pPr>
             <a:r>
               <a:rPr lang="tr-TR" dirty="0"/>
-              <a:t>Örneğin, </a:t>
-            </a:r>
-          </a:p>
-          <a:p>
-            <a:r>
-              <a:rPr lang="tr-TR" dirty="0"/>
-              <a:t>Oyuncuyla aynı kattaysa koşmaya başlar *!</a:t>
-            </a:r>
-          </a:p>
-          <a:p>
-            <a:r>
-              <a:rPr lang="tr-TR" dirty="0"/>
-              <a:t>Bazı zombiler oyuncuların arka tarafından koşup hızlıca önlerine geçebilir *!</a:t>
-            </a:r>
-          </a:p>
-          <a:p>
-            <a:r>
-              <a:rPr lang="tr-TR" dirty="0"/>
-              <a:t>Zombiler </a:t>
+              <a:t>Oyuncu zombinin olduğu kata çıkınca zombi bir fark etme, düşünme tarzı animasyon oynayıp, animasyon bitince oyuncuya gelmeye başlar. Bazı zombiler oyuncuların arka tarafından koşup hızlıca önlerine geçmemesi taraftarı Emre çünkü zombilerin oyuncuların zamanında vurmazsa kaçırabilip, az puan alması taraftarı. Zombiler Fletcher’ın </a:t>
             </a:r>
             <a:r>
               <a:rPr lang="tr-TR" dirty="0" err="1"/>
@@ -7334,7 +16172,23 @@
             </a:r>
             <a:r>
               <a:rPr lang="tr-TR" dirty="0"/>
-              <a:t> tuşu ile geçilebilir (?)</a:t>
+              <a:t> tuşu ile geçilebilir. </a:t>
+            </a:r>
+            <a:r>
+              <a:rPr lang="tr-TR" dirty="0" err="1"/>
+              <a:t>Woods</a:t>
+            </a:r>
+            <a:r>
+              <a:rPr lang="tr-TR" dirty="0"/>
+              <a:t> </a:t>
+            </a:r>
+            <a:r>
+              <a:rPr lang="tr-TR" dirty="0" err="1"/>
+              <a:t>dodgelayamaz</a:t>
+            </a:r>
+            <a:r>
+              <a:rPr lang="tr-TR" dirty="0"/>
+              <a:t>, zombi öldürmeden sadece yoluna devam etmek istiyorsa katman değiştirmek zorunda.</a:t>
             </a:r>
           </a:p>
         </p:txBody>

--- a/Dökümanlar/Zombi Slayers.pptx
+++ b/Dökümanlar/Zombi Slayers.pptx
@@ -122,6 +122,38 @@
 </p:presentation>
 </file>
 
+<file path=ppt/authors.xml><?xml version="1.0" encoding="utf-8"?>
+<p188:authorLst xmlns:a="http://schemas.openxmlformats.org/drawingml/2006/main" xmlns:r="http://schemas.openxmlformats.org/officeDocument/2006/relationships" xmlns:p188="http://schemas.microsoft.com/office/powerpoint/2018/8/main">
+  <p188:author id="{28A7F205-2C19-EC5A-AFF8-24563CA9BF49}" name="Muhammet Şua CAN" initials="MC" userId="S::225040044@stu.istinye.edu.tr::7d0bce66-0798-4dc8-96f8-79265fd31ee9" providerId="AD"/>
+</p188:authorLst>
+</file>
+
+<file path=ppt/comments/modernComment_101_997ECA8E.xml><?xml version="1.0" encoding="utf-8"?>
+<p188:cmLst xmlns:a="http://schemas.openxmlformats.org/drawingml/2006/main" xmlns:r="http://schemas.openxmlformats.org/officeDocument/2006/relationships" xmlns:p188="http://schemas.microsoft.com/office/powerpoint/2018/8/main">
+  <p188:cm id="{88389CCD-E63A-42A4-B865-27D8B4D3D65E}" authorId="{28A7F205-2C19-EC5A-AFF8-24563CA9BF49}" created="2025-03-11T02:39:45.318">
+    <ac:txMkLst xmlns:ac="http://schemas.microsoft.com/office/drawing/2013/main/command">
+      <pc:docMk xmlns:pc="http://schemas.microsoft.com/office/powerpoint/2013/main/command"/>
+      <pc:sldMk xmlns:pc="http://schemas.microsoft.com/office/powerpoint/2013/main/command" cId="2575223438" sldId="257"/>
+      <ac:spMk id="3" creationId="{176725F0-DAA6-0510-EF73-1B004E3C9FF9}"/>
+      <ac:txMk cp="491" len="39">
+        <ac:context len="592" hash="972954174"/>
+      </ac:txMk>
+    </ac:txMkLst>
+    <p188:pos x="9046029" y="4016375"/>
+    <p188:txBody>
+      <a:bodyPr/>
+      <a:lstStyle/>
+      <a:p>
+        <a:r>
+          <a:rPr lang="tr-TR"/>
+          <a:t>Nalaka olm, yetişir yetişir</a:t>
+        </a:r>
+      </a:p>
+    </p188:txBody>
+  </p188:cm>
+</p188:cmLst>
+</file>
+
 <file path=ppt/ink/ink1.xml><?xml version="1.0" encoding="utf-8"?>
 <inkml:ink xmlns:inkml="http://www.w3.org/2003/InkML">
   <inkml:definitions>
@@ -4210,7 +4242,7 @@
           <a:p>
             <a:fld id="{3427844D-08E9-4EA9-BCE4-0615984133BE}" type="datetimeFigureOut">
               <a:rPr lang="tr-TR" smtClean="0"/>
-              <a:t>10.03.2025</a:t>
+              <a:t>11.03.2025</a:t>
             </a:fld>
             <a:endParaRPr lang="tr-TR"/>
           </a:p>
@@ -4408,7 +4440,7 @@
           <a:p>
             <a:fld id="{3427844D-08E9-4EA9-BCE4-0615984133BE}" type="datetimeFigureOut">
               <a:rPr lang="tr-TR" smtClean="0"/>
-              <a:t>10.03.2025</a:t>
+              <a:t>11.03.2025</a:t>
             </a:fld>
             <a:endParaRPr lang="tr-TR"/>
           </a:p>
@@ -4616,7 +4648,7 @@
           <a:p>
             <a:fld id="{3427844D-08E9-4EA9-BCE4-0615984133BE}" type="datetimeFigureOut">
               <a:rPr lang="tr-TR" smtClean="0"/>
-              <a:t>10.03.2025</a:t>
+              <a:t>11.03.2025</a:t>
             </a:fld>
             <a:endParaRPr lang="tr-TR"/>
           </a:p>
@@ -4814,7 +4846,7 @@
           <a:p>
             <a:fld id="{3427844D-08E9-4EA9-BCE4-0615984133BE}" type="datetimeFigureOut">
               <a:rPr lang="tr-TR" smtClean="0"/>
-              <a:t>10.03.2025</a:t>
+              <a:t>11.03.2025</a:t>
             </a:fld>
             <a:endParaRPr lang="tr-TR"/>
           </a:p>
@@ -5089,7 +5121,7 @@
           <a:p>
             <a:fld id="{3427844D-08E9-4EA9-BCE4-0615984133BE}" type="datetimeFigureOut">
               <a:rPr lang="tr-TR" smtClean="0"/>
-              <a:t>10.03.2025</a:t>
+              <a:t>11.03.2025</a:t>
             </a:fld>
             <a:endParaRPr lang="tr-TR"/>
           </a:p>
@@ -5354,7 +5386,7 @@
           <a:p>
             <a:fld id="{3427844D-08E9-4EA9-BCE4-0615984133BE}" type="datetimeFigureOut">
               <a:rPr lang="tr-TR" smtClean="0"/>
-              <a:t>10.03.2025</a:t>
+              <a:t>11.03.2025</a:t>
             </a:fld>
             <a:endParaRPr lang="tr-TR"/>
           </a:p>
@@ -5766,7 +5798,7 @@
           <a:p>
             <a:fld id="{3427844D-08E9-4EA9-BCE4-0615984133BE}" type="datetimeFigureOut">
               <a:rPr lang="tr-TR" smtClean="0"/>
-              <a:t>10.03.2025</a:t>
+              <a:t>11.03.2025</a:t>
             </a:fld>
             <a:endParaRPr lang="tr-TR"/>
           </a:p>
@@ -5907,7 +5939,7 @@
           <a:p>
             <a:fld id="{3427844D-08E9-4EA9-BCE4-0615984133BE}" type="datetimeFigureOut">
               <a:rPr lang="tr-TR" smtClean="0"/>
-              <a:t>10.03.2025</a:t>
+              <a:t>11.03.2025</a:t>
             </a:fld>
             <a:endParaRPr lang="tr-TR"/>
           </a:p>
@@ -6020,7 +6052,7 @@
           <a:p>
             <a:fld id="{3427844D-08E9-4EA9-BCE4-0615984133BE}" type="datetimeFigureOut">
               <a:rPr lang="tr-TR" smtClean="0"/>
-              <a:t>10.03.2025</a:t>
+              <a:t>11.03.2025</a:t>
             </a:fld>
             <a:endParaRPr lang="tr-TR"/>
           </a:p>
@@ -6331,7 +6363,7 @@
           <a:p>
             <a:fld id="{3427844D-08E9-4EA9-BCE4-0615984133BE}" type="datetimeFigureOut">
               <a:rPr lang="tr-TR" smtClean="0"/>
-              <a:t>10.03.2025</a:t>
+              <a:t>11.03.2025</a:t>
             </a:fld>
             <a:endParaRPr lang="tr-TR"/>
           </a:p>
@@ -6619,7 +6651,7 @@
           <a:p>
             <a:fld id="{3427844D-08E9-4EA9-BCE4-0615984133BE}" type="datetimeFigureOut">
               <a:rPr lang="tr-TR" smtClean="0"/>
-              <a:t>10.03.2025</a:t>
+              <a:t>11.03.2025</a:t>
             </a:fld>
             <a:endParaRPr lang="tr-TR"/>
           </a:p>
@@ -6860,7 +6892,7 @@
           <a:p>
             <a:fld id="{3427844D-08E9-4EA9-BCE4-0615984133BE}" type="datetimeFigureOut">
               <a:rPr lang="tr-TR" smtClean="0"/>
-              <a:t>10.03.2025</a:t>
+              <a:t>11.03.2025</a:t>
             </a:fld>
             <a:endParaRPr lang="tr-TR"/>
           </a:p>
@@ -7964,6 +7996,11 @@
   <p:clrMapOvr>
     <a:masterClrMapping/>
   </p:clrMapOvr>
+  <p:extLst>
+    <p:ext uri="{6950BFC3-D8DA-4A85-94F7-54DA5524770B}">
+      <p188:commentRel xmlns:p188="http://schemas.microsoft.com/office/powerpoint/2018/8/main" r:id="rId2"/>
+    </p:ext>
+  </p:extLst>
 </p:sld>
 </file>
 
@@ -8399,9 +8436,6 @@
             </a:r>
           </a:p>
           <a:p>
-            <a:pPr marL="0" indent="0">
-              <a:buNone/>
-            </a:pPr>
             <a:r>
               <a:rPr lang="tr-TR" dirty="0"/>
               <a:t>Oyunda her </a:t>
@@ -8449,9 +8483,6 @@
             </a:r>
           </a:p>
           <a:p>
-            <a:pPr marL="0" indent="0">
-              <a:buNone/>
-            </a:pPr>
             <a:r>
               <a:rPr lang="tr-TR" dirty="0"/>
               <a:t>Bir bölümde 3 </a:t>
